--- a/doc/ScnLibApp.pptx
+++ b/doc/ScnLibApp.pptx
@@ -7,6 +7,7 @@
   <p:sldIdLst>
     <p:sldId id="257" r:id="rId2"/>
     <p:sldId id="256" r:id="rId3"/>
+    <p:sldId id="258" r:id="rId4"/>
   </p:sldIdLst>
   <p:sldSz cx="12192000" cy="6858000"/>
   <p:notesSz cx="6858000" cy="9144000"/>
@@ -472,7 +473,7 @@
           <a:p>
             <a:fld id="{695A433A-98FD-4747-B80D-DDFF7158CD96}" type="datetimeFigureOut">
               <a:rPr lang="en-US" smtClean="0"/>
-              <a:t>11/4/2022</a:t>
+              <a:t>9/23/2023</a:t>
             </a:fld>
             <a:endParaRPr lang="en-US"/>
           </a:p>
@@ -670,7 +671,7 @@
           <a:p>
             <a:fld id="{695A433A-98FD-4747-B80D-DDFF7158CD96}" type="datetimeFigureOut">
               <a:rPr lang="en-US" smtClean="0"/>
-              <a:t>11/4/2022</a:t>
+              <a:t>9/23/2023</a:t>
             </a:fld>
             <a:endParaRPr lang="en-US"/>
           </a:p>
@@ -878,7 +879,7 @@
           <a:p>
             <a:fld id="{695A433A-98FD-4747-B80D-DDFF7158CD96}" type="datetimeFigureOut">
               <a:rPr lang="en-US" smtClean="0"/>
-              <a:t>11/4/2022</a:t>
+              <a:t>9/23/2023</a:t>
             </a:fld>
             <a:endParaRPr lang="en-US"/>
           </a:p>
@@ -1076,7 +1077,7 @@
           <a:p>
             <a:fld id="{695A433A-98FD-4747-B80D-DDFF7158CD96}" type="datetimeFigureOut">
               <a:rPr lang="en-US" smtClean="0"/>
-              <a:t>11/4/2022</a:t>
+              <a:t>9/23/2023</a:t>
             </a:fld>
             <a:endParaRPr lang="en-US"/>
           </a:p>
@@ -1351,7 +1352,7 @@
           <a:p>
             <a:fld id="{695A433A-98FD-4747-B80D-DDFF7158CD96}" type="datetimeFigureOut">
               <a:rPr lang="en-US" smtClean="0"/>
-              <a:t>11/4/2022</a:t>
+              <a:t>9/23/2023</a:t>
             </a:fld>
             <a:endParaRPr lang="en-US"/>
           </a:p>
@@ -1616,7 +1617,7 @@
           <a:p>
             <a:fld id="{695A433A-98FD-4747-B80D-DDFF7158CD96}" type="datetimeFigureOut">
               <a:rPr lang="en-US" smtClean="0"/>
-              <a:t>11/4/2022</a:t>
+              <a:t>9/23/2023</a:t>
             </a:fld>
             <a:endParaRPr lang="en-US"/>
           </a:p>
@@ -2028,7 +2029,7 @@
           <a:p>
             <a:fld id="{695A433A-98FD-4747-B80D-DDFF7158CD96}" type="datetimeFigureOut">
               <a:rPr lang="en-US" smtClean="0"/>
-              <a:t>11/4/2022</a:t>
+              <a:t>9/23/2023</a:t>
             </a:fld>
             <a:endParaRPr lang="en-US"/>
           </a:p>
@@ -2169,7 +2170,7 @@
           <a:p>
             <a:fld id="{695A433A-98FD-4747-B80D-DDFF7158CD96}" type="datetimeFigureOut">
               <a:rPr lang="en-US" smtClean="0"/>
-              <a:t>11/4/2022</a:t>
+              <a:t>9/23/2023</a:t>
             </a:fld>
             <a:endParaRPr lang="en-US"/>
           </a:p>
@@ -2282,7 +2283,7 @@
           <a:p>
             <a:fld id="{695A433A-98FD-4747-B80D-DDFF7158CD96}" type="datetimeFigureOut">
               <a:rPr lang="en-US" smtClean="0"/>
-              <a:t>11/4/2022</a:t>
+              <a:t>9/23/2023</a:t>
             </a:fld>
             <a:endParaRPr lang="en-US"/>
           </a:p>
@@ -2593,7 +2594,7 @@
           <a:p>
             <a:fld id="{695A433A-98FD-4747-B80D-DDFF7158CD96}" type="datetimeFigureOut">
               <a:rPr lang="en-US" smtClean="0"/>
-              <a:t>11/4/2022</a:t>
+              <a:t>9/23/2023</a:t>
             </a:fld>
             <a:endParaRPr lang="en-US"/>
           </a:p>
@@ -2881,7 +2882,7 @@
           <a:p>
             <a:fld id="{695A433A-98FD-4747-B80D-DDFF7158CD96}" type="datetimeFigureOut">
               <a:rPr lang="en-US" smtClean="0"/>
-              <a:t>11/4/2022</a:t>
+              <a:t>9/23/2023</a:t>
             </a:fld>
             <a:endParaRPr lang="en-US"/>
           </a:p>
@@ -3122,7 +3123,7 @@
           <a:p>
             <a:fld id="{695A433A-98FD-4747-B80D-DDFF7158CD96}" type="datetimeFigureOut">
               <a:rPr lang="en-US" smtClean="0"/>
-              <a:t>11/4/2022</a:t>
+              <a:t>9/23/2023</a:t>
             </a:fld>
             <a:endParaRPr lang="en-US"/>
           </a:p>
@@ -3553,7 +3554,7 @@
         </p:nvSpPr>
         <p:spPr>
           <a:xfrm>
-            <a:off x="9407951" y="999241"/>
+            <a:off x="9539926" y="268121"/>
             <a:ext cx="1584088" cy="369332"/>
           </a:xfrm>
           <a:prstGeom prst="rect">
@@ -3601,7 +3602,7 @@
         </p:blipFill>
         <p:spPr>
           <a:xfrm>
-            <a:off x="7008908" y="1625742"/>
+            <a:off x="7140883" y="894622"/>
             <a:ext cx="2248214" cy="771633"/>
           </a:xfrm>
           <a:prstGeom prst="rect">
@@ -3631,7 +3632,7 @@
         </p:blipFill>
         <p:spPr>
           <a:xfrm>
-            <a:off x="9407951" y="1523111"/>
+            <a:off x="9539926" y="791991"/>
             <a:ext cx="2010056" cy="895475"/>
           </a:xfrm>
           <a:prstGeom prst="rect">
@@ -3653,7 +3654,7 @@
         </p:nvSpPr>
         <p:spPr>
           <a:xfrm>
-            <a:off x="1820091" y="487680"/>
+            <a:off x="820850" y="468826"/>
             <a:ext cx="1564467" cy="646331"/>
           </a:xfrm>
           <a:prstGeom prst="rect">
@@ -4212,6 +4213,178 @@
     <p:extLst>
       <p:ext uri="{BB962C8B-B14F-4D97-AF65-F5344CB8AC3E}">
         <p14:creationId xmlns:p14="http://schemas.microsoft.com/office/powerpoint/2010/main" val="3196331479"/>
+      </p:ext>
+    </p:extLst>
+  </p:cSld>
+  <p:clrMapOvr>
+    <a:masterClrMapping/>
+  </p:clrMapOvr>
+</p:sld>
+</file>
+
+<file path=ppt/slides/slide3.xml><?xml version="1.0" encoding="utf-8"?>
+<p:sld xmlns:a="http://schemas.openxmlformats.org/drawingml/2006/main" xmlns:r="http://schemas.openxmlformats.org/officeDocument/2006/relationships" xmlns:p="http://schemas.openxmlformats.org/presentationml/2006/main">
+  <p:cSld>
+    <p:spTree>
+      <p:nvGrpSpPr>
+        <p:cNvPr id="1" name=""/>
+        <p:cNvGrpSpPr/>
+        <p:nvPr/>
+      </p:nvGrpSpPr>
+      <p:grpSpPr>
+        <a:xfrm>
+          <a:off x="0" y="0"/>
+          <a:ext cx="0" cy="0"/>
+          <a:chOff x="0" y="0"/>
+          <a:chExt cx="0" cy="0"/>
+        </a:xfrm>
+      </p:grpSpPr>
+      <p:sp>
+        <p:nvSpPr>
+          <p:cNvPr id="4" name="TextBox 3">
+            <a:extLst>
+              <a:ext uri="{FF2B5EF4-FFF2-40B4-BE49-F238E27FC236}">
+                <a16:creationId xmlns:a16="http://schemas.microsoft.com/office/drawing/2014/main" id="{7AD5F4F9-E51A-AC38-0ED3-8D5361BEC2C2}"/>
+              </a:ext>
+            </a:extLst>
+          </p:cNvPr>
+          <p:cNvSpPr txBox="1"/>
+          <p:nvPr/>
+        </p:nvSpPr>
+        <p:spPr>
+          <a:xfrm>
+            <a:off x="605673" y="1323621"/>
+            <a:ext cx="2260075" cy="307777"/>
+          </a:xfrm>
+          <a:prstGeom prst="rect">
+            <a:avLst/>
+          </a:prstGeom>
+          <a:noFill/>
+        </p:spPr>
+        <p:txBody>
+          <a:bodyPr wrap="square">
+            <a:spAutoFit/>
+          </a:bodyPr>
+          <a:lstStyle/>
+          <a:p>
+            <a:r>
+              <a:rPr lang="en-US" sz="1400" dirty="0" err="1"/>
+              <a:t>basemap$mapview@map</a:t>
+            </a:r>
+            <a:endParaRPr lang="en-US" sz="1400" dirty="0"/>
+          </a:p>
+        </p:txBody>
+      </p:sp>
+      <p:sp>
+        <p:nvSpPr>
+          <p:cNvPr id="5" name="TextBox 4">
+            <a:extLst>
+              <a:ext uri="{FF2B5EF4-FFF2-40B4-BE49-F238E27FC236}">
+                <a16:creationId xmlns:a16="http://schemas.microsoft.com/office/drawing/2014/main" id="{12737A9E-2D58-9FE4-EB93-003041DFE73F}"/>
+              </a:ext>
+            </a:extLst>
+          </p:cNvPr>
+          <p:cNvSpPr txBox="1"/>
+          <p:nvPr/>
+        </p:nvSpPr>
+        <p:spPr>
+          <a:xfrm>
+            <a:off x="605673" y="794034"/>
+            <a:ext cx="3136769" cy="338554"/>
+          </a:xfrm>
+          <a:prstGeom prst="rect">
+            <a:avLst/>
+          </a:prstGeom>
+          <a:noFill/>
+        </p:spPr>
+        <p:txBody>
+          <a:bodyPr wrap="square">
+            <a:spAutoFit/>
+          </a:bodyPr>
+          <a:lstStyle/>
+          <a:p>
+            <a:r>
+              <a:rPr lang="en-US" sz="1600" dirty="0"/>
+              <a:t>Display map manually</a:t>
+            </a:r>
+          </a:p>
+        </p:txBody>
+      </p:sp>
+      <p:sp>
+        <p:nvSpPr>
+          <p:cNvPr id="7" name="TextBox 6">
+            <a:extLst>
+              <a:ext uri="{FF2B5EF4-FFF2-40B4-BE49-F238E27FC236}">
+                <a16:creationId xmlns:a16="http://schemas.microsoft.com/office/drawing/2014/main" id="{CF876156-9918-AC96-165F-C2BF1A2D8A59}"/>
+              </a:ext>
+            </a:extLst>
+          </p:cNvPr>
+          <p:cNvSpPr txBox="1"/>
+          <p:nvPr/>
+        </p:nvSpPr>
+        <p:spPr>
+          <a:xfrm>
+            <a:off x="4197286" y="810074"/>
+            <a:ext cx="4522508" cy="338554"/>
+          </a:xfrm>
+          <a:prstGeom prst="rect">
+            <a:avLst/>
+          </a:prstGeom>
+          <a:noFill/>
+        </p:spPr>
+        <p:txBody>
+          <a:bodyPr wrap="square">
+            <a:spAutoFit/>
+          </a:bodyPr>
+          <a:lstStyle/>
+          <a:p>
+            <a:r>
+              <a:rPr lang="en-US" sz="1600" dirty="0"/>
+              <a:t>A something with the selected data (pop emp)</a:t>
+            </a:r>
+          </a:p>
+        </p:txBody>
+      </p:sp>
+      <p:sp>
+        <p:nvSpPr>
+          <p:cNvPr id="8" name="TextBox 7">
+            <a:extLst>
+              <a:ext uri="{FF2B5EF4-FFF2-40B4-BE49-F238E27FC236}">
+                <a16:creationId xmlns:a16="http://schemas.microsoft.com/office/drawing/2014/main" id="{3DAF5B80-830D-CF3A-8A30-70283268CD89}"/>
+              </a:ext>
+            </a:extLst>
+          </p:cNvPr>
+          <p:cNvSpPr txBox="1"/>
+          <p:nvPr/>
+        </p:nvSpPr>
+        <p:spPr>
+          <a:xfrm>
+            <a:off x="4272700" y="1241525"/>
+            <a:ext cx="2524026" cy="338554"/>
+          </a:xfrm>
+          <a:prstGeom prst="rect">
+            <a:avLst/>
+          </a:prstGeom>
+          <a:noFill/>
+        </p:spPr>
+        <p:txBody>
+          <a:bodyPr wrap="square">
+            <a:spAutoFit/>
+          </a:bodyPr>
+          <a:lstStyle/>
+          <a:p>
+            <a:r>
+              <a:rPr lang="en-US" sz="1600" dirty="0" err="1"/>
+              <a:t>currentscn$tazdata</a:t>
+            </a:r>
+            <a:endParaRPr lang="en-US" sz="1600" dirty="0"/>
+          </a:p>
+        </p:txBody>
+      </p:sp>
+    </p:spTree>
+    <p:extLst>
+      <p:ext uri="{BB962C8B-B14F-4D97-AF65-F5344CB8AC3E}">
+        <p14:creationId xmlns:p14="http://schemas.microsoft.com/office/powerpoint/2010/main" val="2149677877"/>
       </p:ext>
     </p:extLst>
   </p:cSld>

--- a/doc/ScnLibApp.pptx
+++ b/doc/ScnLibApp.pptx
@@ -5,9 +5,10 @@
     <p:sldMasterId id="2147483648" r:id="rId1"/>
   </p:sldMasterIdLst>
   <p:sldIdLst>
-    <p:sldId id="257" r:id="rId2"/>
-    <p:sldId id="256" r:id="rId3"/>
-    <p:sldId id="258" r:id="rId4"/>
+    <p:sldId id="256" r:id="rId2"/>
+    <p:sldId id="259" r:id="rId3"/>
+    <p:sldId id="257" r:id="rId4"/>
+    <p:sldId id="258" r:id="rId5"/>
   </p:sldIdLst>
   <p:sldSz cx="12192000" cy="6858000"/>
   <p:notesSz cx="6858000" cy="9144000"/>
@@ -473,7 +474,7 @@
           <a:p>
             <a:fld id="{695A433A-98FD-4747-B80D-DDFF7158CD96}" type="datetimeFigureOut">
               <a:rPr lang="en-US" smtClean="0"/>
-              <a:t>9/23/2023</a:t>
+              <a:t>10/8/2023</a:t>
             </a:fld>
             <a:endParaRPr lang="en-US"/>
           </a:p>
@@ -671,7 +672,7 @@
           <a:p>
             <a:fld id="{695A433A-98FD-4747-B80D-DDFF7158CD96}" type="datetimeFigureOut">
               <a:rPr lang="en-US" smtClean="0"/>
-              <a:t>9/23/2023</a:t>
+              <a:t>10/8/2023</a:t>
             </a:fld>
             <a:endParaRPr lang="en-US"/>
           </a:p>
@@ -879,7 +880,7 @@
           <a:p>
             <a:fld id="{695A433A-98FD-4747-B80D-DDFF7158CD96}" type="datetimeFigureOut">
               <a:rPr lang="en-US" smtClean="0"/>
-              <a:t>9/23/2023</a:t>
+              <a:t>10/8/2023</a:t>
             </a:fld>
             <a:endParaRPr lang="en-US"/>
           </a:p>
@@ -1077,7 +1078,7 @@
           <a:p>
             <a:fld id="{695A433A-98FD-4747-B80D-DDFF7158CD96}" type="datetimeFigureOut">
               <a:rPr lang="en-US" smtClean="0"/>
-              <a:t>9/23/2023</a:t>
+              <a:t>10/8/2023</a:t>
             </a:fld>
             <a:endParaRPr lang="en-US"/>
           </a:p>
@@ -1352,7 +1353,7 @@
           <a:p>
             <a:fld id="{695A433A-98FD-4747-B80D-DDFF7158CD96}" type="datetimeFigureOut">
               <a:rPr lang="en-US" smtClean="0"/>
-              <a:t>9/23/2023</a:t>
+              <a:t>10/8/2023</a:t>
             </a:fld>
             <a:endParaRPr lang="en-US"/>
           </a:p>
@@ -1617,7 +1618,7 @@
           <a:p>
             <a:fld id="{695A433A-98FD-4747-B80D-DDFF7158CD96}" type="datetimeFigureOut">
               <a:rPr lang="en-US" smtClean="0"/>
-              <a:t>9/23/2023</a:t>
+              <a:t>10/8/2023</a:t>
             </a:fld>
             <a:endParaRPr lang="en-US"/>
           </a:p>
@@ -2029,7 +2030,7 @@
           <a:p>
             <a:fld id="{695A433A-98FD-4747-B80D-DDFF7158CD96}" type="datetimeFigureOut">
               <a:rPr lang="en-US" smtClean="0"/>
-              <a:t>9/23/2023</a:t>
+              <a:t>10/8/2023</a:t>
             </a:fld>
             <a:endParaRPr lang="en-US"/>
           </a:p>
@@ -2170,7 +2171,7 @@
           <a:p>
             <a:fld id="{695A433A-98FD-4747-B80D-DDFF7158CD96}" type="datetimeFigureOut">
               <a:rPr lang="en-US" smtClean="0"/>
-              <a:t>9/23/2023</a:t>
+              <a:t>10/8/2023</a:t>
             </a:fld>
             <a:endParaRPr lang="en-US"/>
           </a:p>
@@ -2283,7 +2284,7 @@
           <a:p>
             <a:fld id="{695A433A-98FD-4747-B80D-DDFF7158CD96}" type="datetimeFigureOut">
               <a:rPr lang="en-US" smtClean="0"/>
-              <a:t>9/23/2023</a:t>
+              <a:t>10/8/2023</a:t>
             </a:fld>
             <a:endParaRPr lang="en-US"/>
           </a:p>
@@ -2594,7 +2595,7 @@
           <a:p>
             <a:fld id="{695A433A-98FD-4747-B80D-DDFF7158CD96}" type="datetimeFigureOut">
               <a:rPr lang="en-US" smtClean="0"/>
-              <a:t>9/23/2023</a:t>
+              <a:t>10/8/2023</a:t>
             </a:fld>
             <a:endParaRPr lang="en-US"/>
           </a:p>
@@ -2882,7 +2883,7 @@
           <a:p>
             <a:fld id="{695A433A-98FD-4747-B80D-DDFF7158CD96}" type="datetimeFigureOut">
               <a:rPr lang="en-US" smtClean="0"/>
-              <a:t>9/23/2023</a:t>
+              <a:t>10/8/2023</a:t>
             </a:fld>
             <a:endParaRPr lang="en-US"/>
           </a:p>
@@ -3123,7 +3124,7 @@
           <a:p>
             <a:fld id="{695A433A-98FD-4747-B80D-DDFF7158CD96}" type="datetimeFigureOut">
               <a:rPr lang="en-US" smtClean="0"/>
-              <a:t>9/23/2023</a:t>
+              <a:t>10/8/2023</a:t>
             </a:fld>
             <a:endParaRPr lang="en-US"/>
           </a:p>
@@ -3540,182 +3541,6 @@
           <a:chExt cx="0" cy="0"/>
         </a:xfrm>
       </p:grpSpPr>
-      <p:sp>
-        <p:nvSpPr>
-          <p:cNvPr id="2" name="TextBox 1">
-            <a:extLst>
-              <a:ext uri="{FF2B5EF4-FFF2-40B4-BE49-F238E27FC236}">
-                <a16:creationId xmlns:a16="http://schemas.microsoft.com/office/drawing/2014/main" id="{BD974E58-B546-3B3B-CC35-84C380AF9619}"/>
-              </a:ext>
-            </a:extLst>
-          </p:cNvPr>
-          <p:cNvSpPr txBox="1"/>
-          <p:nvPr/>
-        </p:nvSpPr>
-        <p:spPr>
-          <a:xfrm>
-            <a:off x="9539926" y="268121"/>
-            <a:ext cx="1584088" cy="369332"/>
-          </a:xfrm>
-          <a:prstGeom prst="rect">
-            <a:avLst/>
-          </a:prstGeom>
-          <a:noFill/>
-        </p:spPr>
-        <p:txBody>
-          <a:bodyPr wrap="none" rtlCol="0">
-            <a:spAutoFit/>
-          </a:bodyPr>
-          <a:lstStyle/>
-          <a:p>
-            <a:r>
-              <a:rPr lang="he-IL" dirty="0"/>
-              <a:t>שכבות </a:t>
-            </a:r>
-            <a:r>
-              <a:rPr lang="he-IL" dirty="0" err="1"/>
-              <a:t>אגרגציה</a:t>
-            </a:r>
-            <a:endParaRPr lang="en-US" dirty="0"/>
-          </a:p>
-        </p:txBody>
-      </p:sp>
-      <p:pic>
-        <p:nvPicPr>
-          <p:cNvPr id="4" name="Picture 3">
-            <a:extLst>
-              <a:ext uri="{FF2B5EF4-FFF2-40B4-BE49-F238E27FC236}">
-                <a16:creationId xmlns:a16="http://schemas.microsoft.com/office/drawing/2014/main" id="{BA8BE494-8D9E-209B-322C-51260186BE9C}"/>
-              </a:ext>
-            </a:extLst>
-          </p:cNvPr>
-          <p:cNvPicPr>
-            <a:picLocks noChangeAspect="1"/>
-          </p:cNvPicPr>
-          <p:nvPr/>
-        </p:nvPicPr>
-        <p:blipFill>
-          <a:blip r:embed="rId2"/>
-          <a:stretch>
-            <a:fillRect/>
-          </a:stretch>
-        </p:blipFill>
-        <p:spPr>
-          <a:xfrm>
-            <a:off x="7140883" y="894622"/>
-            <a:ext cx="2248214" cy="771633"/>
-          </a:xfrm>
-          <a:prstGeom prst="rect">
-            <a:avLst/>
-          </a:prstGeom>
-        </p:spPr>
-      </p:pic>
-      <p:pic>
-        <p:nvPicPr>
-          <p:cNvPr id="6" name="Picture 5">
-            <a:extLst>
-              <a:ext uri="{FF2B5EF4-FFF2-40B4-BE49-F238E27FC236}">
-                <a16:creationId xmlns:a16="http://schemas.microsoft.com/office/drawing/2014/main" id="{1D06C109-BC4A-AA6D-69BD-DB042B64C3BF}"/>
-              </a:ext>
-            </a:extLst>
-          </p:cNvPr>
-          <p:cNvPicPr>
-            <a:picLocks noChangeAspect="1"/>
-          </p:cNvPicPr>
-          <p:nvPr/>
-        </p:nvPicPr>
-        <p:blipFill>
-          <a:blip r:embed="rId3"/>
-          <a:stretch>
-            <a:fillRect/>
-          </a:stretch>
-        </p:blipFill>
-        <p:spPr>
-          <a:xfrm>
-            <a:off x="9539926" y="791991"/>
-            <a:ext cx="2010056" cy="895475"/>
-          </a:xfrm>
-          <a:prstGeom prst="rect">
-            <a:avLst/>
-          </a:prstGeom>
-        </p:spPr>
-      </p:pic>
-      <p:sp>
-        <p:nvSpPr>
-          <p:cNvPr id="3" name="TextBox 2">
-            <a:extLst>
-              <a:ext uri="{FF2B5EF4-FFF2-40B4-BE49-F238E27FC236}">
-                <a16:creationId xmlns:a16="http://schemas.microsoft.com/office/drawing/2014/main" id="{C8315141-1546-3D57-8810-67A29EBADD8D}"/>
-              </a:ext>
-            </a:extLst>
-          </p:cNvPr>
-          <p:cNvSpPr txBox="1"/>
-          <p:nvPr/>
-        </p:nvSpPr>
-        <p:spPr>
-          <a:xfrm>
-            <a:off x="820850" y="468826"/>
-            <a:ext cx="1564467" cy="646331"/>
-          </a:xfrm>
-          <a:prstGeom prst="rect">
-            <a:avLst/>
-          </a:prstGeom>
-          <a:noFill/>
-        </p:spPr>
-        <p:txBody>
-          <a:bodyPr wrap="none" rtlCol="0">
-            <a:spAutoFit/>
-          </a:bodyPr>
-          <a:lstStyle/>
-          <a:p>
-            <a:r>
-              <a:rPr lang="en-US" dirty="0"/>
-              <a:t>Radio org or </a:t>
-            </a:r>
-            <a:r>
-              <a:rPr lang="en-US" dirty="0" err="1"/>
-              <a:t>sz</a:t>
-            </a:r>
-            <a:endParaRPr lang="en-US" dirty="0"/>
-          </a:p>
-          <a:p>
-            <a:r>
-              <a:rPr lang="en-US" dirty="0"/>
-              <a:t>+ menu list</a:t>
-            </a:r>
-          </a:p>
-        </p:txBody>
-      </p:sp>
-    </p:spTree>
-    <p:extLst>
-      <p:ext uri="{BB962C8B-B14F-4D97-AF65-F5344CB8AC3E}">
-        <p14:creationId xmlns:p14="http://schemas.microsoft.com/office/powerpoint/2010/main" val="3169381269"/>
-      </p:ext>
-    </p:extLst>
-  </p:cSld>
-  <p:clrMapOvr>
-    <a:masterClrMapping/>
-  </p:clrMapOvr>
-</p:sld>
-</file>
-
-<file path=ppt/slides/slide2.xml><?xml version="1.0" encoding="utf-8"?>
-<p:sld xmlns:a="http://schemas.openxmlformats.org/drawingml/2006/main" xmlns:r="http://schemas.openxmlformats.org/officeDocument/2006/relationships" xmlns:p="http://schemas.openxmlformats.org/presentationml/2006/main">
-  <p:cSld>
-    <p:spTree>
-      <p:nvGrpSpPr>
-        <p:cNvPr id="1" name=""/>
-        <p:cNvGrpSpPr/>
-        <p:nvPr/>
-      </p:nvGrpSpPr>
-      <p:grpSpPr>
-        <a:xfrm>
-          <a:off x="0" y="0"/>
-          <a:ext cx="0" cy="0"/>
-          <a:chOff x="0" y="0"/>
-          <a:chExt cx="0" cy="0"/>
-        </a:xfrm>
-      </p:grpSpPr>
       <p:pic>
         <p:nvPicPr>
           <p:cNvPr id="7" name="Picture 6">
@@ -4222,7 +4047,420 @@
 </p:sld>
 </file>
 
+<file path=ppt/slides/slide2.xml><?xml version="1.0" encoding="utf-8"?>
+<p:sld xmlns:a="http://schemas.openxmlformats.org/drawingml/2006/main" xmlns:r="http://schemas.openxmlformats.org/officeDocument/2006/relationships" xmlns:p="http://schemas.openxmlformats.org/presentationml/2006/main">
+  <p:cSld>
+    <p:spTree>
+      <p:nvGrpSpPr>
+        <p:cNvPr id="1" name=""/>
+        <p:cNvGrpSpPr/>
+        <p:nvPr/>
+      </p:nvGrpSpPr>
+      <p:grpSpPr>
+        <a:xfrm>
+          <a:off x="0" y="0"/>
+          <a:ext cx="0" cy="0"/>
+          <a:chOff x="0" y="0"/>
+          <a:chExt cx="0" cy="0"/>
+        </a:xfrm>
+      </p:grpSpPr>
+      <p:pic>
+        <p:nvPicPr>
+          <p:cNvPr id="3" name="Picture 2">
+            <a:extLst>
+              <a:ext uri="{FF2B5EF4-FFF2-40B4-BE49-F238E27FC236}">
+                <a16:creationId xmlns:a16="http://schemas.microsoft.com/office/drawing/2014/main" id="{D134B9A4-4A7C-A17E-605A-5EC0976EA4E0}"/>
+              </a:ext>
+            </a:extLst>
+          </p:cNvPr>
+          <p:cNvPicPr>
+            <a:picLocks noChangeAspect="1"/>
+          </p:cNvPicPr>
+          <p:nvPr/>
+        </p:nvPicPr>
+        <p:blipFill>
+          <a:blip r:embed="rId2"/>
+          <a:stretch>
+            <a:fillRect/>
+          </a:stretch>
+        </p:blipFill>
+        <p:spPr>
+          <a:xfrm>
+            <a:off x="781742" y="797671"/>
+            <a:ext cx="1333686" cy="3848637"/>
+          </a:xfrm>
+          <a:prstGeom prst="rect">
+            <a:avLst/>
+          </a:prstGeom>
+        </p:spPr>
+      </p:pic>
+      <p:cxnSp>
+        <p:nvCxnSpPr>
+          <p:cNvPr id="5" name="Straight Arrow Connector 4">
+            <a:extLst>
+              <a:ext uri="{FF2B5EF4-FFF2-40B4-BE49-F238E27FC236}">
+                <a16:creationId xmlns:a16="http://schemas.microsoft.com/office/drawing/2014/main" id="{70CCF385-E6A9-E115-9DD4-77981493F458}"/>
+              </a:ext>
+            </a:extLst>
+          </p:cNvPr>
+          <p:cNvCxnSpPr/>
+          <p:nvPr/>
+        </p:nvCxnSpPr>
+        <p:spPr>
+          <a:xfrm>
+            <a:off x="1941922" y="3657600"/>
+            <a:ext cx="641022" cy="0"/>
+          </a:xfrm>
+          <a:prstGeom prst="straightConnector1">
+            <a:avLst/>
+          </a:prstGeom>
+          <a:ln>
+            <a:tailEnd type="triangle"/>
+          </a:ln>
+        </p:spPr>
+        <p:style>
+          <a:lnRef idx="1">
+            <a:schemeClr val="accent1"/>
+          </a:lnRef>
+          <a:fillRef idx="0">
+            <a:schemeClr val="accent1"/>
+          </a:fillRef>
+          <a:effectRef idx="0">
+            <a:schemeClr val="accent1"/>
+          </a:effectRef>
+          <a:fontRef idx="minor">
+            <a:schemeClr val="tx1"/>
+          </a:fontRef>
+        </p:style>
+      </p:cxnSp>
+      <p:pic>
+        <p:nvPicPr>
+          <p:cNvPr id="7" name="Picture 6">
+            <a:extLst>
+              <a:ext uri="{FF2B5EF4-FFF2-40B4-BE49-F238E27FC236}">
+                <a16:creationId xmlns:a16="http://schemas.microsoft.com/office/drawing/2014/main" id="{B2FEB588-0B84-67DF-5E9D-ECCA1226B2C5}"/>
+              </a:ext>
+            </a:extLst>
+          </p:cNvPr>
+          <p:cNvPicPr>
+            <a:picLocks noChangeAspect="1"/>
+          </p:cNvPicPr>
+          <p:nvPr/>
+        </p:nvPicPr>
+        <p:blipFill>
+          <a:blip r:embed="rId3"/>
+          <a:stretch>
+            <a:fillRect/>
+          </a:stretch>
+        </p:blipFill>
+        <p:spPr>
+          <a:xfrm>
+            <a:off x="3112666" y="304066"/>
+            <a:ext cx="4325083" cy="2550353"/>
+          </a:xfrm>
+          <a:prstGeom prst="rect">
+            <a:avLst/>
+          </a:prstGeom>
+        </p:spPr>
+      </p:pic>
+      <p:pic>
+        <p:nvPicPr>
+          <p:cNvPr id="11" name="Picture 10">
+            <a:extLst>
+              <a:ext uri="{FF2B5EF4-FFF2-40B4-BE49-F238E27FC236}">
+                <a16:creationId xmlns:a16="http://schemas.microsoft.com/office/drawing/2014/main" id="{8C0B0D2C-A85C-EEEA-01FB-244884000B1A}"/>
+              </a:ext>
+            </a:extLst>
+          </p:cNvPr>
+          <p:cNvPicPr>
+            <a:picLocks noChangeAspect="1"/>
+          </p:cNvPicPr>
+          <p:nvPr/>
+        </p:nvPicPr>
+        <p:blipFill>
+          <a:blip r:embed="rId4"/>
+          <a:stretch>
+            <a:fillRect/>
+          </a:stretch>
+        </p:blipFill>
+        <p:spPr>
+          <a:xfrm>
+            <a:off x="2859121" y="3142776"/>
+            <a:ext cx="9157256" cy="3007064"/>
+          </a:xfrm>
+          <a:prstGeom prst="rect">
+            <a:avLst/>
+          </a:prstGeom>
+        </p:spPr>
+      </p:pic>
+      <p:cxnSp>
+        <p:nvCxnSpPr>
+          <p:cNvPr id="13" name="Straight Arrow Connector 12">
+            <a:extLst>
+              <a:ext uri="{FF2B5EF4-FFF2-40B4-BE49-F238E27FC236}">
+                <a16:creationId xmlns:a16="http://schemas.microsoft.com/office/drawing/2014/main" id="{EDC2846D-2DE6-FD2F-4481-A25365E032EF}"/>
+              </a:ext>
+            </a:extLst>
+          </p:cNvPr>
+          <p:cNvCxnSpPr/>
+          <p:nvPr/>
+        </p:nvCxnSpPr>
+        <p:spPr>
+          <a:xfrm>
+            <a:off x="11029361" y="2721989"/>
+            <a:ext cx="0" cy="238027"/>
+          </a:xfrm>
+          <a:prstGeom prst="straightConnector1">
+            <a:avLst/>
+          </a:prstGeom>
+          <a:ln>
+            <a:tailEnd type="triangle"/>
+          </a:ln>
+        </p:spPr>
+        <p:style>
+          <a:lnRef idx="1">
+            <a:schemeClr val="accent1"/>
+          </a:lnRef>
+          <a:fillRef idx="0">
+            <a:schemeClr val="accent1"/>
+          </a:fillRef>
+          <a:effectRef idx="0">
+            <a:schemeClr val="accent1"/>
+          </a:effectRef>
+          <a:fontRef idx="minor">
+            <a:schemeClr val="tx1"/>
+          </a:fontRef>
+        </p:style>
+      </p:cxnSp>
+      <p:cxnSp>
+        <p:nvCxnSpPr>
+          <p:cNvPr id="14" name="Straight Arrow Connector 13">
+            <a:extLst>
+              <a:ext uri="{FF2B5EF4-FFF2-40B4-BE49-F238E27FC236}">
+                <a16:creationId xmlns:a16="http://schemas.microsoft.com/office/drawing/2014/main" id="{5E2F50E9-7365-2718-4815-FB32AF7EF5BC}"/>
+              </a:ext>
+            </a:extLst>
+          </p:cNvPr>
+          <p:cNvCxnSpPr/>
+          <p:nvPr/>
+        </p:nvCxnSpPr>
+        <p:spPr>
+          <a:xfrm>
+            <a:off x="11519555" y="2721989"/>
+            <a:ext cx="0" cy="238027"/>
+          </a:xfrm>
+          <a:prstGeom prst="straightConnector1">
+            <a:avLst/>
+          </a:prstGeom>
+          <a:ln>
+            <a:tailEnd type="triangle"/>
+          </a:ln>
+        </p:spPr>
+        <p:style>
+          <a:lnRef idx="1">
+            <a:schemeClr val="accent1"/>
+          </a:lnRef>
+          <a:fillRef idx="0">
+            <a:schemeClr val="accent1"/>
+          </a:fillRef>
+          <a:effectRef idx="0">
+            <a:schemeClr val="accent1"/>
+          </a:effectRef>
+          <a:fontRef idx="minor">
+            <a:schemeClr val="tx1"/>
+          </a:fontRef>
+        </p:style>
+      </p:cxnSp>
+    </p:spTree>
+    <p:extLst>
+      <p:ext uri="{BB962C8B-B14F-4D97-AF65-F5344CB8AC3E}">
+        <p14:creationId xmlns:p14="http://schemas.microsoft.com/office/powerpoint/2010/main" val="4094808380"/>
+      </p:ext>
+    </p:extLst>
+  </p:cSld>
+  <p:clrMapOvr>
+    <a:masterClrMapping/>
+  </p:clrMapOvr>
+</p:sld>
+</file>
+
 <file path=ppt/slides/slide3.xml><?xml version="1.0" encoding="utf-8"?>
+<p:sld xmlns:a="http://schemas.openxmlformats.org/drawingml/2006/main" xmlns:r="http://schemas.openxmlformats.org/officeDocument/2006/relationships" xmlns:p="http://schemas.openxmlformats.org/presentationml/2006/main">
+  <p:cSld>
+    <p:spTree>
+      <p:nvGrpSpPr>
+        <p:cNvPr id="1" name=""/>
+        <p:cNvGrpSpPr/>
+        <p:nvPr/>
+      </p:nvGrpSpPr>
+      <p:grpSpPr>
+        <a:xfrm>
+          <a:off x="0" y="0"/>
+          <a:ext cx="0" cy="0"/>
+          <a:chOff x="0" y="0"/>
+          <a:chExt cx="0" cy="0"/>
+        </a:xfrm>
+      </p:grpSpPr>
+      <p:sp>
+        <p:nvSpPr>
+          <p:cNvPr id="2" name="TextBox 1">
+            <a:extLst>
+              <a:ext uri="{FF2B5EF4-FFF2-40B4-BE49-F238E27FC236}">
+                <a16:creationId xmlns:a16="http://schemas.microsoft.com/office/drawing/2014/main" id="{BD974E58-B546-3B3B-CC35-84C380AF9619}"/>
+              </a:ext>
+            </a:extLst>
+          </p:cNvPr>
+          <p:cNvSpPr txBox="1"/>
+          <p:nvPr/>
+        </p:nvSpPr>
+        <p:spPr>
+          <a:xfrm>
+            <a:off x="9539926" y="268121"/>
+            <a:ext cx="1584088" cy="369332"/>
+          </a:xfrm>
+          <a:prstGeom prst="rect">
+            <a:avLst/>
+          </a:prstGeom>
+          <a:noFill/>
+        </p:spPr>
+        <p:txBody>
+          <a:bodyPr wrap="none" rtlCol="0">
+            <a:spAutoFit/>
+          </a:bodyPr>
+          <a:lstStyle/>
+          <a:p>
+            <a:r>
+              <a:rPr lang="he-IL" dirty="0"/>
+              <a:t>שכבות </a:t>
+            </a:r>
+            <a:r>
+              <a:rPr lang="he-IL" dirty="0" err="1"/>
+              <a:t>אגרגציה</a:t>
+            </a:r>
+            <a:endParaRPr lang="en-US" dirty="0"/>
+          </a:p>
+        </p:txBody>
+      </p:sp>
+      <p:pic>
+        <p:nvPicPr>
+          <p:cNvPr id="4" name="Picture 3">
+            <a:extLst>
+              <a:ext uri="{FF2B5EF4-FFF2-40B4-BE49-F238E27FC236}">
+                <a16:creationId xmlns:a16="http://schemas.microsoft.com/office/drawing/2014/main" id="{BA8BE494-8D9E-209B-322C-51260186BE9C}"/>
+              </a:ext>
+            </a:extLst>
+          </p:cNvPr>
+          <p:cNvPicPr>
+            <a:picLocks noChangeAspect="1"/>
+          </p:cNvPicPr>
+          <p:nvPr/>
+        </p:nvPicPr>
+        <p:blipFill>
+          <a:blip r:embed="rId2"/>
+          <a:stretch>
+            <a:fillRect/>
+          </a:stretch>
+        </p:blipFill>
+        <p:spPr>
+          <a:xfrm>
+            <a:off x="7140883" y="894622"/>
+            <a:ext cx="2248214" cy="771633"/>
+          </a:xfrm>
+          <a:prstGeom prst="rect">
+            <a:avLst/>
+          </a:prstGeom>
+        </p:spPr>
+      </p:pic>
+      <p:pic>
+        <p:nvPicPr>
+          <p:cNvPr id="6" name="Picture 5">
+            <a:extLst>
+              <a:ext uri="{FF2B5EF4-FFF2-40B4-BE49-F238E27FC236}">
+                <a16:creationId xmlns:a16="http://schemas.microsoft.com/office/drawing/2014/main" id="{1D06C109-BC4A-AA6D-69BD-DB042B64C3BF}"/>
+              </a:ext>
+            </a:extLst>
+          </p:cNvPr>
+          <p:cNvPicPr>
+            <a:picLocks noChangeAspect="1"/>
+          </p:cNvPicPr>
+          <p:nvPr/>
+        </p:nvPicPr>
+        <p:blipFill>
+          <a:blip r:embed="rId3"/>
+          <a:stretch>
+            <a:fillRect/>
+          </a:stretch>
+        </p:blipFill>
+        <p:spPr>
+          <a:xfrm>
+            <a:off x="9539926" y="791991"/>
+            <a:ext cx="2010056" cy="895475"/>
+          </a:xfrm>
+          <a:prstGeom prst="rect">
+            <a:avLst/>
+          </a:prstGeom>
+        </p:spPr>
+      </p:pic>
+      <p:sp>
+        <p:nvSpPr>
+          <p:cNvPr id="3" name="TextBox 2">
+            <a:extLst>
+              <a:ext uri="{FF2B5EF4-FFF2-40B4-BE49-F238E27FC236}">
+                <a16:creationId xmlns:a16="http://schemas.microsoft.com/office/drawing/2014/main" id="{C8315141-1546-3D57-8810-67A29EBADD8D}"/>
+              </a:ext>
+            </a:extLst>
+          </p:cNvPr>
+          <p:cNvSpPr txBox="1"/>
+          <p:nvPr/>
+        </p:nvSpPr>
+        <p:spPr>
+          <a:xfrm>
+            <a:off x="820850" y="468826"/>
+            <a:ext cx="1564467" cy="646331"/>
+          </a:xfrm>
+          <a:prstGeom prst="rect">
+            <a:avLst/>
+          </a:prstGeom>
+          <a:noFill/>
+        </p:spPr>
+        <p:txBody>
+          <a:bodyPr wrap="none" rtlCol="0">
+            <a:spAutoFit/>
+          </a:bodyPr>
+          <a:lstStyle/>
+          <a:p>
+            <a:r>
+              <a:rPr lang="en-US" dirty="0"/>
+              <a:t>Radio org or </a:t>
+            </a:r>
+            <a:r>
+              <a:rPr lang="en-US" dirty="0" err="1"/>
+              <a:t>sz</a:t>
+            </a:r>
+            <a:endParaRPr lang="en-US" dirty="0"/>
+          </a:p>
+          <a:p>
+            <a:r>
+              <a:rPr lang="en-US" dirty="0"/>
+              <a:t>+ menu list</a:t>
+            </a:r>
+          </a:p>
+        </p:txBody>
+      </p:sp>
+    </p:spTree>
+    <p:extLst>
+      <p:ext uri="{BB962C8B-B14F-4D97-AF65-F5344CB8AC3E}">
+        <p14:creationId xmlns:p14="http://schemas.microsoft.com/office/powerpoint/2010/main" val="3169381269"/>
+      </p:ext>
+    </p:extLst>
+  </p:cSld>
+  <p:clrMapOvr>
+    <a:masterClrMapping/>
+  </p:clrMapOvr>
+</p:sld>
+</file>
+
+<file path=ppt/slides/slide4.xml><?xml version="1.0" encoding="utf-8"?>
 <p:sld xmlns:a="http://schemas.openxmlformats.org/drawingml/2006/main" xmlns:r="http://schemas.openxmlformats.org/officeDocument/2006/relationships" xmlns:p="http://schemas.openxmlformats.org/presentationml/2006/main">
   <p:cSld>
     <p:spTree>

--- a/doc/ScnLibApp.pptx
+++ b/doc/ScnLibApp.pptx
@@ -7,8 +7,13 @@
   <p:sldIdLst>
     <p:sldId id="256" r:id="rId2"/>
     <p:sldId id="259" r:id="rId3"/>
-    <p:sldId id="257" r:id="rId4"/>
-    <p:sldId id="258" r:id="rId5"/>
+    <p:sldId id="261" r:id="rId4"/>
+    <p:sldId id="263" r:id="rId5"/>
+    <p:sldId id="262" r:id="rId6"/>
+    <p:sldId id="264" r:id="rId7"/>
+    <p:sldId id="260" r:id="rId8"/>
+    <p:sldId id="257" r:id="rId9"/>
+    <p:sldId id="258" r:id="rId10"/>
   </p:sldIdLst>
   <p:sldSz cx="12192000" cy="6858000"/>
   <p:notesSz cx="6858000" cy="9144000"/>
@@ -474,7 +479,7 @@
           <a:p>
             <a:fld id="{695A433A-98FD-4747-B80D-DDFF7158CD96}" type="datetimeFigureOut">
               <a:rPr lang="en-US" smtClean="0"/>
-              <a:t>10/8/2023</a:t>
+              <a:t>10/9/2023</a:t>
             </a:fld>
             <a:endParaRPr lang="en-US"/>
           </a:p>
@@ -672,7 +677,7 @@
           <a:p>
             <a:fld id="{695A433A-98FD-4747-B80D-DDFF7158CD96}" type="datetimeFigureOut">
               <a:rPr lang="en-US" smtClean="0"/>
-              <a:t>10/8/2023</a:t>
+              <a:t>10/9/2023</a:t>
             </a:fld>
             <a:endParaRPr lang="en-US"/>
           </a:p>
@@ -880,7 +885,7 @@
           <a:p>
             <a:fld id="{695A433A-98FD-4747-B80D-DDFF7158CD96}" type="datetimeFigureOut">
               <a:rPr lang="en-US" smtClean="0"/>
-              <a:t>10/8/2023</a:t>
+              <a:t>10/9/2023</a:t>
             </a:fld>
             <a:endParaRPr lang="en-US"/>
           </a:p>
@@ -1078,7 +1083,7 @@
           <a:p>
             <a:fld id="{695A433A-98FD-4747-B80D-DDFF7158CD96}" type="datetimeFigureOut">
               <a:rPr lang="en-US" smtClean="0"/>
-              <a:t>10/8/2023</a:t>
+              <a:t>10/9/2023</a:t>
             </a:fld>
             <a:endParaRPr lang="en-US"/>
           </a:p>
@@ -1353,7 +1358,7 @@
           <a:p>
             <a:fld id="{695A433A-98FD-4747-B80D-DDFF7158CD96}" type="datetimeFigureOut">
               <a:rPr lang="en-US" smtClean="0"/>
-              <a:t>10/8/2023</a:t>
+              <a:t>10/9/2023</a:t>
             </a:fld>
             <a:endParaRPr lang="en-US"/>
           </a:p>
@@ -1618,7 +1623,7 @@
           <a:p>
             <a:fld id="{695A433A-98FD-4747-B80D-DDFF7158CD96}" type="datetimeFigureOut">
               <a:rPr lang="en-US" smtClean="0"/>
-              <a:t>10/8/2023</a:t>
+              <a:t>10/9/2023</a:t>
             </a:fld>
             <a:endParaRPr lang="en-US"/>
           </a:p>
@@ -2030,7 +2035,7 @@
           <a:p>
             <a:fld id="{695A433A-98FD-4747-B80D-DDFF7158CD96}" type="datetimeFigureOut">
               <a:rPr lang="en-US" smtClean="0"/>
-              <a:t>10/8/2023</a:t>
+              <a:t>10/9/2023</a:t>
             </a:fld>
             <a:endParaRPr lang="en-US"/>
           </a:p>
@@ -2171,7 +2176,7 @@
           <a:p>
             <a:fld id="{695A433A-98FD-4747-B80D-DDFF7158CD96}" type="datetimeFigureOut">
               <a:rPr lang="en-US" smtClean="0"/>
-              <a:t>10/8/2023</a:t>
+              <a:t>10/9/2023</a:t>
             </a:fld>
             <a:endParaRPr lang="en-US"/>
           </a:p>
@@ -2284,7 +2289,7 @@
           <a:p>
             <a:fld id="{695A433A-98FD-4747-B80D-DDFF7158CD96}" type="datetimeFigureOut">
               <a:rPr lang="en-US" smtClean="0"/>
-              <a:t>10/8/2023</a:t>
+              <a:t>10/9/2023</a:t>
             </a:fld>
             <a:endParaRPr lang="en-US"/>
           </a:p>
@@ -2595,7 +2600,7 @@
           <a:p>
             <a:fld id="{695A433A-98FD-4747-B80D-DDFF7158CD96}" type="datetimeFigureOut">
               <a:rPr lang="en-US" smtClean="0"/>
-              <a:t>10/8/2023</a:t>
+              <a:t>10/9/2023</a:t>
             </a:fld>
             <a:endParaRPr lang="en-US"/>
           </a:p>
@@ -2883,7 +2888,7 @@
           <a:p>
             <a:fld id="{695A433A-98FD-4747-B80D-DDFF7158CD96}" type="datetimeFigureOut">
               <a:rPr lang="en-US" smtClean="0"/>
-              <a:t>10/8/2023</a:t>
+              <a:t>10/9/2023</a:t>
             </a:fld>
             <a:endParaRPr lang="en-US"/>
           </a:p>
@@ -3049,35 +3054,35 @@
           <a:p>
             <a:pPr lvl="0"/>
             <a:r>
-              <a:rPr lang="en-US"/>
+              <a:rPr lang="en-US" dirty="0"/>
               <a:t>Click to edit Master text styles</a:t>
             </a:r>
           </a:p>
           <a:p>
             <a:pPr lvl="1"/>
             <a:r>
-              <a:rPr lang="en-US"/>
+              <a:rPr lang="en-US" dirty="0"/>
               <a:t>Second level</a:t>
             </a:r>
           </a:p>
           <a:p>
             <a:pPr lvl="2"/>
             <a:r>
-              <a:rPr lang="en-US"/>
+              <a:rPr lang="en-US" dirty="0"/>
               <a:t>Third level</a:t>
             </a:r>
           </a:p>
           <a:p>
             <a:pPr lvl="3"/>
             <a:r>
-              <a:rPr lang="en-US"/>
+              <a:rPr lang="en-US" dirty="0"/>
               <a:t>Fourth level</a:t>
             </a:r>
           </a:p>
           <a:p>
             <a:pPr lvl="4"/>
             <a:r>
-              <a:rPr lang="en-US"/>
+              <a:rPr lang="en-US" dirty="0"/>
               <a:t>Fifth level</a:t>
             </a:r>
           </a:p>
@@ -3111,20 +3116,23 @@
         <p:txBody>
           <a:bodyPr vert="horz" lIns="91440" tIns="45720" rIns="91440" bIns="45720" rtlCol="0" anchor="ctr"/>
           <a:lstStyle>
-            <a:lvl1pPr algn="l">
+            <a:lvl1pPr algn="r" rtl="1">
               <a:defRPr sz="1200">
                 <a:solidFill>
                   <a:schemeClr val="tx1">
                     <a:tint val="75000"/>
                   </a:schemeClr>
                 </a:solidFill>
+                <a:latin typeface="Arial" panose="020B0604020202020204" pitchFamily="34" charset="0"/>
+                <a:cs typeface="Arial" panose="020B0604020202020204" pitchFamily="34" charset="0"/>
               </a:defRPr>
             </a:lvl1pPr>
           </a:lstStyle>
           <a:p>
             <a:fld id="{695A433A-98FD-4747-B80D-DDFF7158CD96}" type="datetimeFigureOut">
               <a:rPr lang="en-US" smtClean="0"/>
-              <a:t>10/8/2023</a:t>
+              <a:pPr/>
+              <a:t>10/9/2023</a:t>
             </a:fld>
             <a:endParaRPr lang="en-US"/>
           </a:p>
@@ -3158,13 +3166,15 @@
         <p:txBody>
           <a:bodyPr vert="horz" lIns="91440" tIns="45720" rIns="91440" bIns="45720" rtlCol="0" anchor="ctr"/>
           <a:lstStyle>
-            <a:lvl1pPr algn="ctr">
+            <a:lvl1pPr algn="ctr" rtl="1">
               <a:defRPr sz="1200">
                 <a:solidFill>
                   <a:schemeClr val="tx1">
                     <a:tint val="75000"/>
                   </a:schemeClr>
                 </a:solidFill>
+                <a:latin typeface="Arial" panose="020B0604020202020204" pitchFamily="34" charset="0"/>
+                <a:cs typeface="Arial" panose="020B0604020202020204" pitchFamily="34" charset="0"/>
               </a:defRPr>
             </a:lvl1pPr>
           </a:lstStyle>
@@ -3201,19 +3211,22 @@
         <p:txBody>
           <a:bodyPr vert="horz" lIns="91440" tIns="45720" rIns="91440" bIns="45720" rtlCol="0" anchor="ctr"/>
           <a:lstStyle>
-            <a:lvl1pPr algn="r">
+            <a:lvl1pPr algn="l" rtl="1">
               <a:defRPr sz="1200">
                 <a:solidFill>
                   <a:schemeClr val="tx1">
                     <a:tint val="75000"/>
                   </a:schemeClr>
                 </a:solidFill>
+                <a:latin typeface="Arial" panose="020B0604020202020204" pitchFamily="34" charset="0"/>
+                <a:cs typeface="Arial" panose="020B0604020202020204" pitchFamily="34" charset="0"/>
               </a:defRPr>
             </a:lvl1pPr>
           </a:lstStyle>
           <a:p>
             <a:fld id="{E39A1C7D-00D7-43F3-AF90-F96C93563513}" type="slidenum">
               <a:rPr lang="en-US" smtClean="0"/>
+              <a:pPr/>
               <a:t>‹#›</a:t>
             </a:fld>
             <a:endParaRPr lang="en-US"/>
@@ -3243,7 +3256,7 @@
   </p:sldLayoutIdLst>
   <p:txStyles>
     <p:titleStyle>
-      <a:lvl1pPr algn="l" defTabSz="914400" rtl="0" eaLnBrk="1" latinLnBrk="0" hangingPunct="1">
+      <a:lvl1pPr algn="r" defTabSz="914400" rtl="1" eaLnBrk="1" latinLnBrk="0" hangingPunct="1">
         <a:lnSpc>
           <a:spcPct val="90000"/>
         </a:lnSpc>
@@ -3255,19 +3268,19 @@
           <a:solidFill>
             <a:schemeClr val="tx1"/>
           </a:solidFill>
-          <a:latin typeface="+mj-lt"/>
+          <a:latin typeface="Arial" panose="020B0604020202020204" pitchFamily="34" charset="0"/>
           <a:ea typeface="+mj-ea"/>
-          <a:cs typeface="+mj-cs"/>
+          <a:cs typeface="Arial" panose="020B0604020202020204" pitchFamily="34" charset="0"/>
         </a:defRPr>
       </a:lvl1pPr>
     </p:titleStyle>
     <p:bodyStyle>
-      <a:lvl1pPr marL="228600" indent="-228600" algn="l" defTabSz="914400" rtl="0" eaLnBrk="1" latinLnBrk="0" hangingPunct="1">
+      <a:lvl1pPr marL="228600" indent="-228600" algn="r" defTabSz="914400" rtl="1" eaLnBrk="1" latinLnBrk="0" hangingPunct="1">
         <a:lnSpc>
           <a:spcPct val="90000"/>
         </a:lnSpc>
         <a:spcBef>
-          <a:spcPts val="1000"/>
+          <a:spcPts val="2400"/>
         </a:spcBef>
         <a:buFont typeface="Arial" panose="020B0604020202020204" pitchFamily="34" charset="0"/>
         <a:buChar char="•"/>
@@ -3275,12 +3288,12 @@
           <a:solidFill>
             <a:schemeClr val="tx1"/>
           </a:solidFill>
-          <a:latin typeface="+mn-lt"/>
+          <a:latin typeface="Arial" panose="020B0604020202020204" pitchFamily="34" charset="0"/>
           <a:ea typeface="+mn-ea"/>
-          <a:cs typeface="+mn-cs"/>
+          <a:cs typeface="Arial" panose="020B0604020202020204" pitchFamily="34" charset="0"/>
         </a:defRPr>
       </a:lvl1pPr>
-      <a:lvl2pPr marL="685800" indent="-228600" algn="l" defTabSz="914400" rtl="0" eaLnBrk="1" latinLnBrk="0" hangingPunct="1">
+      <a:lvl2pPr marL="685800" indent="-228600" algn="r" defTabSz="914400" rtl="1" eaLnBrk="1" latinLnBrk="0" hangingPunct="1">
         <a:lnSpc>
           <a:spcPct val="90000"/>
         </a:lnSpc>
@@ -3293,12 +3306,12 @@
           <a:solidFill>
             <a:schemeClr val="tx1"/>
           </a:solidFill>
-          <a:latin typeface="+mn-lt"/>
+          <a:latin typeface="Arial" panose="020B0604020202020204" pitchFamily="34" charset="0"/>
           <a:ea typeface="+mn-ea"/>
-          <a:cs typeface="+mn-cs"/>
+          <a:cs typeface="Arial" panose="020B0604020202020204" pitchFamily="34" charset="0"/>
         </a:defRPr>
       </a:lvl2pPr>
-      <a:lvl3pPr marL="1143000" indent="-228600" algn="l" defTabSz="914400" rtl="0" eaLnBrk="1" latinLnBrk="0" hangingPunct="1">
+      <a:lvl3pPr marL="1143000" indent="-228600" algn="r" defTabSz="914400" rtl="1" eaLnBrk="1" latinLnBrk="0" hangingPunct="1">
         <a:lnSpc>
           <a:spcPct val="90000"/>
         </a:lnSpc>
@@ -3311,12 +3324,12 @@
           <a:solidFill>
             <a:schemeClr val="tx1"/>
           </a:solidFill>
-          <a:latin typeface="+mn-lt"/>
+          <a:latin typeface="Arial" panose="020B0604020202020204" pitchFamily="34" charset="0"/>
           <a:ea typeface="+mn-ea"/>
-          <a:cs typeface="+mn-cs"/>
+          <a:cs typeface="Arial" panose="020B0604020202020204" pitchFamily="34" charset="0"/>
         </a:defRPr>
       </a:lvl3pPr>
-      <a:lvl4pPr marL="1600200" indent="-228600" algn="l" defTabSz="914400" rtl="0" eaLnBrk="1" latinLnBrk="0" hangingPunct="1">
+      <a:lvl4pPr marL="1600200" indent="-228600" algn="r" defTabSz="914400" rtl="1" eaLnBrk="1" latinLnBrk="0" hangingPunct="1">
         <a:lnSpc>
           <a:spcPct val="90000"/>
         </a:lnSpc>
@@ -3329,12 +3342,12 @@
           <a:solidFill>
             <a:schemeClr val="tx1"/>
           </a:solidFill>
-          <a:latin typeface="+mn-lt"/>
+          <a:latin typeface="Arial" panose="020B0604020202020204" pitchFamily="34" charset="0"/>
           <a:ea typeface="+mn-ea"/>
-          <a:cs typeface="+mn-cs"/>
+          <a:cs typeface="Arial" panose="020B0604020202020204" pitchFamily="34" charset="0"/>
         </a:defRPr>
       </a:lvl4pPr>
-      <a:lvl5pPr marL="2057400" indent="-228600" algn="l" defTabSz="914400" rtl="0" eaLnBrk="1" latinLnBrk="0" hangingPunct="1">
+      <a:lvl5pPr marL="2057400" indent="-228600" algn="r" defTabSz="914400" rtl="1" eaLnBrk="1" latinLnBrk="0" hangingPunct="1">
         <a:lnSpc>
           <a:spcPct val="90000"/>
         </a:lnSpc>
@@ -3347,9 +3360,9 @@
           <a:solidFill>
             <a:schemeClr val="tx1"/>
           </a:solidFill>
-          <a:latin typeface="+mn-lt"/>
+          <a:latin typeface="Arial" panose="020B0604020202020204" pitchFamily="34" charset="0"/>
           <a:ea typeface="+mn-ea"/>
-          <a:cs typeface="+mn-cs"/>
+          <a:cs typeface="Arial" panose="020B0604020202020204" pitchFamily="34" charset="0"/>
         </a:defRPr>
       </a:lvl5pPr>
       <a:lvl6pPr marL="2514600" indent="-228600" algn="l" defTabSz="914400" rtl="0" eaLnBrk="1" latinLnBrk="0" hangingPunct="1">
@@ -3543,10 +3556,10 @@
       </p:grpSpPr>
       <p:pic>
         <p:nvPicPr>
-          <p:cNvPr id="7" name="Picture 6">
-            <a:extLst>
-              <a:ext uri="{FF2B5EF4-FFF2-40B4-BE49-F238E27FC236}">
-                <a16:creationId xmlns:a16="http://schemas.microsoft.com/office/drawing/2014/main" id="{0BB6C21B-8A83-E569-6CB9-CB974747690B}"/>
+          <p:cNvPr id="10" name="Picture 9">
+            <a:extLst>
+              <a:ext uri="{FF2B5EF4-FFF2-40B4-BE49-F238E27FC236}">
+                <a16:creationId xmlns:a16="http://schemas.microsoft.com/office/drawing/2014/main" id="{8B3FBF54-BAA0-A60F-2B10-E2B3631629DB}"/>
               </a:ext>
             </a:extLst>
           </p:cNvPr>
@@ -3557,6 +3570,36 @@
         </p:nvPicPr>
         <p:blipFill>
           <a:blip r:embed="rId2"/>
+          <a:stretch>
+            <a:fillRect/>
+          </a:stretch>
+        </p:blipFill>
+        <p:spPr>
+          <a:xfrm>
+            <a:off x="2673511" y="1263189"/>
+            <a:ext cx="1552792" cy="4858428"/>
+          </a:xfrm>
+          <a:prstGeom prst="rect">
+            <a:avLst/>
+          </a:prstGeom>
+        </p:spPr>
+      </p:pic>
+      <p:pic>
+        <p:nvPicPr>
+          <p:cNvPr id="7" name="Picture 6">
+            <a:extLst>
+              <a:ext uri="{FF2B5EF4-FFF2-40B4-BE49-F238E27FC236}">
+                <a16:creationId xmlns:a16="http://schemas.microsoft.com/office/drawing/2014/main" id="{0BB6C21B-8A83-E569-6CB9-CB974747690B}"/>
+              </a:ext>
+            </a:extLst>
+          </p:cNvPr>
+          <p:cNvPicPr>
+            <a:picLocks noChangeAspect="1"/>
+          </p:cNvPicPr>
+          <p:nvPr/>
+        </p:nvPicPr>
+        <p:blipFill>
+          <a:blip r:embed="rId3"/>
           <a:stretch>
             <a:fillRect/>
           </a:stretch>
@@ -3638,7 +3681,7 @@
         </p:nvSpPr>
         <p:spPr>
           <a:xfrm>
-            <a:off x="6454220" y="492756"/>
+            <a:off x="6454220" y="658188"/>
             <a:ext cx="1846980" cy="369332"/>
           </a:xfrm>
           <a:prstGeom prst="rect">
@@ -3742,36 +3785,6 @@
           </a:p>
         </p:txBody>
       </p:sp>
-      <p:pic>
-        <p:nvPicPr>
-          <p:cNvPr id="11" name="Picture 10">
-            <a:extLst>
-              <a:ext uri="{FF2B5EF4-FFF2-40B4-BE49-F238E27FC236}">
-                <a16:creationId xmlns:a16="http://schemas.microsoft.com/office/drawing/2014/main" id="{2F0EB857-79F4-6D5C-7709-1A7DE823BAE5}"/>
-              </a:ext>
-            </a:extLst>
-          </p:cNvPr>
-          <p:cNvPicPr>
-            <a:picLocks noChangeAspect="1"/>
-          </p:cNvPicPr>
-          <p:nvPr/>
-        </p:nvPicPr>
-        <p:blipFill>
-          <a:blip r:embed="rId3"/>
-          <a:stretch>
-            <a:fillRect/>
-          </a:stretch>
-        </p:blipFill>
-        <p:spPr>
-          <a:xfrm>
-            <a:off x="2490473" y="566647"/>
-            <a:ext cx="1846980" cy="5705850"/>
-          </a:xfrm>
-          <a:prstGeom prst="rect">
-            <a:avLst/>
-          </a:prstGeom>
-        </p:spPr>
-      </p:pic>
       <p:sp>
         <p:nvSpPr>
           <p:cNvPr id="12" name="Rectangle 11">
@@ -3786,8 +3799,8 @@
         </p:nvSpPr>
         <p:spPr>
           <a:xfrm>
-            <a:off x="2624531" y="2347273"/>
-            <a:ext cx="1496554" cy="3925223"/>
+            <a:off x="2624531" y="2403787"/>
+            <a:ext cx="1496554" cy="3915794"/>
           </a:xfrm>
           <a:prstGeom prst="rect">
             <a:avLst/>
@@ -4031,6 +4044,263 @@
               <a:t>כל תחזית עם שכבת אזורים</a:t>
             </a:r>
             <a:endParaRPr lang="en-US" dirty="0"/>
+          </a:p>
+        </p:txBody>
+      </p:sp>
+      <p:pic>
+        <p:nvPicPr>
+          <p:cNvPr id="19" name="Picture 18">
+            <a:extLst>
+              <a:ext uri="{FF2B5EF4-FFF2-40B4-BE49-F238E27FC236}">
+                <a16:creationId xmlns:a16="http://schemas.microsoft.com/office/drawing/2014/main" id="{BAA68C29-DF88-9031-EBCE-3D1AC63B4767}"/>
+              </a:ext>
+            </a:extLst>
+          </p:cNvPr>
+          <p:cNvPicPr>
+            <a:picLocks noChangeAspect="1"/>
+          </p:cNvPicPr>
+          <p:nvPr/>
+        </p:nvPicPr>
+        <p:blipFill>
+          <a:blip r:embed="rId4"/>
+          <a:stretch>
+            <a:fillRect/>
+          </a:stretch>
+        </p:blipFill>
+        <p:spPr>
+          <a:xfrm>
+            <a:off x="2400279" y="977399"/>
+            <a:ext cx="1276528" cy="285790"/>
+          </a:xfrm>
+          <a:prstGeom prst="rect">
+            <a:avLst/>
+          </a:prstGeom>
+        </p:spPr>
+      </p:pic>
+      <p:cxnSp>
+        <p:nvCxnSpPr>
+          <p:cNvPr id="21" name="Straight Arrow Connector 20">
+            <a:extLst>
+              <a:ext uri="{FF2B5EF4-FFF2-40B4-BE49-F238E27FC236}">
+                <a16:creationId xmlns:a16="http://schemas.microsoft.com/office/drawing/2014/main" id="{099E3953-E3F3-BFBA-6638-0F4D7DE75F4E}"/>
+              </a:ext>
+            </a:extLst>
+          </p:cNvPr>
+          <p:cNvCxnSpPr>
+            <a:cxnSpLocks/>
+          </p:cNvCxnSpPr>
+          <p:nvPr/>
+        </p:nvCxnSpPr>
+        <p:spPr>
+          <a:xfrm flipH="1">
+            <a:off x="3676807" y="3223966"/>
+            <a:ext cx="683043" cy="0"/>
+          </a:xfrm>
+          <a:prstGeom prst="straightConnector1">
+            <a:avLst/>
+          </a:prstGeom>
+          <a:ln>
+            <a:tailEnd type="triangle"/>
+          </a:ln>
+        </p:spPr>
+        <p:style>
+          <a:lnRef idx="1">
+            <a:schemeClr val="accent1"/>
+          </a:lnRef>
+          <a:fillRef idx="0">
+            <a:schemeClr val="accent1"/>
+          </a:fillRef>
+          <a:effectRef idx="0">
+            <a:schemeClr val="accent1"/>
+          </a:effectRef>
+          <a:fontRef idx="minor">
+            <a:schemeClr val="tx1"/>
+          </a:fontRef>
+        </p:style>
+      </p:cxnSp>
+      <p:cxnSp>
+        <p:nvCxnSpPr>
+          <p:cNvPr id="22" name="Straight Arrow Connector 21">
+            <a:extLst>
+              <a:ext uri="{FF2B5EF4-FFF2-40B4-BE49-F238E27FC236}">
+                <a16:creationId xmlns:a16="http://schemas.microsoft.com/office/drawing/2014/main" id="{415E8377-244B-AE28-F791-9F1FA3486AAD}"/>
+              </a:ext>
+            </a:extLst>
+          </p:cNvPr>
+          <p:cNvCxnSpPr/>
+          <p:nvPr/>
+        </p:nvCxnSpPr>
+        <p:spPr>
+          <a:xfrm flipH="1">
+            <a:off x="3810354" y="3506771"/>
+            <a:ext cx="549496" cy="0"/>
+          </a:xfrm>
+          <a:prstGeom prst="straightConnector1">
+            <a:avLst/>
+          </a:prstGeom>
+          <a:ln>
+            <a:tailEnd type="triangle"/>
+          </a:ln>
+        </p:spPr>
+        <p:style>
+          <a:lnRef idx="1">
+            <a:schemeClr val="accent1"/>
+          </a:lnRef>
+          <a:fillRef idx="0">
+            <a:schemeClr val="accent1"/>
+          </a:fillRef>
+          <a:effectRef idx="0">
+            <a:schemeClr val="accent1"/>
+          </a:effectRef>
+          <a:fontRef idx="minor">
+            <a:schemeClr val="tx1"/>
+          </a:fontRef>
+        </p:style>
+      </p:cxnSp>
+      <p:sp>
+        <p:nvSpPr>
+          <p:cNvPr id="24" name="TextBox 23">
+            <a:extLst>
+              <a:ext uri="{FF2B5EF4-FFF2-40B4-BE49-F238E27FC236}">
+                <a16:creationId xmlns:a16="http://schemas.microsoft.com/office/drawing/2014/main" id="{414383F6-8C0A-8134-4BED-DD40BEF4D9D9}"/>
+              </a:ext>
+            </a:extLst>
+          </p:cNvPr>
+          <p:cNvSpPr txBox="1"/>
+          <p:nvPr/>
+        </p:nvSpPr>
+        <p:spPr>
+          <a:xfrm>
+            <a:off x="957878" y="6207083"/>
+            <a:ext cx="4984057" cy="523220"/>
+          </a:xfrm>
+          <a:prstGeom prst="rect">
+            <a:avLst/>
+          </a:prstGeom>
+          <a:solidFill>
+            <a:schemeClr val="accent2">
+              <a:lumMod val="20000"/>
+              <a:lumOff val="80000"/>
+            </a:schemeClr>
+          </a:solidFill>
+        </p:spPr>
+        <p:txBody>
+          <a:bodyPr wrap="none" rtlCol="0">
+            <a:spAutoFit/>
+          </a:bodyPr>
+          <a:lstStyle/>
+          <a:p>
+            <a:pPr algn="ctr" rtl="1"/>
+            <a:r>
+              <a:rPr lang="he-IL" sz="1400" dirty="0"/>
+              <a:t>"אובייקט": קבוצת תרחישים ממקור מסוים (מודל) שהוכנה בזמן </a:t>
+            </a:r>
+            <a:r>
+              <a:rPr lang="he-IL" sz="1400" dirty="0" err="1"/>
+              <a:t>מסויים</a:t>
+            </a:r>
+            <a:endParaRPr lang="he-IL" sz="1400" dirty="0"/>
+          </a:p>
+          <a:p>
+            <a:pPr algn="ctr" rtl="1"/>
+            <a:r>
+              <a:rPr lang="he-IL" sz="1400" dirty="0"/>
+              <a:t>לכל מקור יש קוד מזהה</a:t>
+            </a:r>
+            <a:endParaRPr lang="en-US" sz="1400" dirty="0"/>
+          </a:p>
+        </p:txBody>
+      </p:sp>
+      <p:cxnSp>
+        <p:nvCxnSpPr>
+          <p:cNvPr id="26" name="Straight Arrow Connector 25">
+            <a:extLst>
+              <a:ext uri="{FF2B5EF4-FFF2-40B4-BE49-F238E27FC236}">
+                <a16:creationId xmlns:a16="http://schemas.microsoft.com/office/drawing/2014/main" id="{B28F1E4E-EB35-D3D4-7D63-D74DEB80BD01}"/>
+              </a:ext>
+            </a:extLst>
+          </p:cNvPr>
+          <p:cNvCxnSpPr>
+            <a:cxnSpLocks/>
+          </p:cNvCxnSpPr>
+          <p:nvPr/>
+        </p:nvCxnSpPr>
+        <p:spPr>
+          <a:xfrm flipH="1" flipV="1">
+            <a:off x="3810354" y="5957740"/>
+            <a:ext cx="415949" cy="249343"/>
+          </a:xfrm>
+          <a:prstGeom prst="straightConnector1">
+            <a:avLst/>
+          </a:prstGeom>
+          <a:ln>
+            <a:tailEnd type="triangle"/>
+          </a:ln>
+        </p:spPr>
+        <p:style>
+          <a:lnRef idx="1">
+            <a:schemeClr val="accent1"/>
+          </a:lnRef>
+          <a:fillRef idx="0">
+            <a:schemeClr val="accent1"/>
+          </a:fillRef>
+          <a:effectRef idx="0">
+            <a:schemeClr val="accent1"/>
+          </a:effectRef>
+          <a:fontRef idx="minor">
+            <a:schemeClr val="tx1"/>
+          </a:fontRef>
+        </p:style>
+      </p:cxnSp>
+      <p:sp>
+        <p:nvSpPr>
+          <p:cNvPr id="27" name="Oval 26">
+            <a:extLst>
+              <a:ext uri="{FF2B5EF4-FFF2-40B4-BE49-F238E27FC236}">
+                <a16:creationId xmlns:a16="http://schemas.microsoft.com/office/drawing/2014/main" id="{C82CF75E-0AF0-9BC4-6B07-8A235DF4C6D3}"/>
+              </a:ext>
+            </a:extLst>
+          </p:cNvPr>
+          <p:cNvSpPr/>
+          <p:nvPr/>
+        </p:nvSpPr>
+        <p:spPr>
+          <a:xfrm>
+            <a:off x="2950590" y="5806911"/>
+            <a:ext cx="754546" cy="324132"/>
+          </a:xfrm>
+          <a:prstGeom prst="ellipse">
+            <a:avLst/>
+          </a:prstGeom>
+          <a:noFill/>
+          <a:ln w="38100">
+            <a:solidFill>
+              <a:srgbClr val="FF0000"/>
+            </a:solidFill>
+          </a:ln>
+        </p:spPr>
+        <p:style>
+          <a:lnRef idx="2">
+            <a:schemeClr val="accent1">
+              <a:shade val="15000"/>
+            </a:schemeClr>
+          </a:lnRef>
+          <a:fillRef idx="1">
+            <a:schemeClr val="accent1"/>
+          </a:fillRef>
+          <a:effectRef idx="0">
+            <a:schemeClr val="accent1"/>
+          </a:effectRef>
+          <a:fontRef idx="minor">
+            <a:schemeClr val="lt1"/>
+          </a:fontRef>
+        </p:style>
+        <p:txBody>
+          <a:bodyPr rtlCol="0" anchor="ctr"/>
+          <a:lstStyle/>
+          <a:p>
+            <a:pPr algn="ctr"/>
+            <a:endParaRPr lang="en-US"/>
           </a:p>
         </p:txBody>
       </p:sp>
@@ -4086,7 +4356,7 @@
         </p:blipFill>
         <p:spPr>
           <a:xfrm>
-            <a:off x="781742" y="797671"/>
+            <a:off x="480085" y="1391560"/>
             <a:ext cx="1333686" cy="3848637"/>
           </a:xfrm>
           <a:prstGeom prst="rect">
@@ -4108,7 +4378,7 @@
         </p:nvCxnSpPr>
         <p:spPr>
           <a:xfrm>
-            <a:off x="1941922" y="3657600"/>
+            <a:off x="1640265" y="4251489"/>
             <a:ext cx="641022" cy="0"/>
           </a:xfrm>
           <a:prstGeom prst="straightConnector1">
@@ -4155,8 +4425,8 @@
         </p:blipFill>
         <p:spPr>
           <a:xfrm>
-            <a:off x="3112666" y="304066"/>
-            <a:ext cx="4325083" cy="2550353"/>
+            <a:off x="2631898" y="1131401"/>
+            <a:ext cx="4108267" cy="2422504"/>
           </a:xfrm>
           <a:prstGeom prst="rect">
             <a:avLst/>
@@ -4185,7 +4455,7 @@
         </p:blipFill>
         <p:spPr>
           <a:xfrm>
-            <a:off x="2859121" y="3142776"/>
+            <a:off x="2557464" y="3736665"/>
             <a:ext cx="9157256" cy="3007064"/>
           </a:xfrm>
           <a:prstGeom prst="rect">
@@ -4207,7 +4477,7 @@
         </p:nvCxnSpPr>
         <p:spPr>
           <a:xfrm>
-            <a:off x="11029361" y="2721989"/>
+            <a:off x="10727704" y="3315878"/>
             <a:ext cx="0" cy="238027"/>
           </a:xfrm>
           <a:prstGeom prst="straightConnector1">
@@ -4246,8 +4516,328 @@
         </p:nvCxnSpPr>
         <p:spPr>
           <a:xfrm>
-            <a:off x="11519555" y="2721989"/>
+            <a:off x="11217898" y="3315878"/>
             <a:ext cx="0" cy="238027"/>
+          </a:xfrm>
+          <a:prstGeom prst="straightConnector1">
+            <a:avLst/>
+          </a:prstGeom>
+          <a:ln>
+            <a:tailEnd type="triangle"/>
+          </a:ln>
+        </p:spPr>
+        <p:style>
+          <a:lnRef idx="1">
+            <a:schemeClr val="accent1"/>
+          </a:lnRef>
+          <a:fillRef idx="0">
+            <a:schemeClr val="accent1"/>
+          </a:fillRef>
+          <a:effectRef idx="0">
+            <a:schemeClr val="accent1"/>
+          </a:effectRef>
+          <a:fontRef idx="minor">
+            <a:schemeClr val="tx1"/>
+          </a:fontRef>
+        </p:style>
+      </p:cxnSp>
+      <p:cxnSp>
+        <p:nvCxnSpPr>
+          <p:cNvPr id="8" name="Straight Arrow Connector 7">
+            <a:extLst>
+              <a:ext uri="{FF2B5EF4-FFF2-40B4-BE49-F238E27FC236}">
+                <a16:creationId xmlns:a16="http://schemas.microsoft.com/office/drawing/2014/main" id="{744F332F-9FCF-C005-8FD2-8F88E6FAD5C7}"/>
+              </a:ext>
+            </a:extLst>
+          </p:cNvPr>
+          <p:cNvCxnSpPr>
+            <a:cxnSpLocks/>
+          </p:cNvCxnSpPr>
+          <p:nvPr/>
+        </p:nvCxnSpPr>
+        <p:spPr>
+          <a:xfrm>
+            <a:off x="6740165" y="933254"/>
+            <a:ext cx="2026763" cy="368795"/>
+          </a:xfrm>
+          <a:prstGeom prst="straightConnector1">
+            <a:avLst/>
+          </a:prstGeom>
+          <a:ln>
+            <a:tailEnd type="triangle"/>
+          </a:ln>
+        </p:spPr>
+        <p:style>
+          <a:lnRef idx="1">
+            <a:schemeClr val="accent1"/>
+          </a:lnRef>
+          <a:fillRef idx="0">
+            <a:schemeClr val="accent1"/>
+          </a:fillRef>
+          <a:effectRef idx="0">
+            <a:schemeClr val="accent1"/>
+          </a:effectRef>
+          <a:fontRef idx="minor">
+            <a:schemeClr val="tx1"/>
+          </a:fontRef>
+        </p:style>
+      </p:cxnSp>
+      <p:sp>
+        <p:nvSpPr>
+          <p:cNvPr id="10" name="TextBox 9">
+            <a:extLst>
+              <a:ext uri="{FF2B5EF4-FFF2-40B4-BE49-F238E27FC236}">
+                <a16:creationId xmlns:a16="http://schemas.microsoft.com/office/drawing/2014/main" id="{DC8E8ABE-0734-1656-A256-D1AE5F0D06BD}"/>
+              </a:ext>
+            </a:extLst>
+          </p:cNvPr>
+          <p:cNvSpPr txBox="1"/>
+          <p:nvPr/>
+        </p:nvSpPr>
+        <p:spPr>
+          <a:xfrm>
+            <a:off x="9030880" y="1117383"/>
+            <a:ext cx="2045496" cy="369332"/>
+          </a:xfrm>
+          <a:prstGeom prst="rect">
+            <a:avLst/>
+          </a:prstGeom>
+          <a:solidFill>
+            <a:schemeClr val="accent4">
+              <a:lumMod val="20000"/>
+              <a:lumOff val="80000"/>
+            </a:schemeClr>
+          </a:solidFill>
+        </p:spPr>
+        <p:txBody>
+          <a:bodyPr wrap="none" rtlCol="0">
+            <a:spAutoFit/>
+          </a:bodyPr>
+          <a:lstStyle/>
+          <a:p>
+            <a:pPr algn="r" rtl="1"/>
+            <a:r>
+              <a:rPr lang="he-IL" dirty="0"/>
+              <a:t>2. </a:t>
+            </a:r>
+            <a:r>
+              <a:rPr lang="en-US" dirty="0" err="1"/>
+              <a:t>Geojson</a:t>
+            </a:r>
+            <a:r>
+              <a:rPr lang="en-US" dirty="0"/>
+              <a:t> of zones</a:t>
+            </a:r>
+          </a:p>
+        </p:txBody>
+      </p:sp>
+      <p:sp>
+        <p:nvSpPr>
+          <p:cNvPr id="12" name="TextBox 11">
+            <a:extLst>
+              <a:ext uri="{FF2B5EF4-FFF2-40B4-BE49-F238E27FC236}">
+                <a16:creationId xmlns:a16="http://schemas.microsoft.com/office/drawing/2014/main" id="{DE363E60-0B0F-59E4-A129-688407161867}"/>
+              </a:ext>
+            </a:extLst>
+          </p:cNvPr>
+          <p:cNvSpPr txBox="1"/>
+          <p:nvPr/>
+        </p:nvSpPr>
+        <p:spPr>
+          <a:xfrm>
+            <a:off x="2885826" y="653230"/>
+            <a:ext cx="3438762" cy="369332"/>
+          </a:xfrm>
+          <a:prstGeom prst="rect">
+            <a:avLst/>
+          </a:prstGeom>
+          <a:solidFill>
+            <a:schemeClr val="accent4">
+              <a:lumMod val="20000"/>
+              <a:lumOff val="80000"/>
+            </a:schemeClr>
+          </a:solidFill>
+        </p:spPr>
+        <p:txBody>
+          <a:bodyPr wrap="none" rtlCol="0">
+            <a:spAutoFit/>
+          </a:bodyPr>
+          <a:lstStyle/>
+          <a:p>
+            <a:pPr algn="r" rtl="1"/>
+            <a:r>
+              <a:rPr lang="he-IL" dirty="0"/>
+              <a:t>1. קובץ הגדרת תרחיש בפורמט </a:t>
+            </a:r>
+            <a:r>
+              <a:rPr lang="en-US" dirty="0" err="1"/>
+              <a:t>json</a:t>
+            </a:r>
+            <a:endParaRPr lang="en-US" dirty="0"/>
+          </a:p>
+        </p:txBody>
+      </p:sp>
+      <p:sp>
+        <p:nvSpPr>
+          <p:cNvPr id="15" name="TextBox 14">
+            <a:extLst>
+              <a:ext uri="{FF2B5EF4-FFF2-40B4-BE49-F238E27FC236}">
+                <a16:creationId xmlns:a16="http://schemas.microsoft.com/office/drawing/2014/main" id="{1AB0E0A2-46BA-9D31-18E1-3FBFD8497356}"/>
+              </a:ext>
+            </a:extLst>
+          </p:cNvPr>
+          <p:cNvSpPr txBox="1"/>
+          <p:nvPr/>
+        </p:nvSpPr>
+        <p:spPr>
+          <a:xfrm>
+            <a:off x="7314246" y="2670500"/>
+            <a:ext cx="4249626" cy="369332"/>
+          </a:xfrm>
+          <a:prstGeom prst="rect">
+            <a:avLst/>
+          </a:prstGeom>
+          <a:solidFill>
+            <a:schemeClr val="accent4">
+              <a:lumMod val="20000"/>
+              <a:lumOff val="80000"/>
+            </a:schemeClr>
+          </a:solidFill>
+        </p:spPr>
+        <p:txBody>
+          <a:bodyPr wrap="none" rtlCol="0">
+            <a:spAutoFit/>
+          </a:bodyPr>
+          <a:lstStyle/>
+          <a:p>
+            <a:pPr algn="r" rtl="1"/>
+            <a:r>
+              <a:rPr lang="he-IL" dirty="0"/>
+              <a:t>3. קובץ </a:t>
+            </a:r>
+            <a:r>
+              <a:rPr lang="en-US" dirty="0"/>
+              <a:t>csv</a:t>
+            </a:r>
+            <a:r>
+              <a:rPr lang="he-IL" dirty="0"/>
+              <a:t> עם כל הנתונים של מקור הנתונים </a:t>
+            </a:r>
+            <a:endParaRPr lang="en-US" dirty="0"/>
+          </a:p>
+        </p:txBody>
+      </p:sp>
+      <p:sp>
+        <p:nvSpPr>
+          <p:cNvPr id="18" name="TextBox 17">
+            <a:extLst>
+              <a:ext uri="{FF2B5EF4-FFF2-40B4-BE49-F238E27FC236}">
+                <a16:creationId xmlns:a16="http://schemas.microsoft.com/office/drawing/2014/main" id="{C50EE0EC-4C8A-AC2B-75D5-45B0D43E54B4}"/>
+              </a:ext>
+            </a:extLst>
+          </p:cNvPr>
+          <p:cNvSpPr txBox="1"/>
+          <p:nvPr/>
+        </p:nvSpPr>
+        <p:spPr>
+          <a:xfrm>
+            <a:off x="2885826" y="101138"/>
+            <a:ext cx="6420348" cy="369332"/>
+          </a:xfrm>
+          <a:prstGeom prst="rect">
+            <a:avLst/>
+          </a:prstGeom>
+          <a:solidFill>
+            <a:schemeClr val="accent2">
+              <a:lumMod val="20000"/>
+              <a:lumOff val="80000"/>
+            </a:schemeClr>
+          </a:solidFill>
+        </p:spPr>
+        <p:txBody>
+          <a:bodyPr wrap="none" rtlCol="0">
+            <a:spAutoFit/>
+          </a:bodyPr>
+          <a:lstStyle/>
+          <a:p>
+            <a:pPr algn="r" rtl="1"/>
+            <a:r>
+              <a:rPr lang="he-IL" dirty="0"/>
+              <a:t>"אובייקט": קבוצת תרחישים ממקור </a:t>
+            </a:r>
+            <a:r>
+              <a:rPr lang="he-IL" dirty="0" err="1"/>
+              <a:t>מסויים</a:t>
+            </a:r>
+            <a:r>
+              <a:rPr lang="he-IL" dirty="0"/>
+              <a:t> (מודל) שהוכנה בזמן </a:t>
+            </a:r>
+            <a:r>
+              <a:rPr lang="he-IL" dirty="0" err="1"/>
+              <a:t>מסויים</a:t>
+            </a:r>
+            <a:endParaRPr lang="en-US" dirty="0"/>
+          </a:p>
+        </p:txBody>
+      </p:sp>
+      <p:cxnSp>
+        <p:nvCxnSpPr>
+          <p:cNvPr id="20" name="Straight Arrow Connector 19">
+            <a:extLst>
+              <a:ext uri="{FF2B5EF4-FFF2-40B4-BE49-F238E27FC236}">
+                <a16:creationId xmlns:a16="http://schemas.microsoft.com/office/drawing/2014/main" id="{4A4344A6-C093-5EFC-B931-7946868666A4}"/>
+              </a:ext>
+            </a:extLst>
+          </p:cNvPr>
+          <p:cNvCxnSpPr/>
+          <p:nvPr/>
+        </p:nvCxnSpPr>
+        <p:spPr>
+          <a:xfrm flipV="1">
+            <a:off x="1282045" y="5552388"/>
+            <a:ext cx="0" cy="302060"/>
+          </a:xfrm>
+          <a:prstGeom prst="straightConnector1">
+            <a:avLst/>
+          </a:prstGeom>
+          <a:ln>
+            <a:tailEnd type="triangle"/>
+          </a:ln>
+        </p:spPr>
+        <p:style>
+          <a:lnRef idx="1">
+            <a:schemeClr val="accent1"/>
+          </a:lnRef>
+          <a:fillRef idx="0">
+            <a:schemeClr val="accent1"/>
+          </a:fillRef>
+          <a:effectRef idx="0">
+            <a:schemeClr val="accent1"/>
+          </a:effectRef>
+          <a:fontRef idx="minor">
+            <a:schemeClr val="tx1"/>
+          </a:fontRef>
+        </p:style>
+      </p:cxnSp>
+      <p:cxnSp>
+        <p:nvCxnSpPr>
+          <p:cNvPr id="23" name="Straight Arrow Connector 22">
+            <a:extLst>
+              <a:ext uri="{FF2B5EF4-FFF2-40B4-BE49-F238E27FC236}">
+                <a16:creationId xmlns:a16="http://schemas.microsoft.com/office/drawing/2014/main" id="{936A8122-7CB7-70E2-EFAD-E2274441F66B}"/>
+              </a:ext>
+            </a:extLst>
+          </p:cNvPr>
+          <p:cNvCxnSpPr>
+            <a:cxnSpLocks/>
+          </p:cNvCxnSpPr>
+          <p:nvPr/>
+        </p:nvCxnSpPr>
+        <p:spPr>
+          <a:xfrm>
+            <a:off x="10053628" y="1675614"/>
+            <a:ext cx="0" cy="765928"/>
           </a:xfrm>
           <a:prstGeom prst="straightConnector1">
             <a:avLst/>
@@ -4303,6 +4893,1239 @@
       </p:grpSpPr>
       <p:sp>
         <p:nvSpPr>
+          <p:cNvPr id="2" name="Title 1">
+            <a:extLst>
+              <a:ext uri="{FF2B5EF4-FFF2-40B4-BE49-F238E27FC236}">
+                <a16:creationId xmlns:a16="http://schemas.microsoft.com/office/drawing/2014/main" id="{61122050-AA37-7C2C-63B9-1E39138BF234}"/>
+              </a:ext>
+            </a:extLst>
+          </p:cNvPr>
+          <p:cNvSpPr>
+            <a:spLocks noGrp="1"/>
+          </p:cNvSpPr>
+          <p:nvPr>
+            <p:ph type="title"/>
+          </p:nvPr>
+        </p:nvSpPr>
+        <p:spPr/>
+        <p:txBody>
+          <a:bodyPr/>
+          <a:lstStyle/>
+          <a:p>
+            <a:r>
+              <a:rPr lang="he-IL" dirty="0"/>
+              <a:t>מטרות</a:t>
+            </a:r>
+            <a:endParaRPr lang="en-US" dirty="0"/>
+          </a:p>
+        </p:txBody>
+      </p:sp>
+      <p:sp>
+        <p:nvSpPr>
+          <p:cNvPr id="3" name="Content Placeholder 2">
+            <a:extLst>
+              <a:ext uri="{FF2B5EF4-FFF2-40B4-BE49-F238E27FC236}">
+                <a16:creationId xmlns:a16="http://schemas.microsoft.com/office/drawing/2014/main" id="{2DD7711E-D350-CE78-3481-A2A673FAED04}"/>
+              </a:ext>
+            </a:extLst>
+          </p:cNvPr>
+          <p:cNvSpPr>
+            <a:spLocks noGrp="1"/>
+          </p:cNvSpPr>
+          <p:nvPr>
+            <p:ph idx="1"/>
+          </p:nvPr>
+        </p:nvSpPr>
+        <p:spPr/>
+        <p:txBody>
+          <a:bodyPr>
+            <a:normAutofit fontScale="62500" lnSpcReduction="20000"/>
+          </a:bodyPr>
+          <a:lstStyle/>
+          <a:p>
+            <a:r>
+              <a:rPr lang="he-IL" dirty="0"/>
+              <a:t>יכול צפייה בתחזיות (במספרים, גרפים ובמפות) על ידי קהל מודליסטים, משתמשי המודלים, מתכננים, מקבלי החלטות וכו'</a:t>
+            </a:r>
+          </a:p>
+          <a:p>
+            <a:pPr lvl="1"/>
+            <a:r>
+              <a:rPr lang="he-IL" dirty="0"/>
+              <a:t>באמצעות כלי אינטרנטי אינטראקטיבי</a:t>
+            </a:r>
+          </a:p>
+          <a:p>
+            <a:r>
+              <a:rPr lang="he-IL" dirty="0"/>
+              <a:t>לאפשר ניתוח והבנה של התפתחות התחזיות</a:t>
+            </a:r>
+          </a:p>
+          <a:p>
+            <a:pPr lvl="1"/>
+            <a:r>
+              <a:rPr lang="he-IL" dirty="0"/>
+              <a:t>השוואה בין גרסאות</a:t>
+            </a:r>
+          </a:p>
+          <a:p>
+            <a:pPr lvl="1"/>
+            <a:r>
+              <a:rPr lang="he-IL" dirty="0"/>
+              <a:t>ניתוח מגמות העתיד</a:t>
+            </a:r>
+          </a:p>
+          <a:p>
+            <a:pPr lvl="1"/>
+            <a:r>
+              <a:rPr lang="he-IL" dirty="0"/>
+              <a:t>התאמה של תחזיות ברמות שונות</a:t>
+            </a:r>
+          </a:p>
+          <a:p>
+            <a:pPr lvl="1"/>
+            <a:r>
+              <a:rPr lang="he-IL" dirty="0"/>
+              <a:t>השוואה בין תחזיות ממקורות שונים</a:t>
+            </a:r>
+          </a:p>
+          <a:p>
+            <a:pPr lvl="1"/>
+            <a:r>
+              <a:rPr lang="he-IL" dirty="0"/>
+              <a:t>הבנה של משתנים שונים בתחזיות </a:t>
+            </a:r>
+          </a:p>
+          <a:p>
+            <a:r>
+              <a:rPr lang="he-IL" dirty="0"/>
+              <a:t>לאפשר התאמה ליחידות גאוגרפיות ברות השוואה</a:t>
+            </a:r>
+          </a:p>
+          <a:p>
+            <a:r>
+              <a:rPr lang="he-IL" dirty="0"/>
+              <a:t>לעשות בקרה על תחזיות חדשות</a:t>
+            </a:r>
+          </a:p>
+          <a:p>
+            <a:pPr lvl="1"/>
+            <a:r>
+              <a:rPr lang="he-IL" dirty="0"/>
+              <a:t>השוואה לגרסה קודמת</a:t>
+            </a:r>
+          </a:p>
+          <a:p>
+            <a:pPr lvl="1"/>
+            <a:r>
+              <a:rPr lang="he-IL" dirty="0"/>
+              <a:t>בחינה כללית</a:t>
+            </a:r>
+          </a:p>
+          <a:p>
+            <a:r>
+              <a:rPr lang="he-IL" dirty="0"/>
+              <a:t>הורדת נתונים</a:t>
+            </a:r>
+            <a:endParaRPr lang="en-US" dirty="0"/>
+          </a:p>
+        </p:txBody>
+      </p:sp>
+    </p:spTree>
+    <p:extLst>
+      <p:ext uri="{BB962C8B-B14F-4D97-AF65-F5344CB8AC3E}">
+        <p14:creationId xmlns:p14="http://schemas.microsoft.com/office/powerpoint/2010/main" val="2450535479"/>
+      </p:ext>
+    </p:extLst>
+  </p:cSld>
+  <p:clrMapOvr>
+    <a:masterClrMapping/>
+  </p:clrMapOvr>
+</p:sld>
+</file>
+
+<file path=ppt/slides/slide4.xml><?xml version="1.0" encoding="utf-8"?>
+<p:sld xmlns:a="http://schemas.openxmlformats.org/drawingml/2006/main" xmlns:r="http://schemas.openxmlformats.org/officeDocument/2006/relationships" xmlns:p="http://schemas.openxmlformats.org/presentationml/2006/main">
+  <p:cSld>
+    <p:spTree>
+      <p:nvGrpSpPr>
+        <p:cNvPr id="1" name=""/>
+        <p:cNvGrpSpPr/>
+        <p:nvPr/>
+      </p:nvGrpSpPr>
+      <p:grpSpPr>
+        <a:xfrm>
+          <a:off x="0" y="0"/>
+          <a:ext cx="0" cy="0"/>
+          <a:chOff x="0" y="0"/>
+          <a:chExt cx="0" cy="0"/>
+        </a:xfrm>
+      </p:grpSpPr>
+      <p:sp>
+        <p:nvSpPr>
+          <p:cNvPr id="2" name="Title 1">
+            <a:extLst>
+              <a:ext uri="{FF2B5EF4-FFF2-40B4-BE49-F238E27FC236}">
+                <a16:creationId xmlns:a16="http://schemas.microsoft.com/office/drawing/2014/main" id="{481FF182-35D0-871D-BBD8-02C473252B76}"/>
+              </a:ext>
+            </a:extLst>
+          </p:cNvPr>
+          <p:cNvSpPr>
+            <a:spLocks noGrp="1"/>
+          </p:cNvSpPr>
+          <p:nvPr>
+            <p:ph type="title"/>
+          </p:nvPr>
+        </p:nvSpPr>
+        <p:spPr/>
+        <p:txBody>
+          <a:bodyPr/>
+          <a:lstStyle/>
+          <a:p>
+            <a:r>
+              <a:rPr lang="he-IL" dirty="0"/>
+              <a:t>רמות עבודה</a:t>
+            </a:r>
+            <a:endParaRPr lang="en-US" dirty="0"/>
+          </a:p>
+        </p:txBody>
+      </p:sp>
+      <p:sp>
+        <p:nvSpPr>
+          <p:cNvPr id="4" name="Text Placeholder 3">
+            <a:extLst>
+              <a:ext uri="{FF2B5EF4-FFF2-40B4-BE49-F238E27FC236}">
+                <a16:creationId xmlns:a16="http://schemas.microsoft.com/office/drawing/2014/main" id="{C77D812E-B7EE-E428-52E7-1F22C3C400AF}"/>
+              </a:ext>
+            </a:extLst>
+          </p:cNvPr>
+          <p:cNvSpPr>
+            <a:spLocks noGrp="1"/>
+          </p:cNvSpPr>
+          <p:nvPr>
+            <p:ph type="body" idx="1"/>
+          </p:nvPr>
+        </p:nvSpPr>
+        <p:spPr>
+          <a:xfrm>
+            <a:off x="4793530" y="1681163"/>
+            <a:ext cx="2999851" cy="823912"/>
+          </a:xfrm>
+        </p:spPr>
+        <p:txBody>
+          <a:bodyPr anchor="ctr"/>
+          <a:lstStyle/>
+          <a:p>
+            <a:pPr algn="ctr"/>
+            <a:r>
+              <a:rPr lang="he-IL" dirty="0"/>
+              <a:t>השוואת תחזיות מאותו מקור (אותו מודל)</a:t>
+            </a:r>
+            <a:endParaRPr lang="en-US" dirty="0"/>
+          </a:p>
+        </p:txBody>
+      </p:sp>
+      <p:sp>
+        <p:nvSpPr>
+          <p:cNvPr id="5" name="Content Placeholder 4">
+            <a:extLst>
+              <a:ext uri="{FF2B5EF4-FFF2-40B4-BE49-F238E27FC236}">
+                <a16:creationId xmlns:a16="http://schemas.microsoft.com/office/drawing/2014/main" id="{45BF036A-9DD1-E0B3-C482-ED857280EF2D}"/>
+              </a:ext>
+            </a:extLst>
+          </p:cNvPr>
+          <p:cNvSpPr>
+            <a:spLocks noGrp="1"/>
+          </p:cNvSpPr>
+          <p:nvPr>
+            <p:ph sz="half" idx="2"/>
+          </p:nvPr>
+        </p:nvSpPr>
+        <p:spPr>
+          <a:xfrm>
+            <a:off x="4793530" y="2505075"/>
+            <a:ext cx="2999851" cy="3684588"/>
+          </a:xfrm>
+        </p:spPr>
+        <p:txBody>
+          <a:bodyPr/>
+          <a:lstStyle/>
+          <a:p>
+            <a:endParaRPr lang="en-US" dirty="0"/>
+          </a:p>
+        </p:txBody>
+      </p:sp>
+      <p:sp>
+        <p:nvSpPr>
+          <p:cNvPr id="6" name="Text Placeholder 5">
+            <a:extLst>
+              <a:ext uri="{FF2B5EF4-FFF2-40B4-BE49-F238E27FC236}">
+                <a16:creationId xmlns:a16="http://schemas.microsoft.com/office/drawing/2014/main" id="{F7C3A33F-3A51-0B42-F85C-CE13560F921D}"/>
+              </a:ext>
+            </a:extLst>
+          </p:cNvPr>
+          <p:cNvSpPr>
+            <a:spLocks noGrp="1"/>
+          </p:cNvSpPr>
+          <p:nvPr>
+            <p:ph type="body" sz="quarter" idx="3"/>
+          </p:nvPr>
+        </p:nvSpPr>
+        <p:spPr>
+          <a:xfrm>
+            <a:off x="8521831" y="1681163"/>
+            <a:ext cx="2833557" cy="823912"/>
+          </a:xfrm>
+          <a:solidFill>
+            <a:schemeClr val="accent4">
+              <a:lumMod val="20000"/>
+              <a:lumOff val="80000"/>
+            </a:schemeClr>
+          </a:solidFill>
+        </p:spPr>
+        <p:txBody>
+          <a:bodyPr anchor="ctr"/>
+          <a:lstStyle/>
+          <a:p>
+            <a:pPr algn="ctr"/>
+            <a:r>
+              <a:rPr lang="he-IL" dirty="0"/>
+              <a:t>תחזית בודדת</a:t>
+            </a:r>
+            <a:endParaRPr lang="en-US" dirty="0"/>
+          </a:p>
+        </p:txBody>
+      </p:sp>
+      <p:sp>
+        <p:nvSpPr>
+          <p:cNvPr id="7" name="Content Placeholder 6">
+            <a:extLst>
+              <a:ext uri="{FF2B5EF4-FFF2-40B4-BE49-F238E27FC236}">
+                <a16:creationId xmlns:a16="http://schemas.microsoft.com/office/drawing/2014/main" id="{23168C4F-4225-3288-BE01-5EA5C6454A74}"/>
+              </a:ext>
+            </a:extLst>
+          </p:cNvPr>
+          <p:cNvSpPr>
+            <a:spLocks noGrp="1"/>
+          </p:cNvSpPr>
+          <p:nvPr>
+            <p:ph sz="quarter" idx="4"/>
+          </p:nvPr>
+        </p:nvSpPr>
+        <p:spPr>
+          <a:xfrm>
+            <a:off x="8521831" y="2505075"/>
+            <a:ext cx="2833557" cy="3684588"/>
+          </a:xfrm>
+        </p:spPr>
+        <p:txBody>
+          <a:bodyPr/>
+          <a:lstStyle/>
+          <a:p>
+            <a:endParaRPr lang="en-US" dirty="0"/>
+          </a:p>
+        </p:txBody>
+      </p:sp>
+      <p:sp>
+        <p:nvSpPr>
+          <p:cNvPr id="8" name="Text Placeholder 3">
+            <a:extLst>
+              <a:ext uri="{FF2B5EF4-FFF2-40B4-BE49-F238E27FC236}">
+                <a16:creationId xmlns:a16="http://schemas.microsoft.com/office/drawing/2014/main" id="{34D71058-8101-8349-8774-5C339B8EE1E3}"/>
+              </a:ext>
+            </a:extLst>
+          </p:cNvPr>
+          <p:cNvSpPr txBox="1">
+            <a:spLocks/>
+          </p:cNvSpPr>
+          <p:nvPr/>
+        </p:nvSpPr>
+        <p:spPr>
+          <a:xfrm>
+            <a:off x="1065229" y="1681163"/>
+            <a:ext cx="2999851" cy="823912"/>
+          </a:xfrm>
+          <a:prstGeom prst="rect">
+            <a:avLst/>
+          </a:prstGeom>
+        </p:spPr>
+        <p:txBody>
+          <a:bodyPr vert="horz" lIns="91440" tIns="45720" rIns="91440" bIns="45720" rtlCol="0" anchor="ctr">
+            <a:normAutofit/>
+          </a:bodyPr>
+          <a:lstStyle>
+            <a:lvl1pPr marL="0" indent="0" algn="r" defTabSz="914400" rtl="1" eaLnBrk="1" latinLnBrk="0" hangingPunct="1">
+              <a:lnSpc>
+                <a:spcPct val="90000"/>
+              </a:lnSpc>
+              <a:spcBef>
+                <a:spcPts val="2400"/>
+              </a:spcBef>
+              <a:buFont typeface="Arial" panose="020B0604020202020204" pitchFamily="34" charset="0"/>
+              <a:buNone/>
+              <a:defRPr sz="2400" b="1" kern="1200">
+                <a:solidFill>
+                  <a:schemeClr val="tx1"/>
+                </a:solidFill>
+                <a:latin typeface="Arial" panose="020B0604020202020204" pitchFamily="34" charset="0"/>
+                <a:ea typeface="+mn-ea"/>
+                <a:cs typeface="Arial" panose="020B0604020202020204" pitchFamily="34" charset="0"/>
+              </a:defRPr>
+            </a:lvl1pPr>
+            <a:lvl2pPr marL="457200" indent="0" algn="r" defTabSz="914400" rtl="1" eaLnBrk="1" latinLnBrk="0" hangingPunct="1">
+              <a:lnSpc>
+                <a:spcPct val="90000"/>
+              </a:lnSpc>
+              <a:spcBef>
+                <a:spcPts val="500"/>
+              </a:spcBef>
+              <a:buFont typeface="Arial" panose="020B0604020202020204" pitchFamily="34" charset="0"/>
+              <a:buNone/>
+              <a:defRPr sz="2000" b="1" kern="1200">
+                <a:solidFill>
+                  <a:schemeClr val="tx1"/>
+                </a:solidFill>
+                <a:latin typeface="Arial" panose="020B0604020202020204" pitchFamily="34" charset="0"/>
+                <a:ea typeface="+mn-ea"/>
+                <a:cs typeface="Arial" panose="020B0604020202020204" pitchFamily="34" charset="0"/>
+              </a:defRPr>
+            </a:lvl2pPr>
+            <a:lvl3pPr marL="914400" indent="0" algn="r" defTabSz="914400" rtl="1" eaLnBrk="1" latinLnBrk="0" hangingPunct="1">
+              <a:lnSpc>
+                <a:spcPct val="90000"/>
+              </a:lnSpc>
+              <a:spcBef>
+                <a:spcPts val="500"/>
+              </a:spcBef>
+              <a:buFont typeface="Arial" panose="020B0604020202020204" pitchFamily="34" charset="0"/>
+              <a:buNone/>
+              <a:defRPr sz="1800" b="1" kern="1200">
+                <a:solidFill>
+                  <a:schemeClr val="tx1"/>
+                </a:solidFill>
+                <a:latin typeface="Arial" panose="020B0604020202020204" pitchFamily="34" charset="0"/>
+                <a:ea typeface="+mn-ea"/>
+                <a:cs typeface="Arial" panose="020B0604020202020204" pitchFamily="34" charset="0"/>
+              </a:defRPr>
+            </a:lvl3pPr>
+            <a:lvl4pPr marL="1371600" indent="0" algn="r" defTabSz="914400" rtl="1" eaLnBrk="1" latinLnBrk="0" hangingPunct="1">
+              <a:lnSpc>
+                <a:spcPct val="90000"/>
+              </a:lnSpc>
+              <a:spcBef>
+                <a:spcPts val="500"/>
+              </a:spcBef>
+              <a:buFont typeface="Arial" panose="020B0604020202020204" pitchFamily="34" charset="0"/>
+              <a:buNone/>
+              <a:defRPr sz="1600" b="1" kern="1200">
+                <a:solidFill>
+                  <a:schemeClr val="tx1"/>
+                </a:solidFill>
+                <a:latin typeface="Arial" panose="020B0604020202020204" pitchFamily="34" charset="0"/>
+                <a:ea typeface="+mn-ea"/>
+                <a:cs typeface="Arial" panose="020B0604020202020204" pitchFamily="34" charset="0"/>
+              </a:defRPr>
+            </a:lvl4pPr>
+            <a:lvl5pPr marL="1828800" indent="0" algn="r" defTabSz="914400" rtl="1" eaLnBrk="1" latinLnBrk="0" hangingPunct="1">
+              <a:lnSpc>
+                <a:spcPct val="90000"/>
+              </a:lnSpc>
+              <a:spcBef>
+                <a:spcPts val="500"/>
+              </a:spcBef>
+              <a:buFont typeface="Arial" panose="020B0604020202020204" pitchFamily="34" charset="0"/>
+              <a:buNone/>
+              <a:defRPr sz="1600" b="1" kern="1200">
+                <a:solidFill>
+                  <a:schemeClr val="tx1"/>
+                </a:solidFill>
+                <a:latin typeface="Arial" panose="020B0604020202020204" pitchFamily="34" charset="0"/>
+                <a:ea typeface="+mn-ea"/>
+                <a:cs typeface="Arial" panose="020B0604020202020204" pitchFamily="34" charset="0"/>
+              </a:defRPr>
+            </a:lvl5pPr>
+            <a:lvl6pPr marL="2286000" indent="0" algn="l" defTabSz="914400" rtl="0" eaLnBrk="1" latinLnBrk="0" hangingPunct="1">
+              <a:lnSpc>
+                <a:spcPct val="90000"/>
+              </a:lnSpc>
+              <a:spcBef>
+                <a:spcPts val="500"/>
+              </a:spcBef>
+              <a:buFont typeface="Arial" panose="020B0604020202020204" pitchFamily="34" charset="0"/>
+              <a:buNone/>
+              <a:defRPr sz="1600" b="1" kern="1200">
+                <a:solidFill>
+                  <a:schemeClr val="tx1"/>
+                </a:solidFill>
+                <a:latin typeface="+mn-lt"/>
+                <a:ea typeface="+mn-ea"/>
+                <a:cs typeface="+mn-cs"/>
+              </a:defRPr>
+            </a:lvl6pPr>
+            <a:lvl7pPr marL="2743200" indent="0" algn="l" defTabSz="914400" rtl="0" eaLnBrk="1" latinLnBrk="0" hangingPunct="1">
+              <a:lnSpc>
+                <a:spcPct val="90000"/>
+              </a:lnSpc>
+              <a:spcBef>
+                <a:spcPts val="500"/>
+              </a:spcBef>
+              <a:buFont typeface="Arial" panose="020B0604020202020204" pitchFamily="34" charset="0"/>
+              <a:buNone/>
+              <a:defRPr sz="1600" b="1" kern="1200">
+                <a:solidFill>
+                  <a:schemeClr val="tx1"/>
+                </a:solidFill>
+                <a:latin typeface="+mn-lt"/>
+                <a:ea typeface="+mn-ea"/>
+                <a:cs typeface="+mn-cs"/>
+              </a:defRPr>
+            </a:lvl7pPr>
+            <a:lvl8pPr marL="3200400" indent="0" algn="l" defTabSz="914400" rtl="0" eaLnBrk="1" latinLnBrk="0" hangingPunct="1">
+              <a:lnSpc>
+                <a:spcPct val="90000"/>
+              </a:lnSpc>
+              <a:spcBef>
+                <a:spcPts val="500"/>
+              </a:spcBef>
+              <a:buFont typeface="Arial" panose="020B0604020202020204" pitchFamily="34" charset="0"/>
+              <a:buNone/>
+              <a:defRPr sz="1600" b="1" kern="1200">
+                <a:solidFill>
+                  <a:schemeClr val="tx1"/>
+                </a:solidFill>
+                <a:latin typeface="+mn-lt"/>
+                <a:ea typeface="+mn-ea"/>
+                <a:cs typeface="+mn-cs"/>
+              </a:defRPr>
+            </a:lvl8pPr>
+            <a:lvl9pPr marL="3657600" indent="0" algn="l" defTabSz="914400" rtl="0" eaLnBrk="1" latinLnBrk="0" hangingPunct="1">
+              <a:lnSpc>
+                <a:spcPct val="90000"/>
+              </a:lnSpc>
+              <a:spcBef>
+                <a:spcPts val="500"/>
+              </a:spcBef>
+              <a:buFont typeface="Arial" panose="020B0604020202020204" pitchFamily="34" charset="0"/>
+              <a:buNone/>
+              <a:defRPr sz="1600" b="1" kern="1200">
+                <a:solidFill>
+                  <a:schemeClr val="tx1"/>
+                </a:solidFill>
+                <a:latin typeface="+mn-lt"/>
+                <a:ea typeface="+mn-ea"/>
+                <a:cs typeface="+mn-cs"/>
+              </a:defRPr>
+            </a:lvl9pPr>
+          </a:lstStyle>
+          <a:p>
+            <a:pPr algn="ctr" rtl="0"/>
+            <a:r>
+              <a:rPr lang="he-IL" dirty="0"/>
+              <a:t>השוואת תחזיות ממקורות שונים</a:t>
+            </a:r>
+            <a:endParaRPr lang="en-US" dirty="0"/>
+          </a:p>
+        </p:txBody>
+      </p:sp>
+      <p:sp>
+        <p:nvSpPr>
+          <p:cNvPr id="9" name="Content Placeholder 4">
+            <a:extLst>
+              <a:ext uri="{FF2B5EF4-FFF2-40B4-BE49-F238E27FC236}">
+                <a16:creationId xmlns:a16="http://schemas.microsoft.com/office/drawing/2014/main" id="{D1BFAFD3-6C7B-E1DF-9AF7-B48C96DD5418}"/>
+              </a:ext>
+            </a:extLst>
+          </p:cNvPr>
+          <p:cNvSpPr txBox="1">
+            <a:spLocks/>
+          </p:cNvSpPr>
+          <p:nvPr/>
+        </p:nvSpPr>
+        <p:spPr>
+          <a:xfrm>
+            <a:off x="1065229" y="2505075"/>
+            <a:ext cx="2999851" cy="3684588"/>
+          </a:xfrm>
+          <a:prstGeom prst="rect">
+            <a:avLst/>
+          </a:prstGeom>
+        </p:spPr>
+        <p:txBody>
+          <a:bodyPr vert="horz" lIns="91440" tIns="45720" rIns="91440" bIns="45720" rtlCol="0">
+            <a:normAutofit/>
+          </a:bodyPr>
+          <a:lstStyle>
+            <a:lvl1pPr marL="228600" indent="-228600" algn="r" defTabSz="914400" rtl="1" eaLnBrk="1" latinLnBrk="0" hangingPunct="1">
+              <a:lnSpc>
+                <a:spcPct val="90000"/>
+              </a:lnSpc>
+              <a:spcBef>
+                <a:spcPts val="2400"/>
+              </a:spcBef>
+              <a:buFont typeface="Arial" panose="020B0604020202020204" pitchFamily="34" charset="0"/>
+              <a:buChar char="•"/>
+              <a:defRPr sz="2800" kern="1200">
+                <a:solidFill>
+                  <a:schemeClr val="tx1"/>
+                </a:solidFill>
+                <a:latin typeface="Arial" panose="020B0604020202020204" pitchFamily="34" charset="0"/>
+                <a:ea typeface="+mn-ea"/>
+                <a:cs typeface="Arial" panose="020B0604020202020204" pitchFamily="34" charset="0"/>
+              </a:defRPr>
+            </a:lvl1pPr>
+            <a:lvl2pPr marL="685800" indent="-228600" algn="r" defTabSz="914400" rtl="1" eaLnBrk="1" latinLnBrk="0" hangingPunct="1">
+              <a:lnSpc>
+                <a:spcPct val="90000"/>
+              </a:lnSpc>
+              <a:spcBef>
+                <a:spcPts val="500"/>
+              </a:spcBef>
+              <a:buFont typeface="Arial" panose="020B0604020202020204" pitchFamily="34" charset="0"/>
+              <a:buChar char="•"/>
+              <a:defRPr sz="2400" kern="1200">
+                <a:solidFill>
+                  <a:schemeClr val="tx1"/>
+                </a:solidFill>
+                <a:latin typeface="Arial" panose="020B0604020202020204" pitchFamily="34" charset="0"/>
+                <a:ea typeface="+mn-ea"/>
+                <a:cs typeface="Arial" panose="020B0604020202020204" pitchFamily="34" charset="0"/>
+              </a:defRPr>
+            </a:lvl2pPr>
+            <a:lvl3pPr marL="1143000" indent="-228600" algn="r" defTabSz="914400" rtl="1" eaLnBrk="1" latinLnBrk="0" hangingPunct="1">
+              <a:lnSpc>
+                <a:spcPct val="90000"/>
+              </a:lnSpc>
+              <a:spcBef>
+                <a:spcPts val="500"/>
+              </a:spcBef>
+              <a:buFont typeface="Arial" panose="020B0604020202020204" pitchFamily="34" charset="0"/>
+              <a:buChar char="•"/>
+              <a:defRPr sz="2000" kern="1200">
+                <a:solidFill>
+                  <a:schemeClr val="tx1"/>
+                </a:solidFill>
+                <a:latin typeface="Arial" panose="020B0604020202020204" pitchFamily="34" charset="0"/>
+                <a:ea typeface="+mn-ea"/>
+                <a:cs typeface="Arial" panose="020B0604020202020204" pitchFamily="34" charset="0"/>
+              </a:defRPr>
+            </a:lvl3pPr>
+            <a:lvl4pPr marL="1600200" indent="-228600" algn="r" defTabSz="914400" rtl="1" eaLnBrk="1" latinLnBrk="0" hangingPunct="1">
+              <a:lnSpc>
+                <a:spcPct val="90000"/>
+              </a:lnSpc>
+              <a:spcBef>
+                <a:spcPts val="500"/>
+              </a:spcBef>
+              <a:buFont typeface="Arial" panose="020B0604020202020204" pitchFamily="34" charset="0"/>
+              <a:buChar char="•"/>
+              <a:defRPr sz="1800" kern="1200">
+                <a:solidFill>
+                  <a:schemeClr val="tx1"/>
+                </a:solidFill>
+                <a:latin typeface="Arial" panose="020B0604020202020204" pitchFamily="34" charset="0"/>
+                <a:ea typeface="+mn-ea"/>
+                <a:cs typeface="Arial" panose="020B0604020202020204" pitchFamily="34" charset="0"/>
+              </a:defRPr>
+            </a:lvl4pPr>
+            <a:lvl5pPr marL="2057400" indent="-228600" algn="r" defTabSz="914400" rtl="1" eaLnBrk="1" latinLnBrk="0" hangingPunct="1">
+              <a:lnSpc>
+                <a:spcPct val="90000"/>
+              </a:lnSpc>
+              <a:spcBef>
+                <a:spcPts val="500"/>
+              </a:spcBef>
+              <a:buFont typeface="Arial" panose="020B0604020202020204" pitchFamily="34" charset="0"/>
+              <a:buChar char="•"/>
+              <a:defRPr sz="1800" kern="1200">
+                <a:solidFill>
+                  <a:schemeClr val="tx1"/>
+                </a:solidFill>
+                <a:latin typeface="Arial" panose="020B0604020202020204" pitchFamily="34" charset="0"/>
+                <a:ea typeface="+mn-ea"/>
+                <a:cs typeface="Arial" panose="020B0604020202020204" pitchFamily="34" charset="0"/>
+              </a:defRPr>
+            </a:lvl5pPr>
+            <a:lvl6pPr marL="2514600" indent="-228600" algn="l" defTabSz="914400" rtl="0" eaLnBrk="1" latinLnBrk="0" hangingPunct="1">
+              <a:lnSpc>
+                <a:spcPct val="90000"/>
+              </a:lnSpc>
+              <a:spcBef>
+                <a:spcPts val="500"/>
+              </a:spcBef>
+              <a:buFont typeface="Arial" panose="020B0604020202020204" pitchFamily="34" charset="0"/>
+              <a:buChar char="•"/>
+              <a:defRPr sz="1800" kern="1200">
+                <a:solidFill>
+                  <a:schemeClr val="tx1"/>
+                </a:solidFill>
+                <a:latin typeface="+mn-lt"/>
+                <a:ea typeface="+mn-ea"/>
+                <a:cs typeface="+mn-cs"/>
+              </a:defRPr>
+            </a:lvl6pPr>
+            <a:lvl7pPr marL="2971800" indent="-228600" algn="l" defTabSz="914400" rtl="0" eaLnBrk="1" latinLnBrk="0" hangingPunct="1">
+              <a:lnSpc>
+                <a:spcPct val="90000"/>
+              </a:lnSpc>
+              <a:spcBef>
+                <a:spcPts val="500"/>
+              </a:spcBef>
+              <a:buFont typeface="Arial" panose="020B0604020202020204" pitchFamily="34" charset="0"/>
+              <a:buChar char="•"/>
+              <a:defRPr sz="1800" kern="1200">
+                <a:solidFill>
+                  <a:schemeClr val="tx1"/>
+                </a:solidFill>
+                <a:latin typeface="+mn-lt"/>
+                <a:ea typeface="+mn-ea"/>
+                <a:cs typeface="+mn-cs"/>
+              </a:defRPr>
+            </a:lvl7pPr>
+            <a:lvl8pPr marL="3429000" indent="-228600" algn="l" defTabSz="914400" rtl="0" eaLnBrk="1" latinLnBrk="0" hangingPunct="1">
+              <a:lnSpc>
+                <a:spcPct val="90000"/>
+              </a:lnSpc>
+              <a:spcBef>
+                <a:spcPts val="500"/>
+              </a:spcBef>
+              <a:buFont typeface="Arial" panose="020B0604020202020204" pitchFamily="34" charset="0"/>
+              <a:buChar char="•"/>
+              <a:defRPr sz="1800" kern="1200">
+                <a:solidFill>
+                  <a:schemeClr val="tx1"/>
+                </a:solidFill>
+                <a:latin typeface="+mn-lt"/>
+                <a:ea typeface="+mn-ea"/>
+                <a:cs typeface="+mn-cs"/>
+              </a:defRPr>
+            </a:lvl8pPr>
+            <a:lvl9pPr marL="3886200" indent="-228600" algn="l" defTabSz="914400" rtl="0" eaLnBrk="1" latinLnBrk="0" hangingPunct="1">
+              <a:lnSpc>
+                <a:spcPct val="90000"/>
+              </a:lnSpc>
+              <a:spcBef>
+                <a:spcPts val="500"/>
+              </a:spcBef>
+              <a:buFont typeface="Arial" panose="020B0604020202020204" pitchFamily="34" charset="0"/>
+              <a:buChar char="•"/>
+              <a:defRPr sz="1800" kern="1200">
+                <a:solidFill>
+                  <a:schemeClr val="tx1"/>
+                </a:solidFill>
+                <a:latin typeface="+mn-lt"/>
+                <a:ea typeface="+mn-ea"/>
+                <a:cs typeface="+mn-cs"/>
+              </a:defRPr>
+            </a:lvl9pPr>
+          </a:lstStyle>
+          <a:p>
+            <a:pPr algn="l" rtl="0"/>
+            <a:endParaRPr lang="en-US" dirty="0"/>
+          </a:p>
+        </p:txBody>
+      </p:sp>
+    </p:spTree>
+    <p:extLst>
+      <p:ext uri="{BB962C8B-B14F-4D97-AF65-F5344CB8AC3E}">
+        <p14:creationId xmlns:p14="http://schemas.microsoft.com/office/powerpoint/2010/main" val="3674352982"/>
+      </p:ext>
+    </p:extLst>
+  </p:cSld>
+  <p:clrMapOvr>
+    <a:masterClrMapping/>
+  </p:clrMapOvr>
+</p:sld>
+</file>
+
+<file path=ppt/slides/slide5.xml><?xml version="1.0" encoding="utf-8"?>
+<p:sld xmlns:a="http://schemas.openxmlformats.org/drawingml/2006/main" xmlns:r="http://schemas.openxmlformats.org/officeDocument/2006/relationships" xmlns:p="http://schemas.openxmlformats.org/presentationml/2006/main">
+  <p:cSld>
+    <p:spTree>
+      <p:nvGrpSpPr>
+        <p:cNvPr id="1" name=""/>
+        <p:cNvGrpSpPr/>
+        <p:nvPr/>
+      </p:nvGrpSpPr>
+      <p:grpSpPr>
+        <a:xfrm>
+          <a:off x="0" y="0"/>
+          <a:ext cx="0" cy="0"/>
+          <a:chOff x="0" y="0"/>
+          <a:chExt cx="0" cy="0"/>
+        </a:xfrm>
+      </p:grpSpPr>
+      <p:sp>
+        <p:nvSpPr>
+          <p:cNvPr id="2" name="Title 1">
+            <a:extLst>
+              <a:ext uri="{FF2B5EF4-FFF2-40B4-BE49-F238E27FC236}">
+                <a16:creationId xmlns:a16="http://schemas.microsoft.com/office/drawing/2014/main" id="{58F2DFC4-BF8B-39B2-DAFA-B2D3D810165F}"/>
+              </a:ext>
+            </a:extLst>
+          </p:cNvPr>
+          <p:cNvSpPr>
+            <a:spLocks noGrp="1"/>
+          </p:cNvSpPr>
+          <p:nvPr>
+            <p:ph type="title"/>
+          </p:nvPr>
+        </p:nvSpPr>
+        <p:spPr/>
+        <p:txBody>
+          <a:bodyPr/>
+          <a:lstStyle/>
+          <a:p>
+            <a:r>
+              <a:rPr lang="he-IL" dirty="0"/>
+              <a:t>התוכנה - </a:t>
+            </a:r>
+            <a:r>
+              <a:rPr lang="he-IL" dirty="0" err="1"/>
+              <a:t>צפיין</a:t>
+            </a:r>
+            <a:endParaRPr lang="en-US" dirty="0"/>
+          </a:p>
+        </p:txBody>
+      </p:sp>
+      <p:sp>
+        <p:nvSpPr>
+          <p:cNvPr id="4" name="TextBox 3">
+            <a:extLst>
+              <a:ext uri="{FF2B5EF4-FFF2-40B4-BE49-F238E27FC236}">
+                <a16:creationId xmlns:a16="http://schemas.microsoft.com/office/drawing/2014/main" id="{50B9B3DC-A6B9-3F98-4AAE-D54111BC9D1A}"/>
+              </a:ext>
+            </a:extLst>
+          </p:cNvPr>
+          <p:cNvSpPr txBox="1"/>
+          <p:nvPr/>
+        </p:nvSpPr>
+        <p:spPr>
+          <a:xfrm>
+            <a:off x="9804994" y="2557995"/>
+            <a:ext cx="1071127" cy="369332"/>
+          </a:xfrm>
+          <a:prstGeom prst="rect">
+            <a:avLst/>
+          </a:prstGeom>
+          <a:noFill/>
+        </p:spPr>
+        <p:txBody>
+          <a:bodyPr wrap="none" rtlCol="0">
+            <a:spAutoFit/>
+          </a:bodyPr>
+          <a:lstStyle/>
+          <a:p>
+            <a:r>
+              <a:rPr lang="he-IL" dirty="0"/>
+              <a:t>אובייקטים</a:t>
+            </a:r>
+            <a:endParaRPr lang="en-US" dirty="0"/>
+          </a:p>
+        </p:txBody>
+      </p:sp>
+      <p:sp>
+        <p:nvSpPr>
+          <p:cNvPr id="5" name="TextBox 4">
+            <a:extLst>
+              <a:ext uri="{FF2B5EF4-FFF2-40B4-BE49-F238E27FC236}">
+                <a16:creationId xmlns:a16="http://schemas.microsoft.com/office/drawing/2014/main" id="{F4036E49-39B2-A910-3EAF-7AF93C39BADE}"/>
+              </a:ext>
+            </a:extLst>
+          </p:cNvPr>
+          <p:cNvSpPr txBox="1"/>
+          <p:nvPr/>
+        </p:nvSpPr>
+        <p:spPr>
+          <a:xfrm>
+            <a:off x="6887727" y="1664526"/>
+            <a:ext cx="1040670" cy="369332"/>
+          </a:xfrm>
+          <a:prstGeom prst="rect">
+            <a:avLst/>
+          </a:prstGeom>
+          <a:solidFill>
+            <a:schemeClr val="accent4">
+              <a:lumMod val="20000"/>
+              <a:lumOff val="80000"/>
+            </a:schemeClr>
+          </a:solidFill>
+        </p:spPr>
+        <p:txBody>
+          <a:bodyPr wrap="none" rtlCol="0">
+            <a:spAutoFit/>
+          </a:bodyPr>
+          <a:lstStyle/>
+          <a:p>
+            <a:r>
+              <a:rPr lang="he-IL" dirty="0"/>
+              <a:t>אפליקציה</a:t>
+            </a:r>
+            <a:endParaRPr lang="en-US" dirty="0"/>
+          </a:p>
+        </p:txBody>
+      </p:sp>
+      <p:sp>
+        <p:nvSpPr>
+          <p:cNvPr id="6" name="TextBox 5">
+            <a:extLst>
+              <a:ext uri="{FF2B5EF4-FFF2-40B4-BE49-F238E27FC236}">
+                <a16:creationId xmlns:a16="http://schemas.microsoft.com/office/drawing/2014/main" id="{2D65E503-D1C2-B672-3A4E-963982A2A733}"/>
+              </a:ext>
+            </a:extLst>
+          </p:cNvPr>
+          <p:cNvSpPr txBox="1"/>
+          <p:nvPr/>
+        </p:nvSpPr>
+        <p:spPr>
+          <a:xfrm>
+            <a:off x="9511645" y="5303116"/>
+            <a:ext cx="1657826" cy="369332"/>
+          </a:xfrm>
+          <a:prstGeom prst="rect">
+            <a:avLst/>
+          </a:prstGeom>
+          <a:noFill/>
+        </p:spPr>
+        <p:txBody>
+          <a:bodyPr wrap="none" rtlCol="0">
+            <a:spAutoFit/>
+          </a:bodyPr>
+          <a:lstStyle/>
+          <a:p>
+            <a:r>
+              <a:rPr lang="he-IL" dirty="0"/>
+              <a:t>ספריית פונקציות</a:t>
+            </a:r>
+            <a:endParaRPr lang="en-US" dirty="0"/>
+          </a:p>
+        </p:txBody>
+      </p:sp>
+      <p:sp>
+        <p:nvSpPr>
+          <p:cNvPr id="7" name="TextBox 6">
+            <a:extLst>
+              <a:ext uri="{FF2B5EF4-FFF2-40B4-BE49-F238E27FC236}">
+                <a16:creationId xmlns:a16="http://schemas.microsoft.com/office/drawing/2014/main" id="{79643147-9C58-B448-FD6F-995CCC94DC8A}"/>
+              </a:ext>
+            </a:extLst>
+          </p:cNvPr>
+          <p:cNvSpPr txBox="1"/>
+          <p:nvPr/>
+        </p:nvSpPr>
+        <p:spPr>
+          <a:xfrm>
+            <a:off x="7112949" y="2599260"/>
+            <a:ext cx="590226" cy="369332"/>
+          </a:xfrm>
+          <a:prstGeom prst="rect">
+            <a:avLst/>
+          </a:prstGeom>
+          <a:solidFill>
+            <a:schemeClr val="accent4">
+              <a:lumMod val="20000"/>
+              <a:lumOff val="80000"/>
+            </a:schemeClr>
+          </a:solidFill>
+        </p:spPr>
+        <p:txBody>
+          <a:bodyPr wrap="none" rtlCol="0">
+            <a:spAutoFit/>
+          </a:bodyPr>
+          <a:lstStyle/>
+          <a:p>
+            <a:r>
+              <a:rPr lang="he-IL" dirty="0"/>
+              <a:t>מפה</a:t>
+            </a:r>
+            <a:endParaRPr lang="en-US" dirty="0"/>
+          </a:p>
+        </p:txBody>
+      </p:sp>
+      <p:sp>
+        <p:nvSpPr>
+          <p:cNvPr id="8" name="TextBox 7">
+            <a:extLst>
+              <a:ext uri="{FF2B5EF4-FFF2-40B4-BE49-F238E27FC236}">
+                <a16:creationId xmlns:a16="http://schemas.microsoft.com/office/drawing/2014/main" id="{86E28A90-7518-9722-6FA8-7F6C58F217AA}"/>
+              </a:ext>
+            </a:extLst>
+          </p:cNvPr>
+          <p:cNvSpPr txBox="1"/>
+          <p:nvPr/>
+        </p:nvSpPr>
+        <p:spPr>
+          <a:xfrm>
+            <a:off x="6958260" y="3533994"/>
+            <a:ext cx="970137" cy="369332"/>
+          </a:xfrm>
+          <a:prstGeom prst="rect">
+            <a:avLst/>
+          </a:prstGeom>
+          <a:solidFill>
+            <a:schemeClr val="accent4">
+              <a:lumMod val="20000"/>
+              <a:lumOff val="80000"/>
+            </a:schemeClr>
+          </a:solidFill>
+        </p:spPr>
+        <p:txBody>
+          <a:bodyPr wrap="none" rtlCol="0">
+            <a:spAutoFit/>
+          </a:bodyPr>
+          <a:lstStyle/>
+          <a:p>
+            <a:r>
+              <a:rPr lang="he-IL" dirty="0"/>
+              <a:t>"תרחיש"</a:t>
+            </a:r>
+            <a:endParaRPr lang="en-US" dirty="0"/>
+          </a:p>
+        </p:txBody>
+      </p:sp>
+    </p:spTree>
+    <p:extLst>
+      <p:ext uri="{BB962C8B-B14F-4D97-AF65-F5344CB8AC3E}">
+        <p14:creationId xmlns:p14="http://schemas.microsoft.com/office/powerpoint/2010/main" val="3307650960"/>
+      </p:ext>
+    </p:extLst>
+  </p:cSld>
+  <p:clrMapOvr>
+    <a:masterClrMapping/>
+  </p:clrMapOvr>
+</p:sld>
+</file>
+
+<file path=ppt/slides/slide6.xml><?xml version="1.0" encoding="utf-8"?>
+<p:sld xmlns:a="http://schemas.openxmlformats.org/drawingml/2006/main" xmlns:r="http://schemas.openxmlformats.org/officeDocument/2006/relationships" xmlns:p="http://schemas.openxmlformats.org/presentationml/2006/main">
+  <p:cSld>
+    <p:spTree>
+      <p:nvGrpSpPr>
+        <p:cNvPr id="1" name=""/>
+        <p:cNvGrpSpPr/>
+        <p:nvPr/>
+      </p:nvGrpSpPr>
+      <p:grpSpPr>
+        <a:xfrm>
+          <a:off x="0" y="0"/>
+          <a:ext cx="0" cy="0"/>
+          <a:chOff x="0" y="0"/>
+          <a:chExt cx="0" cy="0"/>
+        </a:xfrm>
+      </p:grpSpPr>
+      <p:sp>
+        <p:nvSpPr>
+          <p:cNvPr id="3" name="Title 2">
+            <a:extLst>
+              <a:ext uri="{FF2B5EF4-FFF2-40B4-BE49-F238E27FC236}">
+                <a16:creationId xmlns:a16="http://schemas.microsoft.com/office/drawing/2014/main" id="{C253B2B7-E0E5-F135-BBCF-30A10F3D1A2F}"/>
+              </a:ext>
+            </a:extLst>
+          </p:cNvPr>
+          <p:cNvSpPr>
+            <a:spLocks noGrp="1"/>
+          </p:cNvSpPr>
+          <p:nvPr>
+            <p:ph type="title"/>
+          </p:nvPr>
+        </p:nvSpPr>
+        <p:spPr>
+          <a:xfrm>
+            <a:off x="6334812" y="365125"/>
+            <a:ext cx="5018988" cy="1325563"/>
+          </a:xfrm>
+        </p:spPr>
+        <p:txBody>
+          <a:bodyPr/>
+          <a:lstStyle/>
+          <a:p>
+            <a:r>
+              <a:rPr lang="he-IL" dirty="0"/>
+              <a:t>מאפייני התרחיש</a:t>
+            </a:r>
+            <a:endParaRPr lang="en-US" dirty="0"/>
+          </a:p>
+        </p:txBody>
+      </p:sp>
+      <p:sp>
+        <p:nvSpPr>
+          <p:cNvPr id="4" name="Content Placeholder 3">
+            <a:extLst>
+              <a:ext uri="{FF2B5EF4-FFF2-40B4-BE49-F238E27FC236}">
+                <a16:creationId xmlns:a16="http://schemas.microsoft.com/office/drawing/2014/main" id="{7CBA1440-5D19-4C42-0100-611A0263A181}"/>
+              </a:ext>
+            </a:extLst>
+          </p:cNvPr>
+          <p:cNvSpPr>
+            <a:spLocks noGrp="1"/>
+          </p:cNvSpPr>
+          <p:nvPr>
+            <p:ph idx="1"/>
+          </p:nvPr>
+        </p:nvSpPr>
+        <p:spPr>
+          <a:xfrm>
+            <a:off x="5929460" y="1825625"/>
+            <a:ext cx="5424340" cy="4351338"/>
+          </a:xfrm>
+        </p:spPr>
+        <p:txBody>
+          <a:bodyPr/>
+          <a:lstStyle/>
+          <a:p>
+            <a:r>
+              <a:rPr lang="he-IL" dirty="0"/>
+              <a:t>מוגדרים ב </a:t>
+            </a:r>
+            <a:r>
+              <a:rPr lang="en-US" dirty="0" err="1"/>
+              <a:t>json</a:t>
+            </a:r>
+            <a:endParaRPr lang="en-US" dirty="0"/>
+          </a:p>
+        </p:txBody>
+      </p:sp>
+      <p:pic>
+        <p:nvPicPr>
+          <p:cNvPr id="5" name="Picture 4">
+            <a:extLst>
+              <a:ext uri="{FF2B5EF4-FFF2-40B4-BE49-F238E27FC236}">
+                <a16:creationId xmlns:a16="http://schemas.microsoft.com/office/drawing/2014/main" id="{A7117192-6918-ED07-1BF5-BF98C983EB29}"/>
+              </a:ext>
+            </a:extLst>
+          </p:cNvPr>
+          <p:cNvPicPr>
+            <a:picLocks noChangeAspect="1"/>
+          </p:cNvPicPr>
+          <p:nvPr/>
+        </p:nvPicPr>
+        <p:blipFill>
+          <a:blip r:embed="rId2"/>
+          <a:stretch>
+            <a:fillRect/>
+          </a:stretch>
+        </p:blipFill>
+        <p:spPr>
+          <a:xfrm>
+            <a:off x="838200" y="878647"/>
+            <a:ext cx="4325083" cy="2550353"/>
+          </a:xfrm>
+          <a:prstGeom prst="rect">
+            <a:avLst/>
+          </a:prstGeom>
+        </p:spPr>
+      </p:pic>
+    </p:spTree>
+    <p:extLst>
+      <p:ext uri="{BB962C8B-B14F-4D97-AF65-F5344CB8AC3E}">
+        <p14:creationId xmlns:p14="http://schemas.microsoft.com/office/powerpoint/2010/main" val="1443815165"/>
+      </p:ext>
+    </p:extLst>
+  </p:cSld>
+  <p:clrMapOvr>
+    <a:masterClrMapping/>
+  </p:clrMapOvr>
+</p:sld>
+</file>
+
+<file path=ppt/slides/slide7.xml><?xml version="1.0" encoding="utf-8"?>
+<p:sld xmlns:a="http://schemas.openxmlformats.org/drawingml/2006/main" xmlns:r="http://schemas.openxmlformats.org/officeDocument/2006/relationships" xmlns:p="http://schemas.openxmlformats.org/presentationml/2006/main">
+  <p:cSld>
+    <p:spTree>
+      <p:nvGrpSpPr>
+        <p:cNvPr id="1" name=""/>
+        <p:cNvGrpSpPr/>
+        <p:nvPr/>
+      </p:nvGrpSpPr>
+      <p:grpSpPr>
+        <a:xfrm>
+          <a:off x="0" y="0"/>
+          <a:ext cx="0" cy="0"/>
+          <a:chOff x="0" y="0"/>
+          <a:chExt cx="0" cy="0"/>
+        </a:xfrm>
+      </p:grpSpPr>
+      <p:sp>
+        <p:nvSpPr>
+          <p:cNvPr id="2" name="Title 1">
+            <a:extLst>
+              <a:ext uri="{FF2B5EF4-FFF2-40B4-BE49-F238E27FC236}">
+                <a16:creationId xmlns:a16="http://schemas.microsoft.com/office/drawing/2014/main" id="{CFFE712C-7E19-335B-A73B-9C1CD4DE821C}"/>
+              </a:ext>
+            </a:extLst>
+          </p:cNvPr>
+          <p:cNvSpPr>
+            <a:spLocks noGrp="1"/>
+          </p:cNvSpPr>
+          <p:nvPr>
+            <p:ph type="ctrTitle"/>
+          </p:nvPr>
+        </p:nvSpPr>
+        <p:spPr/>
+        <p:txBody>
+          <a:bodyPr/>
+          <a:lstStyle/>
+          <a:p>
+            <a:endParaRPr lang="en-US"/>
+          </a:p>
+        </p:txBody>
+      </p:sp>
+      <p:sp>
+        <p:nvSpPr>
+          <p:cNvPr id="3" name="Subtitle 2">
+            <a:extLst>
+              <a:ext uri="{FF2B5EF4-FFF2-40B4-BE49-F238E27FC236}">
+                <a16:creationId xmlns:a16="http://schemas.microsoft.com/office/drawing/2014/main" id="{539D2C7A-01FD-EA1F-928E-8E9C06E5337E}"/>
+              </a:ext>
+            </a:extLst>
+          </p:cNvPr>
+          <p:cNvSpPr>
+            <a:spLocks noGrp="1"/>
+          </p:cNvSpPr>
+          <p:nvPr>
+            <p:ph type="subTitle" idx="1"/>
+          </p:nvPr>
+        </p:nvSpPr>
+        <p:spPr/>
+        <p:txBody>
+          <a:bodyPr/>
+          <a:lstStyle/>
+          <a:p>
+            <a:endParaRPr lang="en-US"/>
+          </a:p>
+        </p:txBody>
+      </p:sp>
+    </p:spTree>
+    <p:extLst>
+      <p:ext uri="{BB962C8B-B14F-4D97-AF65-F5344CB8AC3E}">
+        <p14:creationId xmlns:p14="http://schemas.microsoft.com/office/powerpoint/2010/main" val="3314121517"/>
+      </p:ext>
+    </p:extLst>
+  </p:cSld>
+  <p:clrMapOvr>
+    <a:masterClrMapping/>
+  </p:clrMapOvr>
+</p:sld>
+</file>
+
+<file path=ppt/slides/slide8.xml><?xml version="1.0" encoding="utf-8"?>
+<p:sld xmlns:a="http://schemas.openxmlformats.org/drawingml/2006/main" xmlns:r="http://schemas.openxmlformats.org/officeDocument/2006/relationships" xmlns:p="http://schemas.openxmlformats.org/presentationml/2006/main">
+  <p:cSld>
+    <p:spTree>
+      <p:nvGrpSpPr>
+        <p:cNvPr id="1" name=""/>
+        <p:cNvGrpSpPr/>
+        <p:nvPr/>
+      </p:nvGrpSpPr>
+      <p:grpSpPr>
+        <a:xfrm>
+          <a:off x="0" y="0"/>
+          <a:ext cx="0" cy="0"/>
+          <a:chOff x="0" y="0"/>
+          <a:chExt cx="0" cy="0"/>
+        </a:xfrm>
+      </p:grpSpPr>
+      <p:sp>
+        <p:nvSpPr>
           <p:cNvPr id="2" name="TextBox 1">
             <a:extLst>
               <a:ext uri="{FF2B5EF4-FFF2-40B4-BE49-F238E27FC236}">
@@ -4460,7 +6283,7 @@
 </p:sld>
 </file>
 
-<file path=ppt/slides/slide4.xml><?xml version="1.0" encoding="utf-8"?>
+<file path=ppt/slides/slide9.xml><?xml version="1.0" encoding="utf-8"?>
 <p:sld xmlns:a="http://schemas.openxmlformats.org/drawingml/2006/main" xmlns:r="http://schemas.openxmlformats.org/officeDocument/2006/relationships" xmlns:p="http://schemas.openxmlformats.org/presentationml/2006/main">
   <p:cSld>
     <p:spTree>

--- a/doc/ScnLibApp.pptx
+++ b/doc/ScnLibApp.pptx
@@ -12,8 +12,9 @@
     <p:sldId id="262" r:id="rId6"/>
     <p:sldId id="264" r:id="rId7"/>
     <p:sldId id="260" r:id="rId8"/>
-    <p:sldId id="257" r:id="rId9"/>
-    <p:sldId id="258" r:id="rId10"/>
+    <p:sldId id="265" r:id="rId9"/>
+    <p:sldId id="257" r:id="rId10"/>
+    <p:sldId id="258" r:id="rId11"/>
   </p:sldIdLst>
   <p:sldSz cx="12192000" cy="6858000"/>
   <p:notesSz cx="6858000" cy="9144000"/>
@@ -4317,6 +4318,178 @@
 </p:sld>
 </file>
 
+<file path=ppt/slides/slide10.xml><?xml version="1.0" encoding="utf-8"?>
+<p:sld xmlns:a="http://schemas.openxmlformats.org/drawingml/2006/main" xmlns:r="http://schemas.openxmlformats.org/officeDocument/2006/relationships" xmlns:p="http://schemas.openxmlformats.org/presentationml/2006/main">
+  <p:cSld>
+    <p:spTree>
+      <p:nvGrpSpPr>
+        <p:cNvPr id="1" name=""/>
+        <p:cNvGrpSpPr/>
+        <p:nvPr/>
+      </p:nvGrpSpPr>
+      <p:grpSpPr>
+        <a:xfrm>
+          <a:off x="0" y="0"/>
+          <a:ext cx="0" cy="0"/>
+          <a:chOff x="0" y="0"/>
+          <a:chExt cx="0" cy="0"/>
+        </a:xfrm>
+      </p:grpSpPr>
+      <p:sp>
+        <p:nvSpPr>
+          <p:cNvPr id="4" name="TextBox 3">
+            <a:extLst>
+              <a:ext uri="{FF2B5EF4-FFF2-40B4-BE49-F238E27FC236}">
+                <a16:creationId xmlns:a16="http://schemas.microsoft.com/office/drawing/2014/main" id="{7AD5F4F9-E51A-AC38-0ED3-8D5361BEC2C2}"/>
+              </a:ext>
+            </a:extLst>
+          </p:cNvPr>
+          <p:cNvSpPr txBox="1"/>
+          <p:nvPr/>
+        </p:nvSpPr>
+        <p:spPr>
+          <a:xfrm>
+            <a:off x="605673" y="1323621"/>
+            <a:ext cx="2260075" cy="307777"/>
+          </a:xfrm>
+          <a:prstGeom prst="rect">
+            <a:avLst/>
+          </a:prstGeom>
+          <a:noFill/>
+        </p:spPr>
+        <p:txBody>
+          <a:bodyPr wrap="square">
+            <a:spAutoFit/>
+          </a:bodyPr>
+          <a:lstStyle/>
+          <a:p>
+            <a:r>
+              <a:rPr lang="en-US" sz="1400" dirty="0" err="1"/>
+              <a:t>basemap$mapview@map</a:t>
+            </a:r>
+            <a:endParaRPr lang="en-US" sz="1400" dirty="0"/>
+          </a:p>
+        </p:txBody>
+      </p:sp>
+      <p:sp>
+        <p:nvSpPr>
+          <p:cNvPr id="5" name="TextBox 4">
+            <a:extLst>
+              <a:ext uri="{FF2B5EF4-FFF2-40B4-BE49-F238E27FC236}">
+                <a16:creationId xmlns:a16="http://schemas.microsoft.com/office/drawing/2014/main" id="{12737A9E-2D58-9FE4-EB93-003041DFE73F}"/>
+              </a:ext>
+            </a:extLst>
+          </p:cNvPr>
+          <p:cNvSpPr txBox="1"/>
+          <p:nvPr/>
+        </p:nvSpPr>
+        <p:spPr>
+          <a:xfrm>
+            <a:off x="605673" y="794034"/>
+            <a:ext cx="3136769" cy="338554"/>
+          </a:xfrm>
+          <a:prstGeom prst="rect">
+            <a:avLst/>
+          </a:prstGeom>
+          <a:noFill/>
+        </p:spPr>
+        <p:txBody>
+          <a:bodyPr wrap="square">
+            <a:spAutoFit/>
+          </a:bodyPr>
+          <a:lstStyle/>
+          <a:p>
+            <a:r>
+              <a:rPr lang="en-US" sz="1600" dirty="0"/>
+              <a:t>Display map manually</a:t>
+            </a:r>
+          </a:p>
+        </p:txBody>
+      </p:sp>
+      <p:sp>
+        <p:nvSpPr>
+          <p:cNvPr id="7" name="TextBox 6">
+            <a:extLst>
+              <a:ext uri="{FF2B5EF4-FFF2-40B4-BE49-F238E27FC236}">
+                <a16:creationId xmlns:a16="http://schemas.microsoft.com/office/drawing/2014/main" id="{CF876156-9918-AC96-165F-C2BF1A2D8A59}"/>
+              </a:ext>
+            </a:extLst>
+          </p:cNvPr>
+          <p:cNvSpPr txBox="1"/>
+          <p:nvPr/>
+        </p:nvSpPr>
+        <p:spPr>
+          <a:xfrm>
+            <a:off x="4197286" y="810074"/>
+            <a:ext cx="4522508" cy="338554"/>
+          </a:xfrm>
+          <a:prstGeom prst="rect">
+            <a:avLst/>
+          </a:prstGeom>
+          <a:noFill/>
+        </p:spPr>
+        <p:txBody>
+          <a:bodyPr wrap="square">
+            <a:spAutoFit/>
+          </a:bodyPr>
+          <a:lstStyle/>
+          <a:p>
+            <a:r>
+              <a:rPr lang="en-US" sz="1600" dirty="0"/>
+              <a:t>A something with the selected data (pop emp)</a:t>
+            </a:r>
+          </a:p>
+        </p:txBody>
+      </p:sp>
+      <p:sp>
+        <p:nvSpPr>
+          <p:cNvPr id="8" name="TextBox 7">
+            <a:extLst>
+              <a:ext uri="{FF2B5EF4-FFF2-40B4-BE49-F238E27FC236}">
+                <a16:creationId xmlns:a16="http://schemas.microsoft.com/office/drawing/2014/main" id="{3DAF5B80-830D-CF3A-8A30-70283268CD89}"/>
+              </a:ext>
+            </a:extLst>
+          </p:cNvPr>
+          <p:cNvSpPr txBox="1"/>
+          <p:nvPr/>
+        </p:nvSpPr>
+        <p:spPr>
+          <a:xfrm>
+            <a:off x="4272700" y="1241525"/>
+            <a:ext cx="2524026" cy="338554"/>
+          </a:xfrm>
+          <a:prstGeom prst="rect">
+            <a:avLst/>
+          </a:prstGeom>
+          <a:noFill/>
+        </p:spPr>
+        <p:txBody>
+          <a:bodyPr wrap="square">
+            <a:spAutoFit/>
+          </a:bodyPr>
+          <a:lstStyle/>
+          <a:p>
+            <a:r>
+              <a:rPr lang="en-US" sz="1600" dirty="0" err="1"/>
+              <a:t>currentscn$tazdata</a:t>
+            </a:r>
+            <a:endParaRPr lang="en-US" sz="1600" dirty="0"/>
+          </a:p>
+        </p:txBody>
+      </p:sp>
+    </p:spTree>
+    <p:extLst>
+      <p:ext uri="{BB962C8B-B14F-4D97-AF65-F5344CB8AC3E}">
+        <p14:creationId xmlns:p14="http://schemas.microsoft.com/office/powerpoint/2010/main" val="2149677877"/>
+      </p:ext>
+    </p:extLst>
+  </p:cSld>
+  <p:clrMapOvr>
+    <a:masterClrMapping/>
+  </p:clrMapOvr>
+</p:sld>
+</file>
+
 <file path=ppt/slides/slide2.xml><?xml version="1.0" encoding="utf-8"?>
 <p:sld xmlns:a="http://schemas.openxmlformats.org/drawingml/2006/main" xmlns:r="http://schemas.openxmlformats.org/officeDocument/2006/relationships" xmlns:p="http://schemas.openxmlformats.org/presentationml/2006/main">
   <p:cSld>
@@ -6090,7 +6263,11 @@
           <a:bodyPr/>
           <a:lstStyle/>
           <a:p>
-            <a:endParaRPr lang="en-US"/>
+            <a:r>
+              <a:rPr lang="he-IL" dirty="0"/>
+              <a:t>סיום</a:t>
+            </a:r>
+            <a:endParaRPr lang="en-US" dirty="0"/>
           </a:p>
         </p:txBody>
       </p:sp>
@@ -6126,50 +6303,151 @@
       </p:grpSpPr>
       <p:sp>
         <p:nvSpPr>
-          <p:cNvPr id="2" name="TextBox 1">
-            <a:extLst>
-              <a:ext uri="{FF2B5EF4-FFF2-40B4-BE49-F238E27FC236}">
-                <a16:creationId xmlns:a16="http://schemas.microsoft.com/office/drawing/2014/main" id="{BD974E58-B546-3B3B-CC35-84C380AF9619}"/>
-              </a:ext>
-            </a:extLst>
-          </p:cNvPr>
-          <p:cNvSpPr txBox="1"/>
+          <p:cNvPr id="2" name="Rectangle 1">
+            <a:extLst>
+              <a:ext uri="{FF2B5EF4-FFF2-40B4-BE49-F238E27FC236}">
+                <a16:creationId xmlns:a16="http://schemas.microsoft.com/office/drawing/2014/main" id="{5C600E18-4F23-97B9-58E9-1DA5D2F22051}"/>
+              </a:ext>
+            </a:extLst>
+          </p:cNvPr>
+          <p:cNvSpPr/>
           <p:nvPr/>
         </p:nvSpPr>
         <p:spPr>
           <a:xfrm>
-            <a:off x="9539926" y="268121"/>
-            <a:ext cx="1584088" cy="369332"/>
+            <a:off x="5104794" y="1800520"/>
+            <a:ext cx="1348033" cy="961534"/>
           </a:xfrm>
           <a:prstGeom prst="rect">
             <a:avLst/>
           </a:prstGeom>
-          <a:noFill/>
-        </p:spPr>
-        <p:txBody>
-          <a:bodyPr wrap="none" rtlCol="0">
-            <a:spAutoFit/>
-          </a:bodyPr>
-          <a:lstStyle/>
-          <a:p>
-            <a:r>
-              <a:rPr lang="he-IL" dirty="0"/>
-              <a:t>שכבות </a:t>
-            </a:r>
-            <a:r>
-              <a:rPr lang="he-IL" dirty="0" err="1"/>
-              <a:t>אגרגציה</a:t>
+        </p:spPr>
+        <p:style>
+          <a:lnRef idx="2">
+            <a:schemeClr val="accent1">
+              <a:shade val="15000"/>
+            </a:schemeClr>
+          </a:lnRef>
+          <a:fillRef idx="1">
+            <a:schemeClr val="accent1"/>
+          </a:fillRef>
+          <a:effectRef idx="0">
+            <a:schemeClr val="accent1"/>
+          </a:effectRef>
+          <a:fontRef idx="minor">
+            <a:schemeClr val="lt1"/>
+          </a:fontRef>
+        </p:style>
+        <p:txBody>
+          <a:bodyPr rtlCol="0" anchor="ctr"/>
+          <a:lstStyle/>
+          <a:p>
+            <a:pPr algn="ctr"/>
+            <a:r>
+              <a:rPr lang="en-US" dirty="0"/>
+              <a:t>main</a:t>
+            </a:r>
+          </a:p>
+        </p:txBody>
+      </p:sp>
+      <p:sp>
+        <p:nvSpPr>
+          <p:cNvPr id="3" name="Rectangle 2">
+            <a:extLst>
+              <a:ext uri="{FF2B5EF4-FFF2-40B4-BE49-F238E27FC236}">
+                <a16:creationId xmlns:a16="http://schemas.microsoft.com/office/drawing/2014/main" id="{3992DD80-8E77-42DA-63D7-6A8FA50ECD50}"/>
+              </a:ext>
+            </a:extLst>
+          </p:cNvPr>
+          <p:cNvSpPr/>
+          <p:nvPr/>
+        </p:nvSpPr>
+        <p:spPr>
+          <a:xfrm>
+            <a:off x="2375852" y="4255359"/>
+            <a:ext cx="1348033" cy="961534"/>
+          </a:xfrm>
+          <a:prstGeom prst="rect">
+            <a:avLst/>
+          </a:prstGeom>
+        </p:spPr>
+        <p:style>
+          <a:lnRef idx="2">
+            <a:schemeClr val="accent1">
+              <a:shade val="15000"/>
+            </a:schemeClr>
+          </a:lnRef>
+          <a:fillRef idx="1">
+            <a:schemeClr val="accent1"/>
+          </a:fillRef>
+          <a:effectRef idx="0">
+            <a:schemeClr val="accent1"/>
+          </a:effectRef>
+          <a:fontRef idx="minor">
+            <a:schemeClr val="lt1"/>
+          </a:fontRef>
+        </p:style>
+        <p:txBody>
+          <a:bodyPr rtlCol="0" anchor="ctr"/>
+          <a:lstStyle/>
+          <a:p>
+            <a:pPr algn="ctr"/>
+            <a:r>
+              <a:rPr lang="en-US" dirty="0" err="1"/>
+              <a:t>ido</a:t>
             </a:r>
             <a:endParaRPr lang="en-US" dirty="0"/>
           </a:p>
         </p:txBody>
       </p:sp>
+      <p:cxnSp>
+        <p:nvCxnSpPr>
+          <p:cNvPr id="5" name="Connector: Elbow 4">
+            <a:extLst>
+              <a:ext uri="{FF2B5EF4-FFF2-40B4-BE49-F238E27FC236}">
+                <a16:creationId xmlns:a16="http://schemas.microsoft.com/office/drawing/2014/main" id="{E8C2C93D-A96A-8EFB-5B92-399895A7C1F1}"/>
+              </a:ext>
+            </a:extLst>
+          </p:cNvPr>
+          <p:cNvCxnSpPr>
+            <a:stCxn id="2" idx="2"/>
+            <a:endCxn id="3" idx="0"/>
+          </p:cNvCxnSpPr>
+          <p:nvPr/>
+        </p:nvCxnSpPr>
+        <p:spPr>
+          <a:xfrm rot="5400000">
+            <a:off x="3667688" y="2144235"/>
+            <a:ext cx="1493305" cy="2728942"/>
+          </a:xfrm>
+          <a:prstGeom prst="bentConnector3">
+            <a:avLst/>
+          </a:prstGeom>
+          <a:ln>
+            <a:tailEnd type="triangle"/>
+          </a:ln>
+        </p:spPr>
+        <p:style>
+          <a:lnRef idx="1">
+            <a:schemeClr val="accent1"/>
+          </a:lnRef>
+          <a:fillRef idx="0">
+            <a:schemeClr val="accent1"/>
+          </a:fillRef>
+          <a:effectRef idx="0">
+            <a:schemeClr val="accent1"/>
+          </a:effectRef>
+          <a:fontRef idx="minor">
+            <a:schemeClr val="tx1"/>
+          </a:fontRef>
+        </p:style>
+      </p:cxnSp>
       <p:pic>
         <p:nvPicPr>
-          <p:cNvPr id="4" name="Picture 3">
-            <a:extLst>
-              <a:ext uri="{FF2B5EF4-FFF2-40B4-BE49-F238E27FC236}">
-                <a16:creationId xmlns:a16="http://schemas.microsoft.com/office/drawing/2014/main" id="{BA8BE494-8D9E-209B-322C-51260186BE9C}"/>
+          <p:cNvPr id="9" name="Picture 8">
+            <a:extLst>
+              <a:ext uri="{FF2B5EF4-FFF2-40B4-BE49-F238E27FC236}">
+                <a16:creationId xmlns:a16="http://schemas.microsoft.com/office/drawing/2014/main" id="{5A228ABB-7DC1-2AAD-EA10-2F0AD7B6E84D}"/>
               </a:ext>
             </a:extLst>
           </p:cNvPr>
@@ -6186,50 +6464,62 @@
         </p:blipFill>
         <p:spPr>
           <a:xfrm>
-            <a:off x="7140883" y="894622"/>
-            <a:ext cx="2248214" cy="771633"/>
+            <a:off x="4430834" y="891068"/>
+            <a:ext cx="2695951" cy="428685"/>
           </a:xfrm>
           <a:prstGeom prst="rect">
             <a:avLst/>
           </a:prstGeom>
         </p:spPr>
       </p:pic>
-      <p:pic>
-        <p:nvPicPr>
-          <p:cNvPr id="6" name="Picture 5">
-            <a:extLst>
-              <a:ext uri="{FF2B5EF4-FFF2-40B4-BE49-F238E27FC236}">
-                <a16:creationId xmlns:a16="http://schemas.microsoft.com/office/drawing/2014/main" id="{1D06C109-BC4A-AA6D-69BD-DB042B64C3BF}"/>
-              </a:ext>
-            </a:extLst>
-          </p:cNvPr>
-          <p:cNvPicPr>
-            <a:picLocks noChangeAspect="1"/>
-          </p:cNvPicPr>
+      <p:cxnSp>
+        <p:nvCxnSpPr>
+          <p:cNvPr id="11" name="Straight Arrow Connector 10">
+            <a:extLst>
+              <a:ext uri="{FF2B5EF4-FFF2-40B4-BE49-F238E27FC236}">
+                <a16:creationId xmlns:a16="http://schemas.microsoft.com/office/drawing/2014/main" id="{AD236B2D-C888-C3AA-D6F9-9A7ED5DDC76D}"/>
+              </a:ext>
+            </a:extLst>
+          </p:cNvPr>
+          <p:cNvCxnSpPr>
+            <a:stCxn id="9" idx="2"/>
+            <a:endCxn id="2" idx="0"/>
+          </p:cNvCxnSpPr>
           <p:nvPr/>
-        </p:nvPicPr>
-        <p:blipFill>
-          <a:blip r:embed="rId3"/>
-          <a:stretch>
-            <a:fillRect/>
-          </a:stretch>
-        </p:blipFill>
-        <p:spPr>
-          <a:xfrm>
-            <a:off x="9539926" y="791991"/>
-            <a:ext cx="2010056" cy="895475"/>
-          </a:xfrm>
-          <a:prstGeom prst="rect">
+        </p:nvCxnSpPr>
+        <p:spPr>
+          <a:xfrm>
+            <a:off x="5778810" y="1319753"/>
+            <a:ext cx="1" cy="480767"/>
+          </a:xfrm>
+          <a:prstGeom prst="straightConnector1">
             <a:avLst/>
           </a:prstGeom>
-        </p:spPr>
-      </p:pic>
-      <p:sp>
-        <p:nvSpPr>
-          <p:cNvPr id="3" name="TextBox 2">
-            <a:extLst>
-              <a:ext uri="{FF2B5EF4-FFF2-40B4-BE49-F238E27FC236}">
-                <a16:creationId xmlns:a16="http://schemas.microsoft.com/office/drawing/2014/main" id="{C8315141-1546-3D57-8810-67A29EBADD8D}"/>
+          <a:ln>
+            <a:tailEnd type="triangle"/>
+          </a:ln>
+        </p:spPr>
+        <p:style>
+          <a:lnRef idx="1">
+            <a:schemeClr val="accent1"/>
+          </a:lnRef>
+          <a:fillRef idx="0">
+            <a:schemeClr val="accent1"/>
+          </a:fillRef>
+          <a:effectRef idx="0">
+            <a:schemeClr val="accent1"/>
+          </a:effectRef>
+          <a:fontRef idx="minor">
+            <a:schemeClr val="tx1"/>
+          </a:fontRef>
+        </p:style>
+      </p:cxnSp>
+      <p:sp>
+        <p:nvSpPr>
+          <p:cNvPr id="13" name="TextBox 12">
+            <a:extLst>
+              <a:ext uri="{FF2B5EF4-FFF2-40B4-BE49-F238E27FC236}">
+                <a16:creationId xmlns:a16="http://schemas.microsoft.com/office/drawing/2014/main" id="{4056BE52-BFB0-ADB3-5044-CCFEFA14F0C3}"/>
               </a:ext>
             </a:extLst>
           </p:cNvPr>
@@ -6238,8 +6528,8 @@
         </p:nvSpPr>
         <p:spPr>
           <a:xfrm>
-            <a:off x="820850" y="468826"/>
-            <a:ext cx="1564467" cy="646331"/>
+            <a:off x="6825006" y="2083324"/>
+            <a:ext cx="1091966" cy="369332"/>
           </a:xfrm>
           <a:prstGeom prst="rect">
             <a:avLst/>
@@ -6253,27 +6543,98 @@
           <a:lstStyle/>
           <a:p>
             <a:r>
+              <a:rPr lang="en-US" dirty="0" err="1"/>
+              <a:t>Dvlp</a:t>
+            </a:r>
+            <a:r>
               <a:rPr lang="en-US" dirty="0"/>
-              <a:t>Radio org or </a:t>
-            </a:r>
+              <a:t>\v0.3</a:t>
+            </a:r>
+          </a:p>
+        </p:txBody>
+      </p:sp>
+      <p:sp>
+        <p:nvSpPr>
+          <p:cNvPr id="14" name="TextBox 13">
+            <a:extLst>
+              <a:ext uri="{FF2B5EF4-FFF2-40B4-BE49-F238E27FC236}">
+                <a16:creationId xmlns:a16="http://schemas.microsoft.com/office/drawing/2014/main" id="{27CCB543-845A-6808-B056-599C5DF3918D}"/>
+              </a:ext>
+            </a:extLst>
+          </p:cNvPr>
+          <p:cNvSpPr txBox="1"/>
+          <p:nvPr/>
+        </p:nvSpPr>
+        <p:spPr>
+          <a:xfrm>
+            <a:off x="3868357" y="4551459"/>
+            <a:ext cx="1091966" cy="369332"/>
+          </a:xfrm>
+          <a:prstGeom prst="rect">
+            <a:avLst/>
+          </a:prstGeom>
+          <a:noFill/>
+        </p:spPr>
+        <p:txBody>
+          <a:bodyPr wrap="none" rtlCol="0">
+            <a:spAutoFit/>
+          </a:bodyPr>
+          <a:lstStyle/>
+          <a:p>
             <a:r>
               <a:rPr lang="en-US" dirty="0" err="1"/>
-              <a:t>sz</a:t>
-            </a:r>
-            <a:endParaRPr lang="en-US" dirty="0"/>
-          </a:p>
-          <a:p>
+              <a:t>Dvlp</a:t>
+            </a:r>
             <a:r>
               <a:rPr lang="en-US" dirty="0"/>
-              <a:t>+ menu list</a:t>
-            </a:r>
-          </a:p>
-        </p:txBody>
-      </p:sp>
+              <a:t>\v0.3</a:t>
+            </a:r>
+          </a:p>
+        </p:txBody>
+      </p:sp>
+      <p:cxnSp>
+        <p:nvCxnSpPr>
+          <p:cNvPr id="16" name="Straight Arrow Connector 15">
+            <a:extLst>
+              <a:ext uri="{FF2B5EF4-FFF2-40B4-BE49-F238E27FC236}">
+                <a16:creationId xmlns:a16="http://schemas.microsoft.com/office/drawing/2014/main" id="{A56BB33B-BA19-AD19-9814-0481C09C7549}"/>
+              </a:ext>
+            </a:extLst>
+          </p:cNvPr>
+          <p:cNvCxnSpPr/>
+          <p:nvPr/>
+        </p:nvCxnSpPr>
+        <p:spPr>
+          <a:xfrm flipH="1">
+            <a:off x="3723885" y="2153182"/>
+            <a:ext cx="1112599" cy="1140643"/>
+          </a:xfrm>
+          <a:prstGeom prst="straightConnector1">
+            <a:avLst/>
+          </a:prstGeom>
+          <a:ln>
+            <a:tailEnd type="triangle"/>
+          </a:ln>
+        </p:spPr>
+        <p:style>
+          <a:lnRef idx="1">
+            <a:schemeClr val="accent1"/>
+          </a:lnRef>
+          <a:fillRef idx="0">
+            <a:schemeClr val="accent1"/>
+          </a:fillRef>
+          <a:effectRef idx="0">
+            <a:schemeClr val="accent1"/>
+          </a:effectRef>
+          <a:fontRef idx="minor">
+            <a:schemeClr val="tx1"/>
+          </a:fontRef>
+        </p:style>
+      </p:cxnSp>
     </p:spTree>
     <p:extLst>
       <p:ext uri="{BB962C8B-B14F-4D97-AF65-F5344CB8AC3E}">
-        <p14:creationId xmlns:p14="http://schemas.microsoft.com/office/powerpoint/2010/main" val="3169381269"/>
+        <p14:creationId xmlns:p14="http://schemas.microsoft.com/office/powerpoint/2010/main" val="4109065590"/>
       </p:ext>
     </p:extLst>
   </p:cSld>
@@ -6302,10 +6663,10 @@
       </p:grpSpPr>
       <p:sp>
         <p:nvSpPr>
-          <p:cNvPr id="4" name="TextBox 3">
-            <a:extLst>
-              <a:ext uri="{FF2B5EF4-FFF2-40B4-BE49-F238E27FC236}">
-                <a16:creationId xmlns:a16="http://schemas.microsoft.com/office/drawing/2014/main" id="{7AD5F4F9-E51A-AC38-0ED3-8D5361BEC2C2}"/>
+          <p:cNvPr id="2" name="TextBox 1">
+            <a:extLst>
+              <a:ext uri="{FF2B5EF4-FFF2-40B4-BE49-F238E27FC236}">
+                <a16:creationId xmlns:a16="http://schemas.microsoft.com/office/drawing/2014/main" id="{BD974E58-B546-3B3B-CC35-84C380AF9619}"/>
               </a:ext>
             </a:extLst>
           </p:cNvPr>
@@ -6314,8 +6675,8 @@
         </p:nvSpPr>
         <p:spPr>
           <a:xfrm>
-            <a:off x="605673" y="1323621"/>
-            <a:ext cx="2260075" cy="307777"/>
+            <a:off x="9539926" y="268121"/>
+            <a:ext cx="1584088" cy="369332"/>
           </a:xfrm>
           <a:prstGeom prst="rect">
             <a:avLst/>
@@ -6323,25 +6684,89 @@
           <a:noFill/>
         </p:spPr>
         <p:txBody>
-          <a:bodyPr wrap="square">
+          <a:bodyPr wrap="none" rtlCol="0">
             <a:spAutoFit/>
           </a:bodyPr>
           <a:lstStyle/>
           <a:p>
             <a:r>
-              <a:rPr lang="en-US" sz="1400" dirty="0" err="1"/>
-              <a:t>basemap$mapview@map</a:t>
-            </a:r>
-            <a:endParaRPr lang="en-US" sz="1400" dirty="0"/>
-          </a:p>
-        </p:txBody>
-      </p:sp>
-      <p:sp>
-        <p:nvSpPr>
-          <p:cNvPr id="5" name="TextBox 4">
-            <a:extLst>
-              <a:ext uri="{FF2B5EF4-FFF2-40B4-BE49-F238E27FC236}">
-                <a16:creationId xmlns:a16="http://schemas.microsoft.com/office/drawing/2014/main" id="{12737A9E-2D58-9FE4-EB93-003041DFE73F}"/>
+              <a:rPr lang="he-IL" dirty="0"/>
+              <a:t>שכבות </a:t>
+            </a:r>
+            <a:r>
+              <a:rPr lang="he-IL" dirty="0" err="1"/>
+              <a:t>אגרגציה</a:t>
+            </a:r>
+            <a:endParaRPr lang="en-US" dirty="0"/>
+          </a:p>
+        </p:txBody>
+      </p:sp>
+      <p:pic>
+        <p:nvPicPr>
+          <p:cNvPr id="4" name="Picture 3">
+            <a:extLst>
+              <a:ext uri="{FF2B5EF4-FFF2-40B4-BE49-F238E27FC236}">
+                <a16:creationId xmlns:a16="http://schemas.microsoft.com/office/drawing/2014/main" id="{BA8BE494-8D9E-209B-322C-51260186BE9C}"/>
+              </a:ext>
+            </a:extLst>
+          </p:cNvPr>
+          <p:cNvPicPr>
+            <a:picLocks noChangeAspect="1"/>
+          </p:cNvPicPr>
+          <p:nvPr/>
+        </p:nvPicPr>
+        <p:blipFill>
+          <a:blip r:embed="rId2"/>
+          <a:stretch>
+            <a:fillRect/>
+          </a:stretch>
+        </p:blipFill>
+        <p:spPr>
+          <a:xfrm>
+            <a:off x="7140883" y="894622"/>
+            <a:ext cx="2248214" cy="771633"/>
+          </a:xfrm>
+          <a:prstGeom prst="rect">
+            <a:avLst/>
+          </a:prstGeom>
+        </p:spPr>
+      </p:pic>
+      <p:pic>
+        <p:nvPicPr>
+          <p:cNvPr id="6" name="Picture 5">
+            <a:extLst>
+              <a:ext uri="{FF2B5EF4-FFF2-40B4-BE49-F238E27FC236}">
+                <a16:creationId xmlns:a16="http://schemas.microsoft.com/office/drawing/2014/main" id="{1D06C109-BC4A-AA6D-69BD-DB042B64C3BF}"/>
+              </a:ext>
+            </a:extLst>
+          </p:cNvPr>
+          <p:cNvPicPr>
+            <a:picLocks noChangeAspect="1"/>
+          </p:cNvPicPr>
+          <p:nvPr/>
+        </p:nvPicPr>
+        <p:blipFill>
+          <a:blip r:embed="rId3"/>
+          <a:stretch>
+            <a:fillRect/>
+          </a:stretch>
+        </p:blipFill>
+        <p:spPr>
+          <a:xfrm>
+            <a:off x="9539926" y="791991"/>
+            <a:ext cx="2010056" cy="895475"/>
+          </a:xfrm>
+          <a:prstGeom prst="rect">
+            <a:avLst/>
+          </a:prstGeom>
+        </p:spPr>
+      </p:pic>
+      <p:sp>
+        <p:nvSpPr>
+          <p:cNvPr id="3" name="TextBox 2">
+            <a:extLst>
+              <a:ext uri="{FF2B5EF4-FFF2-40B4-BE49-F238E27FC236}">
+                <a16:creationId xmlns:a16="http://schemas.microsoft.com/office/drawing/2014/main" id="{C8315141-1546-3D57-8810-67A29EBADD8D}"/>
               </a:ext>
             </a:extLst>
           </p:cNvPr>
@@ -6350,8 +6775,8 @@
         </p:nvSpPr>
         <p:spPr>
           <a:xfrm>
-            <a:off x="605673" y="794034"/>
-            <a:ext cx="3136769" cy="338554"/>
+            <a:off x="820850" y="468826"/>
+            <a:ext cx="1564467" cy="646331"/>
           </a:xfrm>
           <a:prstGeom prst="rect">
             <a:avLst/>
@@ -6359,93 +6784,33 @@
           <a:noFill/>
         </p:spPr>
         <p:txBody>
-          <a:bodyPr wrap="square">
+          <a:bodyPr wrap="none" rtlCol="0">
             <a:spAutoFit/>
           </a:bodyPr>
           <a:lstStyle/>
           <a:p>
             <a:r>
-              <a:rPr lang="en-US" sz="1600" dirty="0"/>
-              <a:t>Display map manually</a:t>
-            </a:r>
-          </a:p>
-        </p:txBody>
-      </p:sp>
-      <p:sp>
-        <p:nvSpPr>
-          <p:cNvPr id="7" name="TextBox 6">
-            <a:extLst>
-              <a:ext uri="{FF2B5EF4-FFF2-40B4-BE49-F238E27FC236}">
-                <a16:creationId xmlns:a16="http://schemas.microsoft.com/office/drawing/2014/main" id="{CF876156-9918-AC96-165F-C2BF1A2D8A59}"/>
-              </a:ext>
-            </a:extLst>
-          </p:cNvPr>
-          <p:cNvSpPr txBox="1"/>
-          <p:nvPr/>
-        </p:nvSpPr>
-        <p:spPr>
-          <a:xfrm>
-            <a:off x="4197286" y="810074"/>
-            <a:ext cx="4522508" cy="338554"/>
-          </a:xfrm>
-          <a:prstGeom prst="rect">
-            <a:avLst/>
-          </a:prstGeom>
-          <a:noFill/>
-        </p:spPr>
-        <p:txBody>
-          <a:bodyPr wrap="square">
-            <a:spAutoFit/>
-          </a:bodyPr>
-          <a:lstStyle/>
-          <a:p>
-            <a:r>
-              <a:rPr lang="en-US" sz="1600" dirty="0"/>
-              <a:t>A something with the selected data (pop emp)</a:t>
-            </a:r>
-          </a:p>
-        </p:txBody>
-      </p:sp>
-      <p:sp>
-        <p:nvSpPr>
-          <p:cNvPr id="8" name="TextBox 7">
-            <a:extLst>
-              <a:ext uri="{FF2B5EF4-FFF2-40B4-BE49-F238E27FC236}">
-                <a16:creationId xmlns:a16="http://schemas.microsoft.com/office/drawing/2014/main" id="{3DAF5B80-830D-CF3A-8A30-70283268CD89}"/>
-              </a:ext>
-            </a:extLst>
-          </p:cNvPr>
-          <p:cNvSpPr txBox="1"/>
-          <p:nvPr/>
-        </p:nvSpPr>
-        <p:spPr>
-          <a:xfrm>
-            <a:off x="4272700" y="1241525"/>
-            <a:ext cx="2524026" cy="338554"/>
-          </a:xfrm>
-          <a:prstGeom prst="rect">
-            <a:avLst/>
-          </a:prstGeom>
-          <a:noFill/>
-        </p:spPr>
-        <p:txBody>
-          <a:bodyPr wrap="square">
-            <a:spAutoFit/>
-          </a:bodyPr>
-          <a:lstStyle/>
-          <a:p>
-            <a:r>
-              <a:rPr lang="en-US" sz="1600" dirty="0" err="1"/>
-              <a:t>currentscn$tazdata</a:t>
-            </a:r>
-            <a:endParaRPr lang="en-US" sz="1600" dirty="0"/>
+              <a:rPr lang="en-US" dirty="0"/>
+              <a:t>Radio org or </a:t>
+            </a:r>
+            <a:r>
+              <a:rPr lang="en-US" dirty="0" err="1"/>
+              <a:t>sz</a:t>
+            </a:r>
+            <a:endParaRPr lang="en-US" dirty="0"/>
+          </a:p>
+          <a:p>
+            <a:r>
+              <a:rPr lang="en-US" dirty="0"/>
+              <a:t>+ menu list</a:t>
+            </a:r>
           </a:p>
         </p:txBody>
       </p:sp>
     </p:spTree>
     <p:extLst>
       <p:ext uri="{BB962C8B-B14F-4D97-AF65-F5344CB8AC3E}">
-        <p14:creationId xmlns:p14="http://schemas.microsoft.com/office/powerpoint/2010/main" val="2149677877"/>
+        <p14:creationId xmlns:p14="http://schemas.microsoft.com/office/powerpoint/2010/main" val="3169381269"/>
       </p:ext>
     </p:extLst>
   </p:cSld>

--- a/doc/ScnLibApp.pptx
+++ b/doc/ScnLibApp.pptx
@@ -7,14 +7,16 @@
   <p:sldIdLst>
     <p:sldId id="256" r:id="rId2"/>
     <p:sldId id="259" r:id="rId3"/>
-    <p:sldId id="261" r:id="rId4"/>
-    <p:sldId id="263" r:id="rId5"/>
-    <p:sldId id="262" r:id="rId6"/>
-    <p:sldId id="264" r:id="rId7"/>
-    <p:sldId id="260" r:id="rId8"/>
-    <p:sldId id="265" r:id="rId9"/>
-    <p:sldId id="257" r:id="rId10"/>
-    <p:sldId id="258" r:id="rId11"/>
+    <p:sldId id="264" r:id="rId4"/>
+    <p:sldId id="261" r:id="rId5"/>
+    <p:sldId id="263" r:id="rId6"/>
+    <p:sldId id="262" r:id="rId7"/>
+    <p:sldId id="266" r:id="rId8"/>
+    <p:sldId id="267" r:id="rId9"/>
+    <p:sldId id="260" r:id="rId10"/>
+    <p:sldId id="265" r:id="rId11"/>
+    <p:sldId id="257" r:id="rId12"/>
+    <p:sldId id="258" r:id="rId13"/>
   </p:sldIdLst>
   <p:sldSz cx="12192000" cy="6858000"/>
   <p:notesSz cx="6858000" cy="9144000"/>
@@ -4337,6 +4339,578 @@
       </p:grpSpPr>
       <p:sp>
         <p:nvSpPr>
+          <p:cNvPr id="2" name="Rectangle 1">
+            <a:extLst>
+              <a:ext uri="{FF2B5EF4-FFF2-40B4-BE49-F238E27FC236}">
+                <a16:creationId xmlns:a16="http://schemas.microsoft.com/office/drawing/2014/main" id="{5C600E18-4F23-97B9-58E9-1DA5D2F22051}"/>
+              </a:ext>
+            </a:extLst>
+          </p:cNvPr>
+          <p:cNvSpPr/>
+          <p:nvPr/>
+        </p:nvSpPr>
+        <p:spPr>
+          <a:xfrm>
+            <a:off x="5104794" y="1800520"/>
+            <a:ext cx="1348033" cy="961534"/>
+          </a:xfrm>
+          <a:prstGeom prst="rect">
+            <a:avLst/>
+          </a:prstGeom>
+        </p:spPr>
+        <p:style>
+          <a:lnRef idx="2">
+            <a:schemeClr val="accent1">
+              <a:shade val="15000"/>
+            </a:schemeClr>
+          </a:lnRef>
+          <a:fillRef idx="1">
+            <a:schemeClr val="accent1"/>
+          </a:fillRef>
+          <a:effectRef idx="0">
+            <a:schemeClr val="accent1"/>
+          </a:effectRef>
+          <a:fontRef idx="minor">
+            <a:schemeClr val="lt1"/>
+          </a:fontRef>
+        </p:style>
+        <p:txBody>
+          <a:bodyPr rtlCol="0" anchor="ctr"/>
+          <a:lstStyle/>
+          <a:p>
+            <a:pPr algn="ctr"/>
+            <a:r>
+              <a:rPr lang="en-US" dirty="0"/>
+              <a:t>main</a:t>
+            </a:r>
+          </a:p>
+        </p:txBody>
+      </p:sp>
+      <p:sp>
+        <p:nvSpPr>
+          <p:cNvPr id="3" name="Rectangle 2">
+            <a:extLst>
+              <a:ext uri="{FF2B5EF4-FFF2-40B4-BE49-F238E27FC236}">
+                <a16:creationId xmlns:a16="http://schemas.microsoft.com/office/drawing/2014/main" id="{3992DD80-8E77-42DA-63D7-6A8FA50ECD50}"/>
+              </a:ext>
+            </a:extLst>
+          </p:cNvPr>
+          <p:cNvSpPr/>
+          <p:nvPr/>
+        </p:nvSpPr>
+        <p:spPr>
+          <a:xfrm>
+            <a:off x="2375852" y="4255359"/>
+            <a:ext cx="1348033" cy="961534"/>
+          </a:xfrm>
+          <a:prstGeom prst="rect">
+            <a:avLst/>
+          </a:prstGeom>
+        </p:spPr>
+        <p:style>
+          <a:lnRef idx="2">
+            <a:schemeClr val="accent1">
+              <a:shade val="15000"/>
+            </a:schemeClr>
+          </a:lnRef>
+          <a:fillRef idx="1">
+            <a:schemeClr val="accent1"/>
+          </a:fillRef>
+          <a:effectRef idx="0">
+            <a:schemeClr val="accent1"/>
+          </a:effectRef>
+          <a:fontRef idx="minor">
+            <a:schemeClr val="lt1"/>
+          </a:fontRef>
+        </p:style>
+        <p:txBody>
+          <a:bodyPr rtlCol="0" anchor="ctr"/>
+          <a:lstStyle/>
+          <a:p>
+            <a:pPr algn="ctr"/>
+            <a:r>
+              <a:rPr lang="en-US" dirty="0" err="1"/>
+              <a:t>ido</a:t>
+            </a:r>
+            <a:endParaRPr lang="en-US" dirty="0"/>
+          </a:p>
+        </p:txBody>
+      </p:sp>
+      <p:cxnSp>
+        <p:nvCxnSpPr>
+          <p:cNvPr id="5" name="Connector: Elbow 4">
+            <a:extLst>
+              <a:ext uri="{FF2B5EF4-FFF2-40B4-BE49-F238E27FC236}">
+                <a16:creationId xmlns:a16="http://schemas.microsoft.com/office/drawing/2014/main" id="{E8C2C93D-A96A-8EFB-5B92-399895A7C1F1}"/>
+              </a:ext>
+            </a:extLst>
+          </p:cNvPr>
+          <p:cNvCxnSpPr>
+            <a:stCxn id="2" idx="2"/>
+            <a:endCxn id="3" idx="0"/>
+          </p:cNvCxnSpPr>
+          <p:nvPr/>
+        </p:nvCxnSpPr>
+        <p:spPr>
+          <a:xfrm rot="5400000">
+            <a:off x="3667688" y="2144235"/>
+            <a:ext cx="1493305" cy="2728942"/>
+          </a:xfrm>
+          <a:prstGeom prst="bentConnector3">
+            <a:avLst/>
+          </a:prstGeom>
+          <a:ln>
+            <a:tailEnd type="triangle"/>
+          </a:ln>
+        </p:spPr>
+        <p:style>
+          <a:lnRef idx="1">
+            <a:schemeClr val="accent1"/>
+          </a:lnRef>
+          <a:fillRef idx="0">
+            <a:schemeClr val="accent1"/>
+          </a:fillRef>
+          <a:effectRef idx="0">
+            <a:schemeClr val="accent1"/>
+          </a:effectRef>
+          <a:fontRef idx="minor">
+            <a:schemeClr val="tx1"/>
+          </a:fontRef>
+        </p:style>
+      </p:cxnSp>
+      <p:pic>
+        <p:nvPicPr>
+          <p:cNvPr id="9" name="Picture 8">
+            <a:extLst>
+              <a:ext uri="{FF2B5EF4-FFF2-40B4-BE49-F238E27FC236}">
+                <a16:creationId xmlns:a16="http://schemas.microsoft.com/office/drawing/2014/main" id="{5A228ABB-7DC1-2AAD-EA10-2F0AD7B6E84D}"/>
+              </a:ext>
+            </a:extLst>
+          </p:cNvPr>
+          <p:cNvPicPr>
+            <a:picLocks noChangeAspect="1"/>
+          </p:cNvPicPr>
+          <p:nvPr/>
+        </p:nvPicPr>
+        <p:blipFill>
+          <a:blip r:embed="rId2"/>
+          <a:stretch>
+            <a:fillRect/>
+          </a:stretch>
+        </p:blipFill>
+        <p:spPr>
+          <a:xfrm>
+            <a:off x="4430834" y="891068"/>
+            <a:ext cx="2695951" cy="428685"/>
+          </a:xfrm>
+          <a:prstGeom prst="rect">
+            <a:avLst/>
+          </a:prstGeom>
+        </p:spPr>
+      </p:pic>
+      <p:cxnSp>
+        <p:nvCxnSpPr>
+          <p:cNvPr id="11" name="Straight Arrow Connector 10">
+            <a:extLst>
+              <a:ext uri="{FF2B5EF4-FFF2-40B4-BE49-F238E27FC236}">
+                <a16:creationId xmlns:a16="http://schemas.microsoft.com/office/drawing/2014/main" id="{AD236B2D-C888-C3AA-D6F9-9A7ED5DDC76D}"/>
+              </a:ext>
+            </a:extLst>
+          </p:cNvPr>
+          <p:cNvCxnSpPr>
+            <a:stCxn id="9" idx="2"/>
+            <a:endCxn id="2" idx="0"/>
+          </p:cNvCxnSpPr>
+          <p:nvPr/>
+        </p:nvCxnSpPr>
+        <p:spPr>
+          <a:xfrm>
+            <a:off x="5778810" y="1319753"/>
+            <a:ext cx="1" cy="480767"/>
+          </a:xfrm>
+          <a:prstGeom prst="straightConnector1">
+            <a:avLst/>
+          </a:prstGeom>
+          <a:ln>
+            <a:tailEnd type="triangle"/>
+          </a:ln>
+        </p:spPr>
+        <p:style>
+          <a:lnRef idx="1">
+            <a:schemeClr val="accent1"/>
+          </a:lnRef>
+          <a:fillRef idx="0">
+            <a:schemeClr val="accent1"/>
+          </a:fillRef>
+          <a:effectRef idx="0">
+            <a:schemeClr val="accent1"/>
+          </a:effectRef>
+          <a:fontRef idx="minor">
+            <a:schemeClr val="tx1"/>
+          </a:fontRef>
+        </p:style>
+      </p:cxnSp>
+      <p:sp>
+        <p:nvSpPr>
+          <p:cNvPr id="13" name="TextBox 12">
+            <a:extLst>
+              <a:ext uri="{FF2B5EF4-FFF2-40B4-BE49-F238E27FC236}">
+                <a16:creationId xmlns:a16="http://schemas.microsoft.com/office/drawing/2014/main" id="{4056BE52-BFB0-ADB3-5044-CCFEFA14F0C3}"/>
+              </a:ext>
+            </a:extLst>
+          </p:cNvPr>
+          <p:cNvSpPr txBox="1"/>
+          <p:nvPr/>
+        </p:nvSpPr>
+        <p:spPr>
+          <a:xfrm>
+            <a:off x="6825006" y="2083324"/>
+            <a:ext cx="1091966" cy="369332"/>
+          </a:xfrm>
+          <a:prstGeom prst="rect">
+            <a:avLst/>
+          </a:prstGeom>
+          <a:noFill/>
+        </p:spPr>
+        <p:txBody>
+          <a:bodyPr wrap="none" rtlCol="0">
+            <a:spAutoFit/>
+          </a:bodyPr>
+          <a:lstStyle/>
+          <a:p>
+            <a:r>
+              <a:rPr lang="en-US" dirty="0" err="1"/>
+              <a:t>Dvlp</a:t>
+            </a:r>
+            <a:r>
+              <a:rPr lang="en-US" dirty="0"/>
+              <a:t>\v0.3</a:t>
+            </a:r>
+          </a:p>
+        </p:txBody>
+      </p:sp>
+      <p:sp>
+        <p:nvSpPr>
+          <p:cNvPr id="14" name="TextBox 13">
+            <a:extLst>
+              <a:ext uri="{FF2B5EF4-FFF2-40B4-BE49-F238E27FC236}">
+                <a16:creationId xmlns:a16="http://schemas.microsoft.com/office/drawing/2014/main" id="{27CCB543-845A-6808-B056-599C5DF3918D}"/>
+              </a:ext>
+            </a:extLst>
+          </p:cNvPr>
+          <p:cNvSpPr txBox="1"/>
+          <p:nvPr/>
+        </p:nvSpPr>
+        <p:spPr>
+          <a:xfrm>
+            <a:off x="3868357" y="4551459"/>
+            <a:ext cx="1091966" cy="369332"/>
+          </a:xfrm>
+          <a:prstGeom prst="rect">
+            <a:avLst/>
+          </a:prstGeom>
+          <a:noFill/>
+        </p:spPr>
+        <p:txBody>
+          <a:bodyPr wrap="none" rtlCol="0">
+            <a:spAutoFit/>
+          </a:bodyPr>
+          <a:lstStyle/>
+          <a:p>
+            <a:r>
+              <a:rPr lang="en-US" dirty="0" err="1"/>
+              <a:t>Dvlp</a:t>
+            </a:r>
+            <a:r>
+              <a:rPr lang="en-US" dirty="0"/>
+              <a:t>\v0.3</a:t>
+            </a:r>
+          </a:p>
+        </p:txBody>
+      </p:sp>
+      <p:cxnSp>
+        <p:nvCxnSpPr>
+          <p:cNvPr id="16" name="Straight Arrow Connector 15">
+            <a:extLst>
+              <a:ext uri="{FF2B5EF4-FFF2-40B4-BE49-F238E27FC236}">
+                <a16:creationId xmlns:a16="http://schemas.microsoft.com/office/drawing/2014/main" id="{A56BB33B-BA19-AD19-9814-0481C09C7549}"/>
+              </a:ext>
+            </a:extLst>
+          </p:cNvPr>
+          <p:cNvCxnSpPr/>
+          <p:nvPr/>
+        </p:nvCxnSpPr>
+        <p:spPr>
+          <a:xfrm flipH="1">
+            <a:off x="3723885" y="2153182"/>
+            <a:ext cx="1112599" cy="1140643"/>
+          </a:xfrm>
+          <a:prstGeom prst="straightConnector1">
+            <a:avLst/>
+          </a:prstGeom>
+          <a:ln>
+            <a:tailEnd type="triangle"/>
+          </a:ln>
+        </p:spPr>
+        <p:style>
+          <a:lnRef idx="1">
+            <a:schemeClr val="accent1"/>
+          </a:lnRef>
+          <a:fillRef idx="0">
+            <a:schemeClr val="accent1"/>
+          </a:fillRef>
+          <a:effectRef idx="0">
+            <a:schemeClr val="accent1"/>
+          </a:effectRef>
+          <a:fontRef idx="minor">
+            <a:schemeClr val="tx1"/>
+          </a:fontRef>
+        </p:style>
+      </p:cxnSp>
+      <p:sp>
+        <p:nvSpPr>
+          <p:cNvPr id="4" name="TextBox 3">
+            <a:extLst>
+              <a:ext uri="{FF2B5EF4-FFF2-40B4-BE49-F238E27FC236}">
+                <a16:creationId xmlns:a16="http://schemas.microsoft.com/office/drawing/2014/main" id="{B1A1C8AA-C5DD-7B7C-ECF4-E30EF903C987}"/>
+              </a:ext>
+            </a:extLst>
+          </p:cNvPr>
+          <p:cNvSpPr txBox="1"/>
+          <p:nvPr/>
+        </p:nvSpPr>
+        <p:spPr>
+          <a:xfrm>
+            <a:off x="5495827" y="4494898"/>
+            <a:ext cx="795411" cy="369332"/>
+          </a:xfrm>
+          <a:prstGeom prst="rect">
+            <a:avLst/>
+          </a:prstGeom>
+          <a:noFill/>
+        </p:spPr>
+        <p:txBody>
+          <a:bodyPr wrap="none" rtlCol="0">
+            <a:spAutoFit/>
+          </a:bodyPr>
+          <a:lstStyle/>
+          <a:p>
+            <a:r>
+              <a:rPr lang="he-IL" dirty="0"/>
+              <a:t>שינויים</a:t>
+            </a:r>
+            <a:endParaRPr lang="en-US" dirty="0"/>
+          </a:p>
+        </p:txBody>
+      </p:sp>
+    </p:spTree>
+    <p:extLst>
+      <p:ext uri="{BB962C8B-B14F-4D97-AF65-F5344CB8AC3E}">
+        <p14:creationId xmlns:p14="http://schemas.microsoft.com/office/powerpoint/2010/main" val="4109065590"/>
+      </p:ext>
+    </p:extLst>
+  </p:cSld>
+  <p:clrMapOvr>
+    <a:masterClrMapping/>
+  </p:clrMapOvr>
+</p:sld>
+</file>
+
+<file path=ppt/slides/slide11.xml><?xml version="1.0" encoding="utf-8"?>
+<p:sld xmlns:a="http://schemas.openxmlformats.org/drawingml/2006/main" xmlns:r="http://schemas.openxmlformats.org/officeDocument/2006/relationships" xmlns:p="http://schemas.openxmlformats.org/presentationml/2006/main">
+  <p:cSld>
+    <p:spTree>
+      <p:nvGrpSpPr>
+        <p:cNvPr id="1" name=""/>
+        <p:cNvGrpSpPr/>
+        <p:nvPr/>
+      </p:nvGrpSpPr>
+      <p:grpSpPr>
+        <a:xfrm>
+          <a:off x="0" y="0"/>
+          <a:ext cx="0" cy="0"/>
+          <a:chOff x="0" y="0"/>
+          <a:chExt cx="0" cy="0"/>
+        </a:xfrm>
+      </p:grpSpPr>
+      <p:sp>
+        <p:nvSpPr>
+          <p:cNvPr id="2" name="TextBox 1">
+            <a:extLst>
+              <a:ext uri="{FF2B5EF4-FFF2-40B4-BE49-F238E27FC236}">
+                <a16:creationId xmlns:a16="http://schemas.microsoft.com/office/drawing/2014/main" id="{BD974E58-B546-3B3B-CC35-84C380AF9619}"/>
+              </a:ext>
+            </a:extLst>
+          </p:cNvPr>
+          <p:cNvSpPr txBox="1"/>
+          <p:nvPr/>
+        </p:nvSpPr>
+        <p:spPr>
+          <a:xfrm>
+            <a:off x="9539926" y="268121"/>
+            <a:ext cx="1584088" cy="369332"/>
+          </a:xfrm>
+          <a:prstGeom prst="rect">
+            <a:avLst/>
+          </a:prstGeom>
+          <a:noFill/>
+        </p:spPr>
+        <p:txBody>
+          <a:bodyPr wrap="none" rtlCol="0">
+            <a:spAutoFit/>
+          </a:bodyPr>
+          <a:lstStyle/>
+          <a:p>
+            <a:r>
+              <a:rPr lang="he-IL" dirty="0"/>
+              <a:t>שכבות </a:t>
+            </a:r>
+            <a:r>
+              <a:rPr lang="he-IL" dirty="0" err="1"/>
+              <a:t>אגרגציה</a:t>
+            </a:r>
+            <a:endParaRPr lang="en-US" dirty="0"/>
+          </a:p>
+        </p:txBody>
+      </p:sp>
+      <p:pic>
+        <p:nvPicPr>
+          <p:cNvPr id="4" name="Picture 3">
+            <a:extLst>
+              <a:ext uri="{FF2B5EF4-FFF2-40B4-BE49-F238E27FC236}">
+                <a16:creationId xmlns:a16="http://schemas.microsoft.com/office/drawing/2014/main" id="{BA8BE494-8D9E-209B-322C-51260186BE9C}"/>
+              </a:ext>
+            </a:extLst>
+          </p:cNvPr>
+          <p:cNvPicPr>
+            <a:picLocks noChangeAspect="1"/>
+          </p:cNvPicPr>
+          <p:nvPr/>
+        </p:nvPicPr>
+        <p:blipFill>
+          <a:blip r:embed="rId2"/>
+          <a:stretch>
+            <a:fillRect/>
+          </a:stretch>
+        </p:blipFill>
+        <p:spPr>
+          <a:xfrm>
+            <a:off x="7140883" y="894622"/>
+            <a:ext cx="2248214" cy="771633"/>
+          </a:xfrm>
+          <a:prstGeom prst="rect">
+            <a:avLst/>
+          </a:prstGeom>
+        </p:spPr>
+      </p:pic>
+      <p:pic>
+        <p:nvPicPr>
+          <p:cNvPr id="6" name="Picture 5">
+            <a:extLst>
+              <a:ext uri="{FF2B5EF4-FFF2-40B4-BE49-F238E27FC236}">
+                <a16:creationId xmlns:a16="http://schemas.microsoft.com/office/drawing/2014/main" id="{1D06C109-BC4A-AA6D-69BD-DB042B64C3BF}"/>
+              </a:ext>
+            </a:extLst>
+          </p:cNvPr>
+          <p:cNvPicPr>
+            <a:picLocks noChangeAspect="1"/>
+          </p:cNvPicPr>
+          <p:nvPr/>
+        </p:nvPicPr>
+        <p:blipFill>
+          <a:blip r:embed="rId3"/>
+          <a:stretch>
+            <a:fillRect/>
+          </a:stretch>
+        </p:blipFill>
+        <p:spPr>
+          <a:xfrm>
+            <a:off x="9539926" y="791991"/>
+            <a:ext cx="2010056" cy="895475"/>
+          </a:xfrm>
+          <a:prstGeom prst="rect">
+            <a:avLst/>
+          </a:prstGeom>
+        </p:spPr>
+      </p:pic>
+      <p:sp>
+        <p:nvSpPr>
+          <p:cNvPr id="3" name="TextBox 2">
+            <a:extLst>
+              <a:ext uri="{FF2B5EF4-FFF2-40B4-BE49-F238E27FC236}">
+                <a16:creationId xmlns:a16="http://schemas.microsoft.com/office/drawing/2014/main" id="{C8315141-1546-3D57-8810-67A29EBADD8D}"/>
+              </a:ext>
+            </a:extLst>
+          </p:cNvPr>
+          <p:cNvSpPr txBox="1"/>
+          <p:nvPr/>
+        </p:nvSpPr>
+        <p:spPr>
+          <a:xfrm>
+            <a:off x="820850" y="468826"/>
+            <a:ext cx="1564467" cy="646331"/>
+          </a:xfrm>
+          <a:prstGeom prst="rect">
+            <a:avLst/>
+          </a:prstGeom>
+          <a:noFill/>
+        </p:spPr>
+        <p:txBody>
+          <a:bodyPr wrap="none" rtlCol="0">
+            <a:spAutoFit/>
+          </a:bodyPr>
+          <a:lstStyle/>
+          <a:p>
+            <a:r>
+              <a:rPr lang="en-US" dirty="0"/>
+              <a:t>Radio org or </a:t>
+            </a:r>
+            <a:r>
+              <a:rPr lang="en-US" dirty="0" err="1"/>
+              <a:t>sz</a:t>
+            </a:r>
+            <a:endParaRPr lang="en-US" dirty="0"/>
+          </a:p>
+          <a:p>
+            <a:r>
+              <a:rPr lang="en-US" dirty="0"/>
+              <a:t>+ menu list</a:t>
+            </a:r>
+          </a:p>
+        </p:txBody>
+      </p:sp>
+    </p:spTree>
+    <p:extLst>
+      <p:ext uri="{BB962C8B-B14F-4D97-AF65-F5344CB8AC3E}">
+        <p14:creationId xmlns:p14="http://schemas.microsoft.com/office/powerpoint/2010/main" val="3169381269"/>
+      </p:ext>
+    </p:extLst>
+  </p:cSld>
+  <p:clrMapOvr>
+    <a:masterClrMapping/>
+  </p:clrMapOvr>
+</p:sld>
+</file>
+
+<file path=ppt/slides/slide12.xml><?xml version="1.0" encoding="utf-8"?>
+<p:sld xmlns:a="http://schemas.openxmlformats.org/drawingml/2006/main" xmlns:r="http://schemas.openxmlformats.org/officeDocument/2006/relationships" xmlns:p="http://schemas.openxmlformats.org/presentationml/2006/main">
+  <p:cSld>
+    <p:spTree>
+      <p:nvGrpSpPr>
+        <p:cNvPr id="1" name=""/>
+        <p:cNvGrpSpPr/>
+        <p:nvPr/>
+      </p:nvGrpSpPr>
+      <p:grpSpPr>
+        <a:xfrm>
+          <a:off x="0" y="0"/>
+          <a:ext cx="0" cy="0"/>
+          <a:chOff x="0" y="0"/>
+          <a:chExt cx="0" cy="0"/>
+        </a:xfrm>
+      </p:grpSpPr>
+      <p:sp>
+        <p:nvSpPr>
           <p:cNvPr id="4" name="TextBox 3">
             <a:extLst>
               <a:ext uri="{FF2B5EF4-FFF2-40B4-BE49-F238E27FC236}">
@@ -5066,10 +5640,10 @@
       </p:grpSpPr>
       <p:sp>
         <p:nvSpPr>
-          <p:cNvPr id="2" name="Title 1">
-            <a:extLst>
-              <a:ext uri="{FF2B5EF4-FFF2-40B4-BE49-F238E27FC236}">
-                <a16:creationId xmlns:a16="http://schemas.microsoft.com/office/drawing/2014/main" id="{61122050-AA37-7C2C-63B9-1E39138BF234}"/>
+          <p:cNvPr id="3" name="Title 2">
+            <a:extLst>
+              <a:ext uri="{FF2B5EF4-FFF2-40B4-BE49-F238E27FC236}">
+                <a16:creationId xmlns:a16="http://schemas.microsoft.com/office/drawing/2014/main" id="{C253B2B7-E0E5-F135-BBCF-30A10F3D1A2F}"/>
               </a:ext>
             </a:extLst>
           </p:cNvPr>
@@ -5080,14 +5654,19 @@
             <p:ph type="title"/>
           </p:nvPr>
         </p:nvSpPr>
-        <p:spPr/>
+        <p:spPr>
+          <a:xfrm>
+            <a:off x="6334812" y="365125"/>
+            <a:ext cx="5018988" cy="1325563"/>
+          </a:xfrm>
+        </p:spPr>
         <p:txBody>
           <a:bodyPr/>
           <a:lstStyle/>
           <a:p>
             <a:r>
               <a:rPr lang="he-IL" dirty="0"/>
-              <a:t>מטרות</a:t>
+              <a:t>מאפייני התרחיש</a:t>
             </a:r>
             <a:endParaRPr lang="en-US" dirty="0"/>
           </a:p>
@@ -5095,10 +5674,10 @@
       </p:sp>
       <p:sp>
         <p:nvSpPr>
-          <p:cNvPr id="3" name="Content Placeholder 2">
-            <a:extLst>
-              <a:ext uri="{FF2B5EF4-FFF2-40B4-BE49-F238E27FC236}">
-                <a16:creationId xmlns:a16="http://schemas.microsoft.com/office/drawing/2014/main" id="{2DD7711E-D350-CE78-3481-A2A673FAED04}"/>
+          <p:cNvPr id="4" name="Content Placeholder 3">
+            <a:extLst>
+              <a:ext uri="{FF2B5EF4-FFF2-40B4-BE49-F238E27FC236}">
+                <a16:creationId xmlns:a16="http://schemas.microsoft.com/office/drawing/2014/main" id="{7CBA1440-5D19-4C42-0100-611A0263A181}"/>
               </a:ext>
             </a:extLst>
           </p:cNvPr>
@@ -5109,105 +5688,62 @@
             <p:ph idx="1"/>
           </p:nvPr>
         </p:nvSpPr>
-        <p:spPr/>
-        <p:txBody>
-          <a:bodyPr>
-            <a:normAutofit fontScale="62500" lnSpcReduction="20000"/>
-          </a:bodyPr>
+        <p:spPr>
+          <a:xfrm>
+            <a:off x="5929460" y="1825625"/>
+            <a:ext cx="5424340" cy="4351338"/>
+          </a:xfrm>
+        </p:spPr>
+        <p:txBody>
+          <a:bodyPr/>
           <a:lstStyle/>
           <a:p>
             <a:r>
               <a:rPr lang="he-IL" dirty="0"/>
-              <a:t>יכול צפייה בתחזיות (במספרים, גרפים ובמפות) על ידי קהל מודליסטים, משתמשי המודלים, מתכננים, מקבלי החלטות וכו'</a:t>
-            </a:r>
-          </a:p>
-          <a:p>
-            <a:pPr lvl="1"/>
-            <a:r>
-              <a:rPr lang="he-IL" dirty="0"/>
-              <a:t>באמצעות כלי אינטרנטי אינטראקטיבי</a:t>
-            </a:r>
-          </a:p>
-          <a:p>
-            <a:r>
-              <a:rPr lang="he-IL" dirty="0"/>
-              <a:t>לאפשר ניתוח והבנה של התפתחות התחזיות</a:t>
-            </a:r>
-          </a:p>
-          <a:p>
-            <a:pPr lvl="1"/>
-            <a:r>
-              <a:rPr lang="he-IL" dirty="0"/>
-              <a:t>השוואה בין גרסאות</a:t>
-            </a:r>
-          </a:p>
-          <a:p>
-            <a:pPr lvl="1"/>
-            <a:r>
-              <a:rPr lang="he-IL" dirty="0"/>
-              <a:t>ניתוח מגמות העתיד</a:t>
-            </a:r>
-          </a:p>
-          <a:p>
-            <a:pPr lvl="1"/>
-            <a:r>
-              <a:rPr lang="he-IL" dirty="0"/>
-              <a:t>התאמה של תחזיות ברמות שונות</a:t>
-            </a:r>
-          </a:p>
-          <a:p>
-            <a:pPr lvl="1"/>
-            <a:r>
-              <a:rPr lang="he-IL" dirty="0"/>
-              <a:t>השוואה בין תחזיות ממקורות שונים</a:t>
-            </a:r>
-          </a:p>
-          <a:p>
-            <a:pPr lvl="1"/>
-            <a:r>
-              <a:rPr lang="he-IL" dirty="0"/>
-              <a:t>הבנה של משתנים שונים בתחזיות </a:t>
-            </a:r>
-          </a:p>
-          <a:p>
-            <a:r>
-              <a:rPr lang="he-IL" dirty="0"/>
-              <a:t>לאפשר התאמה ליחידות גאוגרפיות ברות השוואה</a:t>
-            </a:r>
-          </a:p>
-          <a:p>
-            <a:r>
-              <a:rPr lang="he-IL" dirty="0"/>
-              <a:t>לעשות בקרה על תחזיות חדשות</a:t>
-            </a:r>
-          </a:p>
-          <a:p>
-            <a:pPr lvl="1"/>
-            <a:r>
-              <a:rPr lang="he-IL" dirty="0"/>
-              <a:t>השוואה לגרסה קודמת</a:t>
-            </a:r>
-          </a:p>
-          <a:p>
-            <a:pPr lvl="1"/>
-            <a:r>
-              <a:rPr lang="he-IL" dirty="0"/>
-              <a:t>בחינה כללית</a:t>
-            </a:r>
-          </a:p>
-          <a:p>
-            <a:r>
-              <a:rPr lang="he-IL" dirty="0"/>
-              <a:t>הורדת נתונים</a:t>
+              <a:t>מוגדרים ב </a:t>
+            </a:r>
+            <a:r>
+              <a:rPr lang="en-US" dirty="0" err="1"/>
+              <a:t>json</a:t>
             </a:r>
             <a:endParaRPr lang="en-US" dirty="0"/>
           </a:p>
         </p:txBody>
       </p:sp>
+      <p:pic>
+        <p:nvPicPr>
+          <p:cNvPr id="5" name="Picture 4">
+            <a:extLst>
+              <a:ext uri="{FF2B5EF4-FFF2-40B4-BE49-F238E27FC236}">
+                <a16:creationId xmlns:a16="http://schemas.microsoft.com/office/drawing/2014/main" id="{A7117192-6918-ED07-1BF5-BF98C983EB29}"/>
+              </a:ext>
+            </a:extLst>
+          </p:cNvPr>
+          <p:cNvPicPr>
+            <a:picLocks noChangeAspect="1"/>
+          </p:cNvPicPr>
+          <p:nvPr/>
+        </p:nvPicPr>
+        <p:blipFill>
+          <a:blip r:embed="rId2"/>
+          <a:stretch>
+            <a:fillRect/>
+          </a:stretch>
+        </p:blipFill>
+        <p:spPr>
+          <a:xfrm>
+            <a:off x="838200" y="878647"/>
+            <a:ext cx="4325083" cy="2550353"/>
+          </a:xfrm>
+          <a:prstGeom prst="rect">
+            <a:avLst/>
+          </a:prstGeom>
+        </p:spPr>
+      </p:pic>
     </p:spTree>
     <p:extLst>
       <p:ext uri="{BB962C8B-B14F-4D97-AF65-F5344CB8AC3E}">
-        <p14:creationId xmlns:p14="http://schemas.microsoft.com/office/powerpoint/2010/main" val="2450535479"/>
+        <p14:creationId xmlns:p14="http://schemas.microsoft.com/office/powerpoint/2010/main" val="1443815165"/>
       </p:ext>
     </p:extLst>
   </p:cSld>
@@ -5239,7 +5775,7 @@
           <p:cNvPr id="2" name="Title 1">
             <a:extLst>
               <a:ext uri="{FF2B5EF4-FFF2-40B4-BE49-F238E27FC236}">
-                <a16:creationId xmlns:a16="http://schemas.microsoft.com/office/drawing/2014/main" id="{481FF182-35D0-871D-BBD8-02C473252B76}"/>
+                <a16:creationId xmlns:a16="http://schemas.microsoft.com/office/drawing/2014/main" id="{61122050-AA37-7C2C-63B9-1E39138BF234}"/>
               </a:ext>
             </a:extLst>
           </p:cNvPr>
@@ -5257,6 +5793,176 @@
           <a:p>
             <a:r>
               <a:rPr lang="he-IL" dirty="0"/>
+              <a:t>מטרות</a:t>
+            </a:r>
+            <a:endParaRPr lang="en-US" dirty="0"/>
+          </a:p>
+        </p:txBody>
+      </p:sp>
+      <p:sp>
+        <p:nvSpPr>
+          <p:cNvPr id="3" name="Content Placeholder 2">
+            <a:extLst>
+              <a:ext uri="{FF2B5EF4-FFF2-40B4-BE49-F238E27FC236}">
+                <a16:creationId xmlns:a16="http://schemas.microsoft.com/office/drawing/2014/main" id="{2DD7711E-D350-CE78-3481-A2A673FAED04}"/>
+              </a:ext>
+            </a:extLst>
+          </p:cNvPr>
+          <p:cNvSpPr>
+            <a:spLocks noGrp="1"/>
+          </p:cNvSpPr>
+          <p:nvPr>
+            <p:ph idx="1"/>
+          </p:nvPr>
+        </p:nvSpPr>
+        <p:spPr/>
+        <p:txBody>
+          <a:bodyPr>
+            <a:normAutofit fontScale="62500" lnSpcReduction="20000"/>
+          </a:bodyPr>
+          <a:lstStyle/>
+          <a:p>
+            <a:r>
+              <a:rPr lang="he-IL" dirty="0"/>
+              <a:t>יכול צפייה בתחזיות (במספרים, גרפים ובמפות) על ידי קהל מודליסטים, משתמשי המודלים, מתכננים, מקבלי החלטות וכו'</a:t>
+            </a:r>
+          </a:p>
+          <a:p>
+            <a:pPr lvl="1"/>
+            <a:r>
+              <a:rPr lang="he-IL" dirty="0"/>
+              <a:t>באמצעות כלי אינטרנטי אינטראקטיבי</a:t>
+            </a:r>
+          </a:p>
+          <a:p>
+            <a:r>
+              <a:rPr lang="he-IL" dirty="0"/>
+              <a:t>לאפשר ניתוח והבנה של התפתחות התחזיות</a:t>
+            </a:r>
+          </a:p>
+          <a:p>
+            <a:pPr lvl="1"/>
+            <a:r>
+              <a:rPr lang="he-IL" dirty="0"/>
+              <a:t>השוואה בין גרסאות</a:t>
+            </a:r>
+          </a:p>
+          <a:p>
+            <a:pPr lvl="1"/>
+            <a:r>
+              <a:rPr lang="he-IL" dirty="0"/>
+              <a:t>ניתוח מגמות העתיד</a:t>
+            </a:r>
+          </a:p>
+          <a:p>
+            <a:pPr lvl="1"/>
+            <a:r>
+              <a:rPr lang="he-IL" dirty="0"/>
+              <a:t>התאמה של תחזיות ברמות שונות</a:t>
+            </a:r>
+          </a:p>
+          <a:p>
+            <a:pPr lvl="1"/>
+            <a:r>
+              <a:rPr lang="he-IL" dirty="0"/>
+              <a:t>השוואה בין תחזיות ממקורות שונים</a:t>
+            </a:r>
+          </a:p>
+          <a:p>
+            <a:pPr lvl="1"/>
+            <a:r>
+              <a:rPr lang="he-IL" dirty="0"/>
+              <a:t>הבנה של משתנים שונים בתחזיות </a:t>
+            </a:r>
+          </a:p>
+          <a:p>
+            <a:r>
+              <a:rPr lang="he-IL" dirty="0"/>
+              <a:t>לאפשר התאמה ליחידות גאוגרפיות ברות השוואה</a:t>
+            </a:r>
+          </a:p>
+          <a:p>
+            <a:r>
+              <a:rPr lang="he-IL" dirty="0"/>
+              <a:t>לעשות בקרה על תחזיות חדשות</a:t>
+            </a:r>
+          </a:p>
+          <a:p>
+            <a:pPr lvl="1"/>
+            <a:r>
+              <a:rPr lang="he-IL" dirty="0"/>
+              <a:t>השוואה לגרסה קודמת</a:t>
+            </a:r>
+          </a:p>
+          <a:p>
+            <a:pPr lvl="1"/>
+            <a:r>
+              <a:rPr lang="he-IL" dirty="0"/>
+              <a:t>בחינה כללית</a:t>
+            </a:r>
+          </a:p>
+          <a:p>
+            <a:r>
+              <a:rPr lang="he-IL" dirty="0"/>
+              <a:t>הורדת נתונים</a:t>
+            </a:r>
+            <a:endParaRPr lang="en-US" dirty="0"/>
+          </a:p>
+        </p:txBody>
+      </p:sp>
+    </p:spTree>
+    <p:extLst>
+      <p:ext uri="{BB962C8B-B14F-4D97-AF65-F5344CB8AC3E}">
+        <p14:creationId xmlns:p14="http://schemas.microsoft.com/office/powerpoint/2010/main" val="2450535479"/>
+      </p:ext>
+    </p:extLst>
+  </p:cSld>
+  <p:clrMapOvr>
+    <a:masterClrMapping/>
+  </p:clrMapOvr>
+</p:sld>
+</file>
+
+<file path=ppt/slides/slide5.xml><?xml version="1.0" encoding="utf-8"?>
+<p:sld xmlns:a="http://schemas.openxmlformats.org/drawingml/2006/main" xmlns:r="http://schemas.openxmlformats.org/officeDocument/2006/relationships" xmlns:p="http://schemas.openxmlformats.org/presentationml/2006/main">
+  <p:cSld>
+    <p:spTree>
+      <p:nvGrpSpPr>
+        <p:cNvPr id="1" name=""/>
+        <p:cNvGrpSpPr/>
+        <p:nvPr/>
+      </p:nvGrpSpPr>
+      <p:grpSpPr>
+        <a:xfrm>
+          <a:off x="0" y="0"/>
+          <a:ext cx="0" cy="0"/>
+          <a:chOff x="0" y="0"/>
+          <a:chExt cx="0" cy="0"/>
+        </a:xfrm>
+      </p:grpSpPr>
+      <p:sp>
+        <p:nvSpPr>
+          <p:cNvPr id="2" name="Title 1">
+            <a:extLst>
+              <a:ext uri="{FF2B5EF4-FFF2-40B4-BE49-F238E27FC236}">
+                <a16:creationId xmlns:a16="http://schemas.microsoft.com/office/drawing/2014/main" id="{481FF182-35D0-871D-BBD8-02C473252B76}"/>
+              </a:ext>
+            </a:extLst>
+          </p:cNvPr>
+          <p:cNvSpPr>
+            <a:spLocks noGrp="1"/>
+          </p:cNvSpPr>
+          <p:nvPr>
+            <p:ph type="title"/>
+          </p:nvPr>
+        </p:nvSpPr>
+        <p:spPr/>
+        <p:txBody>
+          <a:bodyPr/>
+          <a:lstStyle/>
+          <a:p>
+            <a:r>
+              <a:rPr lang="he-IL" dirty="0"/>
               <a:t>רמות עבודה</a:t>
             </a:r>
             <a:endParaRPr lang="en-US" dirty="0"/>
@@ -5286,13 +5992,15 @@
           </a:xfrm>
         </p:spPr>
         <p:txBody>
-          <a:bodyPr anchor="ctr"/>
+          <a:bodyPr anchor="ctr">
+            <a:normAutofit fontScale="92500"/>
+          </a:bodyPr>
           <a:lstStyle/>
           <a:p>
             <a:pPr algn="ctr"/>
             <a:r>
               <a:rPr lang="he-IL" dirty="0"/>
-              <a:t>השוואת תחזיות מאותו מקור (אותו מודל)</a:t>
+              <a:t>ב השוואת תחזיות מאותו מקור (אותו מודל)</a:t>
             </a:r>
             <a:endParaRPr lang="en-US" dirty="0"/>
           </a:p>
@@ -5357,13 +6065,15 @@
           </a:solidFill>
         </p:spPr>
         <p:txBody>
-          <a:bodyPr anchor="ctr"/>
+          <a:bodyPr anchor="ctr">
+            <a:normAutofit fontScale="92500"/>
+          </a:bodyPr>
           <a:lstStyle/>
           <a:p>
             <a:pPr algn="ctr"/>
             <a:r>
               <a:rPr lang="he-IL" dirty="0"/>
-              <a:t>תחזית בודדת</a:t>
+              <a:t>א תחזית בודדת</a:t>
             </a:r>
             <a:endParaRPr lang="en-US" dirty="0"/>
           </a:p>
@@ -5594,7 +6304,7 @@
             <a:pPr algn="ctr" rtl="0"/>
             <a:r>
               <a:rPr lang="he-IL" dirty="0"/>
-              <a:t>השוואת תחזיות ממקורות שונים</a:t>
+              <a:t>ג השוואת תחזיות ממקורות שונים</a:t>
             </a:r>
             <a:endParaRPr lang="en-US" dirty="0"/>
           </a:p>
@@ -5810,264 +6520,6 @@
 </p:sld>
 </file>
 
-<file path=ppt/slides/slide5.xml><?xml version="1.0" encoding="utf-8"?>
-<p:sld xmlns:a="http://schemas.openxmlformats.org/drawingml/2006/main" xmlns:r="http://schemas.openxmlformats.org/officeDocument/2006/relationships" xmlns:p="http://schemas.openxmlformats.org/presentationml/2006/main">
-  <p:cSld>
-    <p:spTree>
-      <p:nvGrpSpPr>
-        <p:cNvPr id="1" name=""/>
-        <p:cNvGrpSpPr/>
-        <p:nvPr/>
-      </p:nvGrpSpPr>
-      <p:grpSpPr>
-        <a:xfrm>
-          <a:off x="0" y="0"/>
-          <a:ext cx="0" cy="0"/>
-          <a:chOff x="0" y="0"/>
-          <a:chExt cx="0" cy="0"/>
-        </a:xfrm>
-      </p:grpSpPr>
-      <p:sp>
-        <p:nvSpPr>
-          <p:cNvPr id="2" name="Title 1">
-            <a:extLst>
-              <a:ext uri="{FF2B5EF4-FFF2-40B4-BE49-F238E27FC236}">
-                <a16:creationId xmlns:a16="http://schemas.microsoft.com/office/drawing/2014/main" id="{58F2DFC4-BF8B-39B2-DAFA-B2D3D810165F}"/>
-              </a:ext>
-            </a:extLst>
-          </p:cNvPr>
-          <p:cNvSpPr>
-            <a:spLocks noGrp="1"/>
-          </p:cNvSpPr>
-          <p:nvPr>
-            <p:ph type="title"/>
-          </p:nvPr>
-        </p:nvSpPr>
-        <p:spPr/>
-        <p:txBody>
-          <a:bodyPr/>
-          <a:lstStyle/>
-          <a:p>
-            <a:r>
-              <a:rPr lang="he-IL" dirty="0"/>
-              <a:t>התוכנה - </a:t>
-            </a:r>
-            <a:r>
-              <a:rPr lang="he-IL" dirty="0" err="1"/>
-              <a:t>צפיין</a:t>
-            </a:r>
-            <a:endParaRPr lang="en-US" dirty="0"/>
-          </a:p>
-        </p:txBody>
-      </p:sp>
-      <p:sp>
-        <p:nvSpPr>
-          <p:cNvPr id="4" name="TextBox 3">
-            <a:extLst>
-              <a:ext uri="{FF2B5EF4-FFF2-40B4-BE49-F238E27FC236}">
-                <a16:creationId xmlns:a16="http://schemas.microsoft.com/office/drawing/2014/main" id="{50B9B3DC-A6B9-3F98-4AAE-D54111BC9D1A}"/>
-              </a:ext>
-            </a:extLst>
-          </p:cNvPr>
-          <p:cNvSpPr txBox="1"/>
-          <p:nvPr/>
-        </p:nvSpPr>
-        <p:spPr>
-          <a:xfrm>
-            <a:off x="9804994" y="2557995"/>
-            <a:ext cx="1071127" cy="369332"/>
-          </a:xfrm>
-          <a:prstGeom prst="rect">
-            <a:avLst/>
-          </a:prstGeom>
-          <a:noFill/>
-        </p:spPr>
-        <p:txBody>
-          <a:bodyPr wrap="none" rtlCol="0">
-            <a:spAutoFit/>
-          </a:bodyPr>
-          <a:lstStyle/>
-          <a:p>
-            <a:r>
-              <a:rPr lang="he-IL" dirty="0"/>
-              <a:t>אובייקטים</a:t>
-            </a:r>
-            <a:endParaRPr lang="en-US" dirty="0"/>
-          </a:p>
-        </p:txBody>
-      </p:sp>
-      <p:sp>
-        <p:nvSpPr>
-          <p:cNvPr id="5" name="TextBox 4">
-            <a:extLst>
-              <a:ext uri="{FF2B5EF4-FFF2-40B4-BE49-F238E27FC236}">
-                <a16:creationId xmlns:a16="http://schemas.microsoft.com/office/drawing/2014/main" id="{F4036E49-39B2-A910-3EAF-7AF93C39BADE}"/>
-              </a:ext>
-            </a:extLst>
-          </p:cNvPr>
-          <p:cNvSpPr txBox="1"/>
-          <p:nvPr/>
-        </p:nvSpPr>
-        <p:spPr>
-          <a:xfrm>
-            <a:off x="6887727" y="1664526"/>
-            <a:ext cx="1040670" cy="369332"/>
-          </a:xfrm>
-          <a:prstGeom prst="rect">
-            <a:avLst/>
-          </a:prstGeom>
-          <a:solidFill>
-            <a:schemeClr val="accent4">
-              <a:lumMod val="20000"/>
-              <a:lumOff val="80000"/>
-            </a:schemeClr>
-          </a:solidFill>
-        </p:spPr>
-        <p:txBody>
-          <a:bodyPr wrap="none" rtlCol="0">
-            <a:spAutoFit/>
-          </a:bodyPr>
-          <a:lstStyle/>
-          <a:p>
-            <a:r>
-              <a:rPr lang="he-IL" dirty="0"/>
-              <a:t>אפליקציה</a:t>
-            </a:r>
-            <a:endParaRPr lang="en-US" dirty="0"/>
-          </a:p>
-        </p:txBody>
-      </p:sp>
-      <p:sp>
-        <p:nvSpPr>
-          <p:cNvPr id="6" name="TextBox 5">
-            <a:extLst>
-              <a:ext uri="{FF2B5EF4-FFF2-40B4-BE49-F238E27FC236}">
-                <a16:creationId xmlns:a16="http://schemas.microsoft.com/office/drawing/2014/main" id="{2D65E503-D1C2-B672-3A4E-963982A2A733}"/>
-              </a:ext>
-            </a:extLst>
-          </p:cNvPr>
-          <p:cNvSpPr txBox="1"/>
-          <p:nvPr/>
-        </p:nvSpPr>
-        <p:spPr>
-          <a:xfrm>
-            <a:off x="9511645" y="5303116"/>
-            <a:ext cx="1657826" cy="369332"/>
-          </a:xfrm>
-          <a:prstGeom prst="rect">
-            <a:avLst/>
-          </a:prstGeom>
-          <a:noFill/>
-        </p:spPr>
-        <p:txBody>
-          <a:bodyPr wrap="none" rtlCol="0">
-            <a:spAutoFit/>
-          </a:bodyPr>
-          <a:lstStyle/>
-          <a:p>
-            <a:r>
-              <a:rPr lang="he-IL" dirty="0"/>
-              <a:t>ספריית פונקציות</a:t>
-            </a:r>
-            <a:endParaRPr lang="en-US" dirty="0"/>
-          </a:p>
-        </p:txBody>
-      </p:sp>
-      <p:sp>
-        <p:nvSpPr>
-          <p:cNvPr id="7" name="TextBox 6">
-            <a:extLst>
-              <a:ext uri="{FF2B5EF4-FFF2-40B4-BE49-F238E27FC236}">
-                <a16:creationId xmlns:a16="http://schemas.microsoft.com/office/drawing/2014/main" id="{79643147-9C58-B448-FD6F-995CCC94DC8A}"/>
-              </a:ext>
-            </a:extLst>
-          </p:cNvPr>
-          <p:cNvSpPr txBox="1"/>
-          <p:nvPr/>
-        </p:nvSpPr>
-        <p:spPr>
-          <a:xfrm>
-            <a:off x="7112949" y="2599260"/>
-            <a:ext cx="590226" cy="369332"/>
-          </a:xfrm>
-          <a:prstGeom prst="rect">
-            <a:avLst/>
-          </a:prstGeom>
-          <a:solidFill>
-            <a:schemeClr val="accent4">
-              <a:lumMod val="20000"/>
-              <a:lumOff val="80000"/>
-            </a:schemeClr>
-          </a:solidFill>
-        </p:spPr>
-        <p:txBody>
-          <a:bodyPr wrap="none" rtlCol="0">
-            <a:spAutoFit/>
-          </a:bodyPr>
-          <a:lstStyle/>
-          <a:p>
-            <a:r>
-              <a:rPr lang="he-IL" dirty="0"/>
-              <a:t>מפה</a:t>
-            </a:r>
-            <a:endParaRPr lang="en-US" dirty="0"/>
-          </a:p>
-        </p:txBody>
-      </p:sp>
-      <p:sp>
-        <p:nvSpPr>
-          <p:cNvPr id="8" name="TextBox 7">
-            <a:extLst>
-              <a:ext uri="{FF2B5EF4-FFF2-40B4-BE49-F238E27FC236}">
-                <a16:creationId xmlns:a16="http://schemas.microsoft.com/office/drawing/2014/main" id="{86E28A90-7518-9722-6FA8-7F6C58F217AA}"/>
-              </a:ext>
-            </a:extLst>
-          </p:cNvPr>
-          <p:cNvSpPr txBox="1"/>
-          <p:nvPr/>
-        </p:nvSpPr>
-        <p:spPr>
-          <a:xfrm>
-            <a:off x="6958260" y="3533994"/>
-            <a:ext cx="970137" cy="369332"/>
-          </a:xfrm>
-          <a:prstGeom prst="rect">
-            <a:avLst/>
-          </a:prstGeom>
-          <a:solidFill>
-            <a:schemeClr val="accent4">
-              <a:lumMod val="20000"/>
-              <a:lumOff val="80000"/>
-            </a:schemeClr>
-          </a:solidFill>
-        </p:spPr>
-        <p:txBody>
-          <a:bodyPr wrap="none" rtlCol="0">
-            <a:spAutoFit/>
-          </a:bodyPr>
-          <a:lstStyle/>
-          <a:p>
-            <a:r>
-              <a:rPr lang="he-IL" dirty="0"/>
-              <a:t>"תרחיש"</a:t>
-            </a:r>
-            <a:endParaRPr lang="en-US" dirty="0"/>
-          </a:p>
-        </p:txBody>
-      </p:sp>
-    </p:spTree>
-    <p:extLst>
-      <p:ext uri="{BB962C8B-B14F-4D97-AF65-F5344CB8AC3E}">
-        <p14:creationId xmlns:p14="http://schemas.microsoft.com/office/powerpoint/2010/main" val="3307650960"/>
-      </p:ext>
-    </p:extLst>
-  </p:cSld>
-  <p:clrMapOvr>
-    <a:masterClrMapping/>
-  </p:clrMapOvr>
-</p:sld>
-</file>
-
 <file path=ppt/slides/slide6.xml><?xml version="1.0" encoding="utf-8"?>
 <p:sld xmlns:a="http://schemas.openxmlformats.org/drawingml/2006/main" xmlns:r="http://schemas.openxmlformats.org/officeDocument/2006/relationships" xmlns:p="http://schemas.openxmlformats.org/presentationml/2006/main">
   <p:cSld>
@@ -6087,10 +6539,10 @@
       </p:grpSpPr>
       <p:sp>
         <p:nvSpPr>
-          <p:cNvPr id="3" name="Title 2">
-            <a:extLst>
-              <a:ext uri="{FF2B5EF4-FFF2-40B4-BE49-F238E27FC236}">
-                <a16:creationId xmlns:a16="http://schemas.microsoft.com/office/drawing/2014/main" id="{C253B2B7-E0E5-F135-BBCF-30A10F3D1A2F}"/>
+          <p:cNvPr id="2" name="Title 1">
+            <a:extLst>
+              <a:ext uri="{FF2B5EF4-FFF2-40B4-BE49-F238E27FC236}">
+                <a16:creationId xmlns:a16="http://schemas.microsoft.com/office/drawing/2014/main" id="{58F2DFC4-BF8B-39B2-DAFA-B2D3D810165F}"/>
               </a:ext>
             </a:extLst>
           </p:cNvPr>
@@ -6101,19 +6553,22 @@
             <p:ph type="title"/>
           </p:nvPr>
         </p:nvSpPr>
-        <p:spPr>
-          <a:xfrm>
-            <a:off x="6334812" y="365125"/>
-            <a:ext cx="5018988" cy="1325563"/>
-          </a:xfrm>
-        </p:spPr>
+        <p:spPr/>
         <p:txBody>
           <a:bodyPr/>
           <a:lstStyle/>
           <a:p>
             <a:r>
               <a:rPr lang="he-IL" dirty="0"/>
-              <a:t>מאפייני התרחיש</a:t>
+              <a:t>התוכנה – "</a:t>
+            </a:r>
+            <a:r>
+              <a:rPr lang="he-IL" dirty="0" err="1"/>
+              <a:t>צפיין</a:t>
+            </a:r>
+            <a:r>
+              <a:rPr lang="he-IL" dirty="0"/>
+              <a:t>"</a:t>
             </a:r>
             <a:endParaRPr lang="en-US" dirty="0"/>
           </a:p>
@@ -6121,76 +6576,734 @@
       </p:sp>
       <p:sp>
         <p:nvSpPr>
-          <p:cNvPr id="4" name="Content Placeholder 3">
-            <a:extLst>
-              <a:ext uri="{FF2B5EF4-FFF2-40B4-BE49-F238E27FC236}">
-                <a16:creationId xmlns:a16="http://schemas.microsoft.com/office/drawing/2014/main" id="{7CBA1440-5D19-4C42-0100-611A0263A181}"/>
-              </a:ext>
-            </a:extLst>
-          </p:cNvPr>
-          <p:cNvSpPr>
-            <a:spLocks noGrp="1"/>
-          </p:cNvSpPr>
-          <p:nvPr>
-            <p:ph idx="1"/>
-          </p:nvPr>
-        </p:nvSpPr>
-        <p:spPr>
-          <a:xfrm>
-            <a:off x="5929460" y="1825625"/>
-            <a:ext cx="5424340" cy="4351338"/>
-          </a:xfrm>
-        </p:spPr>
-        <p:txBody>
-          <a:bodyPr/>
+          <p:cNvPr id="4" name="TextBox 3">
+            <a:extLst>
+              <a:ext uri="{FF2B5EF4-FFF2-40B4-BE49-F238E27FC236}">
+                <a16:creationId xmlns:a16="http://schemas.microsoft.com/office/drawing/2014/main" id="{50B9B3DC-A6B9-3F98-4AAE-D54111BC9D1A}"/>
+              </a:ext>
+            </a:extLst>
+          </p:cNvPr>
+          <p:cNvSpPr txBox="1"/>
+          <p:nvPr/>
+        </p:nvSpPr>
+        <p:spPr>
+          <a:xfrm>
+            <a:off x="9804994" y="2557995"/>
+            <a:ext cx="1071127" cy="369332"/>
+          </a:xfrm>
+          <a:prstGeom prst="rect">
+            <a:avLst/>
+          </a:prstGeom>
+          <a:noFill/>
+        </p:spPr>
+        <p:txBody>
+          <a:bodyPr wrap="none" rtlCol="0">
+            <a:spAutoFit/>
+          </a:bodyPr>
           <a:lstStyle/>
           <a:p>
             <a:r>
               <a:rPr lang="he-IL" dirty="0"/>
-              <a:t>מוגדרים ב </a:t>
-            </a:r>
+              <a:t>אובייקטים</a:t>
+            </a:r>
+            <a:endParaRPr lang="en-US" dirty="0"/>
+          </a:p>
+        </p:txBody>
+      </p:sp>
+      <p:sp>
+        <p:nvSpPr>
+          <p:cNvPr id="5" name="TextBox 4">
+            <a:extLst>
+              <a:ext uri="{FF2B5EF4-FFF2-40B4-BE49-F238E27FC236}">
+                <a16:creationId xmlns:a16="http://schemas.microsoft.com/office/drawing/2014/main" id="{F4036E49-39B2-A910-3EAF-7AF93C39BADE}"/>
+              </a:ext>
+            </a:extLst>
+          </p:cNvPr>
+          <p:cNvSpPr txBox="1"/>
+          <p:nvPr/>
+        </p:nvSpPr>
+        <p:spPr>
+          <a:xfrm>
+            <a:off x="6956860" y="2692570"/>
+            <a:ext cx="1040670" cy="369332"/>
+          </a:xfrm>
+          <a:prstGeom prst="rect">
+            <a:avLst/>
+          </a:prstGeom>
+          <a:solidFill>
+            <a:schemeClr val="accent6">
+              <a:lumMod val="40000"/>
+              <a:lumOff val="60000"/>
+            </a:schemeClr>
+          </a:solidFill>
+        </p:spPr>
+        <p:txBody>
+          <a:bodyPr wrap="none" rtlCol="0">
+            <a:spAutoFit/>
+          </a:bodyPr>
+          <a:lstStyle/>
+          <a:p>
+            <a:r>
+              <a:rPr lang="he-IL" dirty="0"/>
+              <a:t>אפליקציה</a:t>
+            </a:r>
+            <a:endParaRPr lang="en-US" dirty="0"/>
+          </a:p>
+        </p:txBody>
+      </p:sp>
+      <p:sp>
+        <p:nvSpPr>
+          <p:cNvPr id="6" name="TextBox 5">
+            <a:extLst>
+              <a:ext uri="{FF2B5EF4-FFF2-40B4-BE49-F238E27FC236}">
+                <a16:creationId xmlns:a16="http://schemas.microsoft.com/office/drawing/2014/main" id="{2D65E503-D1C2-B672-3A4E-963982A2A733}"/>
+              </a:ext>
+            </a:extLst>
+          </p:cNvPr>
+          <p:cNvSpPr txBox="1"/>
+          <p:nvPr/>
+        </p:nvSpPr>
+        <p:spPr>
+          <a:xfrm>
+            <a:off x="6372888" y="5505251"/>
+            <a:ext cx="2295821" cy="369332"/>
+          </a:xfrm>
+          <a:prstGeom prst="rect">
+            <a:avLst/>
+          </a:prstGeom>
+          <a:solidFill>
+            <a:schemeClr val="accent4">
+              <a:lumMod val="20000"/>
+              <a:lumOff val="80000"/>
+            </a:schemeClr>
+          </a:solidFill>
+        </p:spPr>
+        <p:txBody>
+          <a:bodyPr wrap="none" rtlCol="0">
+            <a:spAutoFit/>
+          </a:bodyPr>
+          <a:lstStyle>
+            <a:defPPr>
+              <a:defRPr lang="en-US"/>
+            </a:defPPr>
+          </a:lstStyle>
+          <a:p>
+            <a:r>
+              <a:rPr lang="he-IL" dirty="0"/>
+              <a:t>ספריית פונקציות</a:t>
+            </a:r>
+            <a:r>
+              <a:rPr lang="en-US" dirty="0"/>
+              <a:t> </a:t>
+            </a:r>
+            <a:r>
+              <a:rPr lang="he-IL" dirty="0"/>
+              <a:t>כלליות</a:t>
+            </a:r>
+            <a:endParaRPr lang="en-US" dirty="0"/>
+          </a:p>
+        </p:txBody>
+      </p:sp>
+      <p:sp>
+        <p:nvSpPr>
+          <p:cNvPr id="7" name="TextBox 6">
+            <a:extLst>
+              <a:ext uri="{FF2B5EF4-FFF2-40B4-BE49-F238E27FC236}">
+                <a16:creationId xmlns:a16="http://schemas.microsoft.com/office/drawing/2014/main" id="{79643147-9C58-B448-FD6F-995CCC94DC8A}"/>
+              </a:ext>
+            </a:extLst>
+          </p:cNvPr>
+          <p:cNvSpPr txBox="1"/>
+          <p:nvPr/>
+        </p:nvSpPr>
+        <p:spPr>
+          <a:xfrm>
+            <a:off x="7225685" y="3463036"/>
+            <a:ext cx="590226" cy="369332"/>
+          </a:xfrm>
+          <a:prstGeom prst="rect">
+            <a:avLst/>
+          </a:prstGeom>
+          <a:solidFill>
+            <a:schemeClr val="accent4">
+              <a:lumMod val="20000"/>
+              <a:lumOff val="80000"/>
+            </a:schemeClr>
+          </a:solidFill>
+        </p:spPr>
+        <p:txBody>
+          <a:bodyPr wrap="none" rtlCol="0">
+            <a:spAutoFit/>
+          </a:bodyPr>
+          <a:lstStyle/>
+          <a:p>
+            <a:r>
+              <a:rPr lang="he-IL" dirty="0"/>
+              <a:t>מפה</a:t>
+            </a:r>
+            <a:endParaRPr lang="en-US" dirty="0"/>
+          </a:p>
+        </p:txBody>
+      </p:sp>
+      <p:sp>
+        <p:nvSpPr>
+          <p:cNvPr id="8" name="TextBox 7">
+            <a:extLst>
+              <a:ext uri="{FF2B5EF4-FFF2-40B4-BE49-F238E27FC236}">
+                <a16:creationId xmlns:a16="http://schemas.microsoft.com/office/drawing/2014/main" id="{86E28A90-7518-9722-6FA8-7F6C58F217AA}"/>
+              </a:ext>
+            </a:extLst>
+          </p:cNvPr>
+          <p:cNvSpPr txBox="1"/>
+          <p:nvPr/>
+        </p:nvSpPr>
+        <p:spPr>
+          <a:xfrm>
+            <a:off x="6992127" y="4567692"/>
+            <a:ext cx="970137" cy="369332"/>
+          </a:xfrm>
+          <a:prstGeom prst="rect">
+            <a:avLst/>
+          </a:prstGeom>
+          <a:solidFill>
+            <a:schemeClr val="accent6">
+              <a:lumMod val="40000"/>
+              <a:lumOff val="60000"/>
+            </a:schemeClr>
+          </a:solidFill>
+        </p:spPr>
+        <p:txBody>
+          <a:bodyPr wrap="none" rtlCol="0">
+            <a:spAutoFit/>
+          </a:bodyPr>
+          <a:lstStyle/>
+          <a:p>
+            <a:r>
+              <a:rPr lang="he-IL" dirty="0"/>
+              <a:t>"תרחיש"</a:t>
+            </a:r>
+            <a:endParaRPr lang="en-US" dirty="0"/>
+          </a:p>
+        </p:txBody>
+      </p:sp>
+      <p:sp>
+        <p:nvSpPr>
+          <p:cNvPr id="3" name="TextBox 2">
+            <a:extLst>
+              <a:ext uri="{FF2B5EF4-FFF2-40B4-BE49-F238E27FC236}">
+                <a16:creationId xmlns:a16="http://schemas.microsoft.com/office/drawing/2014/main" id="{90C5B313-2263-7B5C-78B7-0568E8C600BE}"/>
+              </a:ext>
+            </a:extLst>
+          </p:cNvPr>
+          <p:cNvSpPr txBox="1"/>
+          <p:nvPr/>
+        </p:nvSpPr>
+        <p:spPr>
+          <a:xfrm>
+            <a:off x="7341101" y="1755009"/>
+            <a:ext cx="359394" cy="369332"/>
+          </a:xfrm>
+          <a:prstGeom prst="rect">
+            <a:avLst/>
+          </a:prstGeom>
+          <a:solidFill>
+            <a:schemeClr val="accent6">
+              <a:lumMod val="40000"/>
+              <a:lumOff val="60000"/>
+            </a:schemeClr>
+          </a:solidFill>
+        </p:spPr>
+        <p:txBody>
+          <a:bodyPr wrap="none" rtlCol="0">
+            <a:spAutoFit/>
+          </a:bodyPr>
+          <a:lstStyle/>
+          <a:p>
             <a:r>
               <a:rPr lang="en-US" dirty="0" err="1"/>
-              <a:t>json</a:t>
+              <a:t>ui</a:t>
             </a:r>
             <a:endParaRPr lang="en-US" dirty="0"/>
           </a:p>
         </p:txBody>
       </p:sp>
-      <p:pic>
-        <p:nvPicPr>
-          <p:cNvPr id="5" name="Picture 4">
-            <a:extLst>
-              <a:ext uri="{FF2B5EF4-FFF2-40B4-BE49-F238E27FC236}">
-                <a16:creationId xmlns:a16="http://schemas.microsoft.com/office/drawing/2014/main" id="{A7117192-6918-ED07-1BF5-BF98C983EB29}"/>
-              </a:ext>
-            </a:extLst>
-          </p:cNvPr>
-          <p:cNvPicPr>
-            <a:picLocks noChangeAspect="1"/>
-          </p:cNvPicPr>
-          <p:nvPr/>
-        </p:nvPicPr>
-        <p:blipFill>
-          <a:blip r:embed="rId2"/>
-          <a:stretch>
-            <a:fillRect/>
-          </a:stretch>
-        </p:blipFill>
-        <p:spPr>
-          <a:xfrm>
-            <a:off x="838200" y="878647"/>
-            <a:ext cx="4325083" cy="2550353"/>
+      <p:sp>
+        <p:nvSpPr>
+          <p:cNvPr id="12" name="TextBox 11">
+            <a:extLst>
+              <a:ext uri="{FF2B5EF4-FFF2-40B4-BE49-F238E27FC236}">
+                <a16:creationId xmlns:a16="http://schemas.microsoft.com/office/drawing/2014/main" id="{5EBD09D1-B240-9A01-031E-08E996E11EDB}"/>
+              </a:ext>
+            </a:extLst>
+          </p:cNvPr>
+          <p:cNvSpPr txBox="1"/>
+          <p:nvPr/>
+        </p:nvSpPr>
+        <p:spPr>
+          <a:xfrm>
+            <a:off x="4060721" y="1732572"/>
+            <a:ext cx="1635160" cy="369332"/>
           </a:xfrm>
           <a:prstGeom prst="rect">
             <a:avLst/>
           </a:prstGeom>
-        </p:spPr>
-      </p:pic>
+          <a:noFill/>
+        </p:spPr>
+        <p:txBody>
+          <a:bodyPr wrap="square">
+            <a:spAutoFit/>
+          </a:bodyPr>
+          <a:lstStyle/>
+          <a:p>
+            <a:pPr algn="ctr"/>
+            <a:r>
+              <a:rPr lang="en-US" dirty="0" err="1"/>
+              <a:t>app.R</a:t>
+            </a:r>
+            <a:r>
+              <a:rPr lang="en-US" sz="1200" dirty="0"/>
+              <a:t> (Shiny)</a:t>
+            </a:r>
+            <a:endParaRPr lang="en-US" dirty="0"/>
+          </a:p>
+        </p:txBody>
+      </p:sp>
+      <p:sp>
+        <p:nvSpPr>
+          <p:cNvPr id="13" name="TextBox 12">
+            <a:extLst>
+              <a:ext uri="{FF2B5EF4-FFF2-40B4-BE49-F238E27FC236}">
+                <a16:creationId xmlns:a16="http://schemas.microsoft.com/office/drawing/2014/main" id="{553D92FF-B476-6CA3-1401-0CB48149D042}"/>
+              </a:ext>
+            </a:extLst>
+          </p:cNvPr>
+          <p:cNvSpPr txBox="1"/>
+          <p:nvPr/>
+        </p:nvSpPr>
+        <p:spPr>
+          <a:xfrm>
+            <a:off x="4342738" y="2660051"/>
+            <a:ext cx="1071127" cy="369332"/>
+          </a:xfrm>
+          <a:prstGeom prst="rect">
+            <a:avLst/>
+          </a:prstGeom>
+          <a:noFill/>
+        </p:spPr>
+        <p:txBody>
+          <a:bodyPr wrap="square">
+            <a:spAutoFit/>
+          </a:bodyPr>
+          <a:lstStyle/>
+          <a:p>
+            <a:pPr algn="ctr"/>
+            <a:r>
+              <a:rPr lang="en-US" dirty="0" err="1"/>
+              <a:t>main.R</a:t>
+            </a:r>
+            <a:endParaRPr lang="en-US" dirty="0"/>
+          </a:p>
+        </p:txBody>
+      </p:sp>
+      <p:sp>
+        <p:nvSpPr>
+          <p:cNvPr id="15" name="TextBox 14">
+            <a:extLst>
+              <a:ext uri="{FF2B5EF4-FFF2-40B4-BE49-F238E27FC236}">
+                <a16:creationId xmlns:a16="http://schemas.microsoft.com/office/drawing/2014/main" id="{C8C697C1-3B33-C697-65CC-7A9E74581EEA}"/>
+              </a:ext>
+            </a:extLst>
+          </p:cNvPr>
+          <p:cNvSpPr txBox="1"/>
+          <p:nvPr/>
+        </p:nvSpPr>
+        <p:spPr>
+          <a:xfrm>
+            <a:off x="4271451" y="3463036"/>
+            <a:ext cx="1213700" cy="369332"/>
+          </a:xfrm>
+          <a:prstGeom prst="rect">
+            <a:avLst/>
+          </a:prstGeom>
+          <a:noFill/>
+        </p:spPr>
+        <p:txBody>
+          <a:bodyPr wrap="square">
+            <a:spAutoFit/>
+          </a:bodyPr>
+          <a:lstStyle/>
+          <a:p>
+            <a:pPr algn="ctr"/>
+            <a:r>
+              <a:rPr lang="en-US" dirty="0" err="1"/>
+              <a:t>maplib.R</a:t>
+            </a:r>
+            <a:endParaRPr lang="en-US" dirty="0"/>
+          </a:p>
+        </p:txBody>
+      </p:sp>
+      <p:sp>
+        <p:nvSpPr>
+          <p:cNvPr id="16" name="TextBox 15">
+            <a:extLst>
+              <a:ext uri="{FF2B5EF4-FFF2-40B4-BE49-F238E27FC236}">
+                <a16:creationId xmlns:a16="http://schemas.microsoft.com/office/drawing/2014/main" id="{E669B46E-EB79-526A-0648-5D4F441BB334}"/>
+              </a:ext>
+            </a:extLst>
+          </p:cNvPr>
+          <p:cNvSpPr txBox="1"/>
+          <p:nvPr/>
+        </p:nvSpPr>
+        <p:spPr>
+          <a:xfrm>
+            <a:off x="4271451" y="4397770"/>
+            <a:ext cx="1213700" cy="369332"/>
+          </a:xfrm>
+          <a:prstGeom prst="rect">
+            <a:avLst/>
+          </a:prstGeom>
+          <a:noFill/>
+        </p:spPr>
+        <p:txBody>
+          <a:bodyPr wrap="square">
+            <a:spAutoFit/>
+          </a:bodyPr>
+          <a:lstStyle/>
+          <a:p>
+            <a:pPr algn="ctr"/>
+            <a:r>
+              <a:rPr lang="en-US" dirty="0" err="1"/>
+              <a:t>scnlib.R</a:t>
+            </a:r>
+            <a:endParaRPr lang="en-US" dirty="0"/>
+          </a:p>
+        </p:txBody>
+      </p:sp>
+      <p:cxnSp>
+        <p:nvCxnSpPr>
+          <p:cNvPr id="18" name="Straight Arrow Connector 17">
+            <a:extLst>
+              <a:ext uri="{FF2B5EF4-FFF2-40B4-BE49-F238E27FC236}">
+                <a16:creationId xmlns:a16="http://schemas.microsoft.com/office/drawing/2014/main" id="{DD407A00-3D7D-3B11-5614-2F214DCB2960}"/>
+              </a:ext>
+            </a:extLst>
+          </p:cNvPr>
+          <p:cNvCxnSpPr/>
+          <p:nvPr/>
+        </p:nvCxnSpPr>
+        <p:spPr>
+          <a:xfrm>
+            <a:off x="5043340" y="2226398"/>
+            <a:ext cx="0" cy="331597"/>
+          </a:xfrm>
+          <a:prstGeom prst="straightConnector1">
+            <a:avLst/>
+          </a:prstGeom>
+          <a:ln>
+            <a:tailEnd type="triangle"/>
+          </a:ln>
+        </p:spPr>
+        <p:style>
+          <a:lnRef idx="1">
+            <a:schemeClr val="accent1"/>
+          </a:lnRef>
+          <a:fillRef idx="0">
+            <a:schemeClr val="accent1"/>
+          </a:fillRef>
+          <a:effectRef idx="0">
+            <a:schemeClr val="accent1"/>
+          </a:effectRef>
+          <a:fontRef idx="minor">
+            <a:schemeClr val="tx1"/>
+          </a:fontRef>
+        </p:style>
+      </p:cxnSp>
+      <p:cxnSp>
+        <p:nvCxnSpPr>
+          <p:cNvPr id="19" name="Straight Arrow Connector 18">
+            <a:extLst>
+              <a:ext uri="{FF2B5EF4-FFF2-40B4-BE49-F238E27FC236}">
+                <a16:creationId xmlns:a16="http://schemas.microsoft.com/office/drawing/2014/main" id="{344DD648-E393-84EE-2E0E-B5993D9AB94B}"/>
+              </a:ext>
+            </a:extLst>
+          </p:cNvPr>
+          <p:cNvCxnSpPr>
+            <a:cxnSpLocks/>
+          </p:cNvCxnSpPr>
+          <p:nvPr/>
+        </p:nvCxnSpPr>
+        <p:spPr>
+          <a:xfrm flipV="1">
+            <a:off x="4807669" y="2226398"/>
+            <a:ext cx="0" cy="331597"/>
+          </a:xfrm>
+          <a:prstGeom prst="straightConnector1">
+            <a:avLst/>
+          </a:prstGeom>
+          <a:ln>
+            <a:tailEnd type="triangle"/>
+          </a:ln>
+        </p:spPr>
+        <p:style>
+          <a:lnRef idx="1">
+            <a:schemeClr val="accent1"/>
+          </a:lnRef>
+          <a:fillRef idx="0">
+            <a:schemeClr val="accent1"/>
+          </a:fillRef>
+          <a:effectRef idx="0">
+            <a:schemeClr val="accent1"/>
+          </a:effectRef>
+          <a:fontRef idx="minor">
+            <a:schemeClr val="tx1"/>
+          </a:fontRef>
+        </p:style>
+      </p:cxnSp>
+      <p:cxnSp>
+        <p:nvCxnSpPr>
+          <p:cNvPr id="22" name="Connector: Elbow 21">
+            <a:extLst>
+              <a:ext uri="{FF2B5EF4-FFF2-40B4-BE49-F238E27FC236}">
+                <a16:creationId xmlns:a16="http://schemas.microsoft.com/office/drawing/2014/main" id="{5271C7F1-8243-0EEB-1670-A56F9956C27F}"/>
+              </a:ext>
+            </a:extLst>
+          </p:cNvPr>
+          <p:cNvCxnSpPr>
+            <a:stCxn id="13" idx="1"/>
+            <a:endCxn id="15" idx="1"/>
+          </p:cNvCxnSpPr>
+          <p:nvPr/>
+        </p:nvCxnSpPr>
+        <p:spPr>
+          <a:xfrm rot="10800000" flipV="1">
+            <a:off x="4271452" y="2844716"/>
+            <a:ext cx="71287" cy="802985"/>
+          </a:xfrm>
+          <a:prstGeom prst="bentConnector3">
+            <a:avLst>
+              <a:gd name="adj1" fmla="val 420676"/>
+            </a:avLst>
+          </a:prstGeom>
+          <a:ln>
+            <a:tailEnd type="triangle"/>
+          </a:ln>
+        </p:spPr>
+        <p:style>
+          <a:lnRef idx="1">
+            <a:schemeClr val="accent1"/>
+          </a:lnRef>
+          <a:fillRef idx="0">
+            <a:schemeClr val="accent1"/>
+          </a:fillRef>
+          <a:effectRef idx="0">
+            <a:schemeClr val="accent1"/>
+          </a:effectRef>
+          <a:fontRef idx="minor">
+            <a:schemeClr val="tx1"/>
+          </a:fontRef>
+        </p:style>
+      </p:cxnSp>
+      <p:cxnSp>
+        <p:nvCxnSpPr>
+          <p:cNvPr id="24" name="Connector: Elbow 23">
+            <a:extLst>
+              <a:ext uri="{FF2B5EF4-FFF2-40B4-BE49-F238E27FC236}">
+                <a16:creationId xmlns:a16="http://schemas.microsoft.com/office/drawing/2014/main" id="{C9629C4B-255F-64F6-7CBB-330D4AA5B4F1}"/>
+              </a:ext>
+            </a:extLst>
+          </p:cNvPr>
+          <p:cNvCxnSpPr>
+            <a:stCxn id="13" idx="1"/>
+            <a:endCxn id="16" idx="1"/>
+          </p:cNvCxnSpPr>
+          <p:nvPr/>
+        </p:nvCxnSpPr>
+        <p:spPr>
+          <a:xfrm rot="10800000" flipV="1">
+            <a:off x="4271452" y="2844716"/>
+            <a:ext cx="71287" cy="1737719"/>
+          </a:xfrm>
+          <a:prstGeom prst="bentConnector3">
+            <a:avLst>
+              <a:gd name="adj1" fmla="val 420676"/>
+            </a:avLst>
+          </a:prstGeom>
+          <a:ln>
+            <a:tailEnd type="triangle"/>
+          </a:ln>
+        </p:spPr>
+        <p:style>
+          <a:lnRef idx="1">
+            <a:schemeClr val="accent1"/>
+          </a:lnRef>
+          <a:fillRef idx="0">
+            <a:schemeClr val="accent1"/>
+          </a:fillRef>
+          <a:effectRef idx="0">
+            <a:schemeClr val="accent1"/>
+          </a:effectRef>
+          <a:fontRef idx="minor">
+            <a:schemeClr val="tx1"/>
+          </a:fontRef>
+        </p:style>
+      </p:cxnSp>
+      <p:sp>
+        <p:nvSpPr>
+          <p:cNvPr id="26" name="TextBox 25">
+            <a:extLst>
+              <a:ext uri="{FF2B5EF4-FFF2-40B4-BE49-F238E27FC236}">
+                <a16:creationId xmlns:a16="http://schemas.microsoft.com/office/drawing/2014/main" id="{40AA0AD7-3DAA-04F2-4BEB-3B91D55A81F1}"/>
+              </a:ext>
+            </a:extLst>
+          </p:cNvPr>
+          <p:cNvSpPr txBox="1"/>
+          <p:nvPr/>
+        </p:nvSpPr>
+        <p:spPr>
+          <a:xfrm>
+            <a:off x="4271451" y="5527976"/>
+            <a:ext cx="1034591" cy="369332"/>
+          </a:xfrm>
+          <a:prstGeom prst="rect">
+            <a:avLst/>
+          </a:prstGeom>
+          <a:noFill/>
+        </p:spPr>
+        <p:txBody>
+          <a:bodyPr wrap="square">
+            <a:spAutoFit/>
+          </a:bodyPr>
+          <a:lstStyle/>
+          <a:p>
+            <a:pPr algn="ctr"/>
+            <a:r>
+              <a:rPr lang="en-US" dirty="0" err="1"/>
+              <a:t>utillib.R</a:t>
+            </a:r>
+            <a:endParaRPr lang="en-US" dirty="0"/>
+          </a:p>
+        </p:txBody>
+      </p:sp>
+      <p:cxnSp>
+        <p:nvCxnSpPr>
+          <p:cNvPr id="28" name="Connector: Elbow 27">
+            <a:extLst>
+              <a:ext uri="{FF2B5EF4-FFF2-40B4-BE49-F238E27FC236}">
+                <a16:creationId xmlns:a16="http://schemas.microsoft.com/office/drawing/2014/main" id="{740E6955-5123-7D2E-B4B4-7CBB5A0D61C5}"/>
+              </a:ext>
+            </a:extLst>
+          </p:cNvPr>
+          <p:cNvCxnSpPr>
+            <a:stCxn id="13" idx="1"/>
+            <a:endCxn id="26" idx="1"/>
+          </p:cNvCxnSpPr>
+          <p:nvPr/>
+        </p:nvCxnSpPr>
+        <p:spPr>
+          <a:xfrm rot="10800000" flipV="1">
+            <a:off x="4271452" y="2844716"/>
+            <a:ext cx="71287" cy="2867925"/>
+          </a:xfrm>
+          <a:prstGeom prst="bentConnector3">
+            <a:avLst>
+              <a:gd name="adj1" fmla="val 420676"/>
+            </a:avLst>
+          </a:prstGeom>
+          <a:ln>
+            <a:tailEnd type="triangle"/>
+          </a:ln>
+        </p:spPr>
+        <p:style>
+          <a:lnRef idx="1">
+            <a:schemeClr val="accent1"/>
+          </a:lnRef>
+          <a:fillRef idx="0">
+            <a:schemeClr val="accent1"/>
+          </a:fillRef>
+          <a:effectRef idx="0">
+            <a:schemeClr val="accent1"/>
+          </a:effectRef>
+          <a:fontRef idx="minor">
+            <a:schemeClr val="tx1"/>
+          </a:fontRef>
+        </p:style>
+      </p:cxnSp>
+      <p:sp>
+        <p:nvSpPr>
+          <p:cNvPr id="31" name="TextBox 30">
+            <a:extLst>
+              <a:ext uri="{FF2B5EF4-FFF2-40B4-BE49-F238E27FC236}">
+                <a16:creationId xmlns:a16="http://schemas.microsoft.com/office/drawing/2014/main" id="{E8DCBA10-79BF-C27D-ABCA-A658A52FE21B}"/>
+              </a:ext>
+            </a:extLst>
+          </p:cNvPr>
+          <p:cNvSpPr txBox="1"/>
+          <p:nvPr/>
+        </p:nvSpPr>
+        <p:spPr>
+          <a:xfrm>
+            <a:off x="2086592" y="4384472"/>
+            <a:ext cx="1013506" cy="369332"/>
+          </a:xfrm>
+          <a:prstGeom prst="rect">
+            <a:avLst/>
+          </a:prstGeom>
+          <a:noFill/>
+        </p:spPr>
+        <p:txBody>
+          <a:bodyPr wrap="square">
+            <a:spAutoFit/>
+          </a:bodyPr>
+          <a:lstStyle/>
+          <a:p>
+            <a:r>
+              <a:rPr lang="en-US" dirty="0" err="1"/>
+              <a:t>sctest.R</a:t>
+            </a:r>
+            <a:endParaRPr lang="en-US" dirty="0"/>
+          </a:p>
+        </p:txBody>
+      </p:sp>
+      <p:sp>
+        <p:nvSpPr>
+          <p:cNvPr id="36" name="TextBox 35">
+            <a:extLst>
+              <a:ext uri="{FF2B5EF4-FFF2-40B4-BE49-F238E27FC236}">
+                <a16:creationId xmlns:a16="http://schemas.microsoft.com/office/drawing/2014/main" id="{CE8B4E9B-7A00-2725-B796-14E69CEDB7FB}"/>
+              </a:ext>
+            </a:extLst>
+          </p:cNvPr>
+          <p:cNvSpPr txBox="1"/>
+          <p:nvPr/>
+        </p:nvSpPr>
+        <p:spPr>
+          <a:xfrm>
+            <a:off x="1621337" y="3425129"/>
+            <a:ext cx="1635160" cy="369332"/>
+          </a:xfrm>
+          <a:prstGeom prst="rect">
+            <a:avLst/>
+          </a:prstGeom>
+          <a:noFill/>
+        </p:spPr>
+        <p:txBody>
+          <a:bodyPr wrap="square">
+            <a:spAutoFit/>
+          </a:bodyPr>
+          <a:lstStyle/>
+          <a:p>
+            <a:r>
+              <a:rPr lang="en-US" dirty="0" err="1"/>
+              <a:t>mapviewtest.R</a:t>
+            </a:r>
+            <a:endParaRPr lang="en-US" dirty="0"/>
+          </a:p>
+        </p:txBody>
+      </p:sp>
     </p:spTree>
     <p:extLst>
       <p:ext uri="{BB962C8B-B14F-4D97-AF65-F5344CB8AC3E}">
-        <p14:creationId xmlns:p14="http://schemas.microsoft.com/office/powerpoint/2010/main" val="1443815165"/>
+        <p14:creationId xmlns:p14="http://schemas.microsoft.com/office/powerpoint/2010/main" val="3307650960"/>
       </p:ext>
     </p:extLst>
   </p:cSld>
@@ -6217,64 +7330,1374 @@
           <a:chExt cx="0" cy="0"/>
         </a:xfrm>
       </p:grpSpPr>
-      <p:sp>
-        <p:nvSpPr>
-          <p:cNvPr id="2" name="Title 1">
-            <a:extLst>
-              <a:ext uri="{FF2B5EF4-FFF2-40B4-BE49-F238E27FC236}">
-                <a16:creationId xmlns:a16="http://schemas.microsoft.com/office/drawing/2014/main" id="{CFFE712C-7E19-335B-A73B-9C1CD4DE821C}"/>
-              </a:ext>
-            </a:extLst>
-          </p:cNvPr>
-          <p:cNvSpPr>
-            <a:spLocks noGrp="1"/>
-          </p:cNvSpPr>
-          <p:nvPr>
-            <p:ph type="ctrTitle"/>
-          </p:nvPr>
-        </p:nvSpPr>
-        <p:spPr/>
-        <p:txBody>
-          <a:bodyPr/>
-          <a:lstStyle/>
-          <a:p>
+      <p:pic>
+        <p:nvPicPr>
+          <p:cNvPr id="3" name="Picture 2">
+            <a:extLst>
+              <a:ext uri="{FF2B5EF4-FFF2-40B4-BE49-F238E27FC236}">
+                <a16:creationId xmlns:a16="http://schemas.microsoft.com/office/drawing/2014/main" id="{067DC50F-F545-6E11-D573-5841D30A32D3}"/>
+              </a:ext>
+            </a:extLst>
+          </p:cNvPr>
+          <p:cNvPicPr>
+            <a:picLocks noChangeAspect="1"/>
+          </p:cNvPicPr>
+          <p:nvPr/>
+        </p:nvPicPr>
+        <p:blipFill>
+          <a:blip r:embed="rId2"/>
+          <a:stretch>
+            <a:fillRect/>
+          </a:stretch>
+        </p:blipFill>
+        <p:spPr>
+          <a:xfrm>
+            <a:off x="1410524" y="0"/>
+            <a:ext cx="8214750" cy="6858000"/>
+          </a:xfrm>
+          <a:prstGeom prst="rect">
+            <a:avLst/>
+          </a:prstGeom>
+        </p:spPr>
+      </p:pic>
+      <p:cxnSp>
+        <p:nvCxnSpPr>
+          <p:cNvPr id="5" name="Straight Arrow Connector 4">
+            <a:extLst>
+              <a:ext uri="{FF2B5EF4-FFF2-40B4-BE49-F238E27FC236}">
+                <a16:creationId xmlns:a16="http://schemas.microsoft.com/office/drawing/2014/main" id="{F56F276E-2FFA-DD11-6AF5-C9F44E153355}"/>
+              </a:ext>
+            </a:extLst>
+          </p:cNvPr>
+          <p:cNvCxnSpPr/>
+          <p:nvPr/>
+        </p:nvCxnSpPr>
+        <p:spPr>
+          <a:xfrm>
+            <a:off x="949041" y="1187777"/>
+            <a:ext cx="357788" cy="0"/>
+          </a:xfrm>
+          <a:prstGeom prst="straightConnector1">
+            <a:avLst/>
+          </a:prstGeom>
+          <a:ln>
+            <a:tailEnd type="triangle"/>
+          </a:ln>
+        </p:spPr>
+        <p:style>
+          <a:lnRef idx="1">
+            <a:schemeClr val="dk1"/>
+          </a:lnRef>
+          <a:fillRef idx="0">
+            <a:schemeClr val="dk1"/>
+          </a:fillRef>
+          <a:effectRef idx="0">
+            <a:schemeClr val="dk1"/>
+          </a:effectRef>
+          <a:fontRef idx="minor">
+            <a:schemeClr val="tx1"/>
+          </a:fontRef>
+        </p:style>
+      </p:cxnSp>
+      <p:sp>
+        <p:nvSpPr>
+          <p:cNvPr id="7" name="TextBox 6">
+            <a:extLst>
+              <a:ext uri="{FF2B5EF4-FFF2-40B4-BE49-F238E27FC236}">
+                <a16:creationId xmlns:a16="http://schemas.microsoft.com/office/drawing/2014/main" id="{026E458C-BA1A-ADD6-C196-0CB022289032}"/>
+              </a:ext>
+            </a:extLst>
+          </p:cNvPr>
+          <p:cNvSpPr txBox="1"/>
+          <p:nvPr/>
+        </p:nvSpPr>
+        <p:spPr>
+          <a:xfrm>
+            <a:off x="50237" y="333807"/>
+            <a:ext cx="1297796" cy="369332"/>
+          </a:xfrm>
+          <a:prstGeom prst="rect">
+            <a:avLst/>
+          </a:prstGeom>
+          <a:noFill/>
+        </p:spPr>
+        <p:txBody>
+          <a:bodyPr wrap="square">
+            <a:spAutoFit/>
+          </a:bodyPr>
+          <a:lstStyle/>
+          <a:p>
+            <a:r>
+              <a:rPr lang="en-US" dirty="0" err="1"/>
+              <a:t>navbarPage</a:t>
+            </a:r>
+            <a:endParaRPr lang="en-US" dirty="0"/>
+          </a:p>
+        </p:txBody>
+      </p:sp>
+      <p:sp>
+        <p:nvSpPr>
+          <p:cNvPr id="8" name="TextBox 7">
+            <a:extLst>
+              <a:ext uri="{FF2B5EF4-FFF2-40B4-BE49-F238E27FC236}">
+                <a16:creationId xmlns:a16="http://schemas.microsoft.com/office/drawing/2014/main" id="{0F7C6071-CB65-F3F2-DE73-EE1ACF0BE292}"/>
+              </a:ext>
+            </a:extLst>
+          </p:cNvPr>
+          <p:cNvSpPr txBox="1"/>
+          <p:nvPr/>
+        </p:nvSpPr>
+        <p:spPr>
+          <a:xfrm>
+            <a:off x="-15280" y="960092"/>
+            <a:ext cx="1072299" cy="369332"/>
+          </a:xfrm>
+          <a:prstGeom prst="rect">
+            <a:avLst/>
+          </a:prstGeom>
+          <a:noFill/>
+        </p:spPr>
+        <p:txBody>
+          <a:bodyPr wrap="square">
+            <a:spAutoFit/>
+          </a:bodyPr>
+          <a:lstStyle/>
+          <a:p>
+            <a:r>
+              <a:rPr lang="en-US" dirty="0" err="1"/>
+              <a:t>tabpanel</a:t>
+            </a:r>
+            <a:endParaRPr lang="en-US" dirty="0"/>
+          </a:p>
+        </p:txBody>
+      </p:sp>
+      <p:sp>
+        <p:nvSpPr>
+          <p:cNvPr id="9" name="TextBox 8">
+            <a:extLst>
+              <a:ext uri="{FF2B5EF4-FFF2-40B4-BE49-F238E27FC236}">
+                <a16:creationId xmlns:a16="http://schemas.microsoft.com/office/drawing/2014/main" id="{956429F6-5E4E-88B8-98E1-EF5089E144F5}"/>
+              </a:ext>
+            </a:extLst>
+          </p:cNvPr>
+          <p:cNvSpPr txBox="1"/>
+          <p:nvPr/>
+        </p:nvSpPr>
+        <p:spPr>
+          <a:xfrm>
+            <a:off x="50237" y="1559293"/>
+            <a:ext cx="770641" cy="369332"/>
+          </a:xfrm>
+          <a:prstGeom prst="rect">
+            <a:avLst/>
+          </a:prstGeom>
+          <a:noFill/>
+        </p:spPr>
+        <p:txBody>
+          <a:bodyPr wrap="square">
+            <a:spAutoFit/>
+          </a:bodyPr>
+          <a:lstStyle/>
+          <a:p>
+            <a:r>
+              <a:rPr lang="en-US" dirty="0"/>
+              <a:t>tabs</a:t>
+            </a:r>
+          </a:p>
+        </p:txBody>
+      </p:sp>
+      <p:cxnSp>
+        <p:nvCxnSpPr>
+          <p:cNvPr id="11" name="Straight Arrow Connector 10">
+            <a:extLst>
+              <a:ext uri="{FF2B5EF4-FFF2-40B4-BE49-F238E27FC236}">
+                <a16:creationId xmlns:a16="http://schemas.microsoft.com/office/drawing/2014/main" id="{30883794-BF04-2305-A86F-B0692B61B58C}"/>
+              </a:ext>
+            </a:extLst>
+          </p:cNvPr>
+          <p:cNvCxnSpPr/>
+          <p:nvPr/>
+        </p:nvCxnSpPr>
+        <p:spPr>
+          <a:xfrm>
+            <a:off x="949041" y="1725104"/>
+            <a:ext cx="357788" cy="0"/>
+          </a:xfrm>
+          <a:prstGeom prst="straightConnector1">
+            <a:avLst/>
+          </a:prstGeom>
+          <a:ln>
+            <a:tailEnd type="triangle"/>
+          </a:ln>
+        </p:spPr>
+        <p:style>
+          <a:lnRef idx="1">
+            <a:schemeClr val="dk1"/>
+          </a:lnRef>
+          <a:fillRef idx="0">
+            <a:schemeClr val="dk1"/>
+          </a:fillRef>
+          <a:effectRef idx="0">
+            <a:schemeClr val="dk1"/>
+          </a:effectRef>
+          <a:fontRef idx="minor">
+            <a:schemeClr val="tx1"/>
+          </a:fontRef>
+        </p:style>
+      </p:cxnSp>
+      <p:sp>
+        <p:nvSpPr>
+          <p:cNvPr id="12" name="TextBox 11">
+            <a:extLst>
+              <a:ext uri="{FF2B5EF4-FFF2-40B4-BE49-F238E27FC236}">
+                <a16:creationId xmlns:a16="http://schemas.microsoft.com/office/drawing/2014/main" id="{95AE04F9-CD3F-5E38-BF9A-3EC4EAF944C3}"/>
+              </a:ext>
+            </a:extLst>
+          </p:cNvPr>
+          <p:cNvSpPr txBox="1"/>
+          <p:nvPr/>
+        </p:nvSpPr>
+        <p:spPr>
+          <a:xfrm>
+            <a:off x="1994556" y="818445"/>
+            <a:ext cx="314510" cy="369332"/>
+          </a:xfrm>
+          <a:prstGeom prst="rect">
+            <a:avLst/>
+          </a:prstGeom>
+          <a:noFill/>
+        </p:spPr>
+        <p:txBody>
+          <a:bodyPr wrap="none" rtlCol="0">
+            <a:spAutoFit/>
+          </a:bodyPr>
+          <a:lstStyle/>
+          <a:p>
+            <a:r>
+              <a:rPr lang="he-IL" dirty="0"/>
+              <a:t>א</a:t>
+            </a:r>
+            <a:endParaRPr lang="en-US" dirty="0"/>
+          </a:p>
+        </p:txBody>
+      </p:sp>
+      <p:sp>
+        <p:nvSpPr>
+          <p:cNvPr id="13" name="TextBox 12">
+            <a:extLst>
+              <a:ext uri="{FF2B5EF4-FFF2-40B4-BE49-F238E27FC236}">
+                <a16:creationId xmlns:a16="http://schemas.microsoft.com/office/drawing/2014/main" id="{6A69D6BE-EF62-CDBF-FFB2-3E1161009FE8}"/>
+              </a:ext>
+            </a:extLst>
+          </p:cNvPr>
+          <p:cNvSpPr txBox="1"/>
+          <p:nvPr/>
+        </p:nvSpPr>
+        <p:spPr>
+          <a:xfrm>
+            <a:off x="2578588" y="818445"/>
+            <a:ext cx="314510" cy="369332"/>
+          </a:xfrm>
+          <a:prstGeom prst="rect">
+            <a:avLst/>
+          </a:prstGeom>
+          <a:noFill/>
+        </p:spPr>
+        <p:txBody>
+          <a:bodyPr wrap="none" rtlCol="0">
+            <a:spAutoFit/>
+          </a:bodyPr>
+          <a:lstStyle/>
+          <a:p>
+            <a:r>
+              <a:rPr lang="he-IL" dirty="0"/>
+              <a:t>ב</a:t>
+            </a:r>
+            <a:endParaRPr lang="en-US" dirty="0"/>
+          </a:p>
+        </p:txBody>
+      </p:sp>
+      <p:sp>
+        <p:nvSpPr>
+          <p:cNvPr id="14" name="TextBox 13">
+            <a:extLst>
+              <a:ext uri="{FF2B5EF4-FFF2-40B4-BE49-F238E27FC236}">
+                <a16:creationId xmlns:a16="http://schemas.microsoft.com/office/drawing/2014/main" id="{84AA9F1E-B6BC-7072-3F8D-EA2096C03323}"/>
+              </a:ext>
+            </a:extLst>
+          </p:cNvPr>
+          <p:cNvSpPr txBox="1"/>
+          <p:nvPr/>
+        </p:nvSpPr>
+        <p:spPr>
+          <a:xfrm>
+            <a:off x="3162620" y="818445"/>
+            <a:ext cx="276038" cy="369332"/>
+          </a:xfrm>
+          <a:prstGeom prst="rect">
+            <a:avLst/>
+          </a:prstGeom>
+          <a:noFill/>
+        </p:spPr>
+        <p:txBody>
+          <a:bodyPr wrap="none" rtlCol="0">
+            <a:spAutoFit/>
+          </a:bodyPr>
+          <a:lstStyle/>
+          <a:p>
+            <a:r>
+              <a:rPr lang="he-IL" dirty="0"/>
+              <a:t>ג</a:t>
+            </a:r>
+            <a:endParaRPr lang="en-US" dirty="0"/>
+          </a:p>
+        </p:txBody>
+      </p:sp>
+      <p:cxnSp>
+        <p:nvCxnSpPr>
+          <p:cNvPr id="17" name="Straight Arrow Connector 16">
+            <a:extLst>
+              <a:ext uri="{FF2B5EF4-FFF2-40B4-BE49-F238E27FC236}">
+                <a16:creationId xmlns:a16="http://schemas.microsoft.com/office/drawing/2014/main" id="{F53F89AB-5F8E-1775-D2C8-E8BC85DA2880}"/>
+              </a:ext>
+            </a:extLst>
+          </p:cNvPr>
+          <p:cNvCxnSpPr/>
+          <p:nvPr/>
+        </p:nvCxnSpPr>
+        <p:spPr>
+          <a:xfrm flipH="1">
+            <a:off x="7849462" y="2130458"/>
+            <a:ext cx="348792" cy="150829"/>
+          </a:xfrm>
+          <a:prstGeom prst="straightConnector1">
+            <a:avLst/>
+          </a:prstGeom>
+          <a:ln>
+            <a:tailEnd type="triangle"/>
+          </a:ln>
+        </p:spPr>
+        <p:style>
+          <a:lnRef idx="1">
+            <a:schemeClr val="accent2"/>
+          </a:lnRef>
+          <a:fillRef idx="0">
+            <a:schemeClr val="accent2"/>
+          </a:fillRef>
+          <a:effectRef idx="0">
+            <a:schemeClr val="accent2"/>
+          </a:effectRef>
+          <a:fontRef idx="minor">
+            <a:schemeClr val="tx1"/>
+          </a:fontRef>
+        </p:style>
+      </p:cxnSp>
+      <p:cxnSp>
+        <p:nvCxnSpPr>
+          <p:cNvPr id="18" name="Straight Arrow Connector 17">
+            <a:extLst>
+              <a:ext uri="{FF2B5EF4-FFF2-40B4-BE49-F238E27FC236}">
+                <a16:creationId xmlns:a16="http://schemas.microsoft.com/office/drawing/2014/main" id="{AD56CC2B-2B2F-CFBA-80C3-61016C7D50BB}"/>
+              </a:ext>
+            </a:extLst>
+          </p:cNvPr>
+          <p:cNvCxnSpPr/>
+          <p:nvPr/>
+        </p:nvCxnSpPr>
+        <p:spPr>
+          <a:xfrm flipH="1">
+            <a:off x="7675066" y="2837468"/>
+            <a:ext cx="348792" cy="150829"/>
+          </a:xfrm>
+          <a:prstGeom prst="straightConnector1">
+            <a:avLst/>
+          </a:prstGeom>
+          <a:ln>
+            <a:tailEnd type="triangle"/>
+          </a:ln>
+        </p:spPr>
+        <p:style>
+          <a:lnRef idx="1">
+            <a:schemeClr val="accent2"/>
+          </a:lnRef>
+          <a:fillRef idx="0">
+            <a:schemeClr val="accent2"/>
+          </a:fillRef>
+          <a:effectRef idx="0">
+            <a:schemeClr val="accent2"/>
+          </a:effectRef>
+          <a:fontRef idx="minor">
+            <a:schemeClr val="tx1"/>
+          </a:fontRef>
+        </p:style>
+      </p:cxnSp>
+      <p:sp>
+        <p:nvSpPr>
+          <p:cNvPr id="19" name="TextBox 18">
+            <a:extLst>
+              <a:ext uri="{FF2B5EF4-FFF2-40B4-BE49-F238E27FC236}">
+                <a16:creationId xmlns:a16="http://schemas.microsoft.com/office/drawing/2014/main" id="{BF21C865-24BC-8FB9-16DE-CD1648A2AE85}"/>
+              </a:ext>
+            </a:extLst>
+          </p:cNvPr>
+          <p:cNvSpPr txBox="1"/>
+          <p:nvPr/>
+        </p:nvSpPr>
+        <p:spPr>
+          <a:xfrm>
+            <a:off x="10042491" y="267398"/>
+            <a:ext cx="1477969" cy="369332"/>
+          </a:xfrm>
+          <a:prstGeom prst="rect">
+            <a:avLst/>
+          </a:prstGeom>
+          <a:noFill/>
+        </p:spPr>
+        <p:txBody>
+          <a:bodyPr wrap="none" rtlCol="0">
+            <a:spAutoFit/>
+          </a:bodyPr>
+          <a:lstStyle/>
+          <a:p>
+            <a:r>
+              <a:rPr lang="en-US" dirty="0" err="1"/>
+              <a:t>cfg$scenarios</a:t>
+            </a:r>
+            <a:endParaRPr lang="en-US" dirty="0"/>
+          </a:p>
+        </p:txBody>
+      </p:sp>
+      <p:sp>
+        <p:nvSpPr>
+          <p:cNvPr id="21" name="TextBox 20">
+            <a:extLst>
+              <a:ext uri="{FF2B5EF4-FFF2-40B4-BE49-F238E27FC236}">
+                <a16:creationId xmlns:a16="http://schemas.microsoft.com/office/drawing/2014/main" id="{2E2F7325-AA87-9DD0-F324-164CD1BCCAC8}"/>
+              </a:ext>
+            </a:extLst>
+          </p:cNvPr>
+          <p:cNvSpPr txBox="1"/>
+          <p:nvPr/>
+        </p:nvSpPr>
+        <p:spPr>
+          <a:xfrm>
+            <a:off x="6722627" y="2446372"/>
+            <a:ext cx="1242715" cy="276999"/>
+          </a:xfrm>
+          <a:prstGeom prst="rect">
+            <a:avLst/>
+          </a:prstGeom>
+          <a:noFill/>
+        </p:spPr>
+        <p:txBody>
+          <a:bodyPr wrap="square">
+            <a:spAutoFit/>
+          </a:bodyPr>
+          <a:lstStyle>
+            <a:defPPr>
+              <a:defRPr lang="en-US"/>
+            </a:defPPr>
+            <a:lvl1pPr algn="ctr">
+              <a:defRPr sz="1200">
+                <a:highlight>
+                  <a:srgbClr val="FFFF00"/>
+                </a:highlight>
+              </a:defRPr>
+            </a:lvl1pPr>
+          </a:lstStyle>
+          <a:p>
+            <a:r>
+              <a:rPr lang="en-US" dirty="0" err="1">
+                <a:highlight>
+                  <a:srgbClr val="00FFFF"/>
+                </a:highlight>
+              </a:rPr>
+              <a:t>cfg$scnsources</a:t>
+            </a:r>
+            <a:endParaRPr lang="en-US" dirty="0">
+              <a:highlight>
+                <a:srgbClr val="00FFFF"/>
+              </a:highlight>
+            </a:endParaRPr>
+          </a:p>
+        </p:txBody>
+      </p:sp>
+      <p:sp>
+        <p:nvSpPr>
+          <p:cNvPr id="23" name="TextBox 22">
+            <a:extLst>
+              <a:ext uri="{FF2B5EF4-FFF2-40B4-BE49-F238E27FC236}">
+                <a16:creationId xmlns:a16="http://schemas.microsoft.com/office/drawing/2014/main" id="{956ADE46-6B66-B10D-63D1-86D6EF1523C0}"/>
+              </a:ext>
+            </a:extLst>
+          </p:cNvPr>
+          <p:cNvSpPr txBox="1"/>
+          <p:nvPr/>
+        </p:nvSpPr>
+        <p:spPr>
+          <a:xfrm>
+            <a:off x="8382559" y="2428006"/>
+            <a:ext cx="1242715" cy="276999"/>
+          </a:xfrm>
+          <a:prstGeom prst="rect">
+            <a:avLst/>
+          </a:prstGeom>
+          <a:noFill/>
+        </p:spPr>
+        <p:txBody>
+          <a:bodyPr wrap="square">
+            <a:spAutoFit/>
+          </a:bodyPr>
+          <a:lstStyle/>
+          <a:p>
+            <a:pPr algn="ctr"/>
+            <a:r>
+              <a:rPr lang="en-US" sz="1200" dirty="0" err="1">
+                <a:highlight>
+                  <a:srgbClr val="FFFF00"/>
+                </a:highlight>
+              </a:rPr>
+              <a:t>input$selectSrc</a:t>
+            </a:r>
+            <a:endParaRPr lang="en-US" sz="1200" dirty="0">
+              <a:highlight>
+                <a:srgbClr val="FFFF00"/>
+              </a:highlight>
+            </a:endParaRPr>
+          </a:p>
+        </p:txBody>
+      </p:sp>
+      <p:cxnSp>
+        <p:nvCxnSpPr>
+          <p:cNvPr id="27" name="Straight Arrow Connector 26">
+            <a:extLst>
+              <a:ext uri="{FF2B5EF4-FFF2-40B4-BE49-F238E27FC236}">
+                <a16:creationId xmlns:a16="http://schemas.microsoft.com/office/drawing/2014/main" id="{C3BC1A83-E5DA-5AEB-9C82-CB5F3FCFDE9B}"/>
+              </a:ext>
+            </a:extLst>
+          </p:cNvPr>
+          <p:cNvCxnSpPr>
+            <a:stCxn id="23" idx="3"/>
+          </p:cNvCxnSpPr>
+          <p:nvPr/>
+        </p:nvCxnSpPr>
+        <p:spPr>
+          <a:xfrm flipV="1">
+            <a:off x="9625274" y="2566505"/>
+            <a:ext cx="508540" cy="1"/>
+          </a:xfrm>
+          <a:prstGeom prst="straightConnector1">
+            <a:avLst/>
+          </a:prstGeom>
+          <a:ln>
+            <a:tailEnd type="triangle"/>
+          </a:ln>
+        </p:spPr>
+        <p:style>
+          <a:lnRef idx="1">
+            <a:schemeClr val="accent1"/>
+          </a:lnRef>
+          <a:fillRef idx="0">
+            <a:schemeClr val="accent1"/>
+          </a:fillRef>
+          <a:effectRef idx="0">
+            <a:schemeClr val="accent1"/>
+          </a:effectRef>
+          <a:fontRef idx="minor">
+            <a:schemeClr val="tx1"/>
+          </a:fontRef>
+        </p:style>
+      </p:cxnSp>
+      <p:sp>
+        <p:nvSpPr>
+          <p:cNvPr id="29" name="TextBox 28">
+            <a:extLst>
+              <a:ext uri="{FF2B5EF4-FFF2-40B4-BE49-F238E27FC236}">
+                <a16:creationId xmlns:a16="http://schemas.microsoft.com/office/drawing/2014/main" id="{26678043-B23B-82A4-2406-D77A39B2A0EB}"/>
+              </a:ext>
+            </a:extLst>
+          </p:cNvPr>
+          <p:cNvSpPr txBox="1"/>
+          <p:nvPr/>
+        </p:nvSpPr>
+        <p:spPr>
+          <a:xfrm>
+            <a:off x="10297787" y="2335673"/>
+            <a:ext cx="1140404" cy="369332"/>
+          </a:xfrm>
+          <a:prstGeom prst="rect">
+            <a:avLst/>
+          </a:prstGeom>
+          <a:noFill/>
+        </p:spPr>
+        <p:txBody>
+          <a:bodyPr wrap="square">
+            <a:spAutoFit/>
+          </a:bodyPr>
+          <a:lstStyle/>
+          <a:p>
+            <a:r>
+              <a:rPr lang="en-US" dirty="0" err="1"/>
+              <a:t>currentsrc</a:t>
+            </a:r>
+            <a:endParaRPr lang="en-US" dirty="0"/>
+          </a:p>
+        </p:txBody>
+      </p:sp>
+      <p:sp>
+        <p:nvSpPr>
+          <p:cNvPr id="31" name="TextBox 30">
+            <a:extLst>
+              <a:ext uri="{FF2B5EF4-FFF2-40B4-BE49-F238E27FC236}">
+                <a16:creationId xmlns:a16="http://schemas.microsoft.com/office/drawing/2014/main" id="{1623C78F-31CF-3ECC-E15F-51266B3C528A}"/>
+              </a:ext>
+            </a:extLst>
+          </p:cNvPr>
+          <p:cNvSpPr txBox="1"/>
+          <p:nvPr/>
+        </p:nvSpPr>
+        <p:spPr>
+          <a:xfrm>
+            <a:off x="6661243" y="3120759"/>
+            <a:ext cx="1242715" cy="276999"/>
+          </a:xfrm>
+          <a:prstGeom prst="rect">
+            <a:avLst/>
+          </a:prstGeom>
+          <a:noFill/>
+        </p:spPr>
+        <p:txBody>
+          <a:bodyPr wrap="square">
+            <a:spAutoFit/>
+          </a:bodyPr>
+          <a:lstStyle>
+            <a:defPPr>
+              <a:defRPr lang="en-US"/>
+            </a:defPPr>
+            <a:lvl1pPr algn="ctr">
+              <a:defRPr sz="1200">
+                <a:highlight>
+                  <a:srgbClr val="00FFFF"/>
+                </a:highlight>
+              </a:defRPr>
+            </a:lvl1pPr>
+          </a:lstStyle>
+          <a:p>
+            <a:r>
+              <a:rPr lang="en-US" dirty="0" err="1"/>
+              <a:t>cfg$scnchoices</a:t>
+            </a:r>
+            <a:endParaRPr lang="en-US" dirty="0"/>
+          </a:p>
+        </p:txBody>
+      </p:sp>
+      <p:sp>
+        <p:nvSpPr>
+          <p:cNvPr id="33" name="TextBox 32">
+            <a:extLst>
+              <a:ext uri="{FF2B5EF4-FFF2-40B4-BE49-F238E27FC236}">
+                <a16:creationId xmlns:a16="http://schemas.microsoft.com/office/drawing/2014/main" id="{7D72F484-F877-0F84-BBD8-8698156C55FF}"/>
+              </a:ext>
+            </a:extLst>
+          </p:cNvPr>
+          <p:cNvSpPr txBox="1"/>
+          <p:nvPr/>
+        </p:nvSpPr>
+        <p:spPr>
+          <a:xfrm>
+            <a:off x="8314391" y="3118823"/>
+            <a:ext cx="1562492" cy="276999"/>
+          </a:xfrm>
+          <a:prstGeom prst="rect">
+            <a:avLst/>
+          </a:prstGeom>
+          <a:noFill/>
+        </p:spPr>
+        <p:txBody>
+          <a:bodyPr wrap="square">
+            <a:spAutoFit/>
+          </a:bodyPr>
+          <a:lstStyle>
+            <a:defPPr>
+              <a:defRPr lang="en-US"/>
+            </a:defPPr>
+            <a:lvl1pPr algn="ctr">
+              <a:defRPr sz="1200">
+                <a:highlight>
+                  <a:srgbClr val="FFFF00"/>
+                </a:highlight>
+              </a:defRPr>
+            </a:lvl1pPr>
+          </a:lstStyle>
+          <a:p>
+            <a:r>
+              <a:rPr lang="en-US" dirty="0" err="1"/>
+              <a:t>input$selectScn</a:t>
+            </a:r>
+            <a:endParaRPr lang="en-US" dirty="0"/>
+          </a:p>
+        </p:txBody>
+      </p:sp>
+      <p:sp>
+        <p:nvSpPr>
+          <p:cNvPr id="35" name="TextBox 34">
+            <a:extLst>
+              <a:ext uri="{FF2B5EF4-FFF2-40B4-BE49-F238E27FC236}">
+                <a16:creationId xmlns:a16="http://schemas.microsoft.com/office/drawing/2014/main" id="{203B9F0C-EC95-7ACA-4D99-3C355B02896B}"/>
+              </a:ext>
+            </a:extLst>
+          </p:cNvPr>
+          <p:cNvSpPr txBox="1"/>
+          <p:nvPr/>
+        </p:nvSpPr>
+        <p:spPr>
+          <a:xfrm>
+            <a:off x="10297787" y="3026490"/>
+            <a:ext cx="1355103" cy="369332"/>
+          </a:xfrm>
+          <a:prstGeom prst="rect">
+            <a:avLst/>
+          </a:prstGeom>
+          <a:noFill/>
+        </p:spPr>
+        <p:txBody>
+          <a:bodyPr wrap="square">
+            <a:spAutoFit/>
+          </a:bodyPr>
+          <a:lstStyle/>
+          <a:p>
+            <a:r>
+              <a:rPr lang="en-US" dirty="0" err="1"/>
+              <a:t>currentscn</a:t>
+            </a:r>
+            <a:endParaRPr lang="en-US" dirty="0"/>
+          </a:p>
+        </p:txBody>
+      </p:sp>
+      <p:cxnSp>
+        <p:nvCxnSpPr>
+          <p:cNvPr id="36" name="Straight Arrow Connector 35">
+            <a:extLst>
+              <a:ext uri="{FF2B5EF4-FFF2-40B4-BE49-F238E27FC236}">
+                <a16:creationId xmlns:a16="http://schemas.microsoft.com/office/drawing/2014/main" id="{1ECFFC68-637D-4542-962C-55C5E32BBD0A}"/>
+              </a:ext>
+            </a:extLst>
+          </p:cNvPr>
+          <p:cNvCxnSpPr/>
+          <p:nvPr/>
+        </p:nvCxnSpPr>
+        <p:spPr>
+          <a:xfrm flipV="1">
+            <a:off x="9658992" y="3257321"/>
+            <a:ext cx="508540" cy="1"/>
+          </a:xfrm>
+          <a:prstGeom prst="straightConnector1">
+            <a:avLst/>
+          </a:prstGeom>
+          <a:ln>
+            <a:tailEnd type="triangle"/>
+          </a:ln>
+        </p:spPr>
+        <p:style>
+          <a:lnRef idx="1">
+            <a:schemeClr val="accent1"/>
+          </a:lnRef>
+          <a:fillRef idx="0">
+            <a:schemeClr val="accent1"/>
+          </a:fillRef>
+          <a:effectRef idx="0">
+            <a:schemeClr val="accent1"/>
+          </a:effectRef>
+          <a:fontRef idx="minor">
+            <a:schemeClr val="tx1"/>
+          </a:fontRef>
+        </p:style>
+      </p:cxnSp>
+      <p:sp>
+        <p:nvSpPr>
+          <p:cNvPr id="37" name="TextBox 36">
+            <a:extLst>
+              <a:ext uri="{FF2B5EF4-FFF2-40B4-BE49-F238E27FC236}">
+                <a16:creationId xmlns:a16="http://schemas.microsoft.com/office/drawing/2014/main" id="{28236D96-ED4C-B796-3477-651071014F74}"/>
+              </a:ext>
+            </a:extLst>
+          </p:cNvPr>
+          <p:cNvSpPr txBox="1"/>
+          <p:nvPr/>
+        </p:nvSpPr>
+        <p:spPr>
+          <a:xfrm>
+            <a:off x="10042491" y="683089"/>
+            <a:ext cx="874598" cy="369332"/>
+          </a:xfrm>
+          <a:prstGeom prst="rect">
+            <a:avLst/>
+          </a:prstGeom>
+          <a:noFill/>
+        </p:spPr>
+        <p:txBody>
+          <a:bodyPr wrap="none" rtlCol="0">
+            <a:spAutoFit/>
+          </a:bodyPr>
+          <a:lstStyle/>
+          <a:p>
+            <a:r>
+              <a:rPr lang="en-US" dirty="0"/>
+              <a:t>List(12)</a:t>
+            </a:r>
+          </a:p>
+        </p:txBody>
+      </p:sp>
+      <p:cxnSp>
+        <p:nvCxnSpPr>
+          <p:cNvPr id="39" name="Straight Arrow Connector 38">
+            <a:extLst>
+              <a:ext uri="{FF2B5EF4-FFF2-40B4-BE49-F238E27FC236}">
+                <a16:creationId xmlns:a16="http://schemas.microsoft.com/office/drawing/2014/main" id="{79BF8896-98BB-E67A-3956-D2160CA5AB10}"/>
+              </a:ext>
+            </a:extLst>
+          </p:cNvPr>
+          <p:cNvCxnSpPr>
+            <a:endCxn id="37" idx="3"/>
+          </p:cNvCxnSpPr>
+          <p:nvPr/>
+        </p:nvCxnSpPr>
+        <p:spPr>
+          <a:xfrm flipH="1">
+            <a:off x="10917089" y="867755"/>
+            <a:ext cx="178259" cy="0"/>
+          </a:xfrm>
+          <a:prstGeom prst="straightConnector1">
+            <a:avLst/>
+          </a:prstGeom>
+          <a:ln>
+            <a:tailEnd type="triangle"/>
+          </a:ln>
+        </p:spPr>
+        <p:style>
+          <a:lnRef idx="1">
+            <a:schemeClr val="accent1"/>
+          </a:lnRef>
+          <a:fillRef idx="0">
+            <a:schemeClr val="accent1"/>
+          </a:fillRef>
+          <a:effectRef idx="0">
+            <a:schemeClr val="accent1"/>
+          </a:effectRef>
+          <a:fontRef idx="minor">
+            <a:schemeClr val="tx1"/>
+          </a:fontRef>
+        </p:style>
+      </p:cxnSp>
+      <p:cxnSp>
+        <p:nvCxnSpPr>
+          <p:cNvPr id="40" name="Straight Arrow Connector 39">
+            <a:extLst>
+              <a:ext uri="{FF2B5EF4-FFF2-40B4-BE49-F238E27FC236}">
+                <a16:creationId xmlns:a16="http://schemas.microsoft.com/office/drawing/2014/main" id="{5BC27A05-3844-C875-37FD-54A22BFBDD1A}"/>
+              </a:ext>
+            </a:extLst>
+          </p:cNvPr>
+          <p:cNvCxnSpPr/>
+          <p:nvPr/>
+        </p:nvCxnSpPr>
+        <p:spPr>
+          <a:xfrm flipH="1">
+            <a:off x="8293429" y="3257321"/>
+            <a:ext cx="178259" cy="0"/>
+          </a:xfrm>
+          <a:prstGeom prst="straightConnector1">
+            <a:avLst/>
+          </a:prstGeom>
+          <a:ln>
+            <a:tailEnd type="triangle"/>
+          </a:ln>
+        </p:spPr>
+        <p:style>
+          <a:lnRef idx="1">
+            <a:schemeClr val="accent1"/>
+          </a:lnRef>
+          <a:fillRef idx="0">
+            <a:schemeClr val="accent1"/>
+          </a:fillRef>
+          <a:effectRef idx="0">
+            <a:schemeClr val="accent1"/>
+          </a:effectRef>
+          <a:fontRef idx="minor">
+            <a:schemeClr val="tx1"/>
+          </a:fontRef>
+        </p:style>
+      </p:cxnSp>
+      <p:sp>
+        <p:nvSpPr>
+          <p:cNvPr id="44" name="Rectangle 43">
+            <a:extLst>
+              <a:ext uri="{FF2B5EF4-FFF2-40B4-BE49-F238E27FC236}">
+                <a16:creationId xmlns:a16="http://schemas.microsoft.com/office/drawing/2014/main" id="{B7AD2ED2-71DE-4F86-E4C0-E9F527458BBF}"/>
+              </a:ext>
+            </a:extLst>
+          </p:cNvPr>
+          <p:cNvSpPr/>
+          <p:nvPr/>
+        </p:nvSpPr>
+        <p:spPr>
+          <a:xfrm>
+            <a:off x="1587500" y="1372443"/>
+            <a:ext cx="5135127" cy="5485557"/>
+          </a:xfrm>
+          <a:prstGeom prst="rect">
+            <a:avLst/>
+          </a:prstGeom>
+          <a:noFill/>
+        </p:spPr>
+        <p:style>
+          <a:lnRef idx="2">
+            <a:schemeClr val="accent1">
+              <a:shade val="15000"/>
+            </a:schemeClr>
+          </a:lnRef>
+          <a:fillRef idx="1">
+            <a:schemeClr val="accent1"/>
+          </a:fillRef>
+          <a:effectRef idx="0">
+            <a:schemeClr val="accent1"/>
+          </a:effectRef>
+          <a:fontRef idx="minor">
+            <a:schemeClr val="lt1"/>
+          </a:fontRef>
+        </p:style>
+        <p:txBody>
+          <a:bodyPr rtlCol="0" anchor="ctr"/>
+          <a:lstStyle/>
+          <a:p>
+            <a:pPr algn="ctr"/>
             <a:endParaRPr lang="en-US"/>
           </a:p>
         </p:txBody>
       </p:sp>
       <p:sp>
         <p:nvSpPr>
-          <p:cNvPr id="3" name="Subtitle 2">
-            <a:extLst>
-              <a:ext uri="{FF2B5EF4-FFF2-40B4-BE49-F238E27FC236}">
-                <a16:creationId xmlns:a16="http://schemas.microsoft.com/office/drawing/2014/main" id="{539D2C7A-01FD-EA1F-928E-8E9C06E5337E}"/>
-              </a:ext>
-            </a:extLst>
-          </p:cNvPr>
-          <p:cNvSpPr>
-            <a:spLocks noGrp="1"/>
-          </p:cNvSpPr>
-          <p:nvPr>
-            <p:ph type="subTitle" idx="1"/>
-          </p:nvPr>
-        </p:nvSpPr>
-        <p:spPr/>
-        <p:txBody>
-          <a:bodyPr/>
-          <a:lstStyle/>
-          <a:p>
+          <p:cNvPr id="43" name="TextBox 42">
+            <a:extLst>
+              <a:ext uri="{FF2B5EF4-FFF2-40B4-BE49-F238E27FC236}">
+                <a16:creationId xmlns:a16="http://schemas.microsoft.com/office/drawing/2014/main" id="{F33E6C60-AA17-EB5C-1A99-4808F5B695C8}"/>
+              </a:ext>
+            </a:extLst>
+          </p:cNvPr>
+          <p:cNvSpPr txBox="1"/>
+          <p:nvPr/>
+        </p:nvSpPr>
+        <p:spPr>
+          <a:xfrm>
+            <a:off x="3558340" y="1223797"/>
+            <a:ext cx="1127959" cy="307777"/>
+          </a:xfrm>
+          <a:prstGeom prst="rect">
+            <a:avLst/>
+          </a:prstGeom>
+          <a:solidFill>
+            <a:schemeClr val="bg1"/>
+          </a:solidFill>
+        </p:spPr>
+        <p:txBody>
+          <a:bodyPr wrap="square">
+            <a:spAutoFit/>
+          </a:bodyPr>
+          <a:lstStyle/>
+          <a:p>
+            <a:pPr algn="ctr"/>
+            <a:r>
+              <a:rPr lang="en-US" sz="1400" b="1" dirty="0" err="1"/>
+              <a:t>mainPanel</a:t>
+            </a:r>
+            <a:endParaRPr lang="en-US" sz="1400" b="1" dirty="0"/>
+          </a:p>
+        </p:txBody>
+      </p:sp>
+      <p:sp>
+        <p:nvSpPr>
+          <p:cNvPr id="46" name="Rectangle 45">
+            <a:extLst>
+              <a:ext uri="{FF2B5EF4-FFF2-40B4-BE49-F238E27FC236}">
+                <a16:creationId xmlns:a16="http://schemas.microsoft.com/office/drawing/2014/main" id="{810A9917-5895-E22D-42A8-C806AC0960E7}"/>
+              </a:ext>
+            </a:extLst>
+          </p:cNvPr>
+          <p:cNvSpPr/>
+          <p:nvPr/>
+        </p:nvSpPr>
+        <p:spPr>
+          <a:xfrm>
+            <a:off x="6725782" y="1395622"/>
+            <a:ext cx="2642561" cy="5485557"/>
+          </a:xfrm>
+          <a:prstGeom prst="rect">
+            <a:avLst/>
+          </a:prstGeom>
+          <a:noFill/>
+        </p:spPr>
+        <p:style>
+          <a:lnRef idx="2">
+            <a:schemeClr val="accent1">
+              <a:shade val="15000"/>
+            </a:schemeClr>
+          </a:lnRef>
+          <a:fillRef idx="1">
+            <a:schemeClr val="accent1"/>
+          </a:fillRef>
+          <a:effectRef idx="0">
+            <a:schemeClr val="accent1"/>
+          </a:effectRef>
+          <a:fontRef idx="minor">
+            <a:schemeClr val="lt1"/>
+          </a:fontRef>
+        </p:style>
+        <p:txBody>
+          <a:bodyPr rtlCol="0" anchor="ctr"/>
+          <a:lstStyle/>
+          <a:p>
+            <a:pPr algn="ctr"/>
+            <a:endParaRPr lang="en-US"/>
+          </a:p>
+        </p:txBody>
+      </p:sp>
+      <p:sp>
+        <p:nvSpPr>
+          <p:cNvPr id="45" name="TextBox 44">
+            <a:extLst>
+              <a:ext uri="{FF2B5EF4-FFF2-40B4-BE49-F238E27FC236}">
+                <a16:creationId xmlns:a16="http://schemas.microsoft.com/office/drawing/2014/main" id="{A7DC41DA-62C7-C598-5060-044F9B0AB895}"/>
+              </a:ext>
+            </a:extLst>
+          </p:cNvPr>
+          <p:cNvSpPr txBox="1"/>
+          <p:nvPr/>
+        </p:nvSpPr>
+        <p:spPr>
+          <a:xfrm>
+            <a:off x="7459878" y="1266500"/>
+            <a:ext cx="1127959" cy="307777"/>
+          </a:xfrm>
+          <a:prstGeom prst="rect">
+            <a:avLst/>
+          </a:prstGeom>
+          <a:solidFill>
+            <a:schemeClr val="bg1"/>
+          </a:solidFill>
+        </p:spPr>
+        <p:txBody>
+          <a:bodyPr wrap="square">
+            <a:spAutoFit/>
+          </a:bodyPr>
+          <a:lstStyle/>
+          <a:p>
+            <a:pPr algn="ctr"/>
+            <a:r>
+              <a:rPr lang="en-US" sz="1400" b="1" dirty="0"/>
+              <a:t>sidebar</a:t>
+            </a:r>
+          </a:p>
+        </p:txBody>
+      </p:sp>
+      <p:sp>
+        <p:nvSpPr>
+          <p:cNvPr id="47" name="TextBox 46">
+            <a:extLst>
+              <a:ext uri="{FF2B5EF4-FFF2-40B4-BE49-F238E27FC236}">
+                <a16:creationId xmlns:a16="http://schemas.microsoft.com/office/drawing/2014/main" id="{7690E482-EE93-9FE9-3188-C88718B8CE4A}"/>
+              </a:ext>
+            </a:extLst>
+          </p:cNvPr>
+          <p:cNvSpPr txBox="1"/>
+          <p:nvPr/>
+        </p:nvSpPr>
+        <p:spPr>
+          <a:xfrm>
+            <a:off x="8042951" y="3824759"/>
+            <a:ext cx="1178609" cy="646331"/>
+          </a:xfrm>
+          <a:prstGeom prst="rect">
+            <a:avLst/>
+          </a:prstGeom>
+          <a:noFill/>
+        </p:spPr>
+        <p:txBody>
+          <a:bodyPr wrap="square" rtlCol="0">
+            <a:spAutoFit/>
+          </a:bodyPr>
+          <a:lstStyle/>
+          <a:p>
+            <a:pPr algn="ctr"/>
             <a:r>
               <a:rPr lang="he-IL" dirty="0"/>
-              <a:t>סיום</a:t>
+              <a:t>רשימת תרחישים</a:t>
             </a:r>
             <a:endParaRPr lang="en-US" dirty="0"/>
           </a:p>
         </p:txBody>
       </p:sp>
+      <p:sp>
+        <p:nvSpPr>
+          <p:cNvPr id="48" name="TextBox 47">
+            <a:extLst>
+              <a:ext uri="{FF2B5EF4-FFF2-40B4-BE49-F238E27FC236}">
+                <a16:creationId xmlns:a16="http://schemas.microsoft.com/office/drawing/2014/main" id="{D26B882A-7E19-A119-4B50-CB86277EDAEA}"/>
+              </a:ext>
+            </a:extLst>
+          </p:cNvPr>
+          <p:cNvSpPr txBox="1"/>
+          <p:nvPr/>
+        </p:nvSpPr>
+        <p:spPr>
+          <a:xfrm>
+            <a:off x="6825655" y="3824759"/>
+            <a:ext cx="1178609" cy="369332"/>
+          </a:xfrm>
+          <a:prstGeom prst="rect">
+            <a:avLst/>
+          </a:prstGeom>
+          <a:noFill/>
+        </p:spPr>
+        <p:txBody>
+          <a:bodyPr wrap="square" rtlCol="0">
+            <a:spAutoFit/>
+          </a:bodyPr>
+          <a:lstStyle/>
+          <a:p>
+            <a:pPr algn="ctr"/>
+            <a:r>
+              <a:rPr lang="he-IL" dirty="0"/>
+              <a:t>שנים</a:t>
+            </a:r>
+            <a:endParaRPr lang="en-US" dirty="0"/>
+          </a:p>
+        </p:txBody>
+      </p:sp>
+      <p:sp>
+        <p:nvSpPr>
+          <p:cNvPr id="49" name="TextBox 48">
+            <a:extLst>
+              <a:ext uri="{FF2B5EF4-FFF2-40B4-BE49-F238E27FC236}">
+                <a16:creationId xmlns:a16="http://schemas.microsoft.com/office/drawing/2014/main" id="{124D437B-669E-C7B1-0768-58A24641FB7A}"/>
+              </a:ext>
+            </a:extLst>
+          </p:cNvPr>
+          <p:cNvSpPr txBox="1"/>
+          <p:nvPr/>
+        </p:nvSpPr>
+        <p:spPr>
+          <a:xfrm>
+            <a:off x="8131156" y="4531769"/>
+            <a:ext cx="1018227" cy="461665"/>
+          </a:xfrm>
+          <a:prstGeom prst="rect">
+            <a:avLst/>
+          </a:prstGeom>
+          <a:solidFill>
+            <a:schemeClr val="accent4">
+              <a:lumMod val="20000"/>
+              <a:lumOff val="80000"/>
+            </a:schemeClr>
+          </a:solidFill>
+        </p:spPr>
+        <p:txBody>
+          <a:bodyPr wrap="none" rtlCol="0">
+            <a:spAutoFit/>
+          </a:bodyPr>
+          <a:lstStyle/>
+          <a:p>
+            <a:r>
+              <a:rPr lang="he-IL" sz="1200" b="1" dirty="0"/>
+              <a:t>המשך מגמות</a:t>
+            </a:r>
+          </a:p>
+          <a:p>
+            <a:r>
+              <a:rPr lang="he-IL" sz="1200" dirty="0" err="1"/>
+              <a:t>אטרטגיה</a:t>
+            </a:r>
+            <a:r>
+              <a:rPr lang="he-IL" sz="1200" dirty="0"/>
+              <a:t> דיור</a:t>
+            </a:r>
+            <a:endParaRPr lang="en-US" sz="1200" dirty="0"/>
+          </a:p>
+        </p:txBody>
+      </p:sp>
+      <p:sp>
+        <p:nvSpPr>
+          <p:cNvPr id="50" name="TextBox 49">
+            <a:extLst>
+              <a:ext uri="{FF2B5EF4-FFF2-40B4-BE49-F238E27FC236}">
+                <a16:creationId xmlns:a16="http://schemas.microsoft.com/office/drawing/2014/main" id="{9DF6B048-380A-2F72-6EBE-A91D1D72CD22}"/>
+              </a:ext>
+            </a:extLst>
+          </p:cNvPr>
+          <p:cNvSpPr txBox="1"/>
+          <p:nvPr/>
+        </p:nvSpPr>
+        <p:spPr>
+          <a:xfrm>
+            <a:off x="7122115" y="4448508"/>
+            <a:ext cx="524503" cy="646331"/>
+          </a:xfrm>
+          <a:prstGeom prst="rect">
+            <a:avLst/>
+          </a:prstGeom>
+          <a:solidFill>
+            <a:schemeClr val="accent4">
+              <a:lumMod val="20000"/>
+              <a:lumOff val="80000"/>
+            </a:schemeClr>
+          </a:solidFill>
+        </p:spPr>
+        <p:txBody>
+          <a:bodyPr wrap="none" rtlCol="0">
+            <a:spAutoFit/>
+          </a:bodyPr>
+          <a:lstStyle/>
+          <a:p>
+            <a:r>
+              <a:rPr lang="he-IL" sz="1200" dirty="0"/>
+              <a:t>2020</a:t>
+            </a:r>
+          </a:p>
+          <a:p>
+            <a:r>
+              <a:rPr lang="he-IL" sz="1200" b="1" dirty="0"/>
+              <a:t>2030</a:t>
+            </a:r>
+          </a:p>
+          <a:p>
+            <a:r>
+              <a:rPr lang="he-IL" sz="1200" dirty="0"/>
+              <a:t>2040</a:t>
+            </a:r>
+            <a:endParaRPr lang="en-US" sz="1200" dirty="0"/>
+          </a:p>
+        </p:txBody>
+      </p:sp>
+      <p:sp>
+        <p:nvSpPr>
+          <p:cNvPr id="51" name="TextBox 50">
+            <a:extLst>
+              <a:ext uri="{FF2B5EF4-FFF2-40B4-BE49-F238E27FC236}">
+                <a16:creationId xmlns:a16="http://schemas.microsoft.com/office/drawing/2014/main" id="{444D208C-AB2B-701E-E4B7-30261E432BB2}"/>
+              </a:ext>
+            </a:extLst>
+          </p:cNvPr>
+          <p:cNvSpPr txBox="1"/>
+          <p:nvPr/>
+        </p:nvSpPr>
+        <p:spPr>
+          <a:xfrm>
+            <a:off x="7076133" y="5156713"/>
+            <a:ext cx="2085642" cy="369332"/>
+          </a:xfrm>
+          <a:prstGeom prst="rect">
+            <a:avLst/>
+          </a:prstGeom>
+          <a:noFill/>
+        </p:spPr>
+        <p:txBody>
+          <a:bodyPr wrap="square" rtlCol="0">
+            <a:spAutoFit/>
+          </a:bodyPr>
+          <a:lstStyle/>
+          <a:p>
+            <a:pPr algn="ctr"/>
+            <a:r>
+              <a:rPr lang="he-IL" dirty="0"/>
+              <a:t>רשימת משתנים</a:t>
+            </a:r>
+            <a:endParaRPr lang="en-US" dirty="0"/>
+          </a:p>
+        </p:txBody>
+      </p:sp>
+      <p:sp>
+        <p:nvSpPr>
+          <p:cNvPr id="52" name="TextBox 51">
+            <a:extLst>
+              <a:ext uri="{FF2B5EF4-FFF2-40B4-BE49-F238E27FC236}">
+                <a16:creationId xmlns:a16="http://schemas.microsoft.com/office/drawing/2014/main" id="{4EE99801-D2A3-53A2-7145-83CA3A445804}"/>
+              </a:ext>
+            </a:extLst>
+          </p:cNvPr>
+          <p:cNvSpPr txBox="1"/>
+          <p:nvPr/>
+        </p:nvSpPr>
+        <p:spPr>
+          <a:xfrm>
+            <a:off x="7707220" y="5480668"/>
+            <a:ext cx="782587" cy="276999"/>
+          </a:xfrm>
+          <a:prstGeom prst="rect">
+            <a:avLst/>
+          </a:prstGeom>
+          <a:solidFill>
+            <a:schemeClr val="accent4">
+              <a:lumMod val="20000"/>
+              <a:lumOff val="80000"/>
+            </a:schemeClr>
+          </a:solidFill>
+        </p:spPr>
+        <p:txBody>
+          <a:bodyPr wrap="none" rtlCol="0">
+            <a:spAutoFit/>
+          </a:bodyPr>
+          <a:lstStyle/>
+          <a:p>
+            <a:r>
+              <a:rPr lang="he-IL" sz="1200" b="1" dirty="0"/>
+              <a:t>אוכלוסייה</a:t>
+            </a:r>
+            <a:endParaRPr lang="en-US" sz="1200" dirty="0"/>
+          </a:p>
+        </p:txBody>
+      </p:sp>
+      <p:cxnSp>
+        <p:nvCxnSpPr>
+          <p:cNvPr id="56" name="Straight Arrow Connector 55">
+            <a:extLst>
+              <a:ext uri="{FF2B5EF4-FFF2-40B4-BE49-F238E27FC236}">
+                <a16:creationId xmlns:a16="http://schemas.microsoft.com/office/drawing/2014/main" id="{71DEF7A1-9676-DA28-B205-9C06D48A2090}"/>
+              </a:ext>
+            </a:extLst>
+          </p:cNvPr>
+          <p:cNvCxnSpPr/>
+          <p:nvPr/>
+        </p:nvCxnSpPr>
+        <p:spPr>
+          <a:xfrm>
+            <a:off x="820878" y="4448508"/>
+            <a:ext cx="3301441" cy="0"/>
+          </a:xfrm>
+          <a:prstGeom prst="straightConnector1">
+            <a:avLst/>
+          </a:prstGeom>
+          <a:ln>
+            <a:tailEnd type="triangle"/>
+          </a:ln>
+        </p:spPr>
+        <p:style>
+          <a:lnRef idx="1">
+            <a:schemeClr val="accent1"/>
+          </a:lnRef>
+          <a:fillRef idx="0">
+            <a:schemeClr val="accent1"/>
+          </a:fillRef>
+          <a:effectRef idx="0">
+            <a:schemeClr val="accent1"/>
+          </a:effectRef>
+          <a:fontRef idx="minor">
+            <a:schemeClr val="tx1"/>
+          </a:fontRef>
+        </p:style>
+      </p:cxnSp>
     </p:spTree>
     <p:extLst>
       <p:ext uri="{BB962C8B-B14F-4D97-AF65-F5344CB8AC3E}">
-        <p14:creationId xmlns:p14="http://schemas.microsoft.com/office/powerpoint/2010/main" val="3314121517"/>
+        <p14:creationId xmlns:p14="http://schemas.microsoft.com/office/powerpoint/2010/main" val="3254842822"/>
       </p:ext>
     </p:extLst>
   </p:cSld>
@@ -6301,100 +8724,78 @@
           <a:chExt cx="0" cy="0"/>
         </a:xfrm>
       </p:grpSpPr>
-      <p:sp>
-        <p:nvSpPr>
-          <p:cNvPr id="2" name="Rectangle 1">
-            <a:extLst>
-              <a:ext uri="{FF2B5EF4-FFF2-40B4-BE49-F238E27FC236}">
-                <a16:creationId xmlns:a16="http://schemas.microsoft.com/office/drawing/2014/main" id="{5C600E18-4F23-97B9-58E9-1DA5D2F22051}"/>
-              </a:ext>
-            </a:extLst>
-          </p:cNvPr>
-          <p:cNvSpPr/>
-          <p:nvPr/>
-        </p:nvSpPr>
-        <p:spPr>
-          <a:xfrm>
-            <a:off x="5104794" y="1800520"/>
-            <a:ext cx="1348033" cy="961534"/>
+      <p:pic>
+        <p:nvPicPr>
+          <p:cNvPr id="3" name="Picture 2">
+            <a:extLst>
+              <a:ext uri="{FF2B5EF4-FFF2-40B4-BE49-F238E27FC236}">
+                <a16:creationId xmlns:a16="http://schemas.microsoft.com/office/drawing/2014/main" id="{5FE81432-3B86-18B8-E278-AA2A4ECB69EE}"/>
+              </a:ext>
+            </a:extLst>
+          </p:cNvPr>
+          <p:cNvPicPr>
+            <a:picLocks noChangeAspect="1"/>
+          </p:cNvPicPr>
+          <p:nvPr/>
+        </p:nvPicPr>
+        <p:blipFill>
+          <a:blip r:embed="rId2"/>
+          <a:stretch>
+            <a:fillRect/>
+          </a:stretch>
+        </p:blipFill>
+        <p:spPr>
+          <a:xfrm>
+            <a:off x="713624" y="920816"/>
+            <a:ext cx="5382376" cy="3734321"/>
           </a:xfrm>
           <a:prstGeom prst="rect">
             <a:avLst/>
           </a:prstGeom>
         </p:spPr>
-        <p:style>
-          <a:lnRef idx="2">
-            <a:schemeClr val="accent1">
-              <a:shade val="15000"/>
-            </a:schemeClr>
-          </a:lnRef>
-          <a:fillRef idx="1">
-            <a:schemeClr val="accent1"/>
-          </a:fillRef>
-          <a:effectRef idx="0">
-            <a:schemeClr val="accent1"/>
-          </a:effectRef>
-          <a:fontRef idx="minor">
-            <a:schemeClr val="lt1"/>
-          </a:fontRef>
-        </p:style>
-        <p:txBody>
-          <a:bodyPr rtlCol="0" anchor="ctr"/>
-          <a:lstStyle/>
-          <a:p>
-            <a:pPr algn="ctr"/>
-            <a:r>
-              <a:rPr lang="en-US" dirty="0"/>
-              <a:t>main</a:t>
-            </a:r>
-          </a:p>
-        </p:txBody>
-      </p:sp>
-      <p:sp>
-        <p:nvSpPr>
-          <p:cNvPr id="3" name="Rectangle 2">
-            <a:extLst>
-              <a:ext uri="{FF2B5EF4-FFF2-40B4-BE49-F238E27FC236}">
-                <a16:creationId xmlns:a16="http://schemas.microsoft.com/office/drawing/2014/main" id="{3992DD80-8E77-42DA-63D7-6A8FA50ECD50}"/>
-              </a:ext>
-            </a:extLst>
-          </p:cNvPr>
-          <p:cNvSpPr/>
-          <p:nvPr/>
-        </p:nvSpPr>
-        <p:spPr>
-          <a:xfrm>
-            <a:off x="2375852" y="4255359"/>
-            <a:ext cx="1348033" cy="961534"/>
+      </p:pic>
+      <p:sp>
+        <p:nvSpPr>
+          <p:cNvPr id="4" name="TextBox 3">
+            <a:extLst>
+              <a:ext uri="{FF2B5EF4-FFF2-40B4-BE49-F238E27FC236}">
+                <a16:creationId xmlns:a16="http://schemas.microsoft.com/office/drawing/2014/main" id="{9018B268-01BD-847F-D14A-88FEE6832426}"/>
+              </a:ext>
+            </a:extLst>
+          </p:cNvPr>
+          <p:cNvSpPr txBox="1"/>
+          <p:nvPr/>
+        </p:nvSpPr>
+        <p:spPr>
+          <a:xfrm>
+            <a:off x="458406" y="528388"/>
+            <a:ext cx="1242715" cy="276999"/>
           </a:xfrm>
           <a:prstGeom prst="rect">
             <a:avLst/>
           </a:prstGeom>
-        </p:spPr>
-        <p:style>
-          <a:lnRef idx="2">
-            <a:schemeClr val="accent1">
-              <a:shade val="15000"/>
-            </a:schemeClr>
-          </a:lnRef>
-          <a:fillRef idx="1">
-            <a:schemeClr val="accent1"/>
-          </a:fillRef>
-          <a:effectRef idx="0">
-            <a:schemeClr val="accent1"/>
-          </a:effectRef>
-          <a:fontRef idx="minor">
-            <a:schemeClr val="lt1"/>
-          </a:fontRef>
-        </p:style>
-        <p:txBody>
-          <a:bodyPr rtlCol="0" anchor="ctr"/>
-          <a:lstStyle/>
-          <a:p>
-            <a:pPr algn="ctr"/>
+          <a:noFill/>
+        </p:spPr>
+        <p:txBody>
+          <a:bodyPr wrap="square">
+            <a:spAutoFit/>
+          </a:bodyPr>
+          <a:lstStyle>
+            <a:defPPr>
+              <a:defRPr lang="en-US"/>
+            </a:defPPr>
+            <a:lvl1pPr algn="ctr">
+              <a:defRPr sz="1200">
+                <a:highlight>
+                  <a:srgbClr val="00FFFF"/>
+                </a:highlight>
+              </a:defRPr>
+            </a:lvl1pPr>
+          </a:lstStyle>
+          <a:p>
             <a:r>
               <a:rPr lang="en-US" dirty="0" err="1"/>
-              <a:t>ido</a:t>
+              <a:t>cfg$scnchoices</a:t>
             </a:r>
             <a:endParaRPr lang="en-US" dirty="0"/>
           </a:p>
@@ -6402,25 +8803,24 @@
       </p:sp>
       <p:cxnSp>
         <p:nvCxnSpPr>
-          <p:cNvPr id="5" name="Connector: Elbow 4">
-            <a:extLst>
-              <a:ext uri="{FF2B5EF4-FFF2-40B4-BE49-F238E27FC236}">
-                <a16:creationId xmlns:a16="http://schemas.microsoft.com/office/drawing/2014/main" id="{E8C2C93D-A96A-8EFB-5B92-399895A7C1F1}"/>
+          <p:cNvPr id="6" name="Straight Arrow Connector 5">
+            <a:extLst>
+              <a:ext uri="{FF2B5EF4-FFF2-40B4-BE49-F238E27FC236}">
+                <a16:creationId xmlns:a16="http://schemas.microsoft.com/office/drawing/2014/main" id="{19ED6DC9-3BA5-8846-6259-3800AD82037F}"/>
               </a:ext>
             </a:extLst>
           </p:cNvPr>
           <p:cNvCxnSpPr>
-            <a:stCxn id="2" idx="2"/>
-            <a:endCxn id="3" idx="0"/>
+            <a:stCxn id="4" idx="3"/>
           </p:cNvCxnSpPr>
           <p:nvPr/>
         </p:nvCxnSpPr>
         <p:spPr>
-          <a:xfrm rot="5400000">
-            <a:off x="3667688" y="2144235"/>
-            <a:ext cx="1493305" cy="2728942"/>
-          </a:xfrm>
-          <a:prstGeom prst="bentConnector3">
+          <a:xfrm flipV="1">
+            <a:off x="1701121" y="666887"/>
+            <a:ext cx="712141" cy="1"/>
+          </a:xfrm>
+          <a:prstGeom prst="straightConnector1">
             <a:avLst/>
           </a:prstGeom>
           <a:ln>
@@ -6442,84 +8842,12 @@
           </a:fontRef>
         </p:style>
       </p:cxnSp>
-      <p:pic>
-        <p:nvPicPr>
-          <p:cNvPr id="9" name="Picture 8">
-            <a:extLst>
-              <a:ext uri="{FF2B5EF4-FFF2-40B4-BE49-F238E27FC236}">
-                <a16:creationId xmlns:a16="http://schemas.microsoft.com/office/drawing/2014/main" id="{5A228ABB-7DC1-2AAD-EA10-2F0AD7B6E84D}"/>
-              </a:ext>
-            </a:extLst>
-          </p:cNvPr>
-          <p:cNvPicPr>
-            <a:picLocks noChangeAspect="1"/>
-          </p:cNvPicPr>
-          <p:nvPr/>
-        </p:nvPicPr>
-        <p:blipFill>
-          <a:blip r:embed="rId2"/>
-          <a:stretch>
-            <a:fillRect/>
-          </a:stretch>
-        </p:blipFill>
-        <p:spPr>
-          <a:xfrm>
-            <a:off x="4430834" y="891068"/>
-            <a:ext cx="2695951" cy="428685"/>
-          </a:xfrm>
-          <a:prstGeom prst="rect">
-            <a:avLst/>
-          </a:prstGeom>
-        </p:spPr>
-      </p:pic>
-      <p:cxnSp>
-        <p:nvCxnSpPr>
-          <p:cNvPr id="11" name="Straight Arrow Connector 10">
-            <a:extLst>
-              <a:ext uri="{FF2B5EF4-FFF2-40B4-BE49-F238E27FC236}">
-                <a16:creationId xmlns:a16="http://schemas.microsoft.com/office/drawing/2014/main" id="{AD236B2D-C888-C3AA-D6F9-9A7ED5DDC76D}"/>
-              </a:ext>
-            </a:extLst>
-          </p:cNvPr>
-          <p:cNvCxnSpPr>
-            <a:stCxn id="9" idx="2"/>
-            <a:endCxn id="2" idx="0"/>
-          </p:cNvCxnSpPr>
-          <p:nvPr/>
-        </p:nvCxnSpPr>
-        <p:spPr>
-          <a:xfrm>
-            <a:off x="5778810" y="1319753"/>
-            <a:ext cx="1" cy="480767"/>
-          </a:xfrm>
-          <a:prstGeom prst="straightConnector1">
-            <a:avLst/>
-          </a:prstGeom>
-          <a:ln>
-            <a:tailEnd type="triangle"/>
-          </a:ln>
-        </p:spPr>
-        <p:style>
-          <a:lnRef idx="1">
-            <a:schemeClr val="accent1"/>
-          </a:lnRef>
-          <a:fillRef idx="0">
-            <a:schemeClr val="accent1"/>
-          </a:fillRef>
-          <a:effectRef idx="0">
-            <a:schemeClr val="accent1"/>
-          </a:effectRef>
-          <a:fontRef idx="minor">
-            <a:schemeClr val="tx1"/>
-          </a:fontRef>
-        </p:style>
-      </p:cxnSp>
-      <p:sp>
-        <p:nvSpPr>
-          <p:cNvPr id="13" name="TextBox 12">
-            <a:extLst>
-              <a:ext uri="{FF2B5EF4-FFF2-40B4-BE49-F238E27FC236}">
-                <a16:creationId xmlns:a16="http://schemas.microsoft.com/office/drawing/2014/main" id="{4056BE52-BFB0-ADB3-5044-CCFEFA14F0C3}"/>
+      <p:sp>
+        <p:nvSpPr>
+          <p:cNvPr id="7" name="TextBox 6">
+            <a:extLst>
+              <a:ext uri="{FF2B5EF4-FFF2-40B4-BE49-F238E27FC236}">
+                <a16:creationId xmlns:a16="http://schemas.microsoft.com/office/drawing/2014/main" id="{35948930-2717-B64A-C63E-A28258E0A570}"/>
               </a:ext>
             </a:extLst>
           </p:cNvPr>
@@ -6528,8 +8856,8 @@
         </p:nvSpPr>
         <p:spPr>
           <a:xfrm>
-            <a:off x="6825006" y="2083324"/>
-            <a:ext cx="1091966" cy="369332"/>
+            <a:off x="2526501" y="436055"/>
+            <a:ext cx="2258952" cy="369332"/>
           </a:xfrm>
           <a:prstGeom prst="rect">
             <a:avLst/>
@@ -6543,98 +8871,17 @@
           <a:lstStyle/>
           <a:p>
             <a:r>
-              <a:rPr lang="en-US" dirty="0" err="1"/>
-              <a:t>Dvlp</a:t>
-            </a:r>
-            <a:r>
-              <a:rPr lang="en-US" dirty="0"/>
-              <a:t>\v0.3</a:t>
-            </a:r>
-          </a:p>
-        </p:txBody>
-      </p:sp>
-      <p:sp>
-        <p:nvSpPr>
-          <p:cNvPr id="14" name="TextBox 13">
-            <a:extLst>
-              <a:ext uri="{FF2B5EF4-FFF2-40B4-BE49-F238E27FC236}">
-                <a16:creationId xmlns:a16="http://schemas.microsoft.com/office/drawing/2014/main" id="{27CCB543-845A-6808-B056-599C5DF3918D}"/>
-              </a:ext>
-            </a:extLst>
-          </p:cNvPr>
-          <p:cNvSpPr txBox="1"/>
-          <p:nvPr/>
-        </p:nvSpPr>
-        <p:spPr>
-          <a:xfrm>
-            <a:off x="3868357" y="4551459"/>
-            <a:ext cx="1091966" cy="369332"/>
-          </a:xfrm>
-          <a:prstGeom prst="rect">
-            <a:avLst/>
-          </a:prstGeom>
-          <a:noFill/>
-        </p:spPr>
-        <p:txBody>
-          <a:bodyPr wrap="none" rtlCol="0">
-            <a:spAutoFit/>
-          </a:bodyPr>
-          <a:lstStyle/>
-          <a:p>
-            <a:r>
-              <a:rPr lang="en-US" dirty="0" err="1"/>
-              <a:t>Dvlp</a:t>
-            </a:r>
-            <a:r>
-              <a:rPr lang="en-US" dirty="0"/>
-              <a:t>\v0.3</a:t>
-            </a:r>
-          </a:p>
-        </p:txBody>
-      </p:sp>
-      <p:cxnSp>
-        <p:nvCxnSpPr>
-          <p:cNvPr id="16" name="Straight Arrow Connector 15">
-            <a:extLst>
-              <a:ext uri="{FF2B5EF4-FFF2-40B4-BE49-F238E27FC236}">
-                <a16:creationId xmlns:a16="http://schemas.microsoft.com/office/drawing/2014/main" id="{A56BB33B-BA19-AD19-9814-0481C09C7549}"/>
-              </a:ext>
-            </a:extLst>
-          </p:cNvPr>
-          <p:cNvCxnSpPr/>
-          <p:nvPr/>
-        </p:nvCxnSpPr>
-        <p:spPr>
-          <a:xfrm flipH="1">
-            <a:off x="3723885" y="2153182"/>
-            <a:ext cx="1112599" cy="1140643"/>
-          </a:xfrm>
-          <a:prstGeom prst="straightConnector1">
-            <a:avLst/>
-          </a:prstGeom>
-          <a:ln>
-            <a:tailEnd type="triangle"/>
-          </a:ln>
-        </p:spPr>
-        <p:style>
-          <a:lnRef idx="1">
-            <a:schemeClr val="accent1"/>
-          </a:lnRef>
-          <a:fillRef idx="0">
-            <a:schemeClr val="accent1"/>
-          </a:fillRef>
-          <a:effectRef idx="0">
-            <a:schemeClr val="accent1"/>
-          </a:effectRef>
-          <a:fontRef idx="minor">
-            <a:schemeClr val="tx1"/>
-          </a:fontRef>
-        </p:style>
-      </p:cxnSp>
+              <a:rPr lang="he-IL" dirty="0"/>
+              <a:t>מחזיר את קוד התרחיש</a:t>
+            </a:r>
+            <a:endParaRPr lang="en-US" dirty="0"/>
+          </a:p>
+        </p:txBody>
+      </p:sp>
     </p:spTree>
     <p:extLst>
       <p:ext uri="{BB962C8B-B14F-4D97-AF65-F5344CB8AC3E}">
-        <p14:creationId xmlns:p14="http://schemas.microsoft.com/office/powerpoint/2010/main" val="4109065590"/>
+        <p14:creationId xmlns:p14="http://schemas.microsoft.com/office/powerpoint/2010/main" val="1705988006"/>
       </p:ext>
     </p:extLst>
   </p:cSld>
@@ -6663,154 +8910,62 @@
       </p:grpSpPr>
       <p:sp>
         <p:nvSpPr>
-          <p:cNvPr id="2" name="TextBox 1">
-            <a:extLst>
-              <a:ext uri="{FF2B5EF4-FFF2-40B4-BE49-F238E27FC236}">
-                <a16:creationId xmlns:a16="http://schemas.microsoft.com/office/drawing/2014/main" id="{BD974E58-B546-3B3B-CC35-84C380AF9619}"/>
-              </a:ext>
-            </a:extLst>
-          </p:cNvPr>
-          <p:cNvSpPr txBox="1"/>
-          <p:nvPr/>
-        </p:nvSpPr>
-        <p:spPr>
-          <a:xfrm>
-            <a:off x="9539926" y="268121"/>
-            <a:ext cx="1584088" cy="369332"/>
-          </a:xfrm>
-          <a:prstGeom prst="rect">
-            <a:avLst/>
-          </a:prstGeom>
-          <a:noFill/>
-        </p:spPr>
-        <p:txBody>
-          <a:bodyPr wrap="none" rtlCol="0">
-            <a:spAutoFit/>
-          </a:bodyPr>
+          <p:cNvPr id="2" name="Title 1">
+            <a:extLst>
+              <a:ext uri="{FF2B5EF4-FFF2-40B4-BE49-F238E27FC236}">
+                <a16:creationId xmlns:a16="http://schemas.microsoft.com/office/drawing/2014/main" id="{CFFE712C-7E19-335B-A73B-9C1CD4DE821C}"/>
+              </a:ext>
+            </a:extLst>
+          </p:cNvPr>
+          <p:cNvSpPr>
+            <a:spLocks noGrp="1"/>
+          </p:cNvSpPr>
+          <p:nvPr>
+            <p:ph type="ctrTitle"/>
+          </p:nvPr>
+        </p:nvSpPr>
+        <p:spPr/>
+        <p:txBody>
+          <a:bodyPr/>
+          <a:lstStyle/>
+          <a:p>
+            <a:endParaRPr lang="en-US"/>
+          </a:p>
+        </p:txBody>
+      </p:sp>
+      <p:sp>
+        <p:nvSpPr>
+          <p:cNvPr id="3" name="Subtitle 2">
+            <a:extLst>
+              <a:ext uri="{FF2B5EF4-FFF2-40B4-BE49-F238E27FC236}">
+                <a16:creationId xmlns:a16="http://schemas.microsoft.com/office/drawing/2014/main" id="{539D2C7A-01FD-EA1F-928E-8E9C06E5337E}"/>
+              </a:ext>
+            </a:extLst>
+          </p:cNvPr>
+          <p:cNvSpPr>
+            <a:spLocks noGrp="1"/>
+          </p:cNvSpPr>
+          <p:nvPr>
+            <p:ph type="subTitle" idx="1"/>
+          </p:nvPr>
+        </p:nvSpPr>
+        <p:spPr/>
+        <p:txBody>
+          <a:bodyPr/>
           <a:lstStyle/>
           <a:p>
             <a:r>
               <a:rPr lang="he-IL" dirty="0"/>
-              <a:t>שכבות </a:t>
-            </a:r>
-            <a:r>
-              <a:rPr lang="he-IL" dirty="0" err="1"/>
-              <a:t>אגרגציה</a:t>
+              <a:t>סיום</a:t>
             </a:r>
             <a:endParaRPr lang="en-US" dirty="0"/>
-          </a:p>
-        </p:txBody>
-      </p:sp>
-      <p:pic>
-        <p:nvPicPr>
-          <p:cNvPr id="4" name="Picture 3">
-            <a:extLst>
-              <a:ext uri="{FF2B5EF4-FFF2-40B4-BE49-F238E27FC236}">
-                <a16:creationId xmlns:a16="http://schemas.microsoft.com/office/drawing/2014/main" id="{BA8BE494-8D9E-209B-322C-51260186BE9C}"/>
-              </a:ext>
-            </a:extLst>
-          </p:cNvPr>
-          <p:cNvPicPr>
-            <a:picLocks noChangeAspect="1"/>
-          </p:cNvPicPr>
-          <p:nvPr/>
-        </p:nvPicPr>
-        <p:blipFill>
-          <a:blip r:embed="rId2"/>
-          <a:stretch>
-            <a:fillRect/>
-          </a:stretch>
-        </p:blipFill>
-        <p:spPr>
-          <a:xfrm>
-            <a:off x="7140883" y="894622"/>
-            <a:ext cx="2248214" cy="771633"/>
-          </a:xfrm>
-          <a:prstGeom prst="rect">
-            <a:avLst/>
-          </a:prstGeom>
-        </p:spPr>
-      </p:pic>
-      <p:pic>
-        <p:nvPicPr>
-          <p:cNvPr id="6" name="Picture 5">
-            <a:extLst>
-              <a:ext uri="{FF2B5EF4-FFF2-40B4-BE49-F238E27FC236}">
-                <a16:creationId xmlns:a16="http://schemas.microsoft.com/office/drawing/2014/main" id="{1D06C109-BC4A-AA6D-69BD-DB042B64C3BF}"/>
-              </a:ext>
-            </a:extLst>
-          </p:cNvPr>
-          <p:cNvPicPr>
-            <a:picLocks noChangeAspect="1"/>
-          </p:cNvPicPr>
-          <p:nvPr/>
-        </p:nvPicPr>
-        <p:blipFill>
-          <a:blip r:embed="rId3"/>
-          <a:stretch>
-            <a:fillRect/>
-          </a:stretch>
-        </p:blipFill>
-        <p:spPr>
-          <a:xfrm>
-            <a:off x="9539926" y="791991"/>
-            <a:ext cx="2010056" cy="895475"/>
-          </a:xfrm>
-          <a:prstGeom prst="rect">
-            <a:avLst/>
-          </a:prstGeom>
-        </p:spPr>
-      </p:pic>
-      <p:sp>
-        <p:nvSpPr>
-          <p:cNvPr id="3" name="TextBox 2">
-            <a:extLst>
-              <a:ext uri="{FF2B5EF4-FFF2-40B4-BE49-F238E27FC236}">
-                <a16:creationId xmlns:a16="http://schemas.microsoft.com/office/drawing/2014/main" id="{C8315141-1546-3D57-8810-67A29EBADD8D}"/>
-              </a:ext>
-            </a:extLst>
-          </p:cNvPr>
-          <p:cNvSpPr txBox="1"/>
-          <p:nvPr/>
-        </p:nvSpPr>
-        <p:spPr>
-          <a:xfrm>
-            <a:off x="820850" y="468826"/>
-            <a:ext cx="1564467" cy="646331"/>
-          </a:xfrm>
-          <a:prstGeom prst="rect">
-            <a:avLst/>
-          </a:prstGeom>
-          <a:noFill/>
-        </p:spPr>
-        <p:txBody>
-          <a:bodyPr wrap="none" rtlCol="0">
-            <a:spAutoFit/>
-          </a:bodyPr>
-          <a:lstStyle/>
-          <a:p>
-            <a:r>
-              <a:rPr lang="en-US" dirty="0"/>
-              <a:t>Radio org or </a:t>
-            </a:r>
-            <a:r>
-              <a:rPr lang="en-US" dirty="0" err="1"/>
-              <a:t>sz</a:t>
-            </a:r>
-            <a:endParaRPr lang="en-US" dirty="0"/>
-          </a:p>
-          <a:p>
-            <a:r>
-              <a:rPr lang="en-US" dirty="0"/>
-              <a:t>+ menu list</a:t>
-            </a:r>
           </a:p>
         </p:txBody>
       </p:sp>
     </p:spTree>
     <p:extLst>
       <p:ext uri="{BB962C8B-B14F-4D97-AF65-F5344CB8AC3E}">
-        <p14:creationId xmlns:p14="http://schemas.microsoft.com/office/powerpoint/2010/main" val="3169381269"/>
+        <p14:creationId xmlns:p14="http://schemas.microsoft.com/office/powerpoint/2010/main" val="3314121517"/>
       </p:ext>
     </p:extLst>
   </p:cSld>

--- a/doc/ScnLibApp.pptx
+++ b/doc/ScnLibApp.pptx
@@ -6,17 +6,22 @@
   </p:sldMasterIdLst>
   <p:sldIdLst>
     <p:sldId id="256" r:id="rId2"/>
-    <p:sldId id="259" r:id="rId3"/>
-    <p:sldId id="264" r:id="rId4"/>
-    <p:sldId id="261" r:id="rId5"/>
-    <p:sldId id="263" r:id="rId6"/>
-    <p:sldId id="262" r:id="rId7"/>
-    <p:sldId id="266" r:id="rId8"/>
-    <p:sldId id="267" r:id="rId9"/>
-    <p:sldId id="260" r:id="rId10"/>
-    <p:sldId id="265" r:id="rId11"/>
-    <p:sldId id="257" r:id="rId12"/>
-    <p:sldId id="258" r:id="rId13"/>
+    <p:sldId id="268" r:id="rId3"/>
+    <p:sldId id="259" r:id="rId4"/>
+    <p:sldId id="264" r:id="rId5"/>
+    <p:sldId id="261" r:id="rId6"/>
+    <p:sldId id="263" r:id="rId7"/>
+    <p:sldId id="262" r:id="rId8"/>
+    <p:sldId id="269" r:id="rId9"/>
+    <p:sldId id="270" r:id="rId10"/>
+    <p:sldId id="266" r:id="rId11"/>
+    <p:sldId id="271" r:id="rId12"/>
+    <p:sldId id="272" r:id="rId13"/>
+    <p:sldId id="267" r:id="rId14"/>
+    <p:sldId id="260" r:id="rId15"/>
+    <p:sldId id="265" r:id="rId16"/>
+    <p:sldId id="257" r:id="rId17"/>
+    <p:sldId id="258" r:id="rId18"/>
   </p:sldIdLst>
   <p:sldSz cx="12192000" cy="6858000"/>
   <p:notesSz cx="6858000" cy="9144000"/>
@@ -482,7 +487,7 @@
           <a:p>
             <a:fld id="{695A433A-98FD-4747-B80D-DDFF7158CD96}" type="datetimeFigureOut">
               <a:rPr lang="en-US" smtClean="0"/>
-              <a:t>10/9/2023</a:t>
+              <a:t>10/10/2023</a:t>
             </a:fld>
             <a:endParaRPr lang="en-US"/>
           </a:p>
@@ -680,7 +685,7 @@
           <a:p>
             <a:fld id="{695A433A-98FD-4747-B80D-DDFF7158CD96}" type="datetimeFigureOut">
               <a:rPr lang="en-US" smtClean="0"/>
-              <a:t>10/9/2023</a:t>
+              <a:t>10/10/2023</a:t>
             </a:fld>
             <a:endParaRPr lang="en-US"/>
           </a:p>
@@ -888,7 +893,7 @@
           <a:p>
             <a:fld id="{695A433A-98FD-4747-B80D-DDFF7158CD96}" type="datetimeFigureOut">
               <a:rPr lang="en-US" smtClean="0"/>
-              <a:t>10/9/2023</a:t>
+              <a:t>10/10/2023</a:t>
             </a:fld>
             <a:endParaRPr lang="en-US"/>
           </a:p>
@@ -1086,7 +1091,7 @@
           <a:p>
             <a:fld id="{695A433A-98FD-4747-B80D-DDFF7158CD96}" type="datetimeFigureOut">
               <a:rPr lang="en-US" smtClean="0"/>
-              <a:t>10/9/2023</a:t>
+              <a:t>10/10/2023</a:t>
             </a:fld>
             <a:endParaRPr lang="en-US"/>
           </a:p>
@@ -1361,7 +1366,7 @@
           <a:p>
             <a:fld id="{695A433A-98FD-4747-B80D-DDFF7158CD96}" type="datetimeFigureOut">
               <a:rPr lang="en-US" smtClean="0"/>
-              <a:t>10/9/2023</a:t>
+              <a:t>10/10/2023</a:t>
             </a:fld>
             <a:endParaRPr lang="en-US"/>
           </a:p>
@@ -1626,7 +1631,7 @@
           <a:p>
             <a:fld id="{695A433A-98FD-4747-B80D-DDFF7158CD96}" type="datetimeFigureOut">
               <a:rPr lang="en-US" smtClean="0"/>
-              <a:t>10/9/2023</a:t>
+              <a:t>10/10/2023</a:t>
             </a:fld>
             <a:endParaRPr lang="en-US"/>
           </a:p>
@@ -2038,7 +2043,7 @@
           <a:p>
             <a:fld id="{695A433A-98FD-4747-B80D-DDFF7158CD96}" type="datetimeFigureOut">
               <a:rPr lang="en-US" smtClean="0"/>
-              <a:t>10/9/2023</a:t>
+              <a:t>10/10/2023</a:t>
             </a:fld>
             <a:endParaRPr lang="en-US"/>
           </a:p>
@@ -2179,7 +2184,7 @@
           <a:p>
             <a:fld id="{695A433A-98FD-4747-B80D-DDFF7158CD96}" type="datetimeFigureOut">
               <a:rPr lang="en-US" smtClean="0"/>
-              <a:t>10/9/2023</a:t>
+              <a:t>10/10/2023</a:t>
             </a:fld>
             <a:endParaRPr lang="en-US"/>
           </a:p>
@@ -2292,7 +2297,7 @@
           <a:p>
             <a:fld id="{695A433A-98FD-4747-B80D-DDFF7158CD96}" type="datetimeFigureOut">
               <a:rPr lang="en-US" smtClean="0"/>
-              <a:t>10/9/2023</a:t>
+              <a:t>10/10/2023</a:t>
             </a:fld>
             <a:endParaRPr lang="en-US"/>
           </a:p>
@@ -2603,7 +2608,7 @@
           <a:p>
             <a:fld id="{695A433A-98FD-4747-B80D-DDFF7158CD96}" type="datetimeFigureOut">
               <a:rPr lang="en-US" smtClean="0"/>
-              <a:t>10/9/2023</a:t>
+              <a:t>10/10/2023</a:t>
             </a:fld>
             <a:endParaRPr lang="en-US"/>
           </a:p>
@@ -2891,7 +2896,7 @@
           <a:p>
             <a:fld id="{695A433A-98FD-4747-B80D-DDFF7158CD96}" type="datetimeFigureOut">
               <a:rPr lang="en-US" smtClean="0"/>
-              <a:t>10/9/2023</a:t>
+              <a:t>10/10/2023</a:t>
             </a:fld>
             <a:endParaRPr lang="en-US"/>
           </a:p>
@@ -3135,7 +3140,7 @@
             <a:fld id="{695A433A-98FD-4747-B80D-DDFF7158CD96}" type="datetimeFigureOut">
               <a:rPr lang="en-US" smtClean="0"/>
               <a:pPr/>
-              <a:t>10/9/2023</a:t>
+              <a:t>10/10/2023</a:t>
             </a:fld>
             <a:endParaRPr lang="en-US"/>
           </a:p>
@@ -4337,12 +4342,910 @@
           <a:chExt cx="0" cy="0"/>
         </a:xfrm>
       </p:grpSpPr>
-      <p:sp>
-        <p:nvSpPr>
-          <p:cNvPr id="2" name="Rectangle 1">
-            <a:extLst>
-              <a:ext uri="{FF2B5EF4-FFF2-40B4-BE49-F238E27FC236}">
-                <a16:creationId xmlns:a16="http://schemas.microsoft.com/office/drawing/2014/main" id="{5C600E18-4F23-97B9-58E9-1DA5D2F22051}"/>
+      <p:pic>
+        <p:nvPicPr>
+          <p:cNvPr id="3" name="Picture 2">
+            <a:extLst>
+              <a:ext uri="{FF2B5EF4-FFF2-40B4-BE49-F238E27FC236}">
+                <a16:creationId xmlns:a16="http://schemas.microsoft.com/office/drawing/2014/main" id="{067DC50F-F545-6E11-D573-5841D30A32D3}"/>
+              </a:ext>
+            </a:extLst>
+          </p:cNvPr>
+          <p:cNvPicPr>
+            <a:picLocks noChangeAspect="1"/>
+          </p:cNvPicPr>
+          <p:nvPr/>
+        </p:nvPicPr>
+        <p:blipFill>
+          <a:blip r:embed="rId2"/>
+          <a:stretch>
+            <a:fillRect/>
+          </a:stretch>
+        </p:blipFill>
+        <p:spPr>
+          <a:xfrm>
+            <a:off x="1410524" y="0"/>
+            <a:ext cx="8214750" cy="6858000"/>
+          </a:xfrm>
+          <a:prstGeom prst="rect">
+            <a:avLst/>
+          </a:prstGeom>
+        </p:spPr>
+      </p:pic>
+      <p:cxnSp>
+        <p:nvCxnSpPr>
+          <p:cNvPr id="5" name="Straight Arrow Connector 4">
+            <a:extLst>
+              <a:ext uri="{FF2B5EF4-FFF2-40B4-BE49-F238E27FC236}">
+                <a16:creationId xmlns:a16="http://schemas.microsoft.com/office/drawing/2014/main" id="{F56F276E-2FFA-DD11-6AF5-C9F44E153355}"/>
+              </a:ext>
+            </a:extLst>
+          </p:cNvPr>
+          <p:cNvCxnSpPr/>
+          <p:nvPr/>
+        </p:nvCxnSpPr>
+        <p:spPr>
+          <a:xfrm>
+            <a:off x="949041" y="1187777"/>
+            <a:ext cx="357788" cy="0"/>
+          </a:xfrm>
+          <a:prstGeom prst="straightConnector1">
+            <a:avLst/>
+          </a:prstGeom>
+          <a:ln>
+            <a:tailEnd type="triangle"/>
+          </a:ln>
+        </p:spPr>
+        <p:style>
+          <a:lnRef idx="1">
+            <a:schemeClr val="dk1"/>
+          </a:lnRef>
+          <a:fillRef idx="0">
+            <a:schemeClr val="dk1"/>
+          </a:fillRef>
+          <a:effectRef idx="0">
+            <a:schemeClr val="dk1"/>
+          </a:effectRef>
+          <a:fontRef idx="minor">
+            <a:schemeClr val="tx1"/>
+          </a:fontRef>
+        </p:style>
+      </p:cxnSp>
+      <p:sp>
+        <p:nvSpPr>
+          <p:cNvPr id="7" name="TextBox 6">
+            <a:extLst>
+              <a:ext uri="{FF2B5EF4-FFF2-40B4-BE49-F238E27FC236}">
+                <a16:creationId xmlns:a16="http://schemas.microsoft.com/office/drawing/2014/main" id="{026E458C-BA1A-ADD6-C196-0CB022289032}"/>
+              </a:ext>
+            </a:extLst>
+          </p:cNvPr>
+          <p:cNvSpPr txBox="1"/>
+          <p:nvPr/>
+        </p:nvSpPr>
+        <p:spPr>
+          <a:xfrm>
+            <a:off x="50237" y="333807"/>
+            <a:ext cx="1297796" cy="369332"/>
+          </a:xfrm>
+          <a:prstGeom prst="rect">
+            <a:avLst/>
+          </a:prstGeom>
+          <a:noFill/>
+        </p:spPr>
+        <p:txBody>
+          <a:bodyPr wrap="square">
+            <a:spAutoFit/>
+          </a:bodyPr>
+          <a:lstStyle/>
+          <a:p>
+            <a:r>
+              <a:rPr lang="en-US" dirty="0" err="1"/>
+              <a:t>navbarPage</a:t>
+            </a:r>
+            <a:endParaRPr lang="en-US" dirty="0"/>
+          </a:p>
+        </p:txBody>
+      </p:sp>
+      <p:sp>
+        <p:nvSpPr>
+          <p:cNvPr id="8" name="TextBox 7">
+            <a:extLst>
+              <a:ext uri="{FF2B5EF4-FFF2-40B4-BE49-F238E27FC236}">
+                <a16:creationId xmlns:a16="http://schemas.microsoft.com/office/drawing/2014/main" id="{0F7C6071-CB65-F3F2-DE73-EE1ACF0BE292}"/>
+              </a:ext>
+            </a:extLst>
+          </p:cNvPr>
+          <p:cNvSpPr txBox="1"/>
+          <p:nvPr/>
+        </p:nvSpPr>
+        <p:spPr>
+          <a:xfrm>
+            <a:off x="-15280" y="960092"/>
+            <a:ext cx="1072299" cy="369332"/>
+          </a:xfrm>
+          <a:prstGeom prst="rect">
+            <a:avLst/>
+          </a:prstGeom>
+          <a:noFill/>
+        </p:spPr>
+        <p:txBody>
+          <a:bodyPr wrap="square">
+            <a:spAutoFit/>
+          </a:bodyPr>
+          <a:lstStyle/>
+          <a:p>
+            <a:r>
+              <a:rPr lang="en-US" dirty="0" err="1"/>
+              <a:t>tabpanel</a:t>
+            </a:r>
+            <a:endParaRPr lang="en-US" dirty="0"/>
+          </a:p>
+        </p:txBody>
+      </p:sp>
+      <p:sp>
+        <p:nvSpPr>
+          <p:cNvPr id="9" name="TextBox 8">
+            <a:extLst>
+              <a:ext uri="{FF2B5EF4-FFF2-40B4-BE49-F238E27FC236}">
+                <a16:creationId xmlns:a16="http://schemas.microsoft.com/office/drawing/2014/main" id="{956429F6-5E4E-88B8-98E1-EF5089E144F5}"/>
+              </a:ext>
+            </a:extLst>
+          </p:cNvPr>
+          <p:cNvSpPr txBox="1"/>
+          <p:nvPr/>
+        </p:nvSpPr>
+        <p:spPr>
+          <a:xfrm>
+            <a:off x="50237" y="1559293"/>
+            <a:ext cx="770641" cy="369332"/>
+          </a:xfrm>
+          <a:prstGeom prst="rect">
+            <a:avLst/>
+          </a:prstGeom>
+          <a:noFill/>
+        </p:spPr>
+        <p:txBody>
+          <a:bodyPr wrap="square">
+            <a:spAutoFit/>
+          </a:bodyPr>
+          <a:lstStyle/>
+          <a:p>
+            <a:r>
+              <a:rPr lang="en-US" dirty="0"/>
+              <a:t>tabs</a:t>
+            </a:r>
+          </a:p>
+        </p:txBody>
+      </p:sp>
+      <p:cxnSp>
+        <p:nvCxnSpPr>
+          <p:cNvPr id="11" name="Straight Arrow Connector 10">
+            <a:extLst>
+              <a:ext uri="{FF2B5EF4-FFF2-40B4-BE49-F238E27FC236}">
+                <a16:creationId xmlns:a16="http://schemas.microsoft.com/office/drawing/2014/main" id="{30883794-BF04-2305-A86F-B0692B61B58C}"/>
+              </a:ext>
+            </a:extLst>
+          </p:cNvPr>
+          <p:cNvCxnSpPr/>
+          <p:nvPr/>
+        </p:nvCxnSpPr>
+        <p:spPr>
+          <a:xfrm>
+            <a:off x="949041" y="1725104"/>
+            <a:ext cx="357788" cy="0"/>
+          </a:xfrm>
+          <a:prstGeom prst="straightConnector1">
+            <a:avLst/>
+          </a:prstGeom>
+          <a:ln>
+            <a:tailEnd type="triangle"/>
+          </a:ln>
+        </p:spPr>
+        <p:style>
+          <a:lnRef idx="1">
+            <a:schemeClr val="dk1"/>
+          </a:lnRef>
+          <a:fillRef idx="0">
+            <a:schemeClr val="dk1"/>
+          </a:fillRef>
+          <a:effectRef idx="0">
+            <a:schemeClr val="dk1"/>
+          </a:effectRef>
+          <a:fontRef idx="minor">
+            <a:schemeClr val="tx1"/>
+          </a:fontRef>
+        </p:style>
+      </p:cxnSp>
+      <p:sp>
+        <p:nvSpPr>
+          <p:cNvPr id="12" name="TextBox 11">
+            <a:extLst>
+              <a:ext uri="{FF2B5EF4-FFF2-40B4-BE49-F238E27FC236}">
+                <a16:creationId xmlns:a16="http://schemas.microsoft.com/office/drawing/2014/main" id="{95AE04F9-CD3F-5E38-BF9A-3EC4EAF944C3}"/>
+              </a:ext>
+            </a:extLst>
+          </p:cNvPr>
+          <p:cNvSpPr txBox="1"/>
+          <p:nvPr/>
+        </p:nvSpPr>
+        <p:spPr>
+          <a:xfrm>
+            <a:off x="1994556" y="818445"/>
+            <a:ext cx="314510" cy="369332"/>
+          </a:xfrm>
+          <a:prstGeom prst="rect">
+            <a:avLst/>
+          </a:prstGeom>
+          <a:noFill/>
+        </p:spPr>
+        <p:txBody>
+          <a:bodyPr wrap="none" rtlCol="0">
+            <a:spAutoFit/>
+          </a:bodyPr>
+          <a:lstStyle/>
+          <a:p>
+            <a:r>
+              <a:rPr lang="he-IL" dirty="0"/>
+              <a:t>א</a:t>
+            </a:r>
+            <a:endParaRPr lang="en-US" dirty="0"/>
+          </a:p>
+        </p:txBody>
+      </p:sp>
+      <p:sp>
+        <p:nvSpPr>
+          <p:cNvPr id="13" name="TextBox 12">
+            <a:extLst>
+              <a:ext uri="{FF2B5EF4-FFF2-40B4-BE49-F238E27FC236}">
+                <a16:creationId xmlns:a16="http://schemas.microsoft.com/office/drawing/2014/main" id="{6A69D6BE-EF62-CDBF-FFB2-3E1161009FE8}"/>
+              </a:ext>
+            </a:extLst>
+          </p:cNvPr>
+          <p:cNvSpPr txBox="1"/>
+          <p:nvPr/>
+        </p:nvSpPr>
+        <p:spPr>
+          <a:xfrm>
+            <a:off x="2578588" y="818445"/>
+            <a:ext cx="314510" cy="369332"/>
+          </a:xfrm>
+          <a:prstGeom prst="rect">
+            <a:avLst/>
+          </a:prstGeom>
+          <a:noFill/>
+        </p:spPr>
+        <p:txBody>
+          <a:bodyPr wrap="none" rtlCol="0">
+            <a:spAutoFit/>
+          </a:bodyPr>
+          <a:lstStyle/>
+          <a:p>
+            <a:r>
+              <a:rPr lang="he-IL" dirty="0"/>
+              <a:t>ב</a:t>
+            </a:r>
+            <a:endParaRPr lang="en-US" dirty="0"/>
+          </a:p>
+        </p:txBody>
+      </p:sp>
+      <p:sp>
+        <p:nvSpPr>
+          <p:cNvPr id="14" name="TextBox 13">
+            <a:extLst>
+              <a:ext uri="{FF2B5EF4-FFF2-40B4-BE49-F238E27FC236}">
+                <a16:creationId xmlns:a16="http://schemas.microsoft.com/office/drawing/2014/main" id="{84AA9F1E-B6BC-7072-3F8D-EA2096C03323}"/>
+              </a:ext>
+            </a:extLst>
+          </p:cNvPr>
+          <p:cNvSpPr txBox="1"/>
+          <p:nvPr/>
+        </p:nvSpPr>
+        <p:spPr>
+          <a:xfrm>
+            <a:off x="3162620" y="818445"/>
+            <a:ext cx="276038" cy="369332"/>
+          </a:xfrm>
+          <a:prstGeom prst="rect">
+            <a:avLst/>
+          </a:prstGeom>
+          <a:noFill/>
+        </p:spPr>
+        <p:txBody>
+          <a:bodyPr wrap="none" rtlCol="0">
+            <a:spAutoFit/>
+          </a:bodyPr>
+          <a:lstStyle/>
+          <a:p>
+            <a:r>
+              <a:rPr lang="he-IL" dirty="0"/>
+              <a:t>ג</a:t>
+            </a:r>
+            <a:endParaRPr lang="en-US" dirty="0"/>
+          </a:p>
+        </p:txBody>
+      </p:sp>
+      <p:cxnSp>
+        <p:nvCxnSpPr>
+          <p:cNvPr id="17" name="Straight Arrow Connector 16">
+            <a:extLst>
+              <a:ext uri="{FF2B5EF4-FFF2-40B4-BE49-F238E27FC236}">
+                <a16:creationId xmlns:a16="http://schemas.microsoft.com/office/drawing/2014/main" id="{F53F89AB-5F8E-1775-D2C8-E8BC85DA2880}"/>
+              </a:ext>
+            </a:extLst>
+          </p:cNvPr>
+          <p:cNvCxnSpPr/>
+          <p:nvPr/>
+        </p:nvCxnSpPr>
+        <p:spPr>
+          <a:xfrm flipH="1">
+            <a:off x="7849462" y="2130458"/>
+            <a:ext cx="348792" cy="150829"/>
+          </a:xfrm>
+          <a:prstGeom prst="straightConnector1">
+            <a:avLst/>
+          </a:prstGeom>
+          <a:ln>
+            <a:tailEnd type="triangle"/>
+          </a:ln>
+        </p:spPr>
+        <p:style>
+          <a:lnRef idx="1">
+            <a:schemeClr val="accent2"/>
+          </a:lnRef>
+          <a:fillRef idx="0">
+            <a:schemeClr val="accent2"/>
+          </a:fillRef>
+          <a:effectRef idx="0">
+            <a:schemeClr val="accent2"/>
+          </a:effectRef>
+          <a:fontRef idx="minor">
+            <a:schemeClr val="tx1"/>
+          </a:fontRef>
+        </p:style>
+      </p:cxnSp>
+      <p:cxnSp>
+        <p:nvCxnSpPr>
+          <p:cNvPr id="18" name="Straight Arrow Connector 17">
+            <a:extLst>
+              <a:ext uri="{FF2B5EF4-FFF2-40B4-BE49-F238E27FC236}">
+                <a16:creationId xmlns:a16="http://schemas.microsoft.com/office/drawing/2014/main" id="{AD56CC2B-2B2F-CFBA-80C3-61016C7D50BB}"/>
+              </a:ext>
+            </a:extLst>
+          </p:cNvPr>
+          <p:cNvCxnSpPr/>
+          <p:nvPr/>
+        </p:nvCxnSpPr>
+        <p:spPr>
+          <a:xfrm flipH="1">
+            <a:off x="7675066" y="2837468"/>
+            <a:ext cx="348792" cy="150829"/>
+          </a:xfrm>
+          <a:prstGeom prst="straightConnector1">
+            <a:avLst/>
+          </a:prstGeom>
+          <a:ln>
+            <a:tailEnd type="triangle"/>
+          </a:ln>
+        </p:spPr>
+        <p:style>
+          <a:lnRef idx="1">
+            <a:schemeClr val="accent2"/>
+          </a:lnRef>
+          <a:fillRef idx="0">
+            <a:schemeClr val="accent2"/>
+          </a:fillRef>
+          <a:effectRef idx="0">
+            <a:schemeClr val="accent2"/>
+          </a:effectRef>
+          <a:fontRef idx="minor">
+            <a:schemeClr val="tx1"/>
+          </a:fontRef>
+        </p:style>
+      </p:cxnSp>
+      <p:sp>
+        <p:nvSpPr>
+          <p:cNvPr id="19" name="TextBox 18">
+            <a:extLst>
+              <a:ext uri="{FF2B5EF4-FFF2-40B4-BE49-F238E27FC236}">
+                <a16:creationId xmlns:a16="http://schemas.microsoft.com/office/drawing/2014/main" id="{BF21C865-24BC-8FB9-16DE-CD1648A2AE85}"/>
+              </a:ext>
+            </a:extLst>
+          </p:cNvPr>
+          <p:cNvSpPr txBox="1"/>
+          <p:nvPr/>
+        </p:nvSpPr>
+        <p:spPr>
+          <a:xfrm>
+            <a:off x="10042491" y="267398"/>
+            <a:ext cx="1477969" cy="369332"/>
+          </a:xfrm>
+          <a:prstGeom prst="rect">
+            <a:avLst/>
+          </a:prstGeom>
+          <a:noFill/>
+        </p:spPr>
+        <p:txBody>
+          <a:bodyPr wrap="none" rtlCol="0">
+            <a:spAutoFit/>
+          </a:bodyPr>
+          <a:lstStyle/>
+          <a:p>
+            <a:r>
+              <a:rPr lang="en-US" dirty="0" err="1"/>
+              <a:t>cfg$scenarios</a:t>
+            </a:r>
+            <a:endParaRPr lang="en-US" dirty="0"/>
+          </a:p>
+        </p:txBody>
+      </p:sp>
+      <p:sp>
+        <p:nvSpPr>
+          <p:cNvPr id="21" name="TextBox 20">
+            <a:extLst>
+              <a:ext uri="{FF2B5EF4-FFF2-40B4-BE49-F238E27FC236}">
+                <a16:creationId xmlns:a16="http://schemas.microsoft.com/office/drawing/2014/main" id="{2E2F7325-AA87-9DD0-F324-164CD1BCCAC8}"/>
+              </a:ext>
+            </a:extLst>
+          </p:cNvPr>
+          <p:cNvSpPr txBox="1"/>
+          <p:nvPr/>
+        </p:nvSpPr>
+        <p:spPr>
+          <a:xfrm>
+            <a:off x="6722627" y="2446372"/>
+            <a:ext cx="1242715" cy="276999"/>
+          </a:xfrm>
+          <a:prstGeom prst="rect">
+            <a:avLst/>
+          </a:prstGeom>
+          <a:noFill/>
+        </p:spPr>
+        <p:txBody>
+          <a:bodyPr wrap="square">
+            <a:spAutoFit/>
+          </a:bodyPr>
+          <a:lstStyle>
+            <a:defPPr>
+              <a:defRPr lang="en-US"/>
+            </a:defPPr>
+            <a:lvl1pPr algn="ctr">
+              <a:defRPr sz="1200">
+                <a:highlight>
+                  <a:srgbClr val="FFFF00"/>
+                </a:highlight>
+              </a:defRPr>
+            </a:lvl1pPr>
+          </a:lstStyle>
+          <a:p>
+            <a:r>
+              <a:rPr lang="en-US" dirty="0" err="1">
+                <a:highlight>
+                  <a:srgbClr val="00FFFF"/>
+                </a:highlight>
+              </a:rPr>
+              <a:t>cfg$scnsources</a:t>
+            </a:r>
+            <a:endParaRPr lang="en-US" dirty="0">
+              <a:highlight>
+                <a:srgbClr val="00FFFF"/>
+              </a:highlight>
+            </a:endParaRPr>
+          </a:p>
+        </p:txBody>
+      </p:sp>
+      <p:sp>
+        <p:nvSpPr>
+          <p:cNvPr id="23" name="TextBox 22">
+            <a:extLst>
+              <a:ext uri="{FF2B5EF4-FFF2-40B4-BE49-F238E27FC236}">
+                <a16:creationId xmlns:a16="http://schemas.microsoft.com/office/drawing/2014/main" id="{956ADE46-6B66-B10D-63D1-86D6EF1523C0}"/>
+              </a:ext>
+            </a:extLst>
+          </p:cNvPr>
+          <p:cNvSpPr txBox="1"/>
+          <p:nvPr/>
+        </p:nvSpPr>
+        <p:spPr>
+          <a:xfrm>
+            <a:off x="8382559" y="2428006"/>
+            <a:ext cx="1242715" cy="276999"/>
+          </a:xfrm>
+          <a:prstGeom prst="rect">
+            <a:avLst/>
+          </a:prstGeom>
+          <a:noFill/>
+        </p:spPr>
+        <p:txBody>
+          <a:bodyPr wrap="square">
+            <a:spAutoFit/>
+          </a:bodyPr>
+          <a:lstStyle/>
+          <a:p>
+            <a:pPr algn="ctr"/>
+            <a:r>
+              <a:rPr lang="en-US" sz="1200" dirty="0" err="1">
+                <a:highlight>
+                  <a:srgbClr val="FFFF00"/>
+                </a:highlight>
+              </a:rPr>
+              <a:t>input$selectSrc</a:t>
+            </a:r>
+            <a:endParaRPr lang="en-US" sz="1200" dirty="0">
+              <a:highlight>
+                <a:srgbClr val="FFFF00"/>
+              </a:highlight>
+            </a:endParaRPr>
+          </a:p>
+        </p:txBody>
+      </p:sp>
+      <p:cxnSp>
+        <p:nvCxnSpPr>
+          <p:cNvPr id="27" name="Straight Arrow Connector 26">
+            <a:extLst>
+              <a:ext uri="{FF2B5EF4-FFF2-40B4-BE49-F238E27FC236}">
+                <a16:creationId xmlns:a16="http://schemas.microsoft.com/office/drawing/2014/main" id="{C3BC1A83-E5DA-5AEB-9C82-CB5F3FCFDE9B}"/>
+              </a:ext>
+            </a:extLst>
+          </p:cNvPr>
+          <p:cNvCxnSpPr>
+            <a:stCxn id="23" idx="3"/>
+          </p:cNvCxnSpPr>
+          <p:nvPr/>
+        </p:nvCxnSpPr>
+        <p:spPr>
+          <a:xfrm flipV="1">
+            <a:off x="9625274" y="2566505"/>
+            <a:ext cx="508540" cy="1"/>
+          </a:xfrm>
+          <a:prstGeom prst="straightConnector1">
+            <a:avLst/>
+          </a:prstGeom>
+          <a:ln>
+            <a:tailEnd type="triangle"/>
+          </a:ln>
+        </p:spPr>
+        <p:style>
+          <a:lnRef idx="1">
+            <a:schemeClr val="accent1"/>
+          </a:lnRef>
+          <a:fillRef idx="0">
+            <a:schemeClr val="accent1"/>
+          </a:fillRef>
+          <a:effectRef idx="0">
+            <a:schemeClr val="accent1"/>
+          </a:effectRef>
+          <a:fontRef idx="minor">
+            <a:schemeClr val="tx1"/>
+          </a:fontRef>
+        </p:style>
+      </p:cxnSp>
+      <p:sp>
+        <p:nvSpPr>
+          <p:cNvPr id="29" name="TextBox 28">
+            <a:extLst>
+              <a:ext uri="{FF2B5EF4-FFF2-40B4-BE49-F238E27FC236}">
+                <a16:creationId xmlns:a16="http://schemas.microsoft.com/office/drawing/2014/main" id="{26678043-B23B-82A4-2406-D77A39B2A0EB}"/>
+              </a:ext>
+            </a:extLst>
+          </p:cNvPr>
+          <p:cNvSpPr txBox="1"/>
+          <p:nvPr/>
+        </p:nvSpPr>
+        <p:spPr>
+          <a:xfrm>
+            <a:off x="10297787" y="2335673"/>
+            <a:ext cx="1140404" cy="369332"/>
+          </a:xfrm>
+          <a:prstGeom prst="rect">
+            <a:avLst/>
+          </a:prstGeom>
+          <a:noFill/>
+        </p:spPr>
+        <p:txBody>
+          <a:bodyPr wrap="square">
+            <a:spAutoFit/>
+          </a:bodyPr>
+          <a:lstStyle/>
+          <a:p>
+            <a:r>
+              <a:rPr lang="en-US" dirty="0" err="1"/>
+              <a:t>currentsrc</a:t>
+            </a:r>
+            <a:endParaRPr lang="en-US" dirty="0"/>
+          </a:p>
+        </p:txBody>
+      </p:sp>
+      <p:sp>
+        <p:nvSpPr>
+          <p:cNvPr id="31" name="TextBox 30">
+            <a:extLst>
+              <a:ext uri="{FF2B5EF4-FFF2-40B4-BE49-F238E27FC236}">
+                <a16:creationId xmlns:a16="http://schemas.microsoft.com/office/drawing/2014/main" id="{1623C78F-31CF-3ECC-E15F-51266B3C528A}"/>
+              </a:ext>
+            </a:extLst>
+          </p:cNvPr>
+          <p:cNvSpPr txBox="1"/>
+          <p:nvPr/>
+        </p:nvSpPr>
+        <p:spPr>
+          <a:xfrm>
+            <a:off x="6661243" y="3120759"/>
+            <a:ext cx="1242715" cy="276999"/>
+          </a:xfrm>
+          <a:prstGeom prst="rect">
+            <a:avLst/>
+          </a:prstGeom>
+          <a:noFill/>
+        </p:spPr>
+        <p:txBody>
+          <a:bodyPr wrap="square">
+            <a:spAutoFit/>
+          </a:bodyPr>
+          <a:lstStyle>
+            <a:defPPr>
+              <a:defRPr lang="en-US"/>
+            </a:defPPr>
+            <a:lvl1pPr algn="ctr">
+              <a:defRPr sz="1200">
+                <a:highlight>
+                  <a:srgbClr val="00FFFF"/>
+                </a:highlight>
+              </a:defRPr>
+            </a:lvl1pPr>
+          </a:lstStyle>
+          <a:p>
+            <a:r>
+              <a:rPr lang="en-US" dirty="0" err="1"/>
+              <a:t>cfg$scnchoices</a:t>
+            </a:r>
+            <a:endParaRPr lang="en-US" dirty="0"/>
+          </a:p>
+        </p:txBody>
+      </p:sp>
+      <p:sp>
+        <p:nvSpPr>
+          <p:cNvPr id="33" name="TextBox 32">
+            <a:extLst>
+              <a:ext uri="{FF2B5EF4-FFF2-40B4-BE49-F238E27FC236}">
+                <a16:creationId xmlns:a16="http://schemas.microsoft.com/office/drawing/2014/main" id="{7D72F484-F877-0F84-BBD8-8698156C55FF}"/>
+              </a:ext>
+            </a:extLst>
+          </p:cNvPr>
+          <p:cNvSpPr txBox="1"/>
+          <p:nvPr/>
+        </p:nvSpPr>
+        <p:spPr>
+          <a:xfrm>
+            <a:off x="8314391" y="3118823"/>
+            <a:ext cx="1562492" cy="276999"/>
+          </a:xfrm>
+          <a:prstGeom prst="rect">
+            <a:avLst/>
+          </a:prstGeom>
+          <a:noFill/>
+        </p:spPr>
+        <p:txBody>
+          <a:bodyPr wrap="square">
+            <a:spAutoFit/>
+          </a:bodyPr>
+          <a:lstStyle>
+            <a:defPPr>
+              <a:defRPr lang="en-US"/>
+            </a:defPPr>
+            <a:lvl1pPr algn="ctr">
+              <a:defRPr sz="1200">
+                <a:highlight>
+                  <a:srgbClr val="FFFF00"/>
+                </a:highlight>
+              </a:defRPr>
+            </a:lvl1pPr>
+          </a:lstStyle>
+          <a:p>
+            <a:r>
+              <a:rPr lang="en-US" dirty="0" err="1"/>
+              <a:t>input$selectScn</a:t>
+            </a:r>
+            <a:endParaRPr lang="en-US" dirty="0"/>
+          </a:p>
+        </p:txBody>
+      </p:sp>
+      <p:sp>
+        <p:nvSpPr>
+          <p:cNvPr id="35" name="TextBox 34">
+            <a:extLst>
+              <a:ext uri="{FF2B5EF4-FFF2-40B4-BE49-F238E27FC236}">
+                <a16:creationId xmlns:a16="http://schemas.microsoft.com/office/drawing/2014/main" id="{203B9F0C-EC95-7ACA-4D99-3C355B02896B}"/>
+              </a:ext>
+            </a:extLst>
+          </p:cNvPr>
+          <p:cNvSpPr txBox="1"/>
+          <p:nvPr/>
+        </p:nvSpPr>
+        <p:spPr>
+          <a:xfrm>
+            <a:off x="10297787" y="3026490"/>
+            <a:ext cx="1355103" cy="369332"/>
+          </a:xfrm>
+          <a:prstGeom prst="rect">
+            <a:avLst/>
+          </a:prstGeom>
+          <a:noFill/>
+        </p:spPr>
+        <p:txBody>
+          <a:bodyPr wrap="square">
+            <a:spAutoFit/>
+          </a:bodyPr>
+          <a:lstStyle/>
+          <a:p>
+            <a:r>
+              <a:rPr lang="en-US" dirty="0" err="1"/>
+              <a:t>currentscn</a:t>
+            </a:r>
+            <a:endParaRPr lang="en-US" dirty="0"/>
+          </a:p>
+        </p:txBody>
+      </p:sp>
+      <p:cxnSp>
+        <p:nvCxnSpPr>
+          <p:cNvPr id="36" name="Straight Arrow Connector 35">
+            <a:extLst>
+              <a:ext uri="{FF2B5EF4-FFF2-40B4-BE49-F238E27FC236}">
+                <a16:creationId xmlns:a16="http://schemas.microsoft.com/office/drawing/2014/main" id="{1ECFFC68-637D-4542-962C-55C5E32BBD0A}"/>
+              </a:ext>
+            </a:extLst>
+          </p:cNvPr>
+          <p:cNvCxnSpPr/>
+          <p:nvPr/>
+        </p:nvCxnSpPr>
+        <p:spPr>
+          <a:xfrm flipV="1">
+            <a:off x="9658992" y="3257321"/>
+            <a:ext cx="508540" cy="1"/>
+          </a:xfrm>
+          <a:prstGeom prst="straightConnector1">
+            <a:avLst/>
+          </a:prstGeom>
+          <a:ln>
+            <a:tailEnd type="triangle"/>
+          </a:ln>
+        </p:spPr>
+        <p:style>
+          <a:lnRef idx="1">
+            <a:schemeClr val="accent1"/>
+          </a:lnRef>
+          <a:fillRef idx="0">
+            <a:schemeClr val="accent1"/>
+          </a:fillRef>
+          <a:effectRef idx="0">
+            <a:schemeClr val="accent1"/>
+          </a:effectRef>
+          <a:fontRef idx="minor">
+            <a:schemeClr val="tx1"/>
+          </a:fontRef>
+        </p:style>
+      </p:cxnSp>
+      <p:sp>
+        <p:nvSpPr>
+          <p:cNvPr id="37" name="TextBox 36">
+            <a:extLst>
+              <a:ext uri="{FF2B5EF4-FFF2-40B4-BE49-F238E27FC236}">
+                <a16:creationId xmlns:a16="http://schemas.microsoft.com/office/drawing/2014/main" id="{28236D96-ED4C-B796-3477-651071014F74}"/>
+              </a:ext>
+            </a:extLst>
+          </p:cNvPr>
+          <p:cNvSpPr txBox="1"/>
+          <p:nvPr/>
+        </p:nvSpPr>
+        <p:spPr>
+          <a:xfrm>
+            <a:off x="10042491" y="683089"/>
+            <a:ext cx="874598" cy="369332"/>
+          </a:xfrm>
+          <a:prstGeom prst="rect">
+            <a:avLst/>
+          </a:prstGeom>
+          <a:noFill/>
+        </p:spPr>
+        <p:txBody>
+          <a:bodyPr wrap="none" rtlCol="0">
+            <a:spAutoFit/>
+          </a:bodyPr>
+          <a:lstStyle/>
+          <a:p>
+            <a:r>
+              <a:rPr lang="en-US" dirty="0"/>
+              <a:t>List(12)</a:t>
+            </a:r>
+          </a:p>
+        </p:txBody>
+      </p:sp>
+      <p:cxnSp>
+        <p:nvCxnSpPr>
+          <p:cNvPr id="39" name="Straight Arrow Connector 38">
+            <a:extLst>
+              <a:ext uri="{FF2B5EF4-FFF2-40B4-BE49-F238E27FC236}">
+                <a16:creationId xmlns:a16="http://schemas.microsoft.com/office/drawing/2014/main" id="{79BF8896-98BB-E67A-3956-D2160CA5AB10}"/>
+              </a:ext>
+            </a:extLst>
+          </p:cNvPr>
+          <p:cNvCxnSpPr>
+            <a:endCxn id="37" idx="3"/>
+          </p:cNvCxnSpPr>
+          <p:nvPr/>
+        </p:nvCxnSpPr>
+        <p:spPr>
+          <a:xfrm flipH="1">
+            <a:off x="10917089" y="867755"/>
+            <a:ext cx="178259" cy="0"/>
+          </a:xfrm>
+          <a:prstGeom prst="straightConnector1">
+            <a:avLst/>
+          </a:prstGeom>
+          <a:ln>
+            <a:tailEnd type="triangle"/>
+          </a:ln>
+        </p:spPr>
+        <p:style>
+          <a:lnRef idx="1">
+            <a:schemeClr val="accent1"/>
+          </a:lnRef>
+          <a:fillRef idx="0">
+            <a:schemeClr val="accent1"/>
+          </a:fillRef>
+          <a:effectRef idx="0">
+            <a:schemeClr val="accent1"/>
+          </a:effectRef>
+          <a:fontRef idx="minor">
+            <a:schemeClr val="tx1"/>
+          </a:fontRef>
+        </p:style>
+      </p:cxnSp>
+      <p:cxnSp>
+        <p:nvCxnSpPr>
+          <p:cNvPr id="40" name="Straight Arrow Connector 39">
+            <a:extLst>
+              <a:ext uri="{FF2B5EF4-FFF2-40B4-BE49-F238E27FC236}">
+                <a16:creationId xmlns:a16="http://schemas.microsoft.com/office/drawing/2014/main" id="{5BC27A05-3844-C875-37FD-54A22BFBDD1A}"/>
+              </a:ext>
+            </a:extLst>
+          </p:cNvPr>
+          <p:cNvCxnSpPr/>
+          <p:nvPr/>
+        </p:nvCxnSpPr>
+        <p:spPr>
+          <a:xfrm flipH="1">
+            <a:off x="8293429" y="3257321"/>
+            <a:ext cx="178259" cy="0"/>
+          </a:xfrm>
+          <a:prstGeom prst="straightConnector1">
+            <a:avLst/>
+          </a:prstGeom>
+          <a:ln>
+            <a:tailEnd type="triangle"/>
+          </a:ln>
+        </p:spPr>
+        <p:style>
+          <a:lnRef idx="1">
+            <a:schemeClr val="accent1"/>
+          </a:lnRef>
+          <a:fillRef idx="0">
+            <a:schemeClr val="accent1"/>
+          </a:fillRef>
+          <a:effectRef idx="0">
+            <a:schemeClr val="accent1"/>
+          </a:effectRef>
+          <a:fontRef idx="minor">
+            <a:schemeClr val="tx1"/>
+          </a:fontRef>
+        </p:style>
+      </p:cxnSp>
+      <p:sp>
+        <p:nvSpPr>
+          <p:cNvPr id="44" name="Rectangle 43">
+            <a:extLst>
+              <a:ext uri="{FF2B5EF4-FFF2-40B4-BE49-F238E27FC236}">
+                <a16:creationId xmlns:a16="http://schemas.microsoft.com/office/drawing/2014/main" id="{B7AD2ED2-71DE-4F86-E4C0-E9F527458BBF}"/>
               </a:ext>
             </a:extLst>
           </p:cNvPr>
@@ -4351,12 +5254,13 @@
         </p:nvSpPr>
         <p:spPr>
           <a:xfrm>
-            <a:off x="5104794" y="1800520"/>
-            <a:ext cx="1348033" cy="961534"/>
+            <a:off x="1587500" y="1372443"/>
+            <a:ext cx="5135127" cy="5485557"/>
           </a:xfrm>
           <a:prstGeom prst="rect">
             <a:avLst/>
           </a:prstGeom>
+          <a:noFill/>
         </p:spPr>
         <p:style>
           <a:lnRef idx="2">
@@ -4379,19 +5283,55 @@
           <a:lstStyle/>
           <a:p>
             <a:pPr algn="ctr"/>
-            <a:r>
-              <a:rPr lang="en-US" dirty="0"/>
-              <a:t>main</a:t>
-            </a:r>
-          </a:p>
-        </p:txBody>
-      </p:sp>
-      <p:sp>
-        <p:nvSpPr>
-          <p:cNvPr id="3" name="Rectangle 2">
-            <a:extLst>
-              <a:ext uri="{FF2B5EF4-FFF2-40B4-BE49-F238E27FC236}">
-                <a16:creationId xmlns:a16="http://schemas.microsoft.com/office/drawing/2014/main" id="{3992DD80-8E77-42DA-63D7-6A8FA50ECD50}"/>
+            <a:endParaRPr lang="en-US"/>
+          </a:p>
+        </p:txBody>
+      </p:sp>
+      <p:sp>
+        <p:nvSpPr>
+          <p:cNvPr id="43" name="TextBox 42">
+            <a:extLst>
+              <a:ext uri="{FF2B5EF4-FFF2-40B4-BE49-F238E27FC236}">
+                <a16:creationId xmlns:a16="http://schemas.microsoft.com/office/drawing/2014/main" id="{F33E6C60-AA17-EB5C-1A99-4808F5B695C8}"/>
+              </a:ext>
+            </a:extLst>
+          </p:cNvPr>
+          <p:cNvSpPr txBox="1"/>
+          <p:nvPr/>
+        </p:nvSpPr>
+        <p:spPr>
+          <a:xfrm>
+            <a:off x="3558340" y="1223797"/>
+            <a:ext cx="1127959" cy="307777"/>
+          </a:xfrm>
+          <a:prstGeom prst="rect">
+            <a:avLst/>
+          </a:prstGeom>
+          <a:solidFill>
+            <a:schemeClr val="bg1"/>
+          </a:solidFill>
+        </p:spPr>
+        <p:txBody>
+          <a:bodyPr wrap="square">
+            <a:spAutoFit/>
+          </a:bodyPr>
+          <a:lstStyle/>
+          <a:p>
+            <a:pPr algn="ctr"/>
+            <a:r>
+              <a:rPr lang="en-US" sz="1400" b="1" dirty="0" err="1"/>
+              <a:t>mainPanel</a:t>
+            </a:r>
+            <a:endParaRPr lang="en-US" sz="1400" b="1" dirty="0"/>
+          </a:p>
+        </p:txBody>
+      </p:sp>
+      <p:sp>
+        <p:nvSpPr>
+          <p:cNvPr id="46" name="Rectangle 45">
+            <a:extLst>
+              <a:ext uri="{FF2B5EF4-FFF2-40B4-BE49-F238E27FC236}">
+                <a16:creationId xmlns:a16="http://schemas.microsoft.com/office/drawing/2014/main" id="{810A9917-5895-E22D-42A8-C806AC0960E7}"/>
               </a:ext>
             </a:extLst>
           </p:cNvPr>
@@ -4400,12 +5340,13 @@
         </p:nvSpPr>
         <p:spPr>
           <a:xfrm>
-            <a:off x="2375852" y="4255359"/>
-            <a:ext cx="1348033" cy="961534"/>
+            <a:off x="6725782" y="1395622"/>
+            <a:ext cx="2642561" cy="5485557"/>
           </a:xfrm>
           <a:prstGeom prst="rect">
             <a:avLst/>
           </a:prstGeom>
+          <a:noFill/>
         </p:spPr>
         <p:style>
           <a:lnRef idx="2">
@@ -4428,35 +5369,322 @@
           <a:lstStyle/>
           <a:p>
             <a:pPr algn="ctr"/>
-            <a:r>
-              <a:rPr lang="en-US" dirty="0" err="1"/>
-              <a:t>ido</a:t>
+            <a:endParaRPr lang="en-US"/>
+          </a:p>
+        </p:txBody>
+      </p:sp>
+      <p:sp>
+        <p:nvSpPr>
+          <p:cNvPr id="45" name="TextBox 44">
+            <a:extLst>
+              <a:ext uri="{FF2B5EF4-FFF2-40B4-BE49-F238E27FC236}">
+                <a16:creationId xmlns:a16="http://schemas.microsoft.com/office/drawing/2014/main" id="{A7DC41DA-62C7-C598-5060-044F9B0AB895}"/>
+              </a:ext>
+            </a:extLst>
+          </p:cNvPr>
+          <p:cNvSpPr txBox="1"/>
+          <p:nvPr/>
+        </p:nvSpPr>
+        <p:spPr>
+          <a:xfrm>
+            <a:off x="7459878" y="1266500"/>
+            <a:ext cx="1127959" cy="307777"/>
+          </a:xfrm>
+          <a:prstGeom prst="rect">
+            <a:avLst/>
+          </a:prstGeom>
+          <a:solidFill>
+            <a:schemeClr val="bg1"/>
+          </a:solidFill>
+        </p:spPr>
+        <p:txBody>
+          <a:bodyPr wrap="square">
+            <a:spAutoFit/>
+          </a:bodyPr>
+          <a:lstStyle/>
+          <a:p>
+            <a:pPr algn="ctr"/>
+            <a:r>
+              <a:rPr lang="en-US" sz="1400" b="1" dirty="0"/>
+              <a:t>sidebar</a:t>
+            </a:r>
+          </a:p>
+        </p:txBody>
+      </p:sp>
+      <p:sp>
+        <p:nvSpPr>
+          <p:cNvPr id="47" name="TextBox 46">
+            <a:extLst>
+              <a:ext uri="{FF2B5EF4-FFF2-40B4-BE49-F238E27FC236}">
+                <a16:creationId xmlns:a16="http://schemas.microsoft.com/office/drawing/2014/main" id="{7690E482-EE93-9FE9-3188-C88718B8CE4A}"/>
+              </a:ext>
+            </a:extLst>
+          </p:cNvPr>
+          <p:cNvSpPr txBox="1"/>
+          <p:nvPr/>
+        </p:nvSpPr>
+        <p:spPr>
+          <a:xfrm>
+            <a:off x="8042951" y="3824759"/>
+            <a:ext cx="1178609" cy="646331"/>
+          </a:xfrm>
+          <a:prstGeom prst="rect">
+            <a:avLst/>
+          </a:prstGeom>
+          <a:noFill/>
+        </p:spPr>
+        <p:txBody>
+          <a:bodyPr wrap="square" rtlCol="0">
+            <a:spAutoFit/>
+          </a:bodyPr>
+          <a:lstStyle/>
+          <a:p>
+            <a:pPr algn="ctr"/>
+            <a:r>
+              <a:rPr lang="he-IL" dirty="0"/>
+              <a:t>רשימת תרחישים</a:t>
             </a:r>
             <a:endParaRPr lang="en-US" dirty="0"/>
+          </a:p>
+        </p:txBody>
+      </p:sp>
+      <p:sp>
+        <p:nvSpPr>
+          <p:cNvPr id="48" name="TextBox 47">
+            <a:extLst>
+              <a:ext uri="{FF2B5EF4-FFF2-40B4-BE49-F238E27FC236}">
+                <a16:creationId xmlns:a16="http://schemas.microsoft.com/office/drawing/2014/main" id="{D26B882A-7E19-A119-4B50-CB86277EDAEA}"/>
+              </a:ext>
+            </a:extLst>
+          </p:cNvPr>
+          <p:cNvSpPr txBox="1"/>
+          <p:nvPr/>
+        </p:nvSpPr>
+        <p:spPr>
+          <a:xfrm>
+            <a:off x="6825655" y="3824759"/>
+            <a:ext cx="1178609" cy="369332"/>
+          </a:xfrm>
+          <a:prstGeom prst="rect">
+            <a:avLst/>
+          </a:prstGeom>
+          <a:noFill/>
+        </p:spPr>
+        <p:txBody>
+          <a:bodyPr wrap="square" rtlCol="0">
+            <a:spAutoFit/>
+          </a:bodyPr>
+          <a:lstStyle/>
+          <a:p>
+            <a:pPr algn="ctr"/>
+            <a:r>
+              <a:rPr lang="he-IL" dirty="0"/>
+              <a:t>שנים</a:t>
+            </a:r>
+            <a:endParaRPr lang="en-US" dirty="0"/>
+          </a:p>
+        </p:txBody>
+      </p:sp>
+      <p:sp>
+        <p:nvSpPr>
+          <p:cNvPr id="49" name="TextBox 48">
+            <a:extLst>
+              <a:ext uri="{FF2B5EF4-FFF2-40B4-BE49-F238E27FC236}">
+                <a16:creationId xmlns:a16="http://schemas.microsoft.com/office/drawing/2014/main" id="{124D437B-669E-C7B1-0768-58A24641FB7A}"/>
+              </a:ext>
+            </a:extLst>
+          </p:cNvPr>
+          <p:cNvSpPr txBox="1"/>
+          <p:nvPr/>
+        </p:nvSpPr>
+        <p:spPr>
+          <a:xfrm>
+            <a:off x="8131156" y="4531769"/>
+            <a:ext cx="1018227" cy="461665"/>
+          </a:xfrm>
+          <a:prstGeom prst="rect">
+            <a:avLst/>
+          </a:prstGeom>
+          <a:solidFill>
+            <a:schemeClr val="accent4">
+              <a:lumMod val="20000"/>
+              <a:lumOff val="80000"/>
+            </a:schemeClr>
+          </a:solidFill>
+        </p:spPr>
+        <p:txBody>
+          <a:bodyPr wrap="none" rtlCol="0">
+            <a:spAutoFit/>
+          </a:bodyPr>
+          <a:lstStyle/>
+          <a:p>
+            <a:r>
+              <a:rPr lang="he-IL" sz="1200" b="1" dirty="0"/>
+              <a:t>המשך מגמות</a:t>
+            </a:r>
+          </a:p>
+          <a:p>
+            <a:r>
+              <a:rPr lang="he-IL" sz="1200" dirty="0" err="1"/>
+              <a:t>אטרטגיה</a:t>
+            </a:r>
+            <a:r>
+              <a:rPr lang="he-IL" sz="1200" dirty="0"/>
+              <a:t> דיור</a:t>
+            </a:r>
+            <a:endParaRPr lang="en-US" sz="1200" dirty="0"/>
+          </a:p>
+        </p:txBody>
+      </p:sp>
+      <p:sp>
+        <p:nvSpPr>
+          <p:cNvPr id="50" name="TextBox 49">
+            <a:extLst>
+              <a:ext uri="{FF2B5EF4-FFF2-40B4-BE49-F238E27FC236}">
+                <a16:creationId xmlns:a16="http://schemas.microsoft.com/office/drawing/2014/main" id="{9DF6B048-380A-2F72-6EBE-A91D1D72CD22}"/>
+              </a:ext>
+            </a:extLst>
+          </p:cNvPr>
+          <p:cNvSpPr txBox="1"/>
+          <p:nvPr/>
+        </p:nvSpPr>
+        <p:spPr>
+          <a:xfrm>
+            <a:off x="7122115" y="4448508"/>
+            <a:ext cx="524503" cy="646331"/>
+          </a:xfrm>
+          <a:prstGeom prst="rect">
+            <a:avLst/>
+          </a:prstGeom>
+          <a:solidFill>
+            <a:schemeClr val="accent4">
+              <a:lumMod val="20000"/>
+              <a:lumOff val="80000"/>
+            </a:schemeClr>
+          </a:solidFill>
+        </p:spPr>
+        <p:txBody>
+          <a:bodyPr wrap="none" rtlCol="0">
+            <a:spAutoFit/>
+          </a:bodyPr>
+          <a:lstStyle/>
+          <a:p>
+            <a:r>
+              <a:rPr lang="he-IL" sz="1200" dirty="0"/>
+              <a:t>2020</a:t>
+            </a:r>
+          </a:p>
+          <a:p>
+            <a:r>
+              <a:rPr lang="he-IL" sz="1200" b="1" dirty="0"/>
+              <a:t>2030</a:t>
+            </a:r>
+          </a:p>
+          <a:p>
+            <a:r>
+              <a:rPr lang="he-IL" sz="1200" dirty="0"/>
+              <a:t>2040</a:t>
+            </a:r>
+            <a:endParaRPr lang="en-US" sz="1200" dirty="0"/>
+          </a:p>
+        </p:txBody>
+      </p:sp>
+      <p:sp>
+        <p:nvSpPr>
+          <p:cNvPr id="51" name="TextBox 50">
+            <a:extLst>
+              <a:ext uri="{FF2B5EF4-FFF2-40B4-BE49-F238E27FC236}">
+                <a16:creationId xmlns:a16="http://schemas.microsoft.com/office/drawing/2014/main" id="{444D208C-AB2B-701E-E4B7-30261E432BB2}"/>
+              </a:ext>
+            </a:extLst>
+          </p:cNvPr>
+          <p:cNvSpPr txBox="1"/>
+          <p:nvPr/>
+        </p:nvSpPr>
+        <p:spPr>
+          <a:xfrm>
+            <a:off x="7076133" y="5156713"/>
+            <a:ext cx="2085642" cy="369332"/>
+          </a:xfrm>
+          <a:prstGeom prst="rect">
+            <a:avLst/>
+          </a:prstGeom>
+          <a:noFill/>
+        </p:spPr>
+        <p:txBody>
+          <a:bodyPr wrap="square" rtlCol="0">
+            <a:spAutoFit/>
+          </a:bodyPr>
+          <a:lstStyle/>
+          <a:p>
+            <a:pPr algn="ctr"/>
+            <a:r>
+              <a:rPr lang="he-IL" dirty="0"/>
+              <a:t>רשימת משתנים</a:t>
+            </a:r>
+            <a:endParaRPr lang="en-US" dirty="0"/>
+          </a:p>
+        </p:txBody>
+      </p:sp>
+      <p:sp>
+        <p:nvSpPr>
+          <p:cNvPr id="52" name="TextBox 51">
+            <a:extLst>
+              <a:ext uri="{FF2B5EF4-FFF2-40B4-BE49-F238E27FC236}">
+                <a16:creationId xmlns:a16="http://schemas.microsoft.com/office/drawing/2014/main" id="{4EE99801-D2A3-53A2-7145-83CA3A445804}"/>
+              </a:ext>
+            </a:extLst>
+          </p:cNvPr>
+          <p:cNvSpPr txBox="1"/>
+          <p:nvPr/>
+        </p:nvSpPr>
+        <p:spPr>
+          <a:xfrm>
+            <a:off x="7707220" y="5480668"/>
+            <a:ext cx="782587" cy="276999"/>
+          </a:xfrm>
+          <a:prstGeom prst="rect">
+            <a:avLst/>
+          </a:prstGeom>
+          <a:solidFill>
+            <a:schemeClr val="accent4">
+              <a:lumMod val="20000"/>
+              <a:lumOff val="80000"/>
+            </a:schemeClr>
+          </a:solidFill>
+        </p:spPr>
+        <p:txBody>
+          <a:bodyPr wrap="none" rtlCol="0">
+            <a:spAutoFit/>
+          </a:bodyPr>
+          <a:lstStyle/>
+          <a:p>
+            <a:r>
+              <a:rPr lang="he-IL" sz="1200" b="1" dirty="0"/>
+              <a:t>אוכלוסייה</a:t>
+            </a:r>
+            <a:endParaRPr lang="en-US" sz="1200" dirty="0"/>
           </a:p>
         </p:txBody>
       </p:sp>
       <p:cxnSp>
         <p:nvCxnSpPr>
-          <p:cNvPr id="5" name="Connector: Elbow 4">
-            <a:extLst>
-              <a:ext uri="{FF2B5EF4-FFF2-40B4-BE49-F238E27FC236}">
-                <a16:creationId xmlns:a16="http://schemas.microsoft.com/office/drawing/2014/main" id="{E8C2C93D-A96A-8EFB-5B92-399895A7C1F1}"/>
-              </a:ext>
-            </a:extLst>
-          </p:cNvPr>
-          <p:cNvCxnSpPr>
-            <a:stCxn id="2" idx="2"/>
-            <a:endCxn id="3" idx="0"/>
-          </p:cNvCxnSpPr>
+          <p:cNvPr id="56" name="Straight Arrow Connector 55">
+            <a:extLst>
+              <a:ext uri="{FF2B5EF4-FFF2-40B4-BE49-F238E27FC236}">
+                <a16:creationId xmlns:a16="http://schemas.microsoft.com/office/drawing/2014/main" id="{71DEF7A1-9676-DA28-B205-9C06D48A2090}"/>
+              </a:ext>
+            </a:extLst>
+          </p:cNvPr>
+          <p:cNvCxnSpPr/>
           <p:nvPr/>
         </p:nvCxnSpPr>
         <p:spPr>
-          <a:xfrm rot="5400000">
-            <a:off x="3667688" y="2144235"/>
-            <a:ext cx="1493305" cy="2728942"/>
-          </a:xfrm>
-          <a:prstGeom prst="bentConnector3">
+          <a:xfrm>
+            <a:off x="820878" y="4448508"/>
+            <a:ext cx="3301441" cy="0"/>
+          </a:xfrm>
+          <a:prstGeom prst="straightConnector1">
             <a:avLst/>
           </a:prstGeom>
           <a:ln>
@@ -4478,235 +5706,10 @@
           </a:fontRef>
         </p:style>
       </p:cxnSp>
-      <p:pic>
-        <p:nvPicPr>
-          <p:cNvPr id="9" name="Picture 8">
-            <a:extLst>
-              <a:ext uri="{FF2B5EF4-FFF2-40B4-BE49-F238E27FC236}">
-                <a16:creationId xmlns:a16="http://schemas.microsoft.com/office/drawing/2014/main" id="{5A228ABB-7DC1-2AAD-EA10-2F0AD7B6E84D}"/>
-              </a:ext>
-            </a:extLst>
-          </p:cNvPr>
-          <p:cNvPicPr>
-            <a:picLocks noChangeAspect="1"/>
-          </p:cNvPicPr>
-          <p:nvPr/>
-        </p:nvPicPr>
-        <p:blipFill>
-          <a:blip r:embed="rId2"/>
-          <a:stretch>
-            <a:fillRect/>
-          </a:stretch>
-        </p:blipFill>
-        <p:spPr>
-          <a:xfrm>
-            <a:off x="4430834" y="891068"/>
-            <a:ext cx="2695951" cy="428685"/>
-          </a:xfrm>
-          <a:prstGeom prst="rect">
-            <a:avLst/>
-          </a:prstGeom>
-        </p:spPr>
-      </p:pic>
-      <p:cxnSp>
-        <p:nvCxnSpPr>
-          <p:cNvPr id="11" name="Straight Arrow Connector 10">
-            <a:extLst>
-              <a:ext uri="{FF2B5EF4-FFF2-40B4-BE49-F238E27FC236}">
-                <a16:creationId xmlns:a16="http://schemas.microsoft.com/office/drawing/2014/main" id="{AD236B2D-C888-C3AA-D6F9-9A7ED5DDC76D}"/>
-              </a:ext>
-            </a:extLst>
-          </p:cNvPr>
-          <p:cNvCxnSpPr>
-            <a:stCxn id="9" idx="2"/>
-            <a:endCxn id="2" idx="0"/>
-          </p:cNvCxnSpPr>
-          <p:nvPr/>
-        </p:nvCxnSpPr>
-        <p:spPr>
-          <a:xfrm>
-            <a:off x="5778810" y="1319753"/>
-            <a:ext cx="1" cy="480767"/>
-          </a:xfrm>
-          <a:prstGeom prst="straightConnector1">
-            <a:avLst/>
-          </a:prstGeom>
-          <a:ln>
-            <a:tailEnd type="triangle"/>
-          </a:ln>
-        </p:spPr>
-        <p:style>
-          <a:lnRef idx="1">
-            <a:schemeClr val="accent1"/>
-          </a:lnRef>
-          <a:fillRef idx="0">
-            <a:schemeClr val="accent1"/>
-          </a:fillRef>
-          <a:effectRef idx="0">
-            <a:schemeClr val="accent1"/>
-          </a:effectRef>
-          <a:fontRef idx="minor">
-            <a:schemeClr val="tx1"/>
-          </a:fontRef>
-        </p:style>
-      </p:cxnSp>
-      <p:sp>
-        <p:nvSpPr>
-          <p:cNvPr id="13" name="TextBox 12">
-            <a:extLst>
-              <a:ext uri="{FF2B5EF4-FFF2-40B4-BE49-F238E27FC236}">
-                <a16:creationId xmlns:a16="http://schemas.microsoft.com/office/drawing/2014/main" id="{4056BE52-BFB0-ADB3-5044-CCFEFA14F0C3}"/>
-              </a:ext>
-            </a:extLst>
-          </p:cNvPr>
-          <p:cNvSpPr txBox="1"/>
-          <p:nvPr/>
-        </p:nvSpPr>
-        <p:spPr>
-          <a:xfrm>
-            <a:off x="6825006" y="2083324"/>
-            <a:ext cx="1091966" cy="369332"/>
-          </a:xfrm>
-          <a:prstGeom prst="rect">
-            <a:avLst/>
-          </a:prstGeom>
-          <a:noFill/>
-        </p:spPr>
-        <p:txBody>
-          <a:bodyPr wrap="none" rtlCol="0">
-            <a:spAutoFit/>
-          </a:bodyPr>
-          <a:lstStyle/>
-          <a:p>
-            <a:r>
-              <a:rPr lang="en-US" dirty="0" err="1"/>
-              <a:t>Dvlp</a:t>
-            </a:r>
-            <a:r>
-              <a:rPr lang="en-US" dirty="0"/>
-              <a:t>\v0.3</a:t>
-            </a:r>
-          </a:p>
-        </p:txBody>
-      </p:sp>
-      <p:sp>
-        <p:nvSpPr>
-          <p:cNvPr id="14" name="TextBox 13">
-            <a:extLst>
-              <a:ext uri="{FF2B5EF4-FFF2-40B4-BE49-F238E27FC236}">
-                <a16:creationId xmlns:a16="http://schemas.microsoft.com/office/drawing/2014/main" id="{27CCB543-845A-6808-B056-599C5DF3918D}"/>
-              </a:ext>
-            </a:extLst>
-          </p:cNvPr>
-          <p:cNvSpPr txBox="1"/>
-          <p:nvPr/>
-        </p:nvSpPr>
-        <p:spPr>
-          <a:xfrm>
-            <a:off x="3868357" y="4551459"/>
-            <a:ext cx="1091966" cy="369332"/>
-          </a:xfrm>
-          <a:prstGeom prst="rect">
-            <a:avLst/>
-          </a:prstGeom>
-          <a:noFill/>
-        </p:spPr>
-        <p:txBody>
-          <a:bodyPr wrap="none" rtlCol="0">
-            <a:spAutoFit/>
-          </a:bodyPr>
-          <a:lstStyle/>
-          <a:p>
-            <a:r>
-              <a:rPr lang="en-US" dirty="0" err="1"/>
-              <a:t>Dvlp</a:t>
-            </a:r>
-            <a:r>
-              <a:rPr lang="en-US" dirty="0"/>
-              <a:t>\v0.3</a:t>
-            </a:r>
-          </a:p>
-        </p:txBody>
-      </p:sp>
-      <p:cxnSp>
-        <p:nvCxnSpPr>
-          <p:cNvPr id="16" name="Straight Arrow Connector 15">
-            <a:extLst>
-              <a:ext uri="{FF2B5EF4-FFF2-40B4-BE49-F238E27FC236}">
-                <a16:creationId xmlns:a16="http://schemas.microsoft.com/office/drawing/2014/main" id="{A56BB33B-BA19-AD19-9814-0481C09C7549}"/>
-              </a:ext>
-            </a:extLst>
-          </p:cNvPr>
-          <p:cNvCxnSpPr/>
-          <p:nvPr/>
-        </p:nvCxnSpPr>
-        <p:spPr>
-          <a:xfrm flipH="1">
-            <a:off x="3723885" y="2153182"/>
-            <a:ext cx="1112599" cy="1140643"/>
-          </a:xfrm>
-          <a:prstGeom prst="straightConnector1">
-            <a:avLst/>
-          </a:prstGeom>
-          <a:ln>
-            <a:tailEnd type="triangle"/>
-          </a:ln>
-        </p:spPr>
-        <p:style>
-          <a:lnRef idx="1">
-            <a:schemeClr val="accent1"/>
-          </a:lnRef>
-          <a:fillRef idx="0">
-            <a:schemeClr val="accent1"/>
-          </a:fillRef>
-          <a:effectRef idx="0">
-            <a:schemeClr val="accent1"/>
-          </a:effectRef>
-          <a:fontRef idx="minor">
-            <a:schemeClr val="tx1"/>
-          </a:fontRef>
-        </p:style>
-      </p:cxnSp>
-      <p:sp>
-        <p:nvSpPr>
-          <p:cNvPr id="4" name="TextBox 3">
-            <a:extLst>
-              <a:ext uri="{FF2B5EF4-FFF2-40B4-BE49-F238E27FC236}">
-                <a16:creationId xmlns:a16="http://schemas.microsoft.com/office/drawing/2014/main" id="{B1A1C8AA-C5DD-7B7C-ECF4-E30EF903C987}"/>
-              </a:ext>
-            </a:extLst>
-          </p:cNvPr>
-          <p:cNvSpPr txBox="1"/>
-          <p:nvPr/>
-        </p:nvSpPr>
-        <p:spPr>
-          <a:xfrm>
-            <a:off x="5495827" y="4494898"/>
-            <a:ext cx="795411" cy="369332"/>
-          </a:xfrm>
-          <a:prstGeom prst="rect">
-            <a:avLst/>
-          </a:prstGeom>
-          <a:noFill/>
-        </p:spPr>
-        <p:txBody>
-          <a:bodyPr wrap="none" rtlCol="0">
-            <a:spAutoFit/>
-          </a:bodyPr>
-          <a:lstStyle/>
-          <a:p>
-            <a:r>
-              <a:rPr lang="he-IL" dirty="0"/>
-              <a:t>שינויים</a:t>
-            </a:r>
-            <a:endParaRPr lang="en-US" dirty="0"/>
-          </a:p>
-        </p:txBody>
-      </p:sp>
     </p:spTree>
     <p:extLst>
       <p:ext uri="{BB962C8B-B14F-4D97-AF65-F5344CB8AC3E}">
-        <p14:creationId xmlns:p14="http://schemas.microsoft.com/office/powerpoint/2010/main" val="4109065590"/>
+        <p14:creationId xmlns:p14="http://schemas.microsoft.com/office/powerpoint/2010/main" val="3254842822"/>
       </p:ext>
     </p:extLst>
   </p:cSld>
@@ -4733,6 +5736,1207 @@
           <a:chExt cx="0" cy="0"/>
         </a:xfrm>
       </p:grpSpPr>
+      <p:pic>
+        <p:nvPicPr>
+          <p:cNvPr id="3" name="Picture 2">
+            <a:extLst>
+              <a:ext uri="{FF2B5EF4-FFF2-40B4-BE49-F238E27FC236}">
+                <a16:creationId xmlns:a16="http://schemas.microsoft.com/office/drawing/2014/main" id="{70ED6760-A76F-4D59-165F-552720F6CD92}"/>
+              </a:ext>
+            </a:extLst>
+          </p:cNvPr>
+          <p:cNvPicPr>
+            <a:picLocks noChangeAspect="1"/>
+          </p:cNvPicPr>
+          <p:nvPr/>
+        </p:nvPicPr>
+        <p:blipFill>
+          <a:blip r:embed="rId2"/>
+          <a:stretch>
+            <a:fillRect/>
+          </a:stretch>
+        </p:blipFill>
+        <p:spPr>
+          <a:xfrm>
+            <a:off x="2582617" y="0"/>
+            <a:ext cx="7026765" cy="6858000"/>
+          </a:xfrm>
+          <a:prstGeom prst="rect">
+            <a:avLst/>
+          </a:prstGeom>
+        </p:spPr>
+      </p:pic>
+      <p:sp>
+        <p:nvSpPr>
+          <p:cNvPr id="4" name="TextBox 3">
+            <a:extLst>
+              <a:ext uri="{FF2B5EF4-FFF2-40B4-BE49-F238E27FC236}">
+                <a16:creationId xmlns:a16="http://schemas.microsoft.com/office/drawing/2014/main" id="{4A1C8CAD-3E5B-7FE3-3730-0B924357C33C}"/>
+              </a:ext>
+            </a:extLst>
+          </p:cNvPr>
+          <p:cNvSpPr txBox="1"/>
+          <p:nvPr/>
+        </p:nvSpPr>
+        <p:spPr>
+          <a:xfrm>
+            <a:off x="7710478" y="4530483"/>
+            <a:ext cx="1586773" cy="307777"/>
+          </a:xfrm>
+          <a:prstGeom prst="rect">
+            <a:avLst/>
+          </a:prstGeom>
+          <a:noFill/>
+        </p:spPr>
+        <p:txBody>
+          <a:bodyPr wrap="square" rtlCol="0">
+            <a:spAutoFit/>
+          </a:bodyPr>
+          <a:lstStyle/>
+          <a:p>
+            <a:pPr algn="ctr"/>
+            <a:r>
+              <a:rPr lang="he-IL" sz="1400" b="1" dirty="0"/>
+              <a:t>בחר משתנה/ים</a:t>
+            </a:r>
+            <a:endParaRPr lang="en-US" sz="1400" b="1" dirty="0"/>
+          </a:p>
+        </p:txBody>
+      </p:sp>
+      <p:sp>
+        <p:nvSpPr>
+          <p:cNvPr id="5" name="TextBox 4">
+            <a:extLst>
+              <a:ext uri="{FF2B5EF4-FFF2-40B4-BE49-F238E27FC236}">
+                <a16:creationId xmlns:a16="http://schemas.microsoft.com/office/drawing/2014/main" id="{07E9D7C6-4FDF-C9CB-74AA-5A0B2C91DD4E}"/>
+              </a:ext>
+            </a:extLst>
+          </p:cNvPr>
+          <p:cNvSpPr txBox="1"/>
+          <p:nvPr/>
+        </p:nvSpPr>
+        <p:spPr>
+          <a:xfrm>
+            <a:off x="8110149" y="4915059"/>
+            <a:ext cx="782587" cy="276999"/>
+          </a:xfrm>
+          <a:prstGeom prst="rect">
+            <a:avLst/>
+          </a:prstGeom>
+          <a:solidFill>
+            <a:schemeClr val="accent4">
+              <a:lumMod val="20000"/>
+              <a:lumOff val="80000"/>
+            </a:schemeClr>
+          </a:solidFill>
+        </p:spPr>
+        <p:txBody>
+          <a:bodyPr wrap="none" rtlCol="0">
+            <a:spAutoFit/>
+          </a:bodyPr>
+          <a:lstStyle/>
+          <a:p>
+            <a:r>
+              <a:rPr lang="he-IL" sz="1200" b="1" dirty="0"/>
+              <a:t>אוכלוסייה</a:t>
+            </a:r>
+            <a:endParaRPr lang="en-US" sz="1200" dirty="0"/>
+          </a:p>
+        </p:txBody>
+      </p:sp>
+      <p:sp>
+        <p:nvSpPr>
+          <p:cNvPr id="6" name="TextBox 5">
+            <a:extLst>
+              <a:ext uri="{FF2B5EF4-FFF2-40B4-BE49-F238E27FC236}">
+                <a16:creationId xmlns:a16="http://schemas.microsoft.com/office/drawing/2014/main" id="{0D46FF72-AD74-00AE-6254-B9C368539940}"/>
+              </a:ext>
+            </a:extLst>
+          </p:cNvPr>
+          <p:cNvSpPr txBox="1"/>
+          <p:nvPr/>
+        </p:nvSpPr>
+        <p:spPr>
+          <a:xfrm>
+            <a:off x="7705634" y="5352183"/>
+            <a:ext cx="1591617" cy="307777"/>
+          </a:xfrm>
+          <a:prstGeom prst="rect">
+            <a:avLst/>
+          </a:prstGeom>
+          <a:noFill/>
+        </p:spPr>
+        <p:txBody>
+          <a:bodyPr wrap="square" rtlCol="0">
+            <a:spAutoFit/>
+          </a:bodyPr>
+          <a:lstStyle/>
+          <a:p>
+            <a:r>
+              <a:rPr lang="he-IL" sz="1400" b="1" dirty="0"/>
+              <a:t>בחר סוג עיבוד</a:t>
+            </a:r>
+            <a:endParaRPr lang="en-US" sz="1400" b="1" dirty="0"/>
+          </a:p>
+        </p:txBody>
+      </p:sp>
+      <p:sp>
+        <p:nvSpPr>
+          <p:cNvPr id="7" name="TextBox 6">
+            <a:extLst>
+              <a:ext uri="{FF2B5EF4-FFF2-40B4-BE49-F238E27FC236}">
+                <a16:creationId xmlns:a16="http://schemas.microsoft.com/office/drawing/2014/main" id="{250BEE6E-4456-99CE-7B7F-0C1EC983DDC1}"/>
+              </a:ext>
+            </a:extLst>
+          </p:cNvPr>
+          <p:cNvSpPr txBox="1"/>
+          <p:nvPr/>
+        </p:nvSpPr>
+        <p:spPr>
+          <a:xfrm>
+            <a:off x="8186292" y="5736759"/>
+            <a:ext cx="630301" cy="461665"/>
+          </a:xfrm>
+          <a:prstGeom prst="rect">
+            <a:avLst/>
+          </a:prstGeom>
+          <a:solidFill>
+            <a:schemeClr val="accent4">
+              <a:lumMod val="20000"/>
+              <a:lumOff val="80000"/>
+            </a:schemeClr>
+          </a:solidFill>
+        </p:spPr>
+        <p:txBody>
+          <a:bodyPr wrap="none" rtlCol="0">
+            <a:spAutoFit/>
+          </a:bodyPr>
+          <a:lstStyle/>
+          <a:p>
+            <a:r>
+              <a:rPr lang="he-IL" sz="1200" b="1" dirty="0"/>
+              <a:t>ערכים</a:t>
+            </a:r>
+          </a:p>
+          <a:p>
+            <a:r>
+              <a:rPr lang="he-IL" sz="1200" b="1" dirty="0"/>
+              <a:t>צפיפות</a:t>
+            </a:r>
+          </a:p>
+        </p:txBody>
+      </p:sp>
+      <p:sp>
+        <p:nvSpPr>
+          <p:cNvPr id="8" name="Rectangle: Rounded Corners 7">
+            <a:extLst>
+              <a:ext uri="{FF2B5EF4-FFF2-40B4-BE49-F238E27FC236}">
+                <a16:creationId xmlns:a16="http://schemas.microsoft.com/office/drawing/2014/main" id="{162091A9-9217-CF04-BDB1-8E007DEA8948}"/>
+              </a:ext>
+            </a:extLst>
+          </p:cNvPr>
+          <p:cNvSpPr/>
+          <p:nvPr/>
+        </p:nvSpPr>
+        <p:spPr>
+          <a:xfrm>
+            <a:off x="7481813" y="6275223"/>
+            <a:ext cx="2039259" cy="384866"/>
+          </a:xfrm>
+          <a:prstGeom prst="roundRect">
+            <a:avLst/>
+          </a:prstGeom>
+        </p:spPr>
+        <p:style>
+          <a:lnRef idx="2">
+            <a:schemeClr val="accent1">
+              <a:shade val="15000"/>
+            </a:schemeClr>
+          </a:lnRef>
+          <a:fillRef idx="1">
+            <a:schemeClr val="accent1"/>
+          </a:fillRef>
+          <a:effectRef idx="0">
+            <a:schemeClr val="accent1"/>
+          </a:effectRef>
+          <a:fontRef idx="minor">
+            <a:schemeClr val="lt1"/>
+          </a:fontRef>
+        </p:style>
+        <p:txBody>
+          <a:bodyPr rtlCol="0" anchor="ctr"/>
+          <a:lstStyle/>
+          <a:p>
+            <a:pPr algn="ctr"/>
+            <a:r>
+              <a:rPr lang="he-IL" dirty="0"/>
+              <a:t>בצע</a:t>
+            </a:r>
+            <a:endParaRPr lang="en-US" dirty="0"/>
+          </a:p>
+        </p:txBody>
+      </p:sp>
+      <p:cxnSp>
+        <p:nvCxnSpPr>
+          <p:cNvPr id="10" name="Straight Arrow Connector 9">
+            <a:extLst>
+              <a:ext uri="{FF2B5EF4-FFF2-40B4-BE49-F238E27FC236}">
+                <a16:creationId xmlns:a16="http://schemas.microsoft.com/office/drawing/2014/main" id="{DD86BC65-7942-627A-775B-1C4093395F54}"/>
+              </a:ext>
+            </a:extLst>
+          </p:cNvPr>
+          <p:cNvCxnSpPr/>
+          <p:nvPr/>
+        </p:nvCxnSpPr>
+        <p:spPr>
+          <a:xfrm>
+            <a:off x="2582617" y="1244338"/>
+            <a:ext cx="226571" cy="0"/>
+          </a:xfrm>
+          <a:prstGeom prst="straightConnector1">
+            <a:avLst/>
+          </a:prstGeom>
+          <a:ln>
+            <a:tailEnd type="triangle"/>
+          </a:ln>
+        </p:spPr>
+        <p:style>
+          <a:lnRef idx="1">
+            <a:schemeClr val="accent1"/>
+          </a:lnRef>
+          <a:fillRef idx="0">
+            <a:schemeClr val="accent1"/>
+          </a:fillRef>
+          <a:effectRef idx="0">
+            <a:schemeClr val="accent1"/>
+          </a:effectRef>
+          <a:fontRef idx="minor">
+            <a:schemeClr val="tx1"/>
+          </a:fontRef>
+        </p:style>
+      </p:cxnSp>
+      <p:sp>
+        <p:nvSpPr>
+          <p:cNvPr id="11" name="TextBox 10">
+            <a:extLst>
+              <a:ext uri="{FF2B5EF4-FFF2-40B4-BE49-F238E27FC236}">
+                <a16:creationId xmlns:a16="http://schemas.microsoft.com/office/drawing/2014/main" id="{1634D45D-E808-DC03-6345-59C5EFAD1D9D}"/>
+              </a:ext>
+            </a:extLst>
+          </p:cNvPr>
+          <p:cNvSpPr txBox="1"/>
+          <p:nvPr/>
+        </p:nvSpPr>
+        <p:spPr>
+          <a:xfrm>
+            <a:off x="5128181" y="865469"/>
+            <a:ext cx="1653017" cy="369332"/>
+          </a:xfrm>
+          <a:prstGeom prst="rect">
+            <a:avLst/>
+          </a:prstGeom>
+          <a:noFill/>
+        </p:spPr>
+        <p:txBody>
+          <a:bodyPr wrap="none" rtlCol="0">
+            <a:spAutoFit/>
+          </a:bodyPr>
+          <a:lstStyle/>
+          <a:p>
+            <a:r>
+              <a:rPr lang="he-IL" dirty="0">
+                <a:highlight>
+                  <a:srgbClr val="00FFFF"/>
+                </a:highlight>
+              </a:rPr>
+              <a:t>אפשרויות תצוגה</a:t>
+            </a:r>
+            <a:endParaRPr lang="en-US" dirty="0">
+              <a:highlight>
+                <a:srgbClr val="00FFFF"/>
+              </a:highlight>
+            </a:endParaRPr>
+          </a:p>
+        </p:txBody>
+      </p:sp>
+      <p:sp>
+        <p:nvSpPr>
+          <p:cNvPr id="12" name="TextBox 11">
+            <a:extLst>
+              <a:ext uri="{FF2B5EF4-FFF2-40B4-BE49-F238E27FC236}">
+                <a16:creationId xmlns:a16="http://schemas.microsoft.com/office/drawing/2014/main" id="{3CA610E4-7546-973B-2238-F00FB996EEC9}"/>
+              </a:ext>
+            </a:extLst>
+          </p:cNvPr>
+          <p:cNvSpPr txBox="1"/>
+          <p:nvPr/>
+        </p:nvSpPr>
+        <p:spPr>
+          <a:xfrm>
+            <a:off x="7561054" y="3588100"/>
+            <a:ext cx="848309" cy="261610"/>
+          </a:xfrm>
+          <a:prstGeom prst="rect">
+            <a:avLst/>
+          </a:prstGeom>
+          <a:solidFill>
+            <a:schemeClr val="accent1">
+              <a:lumMod val="20000"/>
+              <a:lumOff val="80000"/>
+            </a:schemeClr>
+          </a:solidFill>
+        </p:spPr>
+        <p:txBody>
+          <a:bodyPr wrap="none" rtlCol="0">
+            <a:spAutoFit/>
+          </a:bodyPr>
+          <a:lstStyle/>
+          <a:p>
+            <a:r>
+              <a:rPr lang="he-IL" sz="1050" b="1" dirty="0"/>
+              <a:t>בחר שנה/ים</a:t>
+            </a:r>
+            <a:endParaRPr lang="en-US" sz="1050" b="1" dirty="0"/>
+          </a:p>
+        </p:txBody>
+      </p:sp>
+    </p:spTree>
+    <p:extLst>
+      <p:ext uri="{BB962C8B-B14F-4D97-AF65-F5344CB8AC3E}">
+        <p14:creationId xmlns:p14="http://schemas.microsoft.com/office/powerpoint/2010/main" val="2037642269"/>
+      </p:ext>
+    </p:extLst>
+  </p:cSld>
+  <p:clrMapOvr>
+    <a:masterClrMapping/>
+  </p:clrMapOvr>
+</p:sld>
+</file>
+
+<file path=ppt/slides/slide12.xml><?xml version="1.0" encoding="utf-8"?>
+<p:sld xmlns:a="http://schemas.openxmlformats.org/drawingml/2006/main" xmlns:r="http://schemas.openxmlformats.org/officeDocument/2006/relationships" xmlns:p="http://schemas.openxmlformats.org/presentationml/2006/main">
+  <p:cSld>
+    <p:spTree>
+      <p:nvGrpSpPr>
+        <p:cNvPr id="1" name=""/>
+        <p:cNvGrpSpPr/>
+        <p:nvPr/>
+      </p:nvGrpSpPr>
+      <p:grpSpPr>
+        <a:xfrm>
+          <a:off x="0" y="0"/>
+          <a:ext cx="0" cy="0"/>
+          <a:chOff x="0" y="0"/>
+          <a:chExt cx="0" cy="0"/>
+        </a:xfrm>
+      </p:grpSpPr>
+      <p:pic>
+        <p:nvPicPr>
+          <p:cNvPr id="3" name="Picture 2">
+            <a:extLst>
+              <a:ext uri="{FF2B5EF4-FFF2-40B4-BE49-F238E27FC236}">
+                <a16:creationId xmlns:a16="http://schemas.microsoft.com/office/drawing/2014/main" id="{731A6696-FACF-D837-1D47-8C099485FE7F}"/>
+              </a:ext>
+            </a:extLst>
+          </p:cNvPr>
+          <p:cNvPicPr>
+            <a:picLocks noChangeAspect="1"/>
+          </p:cNvPicPr>
+          <p:nvPr/>
+        </p:nvPicPr>
+        <p:blipFill>
+          <a:blip r:embed="rId2"/>
+          <a:stretch>
+            <a:fillRect/>
+          </a:stretch>
+        </p:blipFill>
+        <p:spPr>
+          <a:xfrm>
+            <a:off x="0" y="419420"/>
+            <a:ext cx="12192000" cy="6019160"/>
+          </a:xfrm>
+          <a:prstGeom prst="rect">
+            <a:avLst/>
+          </a:prstGeom>
+        </p:spPr>
+      </p:pic>
+      <p:cxnSp>
+        <p:nvCxnSpPr>
+          <p:cNvPr id="5" name="Straight Arrow Connector 4">
+            <a:extLst>
+              <a:ext uri="{FF2B5EF4-FFF2-40B4-BE49-F238E27FC236}">
+                <a16:creationId xmlns:a16="http://schemas.microsoft.com/office/drawing/2014/main" id="{B96913FF-84C7-7B7B-3AEA-0CCC3EF69784}"/>
+              </a:ext>
+            </a:extLst>
+          </p:cNvPr>
+          <p:cNvCxnSpPr/>
+          <p:nvPr/>
+        </p:nvCxnSpPr>
+        <p:spPr>
+          <a:xfrm flipV="1">
+            <a:off x="301658" y="1885360"/>
+            <a:ext cx="471340" cy="2894029"/>
+          </a:xfrm>
+          <a:prstGeom prst="straightConnector1">
+            <a:avLst/>
+          </a:prstGeom>
+          <a:ln>
+            <a:tailEnd type="triangle"/>
+          </a:ln>
+        </p:spPr>
+        <p:style>
+          <a:lnRef idx="1">
+            <a:schemeClr val="accent1"/>
+          </a:lnRef>
+          <a:fillRef idx="0">
+            <a:schemeClr val="accent1"/>
+          </a:fillRef>
+          <a:effectRef idx="0">
+            <a:schemeClr val="accent1"/>
+          </a:effectRef>
+          <a:fontRef idx="minor">
+            <a:schemeClr val="tx1"/>
+          </a:fontRef>
+        </p:style>
+      </p:cxnSp>
+      <p:sp>
+        <p:nvSpPr>
+          <p:cNvPr id="6" name="TextBox 5">
+            <a:extLst>
+              <a:ext uri="{FF2B5EF4-FFF2-40B4-BE49-F238E27FC236}">
+                <a16:creationId xmlns:a16="http://schemas.microsoft.com/office/drawing/2014/main" id="{F91AA5EA-23C5-2DA4-9654-ECD9F66C3977}"/>
+              </a:ext>
+            </a:extLst>
+          </p:cNvPr>
+          <p:cNvSpPr txBox="1"/>
+          <p:nvPr/>
+        </p:nvSpPr>
+        <p:spPr>
+          <a:xfrm>
+            <a:off x="84841" y="4466617"/>
+            <a:ext cx="1653017" cy="369332"/>
+          </a:xfrm>
+          <a:prstGeom prst="rect">
+            <a:avLst/>
+          </a:prstGeom>
+          <a:noFill/>
+        </p:spPr>
+        <p:txBody>
+          <a:bodyPr wrap="none" rtlCol="0">
+            <a:spAutoFit/>
+          </a:bodyPr>
+          <a:lstStyle/>
+          <a:p>
+            <a:r>
+              <a:rPr lang="he-IL" dirty="0">
+                <a:highlight>
+                  <a:srgbClr val="00FFFF"/>
+                </a:highlight>
+              </a:rPr>
+              <a:t>אפשרויות תצוגה</a:t>
+            </a:r>
+            <a:endParaRPr lang="en-US" dirty="0">
+              <a:highlight>
+                <a:srgbClr val="00FFFF"/>
+              </a:highlight>
+            </a:endParaRPr>
+          </a:p>
+        </p:txBody>
+      </p:sp>
+    </p:spTree>
+    <p:extLst>
+      <p:ext uri="{BB962C8B-B14F-4D97-AF65-F5344CB8AC3E}">
+        <p14:creationId xmlns:p14="http://schemas.microsoft.com/office/powerpoint/2010/main" val="2128382205"/>
+      </p:ext>
+    </p:extLst>
+  </p:cSld>
+  <p:clrMapOvr>
+    <a:masterClrMapping/>
+  </p:clrMapOvr>
+</p:sld>
+</file>
+
+<file path=ppt/slides/slide13.xml><?xml version="1.0" encoding="utf-8"?>
+<p:sld xmlns:a="http://schemas.openxmlformats.org/drawingml/2006/main" xmlns:r="http://schemas.openxmlformats.org/officeDocument/2006/relationships" xmlns:p="http://schemas.openxmlformats.org/presentationml/2006/main">
+  <p:cSld>
+    <p:spTree>
+      <p:nvGrpSpPr>
+        <p:cNvPr id="1" name=""/>
+        <p:cNvGrpSpPr/>
+        <p:nvPr/>
+      </p:nvGrpSpPr>
+      <p:grpSpPr>
+        <a:xfrm>
+          <a:off x="0" y="0"/>
+          <a:ext cx="0" cy="0"/>
+          <a:chOff x="0" y="0"/>
+          <a:chExt cx="0" cy="0"/>
+        </a:xfrm>
+      </p:grpSpPr>
+      <p:pic>
+        <p:nvPicPr>
+          <p:cNvPr id="3" name="Picture 2">
+            <a:extLst>
+              <a:ext uri="{FF2B5EF4-FFF2-40B4-BE49-F238E27FC236}">
+                <a16:creationId xmlns:a16="http://schemas.microsoft.com/office/drawing/2014/main" id="{5FE81432-3B86-18B8-E278-AA2A4ECB69EE}"/>
+              </a:ext>
+            </a:extLst>
+          </p:cNvPr>
+          <p:cNvPicPr>
+            <a:picLocks noChangeAspect="1"/>
+          </p:cNvPicPr>
+          <p:nvPr/>
+        </p:nvPicPr>
+        <p:blipFill>
+          <a:blip r:embed="rId2"/>
+          <a:stretch>
+            <a:fillRect/>
+          </a:stretch>
+        </p:blipFill>
+        <p:spPr>
+          <a:xfrm>
+            <a:off x="713624" y="920816"/>
+            <a:ext cx="5382376" cy="3734321"/>
+          </a:xfrm>
+          <a:prstGeom prst="rect">
+            <a:avLst/>
+          </a:prstGeom>
+        </p:spPr>
+      </p:pic>
+      <p:sp>
+        <p:nvSpPr>
+          <p:cNvPr id="4" name="TextBox 3">
+            <a:extLst>
+              <a:ext uri="{FF2B5EF4-FFF2-40B4-BE49-F238E27FC236}">
+                <a16:creationId xmlns:a16="http://schemas.microsoft.com/office/drawing/2014/main" id="{9018B268-01BD-847F-D14A-88FEE6832426}"/>
+              </a:ext>
+            </a:extLst>
+          </p:cNvPr>
+          <p:cNvSpPr txBox="1"/>
+          <p:nvPr/>
+        </p:nvSpPr>
+        <p:spPr>
+          <a:xfrm>
+            <a:off x="458406" y="528388"/>
+            <a:ext cx="1242715" cy="276999"/>
+          </a:xfrm>
+          <a:prstGeom prst="rect">
+            <a:avLst/>
+          </a:prstGeom>
+          <a:noFill/>
+        </p:spPr>
+        <p:txBody>
+          <a:bodyPr wrap="square">
+            <a:spAutoFit/>
+          </a:bodyPr>
+          <a:lstStyle>
+            <a:defPPr>
+              <a:defRPr lang="en-US"/>
+            </a:defPPr>
+            <a:lvl1pPr algn="ctr">
+              <a:defRPr sz="1200">
+                <a:highlight>
+                  <a:srgbClr val="00FFFF"/>
+                </a:highlight>
+              </a:defRPr>
+            </a:lvl1pPr>
+          </a:lstStyle>
+          <a:p>
+            <a:r>
+              <a:rPr lang="en-US" dirty="0" err="1"/>
+              <a:t>cfg$scnchoices</a:t>
+            </a:r>
+            <a:endParaRPr lang="en-US" dirty="0"/>
+          </a:p>
+        </p:txBody>
+      </p:sp>
+      <p:cxnSp>
+        <p:nvCxnSpPr>
+          <p:cNvPr id="6" name="Straight Arrow Connector 5">
+            <a:extLst>
+              <a:ext uri="{FF2B5EF4-FFF2-40B4-BE49-F238E27FC236}">
+                <a16:creationId xmlns:a16="http://schemas.microsoft.com/office/drawing/2014/main" id="{19ED6DC9-3BA5-8846-6259-3800AD82037F}"/>
+              </a:ext>
+            </a:extLst>
+          </p:cNvPr>
+          <p:cNvCxnSpPr>
+            <a:stCxn id="4" idx="3"/>
+          </p:cNvCxnSpPr>
+          <p:nvPr/>
+        </p:nvCxnSpPr>
+        <p:spPr>
+          <a:xfrm flipV="1">
+            <a:off x="1701121" y="666887"/>
+            <a:ext cx="712141" cy="1"/>
+          </a:xfrm>
+          <a:prstGeom prst="straightConnector1">
+            <a:avLst/>
+          </a:prstGeom>
+          <a:ln>
+            <a:tailEnd type="triangle"/>
+          </a:ln>
+        </p:spPr>
+        <p:style>
+          <a:lnRef idx="1">
+            <a:schemeClr val="accent1"/>
+          </a:lnRef>
+          <a:fillRef idx="0">
+            <a:schemeClr val="accent1"/>
+          </a:fillRef>
+          <a:effectRef idx="0">
+            <a:schemeClr val="accent1"/>
+          </a:effectRef>
+          <a:fontRef idx="minor">
+            <a:schemeClr val="tx1"/>
+          </a:fontRef>
+        </p:style>
+      </p:cxnSp>
+      <p:sp>
+        <p:nvSpPr>
+          <p:cNvPr id="7" name="TextBox 6">
+            <a:extLst>
+              <a:ext uri="{FF2B5EF4-FFF2-40B4-BE49-F238E27FC236}">
+                <a16:creationId xmlns:a16="http://schemas.microsoft.com/office/drawing/2014/main" id="{35948930-2717-B64A-C63E-A28258E0A570}"/>
+              </a:ext>
+            </a:extLst>
+          </p:cNvPr>
+          <p:cNvSpPr txBox="1"/>
+          <p:nvPr/>
+        </p:nvSpPr>
+        <p:spPr>
+          <a:xfrm>
+            <a:off x="2526501" y="436055"/>
+            <a:ext cx="2258952" cy="369332"/>
+          </a:xfrm>
+          <a:prstGeom prst="rect">
+            <a:avLst/>
+          </a:prstGeom>
+          <a:noFill/>
+        </p:spPr>
+        <p:txBody>
+          <a:bodyPr wrap="none" rtlCol="0">
+            <a:spAutoFit/>
+          </a:bodyPr>
+          <a:lstStyle/>
+          <a:p>
+            <a:r>
+              <a:rPr lang="he-IL" dirty="0"/>
+              <a:t>מחזיר את קוד התרחיש</a:t>
+            </a:r>
+            <a:endParaRPr lang="en-US" dirty="0"/>
+          </a:p>
+        </p:txBody>
+      </p:sp>
+    </p:spTree>
+    <p:extLst>
+      <p:ext uri="{BB962C8B-B14F-4D97-AF65-F5344CB8AC3E}">
+        <p14:creationId xmlns:p14="http://schemas.microsoft.com/office/powerpoint/2010/main" val="1705988006"/>
+      </p:ext>
+    </p:extLst>
+  </p:cSld>
+  <p:clrMapOvr>
+    <a:masterClrMapping/>
+  </p:clrMapOvr>
+</p:sld>
+</file>
+
+<file path=ppt/slides/slide14.xml><?xml version="1.0" encoding="utf-8"?>
+<p:sld xmlns:a="http://schemas.openxmlformats.org/drawingml/2006/main" xmlns:r="http://schemas.openxmlformats.org/officeDocument/2006/relationships" xmlns:p="http://schemas.openxmlformats.org/presentationml/2006/main">
+  <p:cSld>
+    <p:spTree>
+      <p:nvGrpSpPr>
+        <p:cNvPr id="1" name=""/>
+        <p:cNvGrpSpPr/>
+        <p:nvPr/>
+      </p:nvGrpSpPr>
+      <p:grpSpPr>
+        <a:xfrm>
+          <a:off x="0" y="0"/>
+          <a:ext cx="0" cy="0"/>
+          <a:chOff x="0" y="0"/>
+          <a:chExt cx="0" cy="0"/>
+        </a:xfrm>
+      </p:grpSpPr>
+      <p:sp>
+        <p:nvSpPr>
+          <p:cNvPr id="2" name="Title 1">
+            <a:extLst>
+              <a:ext uri="{FF2B5EF4-FFF2-40B4-BE49-F238E27FC236}">
+                <a16:creationId xmlns:a16="http://schemas.microsoft.com/office/drawing/2014/main" id="{CFFE712C-7E19-335B-A73B-9C1CD4DE821C}"/>
+              </a:ext>
+            </a:extLst>
+          </p:cNvPr>
+          <p:cNvSpPr>
+            <a:spLocks noGrp="1"/>
+          </p:cNvSpPr>
+          <p:nvPr>
+            <p:ph type="ctrTitle"/>
+          </p:nvPr>
+        </p:nvSpPr>
+        <p:spPr/>
+        <p:txBody>
+          <a:bodyPr/>
+          <a:lstStyle/>
+          <a:p>
+            <a:endParaRPr lang="en-US"/>
+          </a:p>
+        </p:txBody>
+      </p:sp>
+      <p:sp>
+        <p:nvSpPr>
+          <p:cNvPr id="3" name="Subtitle 2">
+            <a:extLst>
+              <a:ext uri="{FF2B5EF4-FFF2-40B4-BE49-F238E27FC236}">
+                <a16:creationId xmlns:a16="http://schemas.microsoft.com/office/drawing/2014/main" id="{539D2C7A-01FD-EA1F-928E-8E9C06E5337E}"/>
+              </a:ext>
+            </a:extLst>
+          </p:cNvPr>
+          <p:cNvSpPr>
+            <a:spLocks noGrp="1"/>
+          </p:cNvSpPr>
+          <p:nvPr>
+            <p:ph type="subTitle" idx="1"/>
+          </p:nvPr>
+        </p:nvSpPr>
+        <p:spPr/>
+        <p:txBody>
+          <a:bodyPr/>
+          <a:lstStyle/>
+          <a:p>
+            <a:r>
+              <a:rPr lang="he-IL" dirty="0"/>
+              <a:t>סיום</a:t>
+            </a:r>
+            <a:endParaRPr lang="en-US" dirty="0"/>
+          </a:p>
+        </p:txBody>
+      </p:sp>
+    </p:spTree>
+    <p:extLst>
+      <p:ext uri="{BB962C8B-B14F-4D97-AF65-F5344CB8AC3E}">
+        <p14:creationId xmlns:p14="http://schemas.microsoft.com/office/powerpoint/2010/main" val="3314121517"/>
+      </p:ext>
+    </p:extLst>
+  </p:cSld>
+  <p:clrMapOvr>
+    <a:masterClrMapping/>
+  </p:clrMapOvr>
+</p:sld>
+</file>
+
+<file path=ppt/slides/slide15.xml><?xml version="1.0" encoding="utf-8"?>
+<p:sld xmlns:a="http://schemas.openxmlformats.org/drawingml/2006/main" xmlns:r="http://schemas.openxmlformats.org/officeDocument/2006/relationships" xmlns:p="http://schemas.openxmlformats.org/presentationml/2006/main">
+  <p:cSld>
+    <p:spTree>
+      <p:nvGrpSpPr>
+        <p:cNvPr id="1" name=""/>
+        <p:cNvGrpSpPr/>
+        <p:nvPr/>
+      </p:nvGrpSpPr>
+      <p:grpSpPr>
+        <a:xfrm>
+          <a:off x="0" y="0"/>
+          <a:ext cx="0" cy="0"/>
+          <a:chOff x="0" y="0"/>
+          <a:chExt cx="0" cy="0"/>
+        </a:xfrm>
+      </p:grpSpPr>
+      <p:sp>
+        <p:nvSpPr>
+          <p:cNvPr id="2" name="Rectangle 1">
+            <a:extLst>
+              <a:ext uri="{FF2B5EF4-FFF2-40B4-BE49-F238E27FC236}">
+                <a16:creationId xmlns:a16="http://schemas.microsoft.com/office/drawing/2014/main" id="{5C600E18-4F23-97B9-58E9-1DA5D2F22051}"/>
+              </a:ext>
+            </a:extLst>
+          </p:cNvPr>
+          <p:cNvSpPr/>
+          <p:nvPr/>
+        </p:nvSpPr>
+        <p:spPr>
+          <a:xfrm>
+            <a:off x="5104794" y="1800520"/>
+            <a:ext cx="1348033" cy="961534"/>
+          </a:xfrm>
+          <a:prstGeom prst="rect">
+            <a:avLst/>
+          </a:prstGeom>
+        </p:spPr>
+        <p:style>
+          <a:lnRef idx="2">
+            <a:schemeClr val="accent1">
+              <a:shade val="15000"/>
+            </a:schemeClr>
+          </a:lnRef>
+          <a:fillRef idx="1">
+            <a:schemeClr val="accent1"/>
+          </a:fillRef>
+          <a:effectRef idx="0">
+            <a:schemeClr val="accent1"/>
+          </a:effectRef>
+          <a:fontRef idx="minor">
+            <a:schemeClr val="lt1"/>
+          </a:fontRef>
+        </p:style>
+        <p:txBody>
+          <a:bodyPr rtlCol="0" anchor="ctr"/>
+          <a:lstStyle/>
+          <a:p>
+            <a:pPr algn="ctr"/>
+            <a:r>
+              <a:rPr lang="en-US" dirty="0"/>
+              <a:t>main</a:t>
+            </a:r>
+          </a:p>
+        </p:txBody>
+      </p:sp>
+      <p:sp>
+        <p:nvSpPr>
+          <p:cNvPr id="3" name="Rectangle 2">
+            <a:extLst>
+              <a:ext uri="{FF2B5EF4-FFF2-40B4-BE49-F238E27FC236}">
+                <a16:creationId xmlns:a16="http://schemas.microsoft.com/office/drawing/2014/main" id="{3992DD80-8E77-42DA-63D7-6A8FA50ECD50}"/>
+              </a:ext>
+            </a:extLst>
+          </p:cNvPr>
+          <p:cNvSpPr/>
+          <p:nvPr/>
+        </p:nvSpPr>
+        <p:spPr>
+          <a:xfrm>
+            <a:off x="2375852" y="4255359"/>
+            <a:ext cx="1348033" cy="961534"/>
+          </a:xfrm>
+          <a:prstGeom prst="rect">
+            <a:avLst/>
+          </a:prstGeom>
+        </p:spPr>
+        <p:style>
+          <a:lnRef idx="2">
+            <a:schemeClr val="accent1">
+              <a:shade val="15000"/>
+            </a:schemeClr>
+          </a:lnRef>
+          <a:fillRef idx="1">
+            <a:schemeClr val="accent1"/>
+          </a:fillRef>
+          <a:effectRef idx="0">
+            <a:schemeClr val="accent1"/>
+          </a:effectRef>
+          <a:fontRef idx="minor">
+            <a:schemeClr val="lt1"/>
+          </a:fontRef>
+        </p:style>
+        <p:txBody>
+          <a:bodyPr rtlCol="0" anchor="ctr"/>
+          <a:lstStyle/>
+          <a:p>
+            <a:pPr algn="ctr"/>
+            <a:r>
+              <a:rPr lang="en-US" dirty="0" err="1"/>
+              <a:t>ido</a:t>
+            </a:r>
+            <a:endParaRPr lang="en-US" dirty="0"/>
+          </a:p>
+        </p:txBody>
+      </p:sp>
+      <p:cxnSp>
+        <p:nvCxnSpPr>
+          <p:cNvPr id="5" name="Connector: Elbow 4">
+            <a:extLst>
+              <a:ext uri="{FF2B5EF4-FFF2-40B4-BE49-F238E27FC236}">
+                <a16:creationId xmlns:a16="http://schemas.microsoft.com/office/drawing/2014/main" id="{E8C2C93D-A96A-8EFB-5B92-399895A7C1F1}"/>
+              </a:ext>
+            </a:extLst>
+          </p:cNvPr>
+          <p:cNvCxnSpPr>
+            <a:stCxn id="2" idx="2"/>
+            <a:endCxn id="3" idx="0"/>
+          </p:cNvCxnSpPr>
+          <p:nvPr/>
+        </p:nvCxnSpPr>
+        <p:spPr>
+          <a:xfrm rot="5400000">
+            <a:off x="3667688" y="2144235"/>
+            <a:ext cx="1493305" cy="2728942"/>
+          </a:xfrm>
+          <a:prstGeom prst="bentConnector3">
+            <a:avLst/>
+          </a:prstGeom>
+          <a:ln>
+            <a:tailEnd type="triangle"/>
+          </a:ln>
+        </p:spPr>
+        <p:style>
+          <a:lnRef idx="1">
+            <a:schemeClr val="accent1"/>
+          </a:lnRef>
+          <a:fillRef idx="0">
+            <a:schemeClr val="accent1"/>
+          </a:fillRef>
+          <a:effectRef idx="0">
+            <a:schemeClr val="accent1"/>
+          </a:effectRef>
+          <a:fontRef idx="minor">
+            <a:schemeClr val="tx1"/>
+          </a:fontRef>
+        </p:style>
+      </p:cxnSp>
+      <p:pic>
+        <p:nvPicPr>
+          <p:cNvPr id="9" name="Picture 8">
+            <a:extLst>
+              <a:ext uri="{FF2B5EF4-FFF2-40B4-BE49-F238E27FC236}">
+                <a16:creationId xmlns:a16="http://schemas.microsoft.com/office/drawing/2014/main" id="{5A228ABB-7DC1-2AAD-EA10-2F0AD7B6E84D}"/>
+              </a:ext>
+            </a:extLst>
+          </p:cNvPr>
+          <p:cNvPicPr>
+            <a:picLocks noChangeAspect="1"/>
+          </p:cNvPicPr>
+          <p:nvPr/>
+        </p:nvPicPr>
+        <p:blipFill>
+          <a:blip r:embed="rId2"/>
+          <a:stretch>
+            <a:fillRect/>
+          </a:stretch>
+        </p:blipFill>
+        <p:spPr>
+          <a:xfrm>
+            <a:off x="4430834" y="891068"/>
+            <a:ext cx="2695951" cy="428685"/>
+          </a:xfrm>
+          <a:prstGeom prst="rect">
+            <a:avLst/>
+          </a:prstGeom>
+        </p:spPr>
+      </p:pic>
+      <p:cxnSp>
+        <p:nvCxnSpPr>
+          <p:cNvPr id="11" name="Straight Arrow Connector 10">
+            <a:extLst>
+              <a:ext uri="{FF2B5EF4-FFF2-40B4-BE49-F238E27FC236}">
+                <a16:creationId xmlns:a16="http://schemas.microsoft.com/office/drawing/2014/main" id="{AD236B2D-C888-C3AA-D6F9-9A7ED5DDC76D}"/>
+              </a:ext>
+            </a:extLst>
+          </p:cNvPr>
+          <p:cNvCxnSpPr>
+            <a:stCxn id="9" idx="2"/>
+            <a:endCxn id="2" idx="0"/>
+          </p:cNvCxnSpPr>
+          <p:nvPr/>
+        </p:nvCxnSpPr>
+        <p:spPr>
+          <a:xfrm>
+            <a:off x="5778810" y="1319753"/>
+            <a:ext cx="1" cy="480767"/>
+          </a:xfrm>
+          <a:prstGeom prst="straightConnector1">
+            <a:avLst/>
+          </a:prstGeom>
+          <a:ln>
+            <a:tailEnd type="triangle"/>
+          </a:ln>
+        </p:spPr>
+        <p:style>
+          <a:lnRef idx="1">
+            <a:schemeClr val="accent1"/>
+          </a:lnRef>
+          <a:fillRef idx="0">
+            <a:schemeClr val="accent1"/>
+          </a:fillRef>
+          <a:effectRef idx="0">
+            <a:schemeClr val="accent1"/>
+          </a:effectRef>
+          <a:fontRef idx="minor">
+            <a:schemeClr val="tx1"/>
+          </a:fontRef>
+        </p:style>
+      </p:cxnSp>
+      <p:sp>
+        <p:nvSpPr>
+          <p:cNvPr id="13" name="TextBox 12">
+            <a:extLst>
+              <a:ext uri="{FF2B5EF4-FFF2-40B4-BE49-F238E27FC236}">
+                <a16:creationId xmlns:a16="http://schemas.microsoft.com/office/drawing/2014/main" id="{4056BE52-BFB0-ADB3-5044-CCFEFA14F0C3}"/>
+              </a:ext>
+            </a:extLst>
+          </p:cNvPr>
+          <p:cNvSpPr txBox="1"/>
+          <p:nvPr/>
+        </p:nvSpPr>
+        <p:spPr>
+          <a:xfrm>
+            <a:off x="6825006" y="2083324"/>
+            <a:ext cx="1091966" cy="369332"/>
+          </a:xfrm>
+          <a:prstGeom prst="rect">
+            <a:avLst/>
+          </a:prstGeom>
+          <a:noFill/>
+        </p:spPr>
+        <p:txBody>
+          <a:bodyPr wrap="none" rtlCol="0">
+            <a:spAutoFit/>
+          </a:bodyPr>
+          <a:lstStyle/>
+          <a:p>
+            <a:r>
+              <a:rPr lang="en-US" dirty="0" err="1"/>
+              <a:t>Dvlp</a:t>
+            </a:r>
+            <a:r>
+              <a:rPr lang="en-US" dirty="0"/>
+              <a:t>\v0.3</a:t>
+            </a:r>
+          </a:p>
+        </p:txBody>
+      </p:sp>
+      <p:sp>
+        <p:nvSpPr>
+          <p:cNvPr id="14" name="TextBox 13">
+            <a:extLst>
+              <a:ext uri="{FF2B5EF4-FFF2-40B4-BE49-F238E27FC236}">
+                <a16:creationId xmlns:a16="http://schemas.microsoft.com/office/drawing/2014/main" id="{27CCB543-845A-6808-B056-599C5DF3918D}"/>
+              </a:ext>
+            </a:extLst>
+          </p:cNvPr>
+          <p:cNvSpPr txBox="1"/>
+          <p:nvPr/>
+        </p:nvSpPr>
+        <p:spPr>
+          <a:xfrm>
+            <a:off x="3868357" y="4551459"/>
+            <a:ext cx="1091966" cy="369332"/>
+          </a:xfrm>
+          <a:prstGeom prst="rect">
+            <a:avLst/>
+          </a:prstGeom>
+          <a:noFill/>
+        </p:spPr>
+        <p:txBody>
+          <a:bodyPr wrap="none" rtlCol="0">
+            <a:spAutoFit/>
+          </a:bodyPr>
+          <a:lstStyle/>
+          <a:p>
+            <a:r>
+              <a:rPr lang="en-US" dirty="0" err="1"/>
+              <a:t>Dvlp</a:t>
+            </a:r>
+            <a:r>
+              <a:rPr lang="en-US" dirty="0"/>
+              <a:t>\v0.3</a:t>
+            </a:r>
+          </a:p>
+        </p:txBody>
+      </p:sp>
+      <p:cxnSp>
+        <p:nvCxnSpPr>
+          <p:cNvPr id="16" name="Straight Arrow Connector 15">
+            <a:extLst>
+              <a:ext uri="{FF2B5EF4-FFF2-40B4-BE49-F238E27FC236}">
+                <a16:creationId xmlns:a16="http://schemas.microsoft.com/office/drawing/2014/main" id="{A56BB33B-BA19-AD19-9814-0481C09C7549}"/>
+              </a:ext>
+            </a:extLst>
+          </p:cNvPr>
+          <p:cNvCxnSpPr/>
+          <p:nvPr/>
+        </p:nvCxnSpPr>
+        <p:spPr>
+          <a:xfrm flipH="1">
+            <a:off x="3723885" y="2153182"/>
+            <a:ext cx="1112599" cy="1140643"/>
+          </a:xfrm>
+          <a:prstGeom prst="straightConnector1">
+            <a:avLst/>
+          </a:prstGeom>
+          <a:ln>
+            <a:tailEnd type="triangle"/>
+          </a:ln>
+        </p:spPr>
+        <p:style>
+          <a:lnRef idx="1">
+            <a:schemeClr val="accent1"/>
+          </a:lnRef>
+          <a:fillRef idx="0">
+            <a:schemeClr val="accent1"/>
+          </a:fillRef>
+          <a:effectRef idx="0">
+            <a:schemeClr val="accent1"/>
+          </a:effectRef>
+          <a:fontRef idx="minor">
+            <a:schemeClr val="tx1"/>
+          </a:fontRef>
+        </p:style>
+      </p:cxnSp>
+      <p:sp>
+        <p:nvSpPr>
+          <p:cNvPr id="4" name="TextBox 3">
+            <a:extLst>
+              <a:ext uri="{FF2B5EF4-FFF2-40B4-BE49-F238E27FC236}">
+                <a16:creationId xmlns:a16="http://schemas.microsoft.com/office/drawing/2014/main" id="{B1A1C8AA-C5DD-7B7C-ECF4-E30EF903C987}"/>
+              </a:ext>
+            </a:extLst>
+          </p:cNvPr>
+          <p:cNvSpPr txBox="1"/>
+          <p:nvPr/>
+        </p:nvSpPr>
+        <p:spPr>
+          <a:xfrm>
+            <a:off x="5495827" y="4494898"/>
+            <a:ext cx="795411" cy="369332"/>
+          </a:xfrm>
+          <a:prstGeom prst="rect">
+            <a:avLst/>
+          </a:prstGeom>
+          <a:noFill/>
+        </p:spPr>
+        <p:txBody>
+          <a:bodyPr wrap="none" rtlCol="0">
+            <a:spAutoFit/>
+          </a:bodyPr>
+          <a:lstStyle/>
+          <a:p>
+            <a:r>
+              <a:rPr lang="he-IL" dirty="0"/>
+              <a:t>שינויים</a:t>
+            </a:r>
+            <a:endParaRPr lang="en-US" dirty="0"/>
+          </a:p>
+        </p:txBody>
+      </p:sp>
+    </p:spTree>
+    <p:extLst>
+      <p:ext uri="{BB962C8B-B14F-4D97-AF65-F5344CB8AC3E}">
+        <p14:creationId xmlns:p14="http://schemas.microsoft.com/office/powerpoint/2010/main" val="4109065590"/>
+      </p:ext>
+    </p:extLst>
+  </p:cSld>
+  <p:clrMapOvr>
+    <a:masterClrMapping/>
+  </p:clrMapOvr>
+</p:sld>
+</file>
+
+<file path=ppt/slides/slide16.xml><?xml version="1.0" encoding="utf-8"?>
+<p:sld xmlns:a="http://schemas.openxmlformats.org/drawingml/2006/main" xmlns:r="http://schemas.openxmlformats.org/officeDocument/2006/relationships" xmlns:p="http://schemas.openxmlformats.org/presentationml/2006/main">
+  <p:cSld>
+    <p:spTree>
+      <p:nvGrpSpPr>
+        <p:cNvPr id="1" name=""/>
+        <p:cNvGrpSpPr/>
+        <p:nvPr/>
+      </p:nvGrpSpPr>
+      <p:grpSpPr>
+        <a:xfrm>
+          <a:off x="0" y="0"/>
+          <a:ext cx="0" cy="0"/>
+          <a:chOff x="0" y="0"/>
+          <a:chExt cx="0" cy="0"/>
+        </a:xfrm>
+      </p:grpSpPr>
       <p:sp>
         <p:nvSpPr>
           <p:cNvPr id="2" name="TextBox 1">
@@ -4892,7 +7096,7 @@
 </p:sld>
 </file>
 
-<file path=ppt/slides/slide12.xml><?xml version="1.0" encoding="utf-8"?>
+<file path=ppt/slides/slide17.xml><?xml version="1.0" encoding="utf-8"?>
 <p:sld xmlns:a="http://schemas.openxmlformats.org/drawingml/2006/main" xmlns:r="http://schemas.openxmlformats.org/officeDocument/2006/relationships" xmlns:p="http://schemas.openxmlformats.org/presentationml/2006/main">
   <p:cSld>
     <p:spTree>
@@ -5081,153 +7285,369 @@
           <a:chExt cx="0" cy="0"/>
         </a:xfrm>
       </p:grpSpPr>
-      <p:pic>
-        <p:nvPicPr>
-          <p:cNvPr id="3" name="Picture 2">
-            <a:extLst>
-              <a:ext uri="{FF2B5EF4-FFF2-40B4-BE49-F238E27FC236}">
-                <a16:creationId xmlns:a16="http://schemas.microsoft.com/office/drawing/2014/main" id="{D134B9A4-4A7C-A17E-605A-5EC0976EA4E0}"/>
-              </a:ext>
-            </a:extLst>
-          </p:cNvPr>
-          <p:cNvPicPr>
-            <a:picLocks noChangeAspect="1"/>
-          </p:cNvPicPr>
-          <p:nvPr/>
-        </p:nvPicPr>
-        <p:blipFill>
-          <a:blip r:embed="rId2"/>
-          <a:stretch>
-            <a:fillRect/>
-          </a:stretch>
-        </p:blipFill>
-        <p:spPr>
-          <a:xfrm>
-            <a:off x="480085" y="1391560"/>
-            <a:ext cx="1333686" cy="3848637"/>
+      <p:sp>
+        <p:nvSpPr>
+          <p:cNvPr id="2" name="Rectangle 1">
+            <a:extLst>
+              <a:ext uri="{FF2B5EF4-FFF2-40B4-BE49-F238E27FC236}">
+                <a16:creationId xmlns:a16="http://schemas.microsoft.com/office/drawing/2014/main" id="{0D54F6D3-1276-4AC3-1688-3433038CAC93}"/>
+              </a:ext>
+            </a:extLst>
+          </p:cNvPr>
+          <p:cNvSpPr/>
+          <p:nvPr/>
+        </p:nvSpPr>
+        <p:spPr>
+          <a:xfrm>
+            <a:off x="8097625" y="1057992"/>
+            <a:ext cx="1545996" cy="820132"/>
           </a:xfrm>
           <a:prstGeom prst="rect">
             <a:avLst/>
           </a:prstGeom>
         </p:spPr>
-      </p:pic>
+        <p:style>
+          <a:lnRef idx="2">
+            <a:schemeClr val="accent1">
+              <a:shade val="15000"/>
+            </a:schemeClr>
+          </a:lnRef>
+          <a:fillRef idx="1">
+            <a:schemeClr val="accent1"/>
+          </a:fillRef>
+          <a:effectRef idx="0">
+            <a:schemeClr val="accent1"/>
+          </a:effectRef>
+          <a:fontRef idx="minor">
+            <a:schemeClr val="lt1"/>
+          </a:fontRef>
+        </p:style>
+        <p:txBody>
+          <a:bodyPr rtlCol="0" anchor="ctr"/>
+          <a:lstStyle/>
+          <a:p>
+            <a:pPr algn="ctr" rtl="1"/>
+            <a:r>
+              <a:rPr lang="he-IL" dirty="0"/>
+              <a:t>מקור</a:t>
+            </a:r>
+            <a:endParaRPr lang="en-US" dirty="0"/>
+          </a:p>
+        </p:txBody>
+      </p:sp>
+      <p:sp>
+        <p:nvSpPr>
+          <p:cNvPr id="3" name="Rectangle 2">
+            <a:extLst>
+              <a:ext uri="{FF2B5EF4-FFF2-40B4-BE49-F238E27FC236}">
+                <a16:creationId xmlns:a16="http://schemas.microsoft.com/office/drawing/2014/main" id="{4304B26A-4C0E-4153-C09D-52222E2C49A0}"/>
+              </a:ext>
+            </a:extLst>
+          </p:cNvPr>
+          <p:cNvSpPr/>
+          <p:nvPr/>
+        </p:nvSpPr>
+        <p:spPr>
+          <a:xfrm>
+            <a:off x="5701924" y="1858674"/>
+            <a:ext cx="1545996" cy="820132"/>
+          </a:xfrm>
+          <a:prstGeom prst="rect">
+            <a:avLst/>
+          </a:prstGeom>
+        </p:spPr>
+        <p:style>
+          <a:lnRef idx="2">
+            <a:schemeClr val="accent1">
+              <a:shade val="15000"/>
+            </a:schemeClr>
+          </a:lnRef>
+          <a:fillRef idx="1">
+            <a:schemeClr val="accent1"/>
+          </a:fillRef>
+          <a:effectRef idx="0">
+            <a:schemeClr val="accent1"/>
+          </a:effectRef>
+          <a:fontRef idx="minor">
+            <a:schemeClr val="lt1"/>
+          </a:fontRef>
+        </p:style>
+        <p:txBody>
+          <a:bodyPr rtlCol="0" anchor="ctr"/>
+          <a:lstStyle/>
+          <a:p>
+            <a:pPr algn="ctr" rtl="1"/>
+            <a:r>
+              <a:rPr lang="he-IL" dirty="0"/>
+              <a:t>"תחזית"</a:t>
+            </a:r>
+            <a:endParaRPr lang="en-US" dirty="0"/>
+          </a:p>
+        </p:txBody>
+      </p:sp>
+      <p:sp>
+        <p:nvSpPr>
+          <p:cNvPr id="4" name="Rectangle 3">
+            <a:extLst>
+              <a:ext uri="{FF2B5EF4-FFF2-40B4-BE49-F238E27FC236}">
+                <a16:creationId xmlns:a16="http://schemas.microsoft.com/office/drawing/2014/main" id="{49211AAB-0F72-0C86-FD33-B61852C6FB7B}"/>
+              </a:ext>
+            </a:extLst>
+          </p:cNvPr>
+          <p:cNvSpPr/>
+          <p:nvPr/>
+        </p:nvSpPr>
+        <p:spPr>
+          <a:xfrm>
+            <a:off x="2856321" y="1696826"/>
+            <a:ext cx="1545996" cy="820132"/>
+          </a:xfrm>
+          <a:prstGeom prst="rect">
+            <a:avLst/>
+          </a:prstGeom>
+        </p:spPr>
+        <p:style>
+          <a:lnRef idx="2">
+            <a:schemeClr val="accent1">
+              <a:shade val="15000"/>
+            </a:schemeClr>
+          </a:lnRef>
+          <a:fillRef idx="1">
+            <a:schemeClr val="accent1"/>
+          </a:fillRef>
+          <a:effectRef idx="0">
+            <a:schemeClr val="accent1"/>
+          </a:effectRef>
+          <a:fontRef idx="minor">
+            <a:schemeClr val="lt1"/>
+          </a:fontRef>
+        </p:style>
+        <p:txBody>
+          <a:bodyPr rtlCol="0" anchor="ctr"/>
+          <a:lstStyle/>
+          <a:p>
+            <a:pPr algn="ctr" rtl="1"/>
+            <a:r>
+              <a:rPr lang="he-IL" dirty="0"/>
+              <a:t>תרחיש א</a:t>
+            </a:r>
+            <a:endParaRPr lang="en-US" dirty="0"/>
+          </a:p>
+        </p:txBody>
+      </p:sp>
+      <p:sp>
+        <p:nvSpPr>
+          <p:cNvPr id="5" name="Rectangle 4">
+            <a:extLst>
+              <a:ext uri="{FF2B5EF4-FFF2-40B4-BE49-F238E27FC236}">
+                <a16:creationId xmlns:a16="http://schemas.microsoft.com/office/drawing/2014/main" id="{BC2CF771-7D67-5D53-91F9-C80340FE540B}"/>
+              </a:ext>
+            </a:extLst>
+          </p:cNvPr>
+          <p:cNvSpPr/>
+          <p:nvPr/>
+        </p:nvSpPr>
+        <p:spPr>
+          <a:xfrm>
+            <a:off x="2856321" y="2818616"/>
+            <a:ext cx="1545996" cy="820132"/>
+          </a:xfrm>
+          <a:prstGeom prst="rect">
+            <a:avLst/>
+          </a:prstGeom>
+        </p:spPr>
+        <p:style>
+          <a:lnRef idx="2">
+            <a:schemeClr val="accent1">
+              <a:shade val="15000"/>
+            </a:schemeClr>
+          </a:lnRef>
+          <a:fillRef idx="1">
+            <a:schemeClr val="accent1"/>
+          </a:fillRef>
+          <a:effectRef idx="0">
+            <a:schemeClr val="accent1"/>
+          </a:effectRef>
+          <a:fontRef idx="minor">
+            <a:schemeClr val="lt1"/>
+          </a:fontRef>
+        </p:style>
+        <p:txBody>
+          <a:bodyPr rtlCol="0" anchor="ctr"/>
+          <a:lstStyle/>
+          <a:p>
+            <a:pPr algn="ctr" rtl="1"/>
+            <a:r>
+              <a:rPr lang="he-IL" dirty="0"/>
+              <a:t>תרחיש ב</a:t>
+            </a:r>
+            <a:endParaRPr lang="en-US" dirty="0"/>
+          </a:p>
+        </p:txBody>
+      </p:sp>
+      <p:sp>
+        <p:nvSpPr>
+          <p:cNvPr id="6" name="Rectangle 5">
+            <a:extLst>
+              <a:ext uri="{FF2B5EF4-FFF2-40B4-BE49-F238E27FC236}">
+                <a16:creationId xmlns:a16="http://schemas.microsoft.com/office/drawing/2014/main" id="{2832C4AE-EBF9-194B-FDD8-B2B9233A63E6}"/>
+              </a:ext>
+            </a:extLst>
+          </p:cNvPr>
+          <p:cNvSpPr/>
+          <p:nvPr/>
+        </p:nvSpPr>
+        <p:spPr>
+          <a:xfrm>
+            <a:off x="2856321" y="4407033"/>
+            <a:ext cx="1545996" cy="820132"/>
+          </a:xfrm>
+          <a:prstGeom prst="rect">
+            <a:avLst/>
+          </a:prstGeom>
+        </p:spPr>
+        <p:style>
+          <a:lnRef idx="2">
+            <a:schemeClr val="accent1">
+              <a:shade val="15000"/>
+            </a:schemeClr>
+          </a:lnRef>
+          <a:fillRef idx="1">
+            <a:schemeClr val="accent1"/>
+          </a:fillRef>
+          <a:effectRef idx="0">
+            <a:schemeClr val="accent1"/>
+          </a:effectRef>
+          <a:fontRef idx="minor">
+            <a:schemeClr val="lt1"/>
+          </a:fontRef>
+        </p:style>
+        <p:txBody>
+          <a:bodyPr rtlCol="0" anchor="ctr"/>
+          <a:lstStyle/>
+          <a:p>
+            <a:pPr algn="ctr" rtl="1"/>
+            <a:r>
+              <a:rPr lang="he-IL" dirty="0"/>
+              <a:t>תרחיש </a:t>
+            </a:r>
+            <a:r>
+              <a:rPr lang="en-US" dirty="0"/>
+              <a:t>x</a:t>
+            </a:r>
+          </a:p>
+        </p:txBody>
+      </p:sp>
+      <p:sp>
+        <p:nvSpPr>
+          <p:cNvPr id="7" name="TextBox 6">
+            <a:extLst>
+              <a:ext uri="{FF2B5EF4-FFF2-40B4-BE49-F238E27FC236}">
+                <a16:creationId xmlns:a16="http://schemas.microsoft.com/office/drawing/2014/main" id="{123B0990-926D-0C30-0599-1CFAA72045C2}"/>
+              </a:ext>
+            </a:extLst>
+          </p:cNvPr>
+          <p:cNvSpPr txBox="1"/>
+          <p:nvPr/>
+        </p:nvSpPr>
+        <p:spPr>
+          <a:xfrm>
+            <a:off x="3469064" y="3755740"/>
+            <a:ext cx="343364" cy="369332"/>
+          </a:xfrm>
+          <a:prstGeom prst="rect">
+            <a:avLst/>
+          </a:prstGeom>
+          <a:noFill/>
+        </p:spPr>
+        <p:txBody>
+          <a:bodyPr wrap="none" rtlCol="0">
+            <a:spAutoFit/>
+          </a:bodyPr>
+          <a:lstStyle/>
+          <a:p>
+            <a:r>
+              <a:rPr lang="en-US" dirty="0"/>
+              <a:t>…</a:t>
+            </a:r>
+          </a:p>
+        </p:txBody>
+      </p:sp>
+      <p:sp>
+        <p:nvSpPr>
+          <p:cNvPr id="8" name="TextBox 7">
+            <a:extLst>
+              <a:ext uri="{FF2B5EF4-FFF2-40B4-BE49-F238E27FC236}">
+                <a16:creationId xmlns:a16="http://schemas.microsoft.com/office/drawing/2014/main" id="{A512719C-560A-C3F4-4E83-93B897FCA8EC}"/>
+              </a:ext>
+            </a:extLst>
+          </p:cNvPr>
+          <p:cNvSpPr txBox="1"/>
+          <p:nvPr/>
+        </p:nvSpPr>
+        <p:spPr>
+          <a:xfrm>
+            <a:off x="1792091" y="1512003"/>
+            <a:ext cx="633443" cy="954107"/>
+          </a:xfrm>
+          <a:prstGeom prst="rect">
+            <a:avLst/>
+          </a:prstGeom>
+          <a:noFill/>
+        </p:spPr>
+        <p:txBody>
+          <a:bodyPr wrap="none" rtlCol="0">
+            <a:spAutoFit/>
+          </a:bodyPr>
+          <a:lstStyle/>
+          <a:p>
+            <a:r>
+              <a:rPr lang="en-US" sz="1400" dirty="0"/>
+              <a:t>Year 1</a:t>
+            </a:r>
+          </a:p>
+          <a:p>
+            <a:r>
+              <a:rPr lang="en-US" sz="1400" dirty="0"/>
+              <a:t>Year 2</a:t>
+            </a:r>
+          </a:p>
+          <a:p>
+            <a:r>
+              <a:rPr lang="en-US" sz="1400" dirty="0"/>
+              <a:t>….</a:t>
+            </a:r>
+          </a:p>
+          <a:p>
+            <a:r>
+              <a:rPr lang="en-US" sz="1400" dirty="0"/>
+              <a:t>Year n</a:t>
+            </a:r>
+            <a:endParaRPr lang="he-IL" sz="1400" dirty="0"/>
+          </a:p>
+        </p:txBody>
+      </p:sp>
       <p:cxnSp>
         <p:nvCxnSpPr>
-          <p:cNvPr id="5" name="Straight Arrow Connector 4">
-            <a:extLst>
-              <a:ext uri="{FF2B5EF4-FFF2-40B4-BE49-F238E27FC236}">
-                <a16:creationId xmlns:a16="http://schemas.microsoft.com/office/drawing/2014/main" id="{70CCF385-E6A9-E115-9DD4-77981493F458}"/>
-              </a:ext>
-            </a:extLst>
-          </p:cNvPr>
-          <p:cNvCxnSpPr/>
+          <p:cNvPr id="10" name="Connector: Curved 9">
+            <a:extLst>
+              <a:ext uri="{FF2B5EF4-FFF2-40B4-BE49-F238E27FC236}">
+                <a16:creationId xmlns:a16="http://schemas.microsoft.com/office/drawing/2014/main" id="{80FA6C65-6FA4-C496-C42D-2C37B887A546}"/>
+              </a:ext>
+            </a:extLst>
+          </p:cNvPr>
+          <p:cNvCxnSpPr>
+            <a:stCxn id="2" idx="1"/>
+            <a:endCxn id="3" idx="0"/>
+          </p:cNvCxnSpPr>
           <p:nvPr/>
         </p:nvCxnSpPr>
         <p:spPr>
-          <a:xfrm>
-            <a:off x="1640265" y="4251489"/>
-            <a:ext cx="641022" cy="0"/>
-          </a:xfrm>
-          <a:prstGeom prst="straightConnector1">
-            <a:avLst/>
-          </a:prstGeom>
-          <a:ln>
-            <a:tailEnd type="triangle"/>
-          </a:ln>
-        </p:spPr>
-        <p:style>
-          <a:lnRef idx="1">
-            <a:schemeClr val="accent1"/>
-          </a:lnRef>
-          <a:fillRef idx="0">
-            <a:schemeClr val="accent1"/>
-          </a:fillRef>
-          <a:effectRef idx="0">
-            <a:schemeClr val="accent1"/>
-          </a:effectRef>
-          <a:fontRef idx="minor">
-            <a:schemeClr val="tx1"/>
-          </a:fontRef>
-        </p:style>
-      </p:cxnSp>
-      <p:pic>
-        <p:nvPicPr>
-          <p:cNvPr id="7" name="Picture 6">
-            <a:extLst>
-              <a:ext uri="{FF2B5EF4-FFF2-40B4-BE49-F238E27FC236}">
-                <a16:creationId xmlns:a16="http://schemas.microsoft.com/office/drawing/2014/main" id="{B2FEB588-0B84-67DF-5E9D-ECCA1226B2C5}"/>
-              </a:ext>
-            </a:extLst>
-          </p:cNvPr>
-          <p:cNvPicPr>
-            <a:picLocks noChangeAspect="1"/>
-          </p:cNvPicPr>
-          <p:nvPr/>
-        </p:nvPicPr>
-        <p:blipFill>
-          <a:blip r:embed="rId3"/>
-          <a:stretch>
-            <a:fillRect/>
-          </a:stretch>
-        </p:blipFill>
-        <p:spPr>
-          <a:xfrm>
-            <a:off x="2631898" y="1131401"/>
-            <a:ext cx="4108267" cy="2422504"/>
-          </a:xfrm>
-          <a:prstGeom prst="rect">
-            <a:avLst/>
-          </a:prstGeom>
-        </p:spPr>
-      </p:pic>
-      <p:pic>
-        <p:nvPicPr>
-          <p:cNvPr id="11" name="Picture 10">
-            <a:extLst>
-              <a:ext uri="{FF2B5EF4-FFF2-40B4-BE49-F238E27FC236}">
-                <a16:creationId xmlns:a16="http://schemas.microsoft.com/office/drawing/2014/main" id="{8C0B0D2C-A85C-EEEA-01FB-244884000B1A}"/>
-              </a:ext>
-            </a:extLst>
-          </p:cNvPr>
-          <p:cNvPicPr>
-            <a:picLocks noChangeAspect="1"/>
-          </p:cNvPicPr>
-          <p:nvPr/>
-        </p:nvPicPr>
-        <p:blipFill>
-          <a:blip r:embed="rId4"/>
-          <a:stretch>
-            <a:fillRect/>
-          </a:stretch>
-        </p:blipFill>
-        <p:spPr>
-          <a:xfrm>
-            <a:off x="2557464" y="3736665"/>
-            <a:ext cx="9157256" cy="3007064"/>
-          </a:xfrm>
-          <a:prstGeom prst="rect">
-            <a:avLst/>
-          </a:prstGeom>
-        </p:spPr>
-      </p:pic>
-      <p:cxnSp>
-        <p:nvCxnSpPr>
-          <p:cNvPr id="13" name="Straight Arrow Connector 12">
-            <a:extLst>
-              <a:ext uri="{FF2B5EF4-FFF2-40B4-BE49-F238E27FC236}">
-                <a16:creationId xmlns:a16="http://schemas.microsoft.com/office/drawing/2014/main" id="{EDC2846D-2DE6-FD2F-4481-A25365E032EF}"/>
-              </a:ext>
-            </a:extLst>
-          </p:cNvPr>
-          <p:cNvCxnSpPr/>
-          <p:nvPr/>
-        </p:nvCxnSpPr>
-        <p:spPr>
-          <a:xfrm>
-            <a:off x="10727704" y="3315878"/>
-            <a:ext cx="0" cy="238027"/>
-          </a:xfrm>
-          <a:prstGeom prst="straightConnector1">
+          <a:xfrm rot="10800000" flipV="1">
+            <a:off x="6474923" y="1468058"/>
+            <a:ext cx="1622703" cy="390616"/>
+          </a:xfrm>
+          <a:prstGeom prst="curvedConnector2">
             <a:avLst/>
           </a:prstGeom>
           <a:ln>
@@ -5251,23 +7671,29 @@
       </p:cxnSp>
       <p:cxnSp>
         <p:nvCxnSpPr>
-          <p:cNvPr id="14" name="Straight Arrow Connector 13">
-            <a:extLst>
-              <a:ext uri="{FF2B5EF4-FFF2-40B4-BE49-F238E27FC236}">
-                <a16:creationId xmlns:a16="http://schemas.microsoft.com/office/drawing/2014/main" id="{5E2F50E9-7365-2718-4815-FB32AF7EF5BC}"/>
-              </a:ext>
-            </a:extLst>
-          </p:cNvPr>
-          <p:cNvCxnSpPr/>
+          <p:cNvPr id="11" name="Connector: Curved 10">
+            <a:extLst>
+              <a:ext uri="{FF2B5EF4-FFF2-40B4-BE49-F238E27FC236}">
+                <a16:creationId xmlns:a16="http://schemas.microsoft.com/office/drawing/2014/main" id="{D02EE8FC-4C56-5795-3F43-14D5A130ADB2}"/>
+              </a:ext>
+            </a:extLst>
+          </p:cNvPr>
+          <p:cNvCxnSpPr>
+            <a:cxnSpLocks/>
+            <a:stCxn id="3" idx="1"/>
+            <a:endCxn id="4" idx="3"/>
+          </p:cNvCxnSpPr>
           <p:nvPr/>
         </p:nvCxnSpPr>
         <p:spPr>
-          <a:xfrm>
-            <a:off x="11217898" y="3315878"/>
-            <a:ext cx="0" cy="238027"/>
-          </a:xfrm>
-          <a:prstGeom prst="straightConnector1">
-            <a:avLst/>
+          <a:xfrm rot="10800000">
+            <a:off x="4402318" y="2106892"/>
+            <a:ext cx="1299607" cy="161848"/>
+          </a:xfrm>
+          <a:prstGeom prst="curvedConnector3">
+            <a:avLst>
+              <a:gd name="adj1" fmla="val 50000"/>
+            </a:avLst>
           </a:prstGeom>
           <a:ln>
             <a:tailEnd type="triangle"/>
@@ -5290,263 +7716,29 @@
       </p:cxnSp>
       <p:cxnSp>
         <p:nvCxnSpPr>
-          <p:cNvPr id="8" name="Straight Arrow Connector 7">
-            <a:extLst>
-              <a:ext uri="{FF2B5EF4-FFF2-40B4-BE49-F238E27FC236}">
-                <a16:creationId xmlns:a16="http://schemas.microsoft.com/office/drawing/2014/main" id="{744F332F-9FCF-C005-8FD2-8F88E6FAD5C7}"/>
+          <p:cNvPr id="14" name="Connector: Curved 13">
+            <a:extLst>
+              <a:ext uri="{FF2B5EF4-FFF2-40B4-BE49-F238E27FC236}">
+                <a16:creationId xmlns:a16="http://schemas.microsoft.com/office/drawing/2014/main" id="{3748D2A8-3C24-EB7C-B1C4-6FA22DBA3E5D}"/>
               </a:ext>
             </a:extLst>
           </p:cNvPr>
           <p:cNvCxnSpPr>
             <a:cxnSpLocks/>
+            <a:stCxn id="3" idx="1"/>
+            <a:endCxn id="5" idx="3"/>
           </p:cNvCxnSpPr>
           <p:nvPr/>
         </p:nvCxnSpPr>
         <p:spPr>
-          <a:xfrm>
-            <a:off x="6740165" y="933254"/>
-            <a:ext cx="2026763" cy="368795"/>
-          </a:xfrm>
-          <a:prstGeom prst="straightConnector1">
-            <a:avLst/>
-          </a:prstGeom>
-          <a:ln>
-            <a:tailEnd type="triangle"/>
-          </a:ln>
-        </p:spPr>
-        <p:style>
-          <a:lnRef idx="1">
-            <a:schemeClr val="accent1"/>
-          </a:lnRef>
-          <a:fillRef idx="0">
-            <a:schemeClr val="accent1"/>
-          </a:fillRef>
-          <a:effectRef idx="0">
-            <a:schemeClr val="accent1"/>
-          </a:effectRef>
-          <a:fontRef idx="minor">
-            <a:schemeClr val="tx1"/>
-          </a:fontRef>
-        </p:style>
-      </p:cxnSp>
-      <p:sp>
-        <p:nvSpPr>
-          <p:cNvPr id="10" name="TextBox 9">
-            <a:extLst>
-              <a:ext uri="{FF2B5EF4-FFF2-40B4-BE49-F238E27FC236}">
-                <a16:creationId xmlns:a16="http://schemas.microsoft.com/office/drawing/2014/main" id="{DC8E8ABE-0734-1656-A256-D1AE5F0D06BD}"/>
-              </a:ext>
-            </a:extLst>
-          </p:cNvPr>
-          <p:cNvSpPr txBox="1"/>
-          <p:nvPr/>
-        </p:nvSpPr>
-        <p:spPr>
-          <a:xfrm>
-            <a:off x="9030880" y="1117383"/>
-            <a:ext cx="2045496" cy="369332"/>
-          </a:xfrm>
-          <a:prstGeom prst="rect">
-            <a:avLst/>
-          </a:prstGeom>
-          <a:solidFill>
-            <a:schemeClr val="accent4">
-              <a:lumMod val="20000"/>
-              <a:lumOff val="80000"/>
-            </a:schemeClr>
-          </a:solidFill>
-        </p:spPr>
-        <p:txBody>
-          <a:bodyPr wrap="none" rtlCol="0">
-            <a:spAutoFit/>
-          </a:bodyPr>
-          <a:lstStyle/>
-          <a:p>
-            <a:pPr algn="r" rtl="1"/>
-            <a:r>
-              <a:rPr lang="he-IL" dirty="0"/>
-              <a:t>2. </a:t>
-            </a:r>
-            <a:r>
-              <a:rPr lang="en-US" dirty="0" err="1"/>
-              <a:t>Geojson</a:t>
-            </a:r>
-            <a:r>
-              <a:rPr lang="en-US" dirty="0"/>
-              <a:t> of zones</a:t>
-            </a:r>
-          </a:p>
-        </p:txBody>
-      </p:sp>
-      <p:sp>
-        <p:nvSpPr>
-          <p:cNvPr id="12" name="TextBox 11">
-            <a:extLst>
-              <a:ext uri="{FF2B5EF4-FFF2-40B4-BE49-F238E27FC236}">
-                <a16:creationId xmlns:a16="http://schemas.microsoft.com/office/drawing/2014/main" id="{DE363E60-0B0F-59E4-A129-688407161867}"/>
-              </a:ext>
-            </a:extLst>
-          </p:cNvPr>
-          <p:cNvSpPr txBox="1"/>
-          <p:nvPr/>
-        </p:nvSpPr>
-        <p:spPr>
-          <a:xfrm>
-            <a:off x="2885826" y="653230"/>
-            <a:ext cx="3438762" cy="369332"/>
-          </a:xfrm>
-          <a:prstGeom prst="rect">
-            <a:avLst/>
-          </a:prstGeom>
-          <a:solidFill>
-            <a:schemeClr val="accent4">
-              <a:lumMod val="20000"/>
-              <a:lumOff val="80000"/>
-            </a:schemeClr>
-          </a:solidFill>
-        </p:spPr>
-        <p:txBody>
-          <a:bodyPr wrap="none" rtlCol="0">
-            <a:spAutoFit/>
-          </a:bodyPr>
-          <a:lstStyle/>
-          <a:p>
-            <a:pPr algn="r" rtl="1"/>
-            <a:r>
-              <a:rPr lang="he-IL" dirty="0"/>
-              <a:t>1. קובץ הגדרת תרחיש בפורמט </a:t>
-            </a:r>
-            <a:r>
-              <a:rPr lang="en-US" dirty="0" err="1"/>
-              <a:t>json</a:t>
-            </a:r>
-            <a:endParaRPr lang="en-US" dirty="0"/>
-          </a:p>
-        </p:txBody>
-      </p:sp>
-      <p:sp>
-        <p:nvSpPr>
-          <p:cNvPr id="15" name="TextBox 14">
-            <a:extLst>
-              <a:ext uri="{FF2B5EF4-FFF2-40B4-BE49-F238E27FC236}">
-                <a16:creationId xmlns:a16="http://schemas.microsoft.com/office/drawing/2014/main" id="{1AB0E0A2-46BA-9D31-18E1-3FBFD8497356}"/>
-              </a:ext>
-            </a:extLst>
-          </p:cNvPr>
-          <p:cNvSpPr txBox="1"/>
-          <p:nvPr/>
-        </p:nvSpPr>
-        <p:spPr>
-          <a:xfrm>
-            <a:off x="7314246" y="2670500"/>
-            <a:ext cx="4249626" cy="369332"/>
-          </a:xfrm>
-          <a:prstGeom prst="rect">
-            <a:avLst/>
-          </a:prstGeom>
-          <a:solidFill>
-            <a:schemeClr val="accent4">
-              <a:lumMod val="20000"/>
-              <a:lumOff val="80000"/>
-            </a:schemeClr>
-          </a:solidFill>
-        </p:spPr>
-        <p:txBody>
-          <a:bodyPr wrap="none" rtlCol="0">
-            <a:spAutoFit/>
-          </a:bodyPr>
-          <a:lstStyle/>
-          <a:p>
-            <a:pPr algn="r" rtl="1"/>
-            <a:r>
-              <a:rPr lang="he-IL" dirty="0"/>
-              <a:t>3. קובץ </a:t>
-            </a:r>
-            <a:r>
-              <a:rPr lang="en-US" dirty="0"/>
-              <a:t>csv</a:t>
-            </a:r>
-            <a:r>
-              <a:rPr lang="he-IL" dirty="0"/>
-              <a:t> עם כל הנתונים של מקור הנתונים </a:t>
-            </a:r>
-            <a:endParaRPr lang="en-US" dirty="0"/>
-          </a:p>
-        </p:txBody>
-      </p:sp>
-      <p:sp>
-        <p:nvSpPr>
-          <p:cNvPr id="18" name="TextBox 17">
-            <a:extLst>
-              <a:ext uri="{FF2B5EF4-FFF2-40B4-BE49-F238E27FC236}">
-                <a16:creationId xmlns:a16="http://schemas.microsoft.com/office/drawing/2014/main" id="{C50EE0EC-4C8A-AC2B-75D5-45B0D43E54B4}"/>
-              </a:ext>
-            </a:extLst>
-          </p:cNvPr>
-          <p:cNvSpPr txBox="1"/>
-          <p:nvPr/>
-        </p:nvSpPr>
-        <p:spPr>
-          <a:xfrm>
-            <a:off x="2885826" y="101138"/>
-            <a:ext cx="6420348" cy="369332"/>
-          </a:xfrm>
-          <a:prstGeom prst="rect">
-            <a:avLst/>
-          </a:prstGeom>
-          <a:solidFill>
-            <a:schemeClr val="accent2">
-              <a:lumMod val="20000"/>
-              <a:lumOff val="80000"/>
-            </a:schemeClr>
-          </a:solidFill>
-        </p:spPr>
-        <p:txBody>
-          <a:bodyPr wrap="none" rtlCol="0">
-            <a:spAutoFit/>
-          </a:bodyPr>
-          <a:lstStyle/>
-          <a:p>
-            <a:pPr algn="r" rtl="1"/>
-            <a:r>
-              <a:rPr lang="he-IL" dirty="0"/>
-              <a:t>"אובייקט": קבוצת תרחישים ממקור </a:t>
-            </a:r>
-            <a:r>
-              <a:rPr lang="he-IL" dirty="0" err="1"/>
-              <a:t>מסויים</a:t>
-            </a:r>
-            <a:r>
-              <a:rPr lang="he-IL" dirty="0"/>
-              <a:t> (מודל) שהוכנה בזמן </a:t>
-            </a:r>
-            <a:r>
-              <a:rPr lang="he-IL" dirty="0" err="1"/>
-              <a:t>מסויים</a:t>
-            </a:r>
-            <a:endParaRPr lang="en-US" dirty="0"/>
-          </a:p>
-        </p:txBody>
-      </p:sp>
-      <p:cxnSp>
-        <p:nvCxnSpPr>
-          <p:cNvPr id="20" name="Straight Arrow Connector 19">
-            <a:extLst>
-              <a:ext uri="{FF2B5EF4-FFF2-40B4-BE49-F238E27FC236}">
-                <a16:creationId xmlns:a16="http://schemas.microsoft.com/office/drawing/2014/main" id="{4A4344A6-C093-5EFC-B931-7946868666A4}"/>
-              </a:ext>
-            </a:extLst>
-          </p:cNvPr>
-          <p:cNvCxnSpPr/>
-          <p:nvPr/>
-        </p:nvCxnSpPr>
-        <p:spPr>
-          <a:xfrm flipV="1">
-            <a:off x="1282045" y="5552388"/>
-            <a:ext cx="0" cy="302060"/>
-          </a:xfrm>
-          <a:prstGeom prst="straightConnector1">
-            <a:avLst/>
+          <a:xfrm rot="10800000" flipV="1">
+            <a:off x="4402318" y="2268740"/>
+            <a:ext cx="1299607" cy="959942"/>
+          </a:xfrm>
+          <a:prstGeom prst="curvedConnector3">
+            <a:avLst>
+              <a:gd name="adj1" fmla="val 50000"/>
+            </a:avLst>
           </a:prstGeom>
           <a:ln>
             <a:tailEnd type="triangle"/>
@@ -5569,25 +7761,29 @@
       </p:cxnSp>
       <p:cxnSp>
         <p:nvCxnSpPr>
-          <p:cNvPr id="23" name="Straight Arrow Connector 22">
-            <a:extLst>
-              <a:ext uri="{FF2B5EF4-FFF2-40B4-BE49-F238E27FC236}">
-                <a16:creationId xmlns:a16="http://schemas.microsoft.com/office/drawing/2014/main" id="{936A8122-7CB7-70E2-EFAD-E2274441F66B}"/>
+          <p:cNvPr id="17" name="Connector: Curved 16">
+            <a:extLst>
+              <a:ext uri="{FF2B5EF4-FFF2-40B4-BE49-F238E27FC236}">
+                <a16:creationId xmlns:a16="http://schemas.microsoft.com/office/drawing/2014/main" id="{2CD7BD94-5F97-32B7-52AF-A8CF7E903F89}"/>
               </a:ext>
             </a:extLst>
           </p:cNvPr>
           <p:cNvCxnSpPr>
             <a:cxnSpLocks/>
+            <a:stCxn id="3" idx="1"/>
+            <a:endCxn id="6" idx="3"/>
           </p:cNvCxnSpPr>
           <p:nvPr/>
         </p:nvCxnSpPr>
         <p:spPr>
-          <a:xfrm>
-            <a:off x="10053628" y="1675614"/>
-            <a:ext cx="0" cy="765928"/>
-          </a:xfrm>
-          <a:prstGeom prst="straightConnector1">
-            <a:avLst/>
+          <a:xfrm rot="10800000" flipV="1">
+            <a:off x="4402318" y="2268739"/>
+            <a:ext cx="1299607" cy="2548359"/>
+          </a:xfrm>
+          <a:prstGeom prst="curvedConnector3">
+            <a:avLst>
+              <a:gd name="adj1" fmla="val 50000"/>
+            </a:avLst>
           </a:prstGeom>
           <a:ln>
             <a:tailEnd type="triangle"/>
@@ -5608,10 +7804,759 @@
           </a:fontRef>
         </p:style>
       </p:cxnSp>
+      <p:sp>
+        <p:nvSpPr>
+          <p:cNvPr id="21" name="Left Brace 20">
+            <a:extLst>
+              <a:ext uri="{FF2B5EF4-FFF2-40B4-BE49-F238E27FC236}">
+                <a16:creationId xmlns:a16="http://schemas.microsoft.com/office/drawing/2014/main" id="{C42C29D8-92DE-8A22-BEB1-4B9A535E3071}"/>
+              </a:ext>
+            </a:extLst>
+          </p:cNvPr>
+          <p:cNvSpPr/>
+          <p:nvPr/>
+        </p:nvSpPr>
+        <p:spPr>
+          <a:xfrm rot="16200000">
+            <a:off x="3549123" y="4707615"/>
+            <a:ext cx="275437" cy="2408549"/>
+          </a:xfrm>
+          <a:prstGeom prst="leftBrace">
+            <a:avLst/>
+          </a:prstGeom>
+        </p:spPr>
+        <p:style>
+          <a:lnRef idx="1">
+            <a:schemeClr val="accent1"/>
+          </a:lnRef>
+          <a:fillRef idx="0">
+            <a:schemeClr val="accent1"/>
+          </a:fillRef>
+          <a:effectRef idx="0">
+            <a:schemeClr val="accent1"/>
+          </a:effectRef>
+          <a:fontRef idx="minor">
+            <a:schemeClr val="tx1"/>
+          </a:fontRef>
+        </p:style>
+        <p:txBody>
+          <a:bodyPr rtlCol="0" anchor="ctr"/>
+          <a:lstStyle/>
+          <a:p>
+            <a:pPr algn="ctr"/>
+            <a:endParaRPr lang="en-US"/>
+          </a:p>
+        </p:txBody>
+      </p:sp>
+      <p:sp>
+        <p:nvSpPr>
+          <p:cNvPr id="22" name="Right Brace 21">
+            <a:extLst>
+              <a:ext uri="{FF2B5EF4-FFF2-40B4-BE49-F238E27FC236}">
+                <a16:creationId xmlns:a16="http://schemas.microsoft.com/office/drawing/2014/main" id="{5A22ACA0-301A-8E15-88CB-8B2BA4C97499}"/>
+              </a:ext>
+            </a:extLst>
+          </p:cNvPr>
+          <p:cNvSpPr/>
+          <p:nvPr/>
+        </p:nvSpPr>
+        <p:spPr>
+          <a:xfrm>
+            <a:off x="2322741" y="1409309"/>
+            <a:ext cx="319652" cy="1159497"/>
+          </a:xfrm>
+          <a:prstGeom prst="rightBrace">
+            <a:avLst/>
+          </a:prstGeom>
+        </p:spPr>
+        <p:style>
+          <a:lnRef idx="1">
+            <a:schemeClr val="accent1"/>
+          </a:lnRef>
+          <a:fillRef idx="0">
+            <a:schemeClr val="accent1"/>
+          </a:fillRef>
+          <a:effectRef idx="0">
+            <a:schemeClr val="accent1"/>
+          </a:effectRef>
+          <a:fontRef idx="minor">
+            <a:schemeClr val="tx1"/>
+          </a:fontRef>
+        </p:style>
+        <p:txBody>
+          <a:bodyPr rtlCol="0" anchor="ctr"/>
+          <a:lstStyle/>
+          <a:p>
+            <a:pPr algn="ctr"/>
+            <a:endParaRPr lang="en-US"/>
+          </a:p>
+        </p:txBody>
+      </p:sp>
+      <p:sp>
+        <p:nvSpPr>
+          <p:cNvPr id="23" name="TextBox 22">
+            <a:extLst>
+              <a:ext uri="{FF2B5EF4-FFF2-40B4-BE49-F238E27FC236}">
+                <a16:creationId xmlns:a16="http://schemas.microsoft.com/office/drawing/2014/main" id="{7210C357-7193-85B4-0EA8-B935E5C5E376}"/>
+              </a:ext>
+            </a:extLst>
+          </p:cNvPr>
+          <p:cNvSpPr txBox="1"/>
+          <p:nvPr/>
+        </p:nvSpPr>
+        <p:spPr>
+          <a:xfrm>
+            <a:off x="1717710" y="2762646"/>
+            <a:ext cx="633443" cy="954107"/>
+          </a:xfrm>
+          <a:prstGeom prst="rect">
+            <a:avLst/>
+          </a:prstGeom>
+          <a:noFill/>
+        </p:spPr>
+        <p:txBody>
+          <a:bodyPr wrap="none" rtlCol="0">
+            <a:spAutoFit/>
+          </a:bodyPr>
+          <a:lstStyle/>
+          <a:p>
+            <a:r>
+              <a:rPr lang="en-US" sz="1400" dirty="0"/>
+              <a:t>Year 1</a:t>
+            </a:r>
+          </a:p>
+          <a:p>
+            <a:r>
+              <a:rPr lang="en-US" sz="1400" dirty="0"/>
+              <a:t>Year 2</a:t>
+            </a:r>
+          </a:p>
+          <a:p>
+            <a:r>
+              <a:rPr lang="en-US" sz="1400" dirty="0"/>
+              <a:t>….</a:t>
+            </a:r>
+          </a:p>
+          <a:p>
+            <a:r>
+              <a:rPr lang="en-US" sz="1400" dirty="0"/>
+              <a:t>Year n</a:t>
+            </a:r>
+            <a:endParaRPr lang="he-IL" sz="1400" dirty="0"/>
+          </a:p>
+        </p:txBody>
+      </p:sp>
+      <p:sp>
+        <p:nvSpPr>
+          <p:cNvPr id="24" name="Right Brace 23">
+            <a:extLst>
+              <a:ext uri="{FF2B5EF4-FFF2-40B4-BE49-F238E27FC236}">
+                <a16:creationId xmlns:a16="http://schemas.microsoft.com/office/drawing/2014/main" id="{1D9DC4E9-5986-B48E-6F16-8A73ABC03E9E}"/>
+              </a:ext>
+            </a:extLst>
+          </p:cNvPr>
+          <p:cNvSpPr/>
+          <p:nvPr/>
+        </p:nvSpPr>
+        <p:spPr>
+          <a:xfrm>
+            <a:off x="2322741" y="2659952"/>
+            <a:ext cx="319652" cy="1159497"/>
+          </a:xfrm>
+          <a:prstGeom prst="rightBrace">
+            <a:avLst/>
+          </a:prstGeom>
+        </p:spPr>
+        <p:style>
+          <a:lnRef idx="1">
+            <a:schemeClr val="accent1"/>
+          </a:lnRef>
+          <a:fillRef idx="0">
+            <a:schemeClr val="accent1"/>
+          </a:fillRef>
+          <a:effectRef idx="0">
+            <a:schemeClr val="accent1"/>
+          </a:effectRef>
+          <a:fontRef idx="minor">
+            <a:schemeClr val="tx1"/>
+          </a:fontRef>
+        </p:style>
+        <p:txBody>
+          <a:bodyPr rtlCol="0" anchor="ctr"/>
+          <a:lstStyle/>
+          <a:p>
+            <a:pPr algn="ctr"/>
+            <a:endParaRPr lang="en-US"/>
+          </a:p>
+        </p:txBody>
+      </p:sp>
+      <p:sp>
+        <p:nvSpPr>
+          <p:cNvPr id="25" name="TextBox 24">
+            <a:extLst>
+              <a:ext uri="{FF2B5EF4-FFF2-40B4-BE49-F238E27FC236}">
+                <a16:creationId xmlns:a16="http://schemas.microsoft.com/office/drawing/2014/main" id="{B63B70DD-06D2-2B53-4E6E-C8D5A9679FBF}"/>
+              </a:ext>
+            </a:extLst>
+          </p:cNvPr>
+          <p:cNvSpPr txBox="1"/>
+          <p:nvPr/>
+        </p:nvSpPr>
+        <p:spPr>
+          <a:xfrm>
+            <a:off x="1701702" y="4337267"/>
+            <a:ext cx="633443" cy="954107"/>
+          </a:xfrm>
+          <a:prstGeom prst="rect">
+            <a:avLst/>
+          </a:prstGeom>
+          <a:noFill/>
+        </p:spPr>
+        <p:txBody>
+          <a:bodyPr wrap="none" rtlCol="0">
+            <a:spAutoFit/>
+          </a:bodyPr>
+          <a:lstStyle/>
+          <a:p>
+            <a:r>
+              <a:rPr lang="en-US" sz="1400" dirty="0"/>
+              <a:t>Year 1</a:t>
+            </a:r>
+          </a:p>
+          <a:p>
+            <a:r>
+              <a:rPr lang="en-US" sz="1400" dirty="0"/>
+              <a:t>Year 2</a:t>
+            </a:r>
+          </a:p>
+          <a:p>
+            <a:r>
+              <a:rPr lang="en-US" sz="1400" dirty="0"/>
+              <a:t>….</a:t>
+            </a:r>
+          </a:p>
+          <a:p>
+            <a:r>
+              <a:rPr lang="en-US" sz="1400" dirty="0"/>
+              <a:t>Year n</a:t>
+            </a:r>
+            <a:endParaRPr lang="he-IL" sz="1400" dirty="0"/>
+          </a:p>
+        </p:txBody>
+      </p:sp>
+      <p:sp>
+        <p:nvSpPr>
+          <p:cNvPr id="26" name="Right Brace 25">
+            <a:extLst>
+              <a:ext uri="{FF2B5EF4-FFF2-40B4-BE49-F238E27FC236}">
+                <a16:creationId xmlns:a16="http://schemas.microsoft.com/office/drawing/2014/main" id="{77916526-4689-00A9-DFA9-285CECFDAD10}"/>
+              </a:ext>
+            </a:extLst>
+          </p:cNvPr>
+          <p:cNvSpPr/>
+          <p:nvPr/>
+        </p:nvSpPr>
+        <p:spPr>
+          <a:xfrm>
+            <a:off x="2306733" y="4234573"/>
+            <a:ext cx="319652" cy="1159497"/>
+          </a:xfrm>
+          <a:prstGeom prst="rightBrace">
+            <a:avLst/>
+          </a:prstGeom>
+        </p:spPr>
+        <p:style>
+          <a:lnRef idx="1">
+            <a:schemeClr val="accent1"/>
+          </a:lnRef>
+          <a:fillRef idx="0">
+            <a:schemeClr val="accent1"/>
+          </a:fillRef>
+          <a:effectRef idx="0">
+            <a:schemeClr val="accent1"/>
+          </a:effectRef>
+          <a:fontRef idx="minor">
+            <a:schemeClr val="tx1"/>
+          </a:fontRef>
+        </p:style>
+        <p:txBody>
+          <a:bodyPr rtlCol="0" anchor="ctr"/>
+          <a:lstStyle/>
+          <a:p>
+            <a:pPr algn="ctr"/>
+            <a:endParaRPr lang="en-US"/>
+          </a:p>
+        </p:txBody>
+      </p:sp>
+      <p:sp>
+        <p:nvSpPr>
+          <p:cNvPr id="27" name="TextBox 26">
+            <a:extLst>
+              <a:ext uri="{FF2B5EF4-FFF2-40B4-BE49-F238E27FC236}">
+                <a16:creationId xmlns:a16="http://schemas.microsoft.com/office/drawing/2014/main" id="{A09CA9C5-0883-6332-5E77-BBC0EE0557B1}"/>
+              </a:ext>
+            </a:extLst>
+          </p:cNvPr>
+          <p:cNvSpPr txBox="1"/>
+          <p:nvPr/>
+        </p:nvSpPr>
+        <p:spPr>
+          <a:xfrm>
+            <a:off x="2471015" y="6030503"/>
+            <a:ext cx="2472152" cy="646331"/>
+          </a:xfrm>
+          <a:prstGeom prst="rect">
+            <a:avLst/>
+          </a:prstGeom>
+          <a:noFill/>
+        </p:spPr>
+        <p:txBody>
+          <a:bodyPr wrap="none" rtlCol="0">
+            <a:spAutoFit/>
+          </a:bodyPr>
+          <a:lstStyle/>
+          <a:p>
+            <a:pPr algn="ctr" rtl="1"/>
+            <a:r>
+              <a:rPr lang="he-IL" dirty="0"/>
+              <a:t>משתני התחזית</a:t>
+            </a:r>
+          </a:p>
+          <a:p>
+            <a:pPr algn="ctr" rtl="1"/>
+            <a:r>
+              <a:rPr lang="he-IL" dirty="0"/>
+              <a:t>(אוכלוסייה, מועסקים, ....)</a:t>
+            </a:r>
+            <a:endParaRPr lang="en-US" dirty="0"/>
+          </a:p>
+        </p:txBody>
+      </p:sp>
+      <p:cxnSp>
+        <p:nvCxnSpPr>
+          <p:cNvPr id="29" name="Straight Arrow Connector 28">
+            <a:extLst>
+              <a:ext uri="{FF2B5EF4-FFF2-40B4-BE49-F238E27FC236}">
+                <a16:creationId xmlns:a16="http://schemas.microsoft.com/office/drawing/2014/main" id="{C40C6AAD-E44C-C179-710C-972B52816CB5}"/>
+              </a:ext>
+            </a:extLst>
+          </p:cNvPr>
+          <p:cNvCxnSpPr/>
+          <p:nvPr/>
+        </p:nvCxnSpPr>
+        <p:spPr>
+          <a:xfrm>
+            <a:off x="1348033" y="6353668"/>
+            <a:ext cx="848412" cy="0"/>
+          </a:xfrm>
+          <a:prstGeom prst="straightConnector1">
+            <a:avLst/>
+          </a:prstGeom>
+          <a:ln>
+            <a:headEnd type="triangle"/>
+            <a:tailEnd type="triangle"/>
+          </a:ln>
+        </p:spPr>
+        <p:style>
+          <a:lnRef idx="1">
+            <a:schemeClr val="accent1"/>
+          </a:lnRef>
+          <a:fillRef idx="0">
+            <a:schemeClr val="accent1"/>
+          </a:fillRef>
+          <a:effectRef idx="0">
+            <a:schemeClr val="accent1"/>
+          </a:effectRef>
+          <a:fontRef idx="minor">
+            <a:schemeClr val="tx1"/>
+          </a:fontRef>
+        </p:style>
+      </p:cxnSp>
+      <p:sp>
+        <p:nvSpPr>
+          <p:cNvPr id="30" name="TextBox 29">
+            <a:extLst>
+              <a:ext uri="{FF2B5EF4-FFF2-40B4-BE49-F238E27FC236}">
+                <a16:creationId xmlns:a16="http://schemas.microsoft.com/office/drawing/2014/main" id="{E02560D8-43A4-CC04-80E9-4DC1013C91CA}"/>
+              </a:ext>
+            </a:extLst>
+          </p:cNvPr>
+          <p:cNvSpPr txBox="1"/>
+          <p:nvPr/>
+        </p:nvSpPr>
+        <p:spPr>
+          <a:xfrm>
+            <a:off x="606095" y="6169002"/>
+            <a:ext cx="604653" cy="369332"/>
+          </a:xfrm>
+          <a:prstGeom prst="rect">
+            <a:avLst/>
+          </a:prstGeom>
+          <a:noFill/>
+        </p:spPr>
+        <p:txBody>
+          <a:bodyPr wrap="none" rtlCol="0">
+            <a:spAutoFit/>
+          </a:bodyPr>
+          <a:lstStyle/>
+          <a:p>
+            <a:r>
+              <a:rPr lang="he-IL" dirty="0"/>
+              <a:t>מילון</a:t>
+            </a:r>
+            <a:endParaRPr lang="en-US" dirty="0"/>
+          </a:p>
+        </p:txBody>
+      </p:sp>
+      <p:sp>
+        <p:nvSpPr>
+          <p:cNvPr id="31" name="TextBox 30">
+            <a:extLst>
+              <a:ext uri="{FF2B5EF4-FFF2-40B4-BE49-F238E27FC236}">
+                <a16:creationId xmlns:a16="http://schemas.microsoft.com/office/drawing/2014/main" id="{A7A7922B-40D7-B3A0-A7B6-4BDC0B09C8DB}"/>
+              </a:ext>
+            </a:extLst>
+          </p:cNvPr>
+          <p:cNvSpPr txBox="1"/>
+          <p:nvPr/>
+        </p:nvSpPr>
+        <p:spPr>
+          <a:xfrm>
+            <a:off x="10586301" y="235672"/>
+            <a:ext cx="1189207" cy="646331"/>
+          </a:xfrm>
+          <a:prstGeom prst="rect">
+            <a:avLst/>
+          </a:prstGeom>
+          <a:noFill/>
+        </p:spPr>
+        <p:txBody>
+          <a:bodyPr wrap="square" rtlCol="0">
+            <a:spAutoFit/>
+          </a:bodyPr>
+          <a:lstStyle/>
+          <a:p>
+            <a:pPr algn="ctr"/>
+            <a:r>
+              <a:rPr lang="he-IL" dirty="0"/>
+              <a:t>מבנה בסיס הנתונים</a:t>
+            </a:r>
+            <a:endParaRPr lang="en-US" dirty="0"/>
+          </a:p>
+        </p:txBody>
+      </p:sp>
+      <p:sp>
+        <p:nvSpPr>
+          <p:cNvPr id="32" name="TextBox 31">
+            <a:extLst>
+              <a:ext uri="{FF2B5EF4-FFF2-40B4-BE49-F238E27FC236}">
+                <a16:creationId xmlns:a16="http://schemas.microsoft.com/office/drawing/2014/main" id="{872EF6D0-A36C-4C73-47A5-12BB9F35E3C3}"/>
+              </a:ext>
+            </a:extLst>
+          </p:cNvPr>
+          <p:cNvSpPr txBox="1"/>
+          <p:nvPr/>
+        </p:nvSpPr>
+        <p:spPr>
+          <a:xfrm>
+            <a:off x="8458587" y="3871"/>
+            <a:ext cx="824072" cy="369332"/>
+          </a:xfrm>
+          <a:prstGeom prst="rect">
+            <a:avLst/>
+          </a:prstGeom>
+          <a:noFill/>
+        </p:spPr>
+        <p:txBody>
+          <a:bodyPr wrap="none" rtlCol="0">
+            <a:spAutoFit/>
+          </a:bodyPr>
+          <a:lstStyle/>
+          <a:p>
+            <a:r>
+              <a:rPr lang="en-US" dirty="0">
+                <a:highlight>
+                  <a:srgbClr val="FFFF00"/>
+                </a:highlight>
+              </a:rPr>
+              <a:t>Source</a:t>
+            </a:r>
+          </a:p>
+        </p:txBody>
+      </p:sp>
+      <p:sp>
+        <p:nvSpPr>
+          <p:cNvPr id="33" name="TextBox 32">
+            <a:extLst>
+              <a:ext uri="{FF2B5EF4-FFF2-40B4-BE49-F238E27FC236}">
+                <a16:creationId xmlns:a16="http://schemas.microsoft.com/office/drawing/2014/main" id="{8611187A-687F-7676-D334-C0F865D34470}"/>
+              </a:ext>
+            </a:extLst>
+          </p:cNvPr>
+          <p:cNvSpPr txBox="1"/>
+          <p:nvPr/>
+        </p:nvSpPr>
+        <p:spPr>
+          <a:xfrm>
+            <a:off x="5988764" y="37709"/>
+            <a:ext cx="972317" cy="369332"/>
+          </a:xfrm>
+          <a:prstGeom prst="rect">
+            <a:avLst/>
+          </a:prstGeom>
+          <a:noFill/>
+        </p:spPr>
+        <p:txBody>
+          <a:bodyPr wrap="none" rtlCol="0">
+            <a:spAutoFit/>
+          </a:bodyPr>
+          <a:lstStyle/>
+          <a:p>
+            <a:r>
+              <a:rPr lang="en-US" dirty="0">
+                <a:highlight>
+                  <a:srgbClr val="FFFF00"/>
+                </a:highlight>
+              </a:rPr>
+              <a:t>Forecast</a:t>
+            </a:r>
+          </a:p>
+        </p:txBody>
+      </p:sp>
+      <p:sp>
+        <p:nvSpPr>
+          <p:cNvPr id="35" name="TextBox 34">
+            <a:extLst>
+              <a:ext uri="{FF2B5EF4-FFF2-40B4-BE49-F238E27FC236}">
+                <a16:creationId xmlns:a16="http://schemas.microsoft.com/office/drawing/2014/main" id="{A17FEB5E-CF43-2200-34CF-B1ABD99CEC79}"/>
+              </a:ext>
+            </a:extLst>
+          </p:cNvPr>
+          <p:cNvSpPr txBox="1"/>
+          <p:nvPr/>
+        </p:nvSpPr>
+        <p:spPr>
+          <a:xfrm>
+            <a:off x="3200682" y="37709"/>
+            <a:ext cx="990977" cy="369332"/>
+          </a:xfrm>
+          <a:prstGeom prst="rect">
+            <a:avLst/>
+          </a:prstGeom>
+          <a:noFill/>
+        </p:spPr>
+        <p:txBody>
+          <a:bodyPr wrap="none" rtlCol="0">
+            <a:spAutoFit/>
+          </a:bodyPr>
+          <a:lstStyle/>
+          <a:p>
+            <a:r>
+              <a:rPr lang="en-US" dirty="0">
+                <a:highlight>
+                  <a:srgbClr val="FFFF00"/>
+                </a:highlight>
+              </a:rPr>
+              <a:t>Scenario</a:t>
+            </a:r>
+          </a:p>
+        </p:txBody>
+      </p:sp>
+      <p:sp>
+        <p:nvSpPr>
+          <p:cNvPr id="36" name="TextBox 35">
+            <a:extLst>
+              <a:ext uri="{FF2B5EF4-FFF2-40B4-BE49-F238E27FC236}">
+                <a16:creationId xmlns:a16="http://schemas.microsoft.com/office/drawing/2014/main" id="{06C0CA03-DC63-AB5B-79AB-EAF088C106E6}"/>
+              </a:ext>
+            </a:extLst>
+          </p:cNvPr>
+          <p:cNvSpPr txBox="1"/>
+          <p:nvPr/>
+        </p:nvSpPr>
+        <p:spPr>
+          <a:xfrm>
+            <a:off x="3460068" y="294042"/>
+            <a:ext cx="494046" cy="369332"/>
+          </a:xfrm>
+          <a:prstGeom prst="rect">
+            <a:avLst/>
+          </a:prstGeom>
+          <a:noFill/>
+        </p:spPr>
+        <p:txBody>
+          <a:bodyPr wrap="none" rtlCol="0">
+            <a:spAutoFit/>
+          </a:bodyPr>
+          <a:lstStyle/>
+          <a:p>
+            <a:r>
+              <a:rPr lang="en-US" dirty="0" err="1"/>
+              <a:t>scn</a:t>
+            </a:r>
+            <a:endParaRPr lang="en-US" dirty="0"/>
+          </a:p>
+        </p:txBody>
+      </p:sp>
+      <p:sp>
+        <p:nvSpPr>
+          <p:cNvPr id="37" name="TextBox 36">
+            <a:extLst>
+              <a:ext uri="{FF2B5EF4-FFF2-40B4-BE49-F238E27FC236}">
+                <a16:creationId xmlns:a16="http://schemas.microsoft.com/office/drawing/2014/main" id="{9153EA51-63D4-F727-C1DD-5E2C3616BF8C}"/>
+              </a:ext>
+            </a:extLst>
+          </p:cNvPr>
+          <p:cNvSpPr txBox="1"/>
+          <p:nvPr/>
+        </p:nvSpPr>
+        <p:spPr>
+          <a:xfrm>
+            <a:off x="6214585" y="294042"/>
+            <a:ext cx="593881" cy="369332"/>
+          </a:xfrm>
+          <a:prstGeom prst="rect">
+            <a:avLst/>
+          </a:prstGeom>
+          <a:noFill/>
+        </p:spPr>
+        <p:txBody>
+          <a:bodyPr wrap="none" rtlCol="0">
+            <a:spAutoFit/>
+          </a:bodyPr>
+          <a:lstStyle/>
+          <a:p>
+            <a:r>
+              <a:rPr lang="en-US" dirty="0" err="1"/>
+              <a:t>frcst</a:t>
+            </a:r>
+            <a:endParaRPr lang="en-US" dirty="0"/>
+          </a:p>
+        </p:txBody>
+      </p:sp>
+      <p:sp>
+        <p:nvSpPr>
+          <p:cNvPr id="43" name="TextBox 42">
+            <a:extLst>
+              <a:ext uri="{FF2B5EF4-FFF2-40B4-BE49-F238E27FC236}">
+                <a16:creationId xmlns:a16="http://schemas.microsoft.com/office/drawing/2014/main" id="{721B73C5-F943-C603-58BC-8E640A3C4BF9}"/>
+              </a:ext>
+            </a:extLst>
+          </p:cNvPr>
+          <p:cNvSpPr txBox="1"/>
+          <p:nvPr/>
+        </p:nvSpPr>
+        <p:spPr>
+          <a:xfrm>
+            <a:off x="8573682" y="294042"/>
+            <a:ext cx="448969" cy="369332"/>
+          </a:xfrm>
+          <a:prstGeom prst="rect">
+            <a:avLst/>
+          </a:prstGeom>
+          <a:noFill/>
+        </p:spPr>
+        <p:txBody>
+          <a:bodyPr wrap="none" rtlCol="0">
+            <a:spAutoFit/>
+          </a:bodyPr>
+          <a:lstStyle/>
+          <a:p>
+            <a:r>
+              <a:rPr lang="en-US" dirty="0" err="1"/>
+              <a:t>src</a:t>
+            </a:r>
+            <a:endParaRPr lang="en-US" dirty="0"/>
+          </a:p>
+        </p:txBody>
+      </p:sp>
+      <p:cxnSp>
+        <p:nvCxnSpPr>
+          <p:cNvPr id="45" name="Straight Arrow Connector 44">
+            <a:extLst>
+              <a:ext uri="{FF2B5EF4-FFF2-40B4-BE49-F238E27FC236}">
+                <a16:creationId xmlns:a16="http://schemas.microsoft.com/office/drawing/2014/main" id="{1E74B3E5-1992-6D35-752B-69C92215C1E7}"/>
+              </a:ext>
+            </a:extLst>
+          </p:cNvPr>
+          <p:cNvCxnSpPr>
+            <a:stCxn id="3" idx="2"/>
+          </p:cNvCxnSpPr>
+          <p:nvPr/>
+        </p:nvCxnSpPr>
+        <p:spPr>
+          <a:xfrm>
+            <a:off x="6474922" y="2678806"/>
+            <a:ext cx="1" cy="549877"/>
+          </a:xfrm>
+          <a:prstGeom prst="straightConnector1">
+            <a:avLst/>
+          </a:prstGeom>
+          <a:ln>
+            <a:headEnd type="triangle"/>
+            <a:tailEnd type="triangle"/>
+          </a:ln>
+        </p:spPr>
+        <p:style>
+          <a:lnRef idx="1">
+            <a:schemeClr val="accent1"/>
+          </a:lnRef>
+          <a:fillRef idx="0">
+            <a:schemeClr val="accent1"/>
+          </a:fillRef>
+          <a:effectRef idx="0">
+            <a:schemeClr val="accent1"/>
+          </a:effectRef>
+          <a:fontRef idx="minor">
+            <a:schemeClr val="tx1"/>
+          </a:fontRef>
+        </p:style>
+      </p:cxnSp>
+      <p:sp>
+        <p:nvSpPr>
+          <p:cNvPr id="46" name="TextBox 45">
+            <a:extLst>
+              <a:ext uri="{FF2B5EF4-FFF2-40B4-BE49-F238E27FC236}">
+                <a16:creationId xmlns:a16="http://schemas.microsoft.com/office/drawing/2014/main" id="{641F877D-20AB-8E51-72FA-71CAAC2138B6}"/>
+              </a:ext>
+            </a:extLst>
+          </p:cNvPr>
+          <p:cNvSpPr txBox="1"/>
+          <p:nvPr/>
+        </p:nvSpPr>
+        <p:spPr>
+          <a:xfrm>
+            <a:off x="5848789" y="3259986"/>
+            <a:ext cx="1252266" cy="369332"/>
+          </a:xfrm>
+          <a:prstGeom prst="rect">
+            <a:avLst/>
+          </a:prstGeom>
+          <a:solidFill>
+            <a:schemeClr val="accent1">
+              <a:lumMod val="20000"/>
+              <a:lumOff val="80000"/>
+            </a:schemeClr>
+          </a:solidFill>
+        </p:spPr>
+        <p:txBody>
+          <a:bodyPr wrap="none" rtlCol="0">
+            <a:spAutoFit/>
+          </a:bodyPr>
+          <a:lstStyle/>
+          <a:p>
+            <a:r>
+              <a:rPr lang="he-IL" dirty="0"/>
+              <a:t>מפת אזורים</a:t>
+            </a:r>
+            <a:endParaRPr lang="en-US" dirty="0"/>
+          </a:p>
+        </p:txBody>
+      </p:sp>
     </p:spTree>
     <p:extLst>
       <p:ext uri="{BB962C8B-B14F-4D97-AF65-F5344CB8AC3E}">
-        <p14:creationId xmlns:p14="http://schemas.microsoft.com/office/powerpoint/2010/main" val="4094808380"/>
+        <p14:creationId xmlns:p14="http://schemas.microsoft.com/office/powerpoint/2010/main" val="3949524490"/>
       </p:ext>
     </p:extLst>
   </p:cSld>
@@ -5638,84 +8583,12 @@
           <a:chExt cx="0" cy="0"/>
         </a:xfrm>
       </p:grpSpPr>
-      <p:sp>
-        <p:nvSpPr>
-          <p:cNvPr id="3" name="Title 2">
-            <a:extLst>
-              <a:ext uri="{FF2B5EF4-FFF2-40B4-BE49-F238E27FC236}">
-                <a16:creationId xmlns:a16="http://schemas.microsoft.com/office/drawing/2014/main" id="{C253B2B7-E0E5-F135-BBCF-30A10F3D1A2F}"/>
-              </a:ext>
-            </a:extLst>
-          </p:cNvPr>
-          <p:cNvSpPr>
-            <a:spLocks noGrp="1"/>
-          </p:cNvSpPr>
-          <p:nvPr>
-            <p:ph type="title"/>
-          </p:nvPr>
-        </p:nvSpPr>
-        <p:spPr>
-          <a:xfrm>
-            <a:off x="6334812" y="365125"/>
-            <a:ext cx="5018988" cy="1325563"/>
-          </a:xfrm>
-        </p:spPr>
-        <p:txBody>
-          <a:bodyPr/>
-          <a:lstStyle/>
-          <a:p>
-            <a:r>
-              <a:rPr lang="he-IL" dirty="0"/>
-              <a:t>מאפייני התרחיש</a:t>
-            </a:r>
-            <a:endParaRPr lang="en-US" dirty="0"/>
-          </a:p>
-        </p:txBody>
-      </p:sp>
-      <p:sp>
-        <p:nvSpPr>
-          <p:cNvPr id="4" name="Content Placeholder 3">
-            <a:extLst>
-              <a:ext uri="{FF2B5EF4-FFF2-40B4-BE49-F238E27FC236}">
-                <a16:creationId xmlns:a16="http://schemas.microsoft.com/office/drawing/2014/main" id="{7CBA1440-5D19-4C42-0100-611A0263A181}"/>
-              </a:ext>
-            </a:extLst>
-          </p:cNvPr>
-          <p:cNvSpPr>
-            <a:spLocks noGrp="1"/>
-          </p:cNvSpPr>
-          <p:nvPr>
-            <p:ph idx="1"/>
-          </p:nvPr>
-        </p:nvSpPr>
-        <p:spPr>
-          <a:xfrm>
-            <a:off x="5929460" y="1825625"/>
-            <a:ext cx="5424340" cy="4351338"/>
-          </a:xfrm>
-        </p:spPr>
-        <p:txBody>
-          <a:bodyPr/>
-          <a:lstStyle/>
-          <a:p>
-            <a:r>
-              <a:rPr lang="he-IL" dirty="0"/>
-              <a:t>מוגדרים ב </a:t>
-            </a:r>
-            <a:r>
-              <a:rPr lang="en-US" dirty="0" err="1"/>
-              <a:t>json</a:t>
-            </a:r>
-            <a:endParaRPr lang="en-US" dirty="0"/>
-          </a:p>
-        </p:txBody>
-      </p:sp>
       <p:pic>
         <p:nvPicPr>
-          <p:cNvPr id="5" name="Picture 4">
-            <a:extLst>
-              <a:ext uri="{FF2B5EF4-FFF2-40B4-BE49-F238E27FC236}">
-                <a16:creationId xmlns:a16="http://schemas.microsoft.com/office/drawing/2014/main" id="{A7117192-6918-ED07-1BF5-BF98C983EB29}"/>
+          <p:cNvPr id="3" name="Picture 2">
+            <a:extLst>
+              <a:ext uri="{FF2B5EF4-FFF2-40B4-BE49-F238E27FC236}">
+                <a16:creationId xmlns:a16="http://schemas.microsoft.com/office/drawing/2014/main" id="{D134B9A4-4A7C-A17E-605A-5EC0976EA4E0}"/>
               </a:ext>
             </a:extLst>
           </p:cNvPr>
@@ -5732,18 +8605,515 @@
         </p:blipFill>
         <p:spPr>
           <a:xfrm>
-            <a:off x="838200" y="878647"/>
-            <a:ext cx="4325083" cy="2550353"/>
+            <a:off x="480085" y="1391560"/>
+            <a:ext cx="1333686" cy="3848637"/>
           </a:xfrm>
           <a:prstGeom prst="rect">
             <a:avLst/>
           </a:prstGeom>
         </p:spPr>
       </p:pic>
+      <p:cxnSp>
+        <p:nvCxnSpPr>
+          <p:cNvPr id="5" name="Straight Arrow Connector 4">
+            <a:extLst>
+              <a:ext uri="{FF2B5EF4-FFF2-40B4-BE49-F238E27FC236}">
+                <a16:creationId xmlns:a16="http://schemas.microsoft.com/office/drawing/2014/main" id="{70CCF385-E6A9-E115-9DD4-77981493F458}"/>
+              </a:ext>
+            </a:extLst>
+          </p:cNvPr>
+          <p:cNvCxnSpPr/>
+          <p:nvPr/>
+        </p:nvCxnSpPr>
+        <p:spPr>
+          <a:xfrm>
+            <a:off x="1640265" y="4251489"/>
+            <a:ext cx="641022" cy="0"/>
+          </a:xfrm>
+          <a:prstGeom prst="straightConnector1">
+            <a:avLst/>
+          </a:prstGeom>
+          <a:ln>
+            <a:tailEnd type="triangle"/>
+          </a:ln>
+        </p:spPr>
+        <p:style>
+          <a:lnRef idx="1">
+            <a:schemeClr val="accent1"/>
+          </a:lnRef>
+          <a:fillRef idx="0">
+            <a:schemeClr val="accent1"/>
+          </a:fillRef>
+          <a:effectRef idx="0">
+            <a:schemeClr val="accent1"/>
+          </a:effectRef>
+          <a:fontRef idx="minor">
+            <a:schemeClr val="tx1"/>
+          </a:fontRef>
+        </p:style>
+      </p:cxnSp>
+      <p:pic>
+        <p:nvPicPr>
+          <p:cNvPr id="7" name="Picture 6">
+            <a:extLst>
+              <a:ext uri="{FF2B5EF4-FFF2-40B4-BE49-F238E27FC236}">
+                <a16:creationId xmlns:a16="http://schemas.microsoft.com/office/drawing/2014/main" id="{B2FEB588-0B84-67DF-5E9D-ECCA1226B2C5}"/>
+              </a:ext>
+            </a:extLst>
+          </p:cNvPr>
+          <p:cNvPicPr>
+            <a:picLocks noChangeAspect="1"/>
+          </p:cNvPicPr>
+          <p:nvPr/>
+        </p:nvPicPr>
+        <p:blipFill>
+          <a:blip r:embed="rId3"/>
+          <a:stretch>
+            <a:fillRect/>
+          </a:stretch>
+        </p:blipFill>
+        <p:spPr>
+          <a:xfrm>
+            <a:off x="2631898" y="1131401"/>
+            <a:ext cx="4108267" cy="2422504"/>
+          </a:xfrm>
+          <a:prstGeom prst="rect">
+            <a:avLst/>
+          </a:prstGeom>
+        </p:spPr>
+      </p:pic>
+      <p:pic>
+        <p:nvPicPr>
+          <p:cNvPr id="11" name="Picture 10">
+            <a:extLst>
+              <a:ext uri="{FF2B5EF4-FFF2-40B4-BE49-F238E27FC236}">
+                <a16:creationId xmlns:a16="http://schemas.microsoft.com/office/drawing/2014/main" id="{8C0B0D2C-A85C-EEEA-01FB-244884000B1A}"/>
+              </a:ext>
+            </a:extLst>
+          </p:cNvPr>
+          <p:cNvPicPr>
+            <a:picLocks noChangeAspect="1"/>
+          </p:cNvPicPr>
+          <p:nvPr/>
+        </p:nvPicPr>
+        <p:blipFill>
+          <a:blip r:embed="rId4"/>
+          <a:stretch>
+            <a:fillRect/>
+          </a:stretch>
+        </p:blipFill>
+        <p:spPr>
+          <a:xfrm>
+            <a:off x="2557464" y="3736665"/>
+            <a:ext cx="9157256" cy="3007064"/>
+          </a:xfrm>
+          <a:prstGeom prst="rect">
+            <a:avLst/>
+          </a:prstGeom>
+        </p:spPr>
+      </p:pic>
+      <p:cxnSp>
+        <p:nvCxnSpPr>
+          <p:cNvPr id="13" name="Straight Arrow Connector 12">
+            <a:extLst>
+              <a:ext uri="{FF2B5EF4-FFF2-40B4-BE49-F238E27FC236}">
+                <a16:creationId xmlns:a16="http://schemas.microsoft.com/office/drawing/2014/main" id="{EDC2846D-2DE6-FD2F-4481-A25365E032EF}"/>
+              </a:ext>
+            </a:extLst>
+          </p:cNvPr>
+          <p:cNvCxnSpPr/>
+          <p:nvPr/>
+        </p:nvCxnSpPr>
+        <p:spPr>
+          <a:xfrm>
+            <a:off x="10727704" y="3315878"/>
+            <a:ext cx="0" cy="238027"/>
+          </a:xfrm>
+          <a:prstGeom prst="straightConnector1">
+            <a:avLst/>
+          </a:prstGeom>
+          <a:ln>
+            <a:tailEnd type="triangle"/>
+          </a:ln>
+        </p:spPr>
+        <p:style>
+          <a:lnRef idx="1">
+            <a:schemeClr val="accent1"/>
+          </a:lnRef>
+          <a:fillRef idx="0">
+            <a:schemeClr val="accent1"/>
+          </a:fillRef>
+          <a:effectRef idx="0">
+            <a:schemeClr val="accent1"/>
+          </a:effectRef>
+          <a:fontRef idx="minor">
+            <a:schemeClr val="tx1"/>
+          </a:fontRef>
+        </p:style>
+      </p:cxnSp>
+      <p:cxnSp>
+        <p:nvCxnSpPr>
+          <p:cNvPr id="14" name="Straight Arrow Connector 13">
+            <a:extLst>
+              <a:ext uri="{FF2B5EF4-FFF2-40B4-BE49-F238E27FC236}">
+                <a16:creationId xmlns:a16="http://schemas.microsoft.com/office/drawing/2014/main" id="{5E2F50E9-7365-2718-4815-FB32AF7EF5BC}"/>
+              </a:ext>
+            </a:extLst>
+          </p:cNvPr>
+          <p:cNvCxnSpPr/>
+          <p:nvPr/>
+        </p:nvCxnSpPr>
+        <p:spPr>
+          <a:xfrm>
+            <a:off x="11217898" y="3315878"/>
+            <a:ext cx="0" cy="238027"/>
+          </a:xfrm>
+          <a:prstGeom prst="straightConnector1">
+            <a:avLst/>
+          </a:prstGeom>
+          <a:ln>
+            <a:tailEnd type="triangle"/>
+          </a:ln>
+        </p:spPr>
+        <p:style>
+          <a:lnRef idx="1">
+            <a:schemeClr val="accent1"/>
+          </a:lnRef>
+          <a:fillRef idx="0">
+            <a:schemeClr val="accent1"/>
+          </a:fillRef>
+          <a:effectRef idx="0">
+            <a:schemeClr val="accent1"/>
+          </a:effectRef>
+          <a:fontRef idx="minor">
+            <a:schemeClr val="tx1"/>
+          </a:fontRef>
+        </p:style>
+      </p:cxnSp>
+      <p:cxnSp>
+        <p:nvCxnSpPr>
+          <p:cNvPr id="8" name="Straight Arrow Connector 7">
+            <a:extLst>
+              <a:ext uri="{FF2B5EF4-FFF2-40B4-BE49-F238E27FC236}">
+                <a16:creationId xmlns:a16="http://schemas.microsoft.com/office/drawing/2014/main" id="{744F332F-9FCF-C005-8FD2-8F88E6FAD5C7}"/>
+              </a:ext>
+            </a:extLst>
+          </p:cNvPr>
+          <p:cNvCxnSpPr>
+            <a:cxnSpLocks/>
+          </p:cNvCxnSpPr>
+          <p:nvPr/>
+        </p:nvCxnSpPr>
+        <p:spPr>
+          <a:xfrm>
+            <a:off x="6740165" y="933254"/>
+            <a:ext cx="2026763" cy="368795"/>
+          </a:xfrm>
+          <a:prstGeom prst="straightConnector1">
+            <a:avLst/>
+          </a:prstGeom>
+          <a:ln>
+            <a:tailEnd type="triangle"/>
+          </a:ln>
+        </p:spPr>
+        <p:style>
+          <a:lnRef idx="1">
+            <a:schemeClr val="accent1"/>
+          </a:lnRef>
+          <a:fillRef idx="0">
+            <a:schemeClr val="accent1"/>
+          </a:fillRef>
+          <a:effectRef idx="0">
+            <a:schemeClr val="accent1"/>
+          </a:effectRef>
+          <a:fontRef idx="minor">
+            <a:schemeClr val="tx1"/>
+          </a:fontRef>
+        </p:style>
+      </p:cxnSp>
+      <p:sp>
+        <p:nvSpPr>
+          <p:cNvPr id="10" name="TextBox 9">
+            <a:extLst>
+              <a:ext uri="{FF2B5EF4-FFF2-40B4-BE49-F238E27FC236}">
+                <a16:creationId xmlns:a16="http://schemas.microsoft.com/office/drawing/2014/main" id="{DC8E8ABE-0734-1656-A256-D1AE5F0D06BD}"/>
+              </a:ext>
+            </a:extLst>
+          </p:cNvPr>
+          <p:cNvSpPr txBox="1"/>
+          <p:nvPr/>
+        </p:nvSpPr>
+        <p:spPr>
+          <a:xfrm>
+            <a:off x="9030880" y="1117383"/>
+            <a:ext cx="2045496" cy="369332"/>
+          </a:xfrm>
+          <a:prstGeom prst="rect">
+            <a:avLst/>
+          </a:prstGeom>
+          <a:solidFill>
+            <a:schemeClr val="accent4">
+              <a:lumMod val="20000"/>
+              <a:lumOff val="80000"/>
+            </a:schemeClr>
+          </a:solidFill>
+        </p:spPr>
+        <p:txBody>
+          <a:bodyPr wrap="none" rtlCol="0">
+            <a:spAutoFit/>
+          </a:bodyPr>
+          <a:lstStyle/>
+          <a:p>
+            <a:pPr algn="r" rtl="1"/>
+            <a:r>
+              <a:rPr lang="he-IL" dirty="0"/>
+              <a:t>2. </a:t>
+            </a:r>
+            <a:r>
+              <a:rPr lang="en-US" dirty="0" err="1"/>
+              <a:t>Geojson</a:t>
+            </a:r>
+            <a:r>
+              <a:rPr lang="en-US" dirty="0"/>
+              <a:t> of zones</a:t>
+            </a:r>
+          </a:p>
+        </p:txBody>
+      </p:sp>
+      <p:sp>
+        <p:nvSpPr>
+          <p:cNvPr id="12" name="TextBox 11">
+            <a:extLst>
+              <a:ext uri="{FF2B5EF4-FFF2-40B4-BE49-F238E27FC236}">
+                <a16:creationId xmlns:a16="http://schemas.microsoft.com/office/drawing/2014/main" id="{DE363E60-0B0F-59E4-A129-688407161867}"/>
+              </a:ext>
+            </a:extLst>
+          </p:cNvPr>
+          <p:cNvSpPr txBox="1"/>
+          <p:nvPr/>
+        </p:nvSpPr>
+        <p:spPr>
+          <a:xfrm>
+            <a:off x="2885826" y="653230"/>
+            <a:ext cx="3438762" cy="369332"/>
+          </a:xfrm>
+          <a:prstGeom prst="rect">
+            <a:avLst/>
+          </a:prstGeom>
+          <a:solidFill>
+            <a:schemeClr val="accent4">
+              <a:lumMod val="20000"/>
+              <a:lumOff val="80000"/>
+            </a:schemeClr>
+          </a:solidFill>
+        </p:spPr>
+        <p:txBody>
+          <a:bodyPr wrap="none" rtlCol="0">
+            <a:spAutoFit/>
+          </a:bodyPr>
+          <a:lstStyle/>
+          <a:p>
+            <a:pPr algn="r" rtl="1"/>
+            <a:r>
+              <a:rPr lang="he-IL" dirty="0"/>
+              <a:t>1. קובץ הגדרת תרחיש בפורמט </a:t>
+            </a:r>
+            <a:r>
+              <a:rPr lang="en-US" dirty="0" err="1"/>
+              <a:t>json</a:t>
+            </a:r>
+            <a:endParaRPr lang="en-US" dirty="0"/>
+          </a:p>
+        </p:txBody>
+      </p:sp>
+      <p:sp>
+        <p:nvSpPr>
+          <p:cNvPr id="15" name="TextBox 14">
+            <a:extLst>
+              <a:ext uri="{FF2B5EF4-FFF2-40B4-BE49-F238E27FC236}">
+                <a16:creationId xmlns:a16="http://schemas.microsoft.com/office/drawing/2014/main" id="{1AB0E0A2-46BA-9D31-18E1-3FBFD8497356}"/>
+              </a:ext>
+            </a:extLst>
+          </p:cNvPr>
+          <p:cNvSpPr txBox="1"/>
+          <p:nvPr/>
+        </p:nvSpPr>
+        <p:spPr>
+          <a:xfrm>
+            <a:off x="7314246" y="2670500"/>
+            <a:ext cx="4249626" cy="369332"/>
+          </a:xfrm>
+          <a:prstGeom prst="rect">
+            <a:avLst/>
+          </a:prstGeom>
+          <a:solidFill>
+            <a:schemeClr val="accent4">
+              <a:lumMod val="20000"/>
+              <a:lumOff val="80000"/>
+            </a:schemeClr>
+          </a:solidFill>
+        </p:spPr>
+        <p:txBody>
+          <a:bodyPr wrap="none" rtlCol="0">
+            <a:spAutoFit/>
+          </a:bodyPr>
+          <a:lstStyle/>
+          <a:p>
+            <a:pPr algn="r" rtl="1"/>
+            <a:r>
+              <a:rPr lang="he-IL" dirty="0"/>
+              <a:t>3. קובץ </a:t>
+            </a:r>
+            <a:r>
+              <a:rPr lang="en-US" dirty="0"/>
+              <a:t>csv</a:t>
+            </a:r>
+            <a:r>
+              <a:rPr lang="he-IL" dirty="0"/>
+              <a:t> עם כל הנתונים של מקור הנתונים </a:t>
+            </a:r>
+            <a:endParaRPr lang="en-US" dirty="0"/>
+          </a:p>
+        </p:txBody>
+      </p:sp>
+      <p:sp>
+        <p:nvSpPr>
+          <p:cNvPr id="18" name="TextBox 17">
+            <a:extLst>
+              <a:ext uri="{FF2B5EF4-FFF2-40B4-BE49-F238E27FC236}">
+                <a16:creationId xmlns:a16="http://schemas.microsoft.com/office/drawing/2014/main" id="{C50EE0EC-4C8A-AC2B-75D5-45B0D43E54B4}"/>
+              </a:ext>
+            </a:extLst>
+          </p:cNvPr>
+          <p:cNvSpPr txBox="1"/>
+          <p:nvPr/>
+        </p:nvSpPr>
+        <p:spPr>
+          <a:xfrm>
+            <a:off x="2885826" y="101138"/>
+            <a:ext cx="6420348" cy="369332"/>
+          </a:xfrm>
+          <a:prstGeom prst="rect">
+            <a:avLst/>
+          </a:prstGeom>
+          <a:solidFill>
+            <a:schemeClr val="accent2">
+              <a:lumMod val="20000"/>
+              <a:lumOff val="80000"/>
+            </a:schemeClr>
+          </a:solidFill>
+        </p:spPr>
+        <p:txBody>
+          <a:bodyPr wrap="none" rtlCol="0">
+            <a:spAutoFit/>
+          </a:bodyPr>
+          <a:lstStyle/>
+          <a:p>
+            <a:pPr algn="r" rtl="1"/>
+            <a:r>
+              <a:rPr lang="he-IL" dirty="0"/>
+              <a:t>"אובייקט": קבוצת תרחישים ממקור </a:t>
+            </a:r>
+            <a:r>
+              <a:rPr lang="he-IL" dirty="0" err="1"/>
+              <a:t>מסויים</a:t>
+            </a:r>
+            <a:r>
+              <a:rPr lang="he-IL" dirty="0"/>
+              <a:t> (מודל) שהוכנה בזמן </a:t>
+            </a:r>
+            <a:r>
+              <a:rPr lang="he-IL" dirty="0" err="1"/>
+              <a:t>מסויים</a:t>
+            </a:r>
+            <a:endParaRPr lang="en-US" dirty="0"/>
+          </a:p>
+        </p:txBody>
+      </p:sp>
+      <p:cxnSp>
+        <p:nvCxnSpPr>
+          <p:cNvPr id="20" name="Straight Arrow Connector 19">
+            <a:extLst>
+              <a:ext uri="{FF2B5EF4-FFF2-40B4-BE49-F238E27FC236}">
+                <a16:creationId xmlns:a16="http://schemas.microsoft.com/office/drawing/2014/main" id="{4A4344A6-C093-5EFC-B931-7946868666A4}"/>
+              </a:ext>
+            </a:extLst>
+          </p:cNvPr>
+          <p:cNvCxnSpPr/>
+          <p:nvPr/>
+        </p:nvCxnSpPr>
+        <p:spPr>
+          <a:xfrm flipV="1">
+            <a:off x="1282045" y="5552388"/>
+            <a:ext cx="0" cy="302060"/>
+          </a:xfrm>
+          <a:prstGeom prst="straightConnector1">
+            <a:avLst/>
+          </a:prstGeom>
+          <a:ln>
+            <a:tailEnd type="triangle"/>
+          </a:ln>
+        </p:spPr>
+        <p:style>
+          <a:lnRef idx="1">
+            <a:schemeClr val="accent1"/>
+          </a:lnRef>
+          <a:fillRef idx="0">
+            <a:schemeClr val="accent1"/>
+          </a:fillRef>
+          <a:effectRef idx="0">
+            <a:schemeClr val="accent1"/>
+          </a:effectRef>
+          <a:fontRef idx="minor">
+            <a:schemeClr val="tx1"/>
+          </a:fontRef>
+        </p:style>
+      </p:cxnSp>
+      <p:cxnSp>
+        <p:nvCxnSpPr>
+          <p:cNvPr id="23" name="Straight Arrow Connector 22">
+            <a:extLst>
+              <a:ext uri="{FF2B5EF4-FFF2-40B4-BE49-F238E27FC236}">
+                <a16:creationId xmlns:a16="http://schemas.microsoft.com/office/drawing/2014/main" id="{936A8122-7CB7-70E2-EFAD-E2274441F66B}"/>
+              </a:ext>
+            </a:extLst>
+          </p:cNvPr>
+          <p:cNvCxnSpPr>
+            <a:cxnSpLocks/>
+          </p:cNvCxnSpPr>
+          <p:nvPr/>
+        </p:nvCxnSpPr>
+        <p:spPr>
+          <a:xfrm>
+            <a:off x="10053628" y="1675614"/>
+            <a:ext cx="0" cy="765928"/>
+          </a:xfrm>
+          <a:prstGeom prst="straightConnector1">
+            <a:avLst/>
+          </a:prstGeom>
+          <a:ln>
+            <a:tailEnd type="triangle"/>
+          </a:ln>
+        </p:spPr>
+        <p:style>
+          <a:lnRef idx="1">
+            <a:schemeClr val="accent1"/>
+          </a:lnRef>
+          <a:fillRef idx="0">
+            <a:schemeClr val="accent1"/>
+          </a:fillRef>
+          <a:effectRef idx="0">
+            <a:schemeClr val="accent1"/>
+          </a:effectRef>
+          <a:fontRef idx="minor">
+            <a:schemeClr val="tx1"/>
+          </a:fontRef>
+        </p:style>
+      </p:cxnSp>
     </p:spTree>
     <p:extLst>
       <p:ext uri="{BB962C8B-B14F-4D97-AF65-F5344CB8AC3E}">
-        <p14:creationId xmlns:p14="http://schemas.microsoft.com/office/powerpoint/2010/main" val="1443815165"/>
+        <p14:creationId xmlns:p14="http://schemas.microsoft.com/office/powerpoint/2010/main" val="4094808380"/>
       </p:ext>
     </p:extLst>
   </p:cSld>
@@ -5772,6 +9142,138 @@
       </p:grpSpPr>
       <p:sp>
         <p:nvSpPr>
+          <p:cNvPr id="3" name="Title 2">
+            <a:extLst>
+              <a:ext uri="{FF2B5EF4-FFF2-40B4-BE49-F238E27FC236}">
+                <a16:creationId xmlns:a16="http://schemas.microsoft.com/office/drawing/2014/main" id="{C253B2B7-E0E5-F135-BBCF-30A10F3D1A2F}"/>
+              </a:ext>
+            </a:extLst>
+          </p:cNvPr>
+          <p:cNvSpPr>
+            <a:spLocks noGrp="1"/>
+          </p:cNvSpPr>
+          <p:nvPr>
+            <p:ph type="title"/>
+          </p:nvPr>
+        </p:nvSpPr>
+        <p:spPr>
+          <a:xfrm>
+            <a:off x="6334812" y="365125"/>
+            <a:ext cx="5018988" cy="1325563"/>
+          </a:xfrm>
+        </p:spPr>
+        <p:txBody>
+          <a:bodyPr/>
+          <a:lstStyle/>
+          <a:p>
+            <a:r>
+              <a:rPr lang="he-IL" dirty="0"/>
+              <a:t>מאפייני התרחיש</a:t>
+            </a:r>
+            <a:endParaRPr lang="en-US" dirty="0"/>
+          </a:p>
+        </p:txBody>
+      </p:sp>
+      <p:sp>
+        <p:nvSpPr>
+          <p:cNvPr id="4" name="Content Placeholder 3">
+            <a:extLst>
+              <a:ext uri="{FF2B5EF4-FFF2-40B4-BE49-F238E27FC236}">
+                <a16:creationId xmlns:a16="http://schemas.microsoft.com/office/drawing/2014/main" id="{7CBA1440-5D19-4C42-0100-611A0263A181}"/>
+              </a:ext>
+            </a:extLst>
+          </p:cNvPr>
+          <p:cNvSpPr>
+            <a:spLocks noGrp="1"/>
+          </p:cNvSpPr>
+          <p:nvPr>
+            <p:ph idx="1"/>
+          </p:nvPr>
+        </p:nvSpPr>
+        <p:spPr>
+          <a:xfrm>
+            <a:off x="5929460" y="1825625"/>
+            <a:ext cx="5424340" cy="4351338"/>
+          </a:xfrm>
+        </p:spPr>
+        <p:txBody>
+          <a:bodyPr/>
+          <a:lstStyle/>
+          <a:p>
+            <a:r>
+              <a:rPr lang="he-IL" dirty="0"/>
+              <a:t>מוגדרים ב </a:t>
+            </a:r>
+            <a:r>
+              <a:rPr lang="en-US" dirty="0" err="1"/>
+              <a:t>json</a:t>
+            </a:r>
+            <a:endParaRPr lang="en-US" dirty="0"/>
+          </a:p>
+        </p:txBody>
+      </p:sp>
+      <p:pic>
+        <p:nvPicPr>
+          <p:cNvPr id="5" name="Picture 4">
+            <a:extLst>
+              <a:ext uri="{FF2B5EF4-FFF2-40B4-BE49-F238E27FC236}">
+                <a16:creationId xmlns:a16="http://schemas.microsoft.com/office/drawing/2014/main" id="{A7117192-6918-ED07-1BF5-BF98C983EB29}"/>
+              </a:ext>
+            </a:extLst>
+          </p:cNvPr>
+          <p:cNvPicPr>
+            <a:picLocks noChangeAspect="1"/>
+          </p:cNvPicPr>
+          <p:nvPr/>
+        </p:nvPicPr>
+        <p:blipFill>
+          <a:blip r:embed="rId2"/>
+          <a:stretch>
+            <a:fillRect/>
+          </a:stretch>
+        </p:blipFill>
+        <p:spPr>
+          <a:xfrm>
+            <a:off x="838200" y="878647"/>
+            <a:ext cx="4325083" cy="2550353"/>
+          </a:xfrm>
+          <a:prstGeom prst="rect">
+            <a:avLst/>
+          </a:prstGeom>
+        </p:spPr>
+      </p:pic>
+    </p:spTree>
+    <p:extLst>
+      <p:ext uri="{BB962C8B-B14F-4D97-AF65-F5344CB8AC3E}">
+        <p14:creationId xmlns:p14="http://schemas.microsoft.com/office/powerpoint/2010/main" val="1443815165"/>
+      </p:ext>
+    </p:extLst>
+  </p:cSld>
+  <p:clrMapOvr>
+    <a:masterClrMapping/>
+  </p:clrMapOvr>
+</p:sld>
+</file>
+
+<file path=ppt/slides/slide5.xml><?xml version="1.0" encoding="utf-8"?>
+<p:sld xmlns:a="http://schemas.openxmlformats.org/drawingml/2006/main" xmlns:r="http://schemas.openxmlformats.org/officeDocument/2006/relationships" xmlns:p="http://schemas.openxmlformats.org/presentationml/2006/main">
+  <p:cSld>
+    <p:spTree>
+      <p:nvGrpSpPr>
+        <p:cNvPr id="1" name=""/>
+        <p:cNvGrpSpPr/>
+        <p:nvPr/>
+      </p:nvGrpSpPr>
+      <p:grpSpPr>
+        <a:xfrm>
+          <a:off x="0" y="0"/>
+          <a:ext cx="0" cy="0"/>
+          <a:chOff x="0" y="0"/>
+          <a:chExt cx="0" cy="0"/>
+        </a:xfrm>
+      </p:grpSpPr>
+      <p:sp>
+        <p:nvSpPr>
           <p:cNvPr id="2" name="Title 1">
             <a:extLst>
               <a:ext uri="{FF2B5EF4-FFF2-40B4-BE49-F238E27FC236}">
@@ -5923,7 +9425,7 @@
 </p:sld>
 </file>
 
-<file path=ppt/slides/slide5.xml><?xml version="1.0" encoding="utf-8"?>
+<file path=ppt/slides/slide6.xml><?xml version="1.0" encoding="utf-8"?>
 <p:sld xmlns:a="http://schemas.openxmlformats.org/drawingml/2006/main" xmlns:r="http://schemas.openxmlformats.org/officeDocument/2006/relationships" xmlns:p="http://schemas.openxmlformats.org/presentationml/2006/main">
   <p:cSld>
     <p:spTree>
@@ -6520,799 +10022,6 @@
 </p:sld>
 </file>
 
-<file path=ppt/slides/slide6.xml><?xml version="1.0" encoding="utf-8"?>
-<p:sld xmlns:a="http://schemas.openxmlformats.org/drawingml/2006/main" xmlns:r="http://schemas.openxmlformats.org/officeDocument/2006/relationships" xmlns:p="http://schemas.openxmlformats.org/presentationml/2006/main">
-  <p:cSld>
-    <p:spTree>
-      <p:nvGrpSpPr>
-        <p:cNvPr id="1" name=""/>
-        <p:cNvGrpSpPr/>
-        <p:nvPr/>
-      </p:nvGrpSpPr>
-      <p:grpSpPr>
-        <a:xfrm>
-          <a:off x="0" y="0"/>
-          <a:ext cx="0" cy="0"/>
-          <a:chOff x="0" y="0"/>
-          <a:chExt cx="0" cy="0"/>
-        </a:xfrm>
-      </p:grpSpPr>
-      <p:sp>
-        <p:nvSpPr>
-          <p:cNvPr id="2" name="Title 1">
-            <a:extLst>
-              <a:ext uri="{FF2B5EF4-FFF2-40B4-BE49-F238E27FC236}">
-                <a16:creationId xmlns:a16="http://schemas.microsoft.com/office/drawing/2014/main" id="{58F2DFC4-BF8B-39B2-DAFA-B2D3D810165F}"/>
-              </a:ext>
-            </a:extLst>
-          </p:cNvPr>
-          <p:cNvSpPr>
-            <a:spLocks noGrp="1"/>
-          </p:cNvSpPr>
-          <p:nvPr>
-            <p:ph type="title"/>
-          </p:nvPr>
-        </p:nvSpPr>
-        <p:spPr/>
-        <p:txBody>
-          <a:bodyPr/>
-          <a:lstStyle/>
-          <a:p>
-            <a:r>
-              <a:rPr lang="he-IL" dirty="0"/>
-              <a:t>התוכנה – "</a:t>
-            </a:r>
-            <a:r>
-              <a:rPr lang="he-IL" dirty="0" err="1"/>
-              <a:t>צפיין</a:t>
-            </a:r>
-            <a:r>
-              <a:rPr lang="he-IL" dirty="0"/>
-              <a:t>"</a:t>
-            </a:r>
-            <a:endParaRPr lang="en-US" dirty="0"/>
-          </a:p>
-        </p:txBody>
-      </p:sp>
-      <p:sp>
-        <p:nvSpPr>
-          <p:cNvPr id="4" name="TextBox 3">
-            <a:extLst>
-              <a:ext uri="{FF2B5EF4-FFF2-40B4-BE49-F238E27FC236}">
-                <a16:creationId xmlns:a16="http://schemas.microsoft.com/office/drawing/2014/main" id="{50B9B3DC-A6B9-3F98-4AAE-D54111BC9D1A}"/>
-              </a:ext>
-            </a:extLst>
-          </p:cNvPr>
-          <p:cNvSpPr txBox="1"/>
-          <p:nvPr/>
-        </p:nvSpPr>
-        <p:spPr>
-          <a:xfrm>
-            <a:off x="9804994" y="2557995"/>
-            <a:ext cx="1071127" cy="369332"/>
-          </a:xfrm>
-          <a:prstGeom prst="rect">
-            <a:avLst/>
-          </a:prstGeom>
-          <a:noFill/>
-        </p:spPr>
-        <p:txBody>
-          <a:bodyPr wrap="none" rtlCol="0">
-            <a:spAutoFit/>
-          </a:bodyPr>
-          <a:lstStyle/>
-          <a:p>
-            <a:r>
-              <a:rPr lang="he-IL" dirty="0"/>
-              <a:t>אובייקטים</a:t>
-            </a:r>
-            <a:endParaRPr lang="en-US" dirty="0"/>
-          </a:p>
-        </p:txBody>
-      </p:sp>
-      <p:sp>
-        <p:nvSpPr>
-          <p:cNvPr id="5" name="TextBox 4">
-            <a:extLst>
-              <a:ext uri="{FF2B5EF4-FFF2-40B4-BE49-F238E27FC236}">
-                <a16:creationId xmlns:a16="http://schemas.microsoft.com/office/drawing/2014/main" id="{F4036E49-39B2-A910-3EAF-7AF93C39BADE}"/>
-              </a:ext>
-            </a:extLst>
-          </p:cNvPr>
-          <p:cNvSpPr txBox="1"/>
-          <p:nvPr/>
-        </p:nvSpPr>
-        <p:spPr>
-          <a:xfrm>
-            <a:off x="6956860" y="2692570"/>
-            <a:ext cx="1040670" cy="369332"/>
-          </a:xfrm>
-          <a:prstGeom prst="rect">
-            <a:avLst/>
-          </a:prstGeom>
-          <a:solidFill>
-            <a:schemeClr val="accent6">
-              <a:lumMod val="40000"/>
-              <a:lumOff val="60000"/>
-            </a:schemeClr>
-          </a:solidFill>
-        </p:spPr>
-        <p:txBody>
-          <a:bodyPr wrap="none" rtlCol="0">
-            <a:spAutoFit/>
-          </a:bodyPr>
-          <a:lstStyle/>
-          <a:p>
-            <a:r>
-              <a:rPr lang="he-IL" dirty="0"/>
-              <a:t>אפליקציה</a:t>
-            </a:r>
-            <a:endParaRPr lang="en-US" dirty="0"/>
-          </a:p>
-        </p:txBody>
-      </p:sp>
-      <p:sp>
-        <p:nvSpPr>
-          <p:cNvPr id="6" name="TextBox 5">
-            <a:extLst>
-              <a:ext uri="{FF2B5EF4-FFF2-40B4-BE49-F238E27FC236}">
-                <a16:creationId xmlns:a16="http://schemas.microsoft.com/office/drawing/2014/main" id="{2D65E503-D1C2-B672-3A4E-963982A2A733}"/>
-              </a:ext>
-            </a:extLst>
-          </p:cNvPr>
-          <p:cNvSpPr txBox="1"/>
-          <p:nvPr/>
-        </p:nvSpPr>
-        <p:spPr>
-          <a:xfrm>
-            <a:off x="6372888" y="5505251"/>
-            <a:ext cx="2295821" cy="369332"/>
-          </a:xfrm>
-          <a:prstGeom prst="rect">
-            <a:avLst/>
-          </a:prstGeom>
-          <a:solidFill>
-            <a:schemeClr val="accent4">
-              <a:lumMod val="20000"/>
-              <a:lumOff val="80000"/>
-            </a:schemeClr>
-          </a:solidFill>
-        </p:spPr>
-        <p:txBody>
-          <a:bodyPr wrap="none" rtlCol="0">
-            <a:spAutoFit/>
-          </a:bodyPr>
-          <a:lstStyle>
-            <a:defPPr>
-              <a:defRPr lang="en-US"/>
-            </a:defPPr>
-          </a:lstStyle>
-          <a:p>
-            <a:r>
-              <a:rPr lang="he-IL" dirty="0"/>
-              <a:t>ספריית פונקציות</a:t>
-            </a:r>
-            <a:r>
-              <a:rPr lang="en-US" dirty="0"/>
-              <a:t> </a:t>
-            </a:r>
-            <a:r>
-              <a:rPr lang="he-IL" dirty="0"/>
-              <a:t>כלליות</a:t>
-            </a:r>
-            <a:endParaRPr lang="en-US" dirty="0"/>
-          </a:p>
-        </p:txBody>
-      </p:sp>
-      <p:sp>
-        <p:nvSpPr>
-          <p:cNvPr id="7" name="TextBox 6">
-            <a:extLst>
-              <a:ext uri="{FF2B5EF4-FFF2-40B4-BE49-F238E27FC236}">
-                <a16:creationId xmlns:a16="http://schemas.microsoft.com/office/drawing/2014/main" id="{79643147-9C58-B448-FD6F-995CCC94DC8A}"/>
-              </a:ext>
-            </a:extLst>
-          </p:cNvPr>
-          <p:cNvSpPr txBox="1"/>
-          <p:nvPr/>
-        </p:nvSpPr>
-        <p:spPr>
-          <a:xfrm>
-            <a:off x="7225685" y="3463036"/>
-            <a:ext cx="590226" cy="369332"/>
-          </a:xfrm>
-          <a:prstGeom prst="rect">
-            <a:avLst/>
-          </a:prstGeom>
-          <a:solidFill>
-            <a:schemeClr val="accent4">
-              <a:lumMod val="20000"/>
-              <a:lumOff val="80000"/>
-            </a:schemeClr>
-          </a:solidFill>
-        </p:spPr>
-        <p:txBody>
-          <a:bodyPr wrap="none" rtlCol="0">
-            <a:spAutoFit/>
-          </a:bodyPr>
-          <a:lstStyle/>
-          <a:p>
-            <a:r>
-              <a:rPr lang="he-IL" dirty="0"/>
-              <a:t>מפה</a:t>
-            </a:r>
-            <a:endParaRPr lang="en-US" dirty="0"/>
-          </a:p>
-        </p:txBody>
-      </p:sp>
-      <p:sp>
-        <p:nvSpPr>
-          <p:cNvPr id="8" name="TextBox 7">
-            <a:extLst>
-              <a:ext uri="{FF2B5EF4-FFF2-40B4-BE49-F238E27FC236}">
-                <a16:creationId xmlns:a16="http://schemas.microsoft.com/office/drawing/2014/main" id="{86E28A90-7518-9722-6FA8-7F6C58F217AA}"/>
-              </a:ext>
-            </a:extLst>
-          </p:cNvPr>
-          <p:cNvSpPr txBox="1"/>
-          <p:nvPr/>
-        </p:nvSpPr>
-        <p:spPr>
-          <a:xfrm>
-            <a:off x="6992127" y="4567692"/>
-            <a:ext cx="970137" cy="369332"/>
-          </a:xfrm>
-          <a:prstGeom prst="rect">
-            <a:avLst/>
-          </a:prstGeom>
-          <a:solidFill>
-            <a:schemeClr val="accent6">
-              <a:lumMod val="40000"/>
-              <a:lumOff val="60000"/>
-            </a:schemeClr>
-          </a:solidFill>
-        </p:spPr>
-        <p:txBody>
-          <a:bodyPr wrap="none" rtlCol="0">
-            <a:spAutoFit/>
-          </a:bodyPr>
-          <a:lstStyle/>
-          <a:p>
-            <a:r>
-              <a:rPr lang="he-IL" dirty="0"/>
-              <a:t>"תרחיש"</a:t>
-            </a:r>
-            <a:endParaRPr lang="en-US" dirty="0"/>
-          </a:p>
-        </p:txBody>
-      </p:sp>
-      <p:sp>
-        <p:nvSpPr>
-          <p:cNvPr id="3" name="TextBox 2">
-            <a:extLst>
-              <a:ext uri="{FF2B5EF4-FFF2-40B4-BE49-F238E27FC236}">
-                <a16:creationId xmlns:a16="http://schemas.microsoft.com/office/drawing/2014/main" id="{90C5B313-2263-7B5C-78B7-0568E8C600BE}"/>
-              </a:ext>
-            </a:extLst>
-          </p:cNvPr>
-          <p:cNvSpPr txBox="1"/>
-          <p:nvPr/>
-        </p:nvSpPr>
-        <p:spPr>
-          <a:xfrm>
-            <a:off x="7341101" y="1755009"/>
-            <a:ext cx="359394" cy="369332"/>
-          </a:xfrm>
-          <a:prstGeom prst="rect">
-            <a:avLst/>
-          </a:prstGeom>
-          <a:solidFill>
-            <a:schemeClr val="accent6">
-              <a:lumMod val="40000"/>
-              <a:lumOff val="60000"/>
-            </a:schemeClr>
-          </a:solidFill>
-        </p:spPr>
-        <p:txBody>
-          <a:bodyPr wrap="none" rtlCol="0">
-            <a:spAutoFit/>
-          </a:bodyPr>
-          <a:lstStyle/>
-          <a:p>
-            <a:r>
-              <a:rPr lang="en-US" dirty="0" err="1"/>
-              <a:t>ui</a:t>
-            </a:r>
-            <a:endParaRPr lang="en-US" dirty="0"/>
-          </a:p>
-        </p:txBody>
-      </p:sp>
-      <p:sp>
-        <p:nvSpPr>
-          <p:cNvPr id="12" name="TextBox 11">
-            <a:extLst>
-              <a:ext uri="{FF2B5EF4-FFF2-40B4-BE49-F238E27FC236}">
-                <a16:creationId xmlns:a16="http://schemas.microsoft.com/office/drawing/2014/main" id="{5EBD09D1-B240-9A01-031E-08E996E11EDB}"/>
-              </a:ext>
-            </a:extLst>
-          </p:cNvPr>
-          <p:cNvSpPr txBox="1"/>
-          <p:nvPr/>
-        </p:nvSpPr>
-        <p:spPr>
-          <a:xfrm>
-            <a:off x="4060721" y="1732572"/>
-            <a:ext cx="1635160" cy="369332"/>
-          </a:xfrm>
-          <a:prstGeom prst="rect">
-            <a:avLst/>
-          </a:prstGeom>
-          <a:noFill/>
-        </p:spPr>
-        <p:txBody>
-          <a:bodyPr wrap="square">
-            <a:spAutoFit/>
-          </a:bodyPr>
-          <a:lstStyle/>
-          <a:p>
-            <a:pPr algn="ctr"/>
-            <a:r>
-              <a:rPr lang="en-US" dirty="0" err="1"/>
-              <a:t>app.R</a:t>
-            </a:r>
-            <a:r>
-              <a:rPr lang="en-US" sz="1200" dirty="0"/>
-              <a:t> (Shiny)</a:t>
-            </a:r>
-            <a:endParaRPr lang="en-US" dirty="0"/>
-          </a:p>
-        </p:txBody>
-      </p:sp>
-      <p:sp>
-        <p:nvSpPr>
-          <p:cNvPr id="13" name="TextBox 12">
-            <a:extLst>
-              <a:ext uri="{FF2B5EF4-FFF2-40B4-BE49-F238E27FC236}">
-                <a16:creationId xmlns:a16="http://schemas.microsoft.com/office/drawing/2014/main" id="{553D92FF-B476-6CA3-1401-0CB48149D042}"/>
-              </a:ext>
-            </a:extLst>
-          </p:cNvPr>
-          <p:cNvSpPr txBox="1"/>
-          <p:nvPr/>
-        </p:nvSpPr>
-        <p:spPr>
-          <a:xfrm>
-            <a:off x="4342738" y="2660051"/>
-            <a:ext cx="1071127" cy="369332"/>
-          </a:xfrm>
-          <a:prstGeom prst="rect">
-            <a:avLst/>
-          </a:prstGeom>
-          <a:noFill/>
-        </p:spPr>
-        <p:txBody>
-          <a:bodyPr wrap="square">
-            <a:spAutoFit/>
-          </a:bodyPr>
-          <a:lstStyle/>
-          <a:p>
-            <a:pPr algn="ctr"/>
-            <a:r>
-              <a:rPr lang="en-US" dirty="0" err="1"/>
-              <a:t>main.R</a:t>
-            </a:r>
-            <a:endParaRPr lang="en-US" dirty="0"/>
-          </a:p>
-        </p:txBody>
-      </p:sp>
-      <p:sp>
-        <p:nvSpPr>
-          <p:cNvPr id="15" name="TextBox 14">
-            <a:extLst>
-              <a:ext uri="{FF2B5EF4-FFF2-40B4-BE49-F238E27FC236}">
-                <a16:creationId xmlns:a16="http://schemas.microsoft.com/office/drawing/2014/main" id="{C8C697C1-3B33-C697-65CC-7A9E74581EEA}"/>
-              </a:ext>
-            </a:extLst>
-          </p:cNvPr>
-          <p:cNvSpPr txBox="1"/>
-          <p:nvPr/>
-        </p:nvSpPr>
-        <p:spPr>
-          <a:xfrm>
-            <a:off x="4271451" y="3463036"/>
-            <a:ext cx="1213700" cy="369332"/>
-          </a:xfrm>
-          <a:prstGeom prst="rect">
-            <a:avLst/>
-          </a:prstGeom>
-          <a:noFill/>
-        </p:spPr>
-        <p:txBody>
-          <a:bodyPr wrap="square">
-            <a:spAutoFit/>
-          </a:bodyPr>
-          <a:lstStyle/>
-          <a:p>
-            <a:pPr algn="ctr"/>
-            <a:r>
-              <a:rPr lang="en-US" dirty="0" err="1"/>
-              <a:t>maplib.R</a:t>
-            </a:r>
-            <a:endParaRPr lang="en-US" dirty="0"/>
-          </a:p>
-        </p:txBody>
-      </p:sp>
-      <p:sp>
-        <p:nvSpPr>
-          <p:cNvPr id="16" name="TextBox 15">
-            <a:extLst>
-              <a:ext uri="{FF2B5EF4-FFF2-40B4-BE49-F238E27FC236}">
-                <a16:creationId xmlns:a16="http://schemas.microsoft.com/office/drawing/2014/main" id="{E669B46E-EB79-526A-0648-5D4F441BB334}"/>
-              </a:ext>
-            </a:extLst>
-          </p:cNvPr>
-          <p:cNvSpPr txBox="1"/>
-          <p:nvPr/>
-        </p:nvSpPr>
-        <p:spPr>
-          <a:xfrm>
-            <a:off x="4271451" y="4397770"/>
-            <a:ext cx="1213700" cy="369332"/>
-          </a:xfrm>
-          <a:prstGeom prst="rect">
-            <a:avLst/>
-          </a:prstGeom>
-          <a:noFill/>
-        </p:spPr>
-        <p:txBody>
-          <a:bodyPr wrap="square">
-            <a:spAutoFit/>
-          </a:bodyPr>
-          <a:lstStyle/>
-          <a:p>
-            <a:pPr algn="ctr"/>
-            <a:r>
-              <a:rPr lang="en-US" dirty="0" err="1"/>
-              <a:t>scnlib.R</a:t>
-            </a:r>
-            <a:endParaRPr lang="en-US" dirty="0"/>
-          </a:p>
-        </p:txBody>
-      </p:sp>
-      <p:cxnSp>
-        <p:nvCxnSpPr>
-          <p:cNvPr id="18" name="Straight Arrow Connector 17">
-            <a:extLst>
-              <a:ext uri="{FF2B5EF4-FFF2-40B4-BE49-F238E27FC236}">
-                <a16:creationId xmlns:a16="http://schemas.microsoft.com/office/drawing/2014/main" id="{DD407A00-3D7D-3B11-5614-2F214DCB2960}"/>
-              </a:ext>
-            </a:extLst>
-          </p:cNvPr>
-          <p:cNvCxnSpPr/>
-          <p:nvPr/>
-        </p:nvCxnSpPr>
-        <p:spPr>
-          <a:xfrm>
-            <a:off x="5043340" y="2226398"/>
-            <a:ext cx="0" cy="331597"/>
-          </a:xfrm>
-          <a:prstGeom prst="straightConnector1">
-            <a:avLst/>
-          </a:prstGeom>
-          <a:ln>
-            <a:tailEnd type="triangle"/>
-          </a:ln>
-        </p:spPr>
-        <p:style>
-          <a:lnRef idx="1">
-            <a:schemeClr val="accent1"/>
-          </a:lnRef>
-          <a:fillRef idx="0">
-            <a:schemeClr val="accent1"/>
-          </a:fillRef>
-          <a:effectRef idx="0">
-            <a:schemeClr val="accent1"/>
-          </a:effectRef>
-          <a:fontRef idx="minor">
-            <a:schemeClr val="tx1"/>
-          </a:fontRef>
-        </p:style>
-      </p:cxnSp>
-      <p:cxnSp>
-        <p:nvCxnSpPr>
-          <p:cNvPr id="19" name="Straight Arrow Connector 18">
-            <a:extLst>
-              <a:ext uri="{FF2B5EF4-FFF2-40B4-BE49-F238E27FC236}">
-                <a16:creationId xmlns:a16="http://schemas.microsoft.com/office/drawing/2014/main" id="{344DD648-E393-84EE-2E0E-B5993D9AB94B}"/>
-              </a:ext>
-            </a:extLst>
-          </p:cNvPr>
-          <p:cNvCxnSpPr>
-            <a:cxnSpLocks/>
-          </p:cNvCxnSpPr>
-          <p:nvPr/>
-        </p:nvCxnSpPr>
-        <p:spPr>
-          <a:xfrm flipV="1">
-            <a:off x="4807669" y="2226398"/>
-            <a:ext cx="0" cy="331597"/>
-          </a:xfrm>
-          <a:prstGeom prst="straightConnector1">
-            <a:avLst/>
-          </a:prstGeom>
-          <a:ln>
-            <a:tailEnd type="triangle"/>
-          </a:ln>
-        </p:spPr>
-        <p:style>
-          <a:lnRef idx="1">
-            <a:schemeClr val="accent1"/>
-          </a:lnRef>
-          <a:fillRef idx="0">
-            <a:schemeClr val="accent1"/>
-          </a:fillRef>
-          <a:effectRef idx="0">
-            <a:schemeClr val="accent1"/>
-          </a:effectRef>
-          <a:fontRef idx="minor">
-            <a:schemeClr val="tx1"/>
-          </a:fontRef>
-        </p:style>
-      </p:cxnSp>
-      <p:cxnSp>
-        <p:nvCxnSpPr>
-          <p:cNvPr id="22" name="Connector: Elbow 21">
-            <a:extLst>
-              <a:ext uri="{FF2B5EF4-FFF2-40B4-BE49-F238E27FC236}">
-                <a16:creationId xmlns:a16="http://schemas.microsoft.com/office/drawing/2014/main" id="{5271C7F1-8243-0EEB-1670-A56F9956C27F}"/>
-              </a:ext>
-            </a:extLst>
-          </p:cNvPr>
-          <p:cNvCxnSpPr>
-            <a:stCxn id="13" idx="1"/>
-            <a:endCxn id="15" idx="1"/>
-          </p:cNvCxnSpPr>
-          <p:nvPr/>
-        </p:nvCxnSpPr>
-        <p:spPr>
-          <a:xfrm rot="10800000" flipV="1">
-            <a:off x="4271452" y="2844716"/>
-            <a:ext cx="71287" cy="802985"/>
-          </a:xfrm>
-          <a:prstGeom prst="bentConnector3">
-            <a:avLst>
-              <a:gd name="adj1" fmla="val 420676"/>
-            </a:avLst>
-          </a:prstGeom>
-          <a:ln>
-            <a:tailEnd type="triangle"/>
-          </a:ln>
-        </p:spPr>
-        <p:style>
-          <a:lnRef idx="1">
-            <a:schemeClr val="accent1"/>
-          </a:lnRef>
-          <a:fillRef idx="0">
-            <a:schemeClr val="accent1"/>
-          </a:fillRef>
-          <a:effectRef idx="0">
-            <a:schemeClr val="accent1"/>
-          </a:effectRef>
-          <a:fontRef idx="minor">
-            <a:schemeClr val="tx1"/>
-          </a:fontRef>
-        </p:style>
-      </p:cxnSp>
-      <p:cxnSp>
-        <p:nvCxnSpPr>
-          <p:cNvPr id="24" name="Connector: Elbow 23">
-            <a:extLst>
-              <a:ext uri="{FF2B5EF4-FFF2-40B4-BE49-F238E27FC236}">
-                <a16:creationId xmlns:a16="http://schemas.microsoft.com/office/drawing/2014/main" id="{C9629C4B-255F-64F6-7CBB-330D4AA5B4F1}"/>
-              </a:ext>
-            </a:extLst>
-          </p:cNvPr>
-          <p:cNvCxnSpPr>
-            <a:stCxn id="13" idx="1"/>
-            <a:endCxn id="16" idx="1"/>
-          </p:cNvCxnSpPr>
-          <p:nvPr/>
-        </p:nvCxnSpPr>
-        <p:spPr>
-          <a:xfrm rot="10800000" flipV="1">
-            <a:off x="4271452" y="2844716"/>
-            <a:ext cx="71287" cy="1737719"/>
-          </a:xfrm>
-          <a:prstGeom prst="bentConnector3">
-            <a:avLst>
-              <a:gd name="adj1" fmla="val 420676"/>
-            </a:avLst>
-          </a:prstGeom>
-          <a:ln>
-            <a:tailEnd type="triangle"/>
-          </a:ln>
-        </p:spPr>
-        <p:style>
-          <a:lnRef idx="1">
-            <a:schemeClr val="accent1"/>
-          </a:lnRef>
-          <a:fillRef idx="0">
-            <a:schemeClr val="accent1"/>
-          </a:fillRef>
-          <a:effectRef idx="0">
-            <a:schemeClr val="accent1"/>
-          </a:effectRef>
-          <a:fontRef idx="minor">
-            <a:schemeClr val="tx1"/>
-          </a:fontRef>
-        </p:style>
-      </p:cxnSp>
-      <p:sp>
-        <p:nvSpPr>
-          <p:cNvPr id="26" name="TextBox 25">
-            <a:extLst>
-              <a:ext uri="{FF2B5EF4-FFF2-40B4-BE49-F238E27FC236}">
-                <a16:creationId xmlns:a16="http://schemas.microsoft.com/office/drawing/2014/main" id="{40AA0AD7-3DAA-04F2-4BEB-3B91D55A81F1}"/>
-              </a:ext>
-            </a:extLst>
-          </p:cNvPr>
-          <p:cNvSpPr txBox="1"/>
-          <p:nvPr/>
-        </p:nvSpPr>
-        <p:spPr>
-          <a:xfrm>
-            <a:off x="4271451" y="5527976"/>
-            <a:ext cx="1034591" cy="369332"/>
-          </a:xfrm>
-          <a:prstGeom prst="rect">
-            <a:avLst/>
-          </a:prstGeom>
-          <a:noFill/>
-        </p:spPr>
-        <p:txBody>
-          <a:bodyPr wrap="square">
-            <a:spAutoFit/>
-          </a:bodyPr>
-          <a:lstStyle/>
-          <a:p>
-            <a:pPr algn="ctr"/>
-            <a:r>
-              <a:rPr lang="en-US" dirty="0" err="1"/>
-              <a:t>utillib.R</a:t>
-            </a:r>
-            <a:endParaRPr lang="en-US" dirty="0"/>
-          </a:p>
-        </p:txBody>
-      </p:sp>
-      <p:cxnSp>
-        <p:nvCxnSpPr>
-          <p:cNvPr id="28" name="Connector: Elbow 27">
-            <a:extLst>
-              <a:ext uri="{FF2B5EF4-FFF2-40B4-BE49-F238E27FC236}">
-                <a16:creationId xmlns:a16="http://schemas.microsoft.com/office/drawing/2014/main" id="{740E6955-5123-7D2E-B4B4-7CBB5A0D61C5}"/>
-              </a:ext>
-            </a:extLst>
-          </p:cNvPr>
-          <p:cNvCxnSpPr>
-            <a:stCxn id="13" idx="1"/>
-            <a:endCxn id="26" idx="1"/>
-          </p:cNvCxnSpPr>
-          <p:nvPr/>
-        </p:nvCxnSpPr>
-        <p:spPr>
-          <a:xfrm rot="10800000" flipV="1">
-            <a:off x="4271452" y="2844716"/>
-            <a:ext cx="71287" cy="2867925"/>
-          </a:xfrm>
-          <a:prstGeom prst="bentConnector3">
-            <a:avLst>
-              <a:gd name="adj1" fmla="val 420676"/>
-            </a:avLst>
-          </a:prstGeom>
-          <a:ln>
-            <a:tailEnd type="triangle"/>
-          </a:ln>
-        </p:spPr>
-        <p:style>
-          <a:lnRef idx="1">
-            <a:schemeClr val="accent1"/>
-          </a:lnRef>
-          <a:fillRef idx="0">
-            <a:schemeClr val="accent1"/>
-          </a:fillRef>
-          <a:effectRef idx="0">
-            <a:schemeClr val="accent1"/>
-          </a:effectRef>
-          <a:fontRef idx="minor">
-            <a:schemeClr val="tx1"/>
-          </a:fontRef>
-        </p:style>
-      </p:cxnSp>
-      <p:sp>
-        <p:nvSpPr>
-          <p:cNvPr id="31" name="TextBox 30">
-            <a:extLst>
-              <a:ext uri="{FF2B5EF4-FFF2-40B4-BE49-F238E27FC236}">
-                <a16:creationId xmlns:a16="http://schemas.microsoft.com/office/drawing/2014/main" id="{E8DCBA10-79BF-C27D-ABCA-A658A52FE21B}"/>
-              </a:ext>
-            </a:extLst>
-          </p:cNvPr>
-          <p:cNvSpPr txBox="1"/>
-          <p:nvPr/>
-        </p:nvSpPr>
-        <p:spPr>
-          <a:xfrm>
-            <a:off x="2086592" y="4384472"/>
-            <a:ext cx="1013506" cy="369332"/>
-          </a:xfrm>
-          <a:prstGeom prst="rect">
-            <a:avLst/>
-          </a:prstGeom>
-          <a:noFill/>
-        </p:spPr>
-        <p:txBody>
-          <a:bodyPr wrap="square">
-            <a:spAutoFit/>
-          </a:bodyPr>
-          <a:lstStyle/>
-          <a:p>
-            <a:r>
-              <a:rPr lang="en-US" dirty="0" err="1"/>
-              <a:t>sctest.R</a:t>
-            </a:r>
-            <a:endParaRPr lang="en-US" dirty="0"/>
-          </a:p>
-        </p:txBody>
-      </p:sp>
-      <p:sp>
-        <p:nvSpPr>
-          <p:cNvPr id="36" name="TextBox 35">
-            <a:extLst>
-              <a:ext uri="{FF2B5EF4-FFF2-40B4-BE49-F238E27FC236}">
-                <a16:creationId xmlns:a16="http://schemas.microsoft.com/office/drawing/2014/main" id="{CE8B4E9B-7A00-2725-B796-14E69CEDB7FB}"/>
-              </a:ext>
-            </a:extLst>
-          </p:cNvPr>
-          <p:cNvSpPr txBox="1"/>
-          <p:nvPr/>
-        </p:nvSpPr>
-        <p:spPr>
-          <a:xfrm>
-            <a:off x="1621337" y="3425129"/>
-            <a:ext cx="1635160" cy="369332"/>
-          </a:xfrm>
-          <a:prstGeom prst="rect">
-            <a:avLst/>
-          </a:prstGeom>
-          <a:noFill/>
-        </p:spPr>
-        <p:txBody>
-          <a:bodyPr wrap="square">
-            <a:spAutoFit/>
-          </a:bodyPr>
-          <a:lstStyle/>
-          <a:p>
-            <a:r>
-              <a:rPr lang="en-US" dirty="0" err="1"/>
-              <a:t>mapviewtest.R</a:t>
-            </a:r>
-            <a:endParaRPr lang="en-US" dirty="0"/>
-          </a:p>
-        </p:txBody>
-      </p:sp>
-    </p:spTree>
-    <p:extLst>
-      <p:ext uri="{BB962C8B-B14F-4D97-AF65-F5344CB8AC3E}">
-        <p14:creationId xmlns:p14="http://schemas.microsoft.com/office/powerpoint/2010/main" val="3307650960"/>
-      </p:ext>
-    </p:extLst>
-  </p:cSld>
-  <p:clrMapOvr>
-    <a:masterClrMapping/>
-  </p:clrMapOvr>
-</p:sld>
-</file>
-
 <file path=ppt/slides/slide7.xml><?xml version="1.0" encoding="utf-8"?>
 <p:sld xmlns:a="http://schemas.openxmlformats.org/drawingml/2006/main" xmlns:r="http://schemas.openxmlformats.org/officeDocument/2006/relationships" xmlns:p="http://schemas.openxmlformats.org/presentationml/2006/main">
   <p:cSld>
@@ -7330,42 +10039,424 @@
           <a:chExt cx="0" cy="0"/>
         </a:xfrm>
       </p:grpSpPr>
-      <p:pic>
-        <p:nvPicPr>
-          <p:cNvPr id="3" name="Picture 2">
-            <a:extLst>
-              <a:ext uri="{FF2B5EF4-FFF2-40B4-BE49-F238E27FC236}">
-                <a16:creationId xmlns:a16="http://schemas.microsoft.com/office/drawing/2014/main" id="{067DC50F-F545-6E11-D573-5841D30A32D3}"/>
-              </a:ext>
-            </a:extLst>
-          </p:cNvPr>
-          <p:cNvPicPr>
-            <a:picLocks noChangeAspect="1"/>
-          </p:cNvPicPr>
-          <p:nvPr/>
-        </p:nvPicPr>
-        <p:blipFill>
-          <a:blip r:embed="rId2"/>
-          <a:stretch>
-            <a:fillRect/>
-          </a:stretch>
-        </p:blipFill>
-        <p:spPr>
-          <a:xfrm>
-            <a:off x="1410524" y="0"/>
-            <a:ext cx="8214750" cy="6858000"/>
+      <p:sp>
+        <p:nvSpPr>
+          <p:cNvPr id="2" name="Title 1">
+            <a:extLst>
+              <a:ext uri="{FF2B5EF4-FFF2-40B4-BE49-F238E27FC236}">
+                <a16:creationId xmlns:a16="http://schemas.microsoft.com/office/drawing/2014/main" id="{58F2DFC4-BF8B-39B2-DAFA-B2D3D810165F}"/>
+              </a:ext>
+            </a:extLst>
+          </p:cNvPr>
+          <p:cNvSpPr>
+            <a:spLocks noGrp="1"/>
+          </p:cNvSpPr>
+          <p:nvPr>
+            <p:ph type="title"/>
+          </p:nvPr>
+        </p:nvSpPr>
+        <p:spPr>
+          <a:xfrm>
+            <a:off x="9746022" y="-1960"/>
+            <a:ext cx="2058971" cy="1325563"/>
+          </a:xfrm>
+        </p:spPr>
+        <p:txBody>
+          <a:bodyPr/>
+          <a:lstStyle/>
+          <a:p>
+            <a:r>
+              <a:rPr lang="he-IL" dirty="0"/>
+              <a:t>התוכנה – "</a:t>
+            </a:r>
+            <a:r>
+              <a:rPr lang="he-IL" dirty="0" err="1"/>
+              <a:t>צפיין</a:t>
+            </a:r>
+            <a:r>
+              <a:rPr lang="he-IL" dirty="0"/>
+              <a:t>"</a:t>
+            </a:r>
+            <a:endParaRPr lang="en-US" dirty="0"/>
+          </a:p>
+        </p:txBody>
+      </p:sp>
+      <p:sp>
+        <p:nvSpPr>
+          <p:cNvPr id="5" name="TextBox 4">
+            <a:extLst>
+              <a:ext uri="{FF2B5EF4-FFF2-40B4-BE49-F238E27FC236}">
+                <a16:creationId xmlns:a16="http://schemas.microsoft.com/office/drawing/2014/main" id="{F4036E49-39B2-A910-3EAF-7AF93C39BADE}"/>
+              </a:ext>
+            </a:extLst>
+          </p:cNvPr>
+          <p:cNvSpPr txBox="1"/>
+          <p:nvPr/>
+        </p:nvSpPr>
+        <p:spPr>
+          <a:xfrm>
+            <a:off x="7701578" y="1627341"/>
+            <a:ext cx="1040670" cy="369332"/>
           </a:xfrm>
           <a:prstGeom prst="rect">
             <a:avLst/>
           </a:prstGeom>
-        </p:spPr>
-      </p:pic>
+          <a:solidFill>
+            <a:schemeClr val="accent6">
+              <a:lumMod val="40000"/>
+              <a:lumOff val="60000"/>
+            </a:schemeClr>
+          </a:solidFill>
+        </p:spPr>
+        <p:txBody>
+          <a:bodyPr wrap="none" rtlCol="0">
+            <a:spAutoFit/>
+          </a:bodyPr>
+          <a:lstStyle/>
+          <a:p>
+            <a:r>
+              <a:rPr lang="he-IL" dirty="0"/>
+              <a:t>אפליקציה</a:t>
+            </a:r>
+            <a:endParaRPr lang="en-US" dirty="0"/>
+          </a:p>
+        </p:txBody>
+      </p:sp>
+      <p:sp>
+        <p:nvSpPr>
+          <p:cNvPr id="6" name="TextBox 5">
+            <a:extLst>
+              <a:ext uri="{FF2B5EF4-FFF2-40B4-BE49-F238E27FC236}">
+                <a16:creationId xmlns:a16="http://schemas.microsoft.com/office/drawing/2014/main" id="{2D65E503-D1C2-B672-3A4E-963982A2A733}"/>
+              </a:ext>
+            </a:extLst>
+          </p:cNvPr>
+          <p:cNvSpPr txBox="1"/>
+          <p:nvPr/>
+        </p:nvSpPr>
+        <p:spPr>
+          <a:xfrm>
+            <a:off x="6937908" y="4458875"/>
+            <a:ext cx="2295821" cy="369332"/>
+          </a:xfrm>
+          <a:prstGeom prst="rect">
+            <a:avLst/>
+          </a:prstGeom>
+          <a:solidFill>
+            <a:schemeClr val="accent4">
+              <a:lumMod val="20000"/>
+              <a:lumOff val="80000"/>
+            </a:schemeClr>
+          </a:solidFill>
+        </p:spPr>
+        <p:txBody>
+          <a:bodyPr wrap="none" rtlCol="0">
+            <a:spAutoFit/>
+          </a:bodyPr>
+          <a:lstStyle>
+            <a:defPPr>
+              <a:defRPr lang="en-US"/>
+            </a:defPPr>
+          </a:lstStyle>
+          <a:p>
+            <a:pPr algn="r" rtl="1"/>
+            <a:r>
+              <a:rPr lang="he-IL" dirty="0"/>
+              <a:t>ספריית פונקציות</a:t>
+            </a:r>
+            <a:r>
+              <a:rPr lang="en-US" dirty="0"/>
+              <a:t> </a:t>
+            </a:r>
+            <a:r>
+              <a:rPr lang="he-IL" dirty="0"/>
+              <a:t>כלליות</a:t>
+            </a:r>
+            <a:endParaRPr lang="en-US" dirty="0"/>
+          </a:p>
+        </p:txBody>
+      </p:sp>
+      <p:sp>
+        <p:nvSpPr>
+          <p:cNvPr id="7" name="TextBox 6">
+            <a:extLst>
+              <a:ext uri="{FF2B5EF4-FFF2-40B4-BE49-F238E27FC236}">
+                <a16:creationId xmlns:a16="http://schemas.microsoft.com/office/drawing/2014/main" id="{79643147-9C58-B448-FD6F-995CCC94DC8A}"/>
+              </a:ext>
+            </a:extLst>
+          </p:cNvPr>
+          <p:cNvSpPr txBox="1"/>
+          <p:nvPr/>
+        </p:nvSpPr>
+        <p:spPr>
+          <a:xfrm>
+            <a:off x="7970403" y="2397807"/>
+            <a:ext cx="590226" cy="369332"/>
+          </a:xfrm>
+          <a:prstGeom prst="rect">
+            <a:avLst/>
+          </a:prstGeom>
+          <a:solidFill>
+            <a:schemeClr val="accent4">
+              <a:lumMod val="20000"/>
+              <a:lumOff val="80000"/>
+            </a:schemeClr>
+          </a:solidFill>
+        </p:spPr>
+        <p:txBody>
+          <a:bodyPr wrap="none" rtlCol="0">
+            <a:spAutoFit/>
+          </a:bodyPr>
+          <a:lstStyle/>
+          <a:p>
+            <a:r>
+              <a:rPr lang="he-IL" dirty="0"/>
+              <a:t>מפה</a:t>
+            </a:r>
+            <a:endParaRPr lang="en-US" dirty="0"/>
+          </a:p>
+        </p:txBody>
+      </p:sp>
+      <p:sp>
+        <p:nvSpPr>
+          <p:cNvPr id="8" name="TextBox 7">
+            <a:extLst>
+              <a:ext uri="{FF2B5EF4-FFF2-40B4-BE49-F238E27FC236}">
+                <a16:creationId xmlns:a16="http://schemas.microsoft.com/office/drawing/2014/main" id="{86E28A90-7518-9722-6FA8-7F6C58F217AA}"/>
+              </a:ext>
+            </a:extLst>
+          </p:cNvPr>
+          <p:cNvSpPr txBox="1"/>
+          <p:nvPr/>
+        </p:nvSpPr>
+        <p:spPr>
+          <a:xfrm>
+            <a:off x="7736845" y="3502463"/>
+            <a:ext cx="970137" cy="369332"/>
+          </a:xfrm>
+          <a:prstGeom prst="rect">
+            <a:avLst/>
+          </a:prstGeom>
+          <a:solidFill>
+            <a:schemeClr val="accent6">
+              <a:lumMod val="40000"/>
+              <a:lumOff val="60000"/>
+            </a:schemeClr>
+          </a:solidFill>
+        </p:spPr>
+        <p:txBody>
+          <a:bodyPr wrap="none" rtlCol="0">
+            <a:spAutoFit/>
+          </a:bodyPr>
+          <a:lstStyle/>
+          <a:p>
+            <a:r>
+              <a:rPr lang="he-IL" dirty="0"/>
+              <a:t>"תרחיש"</a:t>
+            </a:r>
+            <a:endParaRPr lang="en-US" dirty="0"/>
+          </a:p>
+        </p:txBody>
+      </p:sp>
+      <p:sp>
+        <p:nvSpPr>
+          <p:cNvPr id="3" name="TextBox 2">
+            <a:extLst>
+              <a:ext uri="{FF2B5EF4-FFF2-40B4-BE49-F238E27FC236}">
+                <a16:creationId xmlns:a16="http://schemas.microsoft.com/office/drawing/2014/main" id="{90C5B313-2263-7B5C-78B7-0568E8C600BE}"/>
+              </a:ext>
+            </a:extLst>
+          </p:cNvPr>
+          <p:cNvSpPr txBox="1"/>
+          <p:nvPr/>
+        </p:nvSpPr>
+        <p:spPr>
+          <a:xfrm>
+            <a:off x="8085819" y="689780"/>
+            <a:ext cx="359394" cy="369332"/>
+          </a:xfrm>
+          <a:prstGeom prst="rect">
+            <a:avLst/>
+          </a:prstGeom>
+          <a:solidFill>
+            <a:schemeClr val="accent6">
+              <a:lumMod val="40000"/>
+              <a:lumOff val="60000"/>
+            </a:schemeClr>
+          </a:solidFill>
+        </p:spPr>
+        <p:txBody>
+          <a:bodyPr wrap="none" rtlCol="0">
+            <a:spAutoFit/>
+          </a:bodyPr>
+          <a:lstStyle/>
+          <a:p>
+            <a:r>
+              <a:rPr lang="en-US" dirty="0" err="1"/>
+              <a:t>ui</a:t>
+            </a:r>
+            <a:endParaRPr lang="en-US" dirty="0"/>
+          </a:p>
+        </p:txBody>
+      </p:sp>
+      <p:sp>
+        <p:nvSpPr>
+          <p:cNvPr id="12" name="TextBox 11">
+            <a:extLst>
+              <a:ext uri="{FF2B5EF4-FFF2-40B4-BE49-F238E27FC236}">
+                <a16:creationId xmlns:a16="http://schemas.microsoft.com/office/drawing/2014/main" id="{5EBD09D1-B240-9A01-031E-08E996E11EDB}"/>
+              </a:ext>
+            </a:extLst>
+          </p:cNvPr>
+          <p:cNvSpPr txBox="1"/>
+          <p:nvPr/>
+        </p:nvSpPr>
+        <p:spPr>
+          <a:xfrm>
+            <a:off x="4876730" y="667343"/>
+            <a:ext cx="1492578" cy="369332"/>
+          </a:xfrm>
+          <a:prstGeom prst="rect">
+            <a:avLst/>
+          </a:prstGeom>
+          <a:noFill/>
+        </p:spPr>
+        <p:txBody>
+          <a:bodyPr wrap="square">
+            <a:spAutoFit/>
+          </a:bodyPr>
+          <a:lstStyle/>
+          <a:p>
+            <a:pPr algn="ctr"/>
+            <a:r>
+              <a:rPr lang="en-US" dirty="0" err="1"/>
+              <a:t>app.R</a:t>
+            </a:r>
+            <a:r>
+              <a:rPr lang="en-US" sz="1200" dirty="0"/>
+              <a:t> (Shiny)</a:t>
+            </a:r>
+            <a:endParaRPr lang="en-US" dirty="0"/>
+          </a:p>
+        </p:txBody>
+      </p:sp>
+      <p:sp>
+        <p:nvSpPr>
+          <p:cNvPr id="13" name="TextBox 12">
+            <a:extLst>
+              <a:ext uri="{FF2B5EF4-FFF2-40B4-BE49-F238E27FC236}">
+                <a16:creationId xmlns:a16="http://schemas.microsoft.com/office/drawing/2014/main" id="{553D92FF-B476-6CA3-1401-0CB48149D042}"/>
+              </a:ext>
+            </a:extLst>
+          </p:cNvPr>
+          <p:cNvSpPr txBox="1"/>
+          <p:nvPr/>
+        </p:nvSpPr>
+        <p:spPr>
+          <a:xfrm>
+            <a:off x="5087456" y="1594822"/>
+            <a:ext cx="1071127" cy="369332"/>
+          </a:xfrm>
+          <a:prstGeom prst="rect">
+            <a:avLst/>
+          </a:prstGeom>
+          <a:noFill/>
+        </p:spPr>
+        <p:txBody>
+          <a:bodyPr wrap="square">
+            <a:spAutoFit/>
+          </a:bodyPr>
+          <a:lstStyle/>
+          <a:p>
+            <a:pPr algn="ctr"/>
+            <a:r>
+              <a:rPr lang="en-US" dirty="0" err="1"/>
+              <a:t>main.R</a:t>
+            </a:r>
+            <a:endParaRPr lang="en-US" dirty="0"/>
+          </a:p>
+        </p:txBody>
+      </p:sp>
+      <p:sp>
+        <p:nvSpPr>
+          <p:cNvPr id="15" name="TextBox 14">
+            <a:extLst>
+              <a:ext uri="{FF2B5EF4-FFF2-40B4-BE49-F238E27FC236}">
+                <a16:creationId xmlns:a16="http://schemas.microsoft.com/office/drawing/2014/main" id="{C8C697C1-3B33-C697-65CC-7A9E74581EEA}"/>
+              </a:ext>
+            </a:extLst>
+          </p:cNvPr>
+          <p:cNvSpPr txBox="1"/>
+          <p:nvPr/>
+        </p:nvSpPr>
+        <p:spPr>
+          <a:xfrm>
+            <a:off x="5016169" y="2397807"/>
+            <a:ext cx="1213700" cy="369332"/>
+          </a:xfrm>
+          <a:prstGeom prst="rect">
+            <a:avLst/>
+          </a:prstGeom>
+          <a:noFill/>
+        </p:spPr>
+        <p:txBody>
+          <a:bodyPr wrap="square">
+            <a:spAutoFit/>
+          </a:bodyPr>
+          <a:lstStyle/>
+          <a:p>
+            <a:pPr algn="ctr"/>
+            <a:r>
+              <a:rPr lang="en-US" dirty="0" err="1"/>
+              <a:t>maplib.R</a:t>
+            </a:r>
+            <a:endParaRPr lang="en-US" dirty="0"/>
+          </a:p>
+        </p:txBody>
+      </p:sp>
+      <p:sp>
+        <p:nvSpPr>
+          <p:cNvPr id="16" name="TextBox 15">
+            <a:extLst>
+              <a:ext uri="{FF2B5EF4-FFF2-40B4-BE49-F238E27FC236}">
+                <a16:creationId xmlns:a16="http://schemas.microsoft.com/office/drawing/2014/main" id="{E669B46E-EB79-526A-0648-5D4F441BB334}"/>
+              </a:ext>
+            </a:extLst>
+          </p:cNvPr>
+          <p:cNvSpPr txBox="1"/>
+          <p:nvPr/>
+        </p:nvSpPr>
+        <p:spPr>
+          <a:xfrm>
+            <a:off x="5016169" y="3332541"/>
+            <a:ext cx="1213700" cy="369332"/>
+          </a:xfrm>
+          <a:prstGeom prst="rect">
+            <a:avLst/>
+          </a:prstGeom>
+          <a:noFill/>
+        </p:spPr>
+        <p:txBody>
+          <a:bodyPr wrap="square">
+            <a:spAutoFit/>
+          </a:bodyPr>
+          <a:lstStyle/>
+          <a:p>
+            <a:pPr algn="ctr"/>
+            <a:r>
+              <a:rPr lang="en-US" dirty="0" err="1"/>
+              <a:t>scnlib.R</a:t>
+            </a:r>
+            <a:endParaRPr lang="en-US" dirty="0"/>
+          </a:p>
+        </p:txBody>
+      </p:sp>
       <p:cxnSp>
         <p:nvCxnSpPr>
-          <p:cNvPr id="5" name="Straight Arrow Connector 4">
-            <a:extLst>
-              <a:ext uri="{FF2B5EF4-FFF2-40B4-BE49-F238E27FC236}">
-                <a16:creationId xmlns:a16="http://schemas.microsoft.com/office/drawing/2014/main" id="{F56F276E-2FFA-DD11-6AF5-C9F44E153355}"/>
+          <p:cNvPr id="18" name="Straight Arrow Connector 17">
+            <a:extLst>
+              <a:ext uri="{FF2B5EF4-FFF2-40B4-BE49-F238E27FC236}">
+                <a16:creationId xmlns:a16="http://schemas.microsoft.com/office/drawing/2014/main" id="{DD407A00-3D7D-3B11-5614-2F214DCB2960}"/>
               </a:ext>
             </a:extLst>
           </p:cNvPr>
@@ -7374,8 +10465,8 @@
         </p:nvCxnSpPr>
         <p:spPr>
           <a:xfrm>
-            <a:off x="949041" y="1187777"/>
-            <a:ext cx="357788" cy="0"/>
+            <a:off x="5788058" y="1161169"/>
+            <a:ext cx="0" cy="331597"/>
           </a:xfrm>
           <a:prstGeom prst="straightConnector1">
             <a:avLst/>
@@ -7386,306 +10477,13 @@
         </p:spPr>
         <p:style>
           <a:lnRef idx="1">
-            <a:schemeClr val="dk1"/>
+            <a:schemeClr val="accent1"/>
           </a:lnRef>
           <a:fillRef idx="0">
-            <a:schemeClr val="dk1"/>
+            <a:schemeClr val="accent1"/>
           </a:fillRef>
           <a:effectRef idx="0">
-            <a:schemeClr val="dk1"/>
-          </a:effectRef>
-          <a:fontRef idx="minor">
-            <a:schemeClr val="tx1"/>
-          </a:fontRef>
-        </p:style>
-      </p:cxnSp>
-      <p:sp>
-        <p:nvSpPr>
-          <p:cNvPr id="7" name="TextBox 6">
-            <a:extLst>
-              <a:ext uri="{FF2B5EF4-FFF2-40B4-BE49-F238E27FC236}">
-                <a16:creationId xmlns:a16="http://schemas.microsoft.com/office/drawing/2014/main" id="{026E458C-BA1A-ADD6-C196-0CB022289032}"/>
-              </a:ext>
-            </a:extLst>
-          </p:cNvPr>
-          <p:cNvSpPr txBox="1"/>
-          <p:nvPr/>
-        </p:nvSpPr>
-        <p:spPr>
-          <a:xfrm>
-            <a:off x="50237" y="333807"/>
-            <a:ext cx="1297796" cy="369332"/>
-          </a:xfrm>
-          <a:prstGeom prst="rect">
-            <a:avLst/>
-          </a:prstGeom>
-          <a:noFill/>
-        </p:spPr>
-        <p:txBody>
-          <a:bodyPr wrap="square">
-            <a:spAutoFit/>
-          </a:bodyPr>
-          <a:lstStyle/>
-          <a:p>
-            <a:r>
-              <a:rPr lang="en-US" dirty="0" err="1"/>
-              <a:t>navbarPage</a:t>
-            </a:r>
-            <a:endParaRPr lang="en-US" dirty="0"/>
-          </a:p>
-        </p:txBody>
-      </p:sp>
-      <p:sp>
-        <p:nvSpPr>
-          <p:cNvPr id="8" name="TextBox 7">
-            <a:extLst>
-              <a:ext uri="{FF2B5EF4-FFF2-40B4-BE49-F238E27FC236}">
-                <a16:creationId xmlns:a16="http://schemas.microsoft.com/office/drawing/2014/main" id="{0F7C6071-CB65-F3F2-DE73-EE1ACF0BE292}"/>
-              </a:ext>
-            </a:extLst>
-          </p:cNvPr>
-          <p:cNvSpPr txBox="1"/>
-          <p:nvPr/>
-        </p:nvSpPr>
-        <p:spPr>
-          <a:xfrm>
-            <a:off x="-15280" y="960092"/>
-            <a:ext cx="1072299" cy="369332"/>
-          </a:xfrm>
-          <a:prstGeom prst="rect">
-            <a:avLst/>
-          </a:prstGeom>
-          <a:noFill/>
-        </p:spPr>
-        <p:txBody>
-          <a:bodyPr wrap="square">
-            <a:spAutoFit/>
-          </a:bodyPr>
-          <a:lstStyle/>
-          <a:p>
-            <a:r>
-              <a:rPr lang="en-US" dirty="0" err="1"/>
-              <a:t>tabpanel</a:t>
-            </a:r>
-            <a:endParaRPr lang="en-US" dirty="0"/>
-          </a:p>
-        </p:txBody>
-      </p:sp>
-      <p:sp>
-        <p:nvSpPr>
-          <p:cNvPr id="9" name="TextBox 8">
-            <a:extLst>
-              <a:ext uri="{FF2B5EF4-FFF2-40B4-BE49-F238E27FC236}">
-                <a16:creationId xmlns:a16="http://schemas.microsoft.com/office/drawing/2014/main" id="{956429F6-5E4E-88B8-98E1-EF5089E144F5}"/>
-              </a:ext>
-            </a:extLst>
-          </p:cNvPr>
-          <p:cNvSpPr txBox="1"/>
-          <p:nvPr/>
-        </p:nvSpPr>
-        <p:spPr>
-          <a:xfrm>
-            <a:off x="50237" y="1559293"/>
-            <a:ext cx="770641" cy="369332"/>
-          </a:xfrm>
-          <a:prstGeom prst="rect">
-            <a:avLst/>
-          </a:prstGeom>
-          <a:noFill/>
-        </p:spPr>
-        <p:txBody>
-          <a:bodyPr wrap="square">
-            <a:spAutoFit/>
-          </a:bodyPr>
-          <a:lstStyle/>
-          <a:p>
-            <a:r>
-              <a:rPr lang="en-US" dirty="0"/>
-              <a:t>tabs</a:t>
-            </a:r>
-          </a:p>
-        </p:txBody>
-      </p:sp>
-      <p:cxnSp>
-        <p:nvCxnSpPr>
-          <p:cNvPr id="11" name="Straight Arrow Connector 10">
-            <a:extLst>
-              <a:ext uri="{FF2B5EF4-FFF2-40B4-BE49-F238E27FC236}">
-                <a16:creationId xmlns:a16="http://schemas.microsoft.com/office/drawing/2014/main" id="{30883794-BF04-2305-A86F-B0692B61B58C}"/>
-              </a:ext>
-            </a:extLst>
-          </p:cNvPr>
-          <p:cNvCxnSpPr/>
-          <p:nvPr/>
-        </p:nvCxnSpPr>
-        <p:spPr>
-          <a:xfrm>
-            <a:off x="949041" y="1725104"/>
-            <a:ext cx="357788" cy="0"/>
-          </a:xfrm>
-          <a:prstGeom prst="straightConnector1">
-            <a:avLst/>
-          </a:prstGeom>
-          <a:ln>
-            <a:tailEnd type="triangle"/>
-          </a:ln>
-        </p:spPr>
-        <p:style>
-          <a:lnRef idx="1">
-            <a:schemeClr val="dk1"/>
-          </a:lnRef>
-          <a:fillRef idx="0">
-            <a:schemeClr val="dk1"/>
-          </a:fillRef>
-          <a:effectRef idx="0">
-            <a:schemeClr val="dk1"/>
-          </a:effectRef>
-          <a:fontRef idx="minor">
-            <a:schemeClr val="tx1"/>
-          </a:fontRef>
-        </p:style>
-      </p:cxnSp>
-      <p:sp>
-        <p:nvSpPr>
-          <p:cNvPr id="12" name="TextBox 11">
-            <a:extLst>
-              <a:ext uri="{FF2B5EF4-FFF2-40B4-BE49-F238E27FC236}">
-                <a16:creationId xmlns:a16="http://schemas.microsoft.com/office/drawing/2014/main" id="{95AE04F9-CD3F-5E38-BF9A-3EC4EAF944C3}"/>
-              </a:ext>
-            </a:extLst>
-          </p:cNvPr>
-          <p:cNvSpPr txBox="1"/>
-          <p:nvPr/>
-        </p:nvSpPr>
-        <p:spPr>
-          <a:xfrm>
-            <a:off x="1994556" y="818445"/>
-            <a:ext cx="314510" cy="369332"/>
-          </a:xfrm>
-          <a:prstGeom prst="rect">
-            <a:avLst/>
-          </a:prstGeom>
-          <a:noFill/>
-        </p:spPr>
-        <p:txBody>
-          <a:bodyPr wrap="none" rtlCol="0">
-            <a:spAutoFit/>
-          </a:bodyPr>
-          <a:lstStyle/>
-          <a:p>
-            <a:r>
-              <a:rPr lang="he-IL" dirty="0"/>
-              <a:t>א</a:t>
-            </a:r>
-            <a:endParaRPr lang="en-US" dirty="0"/>
-          </a:p>
-        </p:txBody>
-      </p:sp>
-      <p:sp>
-        <p:nvSpPr>
-          <p:cNvPr id="13" name="TextBox 12">
-            <a:extLst>
-              <a:ext uri="{FF2B5EF4-FFF2-40B4-BE49-F238E27FC236}">
-                <a16:creationId xmlns:a16="http://schemas.microsoft.com/office/drawing/2014/main" id="{6A69D6BE-EF62-CDBF-FFB2-3E1161009FE8}"/>
-              </a:ext>
-            </a:extLst>
-          </p:cNvPr>
-          <p:cNvSpPr txBox="1"/>
-          <p:nvPr/>
-        </p:nvSpPr>
-        <p:spPr>
-          <a:xfrm>
-            <a:off x="2578588" y="818445"/>
-            <a:ext cx="314510" cy="369332"/>
-          </a:xfrm>
-          <a:prstGeom prst="rect">
-            <a:avLst/>
-          </a:prstGeom>
-          <a:noFill/>
-        </p:spPr>
-        <p:txBody>
-          <a:bodyPr wrap="none" rtlCol="0">
-            <a:spAutoFit/>
-          </a:bodyPr>
-          <a:lstStyle/>
-          <a:p>
-            <a:r>
-              <a:rPr lang="he-IL" dirty="0"/>
-              <a:t>ב</a:t>
-            </a:r>
-            <a:endParaRPr lang="en-US" dirty="0"/>
-          </a:p>
-        </p:txBody>
-      </p:sp>
-      <p:sp>
-        <p:nvSpPr>
-          <p:cNvPr id="14" name="TextBox 13">
-            <a:extLst>
-              <a:ext uri="{FF2B5EF4-FFF2-40B4-BE49-F238E27FC236}">
-                <a16:creationId xmlns:a16="http://schemas.microsoft.com/office/drawing/2014/main" id="{84AA9F1E-B6BC-7072-3F8D-EA2096C03323}"/>
-              </a:ext>
-            </a:extLst>
-          </p:cNvPr>
-          <p:cNvSpPr txBox="1"/>
-          <p:nvPr/>
-        </p:nvSpPr>
-        <p:spPr>
-          <a:xfrm>
-            <a:off x="3162620" y="818445"/>
-            <a:ext cx="276038" cy="369332"/>
-          </a:xfrm>
-          <a:prstGeom prst="rect">
-            <a:avLst/>
-          </a:prstGeom>
-          <a:noFill/>
-        </p:spPr>
-        <p:txBody>
-          <a:bodyPr wrap="none" rtlCol="0">
-            <a:spAutoFit/>
-          </a:bodyPr>
-          <a:lstStyle/>
-          <a:p>
-            <a:r>
-              <a:rPr lang="he-IL" dirty="0"/>
-              <a:t>ג</a:t>
-            </a:r>
-            <a:endParaRPr lang="en-US" dirty="0"/>
-          </a:p>
-        </p:txBody>
-      </p:sp>
-      <p:cxnSp>
-        <p:nvCxnSpPr>
-          <p:cNvPr id="17" name="Straight Arrow Connector 16">
-            <a:extLst>
-              <a:ext uri="{FF2B5EF4-FFF2-40B4-BE49-F238E27FC236}">
-                <a16:creationId xmlns:a16="http://schemas.microsoft.com/office/drawing/2014/main" id="{F53F89AB-5F8E-1775-D2C8-E8BC85DA2880}"/>
-              </a:ext>
-            </a:extLst>
-          </p:cNvPr>
-          <p:cNvCxnSpPr/>
-          <p:nvPr/>
-        </p:nvCxnSpPr>
-        <p:spPr>
-          <a:xfrm flipH="1">
-            <a:off x="7849462" y="2130458"/>
-            <a:ext cx="348792" cy="150829"/>
-          </a:xfrm>
-          <a:prstGeom prst="straightConnector1">
-            <a:avLst/>
-          </a:prstGeom>
-          <a:ln>
-            <a:tailEnd type="triangle"/>
-          </a:ln>
-        </p:spPr>
-        <p:style>
-          <a:lnRef idx="1">
-            <a:schemeClr val="accent2"/>
-          </a:lnRef>
-          <a:fillRef idx="0">
-            <a:schemeClr val="accent2"/>
-          </a:fillRef>
-          <a:effectRef idx="0">
-            <a:schemeClr val="accent2"/>
+            <a:schemeClr val="accent1"/>
           </a:effectRef>
           <a:fontRef idx="minor">
             <a:schemeClr val="tx1"/>
@@ -7694,478 +10492,22 @@
       </p:cxnSp>
       <p:cxnSp>
         <p:nvCxnSpPr>
-          <p:cNvPr id="18" name="Straight Arrow Connector 17">
-            <a:extLst>
-              <a:ext uri="{FF2B5EF4-FFF2-40B4-BE49-F238E27FC236}">
-                <a16:creationId xmlns:a16="http://schemas.microsoft.com/office/drawing/2014/main" id="{AD56CC2B-2B2F-CFBA-80C3-61016C7D50BB}"/>
-              </a:ext>
-            </a:extLst>
-          </p:cNvPr>
-          <p:cNvCxnSpPr/>
+          <p:cNvPr id="19" name="Straight Arrow Connector 18">
+            <a:extLst>
+              <a:ext uri="{FF2B5EF4-FFF2-40B4-BE49-F238E27FC236}">
+                <a16:creationId xmlns:a16="http://schemas.microsoft.com/office/drawing/2014/main" id="{344DD648-E393-84EE-2E0E-B5993D9AB94B}"/>
+              </a:ext>
+            </a:extLst>
+          </p:cNvPr>
+          <p:cNvCxnSpPr>
+            <a:cxnSpLocks/>
+          </p:cNvCxnSpPr>
           <p:nvPr/>
         </p:nvCxnSpPr>
         <p:spPr>
-          <a:xfrm flipH="1">
-            <a:off x="7675066" y="2837468"/>
-            <a:ext cx="348792" cy="150829"/>
-          </a:xfrm>
-          <a:prstGeom prst="straightConnector1">
-            <a:avLst/>
-          </a:prstGeom>
-          <a:ln>
-            <a:tailEnd type="triangle"/>
-          </a:ln>
-        </p:spPr>
-        <p:style>
-          <a:lnRef idx="1">
-            <a:schemeClr val="accent2"/>
-          </a:lnRef>
-          <a:fillRef idx="0">
-            <a:schemeClr val="accent2"/>
-          </a:fillRef>
-          <a:effectRef idx="0">
-            <a:schemeClr val="accent2"/>
-          </a:effectRef>
-          <a:fontRef idx="minor">
-            <a:schemeClr val="tx1"/>
-          </a:fontRef>
-        </p:style>
-      </p:cxnSp>
-      <p:sp>
-        <p:nvSpPr>
-          <p:cNvPr id="19" name="TextBox 18">
-            <a:extLst>
-              <a:ext uri="{FF2B5EF4-FFF2-40B4-BE49-F238E27FC236}">
-                <a16:creationId xmlns:a16="http://schemas.microsoft.com/office/drawing/2014/main" id="{BF21C865-24BC-8FB9-16DE-CD1648A2AE85}"/>
-              </a:ext>
-            </a:extLst>
-          </p:cNvPr>
-          <p:cNvSpPr txBox="1"/>
-          <p:nvPr/>
-        </p:nvSpPr>
-        <p:spPr>
-          <a:xfrm>
-            <a:off x="10042491" y="267398"/>
-            <a:ext cx="1477969" cy="369332"/>
-          </a:xfrm>
-          <a:prstGeom prst="rect">
-            <a:avLst/>
-          </a:prstGeom>
-          <a:noFill/>
-        </p:spPr>
-        <p:txBody>
-          <a:bodyPr wrap="none" rtlCol="0">
-            <a:spAutoFit/>
-          </a:bodyPr>
-          <a:lstStyle/>
-          <a:p>
-            <a:r>
-              <a:rPr lang="en-US" dirty="0" err="1"/>
-              <a:t>cfg$scenarios</a:t>
-            </a:r>
-            <a:endParaRPr lang="en-US" dirty="0"/>
-          </a:p>
-        </p:txBody>
-      </p:sp>
-      <p:sp>
-        <p:nvSpPr>
-          <p:cNvPr id="21" name="TextBox 20">
-            <a:extLst>
-              <a:ext uri="{FF2B5EF4-FFF2-40B4-BE49-F238E27FC236}">
-                <a16:creationId xmlns:a16="http://schemas.microsoft.com/office/drawing/2014/main" id="{2E2F7325-AA87-9DD0-F324-164CD1BCCAC8}"/>
-              </a:ext>
-            </a:extLst>
-          </p:cNvPr>
-          <p:cNvSpPr txBox="1"/>
-          <p:nvPr/>
-        </p:nvSpPr>
-        <p:spPr>
-          <a:xfrm>
-            <a:off x="6722627" y="2446372"/>
-            <a:ext cx="1242715" cy="276999"/>
-          </a:xfrm>
-          <a:prstGeom prst="rect">
-            <a:avLst/>
-          </a:prstGeom>
-          <a:noFill/>
-        </p:spPr>
-        <p:txBody>
-          <a:bodyPr wrap="square">
-            <a:spAutoFit/>
-          </a:bodyPr>
-          <a:lstStyle>
-            <a:defPPr>
-              <a:defRPr lang="en-US"/>
-            </a:defPPr>
-            <a:lvl1pPr algn="ctr">
-              <a:defRPr sz="1200">
-                <a:highlight>
-                  <a:srgbClr val="FFFF00"/>
-                </a:highlight>
-              </a:defRPr>
-            </a:lvl1pPr>
-          </a:lstStyle>
-          <a:p>
-            <a:r>
-              <a:rPr lang="en-US" dirty="0" err="1">
-                <a:highlight>
-                  <a:srgbClr val="00FFFF"/>
-                </a:highlight>
-              </a:rPr>
-              <a:t>cfg$scnsources</a:t>
-            </a:r>
-            <a:endParaRPr lang="en-US" dirty="0">
-              <a:highlight>
-                <a:srgbClr val="00FFFF"/>
-              </a:highlight>
-            </a:endParaRPr>
-          </a:p>
-        </p:txBody>
-      </p:sp>
-      <p:sp>
-        <p:nvSpPr>
-          <p:cNvPr id="23" name="TextBox 22">
-            <a:extLst>
-              <a:ext uri="{FF2B5EF4-FFF2-40B4-BE49-F238E27FC236}">
-                <a16:creationId xmlns:a16="http://schemas.microsoft.com/office/drawing/2014/main" id="{956ADE46-6B66-B10D-63D1-86D6EF1523C0}"/>
-              </a:ext>
-            </a:extLst>
-          </p:cNvPr>
-          <p:cNvSpPr txBox="1"/>
-          <p:nvPr/>
-        </p:nvSpPr>
-        <p:spPr>
-          <a:xfrm>
-            <a:off x="8382559" y="2428006"/>
-            <a:ext cx="1242715" cy="276999"/>
-          </a:xfrm>
-          <a:prstGeom prst="rect">
-            <a:avLst/>
-          </a:prstGeom>
-          <a:noFill/>
-        </p:spPr>
-        <p:txBody>
-          <a:bodyPr wrap="square">
-            <a:spAutoFit/>
-          </a:bodyPr>
-          <a:lstStyle/>
-          <a:p>
-            <a:pPr algn="ctr"/>
-            <a:r>
-              <a:rPr lang="en-US" sz="1200" dirty="0" err="1">
-                <a:highlight>
-                  <a:srgbClr val="FFFF00"/>
-                </a:highlight>
-              </a:rPr>
-              <a:t>input$selectSrc</a:t>
-            </a:r>
-            <a:endParaRPr lang="en-US" sz="1200" dirty="0">
-              <a:highlight>
-                <a:srgbClr val="FFFF00"/>
-              </a:highlight>
-            </a:endParaRPr>
-          </a:p>
-        </p:txBody>
-      </p:sp>
-      <p:cxnSp>
-        <p:nvCxnSpPr>
-          <p:cNvPr id="27" name="Straight Arrow Connector 26">
-            <a:extLst>
-              <a:ext uri="{FF2B5EF4-FFF2-40B4-BE49-F238E27FC236}">
-                <a16:creationId xmlns:a16="http://schemas.microsoft.com/office/drawing/2014/main" id="{C3BC1A83-E5DA-5AEB-9C82-CB5F3FCFDE9B}"/>
-              </a:ext>
-            </a:extLst>
-          </p:cNvPr>
-          <p:cNvCxnSpPr>
-            <a:stCxn id="23" idx="3"/>
-          </p:cNvCxnSpPr>
-          <p:nvPr/>
-        </p:nvCxnSpPr>
-        <p:spPr>
           <a:xfrm flipV="1">
-            <a:off x="9625274" y="2566505"/>
-            <a:ext cx="508540" cy="1"/>
-          </a:xfrm>
-          <a:prstGeom prst="straightConnector1">
-            <a:avLst/>
-          </a:prstGeom>
-          <a:ln>
-            <a:tailEnd type="triangle"/>
-          </a:ln>
-        </p:spPr>
-        <p:style>
-          <a:lnRef idx="1">
-            <a:schemeClr val="accent1"/>
-          </a:lnRef>
-          <a:fillRef idx="0">
-            <a:schemeClr val="accent1"/>
-          </a:fillRef>
-          <a:effectRef idx="0">
-            <a:schemeClr val="accent1"/>
-          </a:effectRef>
-          <a:fontRef idx="minor">
-            <a:schemeClr val="tx1"/>
-          </a:fontRef>
-        </p:style>
-      </p:cxnSp>
-      <p:sp>
-        <p:nvSpPr>
-          <p:cNvPr id="29" name="TextBox 28">
-            <a:extLst>
-              <a:ext uri="{FF2B5EF4-FFF2-40B4-BE49-F238E27FC236}">
-                <a16:creationId xmlns:a16="http://schemas.microsoft.com/office/drawing/2014/main" id="{26678043-B23B-82A4-2406-D77A39B2A0EB}"/>
-              </a:ext>
-            </a:extLst>
-          </p:cNvPr>
-          <p:cNvSpPr txBox="1"/>
-          <p:nvPr/>
-        </p:nvSpPr>
-        <p:spPr>
-          <a:xfrm>
-            <a:off x="10297787" y="2335673"/>
-            <a:ext cx="1140404" cy="369332"/>
-          </a:xfrm>
-          <a:prstGeom prst="rect">
-            <a:avLst/>
-          </a:prstGeom>
-          <a:noFill/>
-        </p:spPr>
-        <p:txBody>
-          <a:bodyPr wrap="square">
-            <a:spAutoFit/>
-          </a:bodyPr>
-          <a:lstStyle/>
-          <a:p>
-            <a:r>
-              <a:rPr lang="en-US" dirty="0" err="1"/>
-              <a:t>currentsrc</a:t>
-            </a:r>
-            <a:endParaRPr lang="en-US" dirty="0"/>
-          </a:p>
-        </p:txBody>
-      </p:sp>
-      <p:sp>
-        <p:nvSpPr>
-          <p:cNvPr id="31" name="TextBox 30">
-            <a:extLst>
-              <a:ext uri="{FF2B5EF4-FFF2-40B4-BE49-F238E27FC236}">
-                <a16:creationId xmlns:a16="http://schemas.microsoft.com/office/drawing/2014/main" id="{1623C78F-31CF-3ECC-E15F-51266B3C528A}"/>
-              </a:ext>
-            </a:extLst>
-          </p:cNvPr>
-          <p:cNvSpPr txBox="1"/>
-          <p:nvPr/>
-        </p:nvSpPr>
-        <p:spPr>
-          <a:xfrm>
-            <a:off x="6661243" y="3120759"/>
-            <a:ext cx="1242715" cy="276999"/>
-          </a:xfrm>
-          <a:prstGeom prst="rect">
-            <a:avLst/>
-          </a:prstGeom>
-          <a:noFill/>
-        </p:spPr>
-        <p:txBody>
-          <a:bodyPr wrap="square">
-            <a:spAutoFit/>
-          </a:bodyPr>
-          <a:lstStyle>
-            <a:defPPr>
-              <a:defRPr lang="en-US"/>
-            </a:defPPr>
-            <a:lvl1pPr algn="ctr">
-              <a:defRPr sz="1200">
-                <a:highlight>
-                  <a:srgbClr val="00FFFF"/>
-                </a:highlight>
-              </a:defRPr>
-            </a:lvl1pPr>
-          </a:lstStyle>
-          <a:p>
-            <a:r>
-              <a:rPr lang="en-US" dirty="0" err="1"/>
-              <a:t>cfg$scnchoices</a:t>
-            </a:r>
-            <a:endParaRPr lang="en-US" dirty="0"/>
-          </a:p>
-        </p:txBody>
-      </p:sp>
-      <p:sp>
-        <p:nvSpPr>
-          <p:cNvPr id="33" name="TextBox 32">
-            <a:extLst>
-              <a:ext uri="{FF2B5EF4-FFF2-40B4-BE49-F238E27FC236}">
-                <a16:creationId xmlns:a16="http://schemas.microsoft.com/office/drawing/2014/main" id="{7D72F484-F877-0F84-BBD8-8698156C55FF}"/>
-              </a:ext>
-            </a:extLst>
-          </p:cNvPr>
-          <p:cNvSpPr txBox="1"/>
-          <p:nvPr/>
-        </p:nvSpPr>
-        <p:spPr>
-          <a:xfrm>
-            <a:off x="8314391" y="3118823"/>
-            <a:ext cx="1562492" cy="276999"/>
-          </a:xfrm>
-          <a:prstGeom prst="rect">
-            <a:avLst/>
-          </a:prstGeom>
-          <a:noFill/>
-        </p:spPr>
-        <p:txBody>
-          <a:bodyPr wrap="square">
-            <a:spAutoFit/>
-          </a:bodyPr>
-          <a:lstStyle>
-            <a:defPPr>
-              <a:defRPr lang="en-US"/>
-            </a:defPPr>
-            <a:lvl1pPr algn="ctr">
-              <a:defRPr sz="1200">
-                <a:highlight>
-                  <a:srgbClr val="FFFF00"/>
-                </a:highlight>
-              </a:defRPr>
-            </a:lvl1pPr>
-          </a:lstStyle>
-          <a:p>
-            <a:r>
-              <a:rPr lang="en-US" dirty="0" err="1"/>
-              <a:t>input$selectScn</a:t>
-            </a:r>
-            <a:endParaRPr lang="en-US" dirty="0"/>
-          </a:p>
-        </p:txBody>
-      </p:sp>
-      <p:sp>
-        <p:nvSpPr>
-          <p:cNvPr id="35" name="TextBox 34">
-            <a:extLst>
-              <a:ext uri="{FF2B5EF4-FFF2-40B4-BE49-F238E27FC236}">
-                <a16:creationId xmlns:a16="http://schemas.microsoft.com/office/drawing/2014/main" id="{203B9F0C-EC95-7ACA-4D99-3C355B02896B}"/>
-              </a:ext>
-            </a:extLst>
-          </p:cNvPr>
-          <p:cNvSpPr txBox="1"/>
-          <p:nvPr/>
-        </p:nvSpPr>
-        <p:spPr>
-          <a:xfrm>
-            <a:off x="10297787" y="3026490"/>
-            <a:ext cx="1355103" cy="369332"/>
-          </a:xfrm>
-          <a:prstGeom prst="rect">
-            <a:avLst/>
-          </a:prstGeom>
-          <a:noFill/>
-        </p:spPr>
-        <p:txBody>
-          <a:bodyPr wrap="square">
-            <a:spAutoFit/>
-          </a:bodyPr>
-          <a:lstStyle/>
-          <a:p>
-            <a:r>
-              <a:rPr lang="en-US" dirty="0" err="1"/>
-              <a:t>currentscn</a:t>
-            </a:r>
-            <a:endParaRPr lang="en-US" dirty="0"/>
-          </a:p>
-        </p:txBody>
-      </p:sp>
-      <p:cxnSp>
-        <p:nvCxnSpPr>
-          <p:cNvPr id="36" name="Straight Arrow Connector 35">
-            <a:extLst>
-              <a:ext uri="{FF2B5EF4-FFF2-40B4-BE49-F238E27FC236}">
-                <a16:creationId xmlns:a16="http://schemas.microsoft.com/office/drawing/2014/main" id="{1ECFFC68-637D-4542-962C-55C5E32BBD0A}"/>
-              </a:ext>
-            </a:extLst>
-          </p:cNvPr>
-          <p:cNvCxnSpPr/>
-          <p:nvPr/>
-        </p:nvCxnSpPr>
-        <p:spPr>
-          <a:xfrm flipV="1">
-            <a:off x="9658992" y="3257321"/>
-            <a:ext cx="508540" cy="1"/>
-          </a:xfrm>
-          <a:prstGeom prst="straightConnector1">
-            <a:avLst/>
-          </a:prstGeom>
-          <a:ln>
-            <a:tailEnd type="triangle"/>
-          </a:ln>
-        </p:spPr>
-        <p:style>
-          <a:lnRef idx="1">
-            <a:schemeClr val="accent1"/>
-          </a:lnRef>
-          <a:fillRef idx="0">
-            <a:schemeClr val="accent1"/>
-          </a:fillRef>
-          <a:effectRef idx="0">
-            <a:schemeClr val="accent1"/>
-          </a:effectRef>
-          <a:fontRef idx="minor">
-            <a:schemeClr val="tx1"/>
-          </a:fontRef>
-        </p:style>
-      </p:cxnSp>
-      <p:sp>
-        <p:nvSpPr>
-          <p:cNvPr id="37" name="TextBox 36">
-            <a:extLst>
-              <a:ext uri="{FF2B5EF4-FFF2-40B4-BE49-F238E27FC236}">
-                <a16:creationId xmlns:a16="http://schemas.microsoft.com/office/drawing/2014/main" id="{28236D96-ED4C-B796-3477-651071014F74}"/>
-              </a:ext>
-            </a:extLst>
-          </p:cNvPr>
-          <p:cNvSpPr txBox="1"/>
-          <p:nvPr/>
-        </p:nvSpPr>
-        <p:spPr>
-          <a:xfrm>
-            <a:off x="10042491" y="683089"/>
-            <a:ext cx="874598" cy="369332"/>
-          </a:xfrm>
-          <a:prstGeom prst="rect">
-            <a:avLst/>
-          </a:prstGeom>
-          <a:noFill/>
-        </p:spPr>
-        <p:txBody>
-          <a:bodyPr wrap="none" rtlCol="0">
-            <a:spAutoFit/>
-          </a:bodyPr>
-          <a:lstStyle/>
-          <a:p>
-            <a:r>
-              <a:rPr lang="en-US" dirty="0"/>
-              <a:t>List(12)</a:t>
-            </a:r>
-          </a:p>
-        </p:txBody>
-      </p:sp>
-      <p:cxnSp>
-        <p:nvCxnSpPr>
-          <p:cNvPr id="39" name="Straight Arrow Connector 38">
-            <a:extLst>
-              <a:ext uri="{FF2B5EF4-FFF2-40B4-BE49-F238E27FC236}">
-                <a16:creationId xmlns:a16="http://schemas.microsoft.com/office/drawing/2014/main" id="{79BF8896-98BB-E67A-3956-D2160CA5AB10}"/>
-              </a:ext>
-            </a:extLst>
-          </p:cNvPr>
-          <p:cNvCxnSpPr>
-            <a:endCxn id="37" idx="3"/>
-          </p:cNvCxnSpPr>
-          <p:nvPr/>
-        </p:nvCxnSpPr>
-        <p:spPr>
-          <a:xfrm flipH="1">
-            <a:off x="10917089" y="867755"/>
-            <a:ext cx="178259" cy="0"/>
+            <a:off x="5552387" y="1161169"/>
+            <a:ext cx="0" cy="331597"/>
           </a:xfrm>
           <a:prstGeom prst="straightConnector1">
             <a:avLst/>
@@ -8191,23 +10533,28 @@
       </p:cxnSp>
       <p:cxnSp>
         <p:nvCxnSpPr>
-          <p:cNvPr id="40" name="Straight Arrow Connector 39">
-            <a:extLst>
-              <a:ext uri="{FF2B5EF4-FFF2-40B4-BE49-F238E27FC236}">
-                <a16:creationId xmlns:a16="http://schemas.microsoft.com/office/drawing/2014/main" id="{5BC27A05-3844-C875-37FD-54A22BFBDD1A}"/>
-              </a:ext>
-            </a:extLst>
-          </p:cNvPr>
-          <p:cNvCxnSpPr/>
+          <p:cNvPr id="22" name="Connector: Elbow 21">
+            <a:extLst>
+              <a:ext uri="{FF2B5EF4-FFF2-40B4-BE49-F238E27FC236}">
+                <a16:creationId xmlns:a16="http://schemas.microsoft.com/office/drawing/2014/main" id="{5271C7F1-8243-0EEB-1670-A56F9956C27F}"/>
+              </a:ext>
+            </a:extLst>
+          </p:cNvPr>
+          <p:cNvCxnSpPr>
+            <a:stCxn id="13" idx="1"/>
+            <a:endCxn id="15" idx="1"/>
+          </p:cNvCxnSpPr>
           <p:nvPr/>
         </p:nvCxnSpPr>
         <p:spPr>
-          <a:xfrm flipH="1">
-            <a:off x="8293429" y="3257321"/>
-            <a:ext cx="178259" cy="0"/>
-          </a:xfrm>
-          <a:prstGeom prst="straightConnector1">
-            <a:avLst/>
+          <a:xfrm rot="10800000" flipV="1">
+            <a:off x="5016170" y="1779487"/>
+            <a:ext cx="71287" cy="802985"/>
+          </a:xfrm>
+          <a:prstGeom prst="bentConnector3">
+            <a:avLst>
+              <a:gd name="adj1" fmla="val 420676"/>
+            </a:avLst>
           </a:prstGeom>
           <a:ln>
             <a:tailEnd type="triangle"/>
@@ -8228,59 +10575,56 @@
           </a:fontRef>
         </p:style>
       </p:cxnSp>
-      <p:sp>
-        <p:nvSpPr>
-          <p:cNvPr id="44" name="Rectangle 43">
-            <a:extLst>
-              <a:ext uri="{FF2B5EF4-FFF2-40B4-BE49-F238E27FC236}">
-                <a16:creationId xmlns:a16="http://schemas.microsoft.com/office/drawing/2014/main" id="{B7AD2ED2-71DE-4F86-E4C0-E9F527458BBF}"/>
-              </a:ext>
-            </a:extLst>
-          </p:cNvPr>
-          <p:cNvSpPr/>
-          <p:nvPr/>
-        </p:nvSpPr>
-        <p:spPr>
-          <a:xfrm>
-            <a:off x="1587500" y="1372443"/>
-            <a:ext cx="5135127" cy="5485557"/>
-          </a:xfrm>
-          <a:prstGeom prst="rect">
-            <a:avLst/>
-          </a:prstGeom>
-          <a:noFill/>
+      <p:cxnSp>
+        <p:nvCxnSpPr>
+          <p:cNvPr id="24" name="Connector: Elbow 23">
+            <a:extLst>
+              <a:ext uri="{FF2B5EF4-FFF2-40B4-BE49-F238E27FC236}">
+                <a16:creationId xmlns:a16="http://schemas.microsoft.com/office/drawing/2014/main" id="{C9629C4B-255F-64F6-7CBB-330D4AA5B4F1}"/>
+              </a:ext>
+            </a:extLst>
+          </p:cNvPr>
+          <p:cNvCxnSpPr>
+            <a:stCxn id="13" idx="1"/>
+            <a:endCxn id="16" idx="1"/>
+          </p:cNvCxnSpPr>
+          <p:nvPr/>
+        </p:nvCxnSpPr>
+        <p:spPr>
+          <a:xfrm rot="10800000" flipV="1">
+            <a:off x="5016170" y="1779487"/>
+            <a:ext cx="71287" cy="1737719"/>
+          </a:xfrm>
+          <a:prstGeom prst="bentConnector3">
+            <a:avLst>
+              <a:gd name="adj1" fmla="val 420676"/>
+            </a:avLst>
+          </a:prstGeom>
+          <a:ln>
+            <a:tailEnd type="triangle"/>
+          </a:ln>
         </p:spPr>
         <p:style>
-          <a:lnRef idx="2">
-            <a:schemeClr val="accent1">
-              <a:shade val="15000"/>
-            </a:schemeClr>
+          <a:lnRef idx="1">
+            <a:schemeClr val="accent1"/>
           </a:lnRef>
-          <a:fillRef idx="1">
+          <a:fillRef idx="0">
             <a:schemeClr val="accent1"/>
           </a:fillRef>
           <a:effectRef idx="0">
             <a:schemeClr val="accent1"/>
           </a:effectRef>
           <a:fontRef idx="minor">
-            <a:schemeClr val="lt1"/>
+            <a:schemeClr val="tx1"/>
           </a:fontRef>
         </p:style>
-        <p:txBody>
-          <a:bodyPr rtlCol="0" anchor="ctr"/>
-          <a:lstStyle/>
-          <a:p>
-            <a:pPr algn="ctr"/>
-            <a:endParaRPr lang="en-US"/>
-          </a:p>
-        </p:txBody>
-      </p:sp>
-      <p:sp>
-        <p:nvSpPr>
-          <p:cNvPr id="43" name="TextBox 42">
-            <a:extLst>
-              <a:ext uri="{FF2B5EF4-FFF2-40B4-BE49-F238E27FC236}">
-                <a16:creationId xmlns:a16="http://schemas.microsoft.com/office/drawing/2014/main" id="{F33E6C60-AA17-EB5C-1A99-4808F5B695C8}"/>
+      </p:cxnSp>
+      <p:sp>
+        <p:nvSpPr>
+          <p:cNvPr id="26" name="TextBox 25">
+            <a:extLst>
+              <a:ext uri="{FF2B5EF4-FFF2-40B4-BE49-F238E27FC236}">
+                <a16:creationId xmlns:a16="http://schemas.microsoft.com/office/drawing/2014/main" id="{40AA0AD7-3DAA-04F2-4BEB-3B91D55A81F1}"/>
               </a:ext>
             </a:extLst>
           </p:cNvPr>
@@ -8289,15 +10633,13 @@
         </p:nvSpPr>
         <p:spPr>
           <a:xfrm>
-            <a:off x="3558340" y="1223797"/>
-            <a:ext cx="1127959" cy="307777"/>
+            <a:off x="5016169" y="4462747"/>
+            <a:ext cx="1034591" cy="369332"/>
           </a:xfrm>
           <a:prstGeom prst="rect">
             <a:avLst/>
           </a:prstGeom>
-          <a:solidFill>
-            <a:schemeClr val="bg1"/>
-          </a:solidFill>
+          <a:noFill/>
         </p:spPr>
         <p:txBody>
           <a:bodyPr wrap="square">
@@ -8307,66 +10649,63 @@
           <a:p>
             <a:pPr algn="ctr"/>
             <a:r>
-              <a:rPr lang="en-US" sz="1400" b="1" dirty="0" err="1"/>
-              <a:t>mainPanel</a:t>
-            </a:r>
-            <a:endParaRPr lang="en-US" sz="1400" b="1" dirty="0"/>
-          </a:p>
-        </p:txBody>
-      </p:sp>
-      <p:sp>
-        <p:nvSpPr>
-          <p:cNvPr id="46" name="Rectangle 45">
-            <a:extLst>
-              <a:ext uri="{FF2B5EF4-FFF2-40B4-BE49-F238E27FC236}">
-                <a16:creationId xmlns:a16="http://schemas.microsoft.com/office/drawing/2014/main" id="{810A9917-5895-E22D-42A8-C806AC0960E7}"/>
-              </a:ext>
-            </a:extLst>
-          </p:cNvPr>
-          <p:cNvSpPr/>
-          <p:nvPr/>
-        </p:nvSpPr>
-        <p:spPr>
-          <a:xfrm>
-            <a:off x="6725782" y="1395622"/>
-            <a:ext cx="2642561" cy="5485557"/>
-          </a:xfrm>
-          <a:prstGeom prst="rect">
-            <a:avLst/>
-          </a:prstGeom>
-          <a:noFill/>
+              <a:rPr lang="en-US" dirty="0" err="1"/>
+              <a:t>utillib.R</a:t>
+            </a:r>
+            <a:endParaRPr lang="en-US" dirty="0"/>
+          </a:p>
+        </p:txBody>
+      </p:sp>
+      <p:cxnSp>
+        <p:nvCxnSpPr>
+          <p:cNvPr id="28" name="Connector: Elbow 27">
+            <a:extLst>
+              <a:ext uri="{FF2B5EF4-FFF2-40B4-BE49-F238E27FC236}">
+                <a16:creationId xmlns:a16="http://schemas.microsoft.com/office/drawing/2014/main" id="{740E6955-5123-7D2E-B4B4-7CBB5A0D61C5}"/>
+              </a:ext>
+            </a:extLst>
+          </p:cNvPr>
+          <p:cNvCxnSpPr>
+            <a:stCxn id="13" idx="1"/>
+            <a:endCxn id="26" idx="1"/>
+          </p:cNvCxnSpPr>
+          <p:nvPr/>
+        </p:nvCxnSpPr>
+        <p:spPr>
+          <a:xfrm rot="10800000" flipV="1">
+            <a:off x="5016170" y="1779487"/>
+            <a:ext cx="71287" cy="2867925"/>
+          </a:xfrm>
+          <a:prstGeom prst="bentConnector3">
+            <a:avLst>
+              <a:gd name="adj1" fmla="val 420676"/>
+            </a:avLst>
+          </a:prstGeom>
+          <a:ln>
+            <a:tailEnd type="triangle"/>
+          </a:ln>
         </p:spPr>
         <p:style>
-          <a:lnRef idx="2">
-            <a:schemeClr val="accent1">
-              <a:shade val="15000"/>
-            </a:schemeClr>
+          <a:lnRef idx="1">
+            <a:schemeClr val="accent1"/>
           </a:lnRef>
-          <a:fillRef idx="1">
+          <a:fillRef idx="0">
             <a:schemeClr val="accent1"/>
           </a:fillRef>
           <a:effectRef idx="0">
             <a:schemeClr val="accent1"/>
           </a:effectRef>
           <a:fontRef idx="minor">
-            <a:schemeClr val="lt1"/>
+            <a:schemeClr val="tx1"/>
           </a:fontRef>
         </p:style>
-        <p:txBody>
-          <a:bodyPr rtlCol="0" anchor="ctr"/>
-          <a:lstStyle/>
-          <a:p>
-            <a:pPr algn="ctr"/>
-            <a:endParaRPr lang="en-US"/>
-          </a:p>
-        </p:txBody>
-      </p:sp>
-      <p:sp>
-        <p:nvSpPr>
-          <p:cNvPr id="45" name="TextBox 44">
-            <a:extLst>
-              <a:ext uri="{FF2B5EF4-FFF2-40B4-BE49-F238E27FC236}">
-                <a16:creationId xmlns:a16="http://schemas.microsoft.com/office/drawing/2014/main" id="{A7DC41DA-62C7-C598-5060-044F9B0AB895}"/>
+      </p:cxnSp>
+      <p:sp>
+        <p:nvSpPr>
+          <p:cNvPr id="31" name="TextBox 30">
+            <a:extLst>
+              <a:ext uri="{FF2B5EF4-FFF2-40B4-BE49-F238E27FC236}">
+                <a16:creationId xmlns:a16="http://schemas.microsoft.com/office/drawing/2014/main" id="{E8DCBA10-79BF-C27D-ABCA-A658A52FE21B}"/>
               </a:ext>
             </a:extLst>
           </p:cNvPr>
@@ -8375,15 +10714,13 @@
         </p:nvSpPr>
         <p:spPr>
           <a:xfrm>
-            <a:off x="7459878" y="1266500"/>
-            <a:ext cx="1127959" cy="307777"/>
+            <a:off x="586496" y="3319243"/>
+            <a:ext cx="1013506" cy="369332"/>
           </a:xfrm>
           <a:prstGeom prst="rect">
             <a:avLst/>
           </a:prstGeom>
-          <a:solidFill>
-            <a:schemeClr val="bg1"/>
-          </a:solidFill>
+          <a:noFill/>
         </p:spPr>
         <p:txBody>
           <a:bodyPr wrap="square">
@@ -8391,20 +10728,20 @@
           </a:bodyPr>
           <a:lstStyle/>
           <a:p>
-            <a:pPr algn="ctr"/>
-            <a:r>
-              <a:rPr lang="en-US" sz="1400" b="1" dirty="0"/>
-              <a:t>sidebar</a:t>
-            </a:r>
-          </a:p>
-        </p:txBody>
-      </p:sp>
-      <p:sp>
-        <p:nvSpPr>
-          <p:cNvPr id="47" name="TextBox 46">
-            <a:extLst>
-              <a:ext uri="{FF2B5EF4-FFF2-40B4-BE49-F238E27FC236}">
-                <a16:creationId xmlns:a16="http://schemas.microsoft.com/office/drawing/2014/main" id="{7690E482-EE93-9FE9-3188-C88718B8CE4A}"/>
+            <a:r>
+              <a:rPr lang="en-US" dirty="0" err="1"/>
+              <a:t>sctest.R</a:t>
+            </a:r>
+            <a:endParaRPr lang="en-US" dirty="0"/>
+          </a:p>
+        </p:txBody>
+      </p:sp>
+      <p:sp>
+        <p:nvSpPr>
+          <p:cNvPr id="36" name="TextBox 35">
+            <a:extLst>
+              <a:ext uri="{FF2B5EF4-FFF2-40B4-BE49-F238E27FC236}">
+                <a16:creationId xmlns:a16="http://schemas.microsoft.com/office/drawing/2014/main" id="{CE8B4E9B-7A00-2725-B796-14E69CEDB7FB}"/>
               </a:ext>
             </a:extLst>
           </p:cNvPr>
@@ -8413,8 +10750,8 @@
         </p:nvSpPr>
         <p:spPr>
           <a:xfrm>
-            <a:off x="8042951" y="3824759"/>
-            <a:ext cx="1178609" cy="646331"/>
+            <a:off x="305914" y="2312381"/>
+            <a:ext cx="1635160" cy="369332"/>
           </a:xfrm>
           <a:prstGeom prst="rect">
             <a:avLst/>
@@ -8422,15 +10759,14 @@
           <a:noFill/>
         </p:spPr>
         <p:txBody>
-          <a:bodyPr wrap="square" rtlCol="0">
+          <a:bodyPr wrap="square">
             <a:spAutoFit/>
           </a:bodyPr>
           <a:lstStyle/>
           <a:p>
-            <a:pPr algn="ctr"/>
-            <a:r>
-              <a:rPr lang="he-IL" dirty="0"/>
-              <a:t>רשימת תרחישים</a:t>
+            <a:r>
+              <a:rPr lang="en-US" dirty="0" err="1"/>
+              <a:t>mapviewtest.R</a:t>
             </a:r>
             <a:endParaRPr lang="en-US" dirty="0"/>
           </a:p>
@@ -8438,10 +10774,10 @@
       </p:sp>
       <p:sp>
         <p:nvSpPr>
-          <p:cNvPr id="48" name="TextBox 47">
-            <a:extLst>
-              <a:ext uri="{FF2B5EF4-FFF2-40B4-BE49-F238E27FC236}">
-                <a16:creationId xmlns:a16="http://schemas.microsoft.com/office/drawing/2014/main" id="{D26B882A-7E19-A119-4B50-CB86277EDAEA}"/>
+          <p:cNvPr id="11" name="TextBox 10">
+            <a:extLst>
+              <a:ext uri="{FF2B5EF4-FFF2-40B4-BE49-F238E27FC236}">
+                <a16:creationId xmlns:a16="http://schemas.microsoft.com/office/drawing/2014/main" id="{13F7BFDE-D348-D4AB-EAF6-BC58886FDFEF}"/>
               </a:ext>
             </a:extLst>
           </p:cNvPr>
@@ -8450,8 +10786,8 @@
         </p:nvSpPr>
         <p:spPr>
           <a:xfrm>
-            <a:off x="6825655" y="3824759"/>
-            <a:ext cx="1178609" cy="369332"/>
+            <a:off x="2653170" y="3286895"/>
+            <a:ext cx="1520096" cy="369332"/>
           </a:xfrm>
           <a:prstGeom prst="rect">
             <a:avLst/>
@@ -8459,15 +10795,96 @@
           <a:noFill/>
         </p:spPr>
         <p:txBody>
-          <a:bodyPr wrap="square" rtlCol="0">
+          <a:bodyPr wrap="none" rtlCol="0">
             <a:spAutoFit/>
           </a:bodyPr>
           <a:lstStyle/>
           <a:p>
-            <a:pPr algn="ctr"/>
+            <a:r>
+              <a:rPr lang="en-US" dirty="0" err="1">
+                <a:highlight>
+                  <a:srgbClr val="FFFF00"/>
+                </a:highlight>
+              </a:rPr>
+              <a:t>Frcast</a:t>
+            </a:r>
+            <a:r>
+              <a:rPr lang="en-US" dirty="0">
+                <a:highlight>
+                  <a:srgbClr val="FFFF00"/>
+                </a:highlight>
+              </a:rPr>
+              <a:t> object()</a:t>
+            </a:r>
+          </a:p>
+        </p:txBody>
+      </p:sp>
+      <p:sp>
+        <p:nvSpPr>
+          <p:cNvPr id="14" name="TextBox 13">
+            <a:extLst>
+              <a:ext uri="{FF2B5EF4-FFF2-40B4-BE49-F238E27FC236}">
+                <a16:creationId xmlns:a16="http://schemas.microsoft.com/office/drawing/2014/main" id="{93DB0727-3ACE-A66D-FA95-25B75CE813D3}"/>
+              </a:ext>
+            </a:extLst>
+          </p:cNvPr>
+          <p:cNvSpPr txBox="1"/>
+          <p:nvPr/>
+        </p:nvSpPr>
+        <p:spPr>
+          <a:xfrm>
+            <a:off x="2653170" y="2351337"/>
+            <a:ext cx="1383712" cy="369332"/>
+          </a:xfrm>
+          <a:prstGeom prst="rect">
+            <a:avLst/>
+          </a:prstGeom>
+          <a:noFill/>
+        </p:spPr>
+        <p:txBody>
+          <a:bodyPr wrap="none" rtlCol="0">
+            <a:spAutoFit/>
+          </a:bodyPr>
+          <a:lstStyle/>
+          <a:p>
+            <a:r>
+              <a:rPr lang="en-US" dirty="0"/>
+              <a:t>map object()</a:t>
+            </a:r>
+          </a:p>
+        </p:txBody>
+      </p:sp>
+      <p:sp>
+        <p:nvSpPr>
+          <p:cNvPr id="21" name="TextBox 20">
+            <a:extLst>
+              <a:ext uri="{FF2B5EF4-FFF2-40B4-BE49-F238E27FC236}">
+                <a16:creationId xmlns:a16="http://schemas.microsoft.com/office/drawing/2014/main" id="{4846E1E0-F0C9-3340-8FAE-C036E6A45480}"/>
+              </a:ext>
+            </a:extLst>
+          </p:cNvPr>
+          <p:cNvSpPr txBox="1"/>
+          <p:nvPr/>
+        </p:nvSpPr>
+        <p:spPr>
+          <a:xfrm>
+            <a:off x="2735345" y="5696831"/>
+            <a:ext cx="859531" cy="369332"/>
+          </a:xfrm>
+          <a:prstGeom prst="rect">
+            <a:avLst/>
+          </a:prstGeom>
+          <a:noFill/>
+        </p:spPr>
+        <p:txBody>
+          <a:bodyPr wrap="none" rtlCol="0">
+            <a:spAutoFit/>
+          </a:bodyPr>
+          <a:lstStyle/>
+          <a:p>
             <a:r>
               <a:rPr lang="he-IL" dirty="0"/>
-              <a:t>שנים</a:t>
+              <a:t>עיבודים</a:t>
             </a:r>
             <a:endParaRPr lang="en-US" dirty="0"/>
           </a:p>
@@ -8475,10 +10892,10 @@
       </p:sp>
       <p:sp>
         <p:nvSpPr>
-          <p:cNvPr id="49" name="TextBox 48">
-            <a:extLst>
-              <a:ext uri="{FF2B5EF4-FFF2-40B4-BE49-F238E27FC236}">
-                <a16:creationId xmlns:a16="http://schemas.microsoft.com/office/drawing/2014/main" id="{124D437B-669E-C7B1-0768-58A24641FB7A}"/>
+          <p:cNvPr id="23" name="TextBox 22">
+            <a:extLst>
+              <a:ext uri="{FF2B5EF4-FFF2-40B4-BE49-F238E27FC236}">
+                <a16:creationId xmlns:a16="http://schemas.microsoft.com/office/drawing/2014/main" id="{6E57D7B6-8F1B-70A7-9DE0-2BB90697C46F}"/>
               </a:ext>
             </a:extLst>
           </p:cNvPr>
@@ -8487,8 +10904,151 @@
         </p:nvSpPr>
         <p:spPr>
           <a:xfrm>
-            <a:off x="8131156" y="4531769"/>
-            <a:ext cx="1018227" cy="461665"/>
+            <a:off x="3238513" y="660821"/>
+            <a:ext cx="359394" cy="369332"/>
+          </a:xfrm>
+          <a:prstGeom prst="rect">
+            <a:avLst/>
+          </a:prstGeom>
+          <a:noFill/>
+        </p:spPr>
+        <p:txBody>
+          <a:bodyPr wrap="none" rtlCol="0">
+            <a:spAutoFit/>
+          </a:bodyPr>
+          <a:lstStyle/>
+          <a:p>
+            <a:r>
+              <a:rPr lang="en-US" dirty="0" err="1"/>
+              <a:t>ui</a:t>
+            </a:r>
+            <a:endParaRPr lang="en-US" dirty="0"/>
+          </a:p>
+        </p:txBody>
+      </p:sp>
+      <p:cxnSp>
+        <p:nvCxnSpPr>
+          <p:cNvPr id="27" name="Connector: Elbow 26">
+            <a:extLst>
+              <a:ext uri="{FF2B5EF4-FFF2-40B4-BE49-F238E27FC236}">
+                <a16:creationId xmlns:a16="http://schemas.microsoft.com/office/drawing/2014/main" id="{F95898B3-0AF2-1481-382F-AC5EBBBED85B}"/>
+              </a:ext>
+            </a:extLst>
+          </p:cNvPr>
+          <p:cNvCxnSpPr>
+            <a:cxnSpLocks/>
+            <a:stCxn id="13" idx="1"/>
+            <a:endCxn id="32" idx="1"/>
+          </p:cNvCxnSpPr>
+          <p:nvPr/>
+        </p:nvCxnSpPr>
+        <p:spPr>
+          <a:xfrm rot="10800000" flipV="1">
+            <a:off x="5018134" y="1779487"/>
+            <a:ext cx="69322" cy="4102009"/>
+          </a:xfrm>
+          <a:prstGeom prst="bentConnector3">
+            <a:avLst>
+              <a:gd name="adj1" fmla="val 429765"/>
+            </a:avLst>
+          </a:prstGeom>
+          <a:ln>
+            <a:tailEnd type="triangle"/>
+          </a:ln>
+        </p:spPr>
+        <p:style>
+          <a:lnRef idx="1">
+            <a:schemeClr val="accent1"/>
+          </a:lnRef>
+          <a:fillRef idx="0">
+            <a:schemeClr val="accent1"/>
+          </a:fillRef>
+          <a:effectRef idx="0">
+            <a:schemeClr val="accent1"/>
+          </a:effectRef>
+          <a:fontRef idx="minor">
+            <a:schemeClr val="tx1"/>
+          </a:fontRef>
+        </p:style>
+      </p:cxnSp>
+      <p:sp>
+        <p:nvSpPr>
+          <p:cNvPr id="32" name="TextBox 31">
+            <a:extLst>
+              <a:ext uri="{FF2B5EF4-FFF2-40B4-BE49-F238E27FC236}">
+                <a16:creationId xmlns:a16="http://schemas.microsoft.com/office/drawing/2014/main" id="{A5778AFF-2C40-0357-B666-4CC857BEACB9}"/>
+              </a:ext>
+            </a:extLst>
+          </p:cNvPr>
+          <p:cNvSpPr txBox="1"/>
+          <p:nvPr/>
+        </p:nvSpPr>
+        <p:spPr>
+          <a:xfrm>
+            <a:off x="5018134" y="5419832"/>
+            <a:ext cx="1492579" cy="923330"/>
+          </a:xfrm>
+          <a:prstGeom prst="rect">
+            <a:avLst/>
+          </a:prstGeom>
+          <a:noFill/>
+        </p:spPr>
+        <p:txBody>
+          <a:bodyPr wrap="square">
+            <a:spAutoFit/>
+          </a:bodyPr>
+          <a:lstStyle/>
+          <a:p>
+            <a:r>
+              <a:rPr lang="en-US" dirty="0"/>
+              <a:t>proc-</a:t>
+            </a:r>
+            <a:r>
+              <a:rPr lang="en-US" dirty="0" err="1"/>
+              <a:t>tbl.R</a:t>
+            </a:r>
+            <a:endParaRPr lang="en-US" dirty="0"/>
+          </a:p>
+          <a:p>
+            <a:r>
+              <a:rPr lang="en-US" dirty="0"/>
+              <a:t>proc-</a:t>
+            </a:r>
+            <a:r>
+              <a:rPr lang="en-US" dirty="0" err="1"/>
+              <a:t>chrt.R</a:t>
+            </a:r>
+            <a:endParaRPr lang="en-US" dirty="0"/>
+          </a:p>
+          <a:p>
+            <a:r>
+              <a:rPr lang="en-US" dirty="0"/>
+              <a:t>proc-</a:t>
+            </a:r>
+            <a:r>
+              <a:rPr lang="en-US" dirty="0" err="1"/>
+              <a:t>map.R</a:t>
+            </a:r>
+            <a:endParaRPr lang="en-US" dirty="0"/>
+          </a:p>
+        </p:txBody>
+      </p:sp>
+      <p:sp>
+        <p:nvSpPr>
+          <p:cNvPr id="37" name="TextBox 36">
+            <a:extLst>
+              <a:ext uri="{FF2B5EF4-FFF2-40B4-BE49-F238E27FC236}">
+                <a16:creationId xmlns:a16="http://schemas.microsoft.com/office/drawing/2014/main" id="{3B04A074-0A29-2B73-C793-0068391A93AC}"/>
+              </a:ext>
+            </a:extLst>
+          </p:cNvPr>
+          <p:cNvSpPr txBox="1"/>
+          <p:nvPr/>
+        </p:nvSpPr>
+        <p:spPr>
+          <a:xfrm>
+            <a:off x="7319583" y="5696831"/>
+            <a:ext cx="1891865" cy="369332"/>
           </a:xfrm>
           <a:prstGeom prst="rect">
             <a:avLst/>
@@ -8504,200 +11064,25 @@
           <a:bodyPr wrap="none" rtlCol="0">
             <a:spAutoFit/>
           </a:bodyPr>
-          <a:lstStyle/>
-          <a:p>
-            <a:r>
-              <a:rPr lang="he-IL" sz="1200" b="1" dirty="0"/>
-              <a:t>המשך מגמות</a:t>
-            </a:r>
-          </a:p>
-          <a:p>
-            <a:r>
-              <a:rPr lang="he-IL" sz="1200" dirty="0" err="1"/>
-              <a:t>אטרטגיה</a:t>
-            </a:r>
-            <a:r>
-              <a:rPr lang="he-IL" sz="1200" dirty="0"/>
-              <a:t> דיור</a:t>
-            </a:r>
-            <a:endParaRPr lang="en-US" sz="1200" dirty="0"/>
-          </a:p>
-        </p:txBody>
-      </p:sp>
-      <p:sp>
-        <p:nvSpPr>
-          <p:cNvPr id="50" name="TextBox 49">
-            <a:extLst>
-              <a:ext uri="{FF2B5EF4-FFF2-40B4-BE49-F238E27FC236}">
-                <a16:creationId xmlns:a16="http://schemas.microsoft.com/office/drawing/2014/main" id="{9DF6B048-380A-2F72-6EBE-A91D1D72CD22}"/>
-              </a:ext>
-            </a:extLst>
-          </p:cNvPr>
-          <p:cNvSpPr txBox="1"/>
-          <p:nvPr/>
-        </p:nvSpPr>
-        <p:spPr>
-          <a:xfrm>
-            <a:off x="7122115" y="4448508"/>
-            <a:ext cx="524503" cy="646331"/>
-          </a:xfrm>
-          <a:prstGeom prst="rect">
-            <a:avLst/>
-          </a:prstGeom>
-          <a:solidFill>
-            <a:schemeClr val="accent4">
-              <a:lumMod val="20000"/>
-              <a:lumOff val="80000"/>
-            </a:schemeClr>
-          </a:solidFill>
-        </p:spPr>
-        <p:txBody>
-          <a:bodyPr wrap="none" rtlCol="0">
-            <a:spAutoFit/>
-          </a:bodyPr>
-          <a:lstStyle/>
-          <a:p>
-            <a:r>
-              <a:rPr lang="he-IL" sz="1200" dirty="0"/>
-              <a:t>2020</a:t>
-            </a:r>
-          </a:p>
-          <a:p>
-            <a:r>
-              <a:rPr lang="he-IL" sz="1200" b="1" dirty="0"/>
-              <a:t>2030</a:t>
-            </a:r>
-          </a:p>
-          <a:p>
-            <a:r>
-              <a:rPr lang="he-IL" sz="1200" dirty="0"/>
-              <a:t>2040</a:t>
-            </a:r>
-            <a:endParaRPr lang="en-US" sz="1200" dirty="0"/>
-          </a:p>
-        </p:txBody>
-      </p:sp>
-      <p:sp>
-        <p:nvSpPr>
-          <p:cNvPr id="51" name="TextBox 50">
-            <a:extLst>
-              <a:ext uri="{FF2B5EF4-FFF2-40B4-BE49-F238E27FC236}">
-                <a16:creationId xmlns:a16="http://schemas.microsoft.com/office/drawing/2014/main" id="{444D208C-AB2B-701E-E4B7-30261E432BB2}"/>
-              </a:ext>
-            </a:extLst>
-          </p:cNvPr>
-          <p:cNvSpPr txBox="1"/>
-          <p:nvPr/>
-        </p:nvSpPr>
-        <p:spPr>
-          <a:xfrm>
-            <a:off x="7076133" y="5156713"/>
-            <a:ext cx="2085642" cy="369332"/>
-          </a:xfrm>
-          <a:prstGeom prst="rect">
-            <a:avLst/>
-          </a:prstGeom>
-          <a:noFill/>
-        </p:spPr>
-        <p:txBody>
-          <a:bodyPr wrap="square" rtlCol="0">
-            <a:spAutoFit/>
-          </a:bodyPr>
-          <a:lstStyle/>
-          <a:p>
-            <a:pPr algn="ctr"/>
+          <a:lstStyle>
+            <a:defPPr>
+              <a:defRPr lang="en-US"/>
+            </a:defPPr>
+          </a:lstStyle>
+          <a:p>
+            <a:pPr algn="r" rtl="1"/>
             <a:r>
               <a:rPr lang="he-IL" dirty="0"/>
-              <a:t>רשימת משתנים</a:t>
+              <a:t>עיבודים ופרוצדורות</a:t>
             </a:r>
             <a:endParaRPr lang="en-US" dirty="0"/>
           </a:p>
         </p:txBody>
       </p:sp>
-      <p:sp>
-        <p:nvSpPr>
-          <p:cNvPr id="52" name="TextBox 51">
-            <a:extLst>
-              <a:ext uri="{FF2B5EF4-FFF2-40B4-BE49-F238E27FC236}">
-                <a16:creationId xmlns:a16="http://schemas.microsoft.com/office/drawing/2014/main" id="{4EE99801-D2A3-53A2-7145-83CA3A445804}"/>
-              </a:ext>
-            </a:extLst>
-          </p:cNvPr>
-          <p:cNvSpPr txBox="1"/>
-          <p:nvPr/>
-        </p:nvSpPr>
-        <p:spPr>
-          <a:xfrm>
-            <a:off x="7707220" y="5480668"/>
-            <a:ext cx="782587" cy="276999"/>
-          </a:xfrm>
-          <a:prstGeom prst="rect">
-            <a:avLst/>
-          </a:prstGeom>
-          <a:solidFill>
-            <a:schemeClr val="accent4">
-              <a:lumMod val="20000"/>
-              <a:lumOff val="80000"/>
-            </a:schemeClr>
-          </a:solidFill>
-        </p:spPr>
-        <p:txBody>
-          <a:bodyPr wrap="none" rtlCol="0">
-            <a:spAutoFit/>
-          </a:bodyPr>
-          <a:lstStyle/>
-          <a:p>
-            <a:r>
-              <a:rPr lang="he-IL" sz="1200" b="1" dirty="0"/>
-              <a:t>אוכלוסייה</a:t>
-            </a:r>
-            <a:endParaRPr lang="en-US" sz="1200" dirty="0"/>
-          </a:p>
-        </p:txBody>
-      </p:sp>
-      <p:cxnSp>
-        <p:nvCxnSpPr>
-          <p:cNvPr id="56" name="Straight Arrow Connector 55">
-            <a:extLst>
-              <a:ext uri="{FF2B5EF4-FFF2-40B4-BE49-F238E27FC236}">
-                <a16:creationId xmlns:a16="http://schemas.microsoft.com/office/drawing/2014/main" id="{71DEF7A1-9676-DA28-B205-9C06D48A2090}"/>
-              </a:ext>
-            </a:extLst>
-          </p:cNvPr>
-          <p:cNvCxnSpPr/>
-          <p:nvPr/>
-        </p:nvCxnSpPr>
-        <p:spPr>
-          <a:xfrm>
-            <a:off x="820878" y="4448508"/>
-            <a:ext cx="3301441" cy="0"/>
-          </a:xfrm>
-          <a:prstGeom prst="straightConnector1">
-            <a:avLst/>
-          </a:prstGeom>
-          <a:ln>
-            <a:tailEnd type="triangle"/>
-          </a:ln>
-        </p:spPr>
-        <p:style>
-          <a:lnRef idx="1">
-            <a:schemeClr val="accent1"/>
-          </a:lnRef>
-          <a:fillRef idx="0">
-            <a:schemeClr val="accent1"/>
-          </a:fillRef>
-          <a:effectRef idx="0">
-            <a:schemeClr val="accent1"/>
-          </a:effectRef>
-          <a:fontRef idx="minor">
-            <a:schemeClr val="tx1"/>
-          </a:fontRef>
-        </p:style>
-      </p:cxnSp>
     </p:spTree>
     <p:extLst>
       <p:ext uri="{BB962C8B-B14F-4D97-AF65-F5344CB8AC3E}">
-        <p14:creationId xmlns:p14="http://schemas.microsoft.com/office/powerpoint/2010/main" val="3254842822"/>
+        <p14:creationId xmlns:p14="http://schemas.microsoft.com/office/powerpoint/2010/main" val="3307650960"/>
       </p:ext>
     </p:extLst>
   </p:cSld>
@@ -8724,78 +11109,122 @@
           <a:chExt cx="0" cy="0"/>
         </a:xfrm>
       </p:grpSpPr>
-      <p:pic>
-        <p:nvPicPr>
-          <p:cNvPr id="3" name="Picture 2">
-            <a:extLst>
-              <a:ext uri="{FF2B5EF4-FFF2-40B4-BE49-F238E27FC236}">
-                <a16:creationId xmlns:a16="http://schemas.microsoft.com/office/drawing/2014/main" id="{5FE81432-3B86-18B8-E278-AA2A4ECB69EE}"/>
-              </a:ext>
-            </a:extLst>
-          </p:cNvPr>
-          <p:cNvPicPr>
-            <a:picLocks noChangeAspect="1"/>
-          </p:cNvPicPr>
-          <p:nvPr/>
-        </p:nvPicPr>
-        <p:blipFill>
-          <a:blip r:embed="rId2"/>
-          <a:stretch>
-            <a:fillRect/>
-          </a:stretch>
-        </p:blipFill>
-        <p:spPr>
-          <a:xfrm>
-            <a:off x="713624" y="920816"/>
-            <a:ext cx="5382376" cy="3734321"/>
+      <p:sp>
+        <p:nvSpPr>
+          <p:cNvPr id="2" name="TextBox 1">
+            <a:extLst>
+              <a:ext uri="{FF2B5EF4-FFF2-40B4-BE49-F238E27FC236}">
+                <a16:creationId xmlns:a16="http://schemas.microsoft.com/office/drawing/2014/main" id="{1FB5AFE8-C5FE-2980-41CF-10AAE6078007}"/>
+              </a:ext>
+            </a:extLst>
+          </p:cNvPr>
+          <p:cNvSpPr txBox="1"/>
+          <p:nvPr/>
+        </p:nvSpPr>
+        <p:spPr>
+          <a:xfrm>
+            <a:off x="5220069" y="2454840"/>
+            <a:ext cx="1520096" cy="369332"/>
           </a:xfrm>
           <a:prstGeom prst="rect">
             <a:avLst/>
           </a:prstGeom>
-        </p:spPr>
-      </p:pic>
-      <p:sp>
-        <p:nvSpPr>
-          <p:cNvPr id="4" name="TextBox 3">
-            <a:extLst>
-              <a:ext uri="{FF2B5EF4-FFF2-40B4-BE49-F238E27FC236}">
-                <a16:creationId xmlns:a16="http://schemas.microsoft.com/office/drawing/2014/main" id="{9018B268-01BD-847F-D14A-88FEE6832426}"/>
-              </a:ext>
-            </a:extLst>
-          </p:cNvPr>
-          <p:cNvSpPr txBox="1"/>
-          <p:nvPr/>
-        </p:nvSpPr>
-        <p:spPr>
-          <a:xfrm>
-            <a:off x="458406" y="528388"/>
-            <a:ext cx="1242715" cy="276999"/>
-          </a:xfrm>
-          <a:prstGeom prst="rect">
-            <a:avLst/>
-          </a:prstGeom>
           <a:noFill/>
         </p:spPr>
         <p:txBody>
-          <a:bodyPr wrap="square">
+          <a:bodyPr wrap="none" rtlCol="0">
             <a:spAutoFit/>
           </a:bodyPr>
-          <a:lstStyle>
-            <a:defPPr>
-              <a:defRPr lang="en-US"/>
-            </a:defPPr>
-            <a:lvl1pPr algn="ctr">
-              <a:defRPr sz="1200">
+          <a:lstStyle/>
+          <a:p>
+            <a:r>
+              <a:rPr lang="en-US" dirty="0" err="1">
                 <a:highlight>
-                  <a:srgbClr val="00FFFF"/>
+                  <a:srgbClr val="FFFF00"/>
                 </a:highlight>
-              </a:defRPr>
-            </a:lvl1pPr>
-          </a:lstStyle>
+              </a:rPr>
+              <a:t>Frcast</a:t>
+            </a:r>
+            <a:r>
+              <a:rPr lang="en-US" dirty="0">
+                <a:highlight>
+                  <a:srgbClr val="FFFF00"/>
+                </a:highlight>
+              </a:rPr>
+              <a:t> object()</a:t>
+            </a:r>
+          </a:p>
+        </p:txBody>
+      </p:sp>
+      <p:sp>
+        <p:nvSpPr>
+          <p:cNvPr id="3" name="TextBox 2">
+            <a:extLst>
+              <a:ext uri="{FF2B5EF4-FFF2-40B4-BE49-F238E27FC236}">
+                <a16:creationId xmlns:a16="http://schemas.microsoft.com/office/drawing/2014/main" id="{0BBFE6E7-E1D0-7A06-5420-61753E16D4AE}"/>
+              </a:ext>
+            </a:extLst>
+          </p:cNvPr>
+          <p:cNvSpPr txBox="1"/>
+          <p:nvPr/>
+        </p:nvSpPr>
+        <p:spPr>
+          <a:xfrm>
+            <a:off x="1936446" y="3786944"/>
+            <a:ext cx="859531" cy="369332"/>
+          </a:xfrm>
+          <a:prstGeom prst="rect">
+            <a:avLst/>
+          </a:prstGeom>
+          <a:noFill/>
+        </p:spPr>
+        <p:txBody>
+          <a:bodyPr wrap="none" rtlCol="0">
+            <a:spAutoFit/>
+          </a:bodyPr>
+          <a:lstStyle/>
+          <a:p>
+            <a:r>
+              <a:rPr lang="he-IL" dirty="0"/>
+              <a:t>עיבודים</a:t>
+            </a:r>
+            <a:endParaRPr lang="en-US" dirty="0"/>
+          </a:p>
+        </p:txBody>
+      </p:sp>
+      <p:sp>
+        <p:nvSpPr>
+          <p:cNvPr id="4" name="TextBox 3">
+            <a:extLst>
+              <a:ext uri="{FF2B5EF4-FFF2-40B4-BE49-F238E27FC236}">
+                <a16:creationId xmlns:a16="http://schemas.microsoft.com/office/drawing/2014/main" id="{466185A0-D2DE-585B-9DDC-0AE31CB66CF0}"/>
+              </a:ext>
+            </a:extLst>
+          </p:cNvPr>
+          <p:cNvSpPr txBox="1"/>
+          <p:nvPr/>
+        </p:nvSpPr>
+        <p:spPr>
+          <a:xfrm>
+            <a:off x="8456637" y="660822"/>
+            <a:ext cx="359394" cy="369332"/>
+          </a:xfrm>
+          <a:prstGeom prst="rect">
+            <a:avLst/>
+          </a:prstGeom>
+          <a:solidFill>
+            <a:srgbClr val="00FF00"/>
+          </a:solidFill>
+        </p:spPr>
+        <p:txBody>
+          <a:bodyPr wrap="none" rtlCol="0">
+            <a:spAutoFit/>
+          </a:bodyPr>
+          <a:lstStyle/>
           <a:p>
             <a:r>
               <a:rPr lang="en-US" dirty="0" err="1"/>
-              <a:t>cfg$scnchoices</a:t>
+              <a:t>ui</a:t>
             </a:r>
             <a:endParaRPr lang="en-US" dirty="0"/>
           </a:p>
@@ -8806,19 +11235,20 @@
           <p:cNvPr id="6" name="Straight Arrow Connector 5">
             <a:extLst>
               <a:ext uri="{FF2B5EF4-FFF2-40B4-BE49-F238E27FC236}">
-                <a16:creationId xmlns:a16="http://schemas.microsoft.com/office/drawing/2014/main" id="{19ED6DC9-3BA5-8846-6259-3800AD82037F}"/>
+                <a16:creationId xmlns:a16="http://schemas.microsoft.com/office/drawing/2014/main" id="{5CF8CF09-449B-4BC8-E9FA-4F37343CA84D}"/>
               </a:ext>
             </a:extLst>
           </p:cNvPr>
           <p:cNvCxnSpPr>
-            <a:stCxn id="4" idx="3"/>
+            <a:cxnSpLocks/>
+            <a:stCxn id="4" idx="2"/>
           </p:cNvCxnSpPr>
           <p:nvPr/>
         </p:nvCxnSpPr>
         <p:spPr>
-          <a:xfrm flipV="1">
-            <a:off x="1701121" y="666887"/>
-            <a:ext cx="712141" cy="1"/>
+          <a:xfrm>
+            <a:off x="8636334" y="1030154"/>
+            <a:ext cx="0" cy="582777"/>
           </a:xfrm>
           <a:prstGeom prst="straightConnector1">
             <a:avLst/>
@@ -8847,7 +11277,7 @@
           <p:cNvPr id="7" name="TextBox 6">
             <a:extLst>
               <a:ext uri="{FF2B5EF4-FFF2-40B4-BE49-F238E27FC236}">
-                <a16:creationId xmlns:a16="http://schemas.microsoft.com/office/drawing/2014/main" id="{35948930-2717-B64A-C63E-A28258E0A570}"/>
+                <a16:creationId xmlns:a16="http://schemas.microsoft.com/office/drawing/2014/main" id="{2CE2286A-8738-4F7F-255D-0E314FF719CC}"/>
               </a:ext>
             </a:extLst>
           </p:cNvPr>
@@ -8856,8 +11286,8 @@
         </p:nvSpPr>
         <p:spPr>
           <a:xfrm>
-            <a:off x="2526501" y="436055"/>
-            <a:ext cx="2258952" cy="369332"/>
+            <a:off x="8122122" y="1904215"/>
+            <a:ext cx="1350113" cy="2585323"/>
           </a:xfrm>
           <a:prstGeom prst="rect">
             <a:avLst/>
@@ -8870,18 +11300,441 @@
           </a:bodyPr>
           <a:lstStyle/>
           <a:p>
+            <a:pPr algn="r" rtl="1"/>
             <a:r>
               <a:rPr lang="he-IL" dirty="0"/>
-              <a:t>מחזיר את קוד התרחיש</a:t>
+              <a:t>מה אני רוצה:</a:t>
+            </a:r>
+          </a:p>
+          <a:p>
+            <a:pPr algn="r" rtl="1"/>
+            <a:endParaRPr lang="he-IL" dirty="0"/>
+          </a:p>
+          <a:p>
+            <a:pPr algn="r" rtl="1"/>
+            <a:r>
+              <a:rPr lang="he-IL" dirty="0">
+                <a:highlight>
+                  <a:srgbClr val="FFFF00"/>
+                </a:highlight>
+              </a:rPr>
+              <a:t>איזה תחזית</a:t>
+            </a:r>
+          </a:p>
+          <a:p>
+            <a:pPr algn="r" rtl="1"/>
+            <a:endParaRPr lang="he-IL" dirty="0"/>
+          </a:p>
+          <a:p>
+            <a:pPr algn="r" rtl="1"/>
+            <a:endParaRPr lang="he-IL" dirty="0"/>
+          </a:p>
+          <a:p>
+            <a:pPr algn="r" rtl="1"/>
+            <a:endParaRPr lang="he-IL" dirty="0"/>
+          </a:p>
+          <a:p>
+            <a:pPr algn="r" rtl="1"/>
+            <a:r>
+              <a:rPr lang="he-IL" dirty="0"/>
+              <a:t>איזה תרחיש</a:t>
+            </a:r>
+          </a:p>
+          <a:p>
+            <a:pPr algn="r" rtl="1"/>
+            <a:r>
+              <a:rPr lang="he-IL" dirty="0"/>
+              <a:t>איזה שנה</a:t>
+            </a:r>
+          </a:p>
+          <a:p>
+            <a:pPr algn="r" rtl="1"/>
+            <a:r>
+              <a:rPr lang="he-IL" dirty="0"/>
+              <a:t>איזה משתנה</a:t>
             </a:r>
             <a:endParaRPr lang="en-US" dirty="0"/>
+          </a:p>
+        </p:txBody>
+      </p:sp>
+      <p:cxnSp>
+        <p:nvCxnSpPr>
+          <p:cNvPr id="11" name="Straight Arrow Connector 10">
+            <a:extLst>
+              <a:ext uri="{FF2B5EF4-FFF2-40B4-BE49-F238E27FC236}">
+                <a16:creationId xmlns:a16="http://schemas.microsoft.com/office/drawing/2014/main" id="{DC214583-C982-F59E-88E6-3E75788AB806}"/>
+              </a:ext>
+            </a:extLst>
+          </p:cNvPr>
+          <p:cNvCxnSpPr/>
+          <p:nvPr/>
+        </p:nvCxnSpPr>
+        <p:spPr>
+          <a:xfrm flipH="1">
+            <a:off x="6740165" y="2639506"/>
+            <a:ext cx="1381957" cy="0"/>
+          </a:xfrm>
+          <a:prstGeom prst="straightConnector1">
+            <a:avLst/>
+          </a:prstGeom>
+          <a:ln>
+            <a:tailEnd type="triangle"/>
+          </a:ln>
+        </p:spPr>
+        <p:style>
+          <a:lnRef idx="1">
+            <a:schemeClr val="accent1"/>
+          </a:lnRef>
+          <a:fillRef idx="0">
+            <a:schemeClr val="accent1"/>
+          </a:fillRef>
+          <a:effectRef idx="0">
+            <a:schemeClr val="accent1"/>
+          </a:effectRef>
+          <a:fontRef idx="minor">
+            <a:schemeClr val="tx1"/>
+          </a:fontRef>
+        </p:style>
+      </p:cxnSp>
+      <p:sp>
+        <p:nvSpPr>
+          <p:cNvPr id="12" name="Left Brace 11">
+            <a:extLst>
+              <a:ext uri="{FF2B5EF4-FFF2-40B4-BE49-F238E27FC236}">
+                <a16:creationId xmlns:a16="http://schemas.microsoft.com/office/drawing/2014/main" id="{AFBBDB9B-4A30-C987-CD91-6056CC3D1102}"/>
+              </a:ext>
+            </a:extLst>
+          </p:cNvPr>
+          <p:cNvSpPr/>
+          <p:nvPr/>
+        </p:nvSpPr>
+        <p:spPr>
+          <a:xfrm>
+            <a:off x="7598004" y="3424856"/>
+            <a:ext cx="377072" cy="1093509"/>
+          </a:xfrm>
+          <a:prstGeom prst="leftBrace">
+            <a:avLst/>
+          </a:prstGeom>
+        </p:spPr>
+        <p:style>
+          <a:lnRef idx="1">
+            <a:schemeClr val="accent1"/>
+          </a:lnRef>
+          <a:fillRef idx="0">
+            <a:schemeClr val="accent1"/>
+          </a:fillRef>
+          <a:effectRef idx="0">
+            <a:schemeClr val="accent1"/>
+          </a:effectRef>
+          <a:fontRef idx="minor">
+            <a:schemeClr val="tx1"/>
+          </a:fontRef>
+        </p:style>
+        <p:txBody>
+          <a:bodyPr rtlCol="0" anchor="ctr"/>
+          <a:lstStyle/>
+          <a:p>
+            <a:pPr algn="ctr"/>
+            <a:endParaRPr lang="en-US"/>
+          </a:p>
+        </p:txBody>
+      </p:sp>
+      <p:cxnSp>
+        <p:nvCxnSpPr>
+          <p:cNvPr id="14" name="Straight Arrow Connector 13">
+            <a:extLst>
+              <a:ext uri="{FF2B5EF4-FFF2-40B4-BE49-F238E27FC236}">
+                <a16:creationId xmlns:a16="http://schemas.microsoft.com/office/drawing/2014/main" id="{0D7964F0-EDD3-7A3A-0CF2-2A9D291F45F3}"/>
+              </a:ext>
+            </a:extLst>
+          </p:cNvPr>
+          <p:cNvCxnSpPr>
+            <a:cxnSpLocks/>
+          </p:cNvCxnSpPr>
+          <p:nvPr/>
+        </p:nvCxnSpPr>
+        <p:spPr>
+          <a:xfrm flipH="1">
+            <a:off x="2960016" y="3971610"/>
+            <a:ext cx="4238279" cy="0"/>
+          </a:xfrm>
+          <a:prstGeom prst="straightConnector1">
+            <a:avLst/>
+          </a:prstGeom>
+          <a:ln>
+            <a:tailEnd type="triangle"/>
+          </a:ln>
+        </p:spPr>
+        <p:style>
+          <a:lnRef idx="1">
+            <a:schemeClr val="accent1"/>
+          </a:lnRef>
+          <a:fillRef idx="0">
+            <a:schemeClr val="accent1"/>
+          </a:fillRef>
+          <a:effectRef idx="0">
+            <a:schemeClr val="accent1"/>
+          </a:effectRef>
+          <a:fontRef idx="minor">
+            <a:schemeClr val="tx1"/>
+          </a:fontRef>
+        </p:style>
+      </p:cxnSp>
+      <p:cxnSp>
+        <p:nvCxnSpPr>
+          <p:cNvPr id="17" name="Connector: Elbow 16">
+            <a:extLst>
+              <a:ext uri="{FF2B5EF4-FFF2-40B4-BE49-F238E27FC236}">
+                <a16:creationId xmlns:a16="http://schemas.microsoft.com/office/drawing/2014/main" id="{A18F8274-CE72-D9D3-4D6A-B4CAD506CDAC}"/>
+              </a:ext>
+            </a:extLst>
+          </p:cNvPr>
+          <p:cNvCxnSpPr>
+            <a:stCxn id="2" idx="1"/>
+            <a:endCxn id="3" idx="0"/>
+          </p:cNvCxnSpPr>
+          <p:nvPr/>
+        </p:nvCxnSpPr>
+        <p:spPr>
+          <a:xfrm rot="10800000" flipV="1">
+            <a:off x="2366213" y="2639506"/>
+            <a:ext cx="2853857" cy="1147438"/>
+          </a:xfrm>
+          <a:prstGeom prst="bentConnector2">
+            <a:avLst/>
+          </a:prstGeom>
+          <a:ln>
+            <a:tailEnd type="triangle"/>
+          </a:ln>
+        </p:spPr>
+        <p:style>
+          <a:lnRef idx="1">
+            <a:schemeClr val="accent1"/>
+          </a:lnRef>
+          <a:fillRef idx="0">
+            <a:schemeClr val="accent1"/>
+          </a:fillRef>
+          <a:effectRef idx="0">
+            <a:schemeClr val="accent1"/>
+          </a:effectRef>
+          <a:fontRef idx="minor">
+            <a:schemeClr val="tx1"/>
+          </a:fontRef>
+        </p:style>
+      </p:cxnSp>
+      <p:sp>
+        <p:nvSpPr>
+          <p:cNvPr id="19" name="TextBox 18">
+            <a:extLst>
+              <a:ext uri="{FF2B5EF4-FFF2-40B4-BE49-F238E27FC236}">
+                <a16:creationId xmlns:a16="http://schemas.microsoft.com/office/drawing/2014/main" id="{80EFB18F-80DF-5DC1-D73D-2207CEBAF17F}"/>
+              </a:ext>
+            </a:extLst>
+          </p:cNvPr>
+          <p:cNvSpPr txBox="1"/>
+          <p:nvPr/>
+        </p:nvSpPr>
+        <p:spPr>
+          <a:xfrm>
+            <a:off x="153715" y="4749716"/>
+            <a:ext cx="5284524" cy="369332"/>
+          </a:xfrm>
+          <a:prstGeom prst="rect">
+            <a:avLst/>
+          </a:prstGeom>
+          <a:solidFill>
+            <a:schemeClr val="accent4">
+              <a:lumMod val="20000"/>
+              <a:lumOff val="80000"/>
+            </a:schemeClr>
+          </a:solidFill>
+        </p:spPr>
+        <p:txBody>
+          <a:bodyPr wrap="none" rtlCol="0">
+            <a:spAutoFit/>
+          </a:bodyPr>
+          <a:lstStyle/>
+          <a:p>
+            <a:r>
+              <a:rPr lang="en-US" dirty="0"/>
+              <a:t>Function </a:t>
+            </a:r>
+            <a:r>
+              <a:rPr lang="en-US" dirty="0" err="1"/>
+              <a:t>simplemap</a:t>
+            </a:r>
+            <a:r>
+              <a:rPr lang="en-US" dirty="0"/>
+              <a:t>(</a:t>
+            </a:r>
+            <a:r>
+              <a:rPr lang="en-US" dirty="0" err="1"/>
+              <a:t>acfrsst</a:t>
+            </a:r>
+            <a:r>
+              <a:rPr lang="en-US" dirty="0"/>
+              <a:t>, </a:t>
+            </a:r>
+            <a:r>
+              <a:rPr lang="en-US" dirty="0" err="1"/>
+              <a:t>aScn</a:t>
+            </a:r>
+            <a:r>
+              <a:rPr lang="en-US" dirty="0"/>
+              <a:t>, </a:t>
+            </a:r>
+            <a:r>
+              <a:rPr lang="en-US" dirty="0" err="1"/>
+              <a:t>aYr</a:t>
+            </a:r>
+            <a:r>
+              <a:rPr lang="en-US" dirty="0"/>
+              <a:t>, </a:t>
+            </a:r>
+            <a:r>
+              <a:rPr lang="en-US" dirty="0" err="1"/>
+              <a:t>aVr</a:t>
+            </a:r>
+            <a:r>
+              <a:rPr lang="en-US" dirty="0"/>
+              <a:t>, options=….)</a:t>
+            </a:r>
+          </a:p>
+        </p:txBody>
+      </p:sp>
+      <p:cxnSp>
+        <p:nvCxnSpPr>
+          <p:cNvPr id="21" name="Straight Arrow Connector 20">
+            <a:extLst>
+              <a:ext uri="{FF2B5EF4-FFF2-40B4-BE49-F238E27FC236}">
+                <a16:creationId xmlns:a16="http://schemas.microsoft.com/office/drawing/2014/main" id="{82CC0F9A-DB80-0A2B-6DBE-773903990C42}"/>
+              </a:ext>
+            </a:extLst>
+          </p:cNvPr>
+          <p:cNvCxnSpPr>
+            <a:stCxn id="3" idx="2"/>
+          </p:cNvCxnSpPr>
+          <p:nvPr/>
+        </p:nvCxnSpPr>
+        <p:spPr>
+          <a:xfrm flipH="1">
+            <a:off x="2366211" y="4156276"/>
+            <a:ext cx="1" cy="362089"/>
+          </a:xfrm>
+          <a:prstGeom prst="straightConnector1">
+            <a:avLst/>
+          </a:prstGeom>
+          <a:ln>
+            <a:tailEnd type="triangle"/>
+          </a:ln>
+        </p:spPr>
+        <p:style>
+          <a:lnRef idx="1">
+            <a:schemeClr val="accent1"/>
+          </a:lnRef>
+          <a:fillRef idx="0">
+            <a:schemeClr val="accent1"/>
+          </a:fillRef>
+          <a:effectRef idx="0">
+            <a:schemeClr val="accent1"/>
+          </a:effectRef>
+          <a:fontRef idx="minor">
+            <a:schemeClr val="tx1"/>
+          </a:fontRef>
+        </p:style>
+      </p:cxnSp>
+      <p:sp>
+        <p:nvSpPr>
+          <p:cNvPr id="24" name="TextBox 23">
+            <a:extLst>
+              <a:ext uri="{FF2B5EF4-FFF2-40B4-BE49-F238E27FC236}">
+                <a16:creationId xmlns:a16="http://schemas.microsoft.com/office/drawing/2014/main" id="{CD8E729F-60F3-D29E-F9B3-7B1185E39014}"/>
+              </a:ext>
+            </a:extLst>
+          </p:cNvPr>
+          <p:cNvSpPr txBox="1"/>
+          <p:nvPr/>
+        </p:nvSpPr>
+        <p:spPr>
+          <a:xfrm>
+            <a:off x="10068621" y="3012210"/>
+            <a:ext cx="886781" cy="646331"/>
+          </a:xfrm>
+          <a:prstGeom prst="rect">
+            <a:avLst/>
+          </a:prstGeom>
+          <a:solidFill>
+            <a:srgbClr val="00FF00"/>
+          </a:solidFill>
+        </p:spPr>
+        <p:txBody>
+          <a:bodyPr wrap="none" rtlCol="0">
+            <a:spAutoFit/>
+          </a:bodyPr>
+          <a:lstStyle/>
+          <a:p>
+            <a:r>
+              <a:rPr lang="he-IL" dirty="0"/>
+              <a:t>או</a:t>
+            </a:r>
+          </a:p>
+          <a:p>
+            <a:r>
+              <a:rPr lang="en-US" dirty="0"/>
+              <a:t>manual</a:t>
+            </a:r>
+          </a:p>
+        </p:txBody>
+      </p:sp>
+      <p:sp>
+        <p:nvSpPr>
+          <p:cNvPr id="26" name="Left Brace 25">
+            <a:extLst>
+              <a:ext uri="{FF2B5EF4-FFF2-40B4-BE49-F238E27FC236}">
+                <a16:creationId xmlns:a16="http://schemas.microsoft.com/office/drawing/2014/main" id="{FFC01746-AEC6-FA01-3490-BDF6EF6BE6F2}"/>
+              </a:ext>
+            </a:extLst>
+          </p:cNvPr>
+          <p:cNvSpPr/>
+          <p:nvPr/>
+        </p:nvSpPr>
+        <p:spPr>
+          <a:xfrm>
+            <a:off x="9841583" y="2526384"/>
+            <a:ext cx="105665" cy="2073897"/>
+          </a:xfrm>
+          <a:prstGeom prst="leftBrace">
+            <a:avLst/>
+          </a:prstGeom>
+        </p:spPr>
+        <p:style>
+          <a:lnRef idx="1">
+            <a:schemeClr val="accent1"/>
+          </a:lnRef>
+          <a:fillRef idx="0">
+            <a:schemeClr val="accent1"/>
+          </a:fillRef>
+          <a:effectRef idx="0">
+            <a:schemeClr val="accent1"/>
+          </a:effectRef>
+          <a:fontRef idx="minor">
+            <a:schemeClr val="tx1"/>
+          </a:fontRef>
+        </p:style>
+        <p:txBody>
+          <a:bodyPr rtlCol="0" anchor="ctr"/>
+          <a:lstStyle/>
+          <a:p>
+            <a:pPr algn="ctr"/>
+            <a:endParaRPr lang="en-US"/>
           </a:p>
         </p:txBody>
       </p:sp>
     </p:spTree>
     <p:extLst>
       <p:ext uri="{BB962C8B-B14F-4D97-AF65-F5344CB8AC3E}">
-        <p14:creationId xmlns:p14="http://schemas.microsoft.com/office/powerpoint/2010/main" val="1705988006"/>
+        <p14:creationId xmlns:p14="http://schemas.microsoft.com/office/powerpoint/2010/main" val="4094921328"/>
       </p:ext>
     </p:extLst>
   </p:cSld>
@@ -8910,10 +11763,10 @@
       </p:grpSpPr>
       <p:sp>
         <p:nvSpPr>
-          <p:cNvPr id="2" name="Title 1">
-            <a:extLst>
-              <a:ext uri="{FF2B5EF4-FFF2-40B4-BE49-F238E27FC236}">
-                <a16:creationId xmlns:a16="http://schemas.microsoft.com/office/drawing/2014/main" id="{CFFE712C-7E19-335B-A73B-9C1CD4DE821C}"/>
+          <p:cNvPr id="6" name="Title 5">
+            <a:extLst>
+              <a:ext uri="{FF2B5EF4-FFF2-40B4-BE49-F238E27FC236}">
+                <a16:creationId xmlns:a16="http://schemas.microsoft.com/office/drawing/2014/main" id="{645FEC2C-C82F-8F49-9DDE-9A0EE0D22FB5}"/>
               </a:ext>
             </a:extLst>
           </p:cNvPr>
@@ -8921,7 +11774,7 @@
             <a:spLocks noGrp="1"/>
           </p:cNvSpPr>
           <p:nvPr>
-            <p:ph type="ctrTitle"/>
+            <p:ph type="title"/>
           </p:nvPr>
         </p:nvSpPr>
         <p:spPr/>
@@ -8935,10 +11788,10 @@
       </p:sp>
       <p:sp>
         <p:nvSpPr>
-          <p:cNvPr id="3" name="Subtitle 2">
-            <a:extLst>
-              <a:ext uri="{FF2B5EF4-FFF2-40B4-BE49-F238E27FC236}">
-                <a16:creationId xmlns:a16="http://schemas.microsoft.com/office/drawing/2014/main" id="{539D2C7A-01FD-EA1F-928E-8E9C06E5337E}"/>
+          <p:cNvPr id="3" name="Content Placeholder 2">
+            <a:extLst>
+              <a:ext uri="{FF2B5EF4-FFF2-40B4-BE49-F238E27FC236}">
+                <a16:creationId xmlns:a16="http://schemas.microsoft.com/office/drawing/2014/main" id="{C4CBACAE-3E41-944A-1C91-63BA57988AA2}"/>
               </a:ext>
             </a:extLst>
           </p:cNvPr>
@@ -8946,18 +11799,99 @@
             <a:spLocks noGrp="1"/>
           </p:cNvSpPr>
           <p:nvPr>
-            <p:ph type="subTitle" idx="1"/>
+            <p:ph idx="1"/>
           </p:nvPr>
         </p:nvSpPr>
-        <p:spPr/>
-        <p:txBody>
-          <a:bodyPr/>
+        <p:spPr>
+          <a:xfrm>
+            <a:off x="838200" y="1825625"/>
+            <a:ext cx="10515600" cy="4351338"/>
+          </a:xfrm>
+        </p:spPr>
+        <p:txBody>
+          <a:bodyPr>
+            <a:normAutofit lnSpcReduction="10000"/>
+          </a:bodyPr>
           <a:lstStyle/>
           <a:p>
             <a:r>
               <a:rPr lang="he-IL" dirty="0"/>
-              <a:t>סיום</a:t>
-            </a:r>
+              <a:t>מקור יחיד, תחזית יחידה, תרחיש יחיד, שנה יחידה</a:t>
+            </a:r>
+          </a:p>
+          <a:p>
+            <a:r>
+              <a:rPr lang="he-IL" dirty="0"/>
+              <a:t>מקור יחיד, תחזית יחידה, תרחיש יחיד, בין השנים</a:t>
+            </a:r>
+          </a:p>
+          <a:p>
+            <a:r>
+              <a:rPr lang="he-IL" dirty="0"/>
+              <a:t>מקור יחיד, תחזית יחידה, בין תרחישים, (או שנה או בין השנים)</a:t>
+            </a:r>
+          </a:p>
+          <a:p>
+            <a:r>
+              <a:rPr lang="he-IL" dirty="0"/>
+              <a:t>מקור יחיד, בין תחזיות =&gt; צריך מכנה </a:t>
+            </a:r>
+            <a:r>
+              <a:rPr lang="he-IL" dirty="0" err="1"/>
+              <a:t>גיאו</a:t>
+            </a:r>
+            <a:r>
+              <a:rPr lang="he-IL" dirty="0"/>
+              <a:t> משותף</a:t>
+            </a:r>
+          </a:p>
+          <a:p>
+            <a:r>
+              <a:rPr lang="he-IL" dirty="0"/>
+              <a:t>...</a:t>
+            </a:r>
+          </a:p>
+          <a:p>
+            <a:r>
+              <a:rPr lang="he-IL" dirty="0"/>
+              <a:t>....</a:t>
+            </a:r>
+          </a:p>
+          <a:p>
+            <a:r>
+              <a:rPr lang="he-IL" dirty="0"/>
+              <a:t>בין מקורות =&gt;</a:t>
+            </a:r>
+            <a:r>
+              <a:rPr lang="en-US" dirty="0"/>
+              <a:t> </a:t>
+            </a:r>
+            <a:r>
+              <a:rPr lang="he-IL" dirty="0"/>
+              <a:t>צריך מכנה </a:t>
+            </a:r>
+            <a:r>
+              <a:rPr lang="he-IL" dirty="0" err="1"/>
+              <a:t>גיאו</a:t>
+            </a:r>
+            <a:r>
+              <a:rPr lang="he-IL" dirty="0"/>
+              <a:t> משותף</a:t>
+            </a:r>
+          </a:p>
+          <a:p>
+            <a:endParaRPr lang="he-IL" dirty="0"/>
+          </a:p>
+          <a:p>
+            <a:endParaRPr lang="he-IL" dirty="0"/>
+          </a:p>
+          <a:p>
+            <a:endParaRPr lang="he-IL" dirty="0"/>
+          </a:p>
+          <a:p>
+            <a:endParaRPr lang="he-IL" dirty="0"/>
+          </a:p>
+          <a:p>
             <a:endParaRPr lang="en-US" dirty="0"/>
           </a:p>
         </p:txBody>
@@ -8965,7 +11899,7 @@
     </p:spTree>
     <p:extLst>
       <p:ext uri="{BB962C8B-B14F-4D97-AF65-F5344CB8AC3E}">
-        <p14:creationId xmlns:p14="http://schemas.microsoft.com/office/powerpoint/2010/main" val="3314121517"/>
+        <p14:creationId xmlns:p14="http://schemas.microsoft.com/office/powerpoint/2010/main" val="3809220456"/>
       </p:ext>
     </p:extLst>
   </p:cSld>

--- a/doc/ScnLibApp.pptx
+++ b/doc/ScnLibApp.pptx
@@ -14,14 +14,15 @@
     <p:sldId id="262" r:id="rId8"/>
     <p:sldId id="269" r:id="rId9"/>
     <p:sldId id="270" r:id="rId10"/>
-    <p:sldId id="266" r:id="rId11"/>
-    <p:sldId id="271" r:id="rId12"/>
-    <p:sldId id="272" r:id="rId13"/>
-    <p:sldId id="267" r:id="rId14"/>
-    <p:sldId id="260" r:id="rId15"/>
-    <p:sldId id="265" r:id="rId16"/>
-    <p:sldId id="257" r:id="rId17"/>
-    <p:sldId id="258" r:id="rId18"/>
+    <p:sldId id="273" r:id="rId11"/>
+    <p:sldId id="274" r:id="rId12"/>
+    <p:sldId id="260" r:id="rId13"/>
+    <p:sldId id="266" r:id="rId14"/>
+    <p:sldId id="271" r:id="rId15"/>
+    <p:sldId id="272" r:id="rId16"/>
+    <p:sldId id="265" r:id="rId17"/>
+    <p:sldId id="257" r:id="rId18"/>
+    <p:sldId id="258" r:id="rId19"/>
   </p:sldIdLst>
   <p:sldSz cx="12192000" cy="6858000"/>
   <p:notesSz cx="6858000" cy="9144000"/>
@@ -487,7 +488,7 @@
           <a:p>
             <a:fld id="{695A433A-98FD-4747-B80D-DDFF7158CD96}" type="datetimeFigureOut">
               <a:rPr lang="en-US" smtClean="0"/>
-              <a:t>10/10/2023</a:t>
+              <a:t>10/11/2023</a:t>
             </a:fld>
             <a:endParaRPr lang="en-US"/>
           </a:p>
@@ -685,7 +686,7 @@
           <a:p>
             <a:fld id="{695A433A-98FD-4747-B80D-DDFF7158CD96}" type="datetimeFigureOut">
               <a:rPr lang="en-US" smtClean="0"/>
-              <a:t>10/10/2023</a:t>
+              <a:t>10/11/2023</a:t>
             </a:fld>
             <a:endParaRPr lang="en-US"/>
           </a:p>
@@ -893,7 +894,7 @@
           <a:p>
             <a:fld id="{695A433A-98FD-4747-B80D-DDFF7158CD96}" type="datetimeFigureOut">
               <a:rPr lang="en-US" smtClean="0"/>
-              <a:t>10/10/2023</a:t>
+              <a:t>10/11/2023</a:t>
             </a:fld>
             <a:endParaRPr lang="en-US"/>
           </a:p>
@@ -1091,7 +1092,7 @@
           <a:p>
             <a:fld id="{695A433A-98FD-4747-B80D-DDFF7158CD96}" type="datetimeFigureOut">
               <a:rPr lang="en-US" smtClean="0"/>
-              <a:t>10/10/2023</a:t>
+              <a:t>10/11/2023</a:t>
             </a:fld>
             <a:endParaRPr lang="en-US"/>
           </a:p>
@@ -1366,7 +1367,7 @@
           <a:p>
             <a:fld id="{695A433A-98FD-4747-B80D-DDFF7158CD96}" type="datetimeFigureOut">
               <a:rPr lang="en-US" smtClean="0"/>
-              <a:t>10/10/2023</a:t>
+              <a:t>10/11/2023</a:t>
             </a:fld>
             <a:endParaRPr lang="en-US"/>
           </a:p>
@@ -1631,7 +1632,7 @@
           <a:p>
             <a:fld id="{695A433A-98FD-4747-B80D-DDFF7158CD96}" type="datetimeFigureOut">
               <a:rPr lang="en-US" smtClean="0"/>
-              <a:t>10/10/2023</a:t>
+              <a:t>10/11/2023</a:t>
             </a:fld>
             <a:endParaRPr lang="en-US"/>
           </a:p>
@@ -2043,7 +2044,7 @@
           <a:p>
             <a:fld id="{695A433A-98FD-4747-B80D-DDFF7158CD96}" type="datetimeFigureOut">
               <a:rPr lang="en-US" smtClean="0"/>
-              <a:t>10/10/2023</a:t>
+              <a:t>10/11/2023</a:t>
             </a:fld>
             <a:endParaRPr lang="en-US"/>
           </a:p>
@@ -2184,7 +2185,7 @@
           <a:p>
             <a:fld id="{695A433A-98FD-4747-B80D-DDFF7158CD96}" type="datetimeFigureOut">
               <a:rPr lang="en-US" smtClean="0"/>
-              <a:t>10/10/2023</a:t>
+              <a:t>10/11/2023</a:t>
             </a:fld>
             <a:endParaRPr lang="en-US"/>
           </a:p>
@@ -2297,7 +2298,7 @@
           <a:p>
             <a:fld id="{695A433A-98FD-4747-B80D-DDFF7158CD96}" type="datetimeFigureOut">
               <a:rPr lang="en-US" smtClean="0"/>
-              <a:t>10/10/2023</a:t>
+              <a:t>10/11/2023</a:t>
             </a:fld>
             <a:endParaRPr lang="en-US"/>
           </a:p>
@@ -2608,7 +2609,7 @@
           <a:p>
             <a:fld id="{695A433A-98FD-4747-B80D-DDFF7158CD96}" type="datetimeFigureOut">
               <a:rPr lang="en-US" smtClean="0"/>
-              <a:t>10/10/2023</a:t>
+              <a:t>10/11/2023</a:t>
             </a:fld>
             <a:endParaRPr lang="en-US"/>
           </a:p>
@@ -2896,7 +2897,7 @@
           <a:p>
             <a:fld id="{695A433A-98FD-4747-B80D-DDFF7158CD96}" type="datetimeFigureOut">
               <a:rPr lang="en-US" smtClean="0"/>
-              <a:t>10/10/2023</a:t>
+              <a:t>10/11/2023</a:t>
             </a:fld>
             <a:endParaRPr lang="en-US"/>
           </a:p>
@@ -3140,7 +3141,7 @@
             <a:fld id="{695A433A-98FD-4747-B80D-DDFF7158CD96}" type="datetimeFigureOut">
               <a:rPr lang="en-US" smtClean="0"/>
               <a:pPr/>
-              <a:t>10/10/2023</a:t>
+              <a:t>10/11/2023</a:t>
             </a:fld>
             <a:endParaRPr lang="en-US"/>
           </a:p>
@@ -4344,10 +4345,10 @@
       </p:grpSpPr>
       <p:pic>
         <p:nvPicPr>
-          <p:cNvPr id="3" name="Picture 2">
-            <a:extLst>
-              <a:ext uri="{FF2B5EF4-FFF2-40B4-BE49-F238E27FC236}">
-                <a16:creationId xmlns:a16="http://schemas.microsoft.com/office/drawing/2014/main" id="{067DC50F-F545-6E11-D573-5841D30A32D3}"/>
+          <p:cNvPr id="22" name="Picture 21">
+            <a:extLst>
+              <a:ext uri="{FF2B5EF4-FFF2-40B4-BE49-F238E27FC236}">
+                <a16:creationId xmlns:a16="http://schemas.microsoft.com/office/drawing/2014/main" id="{A1D1AA21-1B32-E767-FCF3-F05B63AD860C}"/>
               </a:ext>
             </a:extLst>
           </p:cNvPr>
@@ -4364,20 +4365,422 @@
         </p:blipFill>
         <p:spPr>
           <a:xfrm>
-            <a:off x="1410524" y="0"/>
-            <a:ext cx="8214750" cy="6858000"/>
+            <a:off x="2110600" y="0"/>
+            <a:ext cx="6953804" cy="6858000"/>
           </a:xfrm>
           <a:prstGeom prst="rect">
             <a:avLst/>
           </a:prstGeom>
         </p:spPr>
       </p:pic>
+      <p:sp>
+        <p:nvSpPr>
+          <p:cNvPr id="8" name="Rectangle: Rounded Corners 7">
+            <a:extLst>
+              <a:ext uri="{FF2B5EF4-FFF2-40B4-BE49-F238E27FC236}">
+                <a16:creationId xmlns:a16="http://schemas.microsoft.com/office/drawing/2014/main" id="{162091A9-9217-CF04-BDB1-8E007DEA8948}"/>
+              </a:ext>
+            </a:extLst>
+          </p:cNvPr>
+          <p:cNvSpPr/>
+          <p:nvPr/>
+        </p:nvSpPr>
+        <p:spPr>
+          <a:xfrm>
+            <a:off x="7047612" y="5929220"/>
+            <a:ext cx="1643137" cy="384866"/>
+          </a:xfrm>
+          <a:prstGeom prst="roundRect">
+            <a:avLst/>
+          </a:prstGeom>
+        </p:spPr>
+        <p:style>
+          <a:lnRef idx="2">
+            <a:schemeClr val="accent1">
+              <a:shade val="15000"/>
+            </a:schemeClr>
+          </a:lnRef>
+          <a:fillRef idx="1">
+            <a:schemeClr val="accent1"/>
+          </a:fillRef>
+          <a:effectRef idx="0">
+            <a:schemeClr val="accent1"/>
+          </a:effectRef>
+          <a:fontRef idx="minor">
+            <a:schemeClr val="lt1"/>
+          </a:fontRef>
+        </p:style>
+        <p:txBody>
+          <a:bodyPr rtlCol="0" anchor="ctr"/>
+          <a:lstStyle/>
+          <a:p>
+            <a:pPr algn="ctr"/>
+            <a:r>
+              <a:rPr lang="he-IL" dirty="0"/>
+              <a:t>בצע</a:t>
+            </a:r>
+            <a:endParaRPr lang="en-US" dirty="0"/>
+          </a:p>
+        </p:txBody>
+      </p:sp>
+      <p:sp>
+        <p:nvSpPr>
+          <p:cNvPr id="11" name="TextBox 10">
+            <a:extLst>
+              <a:ext uri="{FF2B5EF4-FFF2-40B4-BE49-F238E27FC236}">
+                <a16:creationId xmlns:a16="http://schemas.microsoft.com/office/drawing/2014/main" id="{1634D45D-E808-DC03-6345-59C5EFAD1D9D}"/>
+              </a:ext>
+            </a:extLst>
+          </p:cNvPr>
+          <p:cNvSpPr txBox="1"/>
+          <p:nvPr/>
+        </p:nvSpPr>
+        <p:spPr>
+          <a:xfrm>
+            <a:off x="4924537" y="922382"/>
+            <a:ext cx="1653017" cy="369332"/>
+          </a:xfrm>
+          <a:prstGeom prst="rect">
+            <a:avLst/>
+          </a:prstGeom>
+          <a:noFill/>
+        </p:spPr>
+        <p:txBody>
+          <a:bodyPr wrap="none" rtlCol="0">
+            <a:spAutoFit/>
+          </a:bodyPr>
+          <a:lstStyle/>
+          <a:p>
+            <a:pPr algn="r"/>
+            <a:r>
+              <a:rPr lang="he-IL" dirty="0">
+                <a:highlight>
+                  <a:srgbClr val="00FFFF"/>
+                </a:highlight>
+              </a:rPr>
+              <a:t>אפשרויות תצוגה</a:t>
+            </a:r>
+            <a:endParaRPr lang="en-US" dirty="0">
+              <a:highlight>
+                <a:srgbClr val="00FFFF"/>
+              </a:highlight>
+            </a:endParaRPr>
+          </a:p>
+        </p:txBody>
+      </p:sp>
+      <p:sp>
+        <p:nvSpPr>
+          <p:cNvPr id="12" name="TextBox 11">
+            <a:extLst>
+              <a:ext uri="{FF2B5EF4-FFF2-40B4-BE49-F238E27FC236}">
+                <a16:creationId xmlns:a16="http://schemas.microsoft.com/office/drawing/2014/main" id="{3CA610E4-7546-973B-2238-F00FB996EEC9}"/>
+              </a:ext>
+            </a:extLst>
+          </p:cNvPr>
+          <p:cNvSpPr txBox="1"/>
+          <p:nvPr/>
+        </p:nvSpPr>
+        <p:spPr>
+          <a:xfrm>
+            <a:off x="11303274" y="3757390"/>
+            <a:ext cx="745717" cy="230832"/>
+          </a:xfrm>
+          <a:prstGeom prst="rect">
+            <a:avLst/>
+          </a:prstGeom>
+          <a:solidFill>
+            <a:schemeClr val="accent1">
+              <a:lumMod val="20000"/>
+              <a:lumOff val="80000"/>
+            </a:schemeClr>
+          </a:solidFill>
+        </p:spPr>
+        <p:txBody>
+          <a:bodyPr wrap="none" rtlCol="0">
+            <a:spAutoFit/>
+          </a:bodyPr>
+          <a:lstStyle/>
+          <a:p>
+            <a:r>
+              <a:rPr lang="he-IL" sz="900" b="1" dirty="0"/>
+              <a:t>בחר שנה/ים</a:t>
+            </a:r>
+            <a:endParaRPr lang="en-US" sz="900" b="1" dirty="0"/>
+          </a:p>
+        </p:txBody>
+      </p:sp>
+      <p:sp>
+        <p:nvSpPr>
+          <p:cNvPr id="9" name="TextBox 8">
+            <a:extLst>
+              <a:ext uri="{FF2B5EF4-FFF2-40B4-BE49-F238E27FC236}">
+                <a16:creationId xmlns:a16="http://schemas.microsoft.com/office/drawing/2014/main" id="{F3CAD155-1C22-8E0A-790E-A74D87754246}"/>
+              </a:ext>
+            </a:extLst>
+          </p:cNvPr>
+          <p:cNvSpPr txBox="1"/>
+          <p:nvPr/>
+        </p:nvSpPr>
+        <p:spPr>
+          <a:xfrm>
+            <a:off x="7704620" y="1822918"/>
+            <a:ext cx="1242715" cy="257369"/>
+          </a:xfrm>
+          <a:prstGeom prst="rect">
+            <a:avLst/>
+          </a:prstGeom>
+          <a:noFill/>
+        </p:spPr>
+        <p:txBody>
+          <a:bodyPr wrap="square" lIns="36000" tIns="36000" rIns="36000" bIns="36000">
+            <a:spAutoFit/>
+          </a:bodyPr>
+          <a:lstStyle>
+            <a:defPPr>
+              <a:defRPr lang="en-US"/>
+            </a:defPPr>
+            <a:lvl1pPr algn="ctr">
+              <a:defRPr sz="1200">
+                <a:highlight>
+                  <a:srgbClr val="FFFF00"/>
+                </a:highlight>
+              </a:defRPr>
+            </a:lvl1pPr>
+          </a:lstStyle>
+          <a:p>
+            <a:r>
+              <a:rPr lang="en-US" dirty="0" err="1">
+                <a:highlight>
+                  <a:srgbClr val="00FFFF"/>
+                </a:highlight>
+              </a:rPr>
+              <a:t>cfg$scnsources</a:t>
+            </a:r>
+            <a:endParaRPr lang="en-US" dirty="0">
+              <a:highlight>
+                <a:srgbClr val="00FFFF"/>
+              </a:highlight>
+            </a:endParaRPr>
+          </a:p>
+        </p:txBody>
+      </p:sp>
+      <p:sp>
+        <p:nvSpPr>
+          <p:cNvPr id="13" name="TextBox 12">
+            <a:extLst>
+              <a:ext uri="{FF2B5EF4-FFF2-40B4-BE49-F238E27FC236}">
+                <a16:creationId xmlns:a16="http://schemas.microsoft.com/office/drawing/2014/main" id="{B8E64EA5-8B60-B3DC-9091-30003D6F7523}"/>
+              </a:ext>
+            </a:extLst>
+          </p:cNvPr>
+          <p:cNvSpPr txBox="1"/>
+          <p:nvPr/>
+        </p:nvSpPr>
+        <p:spPr>
+          <a:xfrm>
+            <a:off x="6694071" y="1822918"/>
+            <a:ext cx="1163361" cy="257369"/>
+          </a:xfrm>
+          <a:prstGeom prst="rect">
+            <a:avLst/>
+          </a:prstGeom>
+          <a:noFill/>
+        </p:spPr>
+        <p:txBody>
+          <a:bodyPr wrap="square" lIns="36000" tIns="36000" rIns="36000" bIns="36000">
+            <a:spAutoFit/>
+          </a:bodyPr>
+          <a:lstStyle/>
+          <a:p>
+            <a:pPr algn="ctr"/>
+            <a:r>
+              <a:rPr lang="en-US" sz="1200" dirty="0" err="1">
+                <a:highlight>
+                  <a:srgbClr val="FFFF00"/>
+                </a:highlight>
+              </a:rPr>
+              <a:t>input$selectSrc</a:t>
+            </a:r>
+            <a:endParaRPr lang="en-US" sz="1200" dirty="0">
+              <a:highlight>
+                <a:srgbClr val="FFFF00"/>
+              </a:highlight>
+            </a:endParaRPr>
+          </a:p>
+        </p:txBody>
+      </p:sp>
+      <p:sp>
+        <p:nvSpPr>
+          <p:cNvPr id="15" name="TextBox 14">
+            <a:extLst>
+              <a:ext uri="{FF2B5EF4-FFF2-40B4-BE49-F238E27FC236}">
+                <a16:creationId xmlns:a16="http://schemas.microsoft.com/office/drawing/2014/main" id="{C4EFCDEF-E161-CE19-434D-7E22ADF20697}"/>
+              </a:ext>
+            </a:extLst>
+          </p:cNvPr>
+          <p:cNvSpPr txBox="1"/>
+          <p:nvPr/>
+        </p:nvSpPr>
+        <p:spPr>
+          <a:xfrm>
+            <a:off x="9962852" y="1765264"/>
+            <a:ext cx="1140404" cy="369332"/>
+          </a:xfrm>
+          <a:prstGeom prst="rect">
+            <a:avLst/>
+          </a:prstGeom>
+          <a:noFill/>
+        </p:spPr>
+        <p:txBody>
+          <a:bodyPr wrap="square">
+            <a:spAutoFit/>
+          </a:bodyPr>
+          <a:lstStyle/>
+          <a:p>
+            <a:r>
+              <a:rPr lang="en-US" dirty="0" err="1"/>
+              <a:t>currentsrc</a:t>
+            </a:r>
+            <a:endParaRPr lang="en-US" dirty="0"/>
+          </a:p>
+        </p:txBody>
+      </p:sp>
+      <p:sp>
+        <p:nvSpPr>
+          <p:cNvPr id="16" name="TextBox 15">
+            <a:extLst>
+              <a:ext uri="{FF2B5EF4-FFF2-40B4-BE49-F238E27FC236}">
+                <a16:creationId xmlns:a16="http://schemas.microsoft.com/office/drawing/2014/main" id="{6961A606-EEDD-78A5-6660-C72ED8BF4790}"/>
+              </a:ext>
+            </a:extLst>
+          </p:cNvPr>
+          <p:cNvSpPr txBox="1"/>
+          <p:nvPr/>
+        </p:nvSpPr>
+        <p:spPr>
+          <a:xfrm>
+            <a:off x="7749427" y="2436469"/>
+            <a:ext cx="1242715" cy="257369"/>
+          </a:xfrm>
+          <a:prstGeom prst="rect">
+            <a:avLst/>
+          </a:prstGeom>
+          <a:noFill/>
+        </p:spPr>
+        <p:txBody>
+          <a:bodyPr wrap="square" lIns="36000" tIns="36000" rIns="36000" bIns="36000">
+            <a:spAutoFit/>
+          </a:bodyPr>
+          <a:lstStyle>
+            <a:defPPr>
+              <a:defRPr lang="en-US"/>
+            </a:defPPr>
+            <a:lvl1pPr algn="ctr">
+              <a:defRPr sz="1200">
+                <a:highlight>
+                  <a:srgbClr val="00FFFF"/>
+                </a:highlight>
+              </a:defRPr>
+            </a:lvl1pPr>
+          </a:lstStyle>
+          <a:p>
+            <a:r>
+              <a:rPr lang="en-US" dirty="0" err="1"/>
+              <a:t>cfg$scnchoices</a:t>
+            </a:r>
+            <a:endParaRPr lang="en-US" dirty="0"/>
+          </a:p>
+        </p:txBody>
+      </p:sp>
+      <p:sp>
+        <p:nvSpPr>
+          <p:cNvPr id="17" name="TextBox 16">
+            <a:extLst>
+              <a:ext uri="{FF2B5EF4-FFF2-40B4-BE49-F238E27FC236}">
+                <a16:creationId xmlns:a16="http://schemas.microsoft.com/office/drawing/2014/main" id="{4C12E2C2-C6B0-8197-F3FC-4D2027A7C7D4}"/>
+              </a:ext>
+            </a:extLst>
+          </p:cNvPr>
+          <p:cNvSpPr txBox="1"/>
+          <p:nvPr/>
+        </p:nvSpPr>
+        <p:spPr>
+          <a:xfrm>
+            <a:off x="6742300" y="2470933"/>
+            <a:ext cx="1163361" cy="257369"/>
+          </a:xfrm>
+          <a:prstGeom prst="rect">
+            <a:avLst/>
+          </a:prstGeom>
+          <a:noFill/>
+        </p:spPr>
+        <p:txBody>
+          <a:bodyPr wrap="square" lIns="36000" tIns="36000" rIns="36000" bIns="36000">
+            <a:spAutoFit/>
+          </a:bodyPr>
+          <a:lstStyle>
+            <a:defPPr>
+              <a:defRPr lang="en-US"/>
+            </a:defPPr>
+            <a:lvl1pPr algn="ctr">
+              <a:defRPr sz="1200">
+                <a:highlight>
+                  <a:srgbClr val="FFFF00"/>
+                </a:highlight>
+              </a:defRPr>
+            </a:lvl1pPr>
+          </a:lstStyle>
+          <a:p>
+            <a:r>
+              <a:rPr lang="en-US" dirty="0" err="1"/>
+              <a:t>input$selectFrcst</a:t>
+            </a:r>
+            <a:endParaRPr lang="en-US" dirty="0"/>
+          </a:p>
+        </p:txBody>
+      </p:sp>
+      <p:sp>
+        <p:nvSpPr>
+          <p:cNvPr id="18" name="TextBox 17">
+            <a:extLst>
+              <a:ext uri="{FF2B5EF4-FFF2-40B4-BE49-F238E27FC236}">
+                <a16:creationId xmlns:a16="http://schemas.microsoft.com/office/drawing/2014/main" id="{CA5BE5F1-66D5-3FA4-9D35-304F8A943487}"/>
+              </a:ext>
+            </a:extLst>
+          </p:cNvPr>
+          <p:cNvSpPr txBox="1"/>
+          <p:nvPr/>
+        </p:nvSpPr>
+        <p:spPr>
+          <a:xfrm>
+            <a:off x="10026724" y="2315620"/>
+            <a:ext cx="1355103" cy="369332"/>
+          </a:xfrm>
+          <a:prstGeom prst="rect">
+            <a:avLst/>
+          </a:prstGeom>
+          <a:noFill/>
+        </p:spPr>
+        <p:txBody>
+          <a:bodyPr wrap="square">
+            <a:spAutoFit/>
+          </a:bodyPr>
+          <a:lstStyle/>
+          <a:p>
+            <a:r>
+              <a:rPr lang="en-US" dirty="0" err="1"/>
+              <a:t>currentscn</a:t>
+            </a:r>
+            <a:endParaRPr lang="en-US" dirty="0"/>
+          </a:p>
+        </p:txBody>
+      </p:sp>
       <p:cxnSp>
         <p:nvCxnSpPr>
-          <p:cNvPr id="5" name="Straight Arrow Connector 4">
-            <a:extLst>
-              <a:ext uri="{FF2B5EF4-FFF2-40B4-BE49-F238E27FC236}">
-                <a16:creationId xmlns:a16="http://schemas.microsoft.com/office/drawing/2014/main" id="{F56F276E-2FFA-DD11-6AF5-C9F44E153355}"/>
+          <p:cNvPr id="19" name="Straight Arrow Connector 18">
+            <a:extLst>
+              <a:ext uri="{FF2B5EF4-FFF2-40B4-BE49-F238E27FC236}">
+                <a16:creationId xmlns:a16="http://schemas.microsoft.com/office/drawing/2014/main" id="{EF07D2EB-99DC-B4EF-AE05-6D30093737F5}"/>
               </a:ext>
             </a:extLst>
           </p:cNvPr>
@@ -4385,8 +4788,49 @@
           <p:nvPr/>
         </p:nvCxnSpPr>
         <p:spPr>
-          <a:xfrm>
-            <a:off x="949041" y="1187777"/>
+          <a:xfrm flipV="1">
+            <a:off x="9511571" y="1961418"/>
+            <a:ext cx="508540" cy="1"/>
+          </a:xfrm>
+          <a:prstGeom prst="straightConnector1">
+            <a:avLst/>
+          </a:prstGeom>
+          <a:ln>
+            <a:tailEnd type="triangle"/>
+          </a:ln>
+        </p:spPr>
+        <p:style>
+          <a:lnRef idx="1">
+            <a:schemeClr val="accent1"/>
+          </a:lnRef>
+          <a:fillRef idx="0">
+            <a:schemeClr val="accent1"/>
+          </a:fillRef>
+          <a:effectRef idx="0">
+            <a:schemeClr val="accent1"/>
+          </a:effectRef>
+          <a:fontRef idx="minor">
+            <a:schemeClr val="tx1"/>
+          </a:fontRef>
+        </p:style>
+      </p:cxnSp>
+      <p:cxnSp>
+        <p:nvCxnSpPr>
+          <p:cNvPr id="23" name="Straight Arrow Connector 22">
+            <a:extLst>
+              <a:ext uri="{FF2B5EF4-FFF2-40B4-BE49-F238E27FC236}">
+                <a16:creationId xmlns:a16="http://schemas.microsoft.com/office/drawing/2014/main" id="{E0366EB7-71D6-73EE-6091-C9F9B77108D2}"/>
+              </a:ext>
+            </a:extLst>
+          </p:cNvPr>
+          <p:cNvCxnSpPr>
+            <a:cxnSpLocks/>
+          </p:cNvCxnSpPr>
+          <p:nvPr/>
+        </p:nvCxnSpPr>
+        <p:spPr>
+          <a:xfrm>
+            <a:off x="1423321" y="608831"/>
             <a:ext cx="357788" cy="0"/>
           </a:xfrm>
           <a:prstGeom prst="straightConnector1">
@@ -4413,10 +4857,10 @@
       </p:cxnSp>
       <p:sp>
         <p:nvSpPr>
-          <p:cNvPr id="7" name="TextBox 6">
-            <a:extLst>
-              <a:ext uri="{FF2B5EF4-FFF2-40B4-BE49-F238E27FC236}">
-                <a16:creationId xmlns:a16="http://schemas.microsoft.com/office/drawing/2014/main" id="{026E458C-BA1A-ADD6-C196-0CB022289032}"/>
+          <p:cNvPr id="24" name="TextBox 23">
+            <a:extLst>
+              <a:ext uri="{FF2B5EF4-FFF2-40B4-BE49-F238E27FC236}">
+                <a16:creationId xmlns:a16="http://schemas.microsoft.com/office/drawing/2014/main" id="{9D085C72-4809-E951-7E34-80DB898A83EA}"/>
               </a:ext>
             </a:extLst>
           </p:cNvPr>
@@ -4425,7 +4869,7 @@
         </p:nvSpPr>
         <p:spPr>
           <a:xfrm>
-            <a:off x="50237" y="333807"/>
+            <a:off x="143009" y="0"/>
             <a:ext cx="1297796" cy="369332"/>
           </a:xfrm>
           <a:prstGeom prst="rect">
@@ -4439,6 +4883,7 @@
           </a:bodyPr>
           <a:lstStyle/>
           <a:p>
+            <a:pPr algn="r"/>
             <a:r>
               <a:rPr lang="en-US" dirty="0" err="1"/>
               <a:t>navbarPage</a:t>
@@ -4449,10 +4894,10 @@
       </p:sp>
       <p:sp>
         <p:nvSpPr>
-          <p:cNvPr id="8" name="TextBox 7">
-            <a:extLst>
-              <a:ext uri="{FF2B5EF4-FFF2-40B4-BE49-F238E27FC236}">
-                <a16:creationId xmlns:a16="http://schemas.microsoft.com/office/drawing/2014/main" id="{0F7C6071-CB65-F3F2-DE73-EE1ACF0BE292}"/>
+          <p:cNvPr id="25" name="TextBox 24">
+            <a:extLst>
+              <a:ext uri="{FF2B5EF4-FFF2-40B4-BE49-F238E27FC236}">
+                <a16:creationId xmlns:a16="http://schemas.microsoft.com/office/drawing/2014/main" id="{5BDF9B28-917C-7518-DF29-0E9D5927A029}"/>
               </a:ext>
             </a:extLst>
           </p:cNvPr>
@@ -4461,7 +4906,7 @@
         </p:nvSpPr>
         <p:spPr>
           <a:xfrm>
-            <a:off x="-15280" y="960092"/>
+            <a:off x="368506" y="424165"/>
             <a:ext cx="1072299" cy="369332"/>
           </a:xfrm>
           <a:prstGeom prst="rect">
@@ -4475,6 +4920,7 @@
           </a:bodyPr>
           <a:lstStyle/>
           <a:p>
+            <a:pPr algn="r"/>
             <a:r>
               <a:rPr lang="en-US" dirty="0" err="1"/>
               <a:t>tabpanel</a:t>
@@ -4485,10 +4931,10 @@
       </p:sp>
       <p:sp>
         <p:nvSpPr>
-          <p:cNvPr id="9" name="TextBox 8">
-            <a:extLst>
-              <a:ext uri="{FF2B5EF4-FFF2-40B4-BE49-F238E27FC236}">
-                <a16:creationId xmlns:a16="http://schemas.microsoft.com/office/drawing/2014/main" id="{956429F6-5E4E-88B8-98E1-EF5089E144F5}"/>
+          <p:cNvPr id="26" name="TextBox 25">
+            <a:extLst>
+              <a:ext uri="{FF2B5EF4-FFF2-40B4-BE49-F238E27FC236}">
+                <a16:creationId xmlns:a16="http://schemas.microsoft.com/office/drawing/2014/main" id="{E16F04D3-7972-5B17-9135-E0B1035D97B7}"/>
               </a:ext>
             </a:extLst>
           </p:cNvPr>
@@ -4497,7 +4943,7 @@
         </p:nvSpPr>
         <p:spPr>
           <a:xfrm>
-            <a:off x="50237" y="1559293"/>
+            <a:off x="670164" y="961715"/>
             <a:ext cx="770641" cy="369332"/>
           </a:xfrm>
           <a:prstGeom prst="rect">
@@ -4511,6 +4957,7 @@
           </a:bodyPr>
           <a:lstStyle/>
           <a:p>
+            <a:pPr algn="r"/>
             <a:r>
               <a:rPr lang="en-US" dirty="0"/>
               <a:t>tabs</a:t>
@@ -4520,19 +4967,21 @@
       </p:sp>
       <p:cxnSp>
         <p:nvCxnSpPr>
-          <p:cNvPr id="11" name="Straight Arrow Connector 10">
-            <a:extLst>
-              <a:ext uri="{FF2B5EF4-FFF2-40B4-BE49-F238E27FC236}">
-                <a16:creationId xmlns:a16="http://schemas.microsoft.com/office/drawing/2014/main" id="{30883794-BF04-2305-A86F-B0692B61B58C}"/>
-              </a:ext>
-            </a:extLst>
-          </p:cNvPr>
-          <p:cNvCxnSpPr/>
+          <p:cNvPr id="27" name="Straight Arrow Connector 26">
+            <a:extLst>
+              <a:ext uri="{FF2B5EF4-FFF2-40B4-BE49-F238E27FC236}">
+                <a16:creationId xmlns:a16="http://schemas.microsoft.com/office/drawing/2014/main" id="{A96523D3-9B2F-1494-88D6-D2D56BBCDE10}"/>
+              </a:ext>
+            </a:extLst>
+          </p:cNvPr>
+          <p:cNvCxnSpPr>
+            <a:cxnSpLocks/>
+          </p:cNvCxnSpPr>
           <p:nvPr/>
         </p:nvCxnSpPr>
         <p:spPr>
           <a:xfrm>
-            <a:off x="949041" y="1725104"/>
+            <a:off x="1560725" y="1146381"/>
             <a:ext cx="357788" cy="0"/>
           </a:xfrm>
           <a:prstGeom prst="straightConnector1">
@@ -4559,10 +5008,57 @@
       </p:cxnSp>
       <p:sp>
         <p:nvSpPr>
-          <p:cNvPr id="12" name="TextBox 11">
-            <a:extLst>
-              <a:ext uri="{FF2B5EF4-FFF2-40B4-BE49-F238E27FC236}">
-                <a16:creationId xmlns:a16="http://schemas.microsoft.com/office/drawing/2014/main" id="{95AE04F9-CD3F-5E38-BF9A-3EC4EAF944C3}"/>
+          <p:cNvPr id="28" name="Rectangle 27">
+            <a:extLst>
+              <a:ext uri="{FF2B5EF4-FFF2-40B4-BE49-F238E27FC236}">
+                <a16:creationId xmlns:a16="http://schemas.microsoft.com/office/drawing/2014/main" id="{8B809878-6E66-A485-6118-FEF32951DFD5}"/>
+              </a:ext>
+            </a:extLst>
+          </p:cNvPr>
+          <p:cNvSpPr/>
+          <p:nvPr/>
+        </p:nvSpPr>
+        <p:spPr>
+          <a:xfrm>
+            <a:off x="2223262" y="842290"/>
+            <a:ext cx="4391817" cy="5920460"/>
+          </a:xfrm>
+          <a:prstGeom prst="rect">
+            <a:avLst/>
+          </a:prstGeom>
+          <a:noFill/>
+        </p:spPr>
+        <p:style>
+          <a:lnRef idx="2">
+            <a:schemeClr val="accent1">
+              <a:shade val="15000"/>
+            </a:schemeClr>
+          </a:lnRef>
+          <a:fillRef idx="1">
+            <a:schemeClr val="accent1"/>
+          </a:fillRef>
+          <a:effectRef idx="0">
+            <a:schemeClr val="accent1"/>
+          </a:effectRef>
+          <a:fontRef idx="minor">
+            <a:schemeClr val="lt1"/>
+          </a:fontRef>
+        </p:style>
+        <p:txBody>
+          <a:bodyPr rtlCol="0" anchor="ctr"/>
+          <a:lstStyle/>
+          <a:p>
+            <a:pPr algn="ctr"/>
+            <a:endParaRPr lang="en-US"/>
+          </a:p>
+        </p:txBody>
+      </p:sp>
+      <p:sp>
+        <p:nvSpPr>
+          <p:cNvPr id="29" name="TextBox 28">
+            <a:extLst>
+              <a:ext uri="{FF2B5EF4-FFF2-40B4-BE49-F238E27FC236}">
+                <a16:creationId xmlns:a16="http://schemas.microsoft.com/office/drawing/2014/main" id="{A6654CDD-C6CE-17C2-73A5-53DD8797C53E}"/>
               </a:ext>
             </a:extLst>
           </p:cNvPr>
@@ -4571,34 +5067,84 @@
         </p:nvSpPr>
         <p:spPr>
           <a:xfrm>
-            <a:off x="1994556" y="818445"/>
-            <a:ext cx="314510" cy="369332"/>
-          </a:xfrm>
-          <a:prstGeom prst="rect">
-            <a:avLst/>
-          </a:prstGeom>
-          <a:noFill/>
-        </p:spPr>
-        <p:txBody>
-          <a:bodyPr wrap="none" rtlCol="0">
+            <a:off x="3939868" y="614605"/>
+            <a:ext cx="1127959" cy="307777"/>
+          </a:xfrm>
+          <a:prstGeom prst="rect">
+            <a:avLst/>
+          </a:prstGeom>
+          <a:solidFill>
+            <a:schemeClr val="bg1"/>
+          </a:solidFill>
+        </p:spPr>
+        <p:txBody>
+          <a:bodyPr wrap="square">
             <a:spAutoFit/>
           </a:bodyPr>
           <a:lstStyle/>
           <a:p>
-            <a:r>
-              <a:rPr lang="he-IL" dirty="0"/>
-              <a:t>א</a:t>
-            </a:r>
-            <a:endParaRPr lang="en-US" dirty="0"/>
-          </a:p>
-        </p:txBody>
-      </p:sp>
-      <p:sp>
-        <p:nvSpPr>
-          <p:cNvPr id="13" name="TextBox 12">
-            <a:extLst>
-              <a:ext uri="{FF2B5EF4-FFF2-40B4-BE49-F238E27FC236}">
-                <a16:creationId xmlns:a16="http://schemas.microsoft.com/office/drawing/2014/main" id="{6A69D6BE-EF62-CDBF-FFB2-3E1161009FE8}"/>
+            <a:pPr algn="ctr"/>
+            <a:r>
+              <a:rPr lang="en-US" sz="1400" b="1" dirty="0" err="1"/>
+              <a:t>mainPanel</a:t>
+            </a:r>
+            <a:endParaRPr lang="en-US" sz="1400" b="1" dirty="0"/>
+          </a:p>
+        </p:txBody>
+      </p:sp>
+      <p:sp>
+        <p:nvSpPr>
+          <p:cNvPr id="30" name="Rectangle 29">
+            <a:extLst>
+              <a:ext uri="{FF2B5EF4-FFF2-40B4-BE49-F238E27FC236}">
+                <a16:creationId xmlns:a16="http://schemas.microsoft.com/office/drawing/2014/main" id="{830FA520-7F88-D343-795F-CADBF0CF5074}"/>
+              </a:ext>
+            </a:extLst>
+          </p:cNvPr>
+          <p:cNvSpPr/>
+          <p:nvPr/>
+        </p:nvSpPr>
+        <p:spPr>
+          <a:xfrm>
+            <a:off x="6742300" y="865469"/>
+            <a:ext cx="2172961" cy="5920461"/>
+          </a:xfrm>
+          <a:prstGeom prst="rect">
+            <a:avLst/>
+          </a:prstGeom>
+          <a:noFill/>
+        </p:spPr>
+        <p:style>
+          <a:lnRef idx="2">
+            <a:schemeClr val="accent1">
+              <a:shade val="15000"/>
+            </a:schemeClr>
+          </a:lnRef>
+          <a:fillRef idx="1">
+            <a:schemeClr val="accent1"/>
+          </a:fillRef>
+          <a:effectRef idx="0">
+            <a:schemeClr val="accent1"/>
+          </a:effectRef>
+          <a:fontRef idx="minor">
+            <a:schemeClr val="lt1"/>
+          </a:fontRef>
+        </p:style>
+        <p:txBody>
+          <a:bodyPr rtlCol="0" anchor="ctr"/>
+          <a:lstStyle/>
+          <a:p>
+            <a:pPr algn="ctr"/>
+            <a:endParaRPr lang="en-US"/>
+          </a:p>
+        </p:txBody>
+      </p:sp>
+      <p:sp>
+        <p:nvSpPr>
+          <p:cNvPr id="31" name="TextBox 30">
+            <a:extLst>
+              <a:ext uri="{FF2B5EF4-FFF2-40B4-BE49-F238E27FC236}">
+                <a16:creationId xmlns:a16="http://schemas.microsoft.com/office/drawing/2014/main" id="{0ED00487-9392-767A-7711-60F880132D9B}"/>
               </a:ext>
             </a:extLst>
           </p:cNvPr>
@@ -4607,70 +5153,36 @@
         </p:nvSpPr>
         <p:spPr>
           <a:xfrm>
-            <a:off x="2578588" y="818445"/>
-            <a:ext cx="314510" cy="369332"/>
-          </a:xfrm>
-          <a:prstGeom prst="rect">
-            <a:avLst/>
-          </a:prstGeom>
-          <a:noFill/>
-        </p:spPr>
-        <p:txBody>
-          <a:bodyPr wrap="none" rtlCol="0">
+            <a:off x="7006796" y="736347"/>
+            <a:ext cx="1127959" cy="307777"/>
+          </a:xfrm>
+          <a:prstGeom prst="rect">
+            <a:avLst/>
+          </a:prstGeom>
+          <a:solidFill>
+            <a:schemeClr val="bg1"/>
+          </a:solidFill>
+        </p:spPr>
+        <p:txBody>
+          <a:bodyPr wrap="square">
             <a:spAutoFit/>
           </a:bodyPr>
           <a:lstStyle/>
           <a:p>
-            <a:r>
-              <a:rPr lang="he-IL" dirty="0"/>
-              <a:t>ב</a:t>
-            </a:r>
-            <a:endParaRPr lang="en-US" dirty="0"/>
-          </a:p>
-        </p:txBody>
-      </p:sp>
-      <p:sp>
-        <p:nvSpPr>
-          <p:cNvPr id="14" name="TextBox 13">
-            <a:extLst>
-              <a:ext uri="{FF2B5EF4-FFF2-40B4-BE49-F238E27FC236}">
-                <a16:creationId xmlns:a16="http://schemas.microsoft.com/office/drawing/2014/main" id="{84AA9F1E-B6BC-7072-3F8D-EA2096C03323}"/>
-              </a:ext>
-            </a:extLst>
-          </p:cNvPr>
-          <p:cNvSpPr txBox="1"/>
-          <p:nvPr/>
-        </p:nvSpPr>
-        <p:spPr>
-          <a:xfrm>
-            <a:off x="3162620" y="818445"/>
-            <a:ext cx="276038" cy="369332"/>
-          </a:xfrm>
-          <a:prstGeom prst="rect">
-            <a:avLst/>
-          </a:prstGeom>
-          <a:noFill/>
-        </p:spPr>
-        <p:txBody>
-          <a:bodyPr wrap="none" rtlCol="0">
-            <a:spAutoFit/>
-          </a:bodyPr>
-          <a:lstStyle/>
-          <a:p>
-            <a:r>
-              <a:rPr lang="he-IL" dirty="0"/>
-              <a:t>ג</a:t>
-            </a:r>
-            <a:endParaRPr lang="en-US" dirty="0"/>
+            <a:pPr algn="ctr"/>
+            <a:r>
+              <a:rPr lang="en-US" sz="1400" b="1" dirty="0"/>
+              <a:t>sidebar</a:t>
+            </a:r>
           </a:p>
         </p:txBody>
       </p:sp>
       <p:cxnSp>
         <p:nvCxnSpPr>
-          <p:cNvPr id="17" name="Straight Arrow Connector 16">
-            <a:extLst>
-              <a:ext uri="{FF2B5EF4-FFF2-40B4-BE49-F238E27FC236}">
-                <a16:creationId xmlns:a16="http://schemas.microsoft.com/office/drawing/2014/main" id="{F53F89AB-5F8E-1775-D2C8-E8BC85DA2880}"/>
+          <p:cNvPr id="33" name="Straight Arrow Connector 32">
+            <a:extLst>
+              <a:ext uri="{FF2B5EF4-FFF2-40B4-BE49-F238E27FC236}">
+                <a16:creationId xmlns:a16="http://schemas.microsoft.com/office/drawing/2014/main" id="{BB1432A9-7502-E26B-990F-458491A4804C}"/>
               </a:ext>
             </a:extLst>
           </p:cNvPr>
@@ -4678,9 +5190,9 @@
           <p:nvPr/>
         </p:nvCxnSpPr>
         <p:spPr>
-          <a:xfrm flipH="1">
-            <a:off x="7849462" y="2130458"/>
-            <a:ext cx="348792" cy="150829"/>
+          <a:xfrm flipV="1">
+            <a:off x="9511571" y="2500286"/>
+            <a:ext cx="508540" cy="1"/>
           </a:xfrm>
           <a:prstGeom prst="straightConnector1">
             <a:avLst/>
@@ -4691,64 +5203,25 @@
         </p:spPr>
         <p:style>
           <a:lnRef idx="1">
-            <a:schemeClr val="accent2"/>
+            <a:schemeClr val="accent1"/>
           </a:lnRef>
           <a:fillRef idx="0">
-            <a:schemeClr val="accent2"/>
+            <a:schemeClr val="accent1"/>
           </a:fillRef>
           <a:effectRef idx="0">
-            <a:schemeClr val="accent2"/>
+            <a:schemeClr val="accent1"/>
           </a:effectRef>
           <a:fontRef idx="minor">
             <a:schemeClr val="tx1"/>
           </a:fontRef>
         </p:style>
       </p:cxnSp>
-      <p:cxnSp>
-        <p:nvCxnSpPr>
-          <p:cNvPr id="18" name="Straight Arrow Connector 17">
-            <a:extLst>
-              <a:ext uri="{FF2B5EF4-FFF2-40B4-BE49-F238E27FC236}">
-                <a16:creationId xmlns:a16="http://schemas.microsoft.com/office/drawing/2014/main" id="{AD56CC2B-2B2F-CFBA-80C3-61016C7D50BB}"/>
-              </a:ext>
-            </a:extLst>
-          </p:cNvPr>
-          <p:cNvCxnSpPr/>
-          <p:nvPr/>
-        </p:nvCxnSpPr>
-        <p:spPr>
-          <a:xfrm flipH="1">
-            <a:off x="7675066" y="2837468"/>
-            <a:ext cx="348792" cy="150829"/>
-          </a:xfrm>
-          <a:prstGeom prst="straightConnector1">
-            <a:avLst/>
-          </a:prstGeom>
-          <a:ln>
-            <a:tailEnd type="triangle"/>
-          </a:ln>
-        </p:spPr>
-        <p:style>
-          <a:lnRef idx="1">
-            <a:schemeClr val="accent2"/>
-          </a:lnRef>
-          <a:fillRef idx="0">
-            <a:schemeClr val="accent2"/>
-          </a:fillRef>
-          <a:effectRef idx="0">
-            <a:schemeClr val="accent2"/>
-          </a:effectRef>
-          <a:fontRef idx="minor">
-            <a:schemeClr val="tx1"/>
-          </a:fontRef>
-        </p:style>
-      </p:cxnSp>
-      <p:sp>
-        <p:nvSpPr>
-          <p:cNvPr id="19" name="TextBox 18">
-            <a:extLst>
-              <a:ext uri="{FF2B5EF4-FFF2-40B4-BE49-F238E27FC236}">
-                <a16:creationId xmlns:a16="http://schemas.microsoft.com/office/drawing/2014/main" id="{BF21C865-24BC-8FB9-16DE-CD1648A2AE85}"/>
+      <p:sp>
+        <p:nvSpPr>
+          <p:cNvPr id="34" name="TextBox 33">
+            <a:extLst>
+              <a:ext uri="{FF2B5EF4-FFF2-40B4-BE49-F238E27FC236}">
+                <a16:creationId xmlns:a16="http://schemas.microsoft.com/office/drawing/2014/main" id="{B3F8B912-0471-0590-8ACC-0D75266D96A4}"/>
               </a:ext>
             </a:extLst>
           </p:cNvPr>
@@ -4757,8 +5230,8 @@
         </p:nvSpPr>
         <p:spPr>
           <a:xfrm>
-            <a:off x="10042491" y="267398"/>
-            <a:ext cx="1477969" cy="369332"/>
+            <a:off x="6727741" y="3106562"/>
+            <a:ext cx="1163361" cy="257369"/>
           </a:xfrm>
           <a:prstGeom prst="rect">
             <a:avLst/>
@@ -4766,43 +5239,7 @@
           <a:noFill/>
         </p:spPr>
         <p:txBody>
-          <a:bodyPr wrap="none" rtlCol="0">
-            <a:spAutoFit/>
-          </a:bodyPr>
-          <a:lstStyle/>
-          <a:p>
-            <a:r>
-              <a:rPr lang="en-US" dirty="0" err="1"/>
-              <a:t>cfg$scenarios</a:t>
-            </a:r>
-            <a:endParaRPr lang="en-US" dirty="0"/>
-          </a:p>
-        </p:txBody>
-      </p:sp>
-      <p:sp>
-        <p:nvSpPr>
-          <p:cNvPr id="21" name="TextBox 20">
-            <a:extLst>
-              <a:ext uri="{FF2B5EF4-FFF2-40B4-BE49-F238E27FC236}">
-                <a16:creationId xmlns:a16="http://schemas.microsoft.com/office/drawing/2014/main" id="{2E2F7325-AA87-9DD0-F324-164CD1BCCAC8}"/>
-              </a:ext>
-            </a:extLst>
-          </p:cNvPr>
-          <p:cNvSpPr txBox="1"/>
-          <p:nvPr/>
-        </p:nvSpPr>
-        <p:spPr>
-          <a:xfrm>
-            <a:off x="6722627" y="2446372"/>
-            <a:ext cx="1242715" cy="276999"/>
-          </a:xfrm>
-          <a:prstGeom prst="rect">
-            <a:avLst/>
-          </a:prstGeom>
-          <a:noFill/>
-        </p:spPr>
-        <p:txBody>
-          <a:bodyPr wrap="square">
+          <a:bodyPr wrap="square" lIns="36000" tIns="36000" rIns="36000" bIns="36000">
             <a:spAutoFit/>
           </a:bodyPr>
           <a:lstStyle>
@@ -4819,27 +5256,19 @@
           </a:lstStyle>
           <a:p>
             <a:r>
-              <a:rPr lang="en-US" dirty="0" err="1">
-                <a:highlight>
-                  <a:srgbClr val="00FFFF"/>
-                </a:highlight>
-              </a:rPr>
-              <a:t>cfg$scnsources</a:t>
-            </a:r>
-            <a:endParaRPr lang="en-US" dirty="0">
-              <a:highlight>
-                <a:srgbClr val="00FFFF"/>
-              </a:highlight>
-            </a:endParaRPr>
-          </a:p>
-        </p:txBody>
-      </p:sp>
-      <p:sp>
-        <p:nvSpPr>
-          <p:cNvPr id="23" name="TextBox 22">
-            <a:extLst>
-              <a:ext uri="{FF2B5EF4-FFF2-40B4-BE49-F238E27FC236}">
-                <a16:creationId xmlns:a16="http://schemas.microsoft.com/office/drawing/2014/main" id="{956ADE46-6B66-B10D-63D1-86D6EF1523C0}"/>
+              <a:rPr lang="en-US" dirty="0" err="1"/>
+              <a:t>input$selectScn</a:t>
+            </a:r>
+            <a:endParaRPr lang="en-US" dirty="0"/>
+          </a:p>
+        </p:txBody>
+      </p:sp>
+      <p:sp>
+        <p:nvSpPr>
+          <p:cNvPr id="37" name="TextBox 36">
+            <a:extLst>
+              <a:ext uri="{FF2B5EF4-FFF2-40B4-BE49-F238E27FC236}">
+                <a16:creationId xmlns:a16="http://schemas.microsoft.com/office/drawing/2014/main" id="{276B1B2E-F41C-98C7-DA71-01B09C9A79BC}"/>
               </a:ext>
             </a:extLst>
           </p:cNvPr>
@@ -4848,8 +5277,8 @@
         </p:nvSpPr>
         <p:spPr>
           <a:xfrm>
-            <a:off x="8382559" y="2428006"/>
-            <a:ext cx="1242715" cy="276999"/>
+            <a:off x="6678152" y="3723010"/>
+            <a:ext cx="1163361" cy="257369"/>
           </a:xfrm>
           <a:prstGeom prst="rect">
             <a:avLst/>
@@ -4857,46 +5286,277 @@
           <a:noFill/>
         </p:spPr>
         <p:txBody>
-          <a:bodyPr wrap="square">
+          <a:bodyPr wrap="square" lIns="36000" tIns="36000" rIns="36000" bIns="36000">
             <a:spAutoFit/>
           </a:bodyPr>
-          <a:lstStyle/>
-          <a:p>
-            <a:pPr algn="ctr"/>
-            <a:r>
-              <a:rPr lang="en-US" sz="1200" dirty="0" err="1">
+          <a:lstStyle>
+            <a:defPPr>
+              <a:defRPr lang="en-US"/>
+            </a:defPPr>
+            <a:lvl1pPr algn="ctr">
+              <a:defRPr sz="1200">
                 <a:highlight>
                   <a:srgbClr val="FFFF00"/>
                 </a:highlight>
-              </a:rPr>
-              <a:t>input$selectSrc</a:t>
-            </a:r>
-            <a:endParaRPr lang="en-US" sz="1200" dirty="0">
-              <a:highlight>
-                <a:srgbClr val="FFFF00"/>
-              </a:highlight>
-            </a:endParaRPr>
+              </a:defRPr>
+            </a:lvl1pPr>
+          </a:lstStyle>
+          <a:p>
+            <a:r>
+              <a:rPr lang="en-US" dirty="0" err="1"/>
+              <a:t>input$selectYr</a:t>
+            </a:r>
+            <a:endParaRPr lang="en-US" dirty="0"/>
+          </a:p>
+        </p:txBody>
+      </p:sp>
+      <p:sp>
+        <p:nvSpPr>
+          <p:cNvPr id="38" name="TextBox 37">
+            <a:extLst>
+              <a:ext uri="{FF2B5EF4-FFF2-40B4-BE49-F238E27FC236}">
+                <a16:creationId xmlns:a16="http://schemas.microsoft.com/office/drawing/2014/main" id="{3C2368F2-78CB-354D-9265-B814418C7538}"/>
+              </a:ext>
+            </a:extLst>
+          </p:cNvPr>
+          <p:cNvSpPr txBox="1"/>
+          <p:nvPr/>
+        </p:nvSpPr>
+        <p:spPr>
+          <a:xfrm>
+            <a:off x="6665419" y="4528451"/>
+            <a:ext cx="1163361" cy="257369"/>
+          </a:xfrm>
+          <a:prstGeom prst="rect">
+            <a:avLst/>
+          </a:prstGeom>
+          <a:noFill/>
+        </p:spPr>
+        <p:txBody>
+          <a:bodyPr wrap="square" lIns="36000" tIns="36000" rIns="36000" bIns="36000">
+            <a:spAutoFit/>
+          </a:bodyPr>
+          <a:lstStyle>
+            <a:defPPr>
+              <a:defRPr lang="en-US"/>
+            </a:defPPr>
+            <a:lvl1pPr algn="ctr">
+              <a:defRPr sz="1200">
+                <a:highlight>
+                  <a:srgbClr val="FFFF00"/>
+                </a:highlight>
+              </a:defRPr>
+            </a:lvl1pPr>
+          </a:lstStyle>
+          <a:p>
+            <a:r>
+              <a:rPr lang="en-US" dirty="0" err="1"/>
+              <a:t>input$selectVar</a:t>
+            </a:r>
+            <a:endParaRPr lang="en-US" dirty="0"/>
+          </a:p>
+        </p:txBody>
+      </p:sp>
+      <p:sp>
+        <p:nvSpPr>
+          <p:cNvPr id="39" name="TextBox 38">
+            <a:extLst>
+              <a:ext uri="{FF2B5EF4-FFF2-40B4-BE49-F238E27FC236}">
+                <a16:creationId xmlns:a16="http://schemas.microsoft.com/office/drawing/2014/main" id="{0FEEC573-B370-76AD-5F66-21CEDA106B75}"/>
+              </a:ext>
+            </a:extLst>
+          </p:cNvPr>
+          <p:cNvSpPr txBox="1"/>
+          <p:nvPr/>
+        </p:nvSpPr>
+        <p:spPr>
+          <a:xfrm>
+            <a:off x="6710226" y="5164906"/>
+            <a:ext cx="1424529" cy="257369"/>
+          </a:xfrm>
+          <a:prstGeom prst="rect">
+            <a:avLst/>
+          </a:prstGeom>
+          <a:noFill/>
+        </p:spPr>
+        <p:txBody>
+          <a:bodyPr wrap="square" lIns="36000" tIns="36000" rIns="36000" bIns="36000">
+            <a:spAutoFit/>
+          </a:bodyPr>
+          <a:lstStyle>
+            <a:defPPr>
+              <a:defRPr lang="en-US"/>
+            </a:defPPr>
+            <a:lvl1pPr algn="ctr">
+              <a:defRPr sz="1200">
+                <a:highlight>
+                  <a:srgbClr val="FFFF00"/>
+                </a:highlight>
+              </a:defRPr>
+            </a:lvl1pPr>
+          </a:lstStyle>
+          <a:p>
+            <a:r>
+              <a:rPr lang="en-US" dirty="0" err="1"/>
+              <a:t>input$selectAnalysis</a:t>
+            </a:r>
+            <a:endParaRPr lang="en-US" dirty="0"/>
+          </a:p>
+        </p:txBody>
+      </p:sp>
+      <p:sp>
+        <p:nvSpPr>
+          <p:cNvPr id="40" name="TextBox 39">
+            <a:extLst>
+              <a:ext uri="{FF2B5EF4-FFF2-40B4-BE49-F238E27FC236}">
+                <a16:creationId xmlns:a16="http://schemas.microsoft.com/office/drawing/2014/main" id="{B0A8F474-ED39-C551-C028-F386530E9D5F}"/>
+              </a:ext>
+            </a:extLst>
+          </p:cNvPr>
+          <p:cNvSpPr txBox="1"/>
+          <p:nvPr/>
+        </p:nvSpPr>
+        <p:spPr>
+          <a:xfrm>
+            <a:off x="11202863" y="4297619"/>
+            <a:ext cx="894797" cy="230832"/>
+          </a:xfrm>
+          <a:prstGeom prst="rect">
+            <a:avLst/>
+          </a:prstGeom>
+          <a:solidFill>
+            <a:schemeClr val="accent1">
+              <a:lumMod val="20000"/>
+              <a:lumOff val="80000"/>
+            </a:schemeClr>
+          </a:solidFill>
+        </p:spPr>
+        <p:txBody>
+          <a:bodyPr wrap="none" rtlCol="0">
+            <a:spAutoFit/>
+          </a:bodyPr>
+          <a:lstStyle>
+            <a:defPPr>
+              <a:defRPr lang="en-US"/>
+            </a:defPPr>
+            <a:lvl1pPr>
+              <a:defRPr sz="1050" b="1"/>
+            </a:lvl1pPr>
+          </a:lstStyle>
+          <a:p>
+            <a:r>
+              <a:rPr lang="he-IL" sz="900" dirty="0"/>
+              <a:t>בחר משתנה/ים</a:t>
+            </a:r>
+            <a:endParaRPr lang="en-US" sz="900" dirty="0"/>
+          </a:p>
+        </p:txBody>
+      </p:sp>
+      <p:sp>
+        <p:nvSpPr>
+          <p:cNvPr id="41" name="TextBox 40">
+            <a:extLst>
+              <a:ext uri="{FF2B5EF4-FFF2-40B4-BE49-F238E27FC236}">
+                <a16:creationId xmlns:a16="http://schemas.microsoft.com/office/drawing/2014/main" id="{1B8B1005-8FF9-B521-BB3D-0B9CD548808E}"/>
+              </a:ext>
+            </a:extLst>
+          </p:cNvPr>
+          <p:cNvSpPr txBox="1"/>
+          <p:nvPr/>
+        </p:nvSpPr>
+        <p:spPr>
+          <a:xfrm>
+            <a:off x="11228735" y="4560849"/>
+            <a:ext cx="782587" cy="276999"/>
+          </a:xfrm>
+          <a:prstGeom prst="rect">
+            <a:avLst/>
+          </a:prstGeom>
+          <a:solidFill>
+            <a:schemeClr val="accent4">
+              <a:lumMod val="20000"/>
+              <a:lumOff val="80000"/>
+            </a:schemeClr>
+          </a:solidFill>
+        </p:spPr>
+        <p:txBody>
+          <a:bodyPr wrap="none" rtlCol="0">
+            <a:spAutoFit/>
+          </a:bodyPr>
+          <a:lstStyle/>
+          <a:p>
+            <a:r>
+              <a:rPr lang="he-IL" sz="1200" b="1" dirty="0"/>
+              <a:t>אוכלוסייה</a:t>
+            </a:r>
+            <a:endParaRPr lang="en-US" sz="1200" dirty="0"/>
+          </a:p>
+        </p:txBody>
+      </p:sp>
+      <p:sp>
+        <p:nvSpPr>
+          <p:cNvPr id="42" name="TextBox 41">
+            <a:extLst>
+              <a:ext uri="{FF2B5EF4-FFF2-40B4-BE49-F238E27FC236}">
+                <a16:creationId xmlns:a16="http://schemas.microsoft.com/office/drawing/2014/main" id="{3B94C0DA-A02D-3432-5074-F43007F09685}"/>
+              </a:ext>
+            </a:extLst>
+          </p:cNvPr>
+          <p:cNvSpPr txBox="1"/>
+          <p:nvPr/>
+        </p:nvSpPr>
+        <p:spPr>
+          <a:xfrm>
+            <a:off x="11358708" y="5139224"/>
+            <a:ext cx="630301" cy="461665"/>
+          </a:xfrm>
+          <a:prstGeom prst="rect">
+            <a:avLst/>
+          </a:prstGeom>
+          <a:solidFill>
+            <a:schemeClr val="accent4">
+              <a:lumMod val="20000"/>
+              <a:lumOff val="80000"/>
+            </a:schemeClr>
+          </a:solidFill>
+        </p:spPr>
+        <p:txBody>
+          <a:bodyPr wrap="none" rtlCol="0">
+            <a:spAutoFit/>
+          </a:bodyPr>
+          <a:lstStyle/>
+          <a:p>
+            <a:r>
+              <a:rPr lang="he-IL" sz="1200" b="1" dirty="0"/>
+              <a:t>ערכים</a:t>
+            </a:r>
+          </a:p>
+          <a:p>
+            <a:r>
+              <a:rPr lang="he-IL" sz="1200" b="1" dirty="0"/>
+              <a:t>צפיפות</a:t>
+            </a:r>
           </a:p>
         </p:txBody>
       </p:sp>
       <p:cxnSp>
         <p:nvCxnSpPr>
-          <p:cNvPr id="27" name="Straight Arrow Connector 26">
-            <a:extLst>
-              <a:ext uri="{FF2B5EF4-FFF2-40B4-BE49-F238E27FC236}">
-                <a16:creationId xmlns:a16="http://schemas.microsoft.com/office/drawing/2014/main" id="{C3BC1A83-E5DA-5AEB-9C82-CB5F3FCFDE9B}"/>
+          <p:cNvPr id="43" name="Straight Arrow Connector 42">
+            <a:extLst>
+              <a:ext uri="{FF2B5EF4-FFF2-40B4-BE49-F238E27FC236}">
+                <a16:creationId xmlns:a16="http://schemas.microsoft.com/office/drawing/2014/main" id="{2EA4679A-D184-CB6A-DC00-E1765F925A94}"/>
               </a:ext>
             </a:extLst>
           </p:cNvPr>
           <p:cNvCxnSpPr>
-            <a:stCxn id="23" idx="3"/>
+            <a:cxnSpLocks/>
           </p:cNvCxnSpPr>
           <p:nvPr/>
         </p:nvCxnSpPr>
         <p:spPr>
-          <a:xfrm flipV="1">
-            <a:off x="9625274" y="2566505"/>
-            <a:ext cx="508540" cy="1"/>
+          <a:xfrm>
+            <a:off x="1423321" y="176569"/>
+            <a:ext cx="357788" cy="0"/>
           </a:xfrm>
           <a:prstGeom prst="straightConnector1">
             <a:avLst/>
@@ -4907,13 +5567,13 @@
         </p:spPr>
         <p:style>
           <a:lnRef idx="1">
-            <a:schemeClr val="accent1"/>
+            <a:schemeClr val="dk1"/>
           </a:lnRef>
           <a:fillRef idx="0">
-            <a:schemeClr val="accent1"/>
+            <a:schemeClr val="dk1"/>
           </a:fillRef>
           <a:effectRef idx="0">
-            <a:schemeClr val="accent1"/>
+            <a:schemeClr val="dk1"/>
           </a:effectRef>
           <a:fontRef idx="minor">
             <a:schemeClr val="tx1"/>
@@ -4922,10 +5582,10 @@
       </p:cxnSp>
       <p:sp>
         <p:nvSpPr>
-          <p:cNvPr id="29" name="TextBox 28">
-            <a:extLst>
-              <a:ext uri="{FF2B5EF4-FFF2-40B4-BE49-F238E27FC236}">
-                <a16:creationId xmlns:a16="http://schemas.microsoft.com/office/drawing/2014/main" id="{26678043-B23B-82A4-2406-D77A39B2A0EB}"/>
+          <p:cNvPr id="44" name="TextBox 43">
+            <a:extLst>
+              <a:ext uri="{FF2B5EF4-FFF2-40B4-BE49-F238E27FC236}">
+                <a16:creationId xmlns:a16="http://schemas.microsoft.com/office/drawing/2014/main" id="{AE80E211-2B71-949D-505E-BD4BBE70837D}"/>
               </a:ext>
             </a:extLst>
           </p:cNvPr>
@@ -4934,8 +5594,8 @@
         </p:nvSpPr>
         <p:spPr>
           <a:xfrm>
-            <a:off x="10297787" y="2335673"/>
-            <a:ext cx="1140404" cy="369332"/>
+            <a:off x="6572609" y="5374998"/>
+            <a:ext cx="1424529" cy="257369"/>
           </a:xfrm>
           <a:prstGeom prst="rect">
             <a:avLst/>
@@ -4943,14 +5603,25 @@
           <a:noFill/>
         </p:spPr>
         <p:txBody>
-          <a:bodyPr wrap="square">
+          <a:bodyPr wrap="square" lIns="36000" tIns="36000" rIns="36000" bIns="36000">
             <a:spAutoFit/>
           </a:bodyPr>
-          <a:lstStyle/>
+          <a:lstStyle>
+            <a:defPPr>
+              <a:defRPr lang="en-US"/>
+            </a:defPPr>
+            <a:lvl1pPr algn="ctr">
+              <a:defRPr sz="1200">
+                <a:highlight>
+                  <a:srgbClr val="FFFF00"/>
+                </a:highlight>
+              </a:defRPr>
+            </a:lvl1pPr>
+          </a:lstStyle>
           <a:p>
             <a:r>
               <a:rPr lang="en-US" dirty="0" err="1"/>
-              <a:t>currentsrc</a:t>
+              <a:t>input$selectproc</a:t>
             </a:r>
             <a:endParaRPr lang="en-US" dirty="0"/>
           </a:p>
@@ -4958,10 +5629,10 @@
       </p:sp>
       <p:sp>
         <p:nvSpPr>
-          <p:cNvPr id="31" name="TextBox 30">
-            <a:extLst>
-              <a:ext uri="{FF2B5EF4-FFF2-40B4-BE49-F238E27FC236}">
-                <a16:creationId xmlns:a16="http://schemas.microsoft.com/office/drawing/2014/main" id="{1623C78F-31CF-3ECC-E15F-51266B3C528A}"/>
+          <p:cNvPr id="46" name="TextBox 45">
+            <a:extLst>
+              <a:ext uri="{FF2B5EF4-FFF2-40B4-BE49-F238E27FC236}">
+                <a16:creationId xmlns:a16="http://schemas.microsoft.com/office/drawing/2014/main" id="{1685EBED-EC20-1C11-6EFD-0C854C905F4B}"/>
               </a:ext>
             </a:extLst>
           </p:cNvPr>
@@ -4970,8 +5641,8 @@
         </p:nvSpPr>
         <p:spPr>
           <a:xfrm>
-            <a:off x="6661243" y="3120759"/>
-            <a:ext cx="1242715" cy="276999"/>
+            <a:off x="7828780" y="3104020"/>
+            <a:ext cx="1786750" cy="257369"/>
           </a:xfrm>
           <a:prstGeom prst="rect">
             <a:avLst/>
@@ -4979,7 +5650,7 @@
           <a:noFill/>
         </p:spPr>
         <p:txBody>
-          <a:bodyPr wrap="square">
+          <a:bodyPr wrap="square" lIns="36000" tIns="36000" rIns="36000" bIns="36000">
             <a:spAutoFit/>
           </a:bodyPr>
           <a:lstStyle>
@@ -4995,9 +5666,10 @@
             </a:lvl1pPr>
           </a:lstStyle>
           <a:p>
+            <a:pPr algn="l"/>
             <a:r>
               <a:rPr lang="en-US" dirty="0" err="1"/>
-              <a:t>cfg$scnchoices</a:t>
+              <a:t>currentFrcst$Frcst$scnlist</a:t>
             </a:r>
             <a:endParaRPr lang="en-US" dirty="0"/>
           </a:p>
@@ -5005,10 +5677,10 @@
       </p:sp>
       <p:sp>
         <p:nvSpPr>
-          <p:cNvPr id="33" name="TextBox 32">
-            <a:extLst>
-              <a:ext uri="{FF2B5EF4-FFF2-40B4-BE49-F238E27FC236}">
-                <a16:creationId xmlns:a16="http://schemas.microsoft.com/office/drawing/2014/main" id="{7D72F484-F877-0F84-BBD8-8698156C55FF}"/>
+          <p:cNvPr id="48" name="TextBox 47">
+            <a:extLst>
+              <a:ext uri="{FF2B5EF4-FFF2-40B4-BE49-F238E27FC236}">
+                <a16:creationId xmlns:a16="http://schemas.microsoft.com/office/drawing/2014/main" id="{F83B16F8-C3A3-E637-1610-8772DF3BB914}"/>
               </a:ext>
             </a:extLst>
           </p:cNvPr>
@@ -5017,8 +5689,8 @@
         </p:nvSpPr>
         <p:spPr>
           <a:xfrm>
-            <a:off x="8314391" y="3118823"/>
-            <a:ext cx="1562492" cy="276999"/>
+            <a:off x="3048000" y="3230046"/>
+            <a:ext cx="6096000" cy="369332"/>
           </a:xfrm>
           <a:prstGeom prst="rect">
             <a:avLst/>
@@ -5029,687 +5701,31 @@
           <a:bodyPr wrap="square">
             <a:spAutoFit/>
           </a:bodyPr>
-          <a:lstStyle>
-            <a:defPPr>
-              <a:defRPr lang="en-US"/>
-            </a:defPPr>
-            <a:lvl1pPr algn="ctr">
-              <a:defRPr sz="1200">
-                <a:highlight>
-                  <a:srgbClr val="FFFF00"/>
-                </a:highlight>
-              </a:defRPr>
-            </a:lvl1pPr>
-          </a:lstStyle>
-          <a:p>
+          <a:lstStyle/>
+          <a:p>
+            <a:r>
+              <a:rPr lang="en-US" dirty="0" err="1"/>
+              <a:t>currentFrcst$Frcst$scenarios</a:t>
+            </a:r>
+            <a:r>
+              <a:rPr lang="en-US" dirty="0"/>
+              <a:t>[[</a:t>
+            </a:r>
             <a:r>
               <a:rPr lang="en-US" dirty="0" err="1"/>
               <a:t>input$selectScn</a:t>
             </a:r>
-            <a:endParaRPr lang="en-US" dirty="0"/>
-          </a:p>
-        </p:txBody>
-      </p:sp>
-      <p:sp>
-        <p:nvSpPr>
-          <p:cNvPr id="35" name="TextBox 34">
-            <a:extLst>
-              <a:ext uri="{FF2B5EF4-FFF2-40B4-BE49-F238E27FC236}">
-                <a16:creationId xmlns:a16="http://schemas.microsoft.com/office/drawing/2014/main" id="{203B9F0C-EC95-7ACA-4D99-3C355B02896B}"/>
-              </a:ext>
-            </a:extLst>
-          </p:cNvPr>
-          <p:cNvSpPr txBox="1"/>
-          <p:nvPr/>
-        </p:nvSpPr>
-        <p:spPr>
-          <a:xfrm>
-            <a:off x="10297787" y="3026490"/>
-            <a:ext cx="1355103" cy="369332"/>
-          </a:xfrm>
-          <a:prstGeom prst="rect">
-            <a:avLst/>
-          </a:prstGeom>
-          <a:noFill/>
-        </p:spPr>
-        <p:txBody>
-          <a:bodyPr wrap="square">
-            <a:spAutoFit/>
-          </a:bodyPr>
-          <a:lstStyle/>
-          <a:p>
-            <a:r>
-              <a:rPr lang="en-US" dirty="0" err="1"/>
-              <a:t>currentscn</a:t>
-            </a:r>
-            <a:endParaRPr lang="en-US" dirty="0"/>
-          </a:p>
-        </p:txBody>
-      </p:sp>
-      <p:cxnSp>
-        <p:nvCxnSpPr>
-          <p:cNvPr id="36" name="Straight Arrow Connector 35">
-            <a:extLst>
-              <a:ext uri="{FF2B5EF4-FFF2-40B4-BE49-F238E27FC236}">
-                <a16:creationId xmlns:a16="http://schemas.microsoft.com/office/drawing/2014/main" id="{1ECFFC68-637D-4542-962C-55C5E32BBD0A}"/>
-              </a:ext>
-            </a:extLst>
-          </p:cNvPr>
-          <p:cNvCxnSpPr/>
-          <p:nvPr/>
-        </p:nvCxnSpPr>
-        <p:spPr>
-          <a:xfrm flipV="1">
-            <a:off x="9658992" y="3257321"/>
-            <a:ext cx="508540" cy="1"/>
-          </a:xfrm>
-          <a:prstGeom prst="straightConnector1">
-            <a:avLst/>
-          </a:prstGeom>
-          <a:ln>
-            <a:tailEnd type="triangle"/>
-          </a:ln>
-        </p:spPr>
-        <p:style>
-          <a:lnRef idx="1">
-            <a:schemeClr val="accent1"/>
-          </a:lnRef>
-          <a:fillRef idx="0">
-            <a:schemeClr val="accent1"/>
-          </a:fillRef>
-          <a:effectRef idx="0">
-            <a:schemeClr val="accent1"/>
-          </a:effectRef>
-          <a:fontRef idx="minor">
-            <a:schemeClr val="tx1"/>
-          </a:fontRef>
-        </p:style>
-      </p:cxnSp>
-      <p:sp>
-        <p:nvSpPr>
-          <p:cNvPr id="37" name="TextBox 36">
-            <a:extLst>
-              <a:ext uri="{FF2B5EF4-FFF2-40B4-BE49-F238E27FC236}">
-                <a16:creationId xmlns:a16="http://schemas.microsoft.com/office/drawing/2014/main" id="{28236D96-ED4C-B796-3477-651071014F74}"/>
-              </a:ext>
-            </a:extLst>
-          </p:cNvPr>
-          <p:cNvSpPr txBox="1"/>
-          <p:nvPr/>
-        </p:nvSpPr>
-        <p:spPr>
-          <a:xfrm>
-            <a:off x="10042491" y="683089"/>
-            <a:ext cx="874598" cy="369332"/>
-          </a:xfrm>
-          <a:prstGeom prst="rect">
-            <a:avLst/>
-          </a:prstGeom>
-          <a:noFill/>
-        </p:spPr>
-        <p:txBody>
-          <a:bodyPr wrap="none" rtlCol="0">
-            <a:spAutoFit/>
-          </a:bodyPr>
-          <a:lstStyle/>
-          <a:p>
             <a:r>
               <a:rPr lang="en-US" dirty="0"/>
-              <a:t>List(12)</a:t>
-            </a:r>
-          </a:p>
-        </p:txBody>
-      </p:sp>
-      <p:cxnSp>
-        <p:nvCxnSpPr>
-          <p:cNvPr id="39" name="Straight Arrow Connector 38">
-            <a:extLst>
-              <a:ext uri="{FF2B5EF4-FFF2-40B4-BE49-F238E27FC236}">
-                <a16:creationId xmlns:a16="http://schemas.microsoft.com/office/drawing/2014/main" id="{79BF8896-98BB-E67A-3956-D2160CA5AB10}"/>
-              </a:ext>
-            </a:extLst>
-          </p:cNvPr>
-          <p:cNvCxnSpPr>
-            <a:endCxn id="37" idx="3"/>
-          </p:cNvCxnSpPr>
-          <p:nvPr/>
-        </p:nvCxnSpPr>
-        <p:spPr>
-          <a:xfrm flipH="1">
-            <a:off x="10917089" y="867755"/>
-            <a:ext cx="178259" cy="0"/>
-          </a:xfrm>
-          <a:prstGeom prst="straightConnector1">
-            <a:avLst/>
-          </a:prstGeom>
-          <a:ln>
-            <a:tailEnd type="triangle"/>
-          </a:ln>
-        </p:spPr>
-        <p:style>
-          <a:lnRef idx="1">
-            <a:schemeClr val="accent1"/>
-          </a:lnRef>
-          <a:fillRef idx="0">
-            <a:schemeClr val="accent1"/>
-          </a:fillRef>
-          <a:effectRef idx="0">
-            <a:schemeClr val="accent1"/>
-          </a:effectRef>
-          <a:fontRef idx="minor">
-            <a:schemeClr val="tx1"/>
-          </a:fontRef>
-        </p:style>
-      </p:cxnSp>
-      <p:cxnSp>
-        <p:nvCxnSpPr>
-          <p:cNvPr id="40" name="Straight Arrow Connector 39">
-            <a:extLst>
-              <a:ext uri="{FF2B5EF4-FFF2-40B4-BE49-F238E27FC236}">
-                <a16:creationId xmlns:a16="http://schemas.microsoft.com/office/drawing/2014/main" id="{5BC27A05-3844-C875-37FD-54A22BFBDD1A}"/>
-              </a:ext>
-            </a:extLst>
-          </p:cNvPr>
-          <p:cNvCxnSpPr/>
-          <p:nvPr/>
-        </p:nvCxnSpPr>
-        <p:spPr>
-          <a:xfrm flipH="1">
-            <a:off x="8293429" y="3257321"/>
-            <a:ext cx="178259" cy="0"/>
-          </a:xfrm>
-          <a:prstGeom prst="straightConnector1">
-            <a:avLst/>
-          </a:prstGeom>
-          <a:ln>
-            <a:tailEnd type="triangle"/>
-          </a:ln>
-        </p:spPr>
-        <p:style>
-          <a:lnRef idx="1">
-            <a:schemeClr val="accent1"/>
-          </a:lnRef>
-          <a:fillRef idx="0">
-            <a:schemeClr val="accent1"/>
-          </a:fillRef>
-          <a:effectRef idx="0">
-            <a:schemeClr val="accent1"/>
-          </a:effectRef>
-          <a:fontRef idx="minor">
-            <a:schemeClr val="tx1"/>
-          </a:fontRef>
-        </p:style>
-      </p:cxnSp>
-      <p:sp>
-        <p:nvSpPr>
-          <p:cNvPr id="44" name="Rectangle 43">
-            <a:extLst>
-              <a:ext uri="{FF2B5EF4-FFF2-40B4-BE49-F238E27FC236}">
-                <a16:creationId xmlns:a16="http://schemas.microsoft.com/office/drawing/2014/main" id="{B7AD2ED2-71DE-4F86-E4C0-E9F527458BBF}"/>
-              </a:ext>
-            </a:extLst>
-          </p:cNvPr>
-          <p:cNvSpPr/>
-          <p:nvPr/>
-        </p:nvSpPr>
-        <p:spPr>
-          <a:xfrm>
-            <a:off x="1587500" y="1372443"/>
-            <a:ext cx="5135127" cy="5485557"/>
-          </a:xfrm>
-          <a:prstGeom prst="rect">
-            <a:avLst/>
-          </a:prstGeom>
-          <a:noFill/>
-        </p:spPr>
-        <p:style>
-          <a:lnRef idx="2">
-            <a:schemeClr val="accent1">
-              <a:shade val="15000"/>
-            </a:schemeClr>
-          </a:lnRef>
-          <a:fillRef idx="1">
-            <a:schemeClr val="accent1"/>
-          </a:fillRef>
-          <a:effectRef idx="0">
-            <a:schemeClr val="accent1"/>
-          </a:effectRef>
-          <a:fontRef idx="minor">
-            <a:schemeClr val="lt1"/>
-          </a:fontRef>
-        </p:style>
-        <p:txBody>
-          <a:bodyPr rtlCol="0" anchor="ctr"/>
-          <a:lstStyle/>
-          <a:p>
-            <a:pPr algn="ctr"/>
-            <a:endParaRPr lang="en-US"/>
-          </a:p>
-        </p:txBody>
-      </p:sp>
-      <p:sp>
-        <p:nvSpPr>
-          <p:cNvPr id="43" name="TextBox 42">
-            <a:extLst>
-              <a:ext uri="{FF2B5EF4-FFF2-40B4-BE49-F238E27FC236}">
-                <a16:creationId xmlns:a16="http://schemas.microsoft.com/office/drawing/2014/main" id="{F33E6C60-AA17-EB5C-1A99-4808F5B695C8}"/>
-              </a:ext>
-            </a:extLst>
-          </p:cNvPr>
-          <p:cNvSpPr txBox="1"/>
-          <p:nvPr/>
-        </p:nvSpPr>
-        <p:spPr>
-          <a:xfrm>
-            <a:off x="3558340" y="1223797"/>
-            <a:ext cx="1127959" cy="307777"/>
-          </a:xfrm>
-          <a:prstGeom prst="rect">
-            <a:avLst/>
-          </a:prstGeom>
-          <a:solidFill>
-            <a:schemeClr val="bg1"/>
-          </a:solidFill>
-        </p:spPr>
-        <p:txBody>
-          <a:bodyPr wrap="square">
-            <a:spAutoFit/>
-          </a:bodyPr>
-          <a:lstStyle/>
-          <a:p>
-            <a:pPr algn="ctr"/>
-            <a:r>
-              <a:rPr lang="en-US" sz="1400" b="1" dirty="0" err="1"/>
-              <a:t>mainPanel</a:t>
-            </a:r>
-            <a:endParaRPr lang="en-US" sz="1400" b="1" dirty="0"/>
-          </a:p>
-        </p:txBody>
-      </p:sp>
-      <p:sp>
-        <p:nvSpPr>
-          <p:cNvPr id="46" name="Rectangle 45">
-            <a:extLst>
-              <a:ext uri="{FF2B5EF4-FFF2-40B4-BE49-F238E27FC236}">
-                <a16:creationId xmlns:a16="http://schemas.microsoft.com/office/drawing/2014/main" id="{810A9917-5895-E22D-42A8-C806AC0960E7}"/>
-              </a:ext>
-            </a:extLst>
-          </p:cNvPr>
-          <p:cNvSpPr/>
-          <p:nvPr/>
-        </p:nvSpPr>
-        <p:spPr>
-          <a:xfrm>
-            <a:off x="6725782" y="1395622"/>
-            <a:ext cx="2642561" cy="5485557"/>
-          </a:xfrm>
-          <a:prstGeom prst="rect">
-            <a:avLst/>
-          </a:prstGeom>
-          <a:noFill/>
-        </p:spPr>
-        <p:style>
-          <a:lnRef idx="2">
-            <a:schemeClr val="accent1">
-              <a:shade val="15000"/>
-            </a:schemeClr>
-          </a:lnRef>
-          <a:fillRef idx="1">
-            <a:schemeClr val="accent1"/>
-          </a:fillRef>
-          <a:effectRef idx="0">
-            <a:schemeClr val="accent1"/>
-          </a:effectRef>
-          <a:fontRef idx="minor">
-            <a:schemeClr val="lt1"/>
-          </a:fontRef>
-        </p:style>
-        <p:txBody>
-          <a:bodyPr rtlCol="0" anchor="ctr"/>
-          <a:lstStyle/>
-          <a:p>
-            <a:pPr algn="ctr"/>
-            <a:endParaRPr lang="en-US"/>
-          </a:p>
-        </p:txBody>
-      </p:sp>
-      <p:sp>
-        <p:nvSpPr>
-          <p:cNvPr id="45" name="TextBox 44">
-            <a:extLst>
-              <a:ext uri="{FF2B5EF4-FFF2-40B4-BE49-F238E27FC236}">
-                <a16:creationId xmlns:a16="http://schemas.microsoft.com/office/drawing/2014/main" id="{A7DC41DA-62C7-C598-5060-044F9B0AB895}"/>
-              </a:ext>
-            </a:extLst>
-          </p:cNvPr>
-          <p:cNvSpPr txBox="1"/>
-          <p:nvPr/>
-        </p:nvSpPr>
-        <p:spPr>
-          <a:xfrm>
-            <a:off x="7459878" y="1266500"/>
-            <a:ext cx="1127959" cy="307777"/>
-          </a:xfrm>
-          <a:prstGeom prst="rect">
-            <a:avLst/>
-          </a:prstGeom>
-          <a:solidFill>
-            <a:schemeClr val="bg1"/>
-          </a:solidFill>
-        </p:spPr>
-        <p:txBody>
-          <a:bodyPr wrap="square">
-            <a:spAutoFit/>
-          </a:bodyPr>
-          <a:lstStyle/>
-          <a:p>
-            <a:pPr algn="ctr"/>
-            <a:r>
-              <a:rPr lang="en-US" sz="1400" b="1" dirty="0"/>
-              <a:t>sidebar</a:t>
-            </a:r>
-          </a:p>
-        </p:txBody>
-      </p:sp>
-      <p:sp>
-        <p:nvSpPr>
-          <p:cNvPr id="47" name="TextBox 46">
-            <a:extLst>
-              <a:ext uri="{FF2B5EF4-FFF2-40B4-BE49-F238E27FC236}">
-                <a16:creationId xmlns:a16="http://schemas.microsoft.com/office/drawing/2014/main" id="{7690E482-EE93-9FE9-3188-C88718B8CE4A}"/>
-              </a:ext>
-            </a:extLst>
-          </p:cNvPr>
-          <p:cNvSpPr txBox="1"/>
-          <p:nvPr/>
-        </p:nvSpPr>
-        <p:spPr>
-          <a:xfrm>
-            <a:off x="8042951" y="3824759"/>
-            <a:ext cx="1178609" cy="646331"/>
-          </a:xfrm>
-          <a:prstGeom prst="rect">
-            <a:avLst/>
-          </a:prstGeom>
-          <a:noFill/>
-        </p:spPr>
-        <p:txBody>
-          <a:bodyPr wrap="square" rtlCol="0">
-            <a:spAutoFit/>
-          </a:bodyPr>
-          <a:lstStyle/>
-          <a:p>
-            <a:pPr algn="ctr"/>
-            <a:r>
-              <a:rPr lang="he-IL" dirty="0"/>
-              <a:t>רשימת תרחישים</a:t>
-            </a:r>
-            <a:endParaRPr lang="en-US" dirty="0"/>
-          </a:p>
-        </p:txBody>
-      </p:sp>
-      <p:sp>
-        <p:nvSpPr>
-          <p:cNvPr id="48" name="TextBox 47">
-            <a:extLst>
-              <a:ext uri="{FF2B5EF4-FFF2-40B4-BE49-F238E27FC236}">
-                <a16:creationId xmlns:a16="http://schemas.microsoft.com/office/drawing/2014/main" id="{D26B882A-7E19-A119-4B50-CB86277EDAEA}"/>
-              </a:ext>
-            </a:extLst>
-          </p:cNvPr>
-          <p:cNvSpPr txBox="1"/>
-          <p:nvPr/>
-        </p:nvSpPr>
-        <p:spPr>
-          <a:xfrm>
-            <a:off x="6825655" y="3824759"/>
-            <a:ext cx="1178609" cy="369332"/>
-          </a:xfrm>
-          <a:prstGeom prst="rect">
-            <a:avLst/>
-          </a:prstGeom>
-          <a:noFill/>
-        </p:spPr>
-        <p:txBody>
-          <a:bodyPr wrap="square" rtlCol="0">
-            <a:spAutoFit/>
-          </a:bodyPr>
-          <a:lstStyle/>
-          <a:p>
-            <a:pPr algn="ctr"/>
-            <a:r>
-              <a:rPr lang="he-IL" dirty="0"/>
-              <a:t>שנים</a:t>
-            </a:r>
-            <a:endParaRPr lang="en-US" dirty="0"/>
-          </a:p>
-        </p:txBody>
-      </p:sp>
-      <p:sp>
-        <p:nvSpPr>
-          <p:cNvPr id="49" name="TextBox 48">
-            <a:extLst>
-              <a:ext uri="{FF2B5EF4-FFF2-40B4-BE49-F238E27FC236}">
-                <a16:creationId xmlns:a16="http://schemas.microsoft.com/office/drawing/2014/main" id="{124D437B-669E-C7B1-0768-58A24641FB7A}"/>
-              </a:ext>
-            </a:extLst>
-          </p:cNvPr>
-          <p:cNvSpPr txBox="1"/>
-          <p:nvPr/>
-        </p:nvSpPr>
-        <p:spPr>
-          <a:xfrm>
-            <a:off x="8131156" y="4531769"/>
-            <a:ext cx="1018227" cy="461665"/>
-          </a:xfrm>
-          <a:prstGeom prst="rect">
-            <a:avLst/>
-          </a:prstGeom>
-          <a:solidFill>
-            <a:schemeClr val="accent4">
-              <a:lumMod val="20000"/>
-              <a:lumOff val="80000"/>
-            </a:schemeClr>
-          </a:solidFill>
-        </p:spPr>
-        <p:txBody>
-          <a:bodyPr wrap="none" rtlCol="0">
-            <a:spAutoFit/>
-          </a:bodyPr>
-          <a:lstStyle/>
-          <a:p>
-            <a:r>
-              <a:rPr lang="he-IL" sz="1200" b="1" dirty="0"/>
-              <a:t>המשך מגמות</a:t>
-            </a:r>
-          </a:p>
-          <a:p>
-            <a:r>
-              <a:rPr lang="he-IL" sz="1200" dirty="0" err="1"/>
-              <a:t>אטרטגיה</a:t>
-            </a:r>
-            <a:r>
-              <a:rPr lang="he-IL" sz="1200" dirty="0"/>
-              <a:t> דיור</a:t>
-            </a:r>
-            <a:endParaRPr lang="en-US" sz="1200" dirty="0"/>
-          </a:p>
-        </p:txBody>
-      </p:sp>
-      <p:sp>
-        <p:nvSpPr>
-          <p:cNvPr id="50" name="TextBox 49">
-            <a:extLst>
-              <a:ext uri="{FF2B5EF4-FFF2-40B4-BE49-F238E27FC236}">
-                <a16:creationId xmlns:a16="http://schemas.microsoft.com/office/drawing/2014/main" id="{9DF6B048-380A-2F72-6EBE-A91D1D72CD22}"/>
-              </a:ext>
-            </a:extLst>
-          </p:cNvPr>
-          <p:cNvSpPr txBox="1"/>
-          <p:nvPr/>
-        </p:nvSpPr>
-        <p:spPr>
-          <a:xfrm>
-            <a:off x="7122115" y="4448508"/>
-            <a:ext cx="524503" cy="646331"/>
-          </a:xfrm>
-          <a:prstGeom prst="rect">
-            <a:avLst/>
-          </a:prstGeom>
-          <a:solidFill>
-            <a:schemeClr val="accent4">
-              <a:lumMod val="20000"/>
-              <a:lumOff val="80000"/>
-            </a:schemeClr>
-          </a:solidFill>
-        </p:spPr>
-        <p:txBody>
-          <a:bodyPr wrap="none" rtlCol="0">
-            <a:spAutoFit/>
-          </a:bodyPr>
-          <a:lstStyle/>
-          <a:p>
-            <a:r>
-              <a:rPr lang="he-IL" sz="1200" dirty="0"/>
-              <a:t>2020</a:t>
-            </a:r>
-          </a:p>
-          <a:p>
-            <a:r>
-              <a:rPr lang="he-IL" sz="1200" b="1" dirty="0"/>
-              <a:t>2030</a:t>
-            </a:r>
-          </a:p>
-          <a:p>
-            <a:r>
-              <a:rPr lang="he-IL" sz="1200" dirty="0"/>
-              <a:t>2040</a:t>
-            </a:r>
-            <a:endParaRPr lang="en-US" sz="1200" dirty="0"/>
-          </a:p>
-        </p:txBody>
-      </p:sp>
-      <p:sp>
-        <p:nvSpPr>
-          <p:cNvPr id="51" name="TextBox 50">
-            <a:extLst>
-              <a:ext uri="{FF2B5EF4-FFF2-40B4-BE49-F238E27FC236}">
-                <a16:creationId xmlns:a16="http://schemas.microsoft.com/office/drawing/2014/main" id="{444D208C-AB2B-701E-E4B7-30261E432BB2}"/>
-              </a:ext>
-            </a:extLst>
-          </p:cNvPr>
-          <p:cNvSpPr txBox="1"/>
-          <p:nvPr/>
-        </p:nvSpPr>
-        <p:spPr>
-          <a:xfrm>
-            <a:off x="7076133" y="5156713"/>
-            <a:ext cx="2085642" cy="369332"/>
-          </a:xfrm>
-          <a:prstGeom prst="rect">
-            <a:avLst/>
-          </a:prstGeom>
-          <a:noFill/>
-        </p:spPr>
-        <p:txBody>
-          <a:bodyPr wrap="square" rtlCol="0">
-            <a:spAutoFit/>
-          </a:bodyPr>
-          <a:lstStyle/>
-          <a:p>
-            <a:pPr algn="ctr"/>
-            <a:r>
-              <a:rPr lang="he-IL" dirty="0"/>
-              <a:t>רשימת משתנים</a:t>
-            </a:r>
-            <a:endParaRPr lang="en-US" dirty="0"/>
-          </a:p>
-        </p:txBody>
-      </p:sp>
-      <p:sp>
-        <p:nvSpPr>
-          <p:cNvPr id="52" name="TextBox 51">
-            <a:extLst>
-              <a:ext uri="{FF2B5EF4-FFF2-40B4-BE49-F238E27FC236}">
-                <a16:creationId xmlns:a16="http://schemas.microsoft.com/office/drawing/2014/main" id="{4EE99801-D2A3-53A2-7145-83CA3A445804}"/>
-              </a:ext>
-            </a:extLst>
-          </p:cNvPr>
-          <p:cNvSpPr txBox="1"/>
-          <p:nvPr/>
-        </p:nvSpPr>
-        <p:spPr>
-          <a:xfrm>
-            <a:off x="7707220" y="5480668"/>
-            <a:ext cx="782587" cy="276999"/>
-          </a:xfrm>
-          <a:prstGeom prst="rect">
-            <a:avLst/>
-          </a:prstGeom>
-          <a:solidFill>
-            <a:schemeClr val="accent4">
-              <a:lumMod val="20000"/>
-              <a:lumOff val="80000"/>
-            </a:schemeClr>
-          </a:solidFill>
-        </p:spPr>
-        <p:txBody>
-          <a:bodyPr wrap="none" rtlCol="0">
-            <a:spAutoFit/>
-          </a:bodyPr>
-          <a:lstStyle/>
-          <a:p>
-            <a:r>
-              <a:rPr lang="he-IL" sz="1200" b="1" dirty="0"/>
-              <a:t>אוכלוסייה</a:t>
-            </a:r>
-            <a:endParaRPr lang="en-US" sz="1200" dirty="0"/>
-          </a:p>
-        </p:txBody>
-      </p:sp>
-      <p:cxnSp>
-        <p:nvCxnSpPr>
-          <p:cNvPr id="56" name="Straight Arrow Connector 55">
-            <a:extLst>
-              <a:ext uri="{FF2B5EF4-FFF2-40B4-BE49-F238E27FC236}">
-                <a16:creationId xmlns:a16="http://schemas.microsoft.com/office/drawing/2014/main" id="{71DEF7A1-9676-DA28-B205-9C06D48A2090}"/>
-              </a:ext>
-            </a:extLst>
-          </p:cNvPr>
-          <p:cNvCxnSpPr/>
-          <p:nvPr/>
-        </p:nvCxnSpPr>
-        <p:spPr>
-          <a:xfrm>
-            <a:off x="820878" y="4448508"/>
-            <a:ext cx="3301441" cy="0"/>
-          </a:xfrm>
-          <a:prstGeom prst="straightConnector1">
-            <a:avLst/>
-          </a:prstGeom>
-          <a:ln>
-            <a:tailEnd type="triangle"/>
-          </a:ln>
-        </p:spPr>
-        <p:style>
-          <a:lnRef idx="1">
-            <a:schemeClr val="accent1"/>
-          </a:lnRef>
-          <a:fillRef idx="0">
-            <a:schemeClr val="accent1"/>
-          </a:fillRef>
-          <a:effectRef idx="0">
-            <a:schemeClr val="accent1"/>
-          </a:effectRef>
-          <a:fontRef idx="minor">
-            <a:schemeClr val="tx1"/>
-          </a:fontRef>
-        </p:style>
-      </p:cxnSp>
+              <a:t>]]$years</a:t>
+            </a:r>
+          </a:p>
+        </p:txBody>
+      </p:sp>
     </p:spTree>
     <p:extLst>
       <p:ext uri="{BB962C8B-B14F-4D97-AF65-F5344CB8AC3E}">
-        <p14:creationId xmlns:p14="http://schemas.microsoft.com/office/powerpoint/2010/main" val="3254842822"/>
+        <p14:creationId xmlns:p14="http://schemas.microsoft.com/office/powerpoint/2010/main" val="816585038"/>
       </p:ext>
     </p:extLst>
   </p:cSld>
@@ -5736,42 +5752,12 @@
           <a:chExt cx="0" cy="0"/>
         </a:xfrm>
       </p:grpSpPr>
-      <p:pic>
-        <p:nvPicPr>
-          <p:cNvPr id="3" name="Picture 2">
-            <a:extLst>
-              <a:ext uri="{FF2B5EF4-FFF2-40B4-BE49-F238E27FC236}">
-                <a16:creationId xmlns:a16="http://schemas.microsoft.com/office/drawing/2014/main" id="{70ED6760-A76F-4D59-165F-552720F6CD92}"/>
-              </a:ext>
-            </a:extLst>
-          </p:cNvPr>
-          <p:cNvPicPr>
-            <a:picLocks noChangeAspect="1"/>
-          </p:cNvPicPr>
-          <p:nvPr/>
-        </p:nvPicPr>
-        <p:blipFill>
-          <a:blip r:embed="rId2"/>
-          <a:stretch>
-            <a:fillRect/>
-          </a:stretch>
-        </p:blipFill>
-        <p:spPr>
-          <a:xfrm>
-            <a:off x="2582617" y="0"/>
-            <a:ext cx="7026765" cy="6858000"/>
-          </a:xfrm>
-          <a:prstGeom prst="rect">
-            <a:avLst/>
-          </a:prstGeom>
-        </p:spPr>
-      </p:pic>
-      <p:sp>
-        <p:nvSpPr>
-          <p:cNvPr id="4" name="TextBox 3">
-            <a:extLst>
-              <a:ext uri="{FF2B5EF4-FFF2-40B4-BE49-F238E27FC236}">
-                <a16:creationId xmlns:a16="http://schemas.microsoft.com/office/drawing/2014/main" id="{4A1C8CAD-3E5B-7FE3-3730-0B924357C33C}"/>
+      <p:sp>
+        <p:nvSpPr>
+          <p:cNvPr id="3" name="TextBox 2">
+            <a:extLst>
+              <a:ext uri="{FF2B5EF4-FFF2-40B4-BE49-F238E27FC236}">
+                <a16:creationId xmlns:a16="http://schemas.microsoft.com/office/drawing/2014/main" id="{6EA5B4CC-EA2B-4D7B-5CE4-6E97AFB89F6A}"/>
               </a:ext>
             </a:extLst>
           </p:cNvPr>
@@ -5780,8 +5766,8 @@
         </p:nvSpPr>
         <p:spPr>
           <a:xfrm>
-            <a:off x="7710478" y="4530483"/>
-            <a:ext cx="1586773" cy="307777"/>
+            <a:off x="435428" y="562819"/>
+            <a:ext cx="6096000" cy="369332"/>
           </a:xfrm>
           <a:prstGeom prst="rect">
             <a:avLst/>
@@ -5789,321 +5775,30 @@
           <a:noFill/>
         </p:spPr>
         <p:txBody>
-          <a:bodyPr wrap="square" rtlCol="0">
+          <a:bodyPr wrap="square">
             <a:spAutoFit/>
           </a:bodyPr>
           <a:lstStyle/>
           <a:p>
-            <a:pPr algn="ctr"/>
-            <a:r>
-              <a:rPr lang="he-IL" sz="1400" b="1" dirty="0"/>
-              <a:t>בחר משתנה/ים</a:t>
-            </a:r>
-            <a:endParaRPr lang="en-US" sz="1400" b="1" dirty="0"/>
-          </a:p>
-        </p:txBody>
-      </p:sp>
-      <p:sp>
-        <p:nvSpPr>
-          <p:cNvPr id="5" name="TextBox 4">
-            <a:extLst>
-              <a:ext uri="{FF2B5EF4-FFF2-40B4-BE49-F238E27FC236}">
-                <a16:creationId xmlns:a16="http://schemas.microsoft.com/office/drawing/2014/main" id="{07E9D7C6-4FDF-C9CB-74AA-5A0B2C91DD4E}"/>
-              </a:ext>
-            </a:extLst>
-          </p:cNvPr>
-          <p:cNvSpPr txBox="1"/>
-          <p:nvPr/>
-        </p:nvSpPr>
-        <p:spPr>
-          <a:xfrm>
-            <a:off x="8110149" y="4915059"/>
-            <a:ext cx="782587" cy="276999"/>
-          </a:xfrm>
-          <a:prstGeom prst="rect">
-            <a:avLst/>
-          </a:prstGeom>
-          <a:solidFill>
-            <a:schemeClr val="accent4">
-              <a:lumMod val="20000"/>
-              <a:lumOff val="80000"/>
-            </a:schemeClr>
-          </a:solidFill>
-        </p:spPr>
-        <p:txBody>
-          <a:bodyPr wrap="none" rtlCol="0">
-            <a:spAutoFit/>
-          </a:bodyPr>
-          <a:lstStyle/>
-          <a:p>
-            <a:r>
-              <a:rPr lang="he-IL" sz="1200" b="1" dirty="0"/>
-              <a:t>אוכלוסייה</a:t>
-            </a:r>
-            <a:endParaRPr lang="en-US" sz="1200" dirty="0"/>
-          </a:p>
-        </p:txBody>
-      </p:sp>
-      <p:sp>
-        <p:nvSpPr>
-          <p:cNvPr id="6" name="TextBox 5">
-            <a:extLst>
-              <a:ext uri="{FF2B5EF4-FFF2-40B4-BE49-F238E27FC236}">
-                <a16:creationId xmlns:a16="http://schemas.microsoft.com/office/drawing/2014/main" id="{0D46FF72-AD74-00AE-6254-B9C368539940}"/>
-              </a:ext>
-            </a:extLst>
-          </p:cNvPr>
-          <p:cNvSpPr txBox="1"/>
-          <p:nvPr/>
-        </p:nvSpPr>
-        <p:spPr>
-          <a:xfrm>
-            <a:off x="7705634" y="5352183"/>
-            <a:ext cx="1591617" cy="307777"/>
-          </a:xfrm>
-          <a:prstGeom prst="rect">
-            <a:avLst/>
-          </a:prstGeom>
-          <a:noFill/>
-        </p:spPr>
-        <p:txBody>
-          <a:bodyPr wrap="square" rtlCol="0">
-            <a:spAutoFit/>
-          </a:bodyPr>
-          <a:lstStyle/>
-          <a:p>
-            <a:r>
-              <a:rPr lang="he-IL" sz="1400" b="1" dirty="0"/>
-              <a:t>בחר סוג עיבוד</a:t>
-            </a:r>
-            <a:endParaRPr lang="en-US" sz="1400" b="1" dirty="0"/>
-          </a:p>
-        </p:txBody>
-      </p:sp>
-      <p:sp>
-        <p:nvSpPr>
-          <p:cNvPr id="7" name="TextBox 6">
-            <a:extLst>
-              <a:ext uri="{FF2B5EF4-FFF2-40B4-BE49-F238E27FC236}">
-                <a16:creationId xmlns:a16="http://schemas.microsoft.com/office/drawing/2014/main" id="{250BEE6E-4456-99CE-7B7F-0C1EC983DDC1}"/>
-              </a:ext>
-            </a:extLst>
-          </p:cNvPr>
-          <p:cNvSpPr txBox="1"/>
-          <p:nvPr/>
-        </p:nvSpPr>
-        <p:spPr>
-          <a:xfrm>
-            <a:off x="8186292" y="5736759"/>
-            <a:ext cx="630301" cy="461665"/>
-          </a:xfrm>
-          <a:prstGeom prst="rect">
-            <a:avLst/>
-          </a:prstGeom>
-          <a:solidFill>
-            <a:schemeClr val="accent4">
-              <a:lumMod val="20000"/>
-              <a:lumOff val="80000"/>
-            </a:schemeClr>
-          </a:solidFill>
-        </p:spPr>
-        <p:txBody>
-          <a:bodyPr wrap="none" rtlCol="0">
-            <a:spAutoFit/>
-          </a:bodyPr>
-          <a:lstStyle/>
-          <a:p>
-            <a:r>
-              <a:rPr lang="he-IL" sz="1200" b="1" dirty="0"/>
-              <a:t>ערכים</a:t>
-            </a:r>
-          </a:p>
-          <a:p>
-            <a:r>
-              <a:rPr lang="he-IL" sz="1200" b="1" dirty="0"/>
-              <a:t>צפיפות</a:t>
-            </a:r>
-          </a:p>
-        </p:txBody>
-      </p:sp>
-      <p:sp>
-        <p:nvSpPr>
-          <p:cNvPr id="8" name="Rectangle: Rounded Corners 7">
-            <a:extLst>
-              <a:ext uri="{FF2B5EF4-FFF2-40B4-BE49-F238E27FC236}">
-                <a16:creationId xmlns:a16="http://schemas.microsoft.com/office/drawing/2014/main" id="{162091A9-9217-CF04-BDB1-8E007DEA8948}"/>
-              </a:ext>
-            </a:extLst>
-          </p:cNvPr>
-          <p:cNvSpPr/>
-          <p:nvPr/>
-        </p:nvSpPr>
-        <p:spPr>
-          <a:xfrm>
-            <a:off x="7481813" y="6275223"/>
-            <a:ext cx="2039259" cy="384866"/>
-          </a:xfrm>
-          <a:prstGeom prst="roundRect">
-            <a:avLst/>
-          </a:prstGeom>
-        </p:spPr>
-        <p:style>
-          <a:lnRef idx="2">
-            <a:schemeClr val="accent1">
-              <a:shade val="15000"/>
-            </a:schemeClr>
-          </a:lnRef>
-          <a:fillRef idx="1">
-            <a:schemeClr val="accent1"/>
-          </a:fillRef>
-          <a:effectRef idx="0">
-            <a:schemeClr val="accent1"/>
-          </a:effectRef>
-          <a:fontRef idx="minor">
-            <a:schemeClr val="lt1"/>
-          </a:fontRef>
-        </p:style>
-        <p:txBody>
-          <a:bodyPr rtlCol="0" anchor="ctr"/>
-          <a:lstStyle/>
-          <a:p>
-            <a:pPr algn="ctr"/>
-            <a:r>
-              <a:rPr lang="he-IL" dirty="0"/>
-              <a:t>בצע</a:t>
-            </a:r>
-            <a:endParaRPr lang="en-US" dirty="0"/>
-          </a:p>
-        </p:txBody>
-      </p:sp>
-      <p:cxnSp>
-        <p:nvCxnSpPr>
-          <p:cNvPr id="10" name="Straight Arrow Connector 9">
-            <a:extLst>
-              <a:ext uri="{FF2B5EF4-FFF2-40B4-BE49-F238E27FC236}">
-                <a16:creationId xmlns:a16="http://schemas.microsoft.com/office/drawing/2014/main" id="{DD86BC65-7942-627A-775B-1C4093395F54}"/>
-              </a:ext>
-            </a:extLst>
-          </p:cNvPr>
-          <p:cNvCxnSpPr/>
-          <p:nvPr/>
-        </p:nvCxnSpPr>
-        <p:spPr>
-          <a:xfrm>
-            <a:off x="2582617" y="1244338"/>
-            <a:ext cx="226571" cy="0"/>
-          </a:xfrm>
-          <a:prstGeom prst="straightConnector1">
-            <a:avLst/>
-          </a:prstGeom>
-          <a:ln>
-            <a:tailEnd type="triangle"/>
-          </a:ln>
-        </p:spPr>
-        <p:style>
-          <a:lnRef idx="1">
-            <a:schemeClr val="accent1"/>
-          </a:lnRef>
-          <a:fillRef idx="0">
-            <a:schemeClr val="accent1"/>
-          </a:fillRef>
-          <a:effectRef idx="0">
-            <a:schemeClr val="accent1"/>
-          </a:effectRef>
-          <a:fontRef idx="minor">
-            <a:schemeClr val="tx1"/>
-          </a:fontRef>
-        </p:style>
-      </p:cxnSp>
-      <p:sp>
-        <p:nvSpPr>
-          <p:cNvPr id="11" name="TextBox 10">
-            <a:extLst>
-              <a:ext uri="{FF2B5EF4-FFF2-40B4-BE49-F238E27FC236}">
-                <a16:creationId xmlns:a16="http://schemas.microsoft.com/office/drawing/2014/main" id="{1634D45D-E808-DC03-6345-59C5EFAD1D9D}"/>
-              </a:ext>
-            </a:extLst>
-          </p:cNvPr>
-          <p:cNvSpPr txBox="1"/>
-          <p:nvPr/>
-        </p:nvSpPr>
-        <p:spPr>
-          <a:xfrm>
-            <a:off x="5128181" y="865469"/>
-            <a:ext cx="1653017" cy="369332"/>
-          </a:xfrm>
-          <a:prstGeom prst="rect">
-            <a:avLst/>
-          </a:prstGeom>
-          <a:noFill/>
-        </p:spPr>
-        <p:txBody>
-          <a:bodyPr wrap="none" rtlCol="0">
-            <a:spAutoFit/>
-          </a:bodyPr>
-          <a:lstStyle/>
-          <a:p>
-            <a:r>
-              <a:rPr lang="he-IL" dirty="0">
-                <a:highlight>
-                  <a:srgbClr val="00FFFF"/>
-                </a:highlight>
-              </a:rPr>
-              <a:t>אפשרויות תצוגה</a:t>
-            </a:r>
-            <a:endParaRPr lang="en-US" dirty="0">
-              <a:highlight>
-                <a:srgbClr val="00FFFF"/>
-              </a:highlight>
-            </a:endParaRPr>
-          </a:p>
-        </p:txBody>
-      </p:sp>
-      <p:sp>
-        <p:nvSpPr>
-          <p:cNvPr id="12" name="TextBox 11">
-            <a:extLst>
-              <a:ext uri="{FF2B5EF4-FFF2-40B4-BE49-F238E27FC236}">
-                <a16:creationId xmlns:a16="http://schemas.microsoft.com/office/drawing/2014/main" id="{3CA610E4-7546-973B-2238-F00FB996EEC9}"/>
-              </a:ext>
-            </a:extLst>
-          </p:cNvPr>
-          <p:cNvSpPr txBox="1"/>
-          <p:nvPr/>
-        </p:nvSpPr>
-        <p:spPr>
-          <a:xfrm>
-            <a:off x="7561054" y="3588100"/>
-            <a:ext cx="848309" cy="261610"/>
-          </a:xfrm>
-          <a:prstGeom prst="rect">
-            <a:avLst/>
-          </a:prstGeom>
-          <a:solidFill>
-            <a:schemeClr val="accent1">
-              <a:lumMod val="20000"/>
-              <a:lumOff val="80000"/>
-            </a:schemeClr>
-          </a:solidFill>
-        </p:spPr>
-        <p:txBody>
-          <a:bodyPr wrap="none" rtlCol="0">
-            <a:spAutoFit/>
-          </a:bodyPr>
-          <a:lstStyle/>
-          <a:p>
-            <a:r>
-              <a:rPr lang="he-IL" sz="1050" b="1" dirty="0"/>
-              <a:t>בחר שנה/ים</a:t>
-            </a:r>
-            <a:endParaRPr lang="en-US" sz="1050" b="1" dirty="0"/>
+            <a:r>
+              <a:rPr lang="en-US" dirty="0"/>
+              <a:t>"</a:t>
+            </a:r>
+            <a:r>
+              <a:rPr lang="en-US" dirty="0" err="1"/>
+              <a:t>forecastslist</a:t>
+            </a:r>
+            <a:r>
+              <a:rPr lang="en-US" dirty="0"/>
+              <a:t>"</a:t>
+            </a:r>
           </a:p>
         </p:txBody>
       </p:sp>
     </p:spTree>
     <p:extLst>
       <p:ext uri="{BB962C8B-B14F-4D97-AF65-F5344CB8AC3E}">
-        <p14:creationId xmlns:p14="http://schemas.microsoft.com/office/powerpoint/2010/main" val="2037642269"/>
+        <p14:creationId xmlns:p14="http://schemas.microsoft.com/office/powerpoint/2010/main" val="756847639"/>
       </p:ext>
     </p:extLst>
   </p:cSld>
@@ -6130,123 +5825,64 @@
           <a:chExt cx="0" cy="0"/>
         </a:xfrm>
       </p:grpSpPr>
-      <p:pic>
-        <p:nvPicPr>
-          <p:cNvPr id="3" name="Picture 2">
-            <a:extLst>
-              <a:ext uri="{FF2B5EF4-FFF2-40B4-BE49-F238E27FC236}">
-                <a16:creationId xmlns:a16="http://schemas.microsoft.com/office/drawing/2014/main" id="{731A6696-FACF-D837-1D47-8C099485FE7F}"/>
-              </a:ext>
-            </a:extLst>
-          </p:cNvPr>
-          <p:cNvPicPr>
-            <a:picLocks noChangeAspect="1"/>
-          </p:cNvPicPr>
-          <p:nvPr/>
-        </p:nvPicPr>
-        <p:blipFill>
-          <a:blip r:embed="rId2"/>
-          <a:stretch>
-            <a:fillRect/>
-          </a:stretch>
-        </p:blipFill>
-        <p:spPr>
-          <a:xfrm>
-            <a:off x="0" y="419420"/>
-            <a:ext cx="12192000" cy="6019160"/>
-          </a:xfrm>
-          <a:prstGeom prst="rect">
-            <a:avLst/>
-          </a:prstGeom>
-        </p:spPr>
-      </p:pic>
-      <p:cxnSp>
-        <p:nvCxnSpPr>
-          <p:cNvPr id="5" name="Straight Arrow Connector 4">
-            <a:extLst>
-              <a:ext uri="{FF2B5EF4-FFF2-40B4-BE49-F238E27FC236}">
-                <a16:creationId xmlns:a16="http://schemas.microsoft.com/office/drawing/2014/main" id="{B96913FF-84C7-7B7B-3AEA-0CCC3EF69784}"/>
-              </a:ext>
-            </a:extLst>
-          </p:cNvPr>
-          <p:cNvCxnSpPr/>
-          <p:nvPr/>
-        </p:nvCxnSpPr>
-        <p:spPr>
-          <a:xfrm flipV="1">
-            <a:off x="301658" y="1885360"/>
-            <a:ext cx="471340" cy="2894029"/>
-          </a:xfrm>
-          <a:prstGeom prst="straightConnector1">
-            <a:avLst/>
-          </a:prstGeom>
-          <a:ln>
-            <a:tailEnd type="triangle"/>
-          </a:ln>
-        </p:spPr>
-        <p:style>
-          <a:lnRef idx="1">
-            <a:schemeClr val="accent1"/>
-          </a:lnRef>
-          <a:fillRef idx="0">
-            <a:schemeClr val="accent1"/>
-          </a:fillRef>
-          <a:effectRef idx="0">
-            <a:schemeClr val="accent1"/>
-          </a:effectRef>
-          <a:fontRef idx="minor">
-            <a:schemeClr val="tx1"/>
-          </a:fontRef>
-        </p:style>
-      </p:cxnSp>
-      <p:sp>
-        <p:nvSpPr>
-          <p:cNvPr id="6" name="TextBox 5">
-            <a:extLst>
-              <a:ext uri="{FF2B5EF4-FFF2-40B4-BE49-F238E27FC236}">
-                <a16:creationId xmlns:a16="http://schemas.microsoft.com/office/drawing/2014/main" id="{F91AA5EA-23C5-2DA4-9654-ECD9F66C3977}"/>
-              </a:ext>
-            </a:extLst>
-          </p:cNvPr>
-          <p:cNvSpPr txBox="1"/>
-          <p:nvPr/>
-        </p:nvSpPr>
-        <p:spPr>
-          <a:xfrm>
-            <a:off x="84841" y="4466617"/>
-            <a:ext cx="1653017" cy="369332"/>
-          </a:xfrm>
-          <a:prstGeom prst="rect">
-            <a:avLst/>
-          </a:prstGeom>
-          <a:noFill/>
-        </p:spPr>
-        <p:txBody>
-          <a:bodyPr wrap="none" rtlCol="0">
-            <a:spAutoFit/>
-          </a:bodyPr>
-          <a:lstStyle/>
-          <a:p>
-            <a:r>
-              <a:rPr lang="he-IL" dirty="0">
-                <a:highlight>
-                  <a:srgbClr val="00FFFF"/>
-                </a:highlight>
-              </a:rPr>
-              <a:t>אפשרויות תצוגה</a:t>
-            </a:r>
-            <a:endParaRPr lang="en-US" dirty="0">
-              <a:highlight>
-                <a:srgbClr val="00FFFF"/>
-              </a:highlight>
-            </a:endParaRPr>
+      <p:sp>
+        <p:nvSpPr>
+          <p:cNvPr id="2" name="Title 1">
+            <a:extLst>
+              <a:ext uri="{FF2B5EF4-FFF2-40B4-BE49-F238E27FC236}">
+                <a16:creationId xmlns:a16="http://schemas.microsoft.com/office/drawing/2014/main" id="{CFFE712C-7E19-335B-A73B-9C1CD4DE821C}"/>
+              </a:ext>
+            </a:extLst>
+          </p:cNvPr>
+          <p:cNvSpPr>
+            <a:spLocks noGrp="1"/>
+          </p:cNvSpPr>
+          <p:nvPr>
+            <p:ph type="ctrTitle"/>
+          </p:nvPr>
+        </p:nvSpPr>
+        <p:spPr/>
+        <p:txBody>
+          <a:bodyPr/>
+          <a:lstStyle/>
+          <a:p>
+            <a:endParaRPr lang="en-US"/>
+          </a:p>
+        </p:txBody>
+      </p:sp>
+      <p:sp>
+        <p:nvSpPr>
+          <p:cNvPr id="3" name="Subtitle 2">
+            <a:extLst>
+              <a:ext uri="{FF2B5EF4-FFF2-40B4-BE49-F238E27FC236}">
+                <a16:creationId xmlns:a16="http://schemas.microsoft.com/office/drawing/2014/main" id="{539D2C7A-01FD-EA1F-928E-8E9C06E5337E}"/>
+              </a:ext>
+            </a:extLst>
+          </p:cNvPr>
+          <p:cNvSpPr>
+            <a:spLocks noGrp="1"/>
+          </p:cNvSpPr>
+          <p:nvPr>
+            <p:ph type="subTitle" idx="1"/>
+          </p:nvPr>
+        </p:nvSpPr>
+        <p:spPr/>
+        <p:txBody>
+          <a:bodyPr/>
+          <a:lstStyle/>
+          <a:p>
+            <a:r>
+              <a:rPr lang="he-IL" dirty="0"/>
+              <a:t>סיום</a:t>
+            </a:r>
+            <a:endParaRPr lang="en-US" dirty="0"/>
           </a:p>
         </p:txBody>
       </p:sp>
     </p:spTree>
     <p:extLst>
       <p:ext uri="{BB962C8B-B14F-4D97-AF65-F5344CB8AC3E}">
-        <p14:creationId xmlns:p14="http://schemas.microsoft.com/office/powerpoint/2010/main" val="2128382205"/>
+        <p14:creationId xmlns:p14="http://schemas.microsoft.com/office/powerpoint/2010/main" val="3314121517"/>
       </p:ext>
     </p:extLst>
   </p:cSld>
@@ -6278,7 +5914,7 @@
           <p:cNvPr id="3" name="Picture 2">
             <a:extLst>
               <a:ext uri="{FF2B5EF4-FFF2-40B4-BE49-F238E27FC236}">
-                <a16:creationId xmlns:a16="http://schemas.microsoft.com/office/drawing/2014/main" id="{5FE81432-3B86-18B8-E278-AA2A4ECB69EE}"/>
+                <a16:creationId xmlns:a16="http://schemas.microsoft.com/office/drawing/2014/main" id="{067DC50F-F545-6E11-D573-5841D30A32D3}"/>
               </a:ext>
             </a:extLst>
           </p:cNvPr>
@@ -6295,20 +5931,59 @@
         </p:blipFill>
         <p:spPr>
           <a:xfrm>
-            <a:off x="713624" y="920816"/>
-            <a:ext cx="5382376" cy="3734321"/>
+            <a:off x="1410524" y="0"/>
+            <a:ext cx="8214750" cy="6858000"/>
           </a:xfrm>
           <a:prstGeom prst="rect">
             <a:avLst/>
           </a:prstGeom>
         </p:spPr>
       </p:pic>
-      <p:sp>
-        <p:nvSpPr>
-          <p:cNvPr id="4" name="TextBox 3">
-            <a:extLst>
-              <a:ext uri="{FF2B5EF4-FFF2-40B4-BE49-F238E27FC236}">
-                <a16:creationId xmlns:a16="http://schemas.microsoft.com/office/drawing/2014/main" id="{9018B268-01BD-847F-D14A-88FEE6832426}"/>
+      <p:cxnSp>
+        <p:nvCxnSpPr>
+          <p:cNvPr id="5" name="Straight Arrow Connector 4">
+            <a:extLst>
+              <a:ext uri="{FF2B5EF4-FFF2-40B4-BE49-F238E27FC236}">
+                <a16:creationId xmlns:a16="http://schemas.microsoft.com/office/drawing/2014/main" id="{F56F276E-2FFA-DD11-6AF5-C9F44E153355}"/>
+              </a:ext>
+            </a:extLst>
+          </p:cNvPr>
+          <p:cNvCxnSpPr/>
+          <p:nvPr/>
+        </p:nvCxnSpPr>
+        <p:spPr>
+          <a:xfrm>
+            <a:off x="949041" y="1187777"/>
+            <a:ext cx="357788" cy="0"/>
+          </a:xfrm>
+          <a:prstGeom prst="straightConnector1">
+            <a:avLst/>
+          </a:prstGeom>
+          <a:ln>
+            <a:tailEnd type="triangle"/>
+          </a:ln>
+        </p:spPr>
+        <p:style>
+          <a:lnRef idx="1">
+            <a:schemeClr val="dk1"/>
+          </a:lnRef>
+          <a:fillRef idx="0">
+            <a:schemeClr val="dk1"/>
+          </a:fillRef>
+          <a:effectRef idx="0">
+            <a:schemeClr val="dk1"/>
+          </a:effectRef>
+          <a:fontRef idx="minor">
+            <a:schemeClr val="tx1"/>
+          </a:fontRef>
+        </p:style>
+      </p:cxnSp>
+      <p:sp>
+        <p:nvSpPr>
+          <p:cNvPr id="7" name="TextBox 6">
+            <a:extLst>
+              <a:ext uri="{FF2B5EF4-FFF2-40B4-BE49-F238E27FC236}">
+                <a16:creationId xmlns:a16="http://schemas.microsoft.com/office/drawing/2014/main" id="{026E458C-BA1A-ADD6-C196-0CB022289032}"/>
               </a:ext>
             </a:extLst>
           </p:cNvPr>
@@ -6317,7 +5992,552 @@
         </p:nvSpPr>
         <p:spPr>
           <a:xfrm>
-            <a:off x="458406" y="528388"/>
+            <a:off x="50237" y="333807"/>
+            <a:ext cx="1297796" cy="369332"/>
+          </a:xfrm>
+          <a:prstGeom prst="rect">
+            <a:avLst/>
+          </a:prstGeom>
+          <a:noFill/>
+        </p:spPr>
+        <p:txBody>
+          <a:bodyPr wrap="square">
+            <a:spAutoFit/>
+          </a:bodyPr>
+          <a:lstStyle/>
+          <a:p>
+            <a:r>
+              <a:rPr lang="en-US" dirty="0" err="1"/>
+              <a:t>navbarPage</a:t>
+            </a:r>
+            <a:endParaRPr lang="en-US" dirty="0"/>
+          </a:p>
+        </p:txBody>
+      </p:sp>
+      <p:sp>
+        <p:nvSpPr>
+          <p:cNvPr id="8" name="TextBox 7">
+            <a:extLst>
+              <a:ext uri="{FF2B5EF4-FFF2-40B4-BE49-F238E27FC236}">
+                <a16:creationId xmlns:a16="http://schemas.microsoft.com/office/drawing/2014/main" id="{0F7C6071-CB65-F3F2-DE73-EE1ACF0BE292}"/>
+              </a:ext>
+            </a:extLst>
+          </p:cNvPr>
+          <p:cNvSpPr txBox="1"/>
+          <p:nvPr/>
+        </p:nvSpPr>
+        <p:spPr>
+          <a:xfrm>
+            <a:off x="-15280" y="960092"/>
+            <a:ext cx="1072299" cy="369332"/>
+          </a:xfrm>
+          <a:prstGeom prst="rect">
+            <a:avLst/>
+          </a:prstGeom>
+          <a:noFill/>
+        </p:spPr>
+        <p:txBody>
+          <a:bodyPr wrap="square">
+            <a:spAutoFit/>
+          </a:bodyPr>
+          <a:lstStyle/>
+          <a:p>
+            <a:r>
+              <a:rPr lang="en-US" dirty="0" err="1"/>
+              <a:t>tabpanel</a:t>
+            </a:r>
+            <a:endParaRPr lang="en-US" dirty="0"/>
+          </a:p>
+        </p:txBody>
+      </p:sp>
+      <p:sp>
+        <p:nvSpPr>
+          <p:cNvPr id="9" name="TextBox 8">
+            <a:extLst>
+              <a:ext uri="{FF2B5EF4-FFF2-40B4-BE49-F238E27FC236}">
+                <a16:creationId xmlns:a16="http://schemas.microsoft.com/office/drawing/2014/main" id="{956429F6-5E4E-88B8-98E1-EF5089E144F5}"/>
+              </a:ext>
+            </a:extLst>
+          </p:cNvPr>
+          <p:cNvSpPr txBox="1"/>
+          <p:nvPr/>
+        </p:nvSpPr>
+        <p:spPr>
+          <a:xfrm>
+            <a:off x="50237" y="1559293"/>
+            <a:ext cx="770641" cy="369332"/>
+          </a:xfrm>
+          <a:prstGeom prst="rect">
+            <a:avLst/>
+          </a:prstGeom>
+          <a:noFill/>
+        </p:spPr>
+        <p:txBody>
+          <a:bodyPr wrap="square">
+            <a:spAutoFit/>
+          </a:bodyPr>
+          <a:lstStyle/>
+          <a:p>
+            <a:r>
+              <a:rPr lang="en-US" dirty="0"/>
+              <a:t>tabs</a:t>
+            </a:r>
+          </a:p>
+        </p:txBody>
+      </p:sp>
+      <p:cxnSp>
+        <p:nvCxnSpPr>
+          <p:cNvPr id="11" name="Straight Arrow Connector 10">
+            <a:extLst>
+              <a:ext uri="{FF2B5EF4-FFF2-40B4-BE49-F238E27FC236}">
+                <a16:creationId xmlns:a16="http://schemas.microsoft.com/office/drawing/2014/main" id="{30883794-BF04-2305-A86F-B0692B61B58C}"/>
+              </a:ext>
+            </a:extLst>
+          </p:cNvPr>
+          <p:cNvCxnSpPr/>
+          <p:nvPr/>
+        </p:nvCxnSpPr>
+        <p:spPr>
+          <a:xfrm>
+            <a:off x="949041" y="1725104"/>
+            <a:ext cx="357788" cy="0"/>
+          </a:xfrm>
+          <a:prstGeom prst="straightConnector1">
+            <a:avLst/>
+          </a:prstGeom>
+          <a:ln>
+            <a:tailEnd type="triangle"/>
+          </a:ln>
+        </p:spPr>
+        <p:style>
+          <a:lnRef idx="1">
+            <a:schemeClr val="dk1"/>
+          </a:lnRef>
+          <a:fillRef idx="0">
+            <a:schemeClr val="dk1"/>
+          </a:fillRef>
+          <a:effectRef idx="0">
+            <a:schemeClr val="dk1"/>
+          </a:effectRef>
+          <a:fontRef idx="minor">
+            <a:schemeClr val="tx1"/>
+          </a:fontRef>
+        </p:style>
+      </p:cxnSp>
+      <p:sp>
+        <p:nvSpPr>
+          <p:cNvPr id="12" name="TextBox 11">
+            <a:extLst>
+              <a:ext uri="{FF2B5EF4-FFF2-40B4-BE49-F238E27FC236}">
+                <a16:creationId xmlns:a16="http://schemas.microsoft.com/office/drawing/2014/main" id="{95AE04F9-CD3F-5E38-BF9A-3EC4EAF944C3}"/>
+              </a:ext>
+            </a:extLst>
+          </p:cNvPr>
+          <p:cNvSpPr txBox="1"/>
+          <p:nvPr/>
+        </p:nvSpPr>
+        <p:spPr>
+          <a:xfrm>
+            <a:off x="1994556" y="818445"/>
+            <a:ext cx="314510" cy="369332"/>
+          </a:xfrm>
+          <a:prstGeom prst="rect">
+            <a:avLst/>
+          </a:prstGeom>
+          <a:noFill/>
+        </p:spPr>
+        <p:txBody>
+          <a:bodyPr wrap="none" rtlCol="0">
+            <a:spAutoFit/>
+          </a:bodyPr>
+          <a:lstStyle/>
+          <a:p>
+            <a:r>
+              <a:rPr lang="he-IL" dirty="0"/>
+              <a:t>א</a:t>
+            </a:r>
+            <a:endParaRPr lang="en-US" dirty="0"/>
+          </a:p>
+        </p:txBody>
+      </p:sp>
+      <p:sp>
+        <p:nvSpPr>
+          <p:cNvPr id="13" name="TextBox 12">
+            <a:extLst>
+              <a:ext uri="{FF2B5EF4-FFF2-40B4-BE49-F238E27FC236}">
+                <a16:creationId xmlns:a16="http://schemas.microsoft.com/office/drawing/2014/main" id="{6A69D6BE-EF62-CDBF-FFB2-3E1161009FE8}"/>
+              </a:ext>
+            </a:extLst>
+          </p:cNvPr>
+          <p:cNvSpPr txBox="1"/>
+          <p:nvPr/>
+        </p:nvSpPr>
+        <p:spPr>
+          <a:xfrm>
+            <a:off x="2578588" y="818445"/>
+            <a:ext cx="314510" cy="369332"/>
+          </a:xfrm>
+          <a:prstGeom prst="rect">
+            <a:avLst/>
+          </a:prstGeom>
+          <a:noFill/>
+        </p:spPr>
+        <p:txBody>
+          <a:bodyPr wrap="none" rtlCol="0">
+            <a:spAutoFit/>
+          </a:bodyPr>
+          <a:lstStyle/>
+          <a:p>
+            <a:r>
+              <a:rPr lang="he-IL" dirty="0"/>
+              <a:t>ב</a:t>
+            </a:r>
+            <a:endParaRPr lang="en-US" dirty="0"/>
+          </a:p>
+        </p:txBody>
+      </p:sp>
+      <p:sp>
+        <p:nvSpPr>
+          <p:cNvPr id="14" name="TextBox 13">
+            <a:extLst>
+              <a:ext uri="{FF2B5EF4-FFF2-40B4-BE49-F238E27FC236}">
+                <a16:creationId xmlns:a16="http://schemas.microsoft.com/office/drawing/2014/main" id="{84AA9F1E-B6BC-7072-3F8D-EA2096C03323}"/>
+              </a:ext>
+            </a:extLst>
+          </p:cNvPr>
+          <p:cNvSpPr txBox="1"/>
+          <p:nvPr/>
+        </p:nvSpPr>
+        <p:spPr>
+          <a:xfrm>
+            <a:off x="3162620" y="818445"/>
+            <a:ext cx="276038" cy="369332"/>
+          </a:xfrm>
+          <a:prstGeom prst="rect">
+            <a:avLst/>
+          </a:prstGeom>
+          <a:noFill/>
+        </p:spPr>
+        <p:txBody>
+          <a:bodyPr wrap="none" rtlCol="0">
+            <a:spAutoFit/>
+          </a:bodyPr>
+          <a:lstStyle/>
+          <a:p>
+            <a:r>
+              <a:rPr lang="he-IL" dirty="0"/>
+              <a:t>ג</a:t>
+            </a:r>
+            <a:endParaRPr lang="en-US" dirty="0"/>
+          </a:p>
+        </p:txBody>
+      </p:sp>
+      <p:cxnSp>
+        <p:nvCxnSpPr>
+          <p:cNvPr id="17" name="Straight Arrow Connector 16">
+            <a:extLst>
+              <a:ext uri="{FF2B5EF4-FFF2-40B4-BE49-F238E27FC236}">
+                <a16:creationId xmlns:a16="http://schemas.microsoft.com/office/drawing/2014/main" id="{F53F89AB-5F8E-1775-D2C8-E8BC85DA2880}"/>
+              </a:ext>
+            </a:extLst>
+          </p:cNvPr>
+          <p:cNvCxnSpPr/>
+          <p:nvPr/>
+        </p:nvCxnSpPr>
+        <p:spPr>
+          <a:xfrm flipH="1">
+            <a:off x="7849462" y="2130458"/>
+            <a:ext cx="348792" cy="150829"/>
+          </a:xfrm>
+          <a:prstGeom prst="straightConnector1">
+            <a:avLst/>
+          </a:prstGeom>
+          <a:ln>
+            <a:tailEnd type="triangle"/>
+          </a:ln>
+        </p:spPr>
+        <p:style>
+          <a:lnRef idx="1">
+            <a:schemeClr val="accent2"/>
+          </a:lnRef>
+          <a:fillRef idx="0">
+            <a:schemeClr val="accent2"/>
+          </a:fillRef>
+          <a:effectRef idx="0">
+            <a:schemeClr val="accent2"/>
+          </a:effectRef>
+          <a:fontRef idx="minor">
+            <a:schemeClr val="tx1"/>
+          </a:fontRef>
+        </p:style>
+      </p:cxnSp>
+      <p:cxnSp>
+        <p:nvCxnSpPr>
+          <p:cNvPr id="18" name="Straight Arrow Connector 17">
+            <a:extLst>
+              <a:ext uri="{FF2B5EF4-FFF2-40B4-BE49-F238E27FC236}">
+                <a16:creationId xmlns:a16="http://schemas.microsoft.com/office/drawing/2014/main" id="{AD56CC2B-2B2F-CFBA-80C3-61016C7D50BB}"/>
+              </a:ext>
+            </a:extLst>
+          </p:cNvPr>
+          <p:cNvCxnSpPr/>
+          <p:nvPr/>
+        </p:nvCxnSpPr>
+        <p:spPr>
+          <a:xfrm flipH="1">
+            <a:off x="7675066" y="2837468"/>
+            <a:ext cx="348792" cy="150829"/>
+          </a:xfrm>
+          <a:prstGeom prst="straightConnector1">
+            <a:avLst/>
+          </a:prstGeom>
+          <a:ln>
+            <a:tailEnd type="triangle"/>
+          </a:ln>
+        </p:spPr>
+        <p:style>
+          <a:lnRef idx="1">
+            <a:schemeClr val="accent2"/>
+          </a:lnRef>
+          <a:fillRef idx="0">
+            <a:schemeClr val="accent2"/>
+          </a:fillRef>
+          <a:effectRef idx="0">
+            <a:schemeClr val="accent2"/>
+          </a:effectRef>
+          <a:fontRef idx="minor">
+            <a:schemeClr val="tx1"/>
+          </a:fontRef>
+        </p:style>
+      </p:cxnSp>
+      <p:sp>
+        <p:nvSpPr>
+          <p:cNvPr id="19" name="TextBox 18">
+            <a:extLst>
+              <a:ext uri="{FF2B5EF4-FFF2-40B4-BE49-F238E27FC236}">
+                <a16:creationId xmlns:a16="http://schemas.microsoft.com/office/drawing/2014/main" id="{BF21C865-24BC-8FB9-16DE-CD1648A2AE85}"/>
+              </a:ext>
+            </a:extLst>
+          </p:cNvPr>
+          <p:cNvSpPr txBox="1"/>
+          <p:nvPr/>
+        </p:nvSpPr>
+        <p:spPr>
+          <a:xfrm>
+            <a:off x="10042491" y="267398"/>
+            <a:ext cx="1477969" cy="369332"/>
+          </a:xfrm>
+          <a:prstGeom prst="rect">
+            <a:avLst/>
+          </a:prstGeom>
+          <a:noFill/>
+        </p:spPr>
+        <p:txBody>
+          <a:bodyPr wrap="none" rtlCol="0">
+            <a:spAutoFit/>
+          </a:bodyPr>
+          <a:lstStyle/>
+          <a:p>
+            <a:r>
+              <a:rPr lang="en-US" dirty="0" err="1"/>
+              <a:t>cfg$scenarios</a:t>
+            </a:r>
+            <a:endParaRPr lang="en-US" dirty="0"/>
+          </a:p>
+        </p:txBody>
+      </p:sp>
+      <p:sp>
+        <p:nvSpPr>
+          <p:cNvPr id="21" name="TextBox 20">
+            <a:extLst>
+              <a:ext uri="{FF2B5EF4-FFF2-40B4-BE49-F238E27FC236}">
+                <a16:creationId xmlns:a16="http://schemas.microsoft.com/office/drawing/2014/main" id="{2E2F7325-AA87-9DD0-F324-164CD1BCCAC8}"/>
+              </a:ext>
+            </a:extLst>
+          </p:cNvPr>
+          <p:cNvSpPr txBox="1"/>
+          <p:nvPr/>
+        </p:nvSpPr>
+        <p:spPr>
+          <a:xfrm>
+            <a:off x="6722627" y="2446372"/>
+            <a:ext cx="1242715" cy="276999"/>
+          </a:xfrm>
+          <a:prstGeom prst="rect">
+            <a:avLst/>
+          </a:prstGeom>
+          <a:noFill/>
+        </p:spPr>
+        <p:txBody>
+          <a:bodyPr wrap="square">
+            <a:spAutoFit/>
+          </a:bodyPr>
+          <a:lstStyle>
+            <a:defPPr>
+              <a:defRPr lang="en-US"/>
+            </a:defPPr>
+            <a:lvl1pPr algn="ctr">
+              <a:defRPr sz="1200">
+                <a:highlight>
+                  <a:srgbClr val="FFFF00"/>
+                </a:highlight>
+              </a:defRPr>
+            </a:lvl1pPr>
+          </a:lstStyle>
+          <a:p>
+            <a:r>
+              <a:rPr lang="en-US" dirty="0" err="1">
+                <a:highlight>
+                  <a:srgbClr val="00FFFF"/>
+                </a:highlight>
+              </a:rPr>
+              <a:t>cfg$scnsources</a:t>
+            </a:r>
+            <a:endParaRPr lang="en-US" dirty="0">
+              <a:highlight>
+                <a:srgbClr val="00FFFF"/>
+              </a:highlight>
+            </a:endParaRPr>
+          </a:p>
+        </p:txBody>
+      </p:sp>
+      <p:sp>
+        <p:nvSpPr>
+          <p:cNvPr id="23" name="TextBox 22">
+            <a:extLst>
+              <a:ext uri="{FF2B5EF4-FFF2-40B4-BE49-F238E27FC236}">
+                <a16:creationId xmlns:a16="http://schemas.microsoft.com/office/drawing/2014/main" id="{956ADE46-6B66-B10D-63D1-86D6EF1523C0}"/>
+              </a:ext>
+            </a:extLst>
+          </p:cNvPr>
+          <p:cNvSpPr txBox="1"/>
+          <p:nvPr/>
+        </p:nvSpPr>
+        <p:spPr>
+          <a:xfrm>
+            <a:off x="8382559" y="2428006"/>
+            <a:ext cx="1242715" cy="276999"/>
+          </a:xfrm>
+          <a:prstGeom prst="rect">
+            <a:avLst/>
+          </a:prstGeom>
+          <a:noFill/>
+        </p:spPr>
+        <p:txBody>
+          <a:bodyPr wrap="square">
+            <a:spAutoFit/>
+          </a:bodyPr>
+          <a:lstStyle/>
+          <a:p>
+            <a:pPr algn="ctr"/>
+            <a:r>
+              <a:rPr lang="en-US" sz="1200" dirty="0" err="1">
+                <a:highlight>
+                  <a:srgbClr val="FFFF00"/>
+                </a:highlight>
+              </a:rPr>
+              <a:t>input$selectSrc</a:t>
+            </a:r>
+            <a:endParaRPr lang="en-US" sz="1200" dirty="0">
+              <a:highlight>
+                <a:srgbClr val="FFFF00"/>
+              </a:highlight>
+            </a:endParaRPr>
+          </a:p>
+        </p:txBody>
+      </p:sp>
+      <p:cxnSp>
+        <p:nvCxnSpPr>
+          <p:cNvPr id="27" name="Straight Arrow Connector 26">
+            <a:extLst>
+              <a:ext uri="{FF2B5EF4-FFF2-40B4-BE49-F238E27FC236}">
+                <a16:creationId xmlns:a16="http://schemas.microsoft.com/office/drawing/2014/main" id="{C3BC1A83-E5DA-5AEB-9C82-CB5F3FCFDE9B}"/>
+              </a:ext>
+            </a:extLst>
+          </p:cNvPr>
+          <p:cNvCxnSpPr>
+            <a:stCxn id="23" idx="3"/>
+          </p:cNvCxnSpPr>
+          <p:nvPr/>
+        </p:nvCxnSpPr>
+        <p:spPr>
+          <a:xfrm flipV="1">
+            <a:off x="9625274" y="2566505"/>
+            <a:ext cx="508540" cy="1"/>
+          </a:xfrm>
+          <a:prstGeom prst="straightConnector1">
+            <a:avLst/>
+          </a:prstGeom>
+          <a:ln>
+            <a:tailEnd type="triangle"/>
+          </a:ln>
+        </p:spPr>
+        <p:style>
+          <a:lnRef idx="1">
+            <a:schemeClr val="accent1"/>
+          </a:lnRef>
+          <a:fillRef idx="0">
+            <a:schemeClr val="accent1"/>
+          </a:fillRef>
+          <a:effectRef idx="0">
+            <a:schemeClr val="accent1"/>
+          </a:effectRef>
+          <a:fontRef idx="minor">
+            <a:schemeClr val="tx1"/>
+          </a:fontRef>
+        </p:style>
+      </p:cxnSp>
+      <p:sp>
+        <p:nvSpPr>
+          <p:cNvPr id="29" name="TextBox 28">
+            <a:extLst>
+              <a:ext uri="{FF2B5EF4-FFF2-40B4-BE49-F238E27FC236}">
+                <a16:creationId xmlns:a16="http://schemas.microsoft.com/office/drawing/2014/main" id="{26678043-B23B-82A4-2406-D77A39B2A0EB}"/>
+              </a:ext>
+            </a:extLst>
+          </p:cNvPr>
+          <p:cNvSpPr txBox="1"/>
+          <p:nvPr/>
+        </p:nvSpPr>
+        <p:spPr>
+          <a:xfrm>
+            <a:off x="10297787" y="2335673"/>
+            <a:ext cx="1140404" cy="369332"/>
+          </a:xfrm>
+          <a:prstGeom prst="rect">
+            <a:avLst/>
+          </a:prstGeom>
+          <a:noFill/>
+        </p:spPr>
+        <p:txBody>
+          <a:bodyPr wrap="square">
+            <a:spAutoFit/>
+          </a:bodyPr>
+          <a:lstStyle/>
+          <a:p>
+            <a:r>
+              <a:rPr lang="en-US" dirty="0" err="1"/>
+              <a:t>currentsrc</a:t>
+            </a:r>
+            <a:endParaRPr lang="en-US" dirty="0"/>
+          </a:p>
+        </p:txBody>
+      </p:sp>
+      <p:sp>
+        <p:nvSpPr>
+          <p:cNvPr id="31" name="TextBox 30">
+            <a:extLst>
+              <a:ext uri="{FF2B5EF4-FFF2-40B4-BE49-F238E27FC236}">
+                <a16:creationId xmlns:a16="http://schemas.microsoft.com/office/drawing/2014/main" id="{1623C78F-31CF-3ECC-E15F-51266B3C528A}"/>
+              </a:ext>
+            </a:extLst>
+          </p:cNvPr>
+          <p:cNvSpPr txBox="1"/>
+          <p:nvPr/>
+        </p:nvSpPr>
+        <p:spPr>
+          <a:xfrm>
+            <a:off x="6661243" y="3120759"/>
             <a:ext cx="1242715" cy="276999"/>
           </a:xfrm>
           <a:prstGeom prst="rect">
@@ -6350,24 +6570,105 @@
           </a:p>
         </p:txBody>
       </p:sp>
+      <p:sp>
+        <p:nvSpPr>
+          <p:cNvPr id="33" name="TextBox 32">
+            <a:extLst>
+              <a:ext uri="{FF2B5EF4-FFF2-40B4-BE49-F238E27FC236}">
+                <a16:creationId xmlns:a16="http://schemas.microsoft.com/office/drawing/2014/main" id="{7D72F484-F877-0F84-BBD8-8698156C55FF}"/>
+              </a:ext>
+            </a:extLst>
+          </p:cNvPr>
+          <p:cNvSpPr txBox="1"/>
+          <p:nvPr/>
+        </p:nvSpPr>
+        <p:spPr>
+          <a:xfrm>
+            <a:off x="8314391" y="3118823"/>
+            <a:ext cx="1562492" cy="276999"/>
+          </a:xfrm>
+          <a:prstGeom prst="rect">
+            <a:avLst/>
+          </a:prstGeom>
+          <a:noFill/>
+        </p:spPr>
+        <p:txBody>
+          <a:bodyPr wrap="square">
+            <a:spAutoFit/>
+          </a:bodyPr>
+          <a:lstStyle>
+            <a:defPPr>
+              <a:defRPr lang="en-US"/>
+            </a:defPPr>
+            <a:lvl1pPr algn="ctr">
+              <a:defRPr sz="1200">
+                <a:highlight>
+                  <a:srgbClr val="FFFF00"/>
+                </a:highlight>
+              </a:defRPr>
+            </a:lvl1pPr>
+          </a:lstStyle>
+          <a:p>
+            <a:r>
+              <a:rPr lang="en-US" dirty="0" err="1"/>
+              <a:t>input$selectScn</a:t>
+            </a:r>
+            <a:endParaRPr lang="en-US" dirty="0"/>
+          </a:p>
+        </p:txBody>
+      </p:sp>
+      <p:sp>
+        <p:nvSpPr>
+          <p:cNvPr id="35" name="TextBox 34">
+            <a:extLst>
+              <a:ext uri="{FF2B5EF4-FFF2-40B4-BE49-F238E27FC236}">
+                <a16:creationId xmlns:a16="http://schemas.microsoft.com/office/drawing/2014/main" id="{203B9F0C-EC95-7ACA-4D99-3C355B02896B}"/>
+              </a:ext>
+            </a:extLst>
+          </p:cNvPr>
+          <p:cNvSpPr txBox="1"/>
+          <p:nvPr/>
+        </p:nvSpPr>
+        <p:spPr>
+          <a:xfrm>
+            <a:off x="10297787" y="3026490"/>
+            <a:ext cx="1355103" cy="369332"/>
+          </a:xfrm>
+          <a:prstGeom prst="rect">
+            <a:avLst/>
+          </a:prstGeom>
+          <a:noFill/>
+        </p:spPr>
+        <p:txBody>
+          <a:bodyPr wrap="square">
+            <a:spAutoFit/>
+          </a:bodyPr>
+          <a:lstStyle/>
+          <a:p>
+            <a:r>
+              <a:rPr lang="en-US" dirty="0" err="1"/>
+              <a:t>currentscn</a:t>
+            </a:r>
+            <a:endParaRPr lang="en-US" dirty="0"/>
+          </a:p>
+        </p:txBody>
+      </p:sp>
       <p:cxnSp>
         <p:nvCxnSpPr>
-          <p:cNvPr id="6" name="Straight Arrow Connector 5">
-            <a:extLst>
-              <a:ext uri="{FF2B5EF4-FFF2-40B4-BE49-F238E27FC236}">
-                <a16:creationId xmlns:a16="http://schemas.microsoft.com/office/drawing/2014/main" id="{19ED6DC9-3BA5-8846-6259-3800AD82037F}"/>
-              </a:ext>
-            </a:extLst>
-          </p:cNvPr>
-          <p:cNvCxnSpPr>
-            <a:stCxn id="4" idx="3"/>
-          </p:cNvCxnSpPr>
+          <p:cNvPr id="36" name="Straight Arrow Connector 35">
+            <a:extLst>
+              <a:ext uri="{FF2B5EF4-FFF2-40B4-BE49-F238E27FC236}">
+                <a16:creationId xmlns:a16="http://schemas.microsoft.com/office/drawing/2014/main" id="{1ECFFC68-637D-4542-962C-55C5E32BBD0A}"/>
+              </a:ext>
+            </a:extLst>
+          </p:cNvPr>
+          <p:cNvCxnSpPr/>
           <p:nvPr/>
         </p:nvCxnSpPr>
         <p:spPr>
           <a:xfrm flipV="1">
-            <a:off x="1701121" y="666887"/>
-            <a:ext cx="712141" cy="1"/>
+            <a:off x="9658992" y="3257321"/>
+            <a:ext cx="508540" cy="1"/>
           </a:xfrm>
           <a:prstGeom prst="straightConnector1">
             <a:avLst/>
@@ -6393,10 +6694,10 @@
       </p:cxnSp>
       <p:sp>
         <p:nvSpPr>
-          <p:cNvPr id="7" name="TextBox 6">
-            <a:extLst>
-              <a:ext uri="{FF2B5EF4-FFF2-40B4-BE49-F238E27FC236}">
-                <a16:creationId xmlns:a16="http://schemas.microsoft.com/office/drawing/2014/main" id="{35948930-2717-B64A-C63E-A28258E0A570}"/>
+          <p:cNvPr id="37" name="TextBox 36">
+            <a:extLst>
+              <a:ext uri="{FF2B5EF4-FFF2-40B4-BE49-F238E27FC236}">
+                <a16:creationId xmlns:a16="http://schemas.microsoft.com/office/drawing/2014/main" id="{28236D96-ED4C-B796-3477-651071014F74}"/>
               </a:ext>
             </a:extLst>
           </p:cNvPr>
@@ -6405,8 +6706,8 @@
         </p:nvSpPr>
         <p:spPr>
           <a:xfrm>
-            <a:off x="2526501" y="436055"/>
-            <a:ext cx="2258952" cy="369332"/>
+            <a:off x="10042491" y="683089"/>
+            <a:ext cx="874598" cy="369332"/>
           </a:xfrm>
           <a:prstGeom prst="rect">
             <a:avLst/>
@@ -6420,17 +6721,598 @@
           <a:lstStyle/>
           <a:p>
             <a:r>
+              <a:rPr lang="en-US" dirty="0"/>
+              <a:t>List(12)</a:t>
+            </a:r>
+          </a:p>
+        </p:txBody>
+      </p:sp>
+      <p:cxnSp>
+        <p:nvCxnSpPr>
+          <p:cNvPr id="39" name="Straight Arrow Connector 38">
+            <a:extLst>
+              <a:ext uri="{FF2B5EF4-FFF2-40B4-BE49-F238E27FC236}">
+                <a16:creationId xmlns:a16="http://schemas.microsoft.com/office/drawing/2014/main" id="{79BF8896-98BB-E67A-3956-D2160CA5AB10}"/>
+              </a:ext>
+            </a:extLst>
+          </p:cNvPr>
+          <p:cNvCxnSpPr>
+            <a:endCxn id="37" idx="3"/>
+          </p:cNvCxnSpPr>
+          <p:nvPr/>
+        </p:nvCxnSpPr>
+        <p:spPr>
+          <a:xfrm flipH="1">
+            <a:off x="10917089" y="867755"/>
+            <a:ext cx="178259" cy="0"/>
+          </a:xfrm>
+          <a:prstGeom prst="straightConnector1">
+            <a:avLst/>
+          </a:prstGeom>
+          <a:ln>
+            <a:tailEnd type="triangle"/>
+          </a:ln>
+        </p:spPr>
+        <p:style>
+          <a:lnRef idx="1">
+            <a:schemeClr val="accent1"/>
+          </a:lnRef>
+          <a:fillRef idx="0">
+            <a:schemeClr val="accent1"/>
+          </a:fillRef>
+          <a:effectRef idx="0">
+            <a:schemeClr val="accent1"/>
+          </a:effectRef>
+          <a:fontRef idx="minor">
+            <a:schemeClr val="tx1"/>
+          </a:fontRef>
+        </p:style>
+      </p:cxnSp>
+      <p:cxnSp>
+        <p:nvCxnSpPr>
+          <p:cNvPr id="40" name="Straight Arrow Connector 39">
+            <a:extLst>
+              <a:ext uri="{FF2B5EF4-FFF2-40B4-BE49-F238E27FC236}">
+                <a16:creationId xmlns:a16="http://schemas.microsoft.com/office/drawing/2014/main" id="{5BC27A05-3844-C875-37FD-54A22BFBDD1A}"/>
+              </a:ext>
+            </a:extLst>
+          </p:cNvPr>
+          <p:cNvCxnSpPr/>
+          <p:nvPr/>
+        </p:nvCxnSpPr>
+        <p:spPr>
+          <a:xfrm flipH="1">
+            <a:off x="8293429" y="3257321"/>
+            <a:ext cx="178259" cy="0"/>
+          </a:xfrm>
+          <a:prstGeom prst="straightConnector1">
+            <a:avLst/>
+          </a:prstGeom>
+          <a:ln>
+            <a:tailEnd type="triangle"/>
+          </a:ln>
+        </p:spPr>
+        <p:style>
+          <a:lnRef idx="1">
+            <a:schemeClr val="accent1"/>
+          </a:lnRef>
+          <a:fillRef idx="0">
+            <a:schemeClr val="accent1"/>
+          </a:fillRef>
+          <a:effectRef idx="0">
+            <a:schemeClr val="accent1"/>
+          </a:effectRef>
+          <a:fontRef idx="minor">
+            <a:schemeClr val="tx1"/>
+          </a:fontRef>
+        </p:style>
+      </p:cxnSp>
+      <p:sp>
+        <p:nvSpPr>
+          <p:cNvPr id="44" name="Rectangle 43">
+            <a:extLst>
+              <a:ext uri="{FF2B5EF4-FFF2-40B4-BE49-F238E27FC236}">
+                <a16:creationId xmlns:a16="http://schemas.microsoft.com/office/drawing/2014/main" id="{B7AD2ED2-71DE-4F86-E4C0-E9F527458BBF}"/>
+              </a:ext>
+            </a:extLst>
+          </p:cNvPr>
+          <p:cNvSpPr/>
+          <p:nvPr/>
+        </p:nvSpPr>
+        <p:spPr>
+          <a:xfrm>
+            <a:off x="1587500" y="1372443"/>
+            <a:ext cx="5135127" cy="5485557"/>
+          </a:xfrm>
+          <a:prstGeom prst="rect">
+            <a:avLst/>
+          </a:prstGeom>
+          <a:noFill/>
+        </p:spPr>
+        <p:style>
+          <a:lnRef idx="2">
+            <a:schemeClr val="accent1">
+              <a:shade val="15000"/>
+            </a:schemeClr>
+          </a:lnRef>
+          <a:fillRef idx="1">
+            <a:schemeClr val="accent1"/>
+          </a:fillRef>
+          <a:effectRef idx="0">
+            <a:schemeClr val="accent1"/>
+          </a:effectRef>
+          <a:fontRef idx="minor">
+            <a:schemeClr val="lt1"/>
+          </a:fontRef>
+        </p:style>
+        <p:txBody>
+          <a:bodyPr rtlCol="0" anchor="ctr"/>
+          <a:lstStyle/>
+          <a:p>
+            <a:pPr algn="ctr"/>
+            <a:endParaRPr lang="en-US"/>
+          </a:p>
+        </p:txBody>
+      </p:sp>
+      <p:sp>
+        <p:nvSpPr>
+          <p:cNvPr id="43" name="TextBox 42">
+            <a:extLst>
+              <a:ext uri="{FF2B5EF4-FFF2-40B4-BE49-F238E27FC236}">
+                <a16:creationId xmlns:a16="http://schemas.microsoft.com/office/drawing/2014/main" id="{F33E6C60-AA17-EB5C-1A99-4808F5B695C8}"/>
+              </a:ext>
+            </a:extLst>
+          </p:cNvPr>
+          <p:cNvSpPr txBox="1"/>
+          <p:nvPr/>
+        </p:nvSpPr>
+        <p:spPr>
+          <a:xfrm>
+            <a:off x="3558340" y="1223797"/>
+            <a:ext cx="1127959" cy="307777"/>
+          </a:xfrm>
+          <a:prstGeom prst="rect">
+            <a:avLst/>
+          </a:prstGeom>
+          <a:solidFill>
+            <a:schemeClr val="bg1"/>
+          </a:solidFill>
+        </p:spPr>
+        <p:txBody>
+          <a:bodyPr wrap="square">
+            <a:spAutoFit/>
+          </a:bodyPr>
+          <a:lstStyle/>
+          <a:p>
+            <a:pPr algn="ctr"/>
+            <a:r>
+              <a:rPr lang="en-US" sz="1400" b="1" dirty="0" err="1"/>
+              <a:t>mainPanel</a:t>
+            </a:r>
+            <a:endParaRPr lang="en-US" sz="1400" b="1" dirty="0"/>
+          </a:p>
+        </p:txBody>
+      </p:sp>
+      <p:sp>
+        <p:nvSpPr>
+          <p:cNvPr id="46" name="Rectangle 45">
+            <a:extLst>
+              <a:ext uri="{FF2B5EF4-FFF2-40B4-BE49-F238E27FC236}">
+                <a16:creationId xmlns:a16="http://schemas.microsoft.com/office/drawing/2014/main" id="{810A9917-5895-E22D-42A8-C806AC0960E7}"/>
+              </a:ext>
+            </a:extLst>
+          </p:cNvPr>
+          <p:cNvSpPr/>
+          <p:nvPr/>
+        </p:nvSpPr>
+        <p:spPr>
+          <a:xfrm>
+            <a:off x="6725782" y="1395622"/>
+            <a:ext cx="2642561" cy="5485557"/>
+          </a:xfrm>
+          <a:prstGeom prst="rect">
+            <a:avLst/>
+          </a:prstGeom>
+          <a:noFill/>
+        </p:spPr>
+        <p:style>
+          <a:lnRef idx="2">
+            <a:schemeClr val="accent1">
+              <a:shade val="15000"/>
+            </a:schemeClr>
+          </a:lnRef>
+          <a:fillRef idx="1">
+            <a:schemeClr val="accent1"/>
+          </a:fillRef>
+          <a:effectRef idx="0">
+            <a:schemeClr val="accent1"/>
+          </a:effectRef>
+          <a:fontRef idx="minor">
+            <a:schemeClr val="lt1"/>
+          </a:fontRef>
+        </p:style>
+        <p:txBody>
+          <a:bodyPr rtlCol="0" anchor="ctr"/>
+          <a:lstStyle/>
+          <a:p>
+            <a:pPr algn="ctr"/>
+            <a:endParaRPr lang="en-US"/>
+          </a:p>
+        </p:txBody>
+      </p:sp>
+      <p:sp>
+        <p:nvSpPr>
+          <p:cNvPr id="45" name="TextBox 44">
+            <a:extLst>
+              <a:ext uri="{FF2B5EF4-FFF2-40B4-BE49-F238E27FC236}">
+                <a16:creationId xmlns:a16="http://schemas.microsoft.com/office/drawing/2014/main" id="{A7DC41DA-62C7-C598-5060-044F9B0AB895}"/>
+              </a:ext>
+            </a:extLst>
+          </p:cNvPr>
+          <p:cNvSpPr txBox="1"/>
+          <p:nvPr/>
+        </p:nvSpPr>
+        <p:spPr>
+          <a:xfrm>
+            <a:off x="7459878" y="1266500"/>
+            <a:ext cx="1127959" cy="307777"/>
+          </a:xfrm>
+          <a:prstGeom prst="rect">
+            <a:avLst/>
+          </a:prstGeom>
+          <a:solidFill>
+            <a:schemeClr val="bg1"/>
+          </a:solidFill>
+        </p:spPr>
+        <p:txBody>
+          <a:bodyPr wrap="square">
+            <a:spAutoFit/>
+          </a:bodyPr>
+          <a:lstStyle/>
+          <a:p>
+            <a:pPr algn="ctr"/>
+            <a:r>
+              <a:rPr lang="en-US" sz="1400" b="1" dirty="0"/>
+              <a:t>sidebar</a:t>
+            </a:r>
+          </a:p>
+        </p:txBody>
+      </p:sp>
+      <p:sp>
+        <p:nvSpPr>
+          <p:cNvPr id="47" name="TextBox 46">
+            <a:extLst>
+              <a:ext uri="{FF2B5EF4-FFF2-40B4-BE49-F238E27FC236}">
+                <a16:creationId xmlns:a16="http://schemas.microsoft.com/office/drawing/2014/main" id="{7690E482-EE93-9FE9-3188-C88718B8CE4A}"/>
+              </a:ext>
+            </a:extLst>
+          </p:cNvPr>
+          <p:cNvSpPr txBox="1"/>
+          <p:nvPr/>
+        </p:nvSpPr>
+        <p:spPr>
+          <a:xfrm>
+            <a:off x="8042951" y="3824759"/>
+            <a:ext cx="1178609" cy="646331"/>
+          </a:xfrm>
+          <a:prstGeom prst="rect">
+            <a:avLst/>
+          </a:prstGeom>
+          <a:noFill/>
+        </p:spPr>
+        <p:txBody>
+          <a:bodyPr wrap="square" rtlCol="0">
+            <a:spAutoFit/>
+          </a:bodyPr>
+          <a:lstStyle/>
+          <a:p>
+            <a:pPr algn="ctr"/>
+            <a:r>
               <a:rPr lang="he-IL" dirty="0"/>
-              <a:t>מחזיר את קוד התרחיש</a:t>
+              <a:t>רשימת תרחישים</a:t>
             </a:r>
             <a:endParaRPr lang="en-US" dirty="0"/>
           </a:p>
         </p:txBody>
       </p:sp>
+      <p:sp>
+        <p:nvSpPr>
+          <p:cNvPr id="48" name="TextBox 47">
+            <a:extLst>
+              <a:ext uri="{FF2B5EF4-FFF2-40B4-BE49-F238E27FC236}">
+                <a16:creationId xmlns:a16="http://schemas.microsoft.com/office/drawing/2014/main" id="{D26B882A-7E19-A119-4B50-CB86277EDAEA}"/>
+              </a:ext>
+            </a:extLst>
+          </p:cNvPr>
+          <p:cNvSpPr txBox="1"/>
+          <p:nvPr/>
+        </p:nvSpPr>
+        <p:spPr>
+          <a:xfrm>
+            <a:off x="6825655" y="3824759"/>
+            <a:ext cx="1178609" cy="369332"/>
+          </a:xfrm>
+          <a:prstGeom prst="rect">
+            <a:avLst/>
+          </a:prstGeom>
+          <a:noFill/>
+        </p:spPr>
+        <p:txBody>
+          <a:bodyPr wrap="square" rtlCol="0">
+            <a:spAutoFit/>
+          </a:bodyPr>
+          <a:lstStyle/>
+          <a:p>
+            <a:pPr algn="ctr"/>
+            <a:r>
+              <a:rPr lang="he-IL" dirty="0"/>
+              <a:t>שנים</a:t>
+            </a:r>
+            <a:endParaRPr lang="en-US" dirty="0"/>
+          </a:p>
+        </p:txBody>
+      </p:sp>
+      <p:sp>
+        <p:nvSpPr>
+          <p:cNvPr id="49" name="TextBox 48">
+            <a:extLst>
+              <a:ext uri="{FF2B5EF4-FFF2-40B4-BE49-F238E27FC236}">
+                <a16:creationId xmlns:a16="http://schemas.microsoft.com/office/drawing/2014/main" id="{124D437B-669E-C7B1-0768-58A24641FB7A}"/>
+              </a:ext>
+            </a:extLst>
+          </p:cNvPr>
+          <p:cNvSpPr txBox="1"/>
+          <p:nvPr/>
+        </p:nvSpPr>
+        <p:spPr>
+          <a:xfrm>
+            <a:off x="8131156" y="4531769"/>
+            <a:ext cx="1018227" cy="461665"/>
+          </a:xfrm>
+          <a:prstGeom prst="rect">
+            <a:avLst/>
+          </a:prstGeom>
+          <a:solidFill>
+            <a:schemeClr val="accent4">
+              <a:lumMod val="20000"/>
+              <a:lumOff val="80000"/>
+            </a:schemeClr>
+          </a:solidFill>
+        </p:spPr>
+        <p:txBody>
+          <a:bodyPr wrap="none" rtlCol="0">
+            <a:spAutoFit/>
+          </a:bodyPr>
+          <a:lstStyle/>
+          <a:p>
+            <a:r>
+              <a:rPr lang="he-IL" sz="1200" b="1" dirty="0"/>
+              <a:t>המשך מגמות</a:t>
+            </a:r>
+          </a:p>
+          <a:p>
+            <a:r>
+              <a:rPr lang="he-IL" sz="1200" dirty="0" err="1"/>
+              <a:t>אטרטגיה</a:t>
+            </a:r>
+            <a:r>
+              <a:rPr lang="he-IL" sz="1200" dirty="0"/>
+              <a:t> דיור</a:t>
+            </a:r>
+            <a:endParaRPr lang="en-US" sz="1200" dirty="0"/>
+          </a:p>
+        </p:txBody>
+      </p:sp>
+      <p:sp>
+        <p:nvSpPr>
+          <p:cNvPr id="50" name="TextBox 49">
+            <a:extLst>
+              <a:ext uri="{FF2B5EF4-FFF2-40B4-BE49-F238E27FC236}">
+                <a16:creationId xmlns:a16="http://schemas.microsoft.com/office/drawing/2014/main" id="{9DF6B048-380A-2F72-6EBE-A91D1D72CD22}"/>
+              </a:ext>
+            </a:extLst>
+          </p:cNvPr>
+          <p:cNvSpPr txBox="1"/>
+          <p:nvPr/>
+        </p:nvSpPr>
+        <p:spPr>
+          <a:xfrm>
+            <a:off x="7122115" y="4448508"/>
+            <a:ext cx="524503" cy="646331"/>
+          </a:xfrm>
+          <a:prstGeom prst="rect">
+            <a:avLst/>
+          </a:prstGeom>
+          <a:solidFill>
+            <a:schemeClr val="accent4">
+              <a:lumMod val="20000"/>
+              <a:lumOff val="80000"/>
+            </a:schemeClr>
+          </a:solidFill>
+        </p:spPr>
+        <p:txBody>
+          <a:bodyPr wrap="none" rtlCol="0">
+            <a:spAutoFit/>
+          </a:bodyPr>
+          <a:lstStyle/>
+          <a:p>
+            <a:r>
+              <a:rPr lang="he-IL" sz="1200" dirty="0"/>
+              <a:t>2020</a:t>
+            </a:r>
+          </a:p>
+          <a:p>
+            <a:r>
+              <a:rPr lang="he-IL" sz="1200" b="1" dirty="0"/>
+              <a:t>2030</a:t>
+            </a:r>
+          </a:p>
+          <a:p>
+            <a:r>
+              <a:rPr lang="he-IL" sz="1200" dirty="0"/>
+              <a:t>2040</a:t>
+            </a:r>
+            <a:endParaRPr lang="en-US" sz="1200" dirty="0"/>
+          </a:p>
+        </p:txBody>
+      </p:sp>
+      <p:sp>
+        <p:nvSpPr>
+          <p:cNvPr id="51" name="TextBox 50">
+            <a:extLst>
+              <a:ext uri="{FF2B5EF4-FFF2-40B4-BE49-F238E27FC236}">
+                <a16:creationId xmlns:a16="http://schemas.microsoft.com/office/drawing/2014/main" id="{444D208C-AB2B-701E-E4B7-30261E432BB2}"/>
+              </a:ext>
+            </a:extLst>
+          </p:cNvPr>
+          <p:cNvSpPr txBox="1"/>
+          <p:nvPr/>
+        </p:nvSpPr>
+        <p:spPr>
+          <a:xfrm>
+            <a:off x="7076133" y="5156713"/>
+            <a:ext cx="2085642" cy="369332"/>
+          </a:xfrm>
+          <a:prstGeom prst="rect">
+            <a:avLst/>
+          </a:prstGeom>
+          <a:noFill/>
+        </p:spPr>
+        <p:txBody>
+          <a:bodyPr wrap="square" rtlCol="0">
+            <a:spAutoFit/>
+          </a:bodyPr>
+          <a:lstStyle/>
+          <a:p>
+            <a:pPr algn="ctr"/>
+            <a:r>
+              <a:rPr lang="he-IL" dirty="0"/>
+              <a:t>רשימת משתנים</a:t>
+            </a:r>
+            <a:endParaRPr lang="en-US" dirty="0"/>
+          </a:p>
+        </p:txBody>
+      </p:sp>
+      <p:sp>
+        <p:nvSpPr>
+          <p:cNvPr id="52" name="TextBox 51">
+            <a:extLst>
+              <a:ext uri="{FF2B5EF4-FFF2-40B4-BE49-F238E27FC236}">
+                <a16:creationId xmlns:a16="http://schemas.microsoft.com/office/drawing/2014/main" id="{4EE99801-D2A3-53A2-7145-83CA3A445804}"/>
+              </a:ext>
+            </a:extLst>
+          </p:cNvPr>
+          <p:cNvSpPr txBox="1"/>
+          <p:nvPr/>
+        </p:nvSpPr>
+        <p:spPr>
+          <a:xfrm>
+            <a:off x="7707220" y="5480668"/>
+            <a:ext cx="782587" cy="276999"/>
+          </a:xfrm>
+          <a:prstGeom prst="rect">
+            <a:avLst/>
+          </a:prstGeom>
+          <a:solidFill>
+            <a:schemeClr val="accent4">
+              <a:lumMod val="20000"/>
+              <a:lumOff val="80000"/>
+            </a:schemeClr>
+          </a:solidFill>
+        </p:spPr>
+        <p:txBody>
+          <a:bodyPr wrap="none" rtlCol="0">
+            <a:spAutoFit/>
+          </a:bodyPr>
+          <a:lstStyle/>
+          <a:p>
+            <a:r>
+              <a:rPr lang="he-IL" sz="1200" b="1" dirty="0"/>
+              <a:t>אוכלוסייה</a:t>
+            </a:r>
+            <a:endParaRPr lang="en-US" sz="1200" dirty="0"/>
+          </a:p>
+        </p:txBody>
+      </p:sp>
+      <p:cxnSp>
+        <p:nvCxnSpPr>
+          <p:cNvPr id="56" name="Straight Arrow Connector 55">
+            <a:extLst>
+              <a:ext uri="{FF2B5EF4-FFF2-40B4-BE49-F238E27FC236}">
+                <a16:creationId xmlns:a16="http://schemas.microsoft.com/office/drawing/2014/main" id="{71DEF7A1-9676-DA28-B205-9C06D48A2090}"/>
+              </a:ext>
+            </a:extLst>
+          </p:cNvPr>
+          <p:cNvCxnSpPr/>
+          <p:nvPr/>
+        </p:nvCxnSpPr>
+        <p:spPr>
+          <a:xfrm>
+            <a:off x="820878" y="4448508"/>
+            <a:ext cx="3301441" cy="0"/>
+          </a:xfrm>
+          <a:prstGeom prst="straightConnector1">
+            <a:avLst/>
+          </a:prstGeom>
+          <a:ln>
+            <a:tailEnd type="triangle"/>
+          </a:ln>
+        </p:spPr>
+        <p:style>
+          <a:lnRef idx="1">
+            <a:schemeClr val="accent1"/>
+          </a:lnRef>
+          <a:fillRef idx="0">
+            <a:schemeClr val="accent1"/>
+          </a:fillRef>
+          <a:effectRef idx="0">
+            <a:schemeClr val="accent1"/>
+          </a:effectRef>
+          <a:fontRef idx="minor">
+            <a:schemeClr val="tx1"/>
+          </a:fontRef>
+        </p:style>
+      </p:cxnSp>
+      <p:cxnSp>
+        <p:nvCxnSpPr>
+          <p:cNvPr id="4" name="Straight Connector 3">
+            <a:extLst>
+              <a:ext uri="{FF2B5EF4-FFF2-40B4-BE49-F238E27FC236}">
+                <a16:creationId xmlns:a16="http://schemas.microsoft.com/office/drawing/2014/main" id="{B3C81381-074E-5130-57EE-24EDF8BBA7AC}"/>
+              </a:ext>
+            </a:extLst>
+          </p:cNvPr>
+          <p:cNvCxnSpPr/>
+          <p:nvPr/>
+        </p:nvCxnSpPr>
+        <p:spPr>
+          <a:xfrm flipV="1">
+            <a:off x="580571" y="333807"/>
+            <a:ext cx="11190515" cy="6081507"/>
+          </a:xfrm>
+          <a:prstGeom prst="line">
+            <a:avLst/>
+          </a:prstGeom>
+        </p:spPr>
+        <p:style>
+          <a:lnRef idx="1">
+            <a:schemeClr val="accent1"/>
+          </a:lnRef>
+          <a:fillRef idx="0">
+            <a:schemeClr val="accent1"/>
+          </a:fillRef>
+          <a:effectRef idx="0">
+            <a:schemeClr val="accent1"/>
+          </a:effectRef>
+          <a:fontRef idx="minor">
+            <a:schemeClr val="tx1"/>
+          </a:fontRef>
+        </p:style>
+      </p:cxnSp>
     </p:spTree>
     <p:extLst>
       <p:ext uri="{BB962C8B-B14F-4D97-AF65-F5344CB8AC3E}">
-        <p14:creationId xmlns:p14="http://schemas.microsoft.com/office/powerpoint/2010/main" val="1705988006"/>
+        <p14:creationId xmlns:p14="http://schemas.microsoft.com/office/powerpoint/2010/main" val="3254842822"/>
       </p:ext>
     </p:extLst>
   </p:cSld>
@@ -6457,64 +7339,834 @@
           <a:chExt cx="0" cy="0"/>
         </a:xfrm>
       </p:grpSpPr>
-      <p:sp>
-        <p:nvSpPr>
-          <p:cNvPr id="2" name="Title 1">
-            <a:extLst>
-              <a:ext uri="{FF2B5EF4-FFF2-40B4-BE49-F238E27FC236}">
-                <a16:creationId xmlns:a16="http://schemas.microsoft.com/office/drawing/2014/main" id="{CFFE712C-7E19-335B-A73B-9C1CD4DE821C}"/>
-              </a:ext>
-            </a:extLst>
-          </p:cNvPr>
-          <p:cNvSpPr>
-            <a:spLocks noGrp="1"/>
-          </p:cNvSpPr>
-          <p:nvPr>
-            <p:ph type="ctrTitle"/>
-          </p:nvPr>
-        </p:nvSpPr>
-        <p:spPr/>
-        <p:txBody>
-          <a:bodyPr/>
-          <a:lstStyle/>
-          <a:p>
-            <a:endParaRPr lang="en-US"/>
-          </a:p>
-        </p:txBody>
-      </p:sp>
-      <p:sp>
-        <p:nvSpPr>
-          <p:cNvPr id="3" name="Subtitle 2">
-            <a:extLst>
-              <a:ext uri="{FF2B5EF4-FFF2-40B4-BE49-F238E27FC236}">
-                <a16:creationId xmlns:a16="http://schemas.microsoft.com/office/drawing/2014/main" id="{539D2C7A-01FD-EA1F-928E-8E9C06E5337E}"/>
-              </a:ext>
-            </a:extLst>
-          </p:cNvPr>
-          <p:cNvSpPr>
-            <a:spLocks noGrp="1"/>
-          </p:cNvSpPr>
-          <p:nvPr>
-            <p:ph type="subTitle" idx="1"/>
-          </p:nvPr>
-        </p:nvSpPr>
-        <p:spPr/>
-        <p:txBody>
-          <a:bodyPr/>
-          <a:lstStyle/>
-          <a:p>
+      <p:pic>
+        <p:nvPicPr>
+          <p:cNvPr id="3" name="Picture 2">
+            <a:extLst>
+              <a:ext uri="{FF2B5EF4-FFF2-40B4-BE49-F238E27FC236}">
+                <a16:creationId xmlns:a16="http://schemas.microsoft.com/office/drawing/2014/main" id="{70ED6760-A76F-4D59-165F-552720F6CD92}"/>
+              </a:ext>
+            </a:extLst>
+          </p:cNvPr>
+          <p:cNvPicPr>
+            <a:picLocks noChangeAspect="1"/>
+          </p:cNvPicPr>
+          <p:nvPr/>
+        </p:nvPicPr>
+        <p:blipFill>
+          <a:blip r:embed="rId2"/>
+          <a:stretch>
+            <a:fillRect/>
+          </a:stretch>
+        </p:blipFill>
+        <p:spPr>
+          <a:xfrm>
+            <a:off x="2582617" y="0"/>
+            <a:ext cx="7026765" cy="6858000"/>
+          </a:xfrm>
+          <a:prstGeom prst="rect">
+            <a:avLst/>
+          </a:prstGeom>
+        </p:spPr>
+      </p:pic>
+      <p:sp>
+        <p:nvSpPr>
+          <p:cNvPr id="4" name="TextBox 3">
+            <a:extLst>
+              <a:ext uri="{FF2B5EF4-FFF2-40B4-BE49-F238E27FC236}">
+                <a16:creationId xmlns:a16="http://schemas.microsoft.com/office/drawing/2014/main" id="{4A1C8CAD-3E5B-7FE3-3730-0B924357C33C}"/>
+              </a:ext>
+            </a:extLst>
+          </p:cNvPr>
+          <p:cNvSpPr txBox="1"/>
+          <p:nvPr/>
+        </p:nvSpPr>
+        <p:spPr>
+          <a:xfrm>
+            <a:off x="7710478" y="4530483"/>
+            <a:ext cx="1586773" cy="307777"/>
+          </a:xfrm>
+          <a:prstGeom prst="rect">
+            <a:avLst/>
+          </a:prstGeom>
+          <a:noFill/>
+        </p:spPr>
+        <p:txBody>
+          <a:bodyPr wrap="square" rtlCol="0">
+            <a:spAutoFit/>
+          </a:bodyPr>
+          <a:lstStyle/>
+          <a:p>
+            <a:pPr algn="ctr"/>
+            <a:r>
+              <a:rPr lang="he-IL" sz="1400" b="1" dirty="0"/>
+              <a:t>בחר משתנה/ים</a:t>
+            </a:r>
+            <a:endParaRPr lang="en-US" sz="1400" b="1" dirty="0"/>
+          </a:p>
+        </p:txBody>
+      </p:sp>
+      <p:sp>
+        <p:nvSpPr>
+          <p:cNvPr id="5" name="TextBox 4">
+            <a:extLst>
+              <a:ext uri="{FF2B5EF4-FFF2-40B4-BE49-F238E27FC236}">
+                <a16:creationId xmlns:a16="http://schemas.microsoft.com/office/drawing/2014/main" id="{07E9D7C6-4FDF-C9CB-74AA-5A0B2C91DD4E}"/>
+              </a:ext>
+            </a:extLst>
+          </p:cNvPr>
+          <p:cNvSpPr txBox="1"/>
+          <p:nvPr/>
+        </p:nvSpPr>
+        <p:spPr>
+          <a:xfrm>
+            <a:off x="8110149" y="4915059"/>
+            <a:ext cx="782587" cy="276999"/>
+          </a:xfrm>
+          <a:prstGeom prst="rect">
+            <a:avLst/>
+          </a:prstGeom>
+          <a:solidFill>
+            <a:schemeClr val="accent4">
+              <a:lumMod val="20000"/>
+              <a:lumOff val="80000"/>
+            </a:schemeClr>
+          </a:solidFill>
+        </p:spPr>
+        <p:txBody>
+          <a:bodyPr wrap="none" rtlCol="0">
+            <a:spAutoFit/>
+          </a:bodyPr>
+          <a:lstStyle/>
+          <a:p>
+            <a:r>
+              <a:rPr lang="he-IL" sz="1200" b="1" dirty="0"/>
+              <a:t>אוכלוסייה</a:t>
+            </a:r>
+            <a:endParaRPr lang="en-US" sz="1200" dirty="0"/>
+          </a:p>
+        </p:txBody>
+      </p:sp>
+      <p:sp>
+        <p:nvSpPr>
+          <p:cNvPr id="6" name="TextBox 5">
+            <a:extLst>
+              <a:ext uri="{FF2B5EF4-FFF2-40B4-BE49-F238E27FC236}">
+                <a16:creationId xmlns:a16="http://schemas.microsoft.com/office/drawing/2014/main" id="{0D46FF72-AD74-00AE-6254-B9C368539940}"/>
+              </a:ext>
+            </a:extLst>
+          </p:cNvPr>
+          <p:cNvSpPr txBox="1"/>
+          <p:nvPr/>
+        </p:nvSpPr>
+        <p:spPr>
+          <a:xfrm>
+            <a:off x="7705634" y="5352183"/>
+            <a:ext cx="1591617" cy="307777"/>
+          </a:xfrm>
+          <a:prstGeom prst="rect">
+            <a:avLst/>
+          </a:prstGeom>
+          <a:noFill/>
+        </p:spPr>
+        <p:txBody>
+          <a:bodyPr wrap="square" rtlCol="0">
+            <a:spAutoFit/>
+          </a:bodyPr>
+          <a:lstStyle/>
+          <a:p>
+            <a:r>
+              <a:rPr lang="he-IL" sz="1400" b="1" dirty="0"/>
+              <a:t>בחר סוג עיבוד</a:t>
+            </a:r>
+            <a:endParaRPr lang="en-US" sz="1400" b="1" dirty="0"/>
+          </a:p>
+        </p:txBody>
+      </p:sp>
+      <p:sp>
+        <p:nvSpPr>
+          <p:cNvPr id="7" name="TextBox 6">
+            <a:extLst>
+              <a:ext uri="{FF2B5EF4-FFF2-40B4-BE49-F238E27FC236}">
+                <a16:creationId xmlns:a16="http://schemas.microsoft.com/office/drawing/2014/main" id="{250BEE6E-4456-99CE-7B7F-0C1EC983DDC1}"/>
+              </a:ext>
+            </a:extLst>
+          </p:cNvPr>
+          <p:cNvSpPr txBox="1"/>
+          <p:nvPr/>
+        </p:nvSpPr>
+        <p:spPr>
+          <a:xfrm>
+            <a:off x="8186292" y="5736759"/>
+            <a:ext cx="630301" cy="461665"/>
+          </a:xfrm>
+          <a:prstGeom prst="rect">
+            <a:avLst/>
+          </a:prstGeom>
+          <a:solidFill>
+            <a:schemeClr val="accent4">
+              <a:lumMod val="20000"/>
+              <a:lumOff val="80000"/>
+            </a:schemeClr>
+          </a:solidFill>
+        </p:spPr>
+        <p:txBody>
+          <a:bodyPr wrap="none" rtlCol="0">
+            <a:spAutoFit/>
+          </a:bodyPr>
+          <a:lstStyle/>
+          <a:p>
+            <a:r>
+              <a:rPr lang="he-IL" sz="1200" b="1" dirty="0"/>
+              <a:t>ערכים</a:t>
+            </a:r>
+          </a:p>
+          <a:p>
+            <a:r>
+              <a:rPr lang="he-IL" sz="1200" b="1" dirty="0"/>
+              <a:t>צפיפות</a:t>
+            </a:r>
+          </a:p>
+        </p:txBody>
+      </p:sp>
+      <p:sp>
+        <p:nvSpPr>
+          <p:cNvPr id="8" name="Rectangle: Rounded Corners 7">
+            <a:extLst>
+              <a:ext uri="{FF2B5EF4-FFF2-40B4-BE49-F238E27FC236}">
+                <a16:creationId xmlns:a16="http://schemas.microsoft.com/office/drawing/2014/main" id="{162091A9-9217-CF04-BDB1-8E007DEA8948}"/>
+              </a:ext>
+            </a:extLst>
+          </p:cNvPr>
+          <p:cNvSpPr/>
+          <p:nvPr/>
+        </p:nvSpPr>
+        <p:spPr>
+          <a:xfrm>
+            <a:off x="7481813" y="6275223"/>
+            <a:ext cx="2039259" cy="384866"/>
+          </a:xfrm>
+          <a:prstGeom prst="roundRect">
+            <a:avLst/>
+          </a:prstGeom>
+        </p:spPr>
+        <p:style>
+          <a:lnRef idx="2">
+            <a:schemeClr val="accent1">
+              <a:shade val="15000"/>
+            </a:schemeClr>
+          </a:lnRef>
+          <a:fillRef idx="1">
+            <a:schemeClr val="accent1"/>
+          </a:fillRef>
+          <a:effectRef idx="0">
+            <a:schemeClr val="accent1"/>
+          </a:effectRef>
+          <a:fontRef idx="minor">
+            <a:schemeClr val="lt1"/>
+          </a:fontRef>
+        </p:style>
+        <p:txBody>
+          <a:bodyPr rtlCol="0" anchor="ctr"/>
+          <a:lstStyle/>
+          <a:p>
+            <a:pPr algn="ctr"/>
             <a:r>
               <a:rPr lang="he-IL" dirty="0"/>
-              <a:t>סיום</a:t>
+              <a:t>בצע</a:t>
             </a:r>
             <a:endParaRPr lang="en-US" dirty="0"/>
           </a:p>
         </p:txBody>
       </p:sp>
+      <p:cxnSp>
+        <p:nvCxnSpPr>
+          <p:cNvPr id="10" name="Straight Arrow Connector 9">
+            <a:extLst>
+              <a:ext uri="{FF2B5EF4-FFF2-40B4-BE49-F238E27FC236}">
+                <a16:creationId xmlns:a16="http://schemas.microsoft.com/office/drawing/2014/main" id="{DD86BC65-7942-627A-775B-1C4093395F54}"/>
+              </a:ext>
+            </a:extLst>
+          </p:cNvPr>
+          <p:cNvCxnSpPr/>
+          <p:nvPr/>
+        </p:nvCxnSpPr>
+        <p:spPr>
+          <a:xfrm>
+            <a:off x="2582617" y="1244338"/>
+            <a:ext cx="226571" cy="0"/>
+          </a:xfrm>
+          <a:prstGeom prst="straightConnector1">
+            <a:avLst/>
+          </a:prstGeom>
+          <a:ln>
+            <a:tailEnd type="triangle"/>
+          </a:ln>
+        </p:spPr>
+        <p:style>
+          <a:lnRef idx="1">
+            <a:schemeClr val="accent1"/>
+          </a:lnRef>
+          <a:fillRef idx="0">
+            <a:schemeClr val="accent1"/>
+          </a:fillRef>
+          <a:effectRef idx="0">
+            <a:schemeClr val="accent1"/>
+          </a:effectRef>
+          <a:fontRef idx="minor">
+            <a:schemeClr val="tx1"/>
+          </a:fontRef>
+        </p:style>
+      </p:cxnSp>
+      <p:sp>
+        <p:nvSpPr>
+          <p:cNvPr id="11" name="TextBox 10">
+            <a:extLst>
+              <a:ext uri="{FF2B5EF4-FFF2-40B4-BE49-F238E27FC236}">
+                <a16:creationId xmlns:a16="http://schemas.microsoft.com/office/drawing/2014/main" id="{1634D45D-E808-DC03-6345-59C5EFAD1D9D}"/>
+              </a:ext>
+            </a:extLst>
+          </p:cNvPr>
+          <p:cNvSpPr txBox="1"/>
+          <p:nvPr/>
+        </p:nvSpPr>
+        <p:spPr>
+          <a:xfrm>
+            <a:off x="5128181" y="865469"/>
+            <a:ext cx="1653017" cy="369332"/>
+          </a:xfrm>
+          <a:prstGeom prst="rect">
+            <a:avLst/>
+          </a:prstGeom>
+          <a:noFill/>
+        </p:spPr>
+        <p:txBody>
+          <a:bodyPr wrap="none" rtlCol="0">
+            <a:spAutoFit/>
+          </a:bodyPr>
+          <a:lstStyle/>
+          <a:p>
+            <a:r>
+              <a:rPr lang="he-IL" dirty="0">
+                <a:highlight>
+                  <a:srgbClr val="00FFFF"/>
+                </a:highlight>
+              </a:rPr>
+              <a:t>אפשרויות תצוגה</a:t>
+            </a:r>
+            <a:endParaRPr lang="en-US" dirty="0">
+              <a:highlight>
+                <a:srgbClr val="00FFFF"/>
+              </a:highlight>
+            </a:endParaRPr>
+          </a:p>
+        </p:txBody>
+      </p:sp>
+      <p:sp>
+        <p:nvSpPr>
+          <p:cNvPr id="12" name="TextBox 11">
+            <a:extLst>
+              <a:ext uri="{FF2B5EF4-FFF2-40B4-BE49-F238E27FC236}">
+                <a16:creationId xmlns:a16="http://schemas.microsoft.com/office/drawing/2014/main" id="{3CA610E4-7546-973B-2238-F00FB996EEC9}"/>
+              </a:ext>
+            </a:extLst>
+          </p:cNvPr>
+          <p:cNvSpPr txBox="1"/>
+          <p:nvPr/>
+        </p:nvSpPr>
+        <p:spPr>
+          <a:xfrm>
+            <a:off x="11228735" y="3835122"/>
+            <a:ext cx="848309" cy="261610"/>
+          </a:xfrm>
+          <a:prstGeom prst="rect">
+            <a:avLst/>
+          </a:prstGeom>
+          <a:solidFill>
+            <a:schemeClr val="accent1">
+              <a:lumMod val="20000"/>
+              <a:lumOff val="80000"/>
+            </a:schemeClr>
+          </a:solidFill>
+        </p:spPr>
+        <p:txBody>
+          <a:bodyPr wrap="none" rtlCol="0">
+            <a:spAutoFit/>
+          </a:bodyPr>
+          <a:lstStyle/>
+          <a:p>
+            <a:r>
+              <a:rPr lang="he-IL" sz="1050" b="1" dirty="0"/>
+              <a:t>בחר שנה/ים</a:t>
+            </a:r>
+            <a:endParaRPr lang="en-US" sz="1050" b="1" dirty="0"/>
+          </a:p>
+        </p:txBody>
+      </p:sp>
+      <p:cxnSp>
+        <p:nvCxnSpPr>
+          <p:cNvPr id="2" name="Straight Arrow Connector 1">
+            <a:extLst>
+              <a:ext uri="{FF2B5EF4-FFF2-40B4-BE49-F238E27FC236}">
+                <a16:creationId xmlns:a16="http://schemas.microsoft.com/office/drawing/2014/main" id="{C4D5C842-3CB8-00CC-D648-8E2519FDC478}"/>
+              </a:ext>
+            </a:extLst>
+          </p:cNvPr>
+          <p:cNvCxnSpPr/>
+          <p:nvPr/>
+        </p:nvCxnSpPr>
+        <p:spPr>
+          <a:xfrm flipH="1">
+            <a:off x="7675066" y="2837468"/>
+            <a:ext cx="348792" cy="150829"/>
+          </a:xfrm>
+          <a:prstGeom prst="straightConnector1">
+            <a:avLst/>
+          </a:prstGeom>
+          <a:ln>
+            <a:tailEnd type="triangle"/>
+          </a:ln>
+        </p:spPr>
+        <p:style>
+          <a:lnRef idx="1">
+            <a:schemeClr val="accent2"/>
+          </a:lnRef>
+          <a:fillRef idx="0">
+            <a:schemeClr val="accent2"/>
+          </a:fillRef>
+          <a:effectRef idx="0">
+            <a:schemeClr val="accent2"/>
+          </a:effectRef>
+          <a:fontRef idx="minor">
+            <a:schemeClr val="tx1"/>
+          </a:fontRef>
+        </p:style>
+      </p:cxnSp>
+      <p:sp>
+        <p:nvSpPr>
+          <p:cNvPr id="9" name="TextBox 8">
+            <a:extLst>
+              <a:ext uri="{FF2B5EF4-FFF2-40B4-BE49-F238E27FC236}">
+                <a16:creationId xmlns:a16="http://schemas.microsoft.com/office/drawing/2014/main" id="{F3CAD155-1C22-8E0A-790E-A74D87754246}"/>
+              </a:ext>
+            </a:extLst>
+          </p:cNvPr>
+          <p:cNvSpPr txBox="1"/>
+          <p:nvPr/>
+        </p:nvSpPr>
+        <p:spPr>
+          <a:xfrm>
+            <a:off x="6432351" y="2539872"/>
+            <a:ext cx="1242715" cy="276999"/>
+          </a:xfrm>
+          <a:prstGeom prst="rect">
+            <a:avLst/>
+          </a:prstGeom>
+          <a:noFill/>
+        </p:spPr>
+        <p:txBody>
+          <a:bodyPr wrap="square">
+            <a:spAutoFit/>
+          </a:bodyPr>
+          <a:lstStyle>
+            <a:defPPr>
+              <a:defRPr lang="en-US"/>
+            </a:defPPr>
+            <a:lvl1pPr algn="ctr">
+              <a:defRPr sz="1200">
+                <a:highlight>
+                  <a:srgbClr val="FFFF00"/>
+                </a:highlight>
+              </a:defRPr>
+            </a:lvl1pPr>
+          </a:lstStyle>
+          <a:p>
+            <a:r>
+              <a:rPr lang="en-US" dirty="0" err="1">
+                <a:highlight>
+                  <a:srgbClr val="00FFFF"/>
+                </a:highlight>
+              </a:rPr>
+              <a:t>cfg$scnsources</a:t>
+            </a:r>
+            <a:endParaRPr lang="en-US" dirty="0">
+              <a:highlight>
+                <a:srgbClr val="00FFFF"/>
+              </a:highlight>
+            </a:endParaRPr>
+          </a:p>
+        </p:txBody>
+      </p:sp>
+      <p:sp>
+        <p:nvSpPr>
+          <p:cNvPr id="13" name="TextBox 12">
+            <a:extLst>
+              <a:ext uri="{FF2B5EF4-FFF2-40B4-BE49-F238E27FC236}">
+                <a16:creationId xmlns:a16="http://schemas.microsoft.com/office/drawing/2014/main" id="{B8E64EA5-8B60-B3DC-9091-30003D6F7523}"/>
+              </a:ext>
+            </a:extLst>
+          </p:cNvPr>
+          <p:cNvSpPr txBox="1"/>
+          <p:nvPr/>
+        </p:nvSpPr>
+        <p:spPr>
+          <a:xfrm>
+            <a:off x="8382559" y="2428006"/>
+            <a:ext cx="1242715" cy="276999"/>
+          </a:xfrm>
+          <a:prstGeom prst="rect">
+            <a:avLst/>
+          </a:prstGeom>
+          <a:noFill/>
+        </p:spPr>
+        <p:txBody>
+          <a:bodyPr wrap="square">
+            <a:spAutoFit/>
+          </a:bodyPr>
+          <a:lstStyle/>
+          <a:p>
+            <a:pPr algn="ctr"/>
+            <a:r>
+              <a:rPr lang="en-US" sz="1200" dirty="0" err="1">
+                <a:highlight>
+                  <a:srgbClr val="FFFF00"/>
+                </a:highlight>
+              </a:rPr>
+              <a:t>input$selectSrc</a:t>
+            </a:r>
+            <a:endParaRPr lang="en-US" sz="1200" dirty="0">
+              <a:highlight>
+                <a:srgbClr val="FFFF00"/>
+              </a:highlight>
+            </a:endParaRPr>
+          </a:p>
+        </p:txBody>
+      </p:sp>
+      <p:cxnSp>
+        <p:nvCxnSpPr>
+          <p:cNvPr id="14" name="Straight Arrow Connector 13">
+            <a:extLst>
+              <a:ext uri="{FF2B5EF4-FFF2-40B4-BE49-F238E27FC236}">
+                <a16:creationId xmlns:a16="http://schemas.microsoft.com/office/drawing/2014/main" id="{9193AC16-A016-D898-049F-6D4D5E724958}"/>
+              </a:ext>
+            </a:extLst>
+          </p:cNvPr>
+          <p:cNvCxnSpPr>
+            <a:stCxn id="13" idx="3"/>
+          </p:cNvCxnSpPr>
+          <p:nvPr/>
+        </p:nvCxnSpPr>
+        <p:spPr>
+          <a:xfrm flipV="1">
+            <a:off x="9625274" y="2566505"/>
+            <a:ext cx="508540" cy="1"/>
+          </a:xfrm>
+          <a:prstGeom prst="straightConnector1">
+            <a:avLst/>
+          </a:prstGeom>
+          <a:ln>
+            <a:tailEnd type="triangle"/>
+          </a:ln>
+        </p:spPr>
+        <p:style>
+          <a:lnRef idx="1">
+            <a:schemeClr val="accent1"/>
+          </a:lnRef>
+          <a:fillRef idx="0">
+            <a:schemeClr val="accent1"/>
+          </a:fillRef>
+          <a:effectRef idx="0">
+            <a:schemeClr val="accent1"/>
+          </a:effectRef>
+          <a:fontRef idx="minor">
+            <a:schemeClr val="tx1"/>
+          </a:fontRef>
+        </p:style>
+      </p:cxnSp>
+      <p:sp>
+        <p:nvSpPr>
+          <p:cNvPr id="15" name="TextBox 14">
+            <a:extLst>
+              <a:ext uri="{FF2B5EF4-FFF2-40B4-BE49-F238E27FC236}">
+                <a16:creationId xmlns:a16="http://schemas.microsoft.com/office/drawing/2014/main" id="{C4EFCDEF-E161-CE19-434D-7E22ADF20697}"/>
+              </a:ext>
+            </a:extLst>
+          </p:cNvPr>
+          <p:cNvSpPr txBox="1"/>
+          <p:nvPr/>
+        </p:nvSpPr>
+        <p:spPr>
+          <a:xfrm>
+            <a:off x="10149706" y="2381839"/>
+            <a:ext cx="1140404" cy="369332"/>
+          </a:xfrm>
+          <a:prstGeom prst="rect">
+            <a:avLst/>
+          </a:prstGeom>
+          <a:noFill/>
+        </p:spPr>
+        <p:txBody>
+          <a:bodyPr wrap="square">
+            <a:spAutoFit/>
+          </a:bodyPr>
+          <a:lstStyle/>
+          <a:p>
+            <a:r>
+              <a:rPr lang="en-US" dirty="0" err="1"/>
+              <a:t>currentsrc</a:t>
+            </a:r>
+            <a:endParaRPr lang="en-US" dirty="0"/>
+          </a:p>
+        </p:txBody>
+      </p:sp>
+      <p:sp>
+        <p:nvSpPr>
+          <p:cNvPr id="16" name="TextBox 15">
+            <a:extLst>
+              <a:ext uri="{FF2B5EF4-FFF2-40B4-BE49-F238E27FC236}">
+                <a16:creationId xmlns:a16="http://schemas.microsoft.com/office/drawing/2014/main" id="{6961A606-EEDD-78A5-6660-C72ED8BF4790}"/>
+              </a:ext>
+            </a:extLst>
+          </p:cNvPr>
+          <p:cNvSpPr txBox="1"/>
+          <p:nvPr/>
+        </p:nvSpPr>
+        <p:spPr>
+          <a:xfrm>
+            <a:off x="6318339" y="3251689"/>
+            <a:ext cx="1242715" cy="276999"/>
+          </a:xfrm>
+          <a:prstGeom prst="rect">
+            <a:avLst/>
+          </a:prstGeom>
+          <a:noFill/>
+        </p:spPr>
+        <p:txBody>
+          <a:bodyPr wrap="square">
+            <a:spAutoFit/>
+          </a:bodyPr>
+          <a:lstStyle>
+            <a:defPPr>
+              <a:defRPr lang="en-US"/>
+            </a:defPPr>
+            <a:lvl1pPr algn="ctr">
+              <a:defRPr sz="1200">
+                <a:highlight>
+                  <a:srgbClr val="00FFFF"/>
+                </a:highlight>
+              </a:defRPr>
+            </a:lvl1pPr>
+          </a:lstStyle>
+          <a:p>
+            <a:r>
+              <a:rPr lang="en-US" dirty="0" err="1"/>
+              <a:t>cfg$scnchoices</a:t>
+            </a:r>
+            <a:endParaRPr lang="en-US" dirty="0"/>
+          </a:p>
+        </p:txBody>
+      </p:sp>
+      <p:sp>
+        <p:nvSpPr>
+          <p:cNvPr id="17" name="TextBox 16">
+            <a:extLst>
+              <a:ext uri="{FF2B5EF4-FFF2-40B4-BE49-F238E27FC236}">
+                <a16:creationId xmlns:a16="http://schemas.microsoft.com/office/drawing/2014/main" id="{4C12E2C2-C6B0-8197-F3FC-4D2027A7C7D4}"/>
+              </a:ext>
+            </a:extLst>
+          </p:cNvPr>
+          <p:cNvSpPr txBox="1"/>
+          <p:nvPr/>
+        </p:nvSpPr>
+        <p:spPr>
+          <a:xfrm>
+            <a:off x="8478680" y="3252200"/>
+            <a:ext cx="1288000" cy="276999"/>
+          </a:xfrm>
+          <a:prstGeom prst="rect">
+            <a:avLst/>
+          </a:prstGeom>
+          <a:noFill/>
+        </p:spPr>
+        <p:txBody>
+          <a:bodyPr wrap="square">
+            <a:spAutoFit/>
+          </a:bodyPr>
+          <a:lstStyle>
+            <a:defPPr>
+              <a:defRPr lang="en-US"/>
+            </a:defPPr>
+            <a:lvl1pPr algn="ctr">
+              <a:defRPr sz="1200">
+                <a:highlight>
+                  <a:srgbClr val="FFFF00"/>
+                </a:highlight>
+              </a:defRPr>
+            </a:lvl1pPr>
+          </a:lstStyle>
+          <a:p>
+            <a:r>
+              <a:rPr lang="en-US" dirty="0" err="1"/>
+              <a:t>input$selectScn</a:t>
+            </a:r>
+            <a:endParaRPr lang="en-US" dirty="0"/>
+          </a:p>
+        </p:txBody>
+      </p:sp>
+      <p:sp>
+        <p:nvSpPr>
+          <p:cNvPr id="18" name="TextBox 17">
+            <a:extLst>
+              <a:ext uri="{FF2B5EF4-FFF2-40B4-BE49-F238E27FC236}">
+                <a16:creationId xmlns:a16="http://schemas.microsoft.com/office/drawing/2014/main" id="{CA5BE5F1-66D5-3FA4-9D35-304F8A943487}"/>
+              </a:ext>
+            </a:extLst>
+          </p:cNvPr>
+          <p:cNvSpPr txBox="1"/>
+          <p:nvPr/>
+        </p:nvSpPr>
+        <p:spPr>
+          <a:xfrm>
+            <a:off x="10251458" y="3164994"/>
+            <a:ext cx="1355103" cy="369332"/>
+          </a:xfrm>
+          <a:prstGeom prst="rect">
+            <a:avLst/>
+          </a:prstGeom>
+          <a:noFill/>
+        </p:spPr>
+        <p:txBody>
+          <a:bodyPr wrap="square">
+            <a:spAutoFit/>
+          </a:bodyPr>
+          <a:lstStyle/>
+          <a:p>
+            <a:r>
+              <a:rPr lang="en-US" dirty="0" err="1"/>
+              <a:t>currentscn</a:t>
+            </a:r>
+            <a:endParaRPr lang="en-US" dirty="0"/>
+          </a:p>
+        </p:txBody>
+      </p:sp>
+      <p:cxnSp>
+        <p:nvCxnSpPr>
+          <p:cNvPr id="19" name="Straight Arrow Connector 18">
+            <a:extLst>
+              <a:ext uri="{FF2B5EF4-FFF2-40B4-BE49-F238E27FC236}">
+                <a16:creationId xmlns:a16="http://schemas.microsoft.com/office/drawing/2014/main" id="{EF07D2EB-99DC-B4EF-AE05-6D30093737F5}"/>
+              </a:ext>
+            </a:extLst>
+          </p:cNvPr>
+          <p:cNvCxnSpPr/>
+          <p:nvPr/>
+        </p:nvCxnSpPr>
+        <p:spPr>
+          <a:xfrm flipV="1">
+            <a:off x="9742918" y="3364558"/>
+            <a:ext cx="508540" cy="1"/>
+          </a:xfrm>
+          <a:prstGeom prst="straightConnector1">
+            <a:avLst/>
+          </a:prstGeom>
+          <a:ln>
+            <a:tailEnd type="triangle"/>
+          </a:ln>
+        </p:spPr>
+        <p:style>
+          <a:lnRef idx="1">
+            <a:schemeClr val="accent1"/>
+          </a:lnRef>
+          <a:fillRef idx="0">
+            <a:schemeClr val="accent1"/>
+          </a:fillRef>
+          <a:effectRef idx="0">
+            <a:schemeClr val="accent1"/>
+          </a:effectRef>
+          <a:fontRef idx="minor">
+            <a:schemeClr val="tx1"/>
+          </a:fontRef>
+        </p:style>
+      </p:cxnSp>
+      <p:cxnSp>
+        <p:nvCxnSpPr>
+          <p:cNvPr id="20" name="Straight Arrow Connector 19">
+            <a:extLst>
+              <a:ext uri="{FF2B5EF4-FFF2-40B4-BE49-F238E27FC236}">
+                <a16:creationId xmlns:a16="http://schemas.microsoft.com/office/drawing/2014/main" id="{B99CDCA3-BF9D-EBE2-73A0-E173EDF65005}"/>
+              </a:ext>
+            </a:extLst>
+          </p:cNvPr>
+          <p:cNvCxnSpPr/>
+          <p:nvPr/>
+        </p:nvCxnSpPr>
+        <p:spPr>
+          <a:xfrm flipH="1">
+            <a:off x="8293429" y="3257321"/>
+            <a:ext cx="178259" cy="0"/>
+          </a:xfrm>
+          <a:prstGeom prst="straightConnector1">
+            <a:avLst/>
+          </a:prstGeom>
+          <a:ln>
+            <a:tailEnd type="triangle"/>
+          </a:ln>
+        </p:spPr>
+        <p:style>
+          <a:lnRef idx="1">
+            <a:schemeClr val="accent1"/>
+          </a:lnRef>
+          <a:fillRef idx="0">
+            <a:schemeClr val="accent1"/>
+          </a:fillRef>
+          <a:effectRef idx="0">
+            <a:schemeClr val="accent1"/>
+          </a:effectRef>
+          <a:fontRef idx="minor">
+            <a:schemeClr val="tx1"/>
+          </a:fontRef>
+        </p:style>
+      </p:cxnSp>
+      <p:cxnSp>
+        <p:nvCxnSpPr>
+          <p:cNvPr id="21" name="Straight Connector 20">
+            <a:extLst>
+              <a:ext uri="{FF2B5EF4-FFF2-40B4-BE49-F238E27FC236}">
+                <a16:creationId xmlns:a16="http://schemas.microsoft.com/office/drawing/2014/main" id="{658A4432-51DA-C6B0-053A-3AB2CD3BB882}"/>
+              </a:ext>
+            </a:extLst>
+          </p:cNvPr>
+          <p:cNvCxnSpPr/>
+          <p:nvPr/>
+        </p:nvCxnSpPr>
+        <p:spPr>
+          <a:xfrm flipV="1">
+            <a:off x="580571" y="333807"/>
+            <a:ext cx="11190515" cy="6081507"/>
+          </a:xfrm>
+          <a:prstGeom prst="line">
+            <a:avLst/>
+          </a:prstGeom>
+        </p:spPr>
+        <p:style>
+          <a:lnRef idx="1">
+            <a:schemeClr val="accent1"/>
+          </a:lnRef>
+          <a:fillRef idx="0">
+            <a:schemeClr val="accent1"/>
+          </a:fillRef>
+          <a:effectRef idx="0">
+            <a:schemeClr val="accent1"/>
+          </a:effectRef>
+          <a:fontRef idx="minor">
+            <a:schemeClr val="tx1"/>
+          </a:fontRef>
+        </p:style>
+      </p:cxnSp>
     </p:spTree>
     <p:extLst>
       <p:ext uri="{BB962C8B-B14F-4D97-AF65-F5344CB8AC3E}">
-        <p14:creationId xmlns:p14="http://schemas.microsoft.com/office/powerpoint/2010/main" val="3314121517"/>
+        <p14:creationId xmlns:p14="http://schemas.microsoft.com/office/powerpoint/2010/main" val="2037642269"/>
       </p:ext>
     </p:extLst>
   </p:cSld>
@@ -6541,153 +8193,12 @@
           <a:chExt cx="0" cy="0"/>
         </a:xfrm>
       </p:grpSpPr>
-      <p:sp>
-        <p:nvSpPr>
-          <p:cNvPr id="2" name="Rectangle 1">
-            <a:extLst>
-              <a:ext uri="{FF2B5EF4-FFF2-40B4-BE49-F238E27FC236}">
-                <a16:creationId xmlns:a16="http://schemas.microsoft.com/office/drawing/2014/main" id="{5C600E18-4F23-97B9-58E9-1DA5D2F22051}"/>
-              </a:ext>
-            </a:extLst>
-          </p:cNvPr>
-          <p:cNvSpPr/>
-          <p:nvPr/>
-        </p:nvSpPr>
-        <p:spPr>
-          <a:xfrm>
-            <a:off x="5104794" y="1800520"/>
-            <a:ext cx="1348033" cy="961534"/>
-          </a:xfrm>
-          <a:prstGeom prst="rect">
-            <a:avLst/>
-          </a:prstGeom>
-        </p:spPr>
-        <p:style>
-          <a:lnRef idx="2">
-            <a:schemeClr val="accent1">
-              <a:shade val="15000"/>
-            </a:schemeClr>
-          </a:lnRef>
-          <a:fillRef idx="1">
-            <a:schemeClr val="accent1"/>
-          </a:fillRef>
-          <a:effectRef idx="0">
-            <a:schemeClr val="accent1"/>
-          </a:effectRef>
-          <a:fontRef idx="minor">
-            <a:schemeClr val="lt1"/>
-          </a:fontRef>
-        </p:style>
-        <p:txBody>
-          <a:bodyPr rtlCol="0" anchor="ctr"/>
-          <a:lstStyle/>
-          <a:p>
-            <a:pPr algn="ctr"/>
-            <a:r>
-              <a:rPr lang="en-US" dirty="0"/>
-              <a:t>main</a:t>
-            </a:r>
-          </a:p>
-        </p:txBody>
-      </p:sp>
-      <p:sp>
-        <p:nvSpPr>
-          <p:cNvPr id="3" name="Rectangle 2">
-            <a:extLst>
-              <a:ext uri="{FF2B5EF4-FFF2-40B4-BE49-F238E27FC236}">
-                <a16:creationId xmlns:a16="http://schemas.microsoft.com/office/drawing/2014/main" id="{3992DD80-8E77-42DA-63D7-6A8FA50ECD50}"/>
-              </a:ext>
-            </a:extLst>
-          </p:cNvPr>
-          <p:cNvSpPr/>
-          <p:nvPr/>
-        </p:nvSpPr>
-        <p:spPr>
-          <a:xfrm>
-            <a:off x="2375852" y="4255359"/>
-            <a:ext cx="1348033" cy="961534"/>
-          </a:xfrm>
-          <a:prstGeom prst="rect">
-            <a:avLst/>
-          </a:prstGeom>
-        </p:spPr>
-        <p:style>
-          <a:lnRef idx="2">
-            <a:schemeClr val="accent1">
-              <a:shade val="15000"/>
-            </a:schemeClr>
-          </a:lnRef>
-          <a:fillRef idx="1">
-            <a:schemeClr val="accent1"/>
-          </a:fillRef>
-          <a:effectRef idx="0">
-            <a:schemeClr val="accent1"/>
-          </a:effectRef>
-          <a:fontRef idx="minor">
-            <a:schemeClr val="lt1"/>
-          </a:fontRef>
-        </p:style>
-        <p:txBody>
-          <a:bodyPr rtlCol="0" anchor="ctr"/>
-          <a:lstStyle/>
-          <a:p>
-            <a:pPr algn="ctr"/>
-            <a:r>
-              <a:rPr lang="en-US" dirty="0" err="1"/>
-              <a:t>ido</a:t>
-            </a:r>
-            <a:endParaRPr lang="en-US" dirty="0"/>
-          </a:p>
-        </p:txBody>
-      </p:sp>
-      <p:cxnSp>
-        <p:nvCxnSpPr>
-          <p:cNvPr id="5" name="Connector: Elbow 4">
-            <a:extLst>
-              <a:ext uri="{FF2B5EF4-FFF2-40B4-BE49-F238E27FC236}">
-                <a16:creationId xmlns:a16="http://schemas.microsoft.com/office/drawing/2014/main" id="{E8C2C93D-A96A-8EFB-5B92-399895A7C1F1}"/>
-              </a:ext>
-            </a:extLst>
-          </p:cNvPr>
-          <p:cNvCxnSpPr>
-            <a:stCxn id="2" idx="2"/>
-            <a:endCxn id="3" idx="0"/>
-          </p:cNvCxnSpPr>
-          <p:nvPr/>
-        </p:nvCxnSpPr>
-        <p:spPr>
-          <a:xfrm rot="5400000">
-            <a:off x="3667688" y="2144235"/>
-            <a:ext cx="1493305" cy="2728942"/>
-          </a:xfrm>
-          <a:prstGeom prst="bentConnector3">
-            <a:avLst/>
-          </a:prstGeom>
-          <a:ln>
-            <a:tailEnd type="triangle"/>
-          </a:ln>
-        </p:spPr>
-        <p:style>
-          <a:lnRef idx="1">
-            <a:schemeClr val="accent1"/>
-          </a:lnRef>
-          <a:fillRef idx="0">
-            <a:schemeClr val="accent1"/>
-          </a:fillRef>
-          <a:effectRef idx="0">
-            <a:schemeClr val="accent1"/>
-          </a:effectRef>
-          <a:fontRef idx="minor">
-            <a:schemeClr val="tx1"/>
-          </a:fontRef>
-        </p:style>
-      </p:cxnSp>
       <p:pic>
         <p:nvPicPr>
-          <p:cNvPr id="9" name="Picture 8">
-            <a:extLst>
-              <a:ext uri="{FF2B5EF4-FFF2-40B4-BE49-F238E27FC236}">
-                <a16:creationId xmlns:a16="http://schemas.microsoft.com/office/drawing/2014/main" id="{5A228ABB-7DC1-2AAD-EA10-2F0AD7B6E84D}"/>
+          <p:cNvPr id="3" name="Picture 2">
+            <a:extLst>
+              <a:ext uri="{FF2B5EF4-FFF2-40B4-BE49-F238E27FC236}">
+                <a16:creationId xmlns:a16="http://schemas.microsoft.com/office/drawing/2014/main" id="{731A6696-FACF-D837-1D47-8C099485FE7F}"/>
               </a:ext>
             </a:extLst>
           </p:cNvPr>
@@ -6704,8 +8215,8 @@
         </p:blipFill>
         <p:spPr>
           <a:xfrm>
-            <a:off x="4430834" y="891068"/>
-            <a:ext cx="2695951" cy="428685"/>
+            <a:off x="0" y="419420"/>
+            <a:ext cx="12192000" cy="6019160"/>
           </a:xfrm>
           <a:prstGeom prst="rect">
             <a:avLst/>
@@ -6714,23 +8225,20 @@
       </p:pic>
       <p:cxnSp>
         <p:nvCxnSpPr>
-          <p:cNvPr id="11" name="Straight Arrow Connector 10">
-            <a:extLst>
-              <a:ext uri="{FF2B5EF4-FFF2-40B4-BE49-F238E27FC236}">
-                <a16:creationId xmlns:a16="http://schemas.microsoft.com/office/drawing/2014/main" id="{AD236B2D-C888-C3AA-D6F9-9A7ED5DDC76D}"/>
-              </a:ext>
-            </a:extLst>
-          </p:cNvPr>
-          <p:cNvCxnSpPr>
-            <a:stCxn id="9" idx="2"/>
-            <a:endCxn id="2" idx="0"/>
-          </p:cNvCxnSpPr>
+          <p:cNvPr id="5" name="Straight Arrow Connector 4">
+            <a:extLst>
+              <a:ext uri="{FF2B5EF4-FFF2-40B4-BE49-F238E27FC236}">
+                <a16:creationId xmlns:a16="http://schemas.microsoft.com/office/drawing/2014/main" id="{B96913FF-84C7-7B7B-3AEA-0CCC3EF69784}"/>
+              </a:ext>
+            </a:extLst>
+          </p:cNvPr>
+          <p:cNvCxnSpPr/>
           <p:nvPr/>
         </p:nvCxnSpPr>
         <p:spPr>
-          <a:xfrm>
-            <a:off x="5778810" y="1319753"/>
-            <a:ext cx="1" cy="480767"/>
+          <a:xfrm flipV="1">
+            <a:off x="301658" y="1885360"/>
+            <a:ext cx="471340" cy="2894029"/>
           </a:xfrm>
           <a:prstGeom prst="straightConnector1">
             <a:avLst/>
@@ -6756,10 +8264,10 @@
       </p:cxnSp>
       <p:sp>
         <p:nvSpPr>
-          <p:cNvPr id="13" name="TextBox 12">
-            <a:extLst>
-              <a:ext uri="{FF2B5EF4-FFF2-40B4-BE49-F238E27FC236}">
-                <a16:creationId xmlns:a16="http://schemas.microsoft.com/office/drawing/2014/main" id="{4056BE52-BFB0-ADB3-5044-CCFEFA14F0C3}"/>
+          <p:cNvPr id="6" name="TextBox 5">
+            <a:extLst>
+              <a:ext uri="{FF2B5EF4-FFF2-40B4-BE49-F238E27FC236}">
+                <a16:creationId xmlns:a16="http://schemas.microsoft.com/office/drawing/2014/main" id="{F91AA5EA-23C5-2DA4-9654-ECD9F66C3977}"/>
               </a:ext>
             </a:extLst>
           </p:cNvPr>
@@ -6768,8 +8276,8 @@
         </p:nvSpPr>
         <p:spPr>
           <a:xfrm>
-            <a:off x="6825006" y="2083324"/>
-            <a:ext cx="1091966" cy="369332"/>
+            <a:off x="84841" y="4466617"/>
+            <a:ext cx="1653017" cy="369332"/>
           </a:xfrm>
           <a:prstGeom prst="rect">
             <a:avLst/>
@@ -6783,134 +8291,25 @@
           <a:lstStyle/>
           <a:p>
             <a:r>
-              <a:rPr lang="en-US" dirty="0" err="1"/>
-              <a:t>Dvlp</a:t>
-            </a:r>
-            <a:r>
-              <a:rPr lang="en-US" dirty="0"/>
-              <a:t>\v0.3</a:t>
-            </a:r>
-          </a:p>
-        </p:txBody>
-      </p:sp>
-      <p:sp>
-        <p:nvSpPr>
-          <p:cNvPr id="14" name="TextBox 13">
-            <a:extLst>
-              <a:ext uri="{FF2B5EF4-FFF2-40B4-BE49-F238E27FC236}">
-                <a16:creationId xmlns:a16="http://schemas.microsoft.com/office/drawing/2014/main" id="{27CCB543-845A-6808-B056-599C5DF3918D}"/>
-              </a:ext>
-            </a:extLst>
-          </p:cNvPr>
-          <p:cNvSpPr txBox="1"/>
-          <p:nvPr/>
-        </p:nvSpPr>
-        <p:spPr>
-          <a:xfrm>
-            <a:off x="3868357" y="4551459"/>
-            <a:ext cx="1091966" cy="369332"/>
-          </a:xfrm>
-          <a:prstGeom prst="rect">
-            <a:avLst/>
-          </a:prstGeom>
-          <a:noFill/>
-        </p:spPr>
-        <p:txBody>
-          <a:bodyPr wrap="none" rtlCol="0">
-            <a:spAutoFit/>
-          </a:bodyPr>
-          <a:lstStyle/>
-          <a:p>
-            <a:r>
-              <a:rPr lang="en-US" dirty="0" err="1"/>
-              <a:t>Dvlp</a:t>
-            </a:r>
-            <a:r>
-              <a:rPr lang="en-US" dirty="0"/>
-              <a:t>\v0.3</a:t>
-            </a:r>
-          </a:p>
-        </p:txBody>
-      </p:sp>
-      <p:cxnSp>
-        <p:nvCxnSpPr>
-          <p:cNvPr id="16" name="Straight Arrow Connector 15">
-            <a:extLst>
-              <a:ext uri="{FF2B5EF4-FFF2-40B4-BE49-F238E27FC236}">
-                <a16:creationId xmlns:a16="http://schemas.microsoft.com/office/drawing/2014/main" id="{A56BB33B-BA19-AD19-9814-0481C09C7549}"/>
-              </a:ext>
-            </a:extLst>
-          </p:cNvPr>
-          <p:cNvCxnSpPr/>
-          <p:nvPr/>
-        </p:nvCxnSpPr>
-        <p:spPr>
-          <a:xfrm flipH="1">
-            <a:off x="3723885" y="2153182"/>
-            <a:ext cx="1112599" cy="1140643"/>
-          </a:xfrm>
-          <a:prstGeom prst="straightConnector1">
-            <a:avLst/>
-          </a:prstGeom>
-          <a:ln>
-            <a:tailEnd type="triangle"/>
-          </a:ln>
-        </p:spPr>
-        <p:style>
-          <a:lnRef idx="1">
-            <a:schemeClr val="accent1"/>
-          </a:lnRef>
-          <a:fillRef idx="0">
-            <a:schemeClr val="accent1"/>
-          </a:fillRef>
-          <a:effectRef idx="0">
-            <a:schemeClr val="accent1"/>
-          </a:effectRef>
-          <a:fontRef idx="minor">
-            <a:schemeClr val="tx1"/>
-          </a:fontRef>
-        </p:style>
-      </p:cxnSp>
-      <p:sp>
-        <p:nvSpPr>
-          <p:cNvPr id="4" name="TextBox 3">
-            <a:extLst>
-              <a:ext uri="{FF2B5EF4-FFF2-40B4-BE49-F238E27FC236}">
-                <a16:creationId xmlns:a16="http://schemas.microsoft.com/office/drawing/2014/main" id="{B1A1C8AA-C5DD-7B7C-ECF4-E30EF903C987}"/>
-              </a:ext>
-            </a:extLst>
-          </p:cNvPr>
-          <p:cNvSpPr txBox="1"/>
-          <p:nvPr/>
-        </p:nvSpPr>
-        <p:spPr>
-          <a:xfrm>
-            <a:off x="5495827" y="4494898"/>
-            <a:ext cx="795411" cy="369332"/>
-          </a:xfrm>
-          <a:prstGeom prst="rect">
-            <a:avLst/>
-          </a:prstGeom>
-          <a:noFill/>
-        </p:spPr>
-        <p:txBody>
-          <a:bodyPr wrap="none" rtlCol="0">
-            <a:spAutoFit/>
-          </a:bodyPr>
-          <a:lstStyle/>
-          <a:p>
-            <a:r>
-              <a:rPr lang="he-IL" dirty="0"/>
-              <a:t>שינויים</a:t>
-            </a:r>
-            <a:endParaRPr lang="en-US" dirty="0"/>
+              <a:rPr lang="he-IL" dirty="0">
+                <a:highlight>
+                  <a:srgbClr val="00FFFF"/>
+                </a:highlight>
+              </a:rPr>
+              <a:t>אפשרויות תצוגה</a:t>
+            </a:r>
+            <a:endParaRPr lang="en-US" dirty="0">
+              <a:highlight>
+                <a:srgbClr val="00FFFF"/>
+              </a:highlight>
+            </a:endParaRPr>
           </a:p>
         </p:txBody>
       </p:sp>
     </p:spTree>
     <p:extLst>
       <p:ext uri="{BB962C8B-B14F-4D97-AF65-F5344CB8AC3E}">
-        <p14:creationId xmlns:p14="http://schemas.microsoft.com/office/powerpoint/2010/main" val="4109065590"/>
+        <p14:creationId xmlns:p14="http://schemas.microsoft.com/office/powerpoint/2010/main" val="2128382205"/>
       </p:ext>
     </p:extLst>
   </p:cSld>
@@ -6939,6 +8338,402 @@
       </p:grpSpPr>
       <p:sp>
         <p:nvSpPr>
+          <p:cNvPr id="2" name="Rectangle 1">
+            <a:extLst>
+              <a:ext uri="{FF2B5EF4-FFF2-40B4-BE49-F238E27FC236}">
+                <a16:creationId xmlns:a16="http://schemas.microsoft.com/office/drawing/2014/main" id="{5C600E18-4F23-97B9-58E9-1DA5D2F22051}"/>
+              </a:ext>
+            </a:extLst>
+          </p:cNvPr>
+          <p:cNvSpPr/>
+          <p:nvPr/>
+        </p:nvSpPr>
+        <p:spPr>
+          <a:xfrm>
+            <a:off x="5104794" y="1800520"/>
+            <a:ext cx="1348033" cy="961534"/>
+          </a:xfrm>
+          <a:prstGeom prst="rect">
+            <a:avLst/>
+          </a:prstGeom>
+        </p:spPr>
+        <p:style>
+          <a:lnRef idx="2">
+            <a:schemeClr val="accent1">
+              <a:shade val="15000"/>
+            </a:schemeClr>
+          </a:lnRef>
+          <a:fillRef idx="1">
+            <a:schemeClr val="accent1"/>
+          </a:fillRef>
+          <a:effectRef idx="0">
+            <a:schemeClr val="accent1"/>
+          </a:effectRef>
+          <a:fontRef idx="minor">
+            <a:schemeClr val="lt1"/>
+          </a:fontRef>
+        </p:style>
+        <p:txBody>
+          <a:bodyPr rtlCol="0" anchor="ctr"/>
+          <a:lstStyle/>
+          <a:p>
+            <a:pPr algn="ctr"/>
+            <a:r>
+              <a:rPr lang="en-US" dirty="0"/>
+              <a:t>main</a:t>
+            </a:r>
+          </a:p>
+        </p:txBody>
+      </p:sp>
+      <p:sp>
+        <p:nvSpPr>
+          <p:cNvPr id="3" name="Rectangle 2">
+            <a:extLst>
+              <a:ext uri="{FF2B5EF4-FFF2-40B4-BE49-F238E27FC236}">
+                <a16:creationId xmlns:a16="http://schemas.microsoft.com/office/drawing/2014/main" id="{3992DD80-8E77-42DA-63D7-6A8FA50ECD50}"/>
+              </a:ext>
+            </a:extLst>
+          </p:cNvPr>
+          <p:cNvSpPr/>
+          <p:nvPr/>
+        </p:nvSpPr>
+        <p:spPr>
+          <a:xfrm>
+            <a:off x="2375852" y="4255359"/>
+            <a:ext cx="1348033" cy="961534"/>
+          </a:xfrm>
+          <a:prstGeom prst="rect">
+            <a:avLst/>
+          </a:prstGeom>
+        </p:spPr>
+        <p:style>
+          <a:lnRef idx="2">
+            <a:schemeClr val="accent1">
+              <a:shade val="15000"/>
+            </a:schemeClr>
+          </a:lnRef>
+          <a:fillRef idx="1">
+            <a:schemeClr val="accent1"/>
+          </a:fillRef>
+          <a:effectRef idx="0">
+            <a:schemeClr val="accent1"/>
+          </a:effectRef>
+          <a:fontRef idx="minor">
+            <a:schemeClr val="lt1"/>
+          </a:fontRef>
+        </p:style>
+        <p:txBody>
+          <a:bodyPr rtlCol="0" anchor="ctr"/>
+          <a:lstStyle/>
+          <a:p>
+            <a:pPr algn="ctr"/>
+            <a:r>
+              <a:rPr lang="en-US" dirty="0" err="1"/>
+              <a:t>ido</a:t>
+            </a:r>
+            <a:endParaRPr lang="en-US" dirty="0"/>
+          </a:p>
+        </p:txBody>
+      </p:sp>
+      <p:cxnSp>
+        <p:nvCxnSpPr>
+          <p:cNvPr id="5" name="Connector: Elbow 4">
+            <a:extLst>
+              <a:ext uri="{FF2B5EF4-FFF2-40B4-BE49-F238E27FC236}">
+                <a16:creationId xmlns:a16="http://schemas.microsoft.com/office/drawing/2014/main" id="{E8C2C93D-A96A-8EFB-5B92-399895A7C1F1}"/>
+              </a:ext>
+            </a:extLst>
+          </p:cNvPr>
+          <p:cNvCxnSpPr>
+            <a:stCxn id="2" idx="2"/>
+            <a:endCxn id="3" idx="0"/>
+          </p:cNvCxnSpPr>
+          <p:nvPr/>
+        </p:nvCxnSpPr>
+        <p:spPr>
+          <a:xfrm rot="5400000">
+            <a:off x="3667688" y="2144235"/>
+            <a:ext cx="1493305" cy="2728942"/>
+          </a:xfrm>
+          <a:prstGeom prst="bentConnector3">
+            <a:avLst/>
+          </a:prstGeom>
+          <a:ln>
+            <a:tailEnd type="triangle"/>
+          </a:ln>
+        </p:spPr>
+        <p:style>
+          <a:lnRef idx="1">
+            <a:schemeClr val="accent1"/>
+          </a:lnRef>
+          <a:fillRef idx="0">
+            <a:schemeClr val="accent1"/>
+          </a:fillRef>
+          <a:effectRef idx="0">
+            <a:schemeClr val="accent1"/>
+          </a:effectRef>
+          <a:fontRef idx="minor">
+            <a:schemeClr val="tx1"/>
+          </a:fontRef>
+        </p:style>
+      </p:cxnSp>
+      <p:pic>
+        <p:nvPicPr>
+          <p:cNvPr id="9" name="Picture 8">
+            <a:extLst>
+              <a:ext uri="{FF2B5EF4-FFF2-40B4-BE49-F238E27FC236}">
+                <a16:creationId xmlns:a16="http://schemas.microsoft.com/office/drawing/2014/main" id="{5A228ABB-7DC1-2AAD-EA10-2F0AD7B6E84D}"/>
+              </a:ext>
+            </a:extLst>
+          </p:cNvPr>
+          <p:cNvPicPr>
+            <a:picLocks noChangeAspect="1"/>
+          </p:cNvPicPr>
+          <p:nvPr/>
+        </p:nvPicPr>
+        <p:blipFill>
+          <a:blip r:embed="rId2"/>
+          <a:stretch>
+            <a:fillRect/>
+          </a:stretch>
+        </p:blipFill>
+        <p:spPr>
+          <a:xfrm>
+            <a:off x="4430834" y="891068"/>
+            <a:ext cx="2695951" cy="428685"/>
+          </a:xfrm>
+          <a:prstGeom prst="rect">
+            <a:avLst/>
+          </a:prstGeom>
+        </p:spPr>
+      </p:pic>
+      <p:cxnSp>
+        <p:nvCxnSpPr>
+          <p:cNvPr id="11" name="Straight Arrow Connector 10">
+            <a:extLst>
+              <a:ext uri="{FF2B5EF4-FFF2-40B4-BE49-F238E27FC236}">
+                <a16:creationId xmlns:a16="http://schemas.microsoft.com/office/drawing/2014/main" id="{AD236B2D-C888-C3AA-D6F9-9A7ED5DDC76D}"/>
+              </a:ext>
+            </a:extLst>
+          </p:cNvPr>
+          <p:cNvCxnSpPr>
+            <a:stCxn id="9" idx="2"/>
+            <a:endCxn id="2" idx="0"/>
+          </p:cNvCxnSpPr>
+          <p:nvPr/>
+        </p:nvCxnSpPr>
+        <p:spPr>
+          <a:xfrm>
+            <a:off x="5778810" y="1319753"/>
+            <a:ext cx="1" cy="480767"/>
+          </a:xfrm>
+          <a:prstGeom prst="straightConnector1">
+            <a:avLst/>
+          </a:prstGeom>
+          <a:ln>
+            <a:tailEnd type="triangle"/>
+          </a:ln>
+        </p:spPr>
+        <p:style>
+          <a:lnRef idx="1">
+            <a:schemeClr val="accent1"/>
+          </a:lnRef>
+          <a:fillRef idx="0">
+            <a:schemeClr val="accent1"/>
+          </a:fillRef>
+          <a:effectRef idx="0">
+            <a:schemeClr val="accent1"/>
+          </a:effectRef>
+          <a:fontRef idx="minor">
+            <a:schemeClr val="tx1"/>
+          </a:fontRef>
+        </p:style>
+      </p:cxnSp>
+      <p:sp>
+        <p:nvSpPr>
+          <p:cNvPr id="13" name="TextBox 12">
+            <a:extLst>
+              <a:ext uri="{FF2B5EF4-FFF2-40B4-BE49-F238E27FC236}">
+                <a16:creationId xmlns:a16="http://schemas.microsoft.com/office/drawing/2014/main" id="{4056BE52-BFB0-ADB3-5044-CCFEFA14F0C3}"/>
+              </a:ext>
+            </a:extLst>
+          </p:cNvPr>
+          <p:cNvSpPr txBox="1"/>
+          <p:nvPr/>
+        </p:nvSpPr>
+        <p:spPr>
+          <a:xfrm>
+            <a:off x="6825006" y="2083324"/>
+            <a:ext cx="1091966" cy="369332"/>
+          </a:xfrm>
+          <a:prstGeom prst="rect">
+            <a:avLst/>
+          </a:prstGeom>
+          <a:noFill/>
+        </p:spPr>
+        <p:txBody>
+          <a:bodyPr wrap="none" rtlCol="0">
+            <a:spAutoFit/>
+          </a:bodyPr>
+          <a:lstStyle/>
+          <a:p>
+            <a:r>
+              <a:rPr lang="en-US" dirty="0" err="1"/>
+              <a:t>Dvlp</a:t>
+            </a:r>
+            <a:r>
+              <a:rPr lang="en-US" dirty="0"/>
+              <a:t>\v0.3</a:t>
+            </a:r>
+          </a:p>
+        </p:txBody>
+      </p:sp>
+      <p:sp>
+        <p:nvSpPr>
+          <p:cNvPr id="14" name="TextBox 13">
+            <a:extLst>
+              <a:ext uri="{FF2B5EF4-FFF2-40B4-BE49-F238E27FC236}">
+                <a16:creationId xmlns:a16="http://schemas.microsoft.com/office/drawing/2014/main" id="{27CCB543-845A-6808-B056-599C5DF3918D}"/>
+              </a:ext>
+            </a:extLst>
+          </p:cNvPr>
+          <p:cNvSpPr txBox="1"/>
+          <p:nvPr/>
+        </p:nvSpPr>
+        <p:spPr>
+          <a:xfrm>
+            <a:off x="3868357" y="4551459"/>
+            <a:ext cx="1091966" cy="369332"/>
+          </a:xfrm>
+          <a:prstGeom prst="rect">
+            <a:avLst/>
+          </a:prstGeom>
+          <a:noFill/>
+        </p:spPr>
+        <p:txBody>
+          <a:bodyPr wrap="none" rtlCol="0">
+            <a:spAutoFit/>
+          </a:bodyPr>
+          <a:lstStyle/>
+          <a:p>
+            <a:r>
+              <a:rPr lang="en-US" dirty="0" err="1"/>
+              <a:t>Dvlp</a:t>
+            </a:r>
+            <a:r>
+              <a:rPr lang="en-US" dirty="0"/>
+              <a:t>\v0.3</a:t>
+            </a:r>
+          </a:p>
+        </p:txBody>
+      </p:sp>
+      <p:cxnSp>
+        <p:nvCxnSpPr>
+          <p:cNvPr id="16" name="Straight Arrow Connector 15">
+            <a:extLst>
+              <a:ext uri="{FF2B5EF4-FFF2-40B4-BE49-F238E27FC236}">
+                <a16:creationId xmlns:a16="http://schemas.microsoft.com/office/drawing/2014/main" id="{A56BB33B-BA19-AD19-9814-0481C09C7549}"/>
+              </a:ext>
+            </a:extLst>
+          </p:cNvPr>
+          <p:cNvCxnSpPr/>
+          <p:nvPr/>
+        </p:nvCxnSpPr>
+        <p:spPr>
+          <a:xfrm flipH="1">
+            <a:off x="3723885" y="2153182"/>
+            <a:ext cx="1112599" cy="1140643"/>
+          </a:xfrm>
+          <a:prstGeom prst="straightConnector1">
+            <a:avLst/>
+          </a:prstGeom>
+          <a:ln>
+            <a:tailEnd type="triangle"/>
+          </a:ln>
+        </p:spPr>
+        <p:style>
+          <a:lnRef idx="1">
+            <a:schemeClr val="accent1"/>
+          </a:lnRef>
+          <a:fillRef idx="0">
+            <a:schemeClr val="accent1"/>
+          </a:fillRef>
+          <a:effectRef idx="0">
+            <a:schemeClr val="accent1"/>
+          </a:effectRef>
+          <a:fontRef idx="minor">
+            <a:schemeClr val="tx1"/>
+          </a:fontRef>
+        </p:style>
+      </p:cxnSp>
+      <p:sp>
+        <p:nvSpPr>
+          <p:cNvPr id="4" name="TextBox 3">
+            <a:extLst>
+              <a:ext uri="{FF2B5EF4-FFF2-40B4-BE49-F238E27FC236}">
+                <a16:creationId xmlns:a16="http://schemas.microsoft.com/office/drawing/2014/main" id="{B1A1C8AA-C5DD-7B7C-ECF4-E30EF903C987}"/>
+              </a:ext>
+            </a:extLst>
+          </p:cNvPr>
+          <p:cNvSpPr txBox="1"/>
+          <p:nvPr/>
+        </p:nvSpPr>
+        <p:spPr>
+          <a:xfrm>
+            <a:off x="5495827" y="4494898"/>
+            <a:ext cx="795411" cy="369332"/>
+          </a:xfrm>
+          <a:prstGeom prst="rect">
+            <a:avLst/>
+          </a:prstGeom>
+          <a:noFill/>
+        </p:spPr>
+        <p:txBody>
+          <a:bodyPr wrap="none" rtlCol="0">
+            <a:spAutoFit/>
+          </a:bodyPr>
+          <a:lstStyle/>
+          <a:p>
+            <a:r>
+              <a:rPr lang="he-IL" dirty="0"/>
+              <a:t>שינויים</a:t>
+            </a:r>
+            <a:endParaRPr lang="en-US" dirty="0"/>
+          </a:p>
+        </p:txBody>
+      </p:sp>
+    </p:spTree>
+    <p:extLst>
+      <p:ext uri="{BB962C8B-B14F-4D97-AF65-F5344CB8AC3E}">
+        <p14:creationId xmlns:p14="http://schemas.microsoft.com/office/powerpoint/2010/main" val="4109065590"/>
+      </p:ext>
+    </p:extLst>
+  </p:cSld>
+  <p:clrMapOvr>
+    <a:masterClrMapping/>
+  </p:clrMapOvr>
+</p:sld>
+</file>
+
+<file path=ppt/slides/slide17.xml><?xml version="1.0" encoding="utf-8"?>
+<p:sld xmlns:a="http://schemas.openxmlformats.org/drawingml/2006/main" xmlns:r="http://schemas.openxmlformats.org/officeDocument/2006/relationships" xmlns:p="http://schemas.openxmlformats.org/presentationml/2006/main">
+  <p:cSld>
+    <p:spTree>
+      <p:nvGrpSpPr>
+        <p:cNvPr id="1" name=""/>
+        <p:cNvGrpSpPr/>
+        <p:nvPr/>
+      </p:nvGrpSpPr>
+      <p:grpSpPr>
+        <a:xfrm>
+          <a:off x="0" y="0"/>
+          <a:ext cx="0" cy="0"/>
+          <a:chOff x="0" y="0"/>
+          <a:chExt cx="0" cy="0"/>
+        </a:xfrm>
+      </p:grpSpPr>
+      <p:sp>
+        <p:nvSpPr>
           <p:cNvPr id="2" name="TextBox 1">
             <a:extLst>
               <a:ext uri="{FF2B5EF4-FFF2-40B4-BE49-F238E27FC236}">
@@ -7096,7 +8891,7 @@
 </p:sld>
 </file>
 
-<file path=ppt/slides/slide17.xml><?xml version="1.0" encoding="utf-8"?>
+<file path=ppt/slides/slide18.xml><?xml version="1.0" encoding="utf-8"?>
 <p:sld xmlns:a="http://schemas.openxmlformats.org/drawingml/2006/main" xmlns:r="http://schemas.openxmlformats.org/officeDocument/2006/relationships" xmlns:p="http://schemas.openxmlformats.org/presentationml/2006/main">
   <p:cSld>
     <p:spTree>

--- a/doc/ScnLibApp.pptx
+++ b/doc/ScnLibApp.pptx
@@ -15,14 +15,15 @@
     <p:sldId id="269" r:id="rId9"/>
     <p:sldId id="270" r:id="rId10"/>
     <p:sldId id="273" r:id="rId11"/>
-    <p:sldId id="274" r:id="rId12"/>
-    <p:sldId id="260" r:id="rId13"/>
-    <p:sldId id="266" r:id="rId14"/>
-    <p:sldId id="271" r:id="rId15"/>
-    <p:sldId id="272" r:id="rId16"/>
-    <p:sldId id="265" r:id="rId17"/>
-    <p:sldId id="257" r:id="rId18"/>
-    <p:sldId id="258" r:id="rId19"/>
+    <p:sldId id="275" r:id="rId12"/>
+    <p:sldId id="274" r:id="rId13"/>
+    <p:sldId id="260" r:id="rId14"/>
+    <p:sldId id="266" r:id="rId15"/>
+    <p:sldId id="271" r:id="rId16"/>
+    <p:sldId id="272" r:id="rId17"/>
+    <p:sldId id="265" r:id="rId18"/>
+    <p:sldId id="257" r:id="rId19"/>
+    <p:sldId id="258" r:id="rId20"/>
   </p:sldIdLst>
   <p:sldSz cx="12192000" cy="6858000"/>
   <p:notesSz cx="6858000" cy="9144000"/>
@@ -488,7 +489,7 @@
           <a:p>
             <a:fld id="{695A433A-98FD-4747-B80D-DDFF7158CD96}" type="datetimeFigureOut">
               <a:rPr lang="en-US" smtClean="0"/>
-              <a:t>10/11/2023</a:t>
+              <a:t>10/12/2023</a:t>
             </a:fld>
             <a:endParaRPr lang="en-US"/>
           </a:p>
@@ -686,7 +687,7 @@
           <a:p>
             <a:fld id="{695A433A-98FD-4747-B80D-DDFF7158CD96}" type="datetimeFigureOut">
               <a:rPr lang="en-US" smtClean="0"/>
-              <a:t>10/11/2023</a:t>
+              <a:t>10/12/2023</a:t>
             </a:fld>
             <a:endParaRPr lang="en-US"/>
           </a:p>
@@ -894,7 +895,7 @@
           <a:p>
             <a:fld id="{695A433A-98FD-4747-B80D-DDFF7158CD96}" type="datetimeFigureOut">
               <a:rPr lang="en-US" smtClean="0"/>
-              <a:t>10/11/2023</a:t>
+              <a:t>10/12/2023</a:t>
             </a:fld>
             <a:endParaRPr lang="en-US"/>
           </a:p>
@@ -1092,7 +1093,7 @@
           <a:p>
             <a:fld id="{695A433A-98FD-4747-B80D-DDFF7158CD96}" type="datetimeFigureOut">
               <a:rPr lang="en-US" smtClean="0"/>
-              <a:t>10/11/2023</a:t>
+              <a:t>10/12/2023</a:t>
             </a:fld>
             <a:endParaRPr lang="en-US"/>
           </a:p>
@@ -1367,7 +1368,7 @@
           <a:p>
             <a:fld id="{695A433A-98FD-4747-B80D-DDFF7158CD96}" type="datetimeFigureOut">
               <a:rPr lang="en-US" smtClean="0"/>
-              <a:t>10/11/2023</a:t>
+              <a:t>10/12/2023</a:t>
             </a:fld>
             <a:endParaRPr lang="en-US"/>
           </a:p>
@@ -1632,7 +1633,7 @@
           <a:p>
             <a:fld id="{695A433A-98FD-4747-B80D-DDFF7158CD96}" type="datetimeFigureOut">
               <a:rPr lang="en-US" smtClean="0"/>
-              <a:t>10/11/2023</a:t>
+              <a:t>10/12/2023</a:t>
             </a:fld>
             <a:endParaRPr lang="en-US"/>
           </a:p>
@@ -2044,7 +2045,7 @@
           <a:p>
             <a:fld id="{695A433A-98FD-4747-B80D-DDFF7158CD96}" type="datetimeFigureOut">
               <a:rPr lang="en-US" smtClean="0"/>
-              <a:t>10/11/2023</a:t>
+              <a:t>10/12/2023</a:t>
             </a:fld>
             <a:endParaRPr lang="en-US"/>
           </a:p>
@@ -2185,7 +2186,7 @@
           <a:p>
             <a:fld id="{695A433A-98FD-4747-B80D-DDFF7158CD96}" type="datetimeFigureOut">
               <a:rPr lang="en-US" smtClean="0"/>
-              <a:t>10/11/2023</a:t>
+              <a:t>10/12/2023</a:t>
             </a:fld>
             <a:endParaRPr lang="en-US"/>
           </a:p>
@@ -2298,7 +2299,7 @@
           <a:p>
             <a:fld id="{695A433A-98FD-4747-B80D-DDFF7158CD96}" type="datetimeFigureOut">
               <a:rPr lang="en-US" smtClean="0"/>
-              <a:t>10/11/2023</a:t>
+              <a:t>10/12/2023</a:t>
             </a:fld>
             <a:endParaRPr lang="en-US"/>
           </a:p>
@@ -2609,7 +2610,7 @@
           <a:p>
             <a:fld id="{695A433A-98FD-4747-B80D-DDFF7158CD96}" type="datetimeFigureOut">
               <a:rPr lang="en-US" smtClean="0"/>
-              <a:t>10/11/2023</a:t>
+              <a:t>10/12/2023</a:t>
             </a:fld>
             <a:endParaRPr lang="en-US"/>
           </a:p>
@@ -2897,7 +2898,7 @@
           <a:p>
             <a:fld id="{695A433A-98FD-4747-B80D-DDFF7158CD96}" type="datetimeFigureOut">
               <a:rPr lang="en-US" smtClean="0"/>
-              <a:t>10/11/2023</a:t>
+              <a:t>10/12/2023</a:t>
             </a:fld>
             <a:endParaRPr lang="en-US"/>
           </a:p>
@@ -3141,7 +3142,7 @@
             <a:fld id="{695A433A-98FD-4747-B80D-DDFF7158CD96}" type="datetimeFigureOut">
               <a:rPr lang="en-US" smtClean="0"/>
               <a:pPr/>
-              <a:t>10/11/2023</a:t>
+              <a:t>10/12/2023</a:t>
             </a:fld>
             <a:endParaRPr lang="en-US"/>
           </a:p>
@@ -5752,53 +5753,40 @@
           <a:chExt cx="0" cy="0"/>
         </a:xfrm>
       </p:grpSpPr>
-      <p:sp>
-        <p:nvSpPr>
-          <p:cNvPr id="3" name="TextBox 2">
-            <a:extLst>
-              <a:ext uri="{FF2B5EF4-FFF2-40B4-BE49-F238E27FC236}">
-                <a16:creationId xmlns:a16="http://schemas.microsoft.com/office/drawing/2014/main" id="{6EA5B4CC-EA2B-4D7B-5CE4-6E97AFB89F6A}"/>
-              </a:ext>
-            </a:extLst>
-          </p:cNvPr>
-          <p:cNvSpPr txBox="1"/>
-          <p:nvPr/>
-        </p:nvSpPr>
-        <p:spPr>
-          <a:xfrm>
-            <a:off x="435428" y="562819"/>
-            <a:ext cx="6096000" cy="369332"/>
-          </a:xfrm>
-          <a:prstGeom prst="rect">
-            <a:avLst/>
-          </a:prstGeom>
-          <a:noFill/>
-        </p:spPr>
-        <p:txBody>
-          <a:bodyPr wrap="square">
-            <a:spAutoFit/>
-          </a:bodyPr>
-          <a:lstStyle/>
-          <a:p>
-            <a:r>
-              <a:rPr lang="en-US" dirty="0"/>
-              <a:t>"</a:t>
-            </a:r>
-            <a:r>
-              <a:rPr lang="en-US" dirty="0" err="1"/>
-              <a:t>forecastslist</a:t>
-            </a:r>
-            <a:r>
-              <a:rPr lang="en-US" dirty="0"/>
-              <a:t>"</a:t>
-            </a:r>
-          </a:p>
-        </p:txBody>
-      </p:sp>
+      <p:pic>
+        <p:nvPicPr>
+          <p:cNvPr id="3" name="Picture 2">
+            <a:extLst>
+              <a:ext uri="{FF2B5EF4-FFF2-40B4-BE49-F238E27FC236}">
+                <a16:creationId xmlns:a16="http://schemas.microsoft.com/office/drawing/2014/main" id="{40D8B4D1-A060-14B0-E7FA-A927D361E4CD}"/>
+              </a:ext>
+            </a:extLst>
+          </p:cNvPr>
+          <p:cNvPicPr>
+            <a:picLocks noChangeAspect="1"/>
+          </p:cNvPicPr>
+          <p:nvPr/>
+        </p:nvPicPr>
+        <p:blipFill>
+          <a:blip r:embed="rId2"/>
+          <a:stretch>
+            <a:fillRect/>
+          </a:stretch>
+        </p:blipFill>
+        <p:spPr>
+          <a:xfrm>
+            <a:off x="74590" y="0"/>
+            <a:ext cx="6551904" cy="6858000"/>
+          </a:xfrm>
+          <a:prstGeom prst="rect">
+            <a:avLst/>
+          </a:prstGeom>
+        </p:spPr>
+      </p:pic>
     </p:spTree>
     <p:extLst>
       <p:ext uri="{BB962C8B-B14F-4D97-AF65-F5344CB8AC3E}">
-        <p14:creationId xmlns:p14="http://schemas.microsoft.com/office/powerpoint/2010/main" val="756847639"/>
+        <p14:creationId xmlns:p14="http://schemas.microsoft.com/office/powerpoint/2010/main" val="140887181"/>
       </p:ext>
     </p:extLst>
   </p:cSld>
@@ -5827,62 +5815,51 @@
       </p:grpSpPr>
       <p:sp>
         <p:nvSpPr>
-          <p:cNvPr id="2" name="Title 1">
-            <a:extLst>
-              <a:ext uri="{FF2B5EF4-FFF2-40B4-BE49-F238E27FC236}">
-                <a16:creationId xmlns:a16="http://schemas.microsoft.com/office/drawing/2014/main" id="{CFFE712C-7E19-335B-A73B-9C1CD4DE821C}"/>
-              </a:ext>
-            </a:extLst>
-          </p:cNvPr>
-          <p:cNvSpPr>
-            <a:spLocks noGrp="1"/>
-          </p:cNvSpPr>
-          <p:nvPr>
-            <p:ph type="ctrTitle"/>
-          </p:nvPr>
-        </p:nvSpPr>
-        <p:spPr/>
-        <p:txBody>
-          <a:bodyPr/>
-          <a:lstStyle/>
-          <a:p>
-            <a:endParaRPr lang="en-US"/>
-          </a:p>
-        </p:txBody>
-      </p:sp>
-      <p:sp>
-        <p:nvSpPr>
-          <p:cNvPr id="3" name="Subtitle 2">
-            <a:extLst>
-              <a:ext uri="{FF2B5EF4-FFF2-40B4-BE49-F238E27FC236}">
-                <a16:creationId xmlns:a16="http://schemas.microsoft.com/office/drawing/2014/main" id="{539D2C7A-01FD-EA1F-928E-8E9C06E5337E}"/>
-              </a:ext>
-            </a:extLst>
-          </p:cNvPr>
-          <p:cNvSpPr>
-            <a:spLocks noGrp="1"/>
-          </p:cNvSpPr>
-          <p:nvPr>
-            <p:ph type="subTitle" idx="1"/>
-          </p:nvPr>
-        </p:nvSpPr>
-        <p:spPr/>
-        <p:txBody>
-          <a:bodyPr/>
-          <a:lstStyle/>
-          <a:p>
-            <a:r>
-              <a:rPr lang="he-IL" dirty="0"/>
-              <a:t>סיום</a:t>
-            </a:r>
-            <a:endParaRPr lang="en-US" dirty="0"/>
+          <p:cNvPr id="3" name="TextBox 2">
+            <a:extLst>
+              <a:ext uri="{FF2B5EF4-FFF2-40B4-BE49-F238E27FC236}">
+                <a16:creationId xmlns:a16="http://schemas.microsoft.com/office/drawing/2014/main" id="{6EA5B4CC-EA2B-4D7B-5CE4-6E97AFB89F6A}"/>
+              </a:ext>
+            </a:extLst>
+          </p:cNvPr>
+          <p:cNvSpPr txBox="1"/>
+          <p:nvPr/>
+        </p:nvSpPr>
+        <p:spPr>
+          <a:xfrm>
+            <a:off x="435428" y="562819"/>
+            <a:ext cx="6096000" cy="369332"/>
+          </a:xfrm>
+          <a:prstGeom prst="rect">
+            <a:avLst/>
+          </a:prstGeom>
+          <a:noFill/>
+        </p:spPr>
+        <p:txBody>
+          <a:bodyPr wrap="square">
+            <a:spAutoFit/>
+          </a:bodyPr>
+          <a:lstStyle/>
+          <a:p>
+            <a:r>
+              <a:rPr lang="en-US" dirty="0"/>
+              <a:t>"</a:t>
+            </a:r>
+            <a:r>
+              <a:rPr lang="en-US" dirty="0" err="1"/>
+              <a:t>forecastslist</a:t>
+            </a:r>
+            <a:r>
+              <a:rPr lang="en-US" dirty="0"/>
+              <a:t>"</a:t>
+            </a:r>
           </a:p>
         </p:txBody>
       </p:sp>
     </p:spTree>
     <p:extLst>
       <p:ext uri="{BB962C8B-B14F-4D97-AF65-F5344CB8AC3E}">
-        <p14:creationId xmlns:p14="http://schemas.microsoft.com/office/powerpoint/2010/main" val="3314121517"/>
+        <p14:creationId xmlns:p14="http://schemas.microsoft.com/office/powerpoint/2010/main" val="756847639"/>
       </p:ext>
     </p:extLst>
   </p:cSld>
@@ -5909,1410 +5886,64 @@
           <a:chExt cx="0" cy="0"/>
         </a:xfrm>
       </p:grpSpPr>
-      <p:pic>
-        <p:nvPicPr>
-          <p:cNvPr id="3" name="Picture 2">
-            <a:extLst>
-              <a:ext uri="{FF2B5EF4-FFF2-40B4-BE49-F238E27FC236}">
-                <a16:creationId xmlns:a16="http://schemas.microsoft.com/office/drawing/2014/main" id="{067DC50F-F545-6E11-D573-5841D30A32D3}"/>
-              </a:ext>
-            </a:extLst>
-          </p:cNvPr>
-          <p:cNvPicPr>
-            <a:picLocks noChangeAspect="1"/>
-          </p:cNvPicPr>
-          <p:nvPr/>
-        </p:nvPicPr>
-        <p:blipFill>
-          <a:blip r:embed="rId2"/>
-          <a:stretch>
-            <a:fillRect/>
-          </a:stretch>
-        </p:blipFill>
-        <p:spPr>
-          <a:xfrm>
-            <a:off x="1410524" y="0"/>
-            <a:ext cx="8214750" cy="6858000"/>
-          </a:xfrm>
-          <a:prstGeom prst="rect">
-            <a:avLst/>
-          </a:prstGeom>
-        </p:spPr>
-      </p:pic>
-      <p:cxnSp>
-        <p:nvCxnSpPr>
-          <p:cNvPr id="5" name="Straight Arrow Connector 4">
-            <a:extLst>
-              <a:ext uri="{FF2B5EF4-FFF2-40B4-BE49-F238E27FC236}">
-                <a16:creationId xmlns:a16="http://schemas.microsoft.com/office/drawing/2014/main" id="{F56F276E-2FFA-DD11-6AF5-C9F44E153355}"/>
-              </a:ext>
-            </a:extLst>
-          </p:cNvPr>
-          <p:cNvCxnSpPr/>
-          <p:nvPr/>
-        </p:nvCxnSpPr>
-        <p:spPr>
-          <a:xfrm>
-            <a:off x="949041" y="1187777"/>
-            <a:ext cx="357788" cy="0"/>
-          </a:xfrm>
-          <a:prstGeom prst="straightConnector1">
-            <a:avLst/>
-          </a:prstGeom>
-          <a:ln>
-            <a:tailEnd type="triangle"/>
-          </a:ln>
-        </p:spPr>
-        <p:style>
-          <a:lnRef idx="1">
-            <a:schemeClr val="dk1"/>
-          </a:lnRef>
-          <a:fillRef idx="0">
-            <a:schemeClr val="dk1"/>
-          </a:fillRef>
-          <a:effectRef idx="0">
-            <a:schemeClr val="dk1"/>
-          </a:effectRef>
-          <a:fontRef idx="minor">
-            <a:schemeClr val="tx1"/>
-          </a:fontRef>
-        </p:style>
-      </p:cxnSp>
-      <p:sp>
-        <p:nvSpPr>
-          <p:cNvPr id="7" name="TextBox 6">
-            <a:extLst>
-              <a:ext uri="{FF2B5EF4-FFF2-40B4-BE49-F238E27FC236}">
-                <a16:creationId xmlns:a16="http://schemas.microsoft.com/office/drawing/2014/main" id="{026E458C-BA1A-ADD6-C196-0CB022289032}"/>
-              </a:ext>
-            </a:extLst>
-          </p:cNvPr>
-          <p:cNvSpPr txBox="1"/>
-          <p:nvPr/>
-        </p:nvSpPr>
-        <p:spPr>
-          <a:xfrm>
-            <a:off x="50237" y="333807"/>
-            <a:ext cx="1297796" cy="369332"/>
-          </a:xfrm>
-          <a:prstGeom prst="rect">
-            <a:avLst/>
-          </a:prstGeom>
-          <a:noFill/>
-        </p:spPr>
-        <p:txBody>
-          <a:bodyPr wrap="square">
-            <a:spAutoFit/>
-          </a:bodyPr>
-          <a:lstStyle/>
-          <a:p>
-            <a:r>
-              <a:rPr lang="en-US" dirty="0" err="1"/>
-              <a:t>navbarPage</a:t>
+      <p:sp>
+        <p:nvSpPr>
+          <p:cNvPr id="2" name="Title 1">
+            <a:extLst>
+              <a:ext uri="{FF2B5EF4-FFF2-40B4-BE49-F238E27FC236}">
+                <a16:creationId xmlns:a16="http://schemas.microsoft.com/office/drawing/2014/main" id="{CFFE712C-7E19-335B-A73B-9C1CD4DE821C}"/>
+              </a:ext>
+            </a:extLst>
+          </p:cNvPr>
+          <p:cNvSpPr>
+            <a:spLocks noGrp="1"/>
+          </p:cNvSpPr>
+          <p:nvPr>
+            <p:ph type="ctrTitle"/>
+          </p:nvPr>
+        </p:nvSpPr>
+        <p:spPr/>
+        <p:txBody>
+          <a:bodyPr/>
+          <a:lstStyle/>
+          <a:p>
+            <a:endParaRPr lang="en-US"/>
+          </a:p>
+        </p:txBody>
+      </p:sp>
+      <p:sp>
+        <p:nvSpPr>
+          <p:cNvPr id="3" name="Subtitle 2">
+            <a:extLst>
+              <a:ext uri="{FF2B5EF4-FFF2-40B4-BE49-F238E27FC236}">
+                <a16:creationId xmlns:a16="http://schemas.microsoft.com/office/drawing/2014/main" id="{539D2C7A-01FD-EA1F-928E-8E9C06E5337E}"/>
+              </a:ext>
+            </a:extLst>
+          </p:cNvPr>
+          <p:cNvSpPr>
+            <a:spLocks noGrp="1"/>
+          </p:cNvSpPr>
+          <p:nvPr>
+            <p:ph type="subTitle" idx="1"/>
+          </p:nvPr>
+        </p:nvSpPr>
+        <p:spPr/>
+        <p:txBody>
+          <a:bodyPr/>
+          <a:lstStyle/>
+          <a:p>
+            <a:r>
+              <a:rPr lang="he-IL" dirty="0"/>
+              <a:t>סיום</a:t>
             </a:r>
             <a:endParaRPr lang="en-US" dirty="0"/>
           </a:p>
         </p:txBody>
       </p:sp>
-      <p:sp>
-        <p:nvSpPr>
-          <p:cNvPr id="8" name="TextBox 7">
-            <a:extLst>
-              <a:ext uri="{FF2B5EF4-FFF2-40B4-BE49-F238E27FC236}">
-                <a16:creationId xmlns:a16="http://schemas.microsoft.com/office/drawing/2014/main" id="{0F7C6071-CB65-F3F2-DE73-EE1ACF0BE292}"/>
-              </a:ext>
-            </a:extLst>
-          </p:cNvPr>
-          <p:cNvSpPr txBox="1"/>
-          <p:nvPr/>
-        </p:nvSpPr>
-        <p:spPr>
-          <a:xfrm>
-            <a:off x="-15280" y="960092"/>
-            <a:ext cx="1072299" cy="369332"/>
-          </a:xfrm>
-          <a:prstGeom prst="rect">
-            <a:avLst/>
-          </a:prstGeom>
-          <a:noFill/>
-        </p:spPr>
-        <p:txBody>
-          <a:bodyPr wrap="square">
-            <a:spAutoFit/>
-          </a:bodyPr>
-          <a:lstStyle/>
-          <a:p>
-            <a:r>
-              <a:rPr lang="en-US" dirty="0" err="1"/>
-              <a:t>tabpanel</a:t>
-            </a:r>
-            <a:endParaRPr lang="en-US" dirty="0"/>
-          </a:p>
-        </p:txBody>
-      </p:sp>
-      <p:sp>
-        <p:nvSpPr>
-          <p:cNvPr id="9" name="TextBox 8">
-            <a:extLst>
-              <a:ext uri="{FF2B5EF4-FFF2-40B4-BE49-F238E27FC236}">
-                <a16:creationId xmlns:a16="http://schemas.microsoft.com/office/drawing/2014/main" id="{956429F6-5E4E-88B8-98E1-EF5089E144F5}"/>
-              </a:ext>
-            </a:extLst>
-          </p:cNvPr>
-          <p:cNvSpPr txBox="1"/>
-          <p:nvPr/>
-        </p:nvSpPr>
-        <p:spPr>
-          <a:xfrm>
-            <a:off x="50237" y="1559293"/>
-            <a:ext cx="770641" cy="369332"/>
-          </a:xfrm>
-          <a:prstGeom prst="rect">
-            <a:avLst/>
-          </a:prstGeom>
-          <a:noFill/>
-        </p:spPr>
-        <p:txBody>
-          <a:bodyPr wrap="square">
-            <a:spAutoFit/>
-          </a:bodyPr>
-          <a:lstStyle/>
-          <a:p>
-            <a:r>
-              <a:rPr lang="en-US" dirty="0"/>
-              <a:t>tabs</a:t>
-            </a:r>
-          </a:p>
-        </p:txBody>
-      </p:sp>
-      <p:cxnSp>
-        <p:nvCxnSpPr>
-          <p:cNvPr id="11" name="Straight Arrow Connector 10">
-            <a:extLst>
-              <a:ext uri="{FF2B5EF4-FFF2-40B4-BE49-F238E27FC236}">
-                <a16:creationId xmlns:a16="http://schemas.microsoft.com/office/drawing/2014/main" id="{30883794-BF04-2305-A86F-B0692B61B58C}"/>
-              </a:ext>
-            </a:extLst>
-          </p:cNvPr>
-          <p:cNvCxnSpPr/>
-          <p:nvPr/>
-        </p:nvCxnSpPr>
-        <p:spPr>
-          <a:xfrm>
-            <a:off x="949041" y="1725104"/>
-            <a:ext cx="357788" cy="0"/>
-          </a:xfrm>
-          <a:prstGeom prst="straightConnector1">
-            <a:avLst/>
-          </a:prstGeom>
-          <a:ln>
-            <a:tailEnd type="triangle"/>
-          </a:ln>
-        </p:spPr>
-        <p:style>
-          <a:lnRef idx="1">
-            <a:schemeClr val="dk1"/>
-          </a:lnRef>
-          <a:fillRef idx="0">
-            <a:schemeClr val="dk1"/>
-          </a:fillRef>
-          <a:effectRef idx="0">
-            <a:schemeClr val="dk1"/>
-          </a:effectRef>
-          <a:fontRef idx="minor">
-            <a:schemeClr val="tx1"/>
-          </a:fontRef>
-        </p:style>
-      </p:cxnSp>
-      <p:sp>
-        <p:nvSpPr>
-          <p:cNvPr id="12" name="TextBox 11">
-            <a:extLst>
-              <a:ext uri="{FF2B5EF4-FFF2-40B4-BE49-F238E27FC236}">
-                <a16:creationId xmlns:a16="http://schemas.microsoft.com/office/drawing/2014/main" id="{95AE04F9-CD3F-5E38-BF9A-3EC4EAF944C3}"/>
-              </a:ext>
-            </a:extLst>
-          </p:cNvPr>
-          <p:cNvSpPr txBox="1"/>
-          <p:nvPr/>
-        </p:nvSpPr>
-        <p:spPr>
-          <a:xfrm>
-            <a:off x="1994556" y="818445"/>
-            <a:ext cx="314510" cy="369332"/>
-          </a:xfrm>
-          <a:prstGeom prst="rect">
-            <a:avLst/>
-          </a:prstGeom>
-          <a:noFill/>
-        </p:spPr>
-        <p:txBody>
-          <a:bodyPr wrap="none" rtlCol="0">
-            <a:spAutoFit/>
-          </a:bodyPr>
-          <a:lstStyle/>
-          <a:p>
-            <a:r>
-              <a:rPr lang="he-IL" dirty="0"/>
-              <a:t>א</a:t>
-            </a:r>
-            <a:endParaRPr lang="en-US" dirty="0"/>
-          </a:p>
-        </p:txBody>
-      </p:sp>
-      <p:sp>
-        <p:nvSpPr>
-          <p:cNvPr id="13" name="TextBox 12">
-            <a:extLst>
-              <a:ext uri="{FF2B5EF4-FFF2-40B4-BE49-F238E27FC236}">
-                <a16:creationId xmlns:a16="http://schemas.microsoft.com/office/drawing/2014/main" id="{6A69D6BE-EF62-CDBF-FFB2-3E1161009FE8}"/>
-              </a:ext>
-            </a:extLst>
-          </p:cNvPr>
-          <p:cNvSpPr txBox="1"/>
-          <p:nvPr/>
-        </p:nvSpPr>
-        <p:spPr>
-          <a:xfrm>
-            <a:off x="2578588" y="818445"/>
-            <a:ext cx="314510" cy="369332"/>
-          </a:xfrm>
-          <a:prstGeom prst="rect">
-            <a:avLst/>
-          </a:prstGeom>
-          <a:noFill/>
-        </p:spPr>
-        <p:txBody>
-          <a:bodyPr wrap="none" rtlCol="0">
-            <a:spAutoFit/>
-          </a:bodyPr>
-          <a:lstStyle/>
-          <a:p>
-            <a:r>
-              <a:rPr lang="he-IL" dirty="0"/>
-              <a:t>ב</a:t>
-            </a:r>
-            <a:endParaRPr lang="en-US" dirty="0"/>
-          </a:p>
-        </p:txBody>
-      </p:sp>
-      <p:sp>
-        <p:nvSpPr>
-          <p:cNvPr id="14" name="TextBox 13">
-            <a:extLst>
-              <a:ext uri="{FF2B5EF4-FFF2-40B4-BE49-F238E27FC236}">
-                <a16:creationId xmlns:a16="http://schemas.microsoft.com/office/drawing/2014/main" id="{84AA9F1E-B6BC-7072-3F8D-EA2096C03323}"/>
-              </a:ext>
-            </a:extLst>
-          </p:cNvPr>
-          <p:cNvSpPr txBox="1"/>
-          <p:nvPr/>
-        </p:nvSpPr>
-        <p:spPr>
-          <a:xfrm>
-            <a:off x="3162620" y="818445"/>
-            <a:ext cx="276038" cy="369332"/>
-          </a:xfrm>
-          <a:prstGeom prst="rect">
-            <a:avLst/>
-          </a:prstGeom>
-          <a:noFill/>
-        </p:spPr>
-        <p:txBody>
-          <a:bodyPr wrap="none" rtlCol="0">
-            <a:spAutoFit/>
-          </a:bodyPr>
-          <a:lstStyle/>
-          <a:p>
-            <a:r>
-              <a:rPr lang="he-IL" dirty="0"/>
-              <a:t>ג</a:t>
-            </a:r>
-            <a:endParaRPr lang="en-US" dirty="0"/>
-          </a:p>
-        </p:txBody>
-      </p:sp>
-      <p:cxnSp>
-        <p:nvCxnSpPr>
-          <p:cNvPr id="17" name="Straight Arrow Connector 16">
-            <a:extLst>
-              <a:ext uri="{FF2B5EF4-FFF2-40B4-BE49-F238E27FC236}">
-                <a16:creationId xmlns:a16="http://schemas.microsoft.com/office/drawing/2014/main" id="{F53F89AB-5F8E-1775-D2C8-E8BC85DA2880}"/>
-              </a:ext>
-            </a:extLst>
-          </p:cNvPr>
-          <p:cNvCxnSpPr/>
-          <p:nvPr/>
-        </p:nvCxnSpPr>
-        <p:spPr>
-          <a:xfrm flipH="1">
-            <a:off x="7849462" y="2130458"/>
-            <a:ext cx="348792" cy="150829"/>
-          </a:xfrm>
-          <a:prstGeom prst="straightConnector1">
-            <a:avLst/>
-          </a:prstGeom>
-          <a:ln>
-            <a:tailEnd type="triangle"/>
-          </a:ln>
-        </p:spPr>
-        <p:style>
-          <a:lnRef idx="1">
-            <a:schemeClr val="accent2"/>
-          </a:lnRef>
-          <a:fillRef idx="0">
-            <a:schemeClr val="accent2"/>
-          </a:fillRef>
-          <a:effectRef idx="0">
-            <a:schemeClr val="accent2"/>
-          </a:effectRef>
-          <a:fontRef idx="minor">
-            <a:schemeClr val="tx1"/>
-          </a:fontRef>
-        </p:style>
-      </p:cxnSp>
-      <p:cxnSp>
-        <p:nvCxnSpPr>
-          <p:cNvPr id="18" name="Straight Arrow Connector 17">
-            <a:extLst>
-              <a:ext uri="{FF2B5EF4-FFF2-40B4-BE49-F238E27FC236}">
-                <a16:creationId xmlns:a16="http://schemas.microsoft.com/office/drawing/2014/main" id="{AD56CC2B-2B2F-CFBA-80C3-61016C7D50BB}"/>
-              </a:ext>
-            </a:extLst>
-          </p:cNvPr>
-          <p:cNvCxnSpPr/>
-          <p:nvPr/>
-        </p:nvCxnSpPr>
-        <p:spPr>
-          <a:xfrm flipH="1">
-            <a:off x="7675066" y="2837468"/>
-            <a:ext cx="348792" cy="150829"/>
-          </a:xfrm>
-          <a:prstGeom prst="straightConnector1">
-            <a:avLst/>
-          </a:prstGeom>
-          <a:ln>
-            <a:tailEnd type="triangle"/>
-          </a:ln>
-        </p:spPr>
-        <p:style>
-          <a:lnRef idx="1">
-            <a:schemeClr val="accent2"/>
-          </a:lnRef>
-          <a:fillRef idx="0">
-            <a:schemeClr val="accent2"/>
-          </a:fillRef>
-          <a:effectRef idx="0">
-            <a:schemeClr val="accent2"/>
-          </a:effectRef>
-          <a:fontRef idx="minor">
-            <a:schemeClr val="tx1"/>
-          </a:fontRef>
-        </p:style>
-      </p:cxnSp>
-      <p:sp>
-        <p:nvSpPr>
-          <p:cNvPr id="19" name="TextBox 18">
-            <a:extLst>
-              <a:ext uri="{FF2B5EF4-FFF2-40B4-BE49-F238E27FC236}">
-                <a16:creationId xmlns:a16="http://schemas.microsoft.com/office/drawing/2014/main" id="{BF21C865-24BC-8FB9-16DE-CD1648A2AE85}"/>
-              </a:ext>
-            </a:extLst>
-          </p:cNvPr>
-          <p:cNvSpPr txBox="1"/>
-          <p:nvPr/>
-        </p:nvSpPr>
-        <p:spPr>
-          <a:xfrm>
-            <a:off x="10042491" y="267398"/>
-            <a:ext cx="1477969" cy="369332"/>
-          </a:xfrm>
-          <a:prstGeom prst="rect">
-            <a:avLst/>
-          </a:prstGeom>
-          <a:noFill/>
-        </p:spPr>
-        <p:txBody>
-          <a:bodyPr wrap="none" rtlCol="0">
-            <a:spAutoFit/>
-          </a:bodyPr>
-          <a:lstStyle/>
-          <a:p>
-            <a:r>
-              <a:rPr lang="en-US" dirty="0" err="1"/>
-              <a:t>cfg$scenarios</a:t>
-            </a:r>
-            <a:endParaRPr lang="en-US" dirty="0"/>
-          </a:p>
-        </p:txBody>
-      </p:sp>
-      <p:sp>
-        <p:nvSpPr>
-          <p:cNvPr id="21" name="TextBox 20">
-            <a:extLst>
-              <a:ext uri="{FF2B5EF4-FFF2-40B4-BE49-F238E27FC236}">
-                <a16:creationId xmlns:a16="http://schemas.microsoft.com/office/drawing/2014/main" id="{2E2F7325-AA87-9DD0-F324-164CD1BCCAC8}"/>
-              </a:ext>
-            </a:extLst>
-          </p:cNvPr>
-          <p:cNvSpPr txBox="1"/>
-          <p:nvPr/>
-        </p:nvSpPr>
-        <p:spPr>
-          <a:xfrm>
-            <a:off x="6722627" y="2446372"/>
-            <a:ext cx="1242715" cy="276999"/>
-          </a:xfrm>
-          <a:prstGeom prst="rect">
-            <a:avLst/>
-          </a:prstGeom>
-          <a:noFill/>
-        </p:spPr>
-        <p:txBody>
-          <a:bodyPr wrap="square">
-            <a:spAutoFit/>
-          </a:bodyPr>
-          <a:lstStyle>
-            <a:defPPr>
-              <a:defRPr lang="en-US"/>
-            </a:defPPr>
-            <a:lvl1pPr algn="ctr">
-              <a:defRPr sz="1200">
-                <a:highlight>
-                  <a:srgbClr val="FFFF00"/>
-                </a:highlight>
-              </a:defRPr>
-            </a:lvl1pPr>
-          </a:lstStyle>
-          <a:p>
-            <a:r>
-              <a:rPr lang="en-US" dirty="0" err="1">
-                <a:highlight>
-                  <a:srgbClr val="00FFFF"/>
-                </a:highlight>
-              </a:rPr>
-              <a:t>cfg$scnsources</a:t>
-            </a:r>
-            <a:endParaRPr lang="en-US" dirty="0">
-              <a:highlight>
-                <a:srgbClr val="00FFFF"/>
-              </a:highlight>
-            </a:endParaRPr>
-          </a:p>
-        </p:txBody>
-      </p:sp>
-      <p:sp>
-        <p:nvSpPr>
-          <p:cNvPr id="23" name="TextBox 22">
-            <a:extLst>
-              <a:ext uri="{FF2B5EF4-FFF2-40B4-BE49-F238E27FC236}">
-                <a16:creationId xmlns:a16="http://schemas.microsoft.com/office/drawing/2014/main" id="{956ADE46-6B66-B10D-63D1-86D6EF1523C0}"/>
-              </a:ext>
-            </a:extLst>
-          </p:cNvPr>
-          <p:cNvSpPr txBox="1"/>
-          <p:nvPr/>
-        </p:nvSpPr>
-        <p:spPr>
-          <a:xfrm>
-            <a:off x="8382559" y="2428006"/>
-            <a:ext cx="1242715" cy="276999"/>
-          </a:xfrm>
-          <a:prstGeom prst="rect">
-            <a:avLst/>
-          </a:prstGeom>
-          <a:noFill/>
-        </p:spPr>
-        <p:txBody>
-          <a:bodyPr wrap="square">
-            <a:spAutoFit/>
-          </a:bodyPr>
-          <a:lstStyle/>
-          <a:p>
-            <a:pPr algn="ctr"/>
-            <a:r>
-              <a:rPr lang="en-US" sz="1200" dirty="0" err="1">
-                <a:highlight>
-                  <a:srgbClr val="FFFF00"/>
-                </a:highlight>
-              </a:rPr>
-              <a:t>input$selectSrc</a:t>
-            </a:r>
-            <a:endParaRPr lang="en-US" sz="1200" dirty="0">
-              <a:highlight>
-                <a:srgbClr val="FFFF00"/>
-              </a:highlight>
-            </a:endParaRPr>
-          </a:p>
-        </p:txBody>
-      </p:sp>
-      <p:cxnSp>
-        <p:nvCxnSpPr>
-          <p:cNvPr id="27" name="Straight Arrow Connector 26">
-            <a:extLst>
-              <a:ext uri="{FF2B5EF4-FFF2-40B4-BE49-F238E27FC236}">
-                <a16:creationId xmlns:a16="http://schemas.microsoft.com/office/drawing/2014/main" id="{C3BC1A83-E5DA-5AEB-9C82-CB5F3FCFDE9B}"/>
-              </a:ext>
-            </a:extLst>
-          </p:cNvPr>
-          <p:cNvCxnSpPr>
-            <a:stCxn id="23" idx="3"/>
-          </p:cNvCxnSpPr>
-          <p:nvPr/>
-        </p:nvCxnSpPr>
-        <p:spPr>
-          <a:xfrm flipV="1">
-            <a:off x="9625274" y="2566505"/>
-            <a:ext cx="508540" cy="1"/>
-          </a:xfrm>
-          <a:prstGeom prst="straightConnector1">
-            <a:avLst/>
-          </a:prstGeom>
-          <a:ln>
-            <a:tailEnd type="triangle"/>
-          </a:ln>
-        </p:spPr>
-        <p:style>
-          <a:lnRef idx="1">
-            <a:schemeClr val="accent1"/>
-          </a:lnRef>
-          <a:fillRef idx="0">
-            <a:schemeClr val="accent1"/>
-          </a:fillRef>
-          <a:effectRef idx="0">
-            <a:schemeClr val="accent1"/>
-          </a:effectRef>
-          <a:fontRef idx="minor">
-            <a:schemeClr val="tx1"/>
-          </a:fontRef>
-        </p:style>
-      </p:cxnSp>
-      <p:sp>
-        <p:nvSpPr>
-          <p:cNvPr id="29" name="TextBox 28">
-            <a:extLst>
-              <a:ext uri="{FF2B5EF4-FFF2-40B4-BE49-F238E27FC236}">
-                <a16:creationId xmlns:a16="http://schemas.microsoft.com/office/drawing/2014/main" id="{26678043-B23B-82A4-2406-D77A39B2A0EB}"/>
-              </a:ext>
-            </a:extLst>
-          </p:cNvPr>
-          <p:cNvSpPr txBox="1"/>
-          <p:nvPr/>
-        </p:nvSpPr>
-        <p:spPr>
-          <a:xfrm>
-            <a:off x="10297787" y="2335673"/>
-            <a:ext cx="1140404" cy="369332"/>
-          </a:xfrm>
-          <a:prstGeom prst="rect">
-            <a:avLst/>
-          </a:prstGeom>
-          <a:noFill/>
-        </p:spPr>
-        <p:txBody>
-          <a:bodyPr wrap="square">
-            <a:spAutoFit/>
-          </a:bodyPr>
-          <a:lstStyle/>
-          <a:p>
-            <a:r>
-              <a:rPr lang="en-US" dirty="0" err="1"/>
-              <a:t>currentsrc</a:t>
-            </a:r>
-            <a:endParaRPr lang="en-US" dirty="0"/>
-          </a:p>
-        </p:txBody>
-      </p:sp>
-      <p:sp>
-        <p:nvSpPr>
-          <p:cNvPr id="31" name="TextBox 30">
-            <a:extLst>
-              <a:ext uri="{FF2B5EF4-FFF2-40B4-BE49-F238E27FC236}">
-                <a16:creationId xmlns:a16="http://schemas.microsoft.com/office/drawing/2014/main" id="{1623C78F-31CF-3ECC-E15F-51266B3C528A}"/>
-              </a:ext>
-            </a:extLst>
-          </p:cNvPr>
-          <p:cNvSpPr txBox="1"/>
-          <p:nvPr/>
-        </p:nvSpPr>
-        <p:spPr>
-          <a:xfrm>
-            <a:off x="6661243" y="3120759"/>
-            <a:ext cx="1242715" cy="276999"/>
-          </a:xfrm>
-          <a:prstGeom prst="rect">
-            <a:avLst/>
-          </a:prstGeom>
-          <a:noFill/>
-        </p:spPr>
-        <p:txBody>
-          <a:bodyPr wrap="square">
-            <a:spAutoFit/>
-          </a:bodyPr>
-          <a:lstStyle>
-            <a:defPPr>
-              <a:defRPr lang="en-US"/>
-            </a:defPPr>
-            <a:lvl1pPr algn="ctr">
-              <a:defRPr sz="1200">
-                <a:highlight>
-                  <a:srgbClr val="00FFFF"/>
-                </a:highlight>
-              </a:defRPr>
-            </a:lvl1pPr>
-          </a:lstStyle>
-          <a:p>
-            <a:r>
-              <a:rPr lang="en-US" dirty="0" err="1"/>
-              <a:t>cfg$scnchoices</a:t>
-            </a:r>
-            <a:endParaRPr lang="en-US" dirty="0"/>
-          </a:p>
-        </p:txBody>
-      </p:sp>
-      <p:sp>
-        <p:nvSpPr>
-          <p:cNvPr id="33" name="TextBox 32">
-            <a:extLst>
-              <a:ext uri="{FF2B5EF4-FFF2-40B4-BE49-F238E27FC236}">
-                <a16:creationId xmlns:a16="http://schemas.microsoft.com/office/drawing/2014/main" id="{7D72F484-F877-0F84-BBD8-8698156C55FF}"/>
-              </a:ext>
-            </a:extLst>
-          </p:cNvPr>
-          <p:cNvSpPr txBox="1"/>
-          <p:nvPr/>
-        </p:nvSpPr>
-        <p:spPr>
-          <a:xfrm>
-            <a:off x="8314391" y="3118823"/>
-            <a:ext cx="1562492" cy="276999"/>
-          </a:xfrm>
-          <a:prstGeom prst="rect">
-            <a:avLst/>
-          </a:prstGeom>
-          <a:noFill/>
-        </p:spPr>
-        <p:txBody>
-          <a:bodyPr wrap="square">
-            <a:spAutoFit/>
-          </a:bodyPr>
-          <a:lstStyle>
-            <a:defPPr>
-              <a:defRPr lang="en-US"/>
-            </a:defPPr>
-            <a:lvl1pPr algn="ctr">
-              <a:defRPr sz="1200">
-                <a:highlight>
-                  <a:srgbClr val="FFFF00"/>
-                </a:highlight>
-              </a:defRPr>
-            </a:lvl1pPr>
-          </a:lstStyle>
-          <a:p>
-            <a:r>
-              <a:rPr lang="en-US" dirty="0" err="1"/>
-              <a:t>input$selectScn</a:t>
-            </a:r>
-            <a:endParaRPr lang="en-US" dirty="0"/>
-          </a:p>
-        </p:txBody>
-      </p:sp>
-      <p:sp>
-        <p:nvSpPr>
-          <p:cNvPr id="35" name="TextBox 34">
-            <a:extLst>
-              <a:ext uri="{FF2B5EF4-FFF2-40B4-BE49-F238E27FC236}">
-                <a16:creationId xmlns:a16="http://schemas.microsoft.com/office/drawing/2014/main" id="{203B9F0C-EC95-7ACA-4D99-3C355B02896B}"/>
-              </a:ext>
-            </a:extLst>
-          </p:cNvPr>
-          <p:cNvSpPr txBox="1"/>
-          <p:nvPr/>
-        </p:nvSpPr>
-        <p:spPr>
-          <a:xfrm>
-            <a:off x="10297787" y="3026490"/>
-            <a:ext cx="1355103" cy="369332"/>
-          </a:xfrm>
-          <a:prstGeom prst="rect">
-            <a:avLst/>
-          </a:prstGeom>
-          <a:noFill/>
-        </p:spPr>
-        <p:txBody>
-          <a:bodyPr wrap="square">
-            <a:spAutoFit/>
-          </a:bodyPr>
-          <a:lstStyle/>
-          <a:p>
-            <a:r>
-              <a:rPr lang="en-US" dirty="0" err="1"/>
-              <a:t>currentscn</a:t>
-            </a:r>
-            <a:endParaRPr lang="en-US" dirty="0"/>
-          </a:p>
-        </p:txBody>
-      </p:sp>
-      <p:cxnSp>
-        <p:nvCxnSpPr>
-          <p:cNvPr id="36" name="Straight Arrow Connector 35">
-            <a:extLst>
-              <a:ext uri="{FF2B5EF4-FFF2-40B4-BE49-F238E27FC236}">
-                <a16:creationId xmlns:a16="http://schemas.microsoft.com/office/drawing/2014/main" id="{1ECFFC68-637D-4542-962C-55C5E32BBD0A}"/>
-              </a:ext>
-            </a:extLst>
-          </p:cNvPr>
-          <p:cNvCxnSpPr/>
-          <p:nvPr/>
-        </p:nvCxnSpPr>
-        <p:spPr>
-          <a:xfrm flipV="1">
-            <a:off x="9658992" y="3257321"/>
-            <a:ext cx="508540" cy="1"/>
-          </a:xfrm>
-          <a:prstGeom prst="straightConnector1">
-            <a:avLst/>
-          </a:prstGeom>
-          <a:ln>
-            <a:tailEnd type="triangle"/>
-          </a:ln>
-        </p:spPr>
-        <p:style>
-          <a:lnRef idx="1">
-            <a:schemeClr val="accent1"/>
-          </a:lnRef>
-          <a:fillRef idx="0">
-            <a:schemeClr val="accent1"/>
-          </a:fillRef>
-          <a:effectRef idx="0">
-            <a:schemeClr val="accent1"/>
-          </a:effectRef>
-          <a:fontRef idx="minor">
-            <a:schemeClr val="tx1"/>
-          </a:fontRef>
-        </p:style>
-      </p:cxnSp>
-      <p:sp>
-        <p:nvSpPr>
-          <p:cNvPr id="37" name="TextBox 36">
-            <a:extLst>
-              <a:ext uri="{FF2B5EF4-FFF2-40B4-BE49-F238E27FC236}">
-                <a16:creationId xmlns:a16="http://schemas.microsoft.com/office/drawing/2014/main" id="{28236D96-ED4C-B796-3477-651071014F74}"/>
-              </a:ext>
-            </a:extLst>
-          </p:cNvPr>
-          <p:cNvSpPr txBox="1"/>
-          <p:nvPr/>
-        </p:nvSpPr>
-        <p:spPr>
-          <a:xfrm>
-            <a:off x="10042491" y="683089"/>
-            <a:ext cx="874598" cy="369332"/>
-          </a:xfrm>
-          <a:prstGeom prst="rect">
-            <a:avLst/>
-          </a:prstGeom>
-          <a:noFill/>
-        </p:spPr>
-        <p:txBody>
-          <a:bodyPr wrap="none" rtlCol="0">
-            <a:spAutoFit/>
-          </a:bodyPr>
-          <a:lstStyle/>
-          <a:p>
-            <a:r>
-              <a:rPr lang="en-US" dirty="0"/>
-              <a:t>List(12)</a:t>
-            </a:r>
-          </a:p>
-        </p:txBody>
-      </p:sp>
-      <p:cxnSp>
-        <p:nvCxnSpPr>
-          <p:cNvPr id="39" name="Straight Arrow Connector 38">
-            <a:extLst>
-              <a:ext uri="{FF2B5EF4-FFF2-40B4-BE49-F238E27FC236}">
-                <a16:creationId xmlns:a16="http://schemas.microsoft.com/office/drawing/2014/main" id="{79BF8896-98BB-E67A-3956-D2160CA5AB10}"/>
-              </a:ext>
-            </a:extLst>
-          </p:cNvPr>
-          <p:cNvCxnSpPr>
-            <a:endCxn id="37" idx="3"/>
-          </p:cNvCxnSpPr>
-          <p:nvPr/>
-        </p:nvCxnSpPr>
-        <p:spPr>
-          <a:xfrm flipH="1">
-            <a:off x="10917089" y="867755"/>
-            <a:ext cx="178259" cy="0"/>
-          </a:xfrm>
-          <a:prstGeom prst="straightConnector1">
-            <a:avLst/>
-          </a:prstGeom>
-          <a:ln>
-            <a:tailEnd type="triangle"/>
-          </a:ln>
-        </p:spPr>
-        <p:style>
-          <a:lnRef idx="1">
-            <a:schemeClr val="accent1"/>
-          </a:lnRef>
-          <a:fillRef idx="0">
-            <a:schemeClr val="accent1"/>
-          </a:fillRef>
-          <a:effectRef idx="0">
-            <a:schemeClr val="accent1"/>
-          </a:effectRef>
-          <a:fontRef idx="minor">
-            <a:schemeClr val="tx1"/>
-          </a:fontRef>
-        </p:style>
-      </p:cxnSp>
-      <p:cxnSp>
-        <p:nvCxnSpPr>
-          <p:cNvPr id="40" name="Straight Arrow Connector 39">
-            <a:extLst>
-              <a:ext uri="{FF2B5EF4-FFF2-40B4-BE49-F238E27FC236}">
-                <a16:creationId xmlns:a16="http://schemas.microsoft.com/office/drawing/2014/main" id="{5BC27A05-3844-C875-37FD-54A22BFBDD1A}"/>
-              </a:ext>
-            </a:extLst>
-          </p:cNvPr>
-          <p:cNvCxnSpPr/>
-          <p:nvPr/>
-        </p:nvCxnSpPr>
-        <p:spPr>
-          <a:xfrm flipH="1">
-            <a:off x="8293429" y="3257321"/>
-            <a:ext cx="178259" cy="0"/>
-          </a:xfrm>
-          <a:prstGeom prst="straightConnector1">
-            <a:avLst/>
-          </a:prstGeom>
-          <a:ln>
-            <a:tailEnd type="triangle"/>
-          </a:ln>
-        </p:spPr>
-        <p:style>
-          <a:lnRef idx="1">
-            <a:schemeClr val="accent1"/>
-          </a:lnRef>
-          <a:fillRef idx="0">
-            <a:schemeClr val="accent1"/>
-          </a:fillRef>
-          <a:effectRef idx="0">
-            <a:schemeClr val="accent1"/>
-          </a:effectRef>
-          <a:fontRef idx="minor">
-            <a:schemeClr val="tx1"/>
-          </a:fontRef>
-        </p:style>
-      </p:cxnSp>
-      <p:sp>
-        <p:nvSpPr>
-          <p:cNvPr id="44" name="Rectangle 43">
-            <a:extLst>
-              <a:ext uri="{FF2B5EF4-FFF2-40B4-BE49-F238E27FC236}">
-                <a16:creationId xmlns:a16="http://schemas.microsoft.com/office/drawing/2014/main" id="{B7AD2ED2-71DE-4F86-E4C0-E9F527458BBF}"/>
-              </a:ext>
-            </a:extLst>
-          </p:cNvPr>
-          <p:cNvSpPr/>
-          <p:nvPr/>
-        </p:nvSpPr>
-        <p:spPr>
-          <a:xfrm>
-            <a:off x="1587500" y="1372443"/>
-            <a:ext cx="5135127" cy="5485557"/>
-          </a:xfrm>
-          <a:prstGeom prst="rect">
-            <a:avLst/>
-          </a:prstGeom>
-          <a:noFill/>
-        </p:spPr>
-        <p:style>
-          <a:lnRef idx="2">
-            <a:schemeClr val="accent1">
-              <a:shade val="15000"/>
-            </a:schemeClr>
-          </a:lnRef>
-          <a:fillRef idx="1">
-            <a:schemeClr val="accent1"/>
-          </a:fillRef>
-          <a:effectRef idx="0">
-            <a:schemeClr val="accent1"/>
-          </a:effectRef>
-          <a:fontRef idx="minor">
-            <a:schemeClr val="lt1"/>
-          </a:fontRef>
-        </p:style>
-        <p:txBody>
-          <a:bodyPr rtlCol="0" anchor="ctr"/>
-          <a:lstStyle/>
-          <a:p>
-            <a:pPr algn="ctr"/>
-            <a:endParaRPr lang="en-US"/>
-          </a:p>
-        </p:txBody>
-      </p:sp>
-      <p:sp>
-        <p:nvSpPr>
-          <p:cNvPr id="43" name="TextBox 42">
-            <a:extLst>
-              <a:ext uri="{FF2B5EF4-FFF2-40B4-BE49-F238E27FC236}">
-                <a16:creationId xmlns:a16="http://schemas.microsoft.com/office/drawing/2014/main" id="{F33E6C60-AA17-EB5C-1A99-4808F5B695C8}"/>
-              </a:ext>
-            </a:extLst>
-          </p:cNvPr>
-          <p:cNvSpPr txBox="1"/>
-          <p:nvPr/>
-        </p:nvSpPr>
-        <p:spPr>
-          <a:xfrm>
-            <a:off x="3558340" y="1223797"/>
-            <a:ext cx="1127959" cy="307777"/>
-          </a:xfrm>
-          <a:prstGeom prst="rect">
-            <a:avLst/>
-          </a:prstGeom>
-          <a:solidFill>
-            <a:schemeClr val="bg1"/>
-          </a:solidFill>
-        </p:spPr>
-        <p:txBody>
-          <a:bodyPr wrap="square">
-            <a:spAutoFit/>
-          </a:bodyPr>
-          <a:lstStyle/>
-          <a:p>
-            <a:pPr algn="ctr"/>
-            <a:r>
-              <a:rPr lang="en-US" sz="1400" b="1" dirty="0" err="1"/>
-              <a:t>mainPanel</a:t>
-            </a:r>
-            <a:endParaRPr lang="en-US" sz="1400" b="1" dirty="0"/>
-          </a:p>
-        </p:txBody>
-      </p:sp>
-      <p:sp>
-        <p:nvSpPr>
-          <p:cNvPr id="46" name="Rectangle 45">
-            <a:extLst>
-              <a:ext uri="{FF2B5EF4-FFF2-40B4-BE49-F238E27FC236}">
-                <a16:creationId xmlns:a16="http://schemas.microsoft.com/office/drawing/2014/main" id="{810A9917-5895-E22D-42A8-C806AC0960E7}"/>
-              </a:ext>
-            </a:extLst>
-          </p:cNvPr>
-          <p:cNvSpPr/>
-          <p:nvPr/>
-        </p:nvSpPr>
-        <p:spPr>
-          <a:xfrm>
-            <a:off x="6725782" y="1395622"/>
-            <a:ext cx="2642561" cy="5485557"/>
-          </a:xfrm>
-          <a:prstGeom prst="rect">
-            <a:avLst/>
-          </a:prstGeom>
-          <a:noFill/>
-        </p:spPr>
-        <p:style>
-          <a:lnRef idx="2">
-            <a:schemeClr val="accent1">
-              <a:shade val="15000"/>
-            </a:schemeClr>
-          </a:lnRef>
-          <a:fillRef idx="1">
-            <a:schemeClr val="accent1"/>
-          </a:fillRef>
-          <a:effectRef idx="0">
-            <a:schemeClr val="accent1"/>
-          </a:effectRef>
-          <a:fontRef idx="minor">
-            <a:schemeClr val="lt1"/>
-          </a:fontRef>
-        </p:style>
-        <p:txBody>
-          <a:bodyPr rtlCol="0" anchor="ctr"/>
-          <a:lstStyle/>
-          <a:p>
-            <a:pPr algn="ctr"/>
-            <a:endParaRPr lang="en-US"/>
-          </a:p>
-        </p:txBody>
-      </p:sp>
-      <p:sp>
-        <p:nvSpPr>
-          <p:cNvPr id="45" name="TextBox 44">
-            <a:extLst>
-              <a:ext uri="{FF2B5EF4-FFF2-40B4-BE49-F238E27FC236}">
-                <a16:creationId xmlns:a16="http://schemas.microsoft.com/office/drawing/2014/main" id="{A7DC41DA-62C7-C598-5060-044F9B0AB895}"/>
-              </a:ext>
-            </a:extLst>
-          </p:cNvPr>
-          <p:cNvSpPr txBox="1"/>
-          <p:nvPr/>
-        </p:nvSpPr>
-        <p:spPr>
-          <a:xfrm>
-            <a:off x="7459878" y="1266500"/>
-            <a:ext cx="1127959" cy="307777"/>
-          </a:xfrm>
-          <a:prstGeom prst="rect">
-            <a:avLst/>
-          </a:prstGeom>
-          <a:solidFill>
-            <a:schemeClr val="bg1"/>
-          </a:solidFill>
-        </p:spPr>
-        <p:txBody>
-          <a:bodyPr wrap="square">
-            <a:spAutoFit/>
-          </a:bodyPr>
-          <a:lstStyle/>
-          <a:p>
-            <a:pPr algn="ctr"/>
-            <a:r>
-              <a:rPr lang="en-US" sz="1400" b="1" dirty="0"/>
-              <a:t>sidebar</a:t>
-            </a:r>
-          </a:p>
-        </p:txBody>
-      </p:sp>
-      <p:sp>
-        <p:nvSpPr>
-          <p:cNvPr id="47" name="TextBox 46">
-            <a:extLst>
-              <a:ext uri="{FF2B5EF4-FFF2-40B4-BE49-F238E27FC236}">
-                <a16:creationId xmlns:a16="http://schemas.microsoft.com/office/drawing/2014/main" id="{7690E482-EE93-9FE9-3188-C88718B8CE4A}"/>
-              </a:ext>
-            </a:extLst>
-          </p:cNvPr>
-          <p:cNvSpPr txBox="1"/>
-          <p:nvPr/>
-        </p:nvSpPr>
-        <p:spPr>
-          <a:xfrm>
-            <a:off x="8042951" y="3824759"/>
-            <a:ext cx="1178609" cy="646331"/>
-          </a:xfrm>
-          <a:prstGeom prst="rect">
-            <a:avLst/>
-          </a:prstGeom>
-          <a:noFill/>
-        </p:spPr>
-        <p:txBody>
-          <a:bodyPr wrap="square" rtlCol="0">
-            <a:spAutoFit/>
-          </a:bodyPr>
-          <a:lstStyle/>
-          <a:p>
-            <a:pPr algn="ctr"/>
-            <a:r>
-              <a:rPr lang="he-IL" dirty="0"/>
-              <a:t>רשימת תרחישים</a:t>
-            </a:r>
-            <a:endParaRPr lang="en-US" dirty="0"/>
-          </a:p>
-        </p:txBody>
-      </p:sp>
-      <p:sp>
-        <p:nvSpPr>
-          <p:cNvPr id="48" name="TextBox 47">
-            <a:extLst>
-              <a:ext uri="{FF2B5EF4-FFF2-40B4-BE49-F238E27FC236}">
-                <a16:creationId xmlns:a16="http://schemas.microsoft.com/office/drawing/2014/main" id="{D26B882A-7E19-A119-4B50-CB86277EDAEA}"/>
-              </a:ext>
-            </a:extLst>
-          </p:cNvPr>
-          <p:cNvSpPr txBox="1"/>
-          <p:nvPr/>
-        </p:nvSpPr>
-        <p:spPr>
-          <a:xfrm>
-            <a:off x="6825655" y="3824759"/>
-            <a:ext cx="1178609" cy="369332"/>
-          </a:xfrm>
-          <a:prstGeom prst="rect">
-            <a:avLst/>
-          </a:prstGeom>
-          <a:noFill/>
-        </p:spPr>
-        <p:txBody>
-          <a:bodyPr wrap="square" rtlCol="0">
-            <a:spAutoFit/>
-          </a:bodyPr>
-          <a:lstStyle/>
-          <a:p>
-            <a:pPr algn="ctr"/>
-            <a:r>
-              <a:rPr lang="he-IL" dirty="0"/>
-              <a:t>שנים</a:t>
-            </a:r>
-            <a:endParaRPr lang="en-US" dirty="0"/>
-          </a:p>
-        </p:txBody>
-      </p:sp>
-      <p:sp>
-        <p:nvSpPr>
-          <p:cNvPr id="49" name="TextBox 48">
-            <a:extLst>
-              <a:ext uri="{FF2B5EF4-FFF2-40B4-BE49-F238E27FC236}">
-                <a16:creationId xmlns:a16="http://schemas.microsoft.com/office/drawing/2014/main" id="{124D437B-669E-C7B1-0768-58A24641FB7A}"/>
-              </a:ext>
-            </a:extLst>
-          </p:cNvPr>
-          <p:cNvSpPr txBox="1"/>
-          <p:nvPr/>
-        </p:nvSpPr>
-        <p:spPr>
-          <a:xfrm>
-            <a:off x="8131156" y="4531769"/>
-            <a:ext cx="1018227" cy="461665"/>
-          </a:xfrm>
-          <a:prstGeom prst="rect">
-            <a:avLst/>
-          </a:prstGeom>
-          <a:solidFill>
-            <a:schemeClr val="accent4">
-              <a:lumMod val="20000"/>
-              <a:lumOff val="80000"/>
-            </a:schemeClr>
-          </a:solidFill>
-        </p:spPr>
-        <p:txBody>
-          <a:bodyPr wrap="none" rtlCol="0">
-            <a:spAutoFit/>
-          </a:bodyPr>
-          <a:lstStyle/>
-          <a:p>
-            <a:r>
-              <a:rPr lang="he-IL" sz="1200" b="1" dirty="0"/>
-              <a:t>המשך מגמות</a:t>
-            </a:r>
-          </a:p>
-          <a:p>
-            <a:r>
-              <a:rPr lang="he-IL" sz="1200" dirty="0" err="1"/>
-              <a:t>אטרטגיה</a:t>
-            </a:r>
-            <a:r>
-              <a:rPr lang="he-IL" sz="1200" dirty="0"/>
-              <a:t> דיור</a:t>
-            </a:r>
-            <a:endParaRPr lang="en-US" sz="1200" dirty="0"/>
-          </a:p>
-        </p:txBody>
-      </p:sp>
-      <p:sp>
-        <p:nvSpPr>
-          <p:cNvPr id="50" name="TextBox 49">
-            <a:extLst>
-              <a:ext uri="{FF2B5EF4-FFF2-40B4-BE49-F238E27FC236}">
-                <a16:creationId xmlns:a16="http://schemas.microsoft.com/office/drawing/2014/main" id="{9DF6B048-380A-2F72-6EBE-A91D1D72CD22}"/>
-              </a:ext>
-            </a:extLst>
-          </p:cNvPr>
-          <p:cNvSpPr txBox="1"/>
-          <p:nvPr/>
-        </p:nvSpPr>
-        <p:spPr>
-          <a:xfrm>
-            <a:off x="7122115" y="4448508"/>
-            <a:ext cx="524503" cy="646331"/>
-          </a:xfrm>
-          <a:prstGeom prst="rect">
-            <a:avLst/>
-          </a:prstGeom>
-          <a:solidFill>
-            <a:schemeClr val="accent4">
-              <a:lumMod val="20000"/>
-              <a:lumOff val="80000"/>
-            </a:schemeClr>
-          </a:solidFill>
-        </p:spPr>
-        <p:txBody>
-          <a:bodyPr wrap="none" rtlCol="0">
-            <a:spAutoFit/>
-          </a:bodyPr>
-          <a:lstStyle/>
-          <a:p>
-            <a:r>
-              <a:rPr lang="he-IL" sz="1200" dirty="0"/>
-              <a:t>2020</a:t>
-            </a:r>
-          </a:p>
-          <a:p>
-            <a:r>
-              <a:rPr lang="he-IL" sz="1200" b="1" dirty="0"/>
-              <a:t>2030</a:t>
-            </a:r>
-          </a:p>
-          <a:p>
-            <a:r>
-              <a:rPr lang="he-IL" sz="1200" dirty="0"/>
-              <a:t>2040</a:t>
-            </a:r>
-            <a:endParaRPr lang="en-US" sz="1200" dirty="0"/>
-          </a:p>
-        </p:txBody>
-      </p:sp>
-      <p:sp>
-        <p:nvSpPr>
-          <p:cNvPr id="51" name="TextBox 50">
-            <a:extLst>
-              <a:ext uri="{FF2B5EF4-FFF2-40B4-BE49-F238E27FC236}">
-                <a16:creationId xmlns:a16="http://schemas.microsoft.com/office/drawing/2014/main" id="{444D208C-AB2B-701E-E4B7-30261E432BB2}"/>
-              </a:ext>
-            </a:extLst>
-          </p:cNvPr>
-          <p:cNvSpPr txBox="1"/>
-          <p:nvPr/>
-        </p:nvSpPr>
-        <p:spPr>
-          <a:xfrm>
-            <a:off x="7076133" y="5156713"/>
-            <a:ext cx="2085642" cy="369332"/>
-          </a:xfrm>
-          <a:prstGeom prst="rect">
-            <a:avLst/>
-          </a:prstGeom>
-          <a:noFill/>
-        </p:spPr>
-        <p:txBody>
-          <a:bodyPr wrap="square" rtlCol="0">
-            <a:spAutoFit/>
-          </a:bodyPr>
-          <a:lstStyle/>
-          <a:p>
-            <a:pPr algn="ctr"/>
-            <a:r>
-              <a:rPr lang="he-IL" dirty="0"/>
-              <a:t>רשימת משתנים</a:t>
-            </a:r>
-            <a:endParaRPr lang="en-US" dirty="0"/>
-          </a:p>
-        </p:txBody>
-      </p:sp>
-      <p:sp>
-        <p:nvSpPr>
-          <p:cNvPr id="52" name="TextBox 51">
-            <a:extLst>
-              <a:ext uri="{FF2B5EF4-FFF2-40B4-BE49-F238E27FC236}">
-                <a16:creationId xmlns:a16="http://schemas.microsoft.com/office/drawing/2014/main" id="{4EE99801-D2A3-53A2-7145-83CA3A445804}"/>
-              </a:ext>
-            </a:extLst>
-          </p:cNvPr>
-          <p:cNvSpPr txBox="1"/>
-          <p:nvPr/>
-        </p:nvSpPr>
-        <p:spPr>
-          <a:xfrm>
-            <a:off x="7707220" y="5480668"/>
-            <a:ext cx="782587" cy="276999"/>
-          </a:xfrm>
-          <a:prstGeom prst="rect">
-            <a:avLst/>
-          </a:prstGeom>
-          <a:solidFill>
-            <a:schemeClr val="accent4">
-              <a:lumMod val="20000"/>
-              <a:lumOff val="80000"/>
-            </a:schemeClr>
-          </a:solidFill>
-        </p:spPr>
-        <p:txBody>
-          <a:bodyPr wrap="none" rtlCol="0">
-            <a:spAutoFit/>
-          </a:bodyPr>
-          <a:lstStyle/>
-          <a:p>
-            <a:r>
-              <a:rPr lang="he-IL" sz="1200" b="1" dirty="0"/>
-              <a:t>אוכלוסייה</a:t>
-            </a:r>
-            <a:endParaRPr lang="en-US" sz="1200" dirty="0"/>
-          </a:p>
-        </p:txBody>
-      </p:sp>
-      <p:cxnSp>
-        <p:nvCxnSpPr>
-          <p:cNvPr id="56" name="Straight Arrow Connector 55">
-            <a:extLst>
-              <a:ext uri="{FF2B5EF4-FFF2-40B4-BE49-F238E27FC236}">
-                <a16:creationId xmlns:a16="http://schemas.microsoft.com/office/drawing/2014/main" id="{71DEF7A1-9676-DA28-B205-9C06D48A2090}"/>
-              </a:ext>
-            </a:extLst>
-          </p:cNvPr>
-          <p:cNvCxnSpPr/>
-          <p:nvPr/>
-        </p:nvCxnSpPr>
-        <p:spPr>
-          <a:xfrm>
-            <a:off x="820878" y="4448508"/>
-            <a:ext cx="3301441" cy="0"/>
-          </a:xfrm>
-          <a:prstGeom prst="straightConnector1">
-            <a:avLst/>
-          </a:prstGeom>
-          <a:ln>
-            <a:tailEnd type="triangle"/>
-          </a:ln>
-        </p:spPr>
-        <p:style>
-          <a:lnRef idx="1">
-            <a:schemeClr val="accent1"/>
-          </a:lnRef>
-          <a:fillRef idx="0">
-            <a:schemeClr val="accent1"/>
-          </a:fillRef>
-          <a:effectRef idx="0">
-            <a:schemeClr val="accent1"/>
-          </a:effectRef>
-          <a:fontRef idx="minor">
-            <a:schemeClr val="tx1"/>
-          </a:fontRef>
-        </p:style>
-      </p:cxnSp>
-      <p:cxnSp>
-        <p:nvCxnSpPr>
-          <p:cNvPr id="4" name="Straight Connector 3">
-            <a:extLst>
-              <a:ext uri="{FF2B5EF4-FFF2-40B4-BE49-F238E27FC236}">
-                <a16:creationId xmlns:a16="http://schemas.microsoft.com/office/drawing/2014/main" id="{B3C81381-074E-5130-57EE-24EDF8BBA7AC}"/>
-              </a:ext>
-            </a:extLst>
-          </p:cNvPr>
-          <p:cNvCxnSpPr/>
-          <p:nvPr/>
-        </p:nvCxnSpPr>
-        <p:spPr>
-          <a:xfrm flipV="1">
-            <a:off x="580571" y="333807"/>
-            <a:ext cx="11190515" cy="6081507"/>
-          </a:xfrm>
-          <a:prstGeom prst="line">
-            <a:avLst/>
-          </a:prstGeom>
-        </p:spPr>
-        <p:style>
-          <a:lnRef idx="1">
-            <a:schemeClr val="accent1"/>
-          </a:lnRef>
-          <a:fillRef idx="0">
-            <a:schemeClr val="accent1"/>
-          </a:fillRef>
-          <a:effectRef idx="0">
-            <a:schemeClr val="accent1"/>
-          </a:effectRef>
-          <a:fontRef idx="minor">
-            <a:schemeClr val="tx1"/>
-          </a:fontRef>
-        </p:style>
-      </p:cxnSp>
     </p:spTree>
     <p:extLst>
       <p:ext uri="{BB962C8B-B14F-4D97-AF65-F5344CB8AC3E}">
-        <p14:creationId xmlns:p14="http://schemas.microsoft.com/office/powerpoint/2010/main" val="3254842822"/>
+        <p14:creationId xmlns:p14="http://schemas.microsoft.com/office/powerpoint/2010/main" val="3314121517"/>
       </p:ext>
     </p:extLst>
   </p:cSld>
@@ -7344,7 +5975,7 @@
           <p:cNvPr id="3" name="Picture 2">
             <a:extLst>
               <a:ext uri="{FF2B5EF4-FFF2-40B4-BE49-F238E27FC236}">
-                <a16:creationId xmlns:a16="http://schemas.microsoft.com/office/drawing/2014/main" id="{70ED6760-A76F-4D59-165F-552720F6CD92}"/>
+                <a16:creationId xmlns:a16="http://schemas.microsoft.com/office/drawing/2014/main" id="{067DC50F-F545-6E11-D573-5841D30A32D3}"/>
               </a:ext>
             </a:extLst>
           </p:cNvPr>
@@ -7361,230 +5992,20 @@
         </p:blipFill>
         <p:spPr>
           <a:xfrm>
-            <a:off x="2582617" y="0"/>
-            <a:ext cx="7026765" cy="6858000"/>
+            <a:off x="1410524" y="0"/>
+            <a:ext cx="8214750" cy="6858000"/>
           </a:xfrm>
           <a:prstGeom prst="rect">
             <a:avLst/>
           </a:prstGeom>
         </p:spPr>
       </p:pic>
-      <p:sp>
-        <p:nvSpPr>
-          <p:cNvPr id="4" name="TextBox 3">
-            <a:extLst>
-              <a:ext uri="{FF2B5EF4-FFF2-40B4-BE49-F238E27FC236}">
-                <a16:creationId xmlns:a16="http://schemas.microsoft.com/office/drawing/2014/main" id="{4A1C8CAD-3E5B-7FE3-3730-0B924357C33C}"/>
-              </a:ext>
-            </a:extLst>
-          </p:cNvPr>
-          <p:cNvSpPr txBox="1"/>
-          <p:nvPr/>
-        </p:nvSpPr>
-        <p:spPr>
-          <a:xfrm>
-            <a:off x="7710478" y="4530483"/>
-            <a:ext cx="1586773" cy="307777"/>
-          </a:xfrm>
-          <a:prstGeom prst="rect">
-            <a:avLst/>
-          </a:prstGeom>
-          <a:noFill/>
-        </p:spPr>
-        <p:txBody>
-          <a:bodyPr wrap="square" rtlCol="0">
-            <a:spAutoFit/>
-          </a:bodyPr>
-          <a:lstStyle/>
-          <a:p>
-            <a:pPr algn="ctr"/>
-            <a:r>
-              <a:rPr lang="he-IL" sz="1400" b="1" dirty="0"/>
-              <a:t>בחר משתנה/ים</a:t>
-            </a:r>
-            <a:endParaRPr lang="en-US" sz="1400" b="1" dirty="0"/>
-          </a:p>
-        </p:txBody>
-      </p:sp>
-      <p:sp>
-        <p:nvSpPr>
-          <p:cNvPr id="5" name="TextBox 4">
-            <a:extLst>
-              <a:ext uri="{FF2B5EF4-FFF2-40B4-BE49-F238E27FC236}">
-                <a16:creationId xmlns:a16="http://schemas.microsoft.com/office/drawing/2014/main" id="{07E9D7C6-4FDF-C9CB-74AA-5A0B2C91DD4E}"/>
-              </a:ext>
-            </a:extLst>
-          </p:cNvPr>
-          <p:cNvSpPr txBox="1"/>
-          <p:nvPr/>
-        </p:nvSpPr>
-        <p:spPr>
-          <a:xfrm>
-            <a:off x="8110149" y="4915059"/>
-            <a:ext cx="782587" cy="276999"/>
-          </a:xfrm>
-          <a:prstGeom prst="rect">
-            <a:avLst/>
-          </a:prstGeom>
-          <a:solidFill>
-            <a:schemeClr val="accent4">
-              <a:lumMod val="20000"/>
-              <a:lumOff val="80000"/>
-            </a:schemeClr>
-          </a:solidFill>
-        </p:spPr>
-        <p:txBody>
-          <a:bodyPr wrap="none" rtlCol="0">
-            <a:spAutoFit/>
-          </a:bodyPr>
-          <a:lstStyle/>
-          <a:p>
-            <a:r>
-              <a:rPr lang="he-IL" sz="1200" b="1" dirty="0"/>
-              <a:t>אוכלוסייה</a:t>
-            </a:r>
-            <a:endParaRPr lang="en-US" sz="1200" dirty="0"/>
-          </a:p>
-        </p:txBody>
-      </p:sp>
-      <p:sp>
-        <p:nvSpPr>
-          <p:cNvPr id="6" name="TextBox 5">
-            <a:extLst>
-              <a:ext uri="{FF2B5EF4-FFF2-40B4-BE49-F238E27FC236}">
-                <a16:creationId xmlns:a16="http://schemas.microsoft.com/office/drawing/2014/main" id="{0D46FF72-AD74-00AE-6254-B9C368539940}"/>
-              </a:ext>
-            </a:extLst>
-          </p:cNvPr>
-          <p:cNvSpPr txBox="1"/>
-          <p:nvPr/>
-        </p:nvSpPr>
-        <p:spPr>
-          <a:xfrm>
-            <a:off x="7705634" y="5352183"/>
-            <a:ext cx="1591617" cy="307777"/>
-          </a:xfrm>
-          <a:prstGeom prst="rect">
-            <a:avLst/>
-          </a:prstGeom>
-          <a:noFill/>
-        </p:spPr>
-        <p:txBody>
-          <a:bodyPr wrap="square" rtlCol="0">
-            <a:spAutoFit/>
-          </a:bodyPr>
-          <a:lstStyle/>
-          <a:p>
-            <a:r>
-              <a:rPr lang="he-IL" sz="1400" b="1" dirty="0"/>
-              <a:t>בחר סוג עיבוד</a:t>
-            </a:r>
-            <a:endParaRPr lang="en-US" sz="1400" b="1" dirty="0"/>
-          </a:p>
-        </p:txBody>
-      </p:sp>
-      <p:sp>
-        <p:nvSpPr>
-          <p:cNvPr id="7" name="TextBox 6">
-            <a:extLst>
-              <a:ext uri="{FF2B5EF4-FFF2-40B4-BE49-F238E27FC236}">
-                <a16:creationId xmlns:a16="http://schemas.microsoft.com/office/drawing/2014/main" id="{250BEE6E-4456-99CE-7B7F-0C1EC983DDC1}"/>
-              </a:ext>
-            </a:extLst>
-          </p:cNvPr>
-          <p:cNvSpPr txBox="1"/>
-          <p:nvPr/>
-        </p:nvSpPr>
-        <p:spPr>
-          <a:xfrm>
-            <a:off x="8186292" y="5736759"/>
-            <a:ext cx="630301" cy="461665"/>
-          </a:xfrm>
-          <a:prstGeom prst="rect">
-            <a:avLst/>
-          </a:prstGeom>
-          <a:solidFill>
-            <a:schemeClr val="accent4">
-              <a:lumMod val="20000"/>
-              <a:lumOff val="80000"/>
-            </a:schemeClr>
-          </a:solidFill>
-        </p:spPr>
-        <p:txBody>
-          <a:bodyPr wrap="none" rtlCol="0">
-            <a:spAutoFit/>
-          </a:bodyPr>
-          <a:lstStyle/>
-          <a:p>
-            <a:r>
-              <a:rPr lang="he-IL" sz="1200" b="1" dirty="0"/>
-              <a:t>ערכים</a:t>
-            </a:r>
-          </a:p>
-          <a:p>
-            <a:r>
-              <a:rPr lang="he-IL" sz="1200" b="1" dirty="0"/>
-              <a:t>צפיפות</a:t>
-            </a:r>
-          </a:p>
-        </p:txBody>
-      </p:sp>
-      <p:sp>
-        <p:nvSpPr>
-          <p:cNvPr id="8" name="Rectangle: Rounded Corners 7">
-            <a:extLst>
-              <a:ext uri="{FF2B5EF4-FFF2-40B4-BE49-F238E27FC236}">
-                <a16:creationId xmlns:a16="http://schemas.microsoft.com/office/drawing/2014/main" id="{162091A9-9217-CF04-BDB1-8E007DEA8948}"/>
-              </a:ext>
-            </a:extLst>
-          </p:cNvPr>
-          <p:cNvSpPr/>
-          <p:nvPr/>
-        </p:nvSpPr>
-        <p:spPr>
-          <a:xfrm>
-            <a:off x="7481813" y="6275223"/>
-            <a:ext cx="2039259" cy="384866"/>
-          </a:xfrm>
-          <a:prstGeom prst="roundRect">
-            <a:avLst/>
-          </a:prstGeom>
-        </p:spPr>
-        <p:style>
-          <a:lnRef idx="2">
-            <a:schemeClr val="accent1">
-              <a:shade val="15000"/>
-            </a:schemeClr>
-          </a:lnRef>
-          <a:fillRef idx="1">
-            <a:schemeClr val="accent1"/>
-          </a:fillRef>
-          <a:effectRef idx="0">
-            <a:schemeClr val="accent1"/>
-          </a:effectRef>
-          <a:fontRef idx="minor">
-            <a:schemeClr val="lt1"/>
-          </a:fontRef>
-        </p:style>
-        <p:txBody>
-          <a:bodyPr rtlCol="0" anchor="ctr"/>
-          <a:lstStyle/>
-          <a:p>
-            <a:pPr algn="ctr"/>
-            <a:r>
-              <a:rPr lang="he-IL" dirty="0"/>
-              <a:t>בצע</a:t>
-            </a:r>
-            <a:endParaRPr lang="en-US" dirty="0"/>
-          </a:p>
-        </p:txBody>
-      </p:sp>
       <p:cxnSp>
         <p:nvCxnSpPr>
-          <p:cNvPr id="10" name="Straight Arrow Connector 9">
-            <a:extLst>
-              <a:ext uri="{FF2B5EF4-FFF2-40B4-BE49-F238E27FC236}">
-                <a16:creationId xmlns:a16="http://schemas.microsoft.com/office/drawing/2014/main" id="{DD86BC65-7942-627A-775B-1C4093395F54}"/>
+          <p:cNvPr id="5" name="Straight Arrow Connector 4">
+            <a:extLst>
+              <a:ext uri="{FF2B5EF4-FFF2-40B4-BE49-F238E27FC236}">
+                <a16:creationId xmlns:a16="http://schemas.microsoft.com/office/drawing/2014/main" id="{F56F276E-2FFA-DD11-6AF5-C9F44E153355}"/>
               </a:ext>
             </a:extLst>
           </p:cNvPr>
@@ -7593,8 +6014,8 @@
         </p:nvCxnSpPr>
         <p:spPr>
           <a:xfrm>
-            <a:off x="2582617" y="1244338"/>
-            <a:ext cx="226571" cy="0"/>
+            <a:off x="949041" y="1187777"/>
+            <a:ext cx="357788" cy="0"/>
           </a:xfrm>
           <a:prstGeom prst="straightConnector1">
             <a:avLst/>
@@ -7605,13 +6026,13 @@
         </p:spPr>
         <p:style>
           <a:lnRef idx="1">
-            <a:schemeClr val="accent1"/>
+            <a:schemeClr val="dk1"/>
           </a:lnRef>
           <a:fillRef idx="0">
-            <a:schemeClr val="accent1"/>
+            <a:schemeClr val="dk1"/>
           </a:fillRef>
           <a:effectRef idx="0">
-            <a:schemeClr val="accent1"/>
+            <a:schemeClr val="dk1"/>
           </a:effectRef>
           <a:fontRef idx="minor">
             <a:schemeClr val="tx1"/>
@@ -7620,10 +6041,10 @@
       </p:cxnSp>
       <p:sp>
         <p:nvSpPr>
-          <p:cNvPr id="11" name="TextBox 10">
-            <a:extLst>
-              <a:ext uri="{FF2B5EF4-FFF2-40B4-BE49-F238E27FC236}">
-                <a16:creationId xmlns:a16="http://schemas.microsoft.com/office/drawing/2014/main" id="{1634D45D-E808-DC03-6345-59C5EFAD1D9D}"/>
+          <p:cNvPr id="7" name="TextBox 6">
+            <a:extLst>
+              <a:ext uri="{FF2B5EF4-FFF2-40B4-BE49-F238E27FC236}">
+                <a16:creationId xmlns:a16="http://schemas.microsoft.com/office/drawing/2014/main" id="{026E458C-BA1A-ADD6-C196-0CB022289032}"/>
               </a:ext>
             </a:extLst>
           </p:cNvPr>
@@ -7632,8 +6053,154 @@
         </p:nvSpPr>
         <p:spPr>
           <a:xfrm>
-            <a:off x="5128181" y="865469"/>
-            <a:ext cx="1653017" cy="369332"/>
+            <a:off x="50237" y="333807"/>
+            <a:ext cx="1297796" cy="369332"/>
+          </a:xfrm>
+          <a:prstGeom prst="rect">
+            <a:avLst/>
+          </a:prstGeom>
+          <a:noFill/>
+        </p:spPr>
+        <p:txBody>
+          <a:bodyPr wrap="square">
+            <a:spAutoFit/>
+          </a:bodyPr>
+          <a:lstStyle/>
+          <a:p>
+            <a:r>
+              <a:rPr lang="en-US" dirty="0" err="1"/>
+              <a:t>navbarPage</a:t>
+            </a:r>
+            <a:endParaRPr lang="en-US" dirty="0"/>
+          </a:p>
+        </p:txBody>
+      </p:sp>
+      <p:sp>
+        <p:nvSpPr>
+          <p:cNvPr id="8" name="TextBox 7">
+            <a:extLst>
+              <a:ext uri="{FF2B5EF4-FFF2-40B4-BE49-F238E27FC236}">
+                <a16:creationId xmlns:a16="http://schemas.microsoft.com/office/drawing/2014/main" id="{0F7C6071-CB65-F3F2-DE73-EE1ACF0BE292}"/>
+              </a:ext>
+            </a:extLst>
+          </p:cNvPr>
+          <p:cNvSpPr txBox="1"/>
+          <p:nvPr/>
+        </p:nvSpPr>
+        <p:spPr>
+          <a:xfrm>
+            <a:off x="-15280" y="960092"/>
+            <a:ext cx="1072299" cy="369332"/>
+          </a:xfrm>
+          <a:prstGeom prst="rect">
+            <a:avLst/>
+          </a:prstGeom>
+          <a:noFill/>
+        </p:spPr>
+        <p:txBody>
+          <a:bodyPr wrap="square">
+            <a:spAutoFit/>
+          </a:bodyPr>
+          <a:lstStyle/>
+          <a:p>
+            <a:r>
+              <a:rPr lang="en-US" dirty="0" err="1"/>
+              <a:t>tabpanel</a:t>
+            </a:r>
+            <a:endParaRPr lang="en-US" dirty="0"/>
+          </a:p>
+        </p:txBody>
+      </p:sp>
+      <p:sp>
+        <p:nvSpPr>
+          <p:cNvPr id="9" name="TextBox 8">
+            <a:extLst>
+              <a:ext uri="{FF2B5EF4-FFF2-40B4-BE49-F238E27FC236}">
+                <a16:creationId xmlns:a16="http://schemas.microsoft.com/office/drawing/2014/main" id="{956429F6-5E4E-88B8-98E1-EF5089E144F5}"/>
+              </a:ext>
+            </a:extLst>
+          </p:cNvPr>
+          <p:cNvSpPr txBox="1"/>
+          <p:nvPr/>
+        </p:nvSpPr>
+        <p:spPr>
+          <a:xfrm>
+            <a:off x="50237" y="1559293"/>
+            <a:ext cx="770641" cy="369332"/>
+          </a:xfrm>
+          <a:prstGeom prst="rect">
+            <a:avLst/>
+          </a:prstGeom>
+          <a:noFill/>
+        </p:spPr>
+        <p:txBody>
+          <a:bodyPr wrap="square">
+            <a:spAutoFit/>
+          </a:bodyPr>
+          <a:lstStyle/>
+          <a:p>
+            <a:r>
+              <a:rPr lang="en-US" dirty="0"/>
+              <a:t>tabs</a:t>
+            </a:r>
+          </a:p>
+        </p:txBody>
+      </p:sp>
+      <p:cxnSp>
+        <p:nvCxnSpPr>
+          <p:cNvPr id="11" name="Straight Arrow Connector 10">
+            <a:extLst>
+              <a:ext uri="{FF2B5EF4-FFF2-40B4-BE49-F238E27FC236}">
+                <a16:creationId xmlns:a16="http://schemas.microsoft.com/office/drawing/2014/main" id="{30883794-BF04-2305-A86F-B0692B61B58C}"/>
+              </a:ext>
+            </a:extLst>
+          </p:cNvPr>
+          <p:cNvCxnSpPr/>
+          <p:nvPr/>
+        </p:nvCxnSpPr>
+        <p:spPr>
+          <a:xfrm>
+            <a:off x="949041" y="1725104"/>
+            <a:ext cx="357788" cy="0"/>
+          </a:xfrm>
+          <a:prstGeom prst="straightConnector1">
+            <a:avLst/>
+          </a:prstGeom>
+          <a:ln>
+            <a:tailEnd type="triangle"/>
+          </a:ln>
+        </p:spPr>
+        <p:style>
+          <a:lnRef idx="1">
+            <a:schemeClr val="dk1"/>
+          </a:lnRef>
+          <a:fillRef idx="0">
+            <a:schemeClr val="dk1"/>
+          </a:fillRef>
+          <a:effectRef idx="0">
+            <a:schemeClr val="dk1"/>
+          </a:effectRef>
+          <a:fontRef idx="minor">
+            <a:schemeClr val="tx1"/>
+          </a:fontRef>
+        </p:style>
+      </p:cxnSp>
+      <p:sp>
+        <p:nvSpPr>
+          <p:cNvPr id="12" name="TextBox 11">
+            <a:extLst>
+              <a:ext uri="{FF2B5EF4-FFF2-40B4-BE49-F238E27FC236}">
+                <a16:creationId xmlns:a16="http://schemas.microsoft.com/office/drawing/2014/main" id="{95AE04F9-CD3F-5E38-BF9A-3EC4EAF944C3}"/>
+              </a:ext>
+            </a:extLst>
+          </p:cNvPr>
+          <p:cNvSpPr txBox="1"/>
+          <p:nvPr/>
+        </p:nvSpPr>
+        <p:spPr>
+          <a:xfrm>
+            <a:off x="1994556" y="818445"/>
+            <a:ext cx="314510" cy="369332"/>
           </a:xfrm>
           <a:prstGeom prst="rect">
             <a:avLst/>
@@ -7647,27 +6214,19 @@
           <a:lstStyle/>
           <a:p>
             <a:r>
-              <a:rPr lang="he-IL" dirty="0">
-                <a:highlight>
-                  <a:srgbClr val="00FFFF"/>
-                </a:highlight>
-              </a:rPr>
-              <a:t>אפשרויות תצוגה</a:t>
-            </a:r>
-            <a:endParaRPr lang="en-US" dirty="0">
-              <a:highlight>
-                <a:srgbClr val="00FFFF"/>
-              </a:highlight>
-            </a:endParaRPr>
-          </a:p>
-        </p:txBody>
-      </p:sp>
-      <p:sp>
-        <p:nvSpPr>
-          <p:cNvPr id="12" name="TextBox 11">
-            <a:extLst>
-              <a:ext uri="{FF2B5EF4-FFF2-40B4-BE49-F238E27FC236}">
-                <a16:creationId xmlns:a16="http://schemas.microsoft.com/office/drawing/2014/main" id="{3CA610E4-7546-973B-2238-F00FB996EEC9}"/>
+              <a:rPr lang="he-IL" dirty="0"/>
+              <a:t>א</a:t>
+            </a:r>
+            <a:endParaRPr lang="en-US" dirty="0"/>
+          </a:p>
+        </p:txBody>
+      </p:sp>
+      <p:sp>
+        <p:nvSpPr>
+          <p:cNvPr id="13" name="TextBox 12">
+            <a:extLst>
+              <a:ext uri="{FF2B5EF4-FFF2-40B4-BE49-F238E27FC236}">
+                <a16:creationId xmlns:a16="http://schemas.microsoft.com/office/drawing/2014/main" id="{6A69D6BE-EF62-CDBF-FFB2-3E1161009FE8}"/>
               </a:ext>
             </a:extLst>
           </p:cNvPr>
@@ -7676,18 +6235,13 @@
         </p:nvSpPr>
         <p:spPr>
           <a:xfrm>
-            <a:off x="11228735" y="3835122"/>
-            <a:ext cx="848309" cy="261610"/>
-          </a:xfrm>
-          <a:prstGeom prst="rect">
-            <a:avLst/>
-          </a:prstGeom>
-          <a:solidFill>
-            <a:schemeClr val="accent1">
-              <a:lumMod val="20000"/>
-              <a:lumOff val="80000"/>
-            </a:schemeClr>
-          </a:solidFill>
+            <a:off x="2578588" y="818445"/>
+            <a:ext cx="314510" cy="369332"/>
+          </a:xfrm>
+          <a:prstGeom prst="rect">
+            <a:avLst/>
+          </a:prstGeom>
+          <a:noFill/>
         </p:spPr>
         <p:txBody>
           <a:bodyPr wrap="none" rtlCol="0">
@@ -7696,19 +6250,55 @@
           <a:lstStyle/>
           <a:p>
             <a:r>
-              <a:rPr lang="he-IL" sz="1050" b="1" dirty="0"/>
-              <a:t>בחר שנה/ים</a:t>
-            </a:r>
-            <a:endParaRPr lang="en-US" sz="1050" b="1" dirty="0"/>
+              <a:rPr lang="he-IL" dirty="0"/>
+              <a:t>ב</a:t>
+            </a:r>
+            <a:endParaRPr lang="en-US" dirty="0"/>
+          </a:p>
+        </p:txBody>
+      </p:sp>
+      <p:sp>
+        <p:nvSpPr>
+          <p:cNvPr id="14" name="TextBox 13">
+            <a:extLst>
+              <a:ext uri="{FF2B5EF4-FFF2-40B4-BE49-F238E27FC236}">
+                <a16:creationId xmlns:a16="http://schemas.microsoft.com/office/drawing/2014/main" id="{84AA9F1E-B6BC-7072-3F8D-EA2096C03323}"/>
+              </a:ext>
+            </a:extLst>
+          </p:cNvPr>
+          <p:cNvSpPr txBox="1"/>
+          <p:nvPr/>
+        </p:nvSpPr>
+        <p:spPr>
+          <a:xfrm>
+            <a:off x="3162620" y="818445"/>
+            <a:ext cx="276038" cy="369332"/>
+          </a:xfrm>
+          <a:prstGeom prst="rect">
+            <a:avLst/>
+          </a:prstGeom>
+          <a:noFill/>
+        </p:spPr>
+        <p:txBody>
+          <a:bodyPr wrap="none" rtlCol="0">
+            <a:spAutoFit/>
+          </a:bodyPr>
+          <a:lstStyle/>
+          <a:p>
+            <a:r>
+              <a:rPr lang="he-IL" dirty="0"/>
+              <a:t>ג</a:t>
+            </a:r>
+            <a:endParaRPr lang="en-US" dirty="0"/>
           </a:p>
         </p:txBody>
       </p:sp>
       <p:cxnSp>
         <p:nvCxnSpPr>
-          <p:cNvPr id="2" name="Straight Arrow Connector 1">
-            <a:extLst>
-              <a:ext uri="{FF2B5EF4-FFF2-40B4-BE49-F238E27FC236}">
-                <a16:creationId xmlns:a16="http://schemas.microsoft.com/office/drawing/2014/main" id="{C4D5C842-3CB8-00CC-D648-8E2519FDC478}"/>
+          <p:cNvPr id="17" name="Straight Arrow Connector 16">
+            <a:extLst>
+              <a:ext uri="{FF2B5EF4-FFF2-40B4-BE49-F238E27FC236}">
+                <a16:creationId xmlns:a16="http://schemas.microsoft.com/office/drawing/2014/main" id="{F53F89AB-5F8E-1775-D2C8-E8BC85DA2880}"/>
               </a:ext>
             </a:extLst>
           </p:cNvPr>
@@ -7717,7 +6307,7 @@
         </p:nvCxnSpPr>
         <p:spPr>
           <a:xfrm flipH="1">
-            <a:off x="7675066" y="2837468"/>
+            <a:off x="7849462" y="2130458"/>
             <a:ext cx="348792" cy="150829"/>
           </a:xfrm>
           <a:prstGeom prst="straightConnector1">
@@ -7742,12 +6332,51 @@
           </a:fontRef>
         </p:style>
       </p:cxnSp>
-      <p:sp>
-        <p:nvSpPr>
-          <p:cNvPr id="9" name="TextBox 8">
-            <a:extLst>
-              <a:ext uri="{FF2B5EF4-FFF2-40B4-BE49-F238E27FC236}">
-                <a16:creationId xmlns:a16="http://schemas.microsoft.com/office/drawing/2014/main" id="{F3CAD155-1C22-8E0A-790E-A74D87754246}"/>
+      <p:cxnSp>
+        <p:nvCxnSpPr>
+          <p:cNvPr id="18" name="Straight Arrow Connector 17">
+            <a:extLst>
+              <a:ext uri="{FF2B5EF4-FFF2-40B4-BE49-F238E27FC236}">
+                <a16:creationId xmlns:a16="http://schemas.microsoft.com/office/drawing/2014/main" id="{AD56CC2B-2B2F-CFBA-80C3-61016C7D50BB}"/>
+              </a:ext>
+            </a:extLst>
+          </p:cNvPr>
+          <p:cNvCxnSpPr/>
+          <p:nvPr/>
+        </p:nvCxnSpPr>
+        <p:spPr>
+          <a:xfrm flipH="1">
+            <a:off x="7675066" y="2837468"/>
+            <a:ext cx="348792" cy="150829"/>
+          </a:xfrm>
+          <a:prstGeom prst="straightConnector1">
+            <a:avLst/>
+          </a:prstGeom>
+          <a:ln>
+            <a:tailEnd type="triangle"/>
+          </a:ln>
+        </p:spPr>
+        <p:style>
+          <a:lnRef idx="1">
+            <a:schemeClr val="accent2"/>
+          </a:lnRef>
+          <a:fillRef idx="0">
+            <a:schemeClr val="accent2"/>
+          </a:fillRef>
+          <a:effectRef idx="0">
+            <a:schemeClr val="accent2"/>
+          </a:effectRef>
+          <a:fontRef idx="minor">
+            <a:schemeClr val="tx1"/>
+          </a:fontRef>
+        </p:style>
+      </p:cxnSp>
+      <p:sp>
+        <p:nvSpPr>
+          <p:cNvPr id="19" name="TextBox 18">
+            <a:extLst>
+              <a:ext uri="{FF2B5EF4-FFF2-40B4-BE49-F238E27FC236}">
+                <a16:creationId xmlns:a16="http://schemas.microsoft.com/office/drawing/2014/main" id="{BF21C865-24BC-8FB9-16DE-CD1648A2AE85}"/>
               </a:ext>
             </a:extLst>
           </p:cNvPr>
@@ -7756,7 +6385,43 @@
         </p:nvSpPr>
         <p:spPr>
           <a:xfrm>
-            <a:off x="6432351" y="2539872"/>
+            <a:off x="10042491" y="267398"/>
+            <a:ext cx="1477969" cy="369332"/>
+          </a:xfrm>
+          <a:prstGeom prst="rect">
+            <a:avLst/>
+          </a:prstGeom>
+          <a:noFill/>
+        </p:spPr>
+        <p:txBody>
+          <a:bodyPr wrap="none" rtlCol="0">
+            <a:spAutoFit/>
+          </a:bodyPr>
+          <a:lstStyle/>
+          <a:p>
+            <a:r>
+              <a:rPr lang="en-US" dirty="0" err="1"/>
+              <a:t>cfg$scenarios</a:t>
+            </a:r>
+            <a:endParaRPr lang="en-US" dirty="0"/>
+          </a:p>
+        </p:txBody>
+      </p:sp>
+      <p:sp>
+        <p:nvSpPr>
+          <p:cNvPr id="21" name="TextBox 20">
+            <a:extLst>
+              <a:ext uri="{FF2B5EF4-FFF2-40B4-BE49-F238E27FC236}">
+                <a16:creationId xmlns:a16="http://schemas.microsoft.com/office/drawing/2014/main" id="{2E2F7325-AA87-9DD0-F324-164CD1BCCAC8}"/>
+              </a:ext>
+            </a:extLst>
+          </p:cNvPr>
+          <p:cNvSpPr txBox="1"/>
+          <p:nvPr/>
+        </p:nvSpPr>
+        <p:spPr>
+          <a:xfrm>
+            <a:off x="6722627" y="2446372"/>
             <a:ext cx="1242715" cy="276999"/>
           </a:xfrm>
           <a:prstGeom prst="rect">
@@ -7799,10 +6464,10 @@
       </p:sp>
       <p:sp>
         <p:nvSpPr>
-          <p:cNvPr id="13" name="TextBox 12">
-            <a:extLst>
-              <a:ext uri="{FF2B5EF4-FFF2-40B4-BE49-F238E27FC236}">
-                <a16:creationId xmlns:a16="http://schemas.microsoft.com/office/drawing/2014/main" id="{B8E64EA5-8B60-B3DC-9091-30003D6F7523}"/>
+          <p:cNvPr id="23" name="TextBox 22">
+            <a:extLst>
+              <a:ext uri="{FF2B5EF4-FFF2-40B4-BE49-F238E27FC236}">
+                <a16:creationId xmlns:a16="http://schemas.microsoft.com/office/drawing/2014/main" id="{956ADE46-6B66-B10D-63D1-86D6EF1523C0}"/>
               </a:ext>
             </a:extLst>
           </p:cNvPr>
@@ -7844,15 +6509,15 @@
       </p:sp>
       <p:cxnSp>
         <p:nvCxnSpPr>
-          <p:cNvPr id="14" name="Straight Arrow Connector 13">
-            <a:extLst>
-              <a:ext uri="{FF2B5EF4-FFF2-40B4-BE49-F238E27FC236}">
-                <a16:creationId xmlns:a16="http://schemas.microsoft.com/office/drawing/2014/main" id="{9193AC16-A016-D898-049F-6D4D5E724958}"/>
+          <p:cNvPr id="27" name="Straight Arrow Connector 26">
+            <a:extLst>
+              <a:ext uri="{FF2B5EF4-FFF2-40B4-BE49-F238E27FC236}">
+                <a16:creationId xmlns:a16="http://schemas.microsoft.com/office/drawing/2014/main" id="{C3BC1A83-E5DA-5AEB-9C82-CB5F3FCFDE9B}"/>
               </a:ext>
             </a:extLst>
           </p:cNvPr>
           <p:cNvCxnSpPr>
-            <a:stCxn id="13" idx="3"/>
+            <a:stCxn id="23" idx="3"/>
           </p:cNvCxnSpPr>
           <p:nvPr/>
         </p:nvCxnSpPr>
@@ -7885,10 +6550,10 @@
       </p:cxnSp>
       <p:sp>
         <p:nvSpPr>
-          <p:cNvPr id="15" name="TextBox 14">
-            <a:extLst>
-              <a:ext uri="{FF2B5EF4-FFF2-40B4-BE49-F238E27FC236}">
-                <a16:creationId xmlns:a16="http://schemas.microsoft.com/office/drawing/2014/main" id="{C4EFCDEF-E161-CE19-434D-7E22ADF20697}"/>
+          <p:cNvPr id="29" name="TextBox 28">
+            <a:extLst>
+              <a:ext uri="{FF2B5EF4-FFF2-40B4-BE49-F238E27FC236}">
+                <a16:creationId xmlns:a16="http://schemas.microsoft.com/office/drawing/2014/main" id="{26678043-B23B-82A4-2406-D77A39B2A0EB}"/>
               </a:ext>
             </a:extLst>
           </p:cNvPr>
@@ -7897,7 +6562,7 @@
         </p:nvSpPr>
         <p:spPr>
           <a:xfrm>
-            <a:off x="10149706" y="2381839"/>
+            <a:off x="10297787" y="2335673"/>
             <a:ext cx="1140404" cy="369332"/>
           </a:xfrm>
           <a:prstGeom prst="rect">
@@ -7921,10 +6586,10 @@
       </p:sp>
       <p:sp>
         <p:nvSpPr>
-          <p:cNvPr id="16" name="TextBox 15">
-            <a:extLst>
-              <a:ext uri="{FF2B5EF4-FFF2-40B4-BE49-F238E27FC236}">
-                <a16:creationId xmlns:a16="http://schemas.microsoft.com/office/drawing/2014/main" id="{6961A606-EEDD-78A5-6660-C72ED8BF4790}"/>
+          <p:cNvPr id="31" name="TextBox 30">
+            <a:extLst>
+              <a:ext uri="{FF2B5EF4-FFF2-40B4-BE49-F238E27FC236}">
+                <a16:creationId xmlns:a16="http://schemas.microsoft.com/office/drawing/2014/main" id="{1623C78F-31CF-3ECC-E15F-51266B3C528A}"/>
               </a:ext>
             </a:extLst>
           </p:cNvPr>
@@ -7933,7 +6598,7 @@
         </p:nvSpPr>
         <p:spPr>
           <a:xfrm>
-            <a:off x="6318339" y="3251689"/>
+            <a:off x="6661243" y="3120759"/>
             <a:ext cx="1242715" cy="276999"/>
           </a:xfrm>
           <a:prstGeom prst="rect">
@@ -7968,10 +6633,10 @@
       </p:sp>
       <p:sp>
         <p:nvSpPr>
-          <p:cNvPr id="17" name="TextBox 16">
-            <a:extLst>
-              <a:ext uri="{FF2B5EF4-FFF2-40B4-BE49-F238E27FC236}">
-                <a16:creationId xmlns:a16="http://schemas.microsoft.com/office/drawing/2014/main" id="{4C12E2C2-C6B0-8197-F3FC-4D2027A7C7D4}"/>
+          <p:cNvPr id="33" name="TextBox 32">
+            <a:extLst>
+              <a:ext uri="{FF2B5EF4-FFF2-40B4-BE49-F238E27FC236}">
+                <a16:creationId xmlns:a16="http://schemas.microsoft.com/office/drawing/2014/main" id="{7D72F484-F877-0F84-BBD8-8698156C55FF}"/>
               </a:ext>
             </a:extLst>
           </p:cNvPr>
@@ -7980,8 +6645,8 @@
         </p:nvSpPr>
         <p:spPr>
           <a:xfrm>
-            <a:off x="8478680" y="3252200"/>
-            <a:ext cx="1288000" cy="276999"/>
+            <a:off x="8314391" y="3118823"/>
+            <a:ext cx="1562492" cy="276999"/>
           </a:xfrm>
           <a:prstGeom prst="rect">
             <a:avLst/>
@@ -8015,10 +6680,10 @@
       </p:sp>
       <p:sp>
         <p:nvSpPr>
-          <p:cNvPr id="18" name="TextBox 17">
-            <a:extLst>
-              <a:ext uri="{FF2B5EF4-FFF2-40B4-BE49-F238E27FC236}">
-                <a16:creationId xmlns:a16="http://schemas.microsoft.com/office/drawing/2014/main" id="{CA5BE5F1-66D5-3FA4-9D35-304F8A943487}"/>
+          <p:cNvPr id="35" name="TextBox 34">
+            <a:extLst>
+              <a:ext uri="{FF2B5EF4-FFF2-40B4-BE49-F238E27FC236}">
+                <a16:creationId xmlns:a16="http://schemas.microsoft.com/office/drawing/2014/main" id="{203B9F0C-EC95-7ACA-4D99-3C355B02896B}"/>
               </a:ext>
             </a:extLst>
           </p:cNvPr>
@@ -8027,7 +6692,7 @@
         </p:nvSpPr>
         <p:spPr>
           <a:xfrm>
-            <a:off x="10251458" y="3164994"/>
+            <a:off x="10297787" y="3026490"/>
             <a:ext cx="1355103" cy="369332"/>
           </a:xfrm>
           <a:prstGeom prst="rect">
@@ -8051,10 +6716,10 @@
       </p:sp>
       <p:cxnSp>
         <p:nvCxnSpPr>
-          <p:cNvPr id="19" name="Straight Arrow Connector 18">
-            <a:extLst>
-              <a:ext uri="{FF2B5EF4-FFF2-40B4-BE49-F238E27FC236}">
-                <a16:creationId xmlns:a16="http://schemas.microsoft.com/office/drawing/2014/main" id="{EF07D2EB-99DC-B4EF-AE05-6D30093737F5}"/>
+          <p:cNvPr id="36" name="Straight Arrow Connector 35">
+            <a:extLst>
+              <a:ext uri="{FF2B5EF4-FFF2-40B4-BE49-F238E27FC236}">
+                <a16:creationId xmlns:a16="http://schemas.microsoft.com/office/drawing/2014/main" id="{1ECFFC68-637D-4542-962C-55C5E32BBD0A}"/>
               </a:ext>
             </a:extLst>
           </p:cNvPr>
@@ -8063,8 +6728,84 @@
         </p:nvCxnSpPr>
         <p:spPr>
           <a:xfrm flipV="1">
-            <a:off x="9742918" y="3364558"/>
+            <a:off x="9658992" y="3257321"/>
             <a:ext cx="508540" cy="1"/>
+          </a:xfrm>
+          <a:prstGeom prst="straightConnector1">
+            <a:avLst/>
+          </a:prstGeom>
+          <a:ln>
+            <a:tailEnd type="triangle"/>
+          </a:ln>
+        </p:spPr>
+        <p:style>
+          <a:lnRef idx="1">
+            <a:schemeClr val="accent1"/>
+          </a:lnRef>
+          <a:fillRef idx="0">
+            <a:schemeClr val="accent1"/>
+          </a:fillRef>
+          <a:effectRef idx="0">
+            <a:schemeClr val="accent1"/>
+          </a:effectRef>
+          <a:fontRef idx="minor">
+            <a:schemeClr val="tx1"/>
+          </a:fontRef>
+        </p:style>
+      </p:cxnSp>
+      <p:sp>
+        <p:nvSpPr>
+          <p:cNvPr id="37" name="TextBox 36">
+            <a:extLst>
+              <a:ext uri="{FF2B5EF4-FFF2-40B4-BE49-F238E27FC236}">
+                <a16:creationId xmlns:a16="http://schemas.microsoft.com/office/drawing/2014/main" id="{28236D96-ED4C-B796-3477-651071014F74}"/>
+              </a:ext>
+            </a:extLst>
+          </p:cNvPr>
+          <p:cNvSpPr txBox="1"/>
+          <p:nvPr/>
+        </p:nvSpPr>
+        <p:spPr>
+          <a:xfrm>
+            <a:off x="10042491" y="683089"/>
+            <a:ext cx="874598" cy="369332"/>
+          </a:xfrm>
+          <a:prstGeom prst="rect">
+            <a:avLst/>
+          </a:prstGeom>
+          <a:noFill/>
+        </p:spPr>
+        <p:txBody>
+          <a:bodyPr wrap="none" rtlCol="0">
+            <a:spAutoFit/>
+          </a:bodyPr>
+          <a:lstStyle/>
+          <a:p>
+            <a:r>
+              <a:rPr lang="en-US" dirty="0"/>
+              <a:t>List(12)</a:t>
+            </a:r>
+          </a:p>
+        </p:txBody>
+      </p:sp>
+      <p:cxnSp>
+        <p:nvCxnSpPr>
+          <p:cNvPr id="39" name="Straight Arrow Connector 38">
+            <a:extLst>
+              <a:ext uri="{FF2B5EF4-FFF2-40B4-BE49-F238E27FC236}">
+                <a16:creationId xmlns:a16="http://schemas.microsoft.com/office/drawing/2014/main" id="{79BF8896-98BB-E67A-3956-D2160CA5AB10}"/>
+              </a:ext>
+            </a:extLst>
+          </p:cNvPr>
+          <p:cNvCxnSpPr>
+            <a:endCxn id="37" idx="3"/>
+          </p:cNvCxnSpPr>
+          <p:nvPr/>
+        </p:nvCxnSpPr>
+        <p:spPr>
+          <a:xfrm flipH="1">
+            <a:off x="10917089" y="867755"/>
+            <a:ext cx="178259" cy="0"/>
           </a:xfrm>
           <a:prstGeom prst="straightConnector1">
             <a:avLst/>
@@ -8090,10 +6831,10 @@
       </p:cxnSp>
       <p:cxnSp>
         <p:nvCxnSpPr>
-          <p:cNvPr id="20" name="Straight Arrow Connector 19">
-            <a:extLst>
-              <a:ext uri="{FF2B5EF4-FFF2-40B4-BE49-F238E27FC236}">
-                <a16:creationId xmlns:a16="http://schemas.microsoft.com/office/drawing/2014/main" id="{B99CDCA3-BF9D-EBE2-73A0-E173EDF65005}"/>
+          <p:cNvPr id="40" name="Straight Arrow Connector 39">
+            <a:extLst>
+              <a:ext uri="{FF2B5EF4-FFF2-40B4-BE49-F238E27FC236}">
+                <a16:creationId xmlns:a16="http://schemas.microsoft.com/office/drawing/2014/main" id="{5BC27A05-3844-C875-37FD-54A22BFBDD1A}"/>
               </a:ext>
             </a:extLst>
           </p:cNvPr>
@@ -8104,6 +6845,472 @@
           <a:xfrm flipH="1">
             <a:off x="8293429" y="3257321"/>
             <a:ext cx="178259" cy="0"/>
+          </a:xfrm>
+          <a:prstGeom prst="straightConnector1">
+            <a:avLst/>
+          </a:prstGeom>
+          <a:ln>
+            <a:tailEnd type="triangle"/>
+          </a:ln>
+        </p:spPr>
+        <p:style>
+          <a:lnRef idx="1">
+            <a:schemeClr val="accent1"/>
+          </a:lnRef>
+          <a:fillRef idx="0">
+            <a:schemeClr val="accent1"/>
+          </a:fillRef>
+          <a:effectRef idx="0">
+            <a:schemeClr val="accent1"/>
+          </a:effectRef>
+          <a:fontRef idx="minor">
+            <a:schemeClr val="tx1"/>
+          </a:fontRef>
+        </p:style>
+      </p:cxnSp>
+      <p:sp>
+        <p:nvSpPr>
+          <p:cNvPr id="44" name="Rectangle 43">
+            <a:extLst>
+              <a:ext uri="{FF2B5EF4-FFF2-40B4-BE49-F238E27FC236}">
+                <a16:creationId xmlns:a16="http://schemas.microsoft.com/office/drawing/2014/main" id="{B7AD2ED2-71DE-4F86-E4C0-E9F527458BBF}"/>
+              </a:ext>
+            </a:extLst>
+          </p:cNvPr>
+          <p:cNvSpPr/>
+          <p:nvPr/>
+        </p:nvSpPr>
+        <p:spPr>
+          <a:xfrm>
+            <a:off x="1587500" y="1372443"/>
+            <a:ext cx="5135127" cy="5485557"/>
+          </a:xfrm>
+          <a:prstGeom prst="rect">
+            <a:avLst/>
+          </a:prstGeom>
+          <a:noFill/>
+        </p:spPr>
+        <p:style>
+          <a:lnRef idx="2">
+            <a:schemeClr val="accent1">
+              <a:shade val="15000"/>
+            </a:schemeClr>
+          </a:lnRef>
+          <a:fillRef idx="1">
+            <a:schemeClr val="accent1"/>
+          </a:fillRef>
+          <a:effectRef idx="0">
+            <a:schemeClr val="accent1"/>
+          </a:effectRef>
+          <a:fontRef idx="minor">
+            <a:schemeClr val="lt1"/>
+          </a:fontRef>
+        </p:style>
+        <p:txBody>
+          <a:bodyPr rtlCol="0" anchor="ctr"/>
+          <a:lstStyle/>
+          <a:p>
+            <a:pPr algn="ctr"/>
+            <a:endParaRPr lang="en-US"/>
+          </a:p>
+        </p:txBody>
+      </p:sp>
+      <p:sp>
+        <p:nvSpPr>
+          <p:cNvPr id="43" name="TextBox 42">
+            <a:extLst>
+              <a:ext uri="{FF2B5EF4-FFF2-40B4-BE49-F238E27FC236}">
+                <a16:creationId xmlns:a16="http://schemas.microsoft.com/office/drawing/2014/main" id="{F33E6C60-AA17-EB5C-1A99-4808F5B695C8}"/>
+              </a:ext>
+            </a:extLst>
+          </p:cNvPr>
+          <p:cNvSpPr txBox="1"/>
+          <p:nvPr/>
+        </p:nvSpPr>
+        <p:spPr>
+          <a:xfrm>
+            <a:off x="3558340" y="1223797"/>
+            <a:ext cx="1127959" cy="307777"/>
+          </a:xfrm>
+          <a:prstGeom prst="rect">
+            <a:avLst/>
+          </a:prstGeom>
+          <a:solidFill>
+            <a:schemeClr val="bg1"/>
+          </a:solidFill>
+        </p:spPr>
+        <p:txBody>
+          <a:bodyPr wrap="square">
+            <a:spAutoFit/>
+          </a:bodyPr>
+          <a:lstStyle/>
+          <a:p>
+            <a:pPr algn="ctr"/>
+            <a:r>
+              <a:rPr lang="en-US" sz="1400" b="1" dirty="0" err="1"/>
+              <a:t>mainPanel</a:t>
+            </a:r>
+            <a:endParaRPr lang="en-US" sz="1400" b="1" dirty="0"/>
+          </a:p>
+        </p:txBody>
+      </p:sp>
+      <p:sp>
+        <p:nvSpPr>
+          <p:cNvPr id="46" name="Rectangle 45">
+            <a:extLst>
+              <a:ext uri="{FF2B5EF4-FFF2-40B4-BE49-F238E27FC236}">
+                <a16:creationId xmlns:a16="http://schemas.microsoft.com/office/drawing/2014/main" id="{810A9917-5895-E22D-42A8-C806AC0960E7}"/>
+              </a:ext>
+            </a:extLst>
+          </p:cNvPr>
+          <p:cNvSpPr/>
+          <p:nvPr/>
+        </p:nvSpPr>
+        <p:spPr>
+          <a:xfrm>
+            <a:off x="6725782" y="1395622"/>
+            <a:ext cx="2642561" cy="5485557"/>
+          </a:xfrm>
+          <a:prstGeom prst="rect">
+            <a:avLst/>
+          </a:prstGeom>
+          <a:noFill/>
+        </p:spPr>
+        <p:style>
+          <a:lnRef idx="2">
+            <a:schemeClr val="accent1">
+              <a:shade val="15000"/>
+            </a:schemeClr>
+          </a:lnRef>
+          <a:fillRef idx="1">
+            <a:schemeClr val="accent1"/>
+          </a:fillRef>
+          <a:effectRef idx="0">
+            <a:schemeClr val="accent1"/>
+          </a:effectRef>
+          <a:fontRef idx="minor">
+            <a:schemeClr val="lt1"/>
+          </a:fontRef>
+        </p:style>
+        <p:txBody>
+          <a:bodyPr rtlCol="0" anchor="ctr"/>
+          <a:lstStyle/>
+          <a:p>
+            <a:pPr algn="ctr"/>
+            <a:endParaRPr lang="en-US"/>
+          </a:p>
+        </p:txBody>
+      </p:sp>
+      <p:sp>
+        <p:nvSpPr>
+          <p:cNvPr id="45" name="TextBox 44">
+            <a:extLst>
+              <a:ext uri="{FF2B5EF4-FFF2-40B4-BE49-F238E27FC236}">
+                <a16:creationId xmlns:a16="http://schemas.microsoft.com/office/drawing/2014/main" id="{A7DC41DA-62C7-C598-5060-044F9B0AB895}"/>
+              </a:ext>
+            </a:extLst>
+          </p:cNvPr>
+          <p:cNvSpPr txBox="1"/>
+          <p:nvPr/>
+        </p:nvSpPr>
+        <p:spPr>
+          <a:xfrm>
+            <a:off x="7459878" y="1266500"/>
+            <a:ext cx="1127959" cy="307777"/>
+          </a:xfrm>
+          <a:prstGeom prst="rect">
+            <a:avLst/>
+          </a:prstGeom>
+          <a:solidFill>
+            <a:schemeClr val="bg1"/>
+          </a:solidFill>
+        </p:spPr>
+        <p:txBody>
+          <a:bodyPr wrap="square">
+            <a:spAutoFit/>
+          </a:bodyPr>
+          <a:lstStyle/>
+          <a:p>
+            <a:pPr algn="ctr"/>
+            <a:r>
+              <a:rPr lang="en-US" sz="1400" b="1" dirty="0"/>
+              <a:t>sidebar</a:t>
+            </a:r>
+          </a:p>
+        </p:txBody>
+      </p:sp>
+      <p:sp>
+        <p:nvSpPr>
+          <p:cNvPr id="47" name="TextBox 46">
+            <a:extLst>
+              <a:ext uri="{FF2B5EF4-FFF2-40B4-BE49-F238E27FC236}">
+                <a16:creationId xmlns:a16="http://schemas.microsoft.com/office/drawing/2014/main" id="{7690E482-EE93-9FE9-3188-C88718B8CE4A}"/>
+              </a:ext>
+            </a:extLst>
+          </p:cNvPr>
+          <p:cNvSpPr txBox="1"/>
+          <p:nvPr/>
+        </p:nvSpPr>
+        <p:spPr>
+          <a:xfrm>
+            <a:off x="8042951" y="3824759"/>
+            <a:ext cx="1178609" cy="646331"/>
+          </a:xfrm>
+          <a:prstGeom prst="rect">
+            <a:avLst/>
+          </a:prstGeom>
+          <a:noFill/>
+        </p:spPr>
+        <p:txBody>
+          <a:bodyPr wrap="square" rtlCol="0">
+            <a:spAutoFit/>
+          </a:bodyPr>
+          <a:lstStyle/>
+          <a:p>
+            <a:pPr algn="ctr"/>
+            <a:r>
+              <a:rPr lang="he-IL" dirty="0"/>
+              <a:t>רשימת תרחישים</a:t>
+            </a:r>
+            <a:endParaRPr lang="en-US" dirty="0"/>
+          </a:p>
+        </p:txBody>
+      </p:sp>
+      <p:sp>
+        <p:nvSpPr>
+          <p:cNvPr id="48" name="TextBox 47">
+            <a:extLst>
+              <a:ext uri="{FF2B5EF4-FFF2-40B4-BE49-F238E27FC236}">
+                <a16:creationId xmlns:a16="http://schemas.microsoft.com/office/drawing/2014/main" id="{D26B882A-7E19-A119-4B50-CB86277EDAEA}"/>
+              </a:ext>
+            </a:extLst>
+          </p:cNvPr>
+          <p:cNvSpPr txBox="1"/>
+          <p:nvPr/>
+        </p:nvSpPr>
+        <p:spPr>
+          <a:xfrm>
+            <a:off x="6825655" y="3824759"/>
+            <a:ext cx="1178609" cy="369332"/>
+          </a:xfrm>
+          <a:prstGeom prst="rect">
+            <a:avLst/>
+          </a:prstGeom>
+          <a:noFill/>
+        </p:spPr>
+        <p:txBody>
+          <a:bodyPr wrap="square" rtlCol="0">
+            <a:spAutoFit/>
+          </a:bodyPr>
+          <a:lstStyle/>
+          <a:p>
+            <a:pPr algn="ctr"/>
+            <a:r>
+              <a:rPr lang="he-IL" dirty="0"/>
+              <a:t>שנים</a:t>
+            </a:r>
+            <a:endParaRPr lang="en-US" dirty="0"/>
+          </a:p>
+        </p:txBody>
+      </p:sp>
+      <p:sp>
+        <p:nvSpPr>
+          <p:cNvPr id="49" name="TextBox 48">
+            <a:extLst>
+              <a:ext uri="{FF2B5EF4-FFF2-40B4-BE49-F238E27FC236}">
+                <a16:creationId xmlns:a16="http://schemas.microsoft.com/office/drawing/2014/main" id="{124D437B-669E-C7B1-0768-58A24641FB7A}"/>
+              </a:ext>
+            </a:extLst>
+          </p:cNvPr>
+          <p:cNvSpPr txBox="1"/>
+          <p:nvPr/>
+        </p:nvSpPr>
+        <p:spPr>
+          <a:xfrm>
+            <a:off x="8131156" y="4531769"/>
+            <a:ext cx="1018227" cy="461665"/>
+          </a:xfrm>
+          <a:prstGeom prst="rect">
+            <a:avLst/>
+          </a:prstGeom>
+          <a:solidFill>
+            <a:schemeClr val="accent4">
+              <a:lumMod val="20000"/>
+              <a:lumOff val="80000"/>
+            </a:schemeClr>
+          </a:solidFill>
+        </p:spPr>
+        <p:txBody>
+          <a:bodyPr wrap="none" rtlCol="0">
+            <a:spAutoFit/>
+          </a:bodyPr>
+          <a:lstStyle/>
+          <a:p>
+            <a:r>
+              <a:rPr lang="he-IL" sz="1200" b="1" dirty="0"/>
+              <a:t>המשך מגמות</a:t>
+            </a:r>
+          </a:p>
+          <a:p>
+            <a:r>
+              <a:rPr lang="he-IL" sz="1200" dirty="0" err="1"/>
+              <a:t>אטרטגיה</a:t>
+            </a:r>
+            <a:r>
+              <a:rPr lang="he-IL" sz="1200" dirty="0"/>
+              <a:t> דיור</a:t>
+            </a:r>
+            <a:endParaRPr lang="en-US" sz="1200" dirty="0"/>
+          </a:p>
+        </p:txBody>
+      </p:sp>
+      <p:sp>
+        <p:nvSpPr>
+          <p:cNvPr id="50" name="TextBox 49">
+            <a:extLst>
+              <a:ext uri="{FF2B5EF4-FFF2-40B4-BE49-F238E27FC236}">
+                <a16:creationId xmlns:a16="http://schemas.microsoft.com/office/drawing/2014/main" id="{9DF6B048-380A-2F72-6EBE-A91D1D72CD22}"/>
+              </a:ext>
+            </a:extLst>
+          </p:cNvPr>
+          <p:cNvSpPr txBox="1"/>
+          <p:nvPr/>
+        </p:nvSpPr>
+        <p:spPr>
+          <a:xfrm>
+            <a:off x="7122115" y="4448508"/>
+            <a:ext cx="524503" cy="646331"/>
+          </a:xfrm>
+          <a:prstGeom prst="rect">
+            <a:avLst/>
+          </a:prstGeom>
+          <a:solidFill>
+            <a:schemeClr val="accent4">
+              <a:lumMod val="20000"/>
+              <a:lumOff val="80000"/>
+            </a:schemeClr>
+          </a:solidFill>
+        </p:spPr>
+        <p:txBody>
+          <a:bodyPr wrap="none" rtlCol="0">
+            <a:spAutoFit/>
+          </a:bodyPr>
+          <a:lstStyle/>
+          <a:p>
+            <a:r>
+              <a:rPr lang="he-IL" sz="1200" dirty="0"/>
+              <a:t>2020</a:t>
+            </a:r>
+          </a:p>
+          <a:p>
+            <a:r>
+              <a:rPr lang="he-IL" sz="1200" b="1" dirty="0"/>
+              <a:t>2030</a:t>
+            </a:r>
+          </a:p>
+          <a:p>
+            <a:r>
+              <a:rPr lang="he-IL" sz="1200" dirty="0"/>
+              <a:t>2040</a:t>
+            </a:r>
+            <a:endParaRPr lang="en-US" sz="1200" dirty="0"/>
+          </a:p>
+        </p:txBody>
+      </p:sp>
+      <p:sp>
+        <p:nvSpPr>
+          <p:cNvPr id="51" name="TextBox 50">
+            <a:extLst>
+              <a:ext uri="{FF2B5EF4-FFF2-40B4-BE49-F238E27FC236}">
+                <a16:creationId xmlns:a16="http://schemas.microsoft.com/office/drawing/2014/main" id="{444D208C-AB2B-701E-E4B7-30261E432BB2}"/>
+              </a:ext>
+            </a:extLst>
+          </p:cNvPr>
+          <p:cNvSpPr txBox="1"/>
+          <p:nvPr/>
+        </p:nvSpPr>
+        <p:spPr>
+          <a:xfrm>
+            <a:off x="7076133" y="5156713"/>
+            <a:ext cx="2085642" cy="369332"/>
+          </a:xfrm>
+          <a:prstGeom prst="rect">
+            <a:avLst/>
+          </a:prstGeom>
+          <a:noFill/>
+        </p:spPr>
+        <p:txBody>
+          <a:bodyPr wrap="square" rtlCol="0">
+            <a:spAutoFit/>
+          </a:bodyPr>
+          <a:lstStyle/>
+          <a:p>
+            <a:pPr algn="ctr"/>
+            <a:r>
+              <a:rPr lang="he-IL" dirty="0"/>
+              <a:t>רשימת משתנים</a:t>
+            </a:r>
+            <a:endParaRPr lang="en-US" dirty="0"/>
+          </a:p>
+        </p:txBody>
+      </p:sp>
+      <p:sp>
+        <p:nvSpPr>
+          <p:cNvPr id="52" name="TextBox 51">
+            <a:extLst>
+              <a:ext uri="{FF2B5EF4-FFF2-40B4-BE49-F238E27FC236}">
+                <a16:creationId xmlns:a16="http://schemas.microsoft.com/office/drawing/2014/main" id="{4EE99801-D2A3-53A2-7145-83CA3A445804}"/>
+              </a:ext>
+            </a:extLst>
+          </p:cNvPr>
+          <p:cNvSpPr txBox="1"/>
+          <p:nvPr/>
+        </p:nvSpPr>
+        <p:spPr>
+          <a:xfrm>
+            <a:off x="7707220" y="5480668"/>
+            <a:ext cx="782587" cy="276999"/>
+          </a:xfrm>
+          <a:prstGeom prst="rect">
+            <a:avLst/>
+          </a:prstGeom>
+          <a:solidFill>
+            <a:schemeClr val="accent4">
+              <a:lumMod val="20000"/>
+              <a:lumOff val="80000"/>
+            </a:schemeClr>
+          </a:solidFill>
+        </p:spPr>
+        <p:txBody>
+          <a:bodyPr wrap="none" rtlCol="0">
+            <a:spAutoFit/>
+          </a:bodyPr>
+          <a:lstStyle/>
+          <a:p>
+            <a:r>
+              <a:rPr lang="he-IL" sz="1200" b="1" dirty="0"/>
+              <a:t>אוכלוסייה</a:t>
+            </a:r>
+            <a:endParaRPr lang="en-US" sz="1200" dirty="0"/>
+          </a:p>
+        </p:txBody>
+      </p:sp>
+      <p:cxnSp>
+        <p:nvCxnSpPr>
+          <p:cNvPr id="56" name="Straight Arrow Connector 55">
+            <a:extLst>
+              <a:ext uri="{FF2B5EF4-FFF2-40B4-BE49-F238E27FC236}">
+                <a16:creationId xmlns:a16="http://schemas.microsoft.com/office/drawing/2014/main" id="{71DEF7A1-9676-DA28-B205-9C06D48A2090}"/>
+              </a:ext>
+            </a:extLst>
+          </p:cNvPr>
+          <p:cNvCxnSpPr/>
+          <p:nvPr/>
+        </p:nvCxnSpPr>
+        <p:spPr>
+          <a:xfrm>
+            <a:off x="820878" y="4448508"/>
+            <a:ext cx="3301441" cy="0"/>
           </a:xfrm>
           <a:prstGeom prst="straightConnector1">
             <a:avLst/>
@@ -8129,10 +7336,10 @@
       </p:cxnSp>
       <p:cxnSp>
         <p:nvCxnSpPr>
-          <p:cNvPr id="21" name="Straight Connector 20">
-            <a:extLst>
-              <a:ext uri="{FF2B5EF4-FFF2-40B4-BE49-F238E27FC236}">
-                <a16:creationId xmlns:a16="http://schemas.microsoft.com/office/drawing/2014/main" id="{658A4432-51DA-C6B0-053A-3AB2CD3BB882}"/>
+          <p:cNvPr id="4" name="Straight Connector 3">
+            <a:extLst>
+              <a:ext uri="{FF2B5EF4-FFF2-40B4-BE49-F238E27FC236}">
+                <a16:creationId xmlns:a16="http://schemas.microsoft.com/office/drawing/2014/main" id="{B3C81381-074E-5130-57EE-24EDF8BBA7AC}"/>
               </a:ext>
             </a:extLst>
           </p:cNvPr>
@@ -8166,7 +7373,7 @@
     </p:spTree>
     <p:extLst>
       <p:ext uri="{BB962C8B-B14F-4D97-AF65-F5344CB8AC3E}">
-        <p14:creationId xmlns:p14="http://schemas.microsoft.com/office/powerpoint/2010/main" val="2037642269"/>
+        <p14:creationId xmlns:p14="http://schemas.microsoft.com/office/powerpoint/2010/main" val="3254842822"/>
       </p:ext>
     </p:extLst>
   </p:cSld>
@@ -8198,7 +7405,7 @@
           <p:cNvPr id="3" name="Picture 2">
             <a:extLst>
               <a:ext uri="{FF2B5EF4-FFF2-40B4-BE49-F238E27FC236}">
-                <a16:creationId xmlns:a16="http://schemas.microsoft.com/office/drawing/2014/main" id="{731A6696-FACF-D837-1D47-8C099485FE7F}"/>
+                <a16:creationId xmlns:a16="http://schemas.microsoft.com/office/drawing/2014/main" id="{70ED6760-A76F-4D59-165F-552720F6CD92}"/>
               </a:ext>
             </a:extLst>
           </p:cNvPr>
@@ -8215,20 +7422,230 @@
         </p:blipFill>
         <p:spPr>
           <a:xfrm>
-            <a:off x="0" y="419420"/>
-            <a:ext cx="12192000" cy="6019160"/>
+            <a:off x="2582617" y="0"/>
+            <a:ext cx="7026765" cy="6858000"/>
           </a:xfrm>
           <a:prstGeom prst="rect">
             <a:avLst/>
           </a:prstGeom>
         </p:spPr>
       </p:pic>
+      <p:sp>
+        <p:nvSpPr>
+          <p:cNvPr id="4" name="TextBox 3">
+            <a:extLst>
+              <a:ext uri="{FF2B5EF4-FFF2-40B4-BE49-F238E27FC236}">
+                <a16:creationId xmlns:a16="http://schemas.microsoft.com/office/drawing/2014/main" id="{4A1C8CAD-3E5B-7FE3-3730-0B924357C33C}"/>
+              </a:ext>
+            </a:extLst>
+          </p:cNvPr>
+          <p:cNvSpPr txBox="1"/>
+          <p:nvPr/>
+        </p:nvSpPr>
+        <p:spPr>
+          <a:xfrm>
+            <a:off x="7710478" y="4530483"/>
+            <a:ext cx="1586773" cy="307777"/>
+          </a:xfrm>
+          <a:prstGeom prst="rect">
+            <a:avLst/>
+          </a:prstGeom>
+          <a:noFill/>
+        </p:spPr>
+        <p:txBody>
+          <a:bodyPr wrap="square" rtlCol="0">
+            <a:spAutoFit/>
+          </a:bodyPr>
+          <a:lstStyle/>
+          <a:p>
+            <a:pPr algn="ctr"/>
+            <a:r>
+              <a:rPr lang="he-IL" sz="1400" b="1" dirty="0"/>
+              <a:t>בחר משתנה/ים</a:t>
+            </a:r>
+            <a:endParaRPr lang="en-US" sz="1400" b="1" dirty="0"/>
+          </a:p>
+        </p:txBody>
+      </p:sp>
+      <p:sp>
+        <p:nvSpPr>
+          <p:cNvPr id="5" name="TextBox 4">
+            <a:extLst>
+              <a:ext uri="{FF2B5EF4-FFF2-40B4-BE49-F238E27FC236}">
+                <a16:creationId xmlns:a16="http://schemas.microsoft.com/office/drawing/2014/main" id="{07E9D7C6-4FDF-C9CB-74AA-5A0B2C91DD4E}"/>
+              </a:ext>
+            </a:extLst>
+          </p:cNvPr>
+          <p:cNvSpPr txBox="1"/>
+          <p:nvPr/>
+        </p:nvSpPr>
+        <p:spPr>
+          <a:xfrm>
+            <a:off x="8110149" y="4915059"/>
+            <a:ext cx="782587" cy="276999"/>
+          </a:xfrm>
+          <a:prstGeom prst="rect">
+            <a:avLst/>
+          </a:prstGeom>
+          <a:solidFill>
+            <a:schemeClr val="accent4">
+              <a:lumMod val="20000"/>
+              <a:lumOff val="80000"/>
+            </a:schemeClr>
+          </a:solidFill>
+        </p:spPr>
+        <p:txBody>
+          <a:bodyPr wrap="none" rtlCol="0">
+            <a:spAutoFit/>
+          </a:bodyPr>
+          <a:lstStyle/>
+          <a:p>
+            <a:r>
+              <a:rPr lang="he-IL" sz="1200" b="1" dirty="0"/>
+              <a:t>אוכלוסייה</a:t>
+            </a:r>
+            <a:endParaRPr lang="en-US" sz="1200" dirty="0"/>
+          </a:p>
+        </p:txBody>
+      </p:sp>
+      <p:sp>
+        <p:nvSpPr>
+          <p:cNvPr id="6" name="TextBox 5">
+            <a:extLst>
+              <a:ext uri="{FF2B5EF4-FFF2-40B4-BE49-F238E27FC236}">
+                <a16:creationId xmlns:a16="http://schemas.microsoft.com/office/drawing/2014/main" id="{0D46FF72-AD74-00AE-6254-B9C368539940}"/>
+              </a:ext>
+            </a:extLst>
+          </p:cNvPr>
+          <p:cNvSpPr txBox="1"/>
+          <p:nvPr/>
+        </p:nvSpPr>
+        <p:spPr>
+          <a:xfrm>
+            <a:off x="7705634" y="5352183"/>
+            <a:ext cx="1591617" cy="307777"/>
+          </a:xfrm>
+          <a:prstGeom prst="rect">
+            <a:avLst/>
+          </a:prstGeom>
+          <a:noFill/>
+        </p:spPr>
+        <p:txBody>
+          <a:bodyPr wrap="square" rtlCol="0">
+            <a:spAutoFit/>
+          </a:bodyPr>
+          <a:lstStyle/>
+          <a:p>
+            <a:r>
+              <a:rPr lang="he-IL" sz="1400" b="1" dirty="0"/>
+              <a:t>בחר סוג עיבוד</a:t>
+            </a:r>
+            <a:endParaRPr lang="en-US" sz="1400" b="1" dirty="0"/>
+          </a:p>
+        </p:txBody>
+      </p:sp>
+      <p:sp>
+        <p:nvSpPr>
+          <p:cNvPr id="7" name="TextBox 6">
+            <a:extLst>
+              <a:ext uri="{FF2B5EF4-FFF2-40B4-BE49-F238E27FC236}">
+                <a16:creationId xmlns:a16="http://schemas.microsoft.com/office/drawing/2014/main" id="{250BEE6E-4456-99CE-7B7F-0C1EC983DDC1}"/>
+              </a:ext>
+            </a:extLst>
+          </p:cNvPr>
+          <p:cNvSpPr txBox="1"/>
+          <p:nvPr/>
+        </p:nvSpPr>
+        <p:spPr>
+          <a:xfrm>
+            <a:off x="8186292" y="5736759"/>
+            <a:ext cx="630301" cy="461665"/>
+          </a:xfrm>
+          <a:prstGeom prst="rect">
+            <a:avLst/>
+          </a:prstGeom>
+          <a:solidFill>
+            <a:schemeClr val="accent4">
+              <a:lumMod val="20000"/>
+              <a:lumOff val="80000"/>
+            </a:schemeClr>
+          </a:solidFill>
+        </p:spPr>
+        <p:txBody>
+          <a:bodyPr wrap="none" rtlCol="0">
+            <a:spAutoFit/>
+          </a:bodyPr>
+          <a:lstStyle/>
+          <a:p>
+            <a:r>
+              <a:rPr lang="he-IL" sz="1200" b="1" dirty="0"/>
+              <a:t>ערכים</a:t>
+            </a:r>
+          </a:p>
+          <a:p>
+            <a:r>
+              <a:rPr lang="he-IL" sz="1200" b="1" dirty="0"/>
+              <a:t>צפיפות</a:t>
+            </a:r>
+          </a:p>
+        </p:txBody>
+      </p:sp>
+      <p:sp>
+        <p:nvSpPr>
+          <p:cNvPr id="8" name="Rectangle: Rounded Corners 7">
+            <a:extLst>
+              <a:ext uri="{FF2B5EF4-FFF2-40B4-BE49-F238E27FC236}">
+                <a16:creationId xmlns:a16="http://schemas.microsoft.com/office/drawing/2014/main" id="{162091A9-9217-CF04-BDB1-8E007DEA8948}"/>
+              </a:ext>
+            </a:extLst>
+          </p:cNvPr>
+          <p:cNvSpPr/>
+          <p:nvPr/>
+        </p:nvSpPr>
+        <p:spPr>
+          <a:xfrm>
+            <a:off x="7481813" y="6275223"/>
+            <a:ext cx="2039259" cy="384866"/>
+          </a:xfrm>
+          <a:prstGeom prst="roundRect">
+            <a:avLst/>
+          </a:prstGeom>
+        </p:spPr>
+        <p:style>
+          <a:lnRef idx="2">
+            <a:schemeClr val="accent1">
+              <a:shade val="15000"/>
+            </a:schemeClr>
+          </a:lnRef>
+          <a:fillRef idx="1">
+            <a:schemeClr val="accent1"/>
+          </a:fillRef>
+          <a:effectRef idx="0">
+            <a:schemeClr val="accent1"/>
+          </a:effectRef>
+          <a:fontRef idx="minor">
+            <a:schemeClr val="lt1"/>
+          </a:fontRef>
+        </p:style>
+        <p:txBody>
+          <a:bodyPr rtlCol="0" anchor="ctr"/>
+          <a:lstStyle/>
+          <a:p>
+            <a:pPr algn="ctr"/>
+            <a:r>
+              <a:rPr lang="he-IL" dirty="0"/>
+              <a:t>בצע</a:t>
+            </a:r>
+            <a:endParaRPr lang="en-US" dirty="0"/>
+          </a:p>
+        </p:txBody>
+      </p:sp>
       <p:cxnSp>
         <p:nvCxnSpPr>
-          <p:cNvPr id="5" name="Straight Arrow Connector 4">
-            <a:extLst>
-              <a:ext uri="{FF2B5EF4-FFF2-40B4-BE49-F238E27FC236}">
-                <a16:creationId xmlns:a16="http://schemas.microsoft.com/office/drawing/2014/main" id="{B96913FF-84C7-7B7B-3AEA-0CCC3EF69784}"/>
+          <p:cNvPr id="10" name="Straight Arrow Connector 9">
+            <a:extLst>
+              <a:ext uri="{FF2B5EF4-FFF2-40B4-BE49-F238E27FC236}">
+                <a16:creationId xmlns:a16="http://schemas.microsoft.com/office/drawing/2014/main" id="{DD86BC65-7942-627A-775B-1C4093395F54}"/>
               </a:ext>
             </a:extLst>
           </p:cNvPr>
@@ -8236,9 +7653,9 @@
           <p:nvPr/>
         </p:nvCxnSpPr>
         <p:spPr>
-          <a:xfrm flipV="1">
-            <a:off x="301658" y="1885360"/>
-            <a:ext cx="471340" cy="2894029"/>
+          <a:xfrm>
+            <a:off x="2582617" y="1244338"/>
+            <a:ext cx="226571" cy="0"/>
           </a:xfrm>
           <a:prstGeom prst="straightConnector1">
             <a:avLst/>
@@ -8264,10 +7681,10 @@
       </p:cxnSp>
       <p:sp>
         <p:nvSpPr>
-          <p:cNvPr id="6" name="TextBox 5">
-            <a:extLst>
-              <a:ext uri="{FF2B5EF4-FFF2-40B4-BE49-F238E27FC236}">
-                <a16:creationId xmlns:a16="http://schemas.microsoft.com/office/drawing/2014/main" id="{F91AA5EA-23C5-2DA4-9654-ECD9F66C3977}"/>
+          <p:cNvPr id="11" name="TextBox 10">
+            <a:extLst>
+              <a:ext uri="{FF2B5EF4-FFF2-40B4-BE49-F238E27FC236}">
+                <a16:creationId xmlns:a16="http://schemas.microsoft.com/office/drawing/2014/main" id="{1634D45D-E808-DC03-6345-59C5EFAD1D9D}"/>
               </a:ext>
             </a:extLst>
           </p:cNvPr>
@@ -8276,7 +7693,7 @@
         </p:nvSpPr>
         <p:spPr>
           <a:xfrm>
-            <a:off x="84841" y="4466617"/>
+            <a:off x="5128181" y="865469"/>
             <a:ext cx="1653017" cy="369332"/>
           </a:xfrm>
           <a:prstGeom prst="rect">
@@ -8306,10 +7723,511 @@
           </a:p>
         </p:txBody>
       </p:sp>
+      <p:sp>
+        <p:nvSpPr>
+          <p:cNvPr id="12" name="TextBox 11">
+            <a:extLst>
+              <a:ext uri="{FF2B5EF4-FFF2-40B4-BE49-F238E27FC236}">
+                <a16:creationId xmlns:a16="http://schemas.microsoft.com/office/drawing/2014/main" id="{3CA610E4-7546-973B-2238-F00FB996EEC9}"/>
+              </a:ext>
+            </a:extLst>
+          </p:cNvPr>
+          <p:cNvSpPr txBox="1"/>
+          <p:nvPr/>
+        </p:nvSpPr>
+        <p:spPr>
+          <a:xfrm>
+            <a:off x="11228735" y="3835122"/>
+            <a:ext cx="848309" cy="261610"/>
+          </a:xfrm>
+          <a:prstGeom prst="rect">
+            <a:avLst/>
+          </a:prstGeom>
+          <a:solidFill>
+            <a:schemeClr val="accent1">
+              <a:lumMod val="20000"/>
+              <a:lumOff val="80000"/>
+            </a:schemeClr>
+          </a:solidFill>
+        </p:spPr>
+        <p:txBody>
+          <a:bodyPr wrap="none" rtlCol="0">
+            <a:spAutoFit/>
+          </a:bodyPr>
+          <a:lstStyle/>
+          <a:p>
+            <a:r>
+              <a:rPr lang="he-IL" sz="1050" b="1" dirty="0"/>
+              <a:t>בחר שנה/ים</a:t>
+            </a:r>
+            <a:endParaRPr lang="en-US" sz="1050" b="1" dirty="0"/>
+          </a:p>
+        </p:txBody>
+      </p:sp>
+      <p:cxnSp>
+        <p:nvCxnSpPr>
+          <p:cNvPr id="2" name="Straight Arrow Connector 1">
+            <a:extLst>
+              <a:ext uri="{FF2B5EF4-FFF2-40B4-BE49-F238E27FC236}">
+                <a16:creationId xmlns:a16="http://schemas.microsoft.com/office/drawing/2014/main" id="{C4D5C842-3CB8-00CC-D648-8E2519FDC478}"/>
+              </a:ext>
+            </a:extLst>
+          </p:cNvPr>
+          <p:cNvCxnSpPr/>
+          <p:nvPr/>
+        </p:nvCxnSpPr>
+        <p:spPr>
+          <a:xfrm flipH="1">
+            <a:off x="7675066" y="2837468"/>
+            <a:ext cx="348792" cy="150829"/>
+          </a:xfrm>
+          <a:prstGeom prst="straightConnector1">
+            <a:avLst/>
+          </a:prstGeom>
+          <a:ln>
+            <a:tailEnd type="triangle"/>
+          </a:ln>
+        </p:spPr>
+        <p:style>
+          <a:lnRef idx="1">
+            <a:schemeClr val="accent2"/>
+          </a:lnRef>
+          <a:fillRef idx="0">
+            <a:schemeClr val="accent2"/>
+          </a:fillRef>
+          <a:effectRef idx="0">
+            <a:schemeClr val="accent2"/>
+          </a:effectRef>
+          <a:fontRef idx="minor">
+            <a:schemeClr val="tx1"/>
+          </a:fontRef>
+        </p:style>
+      </p:cxnSp>
+      <p:sp>
+        <p:nvSpPr>
+          <p:cNvPr id="9" name="TextBox 8">
+            <a:extLst>
+              <a:ext uri="{FF2B5EF4-FFF2-40B4-BE49-F238E27FC236}">
+                <a16:creationId xmlns:a16="http://schemas.microsoft.com/office/drawing/2014/main" id="{F3CAD155-1C22-8E0A-790E-A74D87754246}"/>
+              </a:ext>
+            </a:extLst>
+          </p:cNvPr>
+          <p:cNvSpPr txBox="1"/>
+          <p:nvPr/>
+        </p:nvSpPr>
+        <p:spPr>
+          <a:xfrm>
+            <a:off x="6432351" y="2539872"/>
+            <a:ext cx="1242715" cy="276999"/>
+          </a:xfrm>
+          <a:prstGeom prst="rect">
+            <a:avLst/>
+          </a:prstGeom>
+          <a:noFill/>
+        </p:spPr>
+        <p:txBody>
+          <a:bodyPr wrap="square">
+            <a:spAutoFit/>
+          </a:bodyPr>
+          <a:lstStyle>
+            <a:defPPr>
+              <a:defRPr lang="en-US"/>
+            </a:defPPr>
+            <a:lvl1pPr algn="ctr">
+              <a:defRPr sz="1200">
+                <a:highlight>
+                  <a:srgbClr val="FFFF00"/>
+                </a:highlight>
+              </a:defRPr>
+            </a:lvl1pPr>
+          </a:lstStyle>
+          <a:p>
+            <a:r>
+              <a:rPr lang="en-US" dirty="0" err="1">
+                <a:highlight>
+                  <a:srgbClr val="00FFFF"/>
+                </a:highlight>
+              </a:rPr>
+              <a:t>cfg$scnsources</a:t>
+            </a:r>
+            <a:endParaRPr lang="en-US" dirty="0">
+              <a:highlight>
+                <a:srgbClr val="00FFFF"/>
+              </a:highlight>
+            </a:endParaRPr>
+          </a:p>
+        </p:txBody>
+      </p:sp>
+      <p:sp>
+        <p:nvSpPr>
+          <p:cNvPr id="13" name="TextBox 12">
+            <a:extLst>
+              <a:ext uri="{FF2B5EF4-FFF2-40B4-BE49-F238E27FC236}">
+                <a16:creationId xmlns:a16="http://schemas.microsoft.com/office/drawing/2014/main" id="{B8E64EA5-8B60-B3DC-9091-30003D6F7523}"/>
+              </a:ext>
+            </a:extLst>
+          </p:cNvPr>
+          <p:cNvSpPr txBox="1"/>
+          <p:nvPr/>
+        </p:nvSpPr>
+        <p:spPr>
+          <a:xfrm>
+            <a:off x="8382559" y="2428006"/>
+            <a:ext cx="1242715" cy="276999"/>
+          </a:xfrm>
+          <a:prstGeom prst="rect">
+            <a:avLst/>
+          </a:prstGeom>
+          <a:noFill/>
+        </p:spPr>
+        <p:txBody>
+          <a:bodyPr wrap="square">
+            <a:spAutoFit/>
+          </a:bodyPr>
+          <a:lstStyle/>
+          <a:p>
+            <a:pPr algn="ctr"/>
+            <a:r>
+              <a:rPr lang="en-US" sz="1200" dirty="0" err="1">
+                <a:highlight>
+                  <a:srgbClr val="FFFF00"/>
+                </a:highlight>
+              </a:rPr>
+              <a:t>input$selectSrc</a:t>
+            </a:r>
+            <a:endParaRPr lang="en-US" sz="1200" dirty="0">
+              <a:highlight>
+                <a:srgbClr val="FFFF00"/>
+              </a:highlight>
+            </a:endParaRPr>
+          </a:p>
+        </p:txBody>
+      </p:sp>
+      <p:cxnSp>
+        <p:nvCxnSpPr>
+          <p:cNvPr id="14" name="Straight Arrow Connector 13">
+            <a:extLst>
+              <a:ext uri="{FF2B5EF4-FFF2-40B4-BE49-F238E27FC236}">
+                <a16:creationId xmlns:a16="http://schemas.microsoft.com/office/drawing/2014/main" id="{9193AC16-A016-D898-049F-6D4D5E724958}"/>
+              </a:ext>
+            </a:extLst>
+          </p:cNvPr>
+          <p:cNvCxnSpPr>
+            <a:stCxn id="13" idx="3"/>
+          </p:cNvCxnSpPr>
+          <p:nvPr/>
+        </p:nvCxnSpPr>
+        <p:spPr>
+          <a:xfrm flipV="1">
+            <a:off x="9625274" y="2566505"/>
+            <a:ext cx="508540" cy="1"/>
+          </a:xfrm>
+          <a:prstGeom prst="straightConnector1">
+            <a:avLst/>
+          </a:prstGeom>
+          <a:ln>
+            <a:tailEnd type="triangle"/>
+          </a:ln>
+        </p:spPr>
+        <p:style>
+          <a:lnRef idx="1">
+            <a:schemeClr val="accent1"/>
+          </a:lnRef>
+          <a:fillRef idx="0">
+            <a:schemeClr val="accent1"/>
+          </a:fillRef>
+          <a:effectRef idx="0">
+            <a:schemeClr val="accent1"/>
+          </a:effectRef>
+          <a:fontRef idx="minor">
+            <a:schemeClr val="tx1"/>
+          </a:fontRef>
+        </p:style>
+      </p:cxnSp>
+      <p:sp>
+        <p:nvSpPr>
+          <p:cNvPr id="15" name="TextBox 14">
+            <a:extLst>
+              <a:ext uri="{FF2B5EF4-FFF2-40B4-BE49-F238E27FC236}">
+                <a16:creationId xmlns:a16="http://schemas.microsoft.com/office/drawing/2014/main" id="{C4EFCDEF-E161-CE19-434D-7E22ADF20697}"/>
+              </a:ext>
+            </a:extLst>
+          </p:cNvPr>
+          <p:cNvSpPr txBox="1"/>
+          <p:nvPr/>
+        </p:nvSpPr>
+        <p:spPr>
+          <a:xfrm>
+            <a:off x="10149706" y="2381839"/>
+            <a:ext cx="1140404" cy="369332"/>
+          </a:xfrm>
+          <a:prstGeom prst="rect">
+            <a:avLst/>
+          </a:prstGeom>
+          <a:noFill/>
+        </p:spPr>
+        <p:txBody>
+          <a:bodyPr wrap="square">
+            <a:spAutoFit/>
+          </a:bodyPr>
+          <a:lstStyle/>
+          <a:p>
+            <a:r>
+              <a:rPr lang="en-US" dirty="0" err="1"/>
+              <a:t>currentsrc</a:t>
+            </a:r>
+            <a:endParaRPr lang="en-US" dirty="0"/>
+          </a:p>
+        </p:txBody>
+      </p:sp>
+      <p:sp>
+        <p:nvSpPr>
+          <p:cNvPr id="16" name="TextBox 15">
+            <a:extLst>
+              <a:ext uri="{FF2B5EF4-FFF2-40B4-BE49-F238E27FC236}">
+                <a16:creationId xmlns:a16="http://schemas.microsoft.com/office/drawing/2014/main" id="{6961A606-EEDD-78A5-6660-C72ED8BF4790}"/>
+              </a:ext>
+            </a:extLst>
+          </p:cNvPr>
+          <p:cNvSpPr txBox="1"/>
+          <p:nvPr/>
+        </p:nvSpPr>
+        <p:spPr>
+          <a:xfrm>
+            <a:off x="6318339" y="3251689"/>
+            <a:ext cx="1242715" cy="276999"/>
+          </a:xfrm>
+          <a:prstGeom prst="rect">
+            <a:avLst/>
+          </a:prstGeom>
+          <a:noFill/>
+        </p:spPr>
+        <p:txBody>
+          <a:bodyPr wrap="square">
+            <a:spAutoFit/>
+          </a:bodyPr>
+          <a:lstStyle>
+            <a:defPPr>
+              <a:defRPr lang="en-US"/>
+            </a:defPPr>
+            <a:lvl1pPr algn="ctr">
+              <a:defRPr sz="1200">
+                <a:highlight>
+                  <a:srgbClr val="00FFFF"/>
+                </a:highlight>
+              </a:defRPr>
+            </a:lvl1pPr>
+          </a:lstStyle>
+          <a:p>
+            <a:r>
+              <a:rPr lang="en-US" dirty="0" err="1"/>
+              <a:t>cfg$scnchoices</a:t>
+            </a:r>
+            <a:endParaRPr lang="en-US" dirty="0"/>
+          </a:p>
+        </p:txBody>
+      </p:sp>
+      <p:sp>
+        <p:nvSpPr>
+          <p:cNvPr id="17" name="TextBox 16">
+            <a:extLst>
+              <a:ext uri="{FF2B5EF4-FFF2-40B4-BE49-F238E27FC236}">
+                <a16:creationId xmlns:a16="http://schemas.microsoft.com/office/drawing/2014/main" id="{4C12E2C2-C6B0-8197-F3FC-4D2027A7C7D4}"/>
+              </a:ext>
+            </a:extLst>
+          </p:cNvPr>
+          <p:cNvSpPr txBox="1"/>
+          <p:nvPr/>
+        </p:nvSpPr>
+        <p:spPr>
+          <a:xfrm>
+            <a:off x="8478680" y="3252200"/>
+            <a:ext cx="1288000" cy="276999"/>
+          </a:xfrm>
+          <a:prstGeom prst="rect">
+            <a:avLst/>
+          </a:prstGeom>
+          <a:noFill/>
+        </p:spPr>
+        <p:txBody>
+          <a:bodyPr wrap="square">
+            <a:spAutoFit/>
+          </a:bodyPr>
+          <a:lstStyle>
+            <a:defPPr>
+              <a:defRPr lang="en-US"/>
+            </a:defPPr>
+            <a:lvl1pPr algn="ctr">
+              <a:defRPr sz="1200">
+                <a:highlight>
+                  <a:srgbClr val="FFFF00"/>
+                </a:highlight>
+              </a:defRPr>
+            </a:lvl1pPr>
+          </a:lstStyle>
+          <a:p>
+            <a:r>
+              <a:rPr lang="en-US" dirty="0" err="1"/>
+              <a:t>input$selectScn</a:t>
+            </a:r>
+            <a:endParaRPr lang="en-US" dirty="0"/>
+          </a:p>
+        </p:txBody>
+      </p:sp>
+      <p:sp>
+        <p:nvSpPr>
+          <p:cNvPr id="18" name="TextBox 17">
+            <a:extLst>
+              <a:ext uri="{FF2B5EF4-FFF2-40B4-BE49-F238E27FC236}">
+                <a16:creationId xmlns:a16="http://schemas.microsoft.com/office/drawing/2014/main" id="{CA5BE5F1-66D5-3FA4-9D35-304F8A943487}"/>
+              </a:ext>
+            </a:extLst>
+          </p:cNvPr>
+          <p:cNvSpPr txBox="1"/>
+          <p:nvPr/>
+        </p:nvSpPr>
+        <p:spPr>
+          <a:xfrm>
+            <a:off x="10251458" y="3164994"/>
+            <a:ext cx="1355103" cy="369332"/>
+          </a:xfrm>
+          <a:prstGeom prst="rect">
+            <a:avLst/>
+          </a:prstGeom>
+          <a:noFill/>
+        </p:spPr>
+        <p:txBody>
+          <a:bodyPr wrap="square">
+            <a:spAutoFit/>
+          </a:bodyPr>
+          <a:lstStyle/>
+          <a:p>
+            <a:r>
+              <a:rPr lang="en-US" dirty="0" err="1"/>
+              <a:t>currentscn</a:t>
+            </a:r>
+            <a:endParaRPr lang="en-US" dirty="0"/>
+          </a:p>
+        </p:txBody>
+      </p:sp>
+      <p:cxnSp>
+        <p:nvCxnSpPr>
+          <p:cNvPr id="19" name="Straight Arrow Connector 18">
+            <a:extLst>
+              <a:ext uri="{FF2B5EF4-FFF2-40B4-BE49-F238E27FC236}">
+                <a16:creationId xmlns:a16="http://schemas.microsoft.com/office/drawing/2014/main" id="{EF07D2EB-99DC-B4EF-AE05-6D30093737F5}"/>
+              </a:ext>
+            </a:extLst>
+          </p:cNvPr>
+          <p:cNvCxnSpPr/>
+          <p:nvPr/>
+        </p:nvCxnSpPr>
+        <p:spPr>
+          <a:xfrm flipV="1">
+            <a:off x="9742918" y="3364558"/>
+            <a:ext cx="508540" cy="1"/>
+          </a:xfrm>
+          <a:prstGeom prst="straightConnector1">
+            <a:avLst/>
+          </a:prstGeom>
+          <a:ln>
+            <a:tailEnd type="triangle"/>
+          </a:ln>
+        </p:spPr>
+        <p:style>
+          <a:lnRef idx="1">
+            <a:schemeClr val="accent1"/>
+          </a:lnRef>
+          <a:fillRef idx="0">
+            <a:schemeClr val="accent1"/>
+          </a:fillRef>
+          <a:effectRef idx="0">
+            <a:schemeClr val="accent1"/>
+          </a:effectRef>
+          <a:fontRef idx="minor">
+            <a:schemeClr val="tx1"/>
+          </a:fontRef>
+        </p:style>
+      </p:cxnSp>
+      <p:cxnSp>
+        <p:nvCxnSpPr>
+          <p:cNvPr id="20" name="Straight Arrow Connector 19">
+            <a:extLst>
+              <a:ext uri="{FF2B5EF4-FFF2-40B4-BE49-F238E27FC236}">
+                <a16:creationId xmlns:a16="http://schemas.microsoft.com/office/drawing/2014/main" id="{B99CDCA3-BF9D-EBE2-73A0-E173EDF65005}"/>
+              </a:ext>
+            </a:extLst>
+          </p:cNvPr>
+          <p:cNvCxnSpPr/>
+          <p:nvPr/>
+        </p:nvCxnSpPr>
+        <p:spPr>
+          <a:xfrm flipH="1">
+            <a:off x="8293429" y="3257321"/>
+            <a:ext cx="178259" cy="0"/>
+          </a:xfrm>
+          <a:prstGeom prst="straightConnector1">
+            <a:avLst/>
+          </a:prstGeom>
+          <a:ln>
+            <a:tailEnd type="triangle"/>
+          </a:ln>
+        </p:spPr>
+        <p:style>
+          <a:lnRef idx="1">
+            <a:schemeClr val="accent1"/>
+          </a:lnRef>
+          <a:fillRef idx="0">
+            <a:schemeClr val="accent1"/>
+          </a:fillRef>
+          <a:effectRef idx="0">
+            <a:schemeClr val="accent1"/>
+          </a:effectRef>
+          <a:fontRef idx="minor">
+            <a:schemeClr val="tx1"/>
+          </a:fontRef>
+        </p:style>
+      </p:cxnSp>
+      <p:cxnSp>
+        <p:nvCxnSpPr>
+          <p:cNvPr id="21" name="Straight Connector 20">
+            <a:extLst>
+              <a:ext uri="{FF2B5EF4-FFF2-40B4-BE49-F238E27FC236}">
+                <a16:creationId xmlns:a16="http://schemas.microsoft.com/office/drawing/2014/main" id="{658A4432-51DA-C6B0-053A-3AB2CD3BB882}"/>
+              </a:ext>
+            </a:extLst>
+          </p:cNvPr>
+          <p:cNvCxnSpPr/>
+          <p:nvPr/>
+        </p:nvCxnSpPr>
+        <p:spPr>
+          <a:xfrm flipV="1">
+            <a:off x="580571" y="333807"/>
+            <a:ext cx="11190515" cy="6081507"/>
+          </a:xfrm>
+          <a:prstGeom prst="line">
+            <a:avLst/>
+          </a:prstGeom>
+        </p:spPr>
+        <p:style>
+          <a:lnRef idx="1">
+            <a:schemeClr val="accent1"/>
+          </a:lnRef>
+          <a:fillRef idx="0">
+            <a:schemeClr val="accent1"/>
+          </a:fillRef>
+          <a:effectRef idx="0">
+            <a:schemeClr val="accent1"/>
+          </a:effectRef>
+          <a:fontRef idx="minor">
+            <a:schemeClr val="tx1"/>
+          </a:fontRef>
+        </p:style>
+      </p:cxnSp>
     </p:spTree>
     <p:extLst>
       <p:ext uri="{BB962C8B-B14F-4D97-AF65-F5344CB8AC3E}">
-        <p14:creationId xmlns:p14="http://schemas.microsoft.com/office/powerpoint/2010/main" val="2128382205"/>
+        <p14:creationId xmlns:p14="http://schemas.microsoft.com/office/powerpoint/2010/main" val="2037642269"/>
       </p:ext>
     </p:extLst>
   </p:cSld>
@@ -8336,153 +8254,12 @@
           <a:chExt cx="0" cy="0"/>
         </a:xfrm>
       </p:grpSpPr>
-      <p:sp>
-        <p:nvSpPr>
-          <p:cNvPr id="2" name="Rectangle 1">
-            <a:extLst>
-              <a:ext uri="{FF2B5EF4-FFF2-40B4-BE49-F238E27FC236}">
-                <a16:creationId xmlns:a16="http://schemas.microsoft.com/office/drawing/2014/main" id="{5C600E18-4F23-97B9-58E9-1DA5D2F22051}"/>
-              </a:ext>
-            </a:extLst>
-          </p:cNvPr>
-          <p:cNvSpPr/>
-          <p:nvPr/>
-        </p:nvSpPr>
-        <p:spPr>
-          <a:xfrm>
-            <a:off x="5104794" y="1800520"/>
-            <a:ext cx="1348033" cy="961534"/>
-          </a:xfrm>
-          <a:prstGeom prst="rect">
-            <a:avLst/>
-          </a:prstGeom>
-        </p:spPr>
-        <p:style>
-          <a:lnRef idx="2">
-            <a:schemeClr val="accent1">
-              <a:shade val="15000"/>
-            </a:schemeClr>
-          </a:lnRef>
-          <a:fillRef idx="1">
-            <a:schemeClr val="accent1"/>
-          </a:fillRef>
-          <a:effectRef idx="0">
-            <a:schemeClr val="accent1"/>
-          </a:effectRef>
-          <a:fontRef idx="minor">
-            <a:schemeClr val="lt1"/>
-          </a:fontRef>
-        </p:style>
-        <p:txBody>
-          <a:bodyPr rtlCol="0" anchor="ctr"/>
-          <a:lstStyle/>
-          <a:p>
-            <a:pPr algn="ctr"/>
-            <a:r>
-              <a:rPr lang="en-US" dirty="0"/>
-              <a:t>main</a:t>
-            </a:r>
-          </a:p>
-        </p:txBody>
-      </p:sp>
-      <p:sp>
-        <p:nvSpPr>
-          <p:cNvPr id="3" name="Rectangle 2">
-            <a:extLst>
-              <a:ext uri="{FF2B5EF4-FFF2-40B4-BE49-F238E27FC236}">
-                <a16:creationId xmlns:a16="http://schemas.microsoft.com/office/drawing/2014/main" id="{3992DD80-8E77-42DA-63D7-6A8FA50ECD50}"/>
-              </a:ext>
-            </a:extLst>
-          </p:cNvPr>
-          <p:cNvSpPr/>
-          <p:nvPr/>
-        </p:nvSpPr>
-        <p:spPr>
-          <a:xfrm>
-            <a:off x="2375852" y="4255359"/>
-            <a:ext cx="1348033" cy="961534"/>
-          </a:xfrm>
-          <a:prstGeom prst="rect">
-            <a:avLst/>
-          </a:prstGeom>
-        </p:spPr>
-        <p:style>
-          <a:lnRef idx="2">
-            <a:schemeClr val="accent1">
-              <a:shade val="15000"/>
-            </a:schemeClr>
-          </a:lnRef>
-          <a:fillRef idx="1">
-            <a:schemeClr val="accent1"/>
-          </a:fillRef>
-          <a:effectRef idx="0">
-            <a:schemeClr val="accent1"/>
-          </a:effectRef>
-          <a:fontRef idx="minor">
-            <a:schemeClr val="lt1"/>
-          </a:fontRef>
-        </p:style>
-        <p:txBody>
-          <a:bodyPr rtlCol="0" anchor="ctr"/>
-          <a:lstStyle/>
-          <a:p>
-            <a:pPr algn="ctr"/>
-            <a:r>
-              <a:rPr lang="en-US" dirty="0" err="1"/>
-              <a:t>ido</a:t>
-            </a:r>
-            <a:endParaRPr lang="en-US" dirty="0"/>
-          </a:p>
-        </p:txBody>
-      </p:sp>
-      <p:cxnSp>
-        <p:nvCxnSpPr>
-          <p:cNvPr id="5" name="Connector: Elbow 4">
-            <a:extLst>
-              <a:ext uri="{FF2B5EF4-FFF2-40B4-BE49-F238E27FC236}">
-                <a16:creationId xmlns:a16="http://schemas.microsoft.com/office/drawing/2014/main" id="{E8C2C93D-A96A-8EFB-5B92-399895A7C1F1}"/>
-              </a:ext>
-            </a:extLst>
-          </p:cNvPr>
-          <p:cNvCxnSpPr>
-            <a:stCxn id="2" idx="2"/>
-            <a:endCxn id="3" idx="0"/>
-          </p:cNvCxnSpPr>
-          <p:nvPr/>
-        </p:nvCxnSpPr>
-        <p:spPr>
-          <a:xfrm rot="5400000">
-            <a:off x="3667688" y="2144235"/>
-            <a:ext cx="1493305" cy="2728942"/>
-          </a:xfrm>
-          <a:prstGeom prst="bentConnector3">
-            <a:avLst/>
-          </a:prstGeom>
-          <a:ln>
-            <a:tailEnd type="triangle"/>
-          </a:ln>
-        </p:spPr>
-        <p:style>
-          <a:lnRef idx="1">
-            <a:schemeClr val="accent1"/>
-          </a:lnRef>
-          <a:fillRef idx="0">
-            <a:schemeClr val="accent1"/>
-          </a:fillRef>
-          <a:effectRef idx="0">
-            <a:schemeClr val="accent1"/>
-          </a:effectRef>
-          <a:fontRef idx="minor">
-            <a:schemeClr val="tx1"/>
-          </a:fontRef>
-        </p:style>
-      </p:cxnSp>
       <p:pic>
         <p:nvPicPr>
-          <p:cNvPr id="9" name="Picture 8">
-            <a:extLst>
-              <a:ext uri="{FF2B5EF4-FFF2-40B4-BE49-F238E27FC236}">
-                <a16:creationId xmlns:a16="http://schemas.microsoft.com/office/drawing/2014/main" id="{5A228ABB-7DC1-2AAD-EA10-2F0AD7B6E84D}"/>
+          <p:cNvPr id="3" name="Picture 2">
+            <a:extLst>
+              <a:ext uri="{FF2B5EF4-FFF2-40B4-BE49-F238E27FC236}">
+                <a16:creationId xmlns:a16="http://schemas.microsoft.com/office/drawing/2014/main" id="{731A6696-FACF-D837-1D47-8C099485FE7F}"/>
               </a:ext>
             </a:extLst>
           </p:cNvPr>
@@ -8499,8 +8276,8 @@
         </p:blipFill>
         <p:spPr>
           <a:xfrm>
-            <a:off x="4430834" y="891068"/>
-            <a:ext cx="2695951" cy="428685"/>
+            <a:off x="0" y="419420"/>
+            <a:ext cx="12192000" cy="6019160"/>
           </a:xfrm>
           <a:prstGeom prst="rect">
             <a:avLst/>
@@ -8509,23 +8286,20 @@
       </p:pic>
       <p:cxnSp>
         <p:nvCxnSpPr>
-          <p:cNvPr id="11" name="Straight Arrow Connector 10">
-            <a:extLst>
-              <a:ext uri="{FF2B5EF4-FFF2-40B4-BE49-F238E27FC236}">
-                <a16:creationId xmlns:a16="http://schemas.microsoft.com/office/drawing/2014/main" id="{AD236B2D-C888-C3AA-D6F9-9A7ED5DDC76D}"/>
-              </a:ext>
-            </a:extLst>
-          </p:cNvPr>
-          <p:cNvCxnSpPr>
-            <a:stCxn id="9" idx="2"/>
-            <a:endCxn id="2" idx="0"/>
-          </p:cNvCxnSpPr>
+          <p:cNvPr id="5" name="Straight Arrow Connector 4">
+            <a:extLst>
+              <a:ext uri="{FF2B5EF4-FFF2-40B4-BE49-F238E27FC236}">
+                <a16:creationId xmlns:a16="http://schemas.microsoft.com/office/drawing/2014/main" id="{B96913FF-84C7-7B7B-3AEA-0CCC3EF69784}"/>
+              </a:ext>
+            </a:extLst>
+          </p:cNvPr>
+          <p:cNvCxnSpPr/>
           <p:nvPr/>
         </p:nvCxnSpPr>
         <p:spPr>
-          <a:xfrm>
-            <a:off x="5778810" y="1319753"/>
-            <a:ext cx="1" cy="480767"/>
+          <a:xfrm flipV="1">
+            <a:off x="301658" y="1885360"/>
+            <a:ext cx="471340" cy="2894029"/>
           </a:xfrm>
           <a:prstGeom prst="straightConnector1">
             <a:avLst/>
@@ -8551,10 +8325,10 @@
       </p:cxnSp>
       <p:sp>
         <p:nvSpPr>
-          <p:cNvPr id="13" name="TextBox 12">
-            <a:extLst>
-              <a:ext uri="{FF2B5EF4-FFF2-40B4-BE49-F238E27FC236}">
-                <a16:creationId xmlns:a16="http://schemas.microsoft.com/office/drawing/2014/main" id="{4056BE52-BFB0-ADB3-5044-CCFEFA14F0C3}"/>
+          <p:cNvPr id="6" name="TextBox 5">
+            <a:extLst>
+              <a:ext uri="{FF2B5EF4-FFF2-40B4-BE49-F238E27FC236}">
+                <a16:creationId xmlns:a16="http://schemas.microsoft.com/office/drawing/2014/main" id="{F91AA5EA-23C5-2DA4-9654-ECD9F66C3977}"/>
               </a:ext>
             </a:extLst>
           </p:cNvPr>
@@ -8563,8 +8337,8 @@
         </p:nvSpPr>
         <p:spPr>
           <a:xfrm>
-            <a:off x="6825006" y="2083324"/>
-            <a:ext cx="1091966" cy="369332"/>
+            <a:off x="84841" y="4466617"/>
+            <a:ext cx="1653017" cy="369332"/>
           </a:xfrm>
           <a:prstGeom prst="rect">
             <a:avLst/>
@@ -8578,134 +8352,25 @@
           <a:lstStyle/>
           <a:p>
             <a:r>
-              <a:rPr lang="en-US" dirty="0" err="1"/>
-              <a:t>Dvlp</a:t>
-            </a:r>
-            <a:r>
-              <a:rPr lang="en-US" dirty="0"/>
-              <a:t>\v0.3</a:t>
-            </a:r>
-          </a:p>
-        </p:txBody>
-      </p:sp>
-      <p:sp>
-        <p:nvSpPr>
-          <p:cNvPr id="14" name="TextBox 13">
-            <a:extLst>
-              <a:ext uri="{FF2B5EF4-FFF2-40B4-BE49-F238E27FC236}">
-                <a16:creationId xmlns:a16="http://schemas.microsoft.com/office/drawing/2014/main" id="{27CCB543-845A-6808-B056-599C5DF3918D}"/>
-              </a:ext>
-            </a:extLst>
-          </p:cNvPr>
-          <p:cNvSpPr txBox="1"/>
-          <p:nvPr/>
-        </p:nvSpPr>
-        <p:spPr>
-          <a:xfrm>
-            <a:off x="3868357" y="4551459"/>
-            <a:ext cx="1091966" cy="369332"/>
-          </a:xfrm>
-          <a:prstGeom prst="rect">
-            <a:avLst/>
-          </a:prstGeom>
-          <a:noFill/>
-        </p:spPr>
-        <p:txBody>
-          <a:bodyPr wrap="none" rtlCol="0">
-            <a:spAutoFit/>
-          </a:bodyPr>
-          <a:lstStyle/>
-          <a:p>
-            <a:r>
-              <a:rPr lang="en-US" dirty="0" err="1"/>
-              <a:t>Dvlp</a:t>
-            </a:r>
-            <a:r>
-              <a:rPr lang="en-US" dirty="0"/>
-              <a:t>\v0.3</a:t>
-            </a:r>
-          </a:p>
-        </p:txBody>
-      </p:sp>
-      <p:cxnSp>
-        <p:nvCxnSpPr>
-          <p:cNvPr id="16" name="Straight Arrow Connector 15">
-            <a:extLst>
-              <a:ext uri="{FF2B5EF4-FFF2-40B4-BE49-F238E27FC236}">
-                <a16:creationId xmlns:a16="http://schemas.microsoft.com/office/drawing/2014/main" id="{A56BB33B-BA19-AD19-9814-0481C09C7549}"/>
-              </a:ext>
-            </a:extLst>
-          </p:cNvPr>
-          <p:cNvCxnSpPr/>
-          <p:nvPr/>
-        </p:nvCxnSpPr>
-        <p:spPr>
-          <a:xfrm flipH="1">
-            <a:off x="3723885" y="2153182"/>
-            <a:ext cx="1112599" cy="1140643"/>
-          </a:xfrm>
-          <a:prstGeom prst="straightConnector1">
-            <a:avLst/>
-          </a:prstGeom>
-          <a:ln>
-            <a:tailEnd type="triangle"/>
-          </a:ln>
-        </p:spPr>
-        <p:style>
-          <a:lnRef idx="1">
-            <a:schemeClr val="accent1"/>
-          </a:lnRef>
-          <a:fillRef idx="0">
-            <a:schemeClr val="accent1"/>
-          </a:fillRef>
-          <a:effectRef idx="0">
-            <a:schemeClr val="accent1"/>
-          </a:effectRef>
-          <a:fontRef idx="minor">
-            <a:schemeClr val="tx1"/>
-          </a:fontRef>
-        </p:style>
-      </p:cxnSp>
-      <p:sp>
-        <p:nvSpPr>
-          <p:cNvPr id="4" name="TextBox 3">
-            <a:extLst>
-              <a:ext uri="{FF2B5EF4-FFF2-40B4-BE49-F238E27FC236}">
-                <a16:creationId xmlns:a16="http://schemas.microsoft.com/office/drawing/2014/main" id="{B1A1C8AA-C5DD-7B7C-ECF4-E30EF903C987}"/>
-              </a:ext>
-            </a:extLst>
-          </p:cNvPr>
-          <p:cNvSpPr txBox="1"/>
-          <p:nvPr/>
-        </p:nvSpPr>
-        <p:spPr>
-          <a:xfrm>
-            <a:off x="5495827" y="4494898"/>
-            <a:ext cx="795411" cy="369332"/>
-          </a:xfrm>
-          <a:prstGeom prst="rect">
-            <a:avLst/>
-          </a:prstGeom>
-          <a:noFill/>
-        </p:spPr>
-        <p:txBody>
-          <a:bodyPr wrap="none" rtlCol="0">
-            <a:spAutoFit/>
-          </a:bodyPr>
-          <a:lstStyle/>
-          <a:p>
-            <a:r>
-              <a:rPr lang="he-IL" dirty="0"/>
-              <a:t>שינויים</a:t>
-            </a:r>
-            <a:endParaRPr lang="en-US" dirty="0"/>
+              <a:rPr lang="he-IL" dirty="0">
+                <a:highlight>
+                  <a:srgbClr val="00FFFF"/>
+                </a:highlight>
+              </a:rPr>
+              <a:t>אפשרויות תצוגה</a:t>
+            </a:r>
+            <a:endParaRPr lang="en-US" dirty="0">
+              <a:highlight>
+                <a:srgbClr val="00FFFF"/>
+              </a:highlight>
+            </a:endParaRPr>
           </a:p>
         </p:txBody>
       </p:sp>
     </p:spTree>
     <p:extLst>
       <p:ext uri="{BB962C8B-B14F-4D97-AF65-F5344CB8AC3E}">
-        <p14:creationId xmlns:p14="http://schemas.microsoft.com/office/powerpoint/2010/main" val="4109065590"/>
+        <p14:creationId xmlns:p14="http://schemas.microsoft.com/office/powerpoint/2010/main" val="2128382205"/>
       </p:ext>
     </p:extLst>
   </p:cSld>
@@ -8734,6 +8399,402 @@
       </p:grpSpPr>
       <p:sp>
         <p:nvSpPr>
+          <p:cNvPr id="2" name="Rectangle 1">
+            <a:extLst>
+              <a:ext uri="{FF2B5EF4-FFF2-40B4-BE49-F238E27FC236}">
+                <a16:creationId xmlns:a16="http://schemas.microsoft.com/office/drawing/2014/main" id="{5C600E18-4F23-97B9-58E9-1DA5D2F22051}"/>
+              </a:ext>
+            </a:extLst>
+          </p:cNvPr>
+          <p:cNvSpPr/>
+          <p:nvPr/>
+        </p:nvSpPr>
+        <p:spPr>
+          <a:xfrm>
+            <a:off x="5104794" y="1800520"/>
+            <a:ext cx="1348033" cy="961534"/>
+          </a:xfrm>
+          <a:prstGeom prst="rect">
+            <a:avLst/>
+          </a:prstGeom>
+        </p:spPr>
+        <p:style>
+          <a:lnRef idx="2">
+            <a:schemeClr val="accent1">
+              <a:shade val="15000"/>
+            </a:schemeClr>
+          </a:lnRef>
+          <a:fillRef idx="1">
+            <a:schemeClr val="accent1"/>
+          </a:fillRef>
+          <a:effectRef idx="0">
+            <a:schemeClr val="accent1"/>
+          </a:effectRef>
+          <a:fontRef idx="minor">
+            <a:schemeClr val="lt1"/>
+          </a:fontRef>
+        </p:style>
+        <p:txBody>
+          <a:bodyPr rtlCol="0" anchor="ctr"/>
+          <a:lstStyle/>
+          <a:p>
+            <a:pPr algn="ctr"/>
+            <a:r>
+              <a:rPr lang="en-US" dirty="0"/>
+              <a:t>main</a:t>
+            </a:r>
+          </a:p>
+        </p:txBody>
+      </p:sp>
+      <p:sp>
+        <p:nvSpPr>
+          <p:cNvPr id="3" name="Rectangle 2">
+            <a:extLst>
+              <a:ext uri="{FF2B5EF4-FFF2-40B4-BE49-F238E27FC236}">
+                <a16:creationId xmlns:a16="http://schemas.microsoft.com/office/drawing/2014/main" id="{3992DD80-8E77-42DA-63D7-6A8FA50ECD50}"/>
+              </a:ext>
+            </a:extLst>
+          </p:cNvPr>
+          <p:cNvSpPr/>
+          <p:nvPr/>
+        </p:nvSpPr>
+        <p:spPr>
+          <a:xfrm>
+            <a:off x="2375852" y="4255359"/>
+            <a:ext cx="1348033" cy="961534"/>
+          </a:xfrm>
+          <a:prstGeom prst="rect">
+            <a:avLst/>
+          </a:prstGeom>
+        </p:spPr>
+        <p:style>
+          <a:lnRef idx="2">
+            <a:schemeClr val="accent1">
+              <a:shade val="15000"/>
+            </a:schemeClr>
+          </a:lnRef>
+          <a:fillRef idx="1">
+            <a:schemeClr val="accent1"/>
+          </a:fillRef>
+          <a:effectRef idx="0">
+            <a:schemeClr val="accent1"/>
+          </a:effectRef>
+          <a:fontRef idx="minor">
+            <a:schemeClr val="lt1"/>
+          </a:fontRef>
+        </p:style>
+        <p:txBody>
+          <a:bodyPr rtlCol="0" anchor="ctr"/>
+          <a:lstStyle/>
+          <a:p>
+            <a:pPr algn="ctr"/>
+            <a:r>
+              <a:rPr lang="en-US" dirty="0" err="1"/>
+              <a:t>ido</a:t>
+            </a:r>
+            <a:endParaRPr lang="en-US" dirty="0"/>
+          </a:p>
+        </p:txBody>
+      </p:sp>
+      <p:cxnSp>
+        <p:nvCxnSpPr>
+          <p:cNvPr id="5" name="Connector: Elbow 4">
+            <a:extLst>
+              <a:ext uri="{FF2B5EF4-FFF2-40B4-BE49-F238E27FC236}">
+                <a16:creationId xmlns:a16="http://schemas.microsoft.com/office/drawing/2014/main" id="{E8C2C93D-A96A-8EFB-5B92-399895A7C1F1}"/>
+              </a:ext>
+            </a:extLst>
+          </p:cNvPr>
+          <p:cNvCxnSpPr>
+            <a:stCxn id="2" idx="2"/>
+            <a:endCxn id="3" idx="0"/>
+          </p:cNvCxnSpPr>
+          <p:nvPr/>
+        </p:nvCxnSpPr>
+        <p:spPr>
+          <a:xfrm rot="5400000">
+            <a:off x="3667688" y="2144235"/>
+            <a:ext cx="1493305" cy="2728942"/>
+          </a:xfrm>
+          <a:prstGeom prst="bentConnector3">
+            <a:avLst/>
+          </a:prstGeom>
+          <a:ln>
+            <a:tailEnd type="triangle"/>
+          </a:ln>
+        </p:spPr>
+        <p:style>
+          <a:lnRef idx="1">
+            <a:schemeClr val="accent1"/>
+          </a:lnRef>
+          <a:fillRef idx="0">
+            <a:schemeClr val="accent1"/>
+          </a:fillRef>
+          <a:effectRef idx="0">
+            <a:schemeClr val="accent1"/>
+          </a:effectRef>
+          <a:fontRef idx="minor">
+            <a:schemeClr val="tx1"/>
+          </a:fontRef>
+        </p:style>
+      </p:cxnSp>
+      <p:pic>
+        <p:nvPicPr>
+          <p:cNvPr id="9" name="Picture 8">
+            <a:extLst>
+              <a:ext uri="{FF2B5EF4-FFF2-40B4-BE49-F238E27FC236}">
+                <a16:creationId xmlns:a16="http://schemas.microsoft.com/office/drawing/2014/main" id="{5A228ABB-7DC1-2AAD-EA10-2F0AD7B6E84D}"/>
+              </a:ext>
+            </a:extLst>
+          </p:cNvPr>
+          <p:cNvPicPr>
+            <a:picLocks noChangeAspect="1"/>
+          </p:cNvPicPr>
+          <p:nvPr/>
+        </p:nvPicPr>
+        <p:blipFill>
+          <a:blip r:embed="rId2"/>
+          <a:stretch>
+            <a:fillRect/>
+          </a:stretch>
+        </p:blipFill>
+        <p:spPr>
+          <a:xfrm>
+            <a:off x="4430834" y="891068"/>
+            <a:ext cx="2695951" cy="428685"/>
+          </a:xfrm>
+          <a:prstGeom prst="rect">
+            <a:avLst/>
+          </a:prstGeom>
+        </p:spPr>
+      </p:pic>
+      <p:cxnSp>
+        <p:nvCxnSpPr>
+          <p:cNvPr id="11" name="Straight Arrow Connector 10">
+            <a:extLst>
+              <a:ext uri="{FF2B5EF4-FFF2-40B4-BE49-F238E27FC236}">
+                <a16:creationId xmlns:a16="http://schemas.microsoft.com/office/drawing/2014/main" id="{AD236B2D-C888-C3AA-D6F9-9A7ED5DDC76D}"/>
+              </a:ext>
+            </a:extLst>
+          </p:cNvPr>
+          <p:cNvCxnSpPr>
+            <a:stCxn id="9" idx="2"/>
+            <a:endCxn id="2" idx="0"/>
+          </p:cNvCxnSpPr>
+          <p:nvPr/>
+        </p:nvCxnSpPr>
+        <p:spPr>
+          <a:xfrm>
+            <a:off x="5778810" y="1319753"/>
+            <a:ext cx="1" cy="480767"/>
+          </a:xfrm>
+          <a:prstGeom prst="straightConnector1">
+            <a:avLst/>
+          </a:prstGeom>
+          <a:ln>
+            <a:tailEnd type="triangle"/>
+          </a:ln>
+        </p:spPr>
+        <p:style>
+          <a:lnRef idx="1">
+            <a:schemeClr val="accent1"/>
+          </a:lnRef>
+          <a:fillRef idx="0">
+            <a:schemeClr val="accent1"/>
+          </a:fillRef>
+          <a:effectRef idx="0">
+            <a:schemeClr val="accent1"/>
+          </a:effectRef>
+          <a:fontRef idx="minor">
+            <a:schemeClr val="tx1"/>
+          </a:fontRef>
+        </p:style>
+      </p:cxnSp>
+      <p:sp>
+        <p:nvSpPr>
+          <p:cNvPr id="13" name="TextBox 12">
+            <a:extLst>
+              <a:ext uri="{FF2B5EF4-FFF2-40B4-BE49-F238E27FC236}">
+                <a16:creationId xmlns:a16="http://schemas.microsoft.com/office/drawing/2014/main" id="{4056BE52-BFB0-ADB3-5044-CCFEFA14F0C3}"/>
+              </a:ext>
+            </a:extLst>
+          </p:cNvPr>
+          <p:cNvSpPr txBox="1"/>
+          <p:nvPr/>
+        </p:nvSpPr>
+        <p:spPr>
+          <a:xfrm>
+            <a:off x="6825006" y="2083324"/>
+            <a:ext cx="1091966" cy="369332"/>
+          </a:xfrm>
+          <a:prstGeom prst="rect">
+            <a:avLst/>
+          </a:prstGeom>
+          <a:noFill/>
+        </p:spPr>
+        <p:txBody>
+          <a:bodyPr wrap="none" rtlCol="0">
+            <a:spAutoFit/>
+          </a:bodyPr>
+          <a:lstStyle/>
+          <a:p>
+            <a:r>
+              <a:rPr lang="en-US" dirty="0" err="1"/>
+              <a:t>Dvlp</a:t>
+            </a:r>
+            <a:r>
+              <a:rPr lang="en-US" dirty="0"/>
+              <a:t>\v0.3</a:t>
+            </a:r>
+          </a:p>
+        </p:txBody>
+      </p:sp>
+      <p:sp>
+        <p:nvSpPr>
+          <p:cNvPr id="14" name="TextBox 13">
+            <a:extLst>
+              <a:ext uri="{FF2B5EF4-FFF2-40B4-BE49-F238E27FC236}">
+                <a16:creationId xmlns:a16="http://schemas.microsoft.com/office/drawing/2014/main" id="{27CCB543-845A-6808-B056-599C5DF3918D}"/>
+              </a:ext>
+            </a:extLst>
+          </p:cNvPr>
+          <p:cNvSpPr txBox="1"/>
+          <p:nvPr/>
+        </p:nvSpPr>
+        <p:spPr>
+          <a:xfrm>
+            <a:off x="3868357" y="4551459"/>
+            <a:ext cx="1091966" cy="369332"/>
+          </a:xfrm>
+          <a:prstGeom prst="rect">
+            <a:avLst/>
+          </a:prstGeom>
+          <a:noFill/>
+        </p:spPr>
+        <p:txBody>
+          <a:bodyPr wrap="none" rtlCol="0">
+            <a:spAutoFit/>
+          </a:bodyPr>
+          <a:lstStyle/>
+          <a:p>
+            <a:r>
+              <a:rPr lang="en-US" dirty="0" err="1"/>
+              <a:t>Dvlp</a:t>
+            </a:r>
+            <a:r>
+              <a:rPr lang="en-US" dirty="0"/>
+              <a:t>\v0.3</a:t>
+            </a:r>
+          </a:p>
+        </p:txBody>
+      </p:sp>
+      <p:cxnSp>
+        <p:nvCxnSpPr>
+          <p:cNvPr id="16" name="Straight Arrow Connector 15">
+            <a:extLst>
+              <a:ext uri="{FF2B5EF4-FFF2-40B4-BE49-F238E27FC236}">
+                <a16:creationId xmlns:a16="http://schemas.microsoft.com/office/drawing/2014/main" id="{A56BB33B-BA19-AD19-9814-0481C09C7549}"/>
+              </a:ext>
+            </a:extLst>
+          </p:cNvPr>
+          <p:cNvCxnSpPr/>
+          <p:nvPr/>
+        </p:nvCxnSpPr>
+        <p:spPr>
+          <a:xfrm flipH="1">
+            <a:off x="3723885" y="2153182"/>
+            <a:ext cx="1112599" cy="1140643"/>
+          </a:xfrm>
+          <a:prstGeom prst="straightConnector1">
+            <a:avLst/>
+          </a:prstGeom>
+          <a:ln>
+            <a:tailEnd type="triangle"/>
+          </a:ln>
+        </p:spPr>
+        <p:style>
+          <a:lnRef idx="1">
+            <a:schemeClr val="accent1"/>
+          </a:lnRef>
+          <a:fillRef idx="0">
+            <a:schemeClr val="accent1"/>
+          </a:fillRef>
+          <a:effectRef idx="0">
+            <a:schemeClr val="accent1"/>
+          </a:effectRef>
+          <a:fontRef idx="minor">
+            <a:schemeClr val="tx1"/>
+          </a:fontRef>
+        </p:style>
+      </p:cxnSp>
+      <p:sp>
+        <p:nvSpPr>
+          <p:cNvPr id="4" name="TextBox 3">
+            <a:extLst>
+              <a:ext uri="{FF2B5EF4-FFF2-40B4-BE49-F238E27FC236}">
+                <a16:creationId xmlns:a16="http://schemas.microsoft.com/office/drawing/2014/main" id="{B1A1C8AA-C5DD-7B7C-ECF4-E30EF903C987}"/>
+              </a:ext>
+            </a:extLst>
+          </p:cNvPr>
+          <p:cNvSpPr txBox="1"/>
+          <p:nvPr/>
+        </p:nvSpPr>
+        <p:spPr>
+          <a:xfrm>
+            <a:off x="5495827" y="4494898"/>
+            <a:ext cx="795411" cy="369332"/>
+          </a:xfrm>
+          <a:prstGeom prst="rect">
+            <a:avLst/>
+          </a:prstGeom>
+          <a:noFill/>
+        </p:spPr>
+        <p:txBody>
+          <a:bodyPr wrap="none" rtlCol="0">
+            <a:spAutoFit/>
+          </a:bodyPr>
+          <a:lstStyle/>
+          <a:p>
+            <a:r>
+              <a:rPr lang="he-IL" dirty="0"/>
+              <a:t>שינויים</a:t>
+            </a:r>
+            <a:endParaRPr lang="en-US" dirty="0"/>
+          </a:p>
+        </p:txBody>
+      </p:sp>
+    </p:spTree>
+    <p:extLst>
+      <p:ext uri="{BB962C8B-B14F-4D97-AF65-F5344CB8AC3E}">
+        <p14:creationId xmlns:p14="http://schemas.microsoft.com/office/powerpoint/2010/main" val="4109065590"/>
+      </p:ext>
+    </p:extLst>
+  </p:cSld>
+  <p:clrMapOvr>
+    <a:masterClrMapping/>
+  </p:clrMapOvr>
+</p:sld>
+</file>
+
+<file path=ppt/slides/slide18.xml><?xml version="1.0" encoding="utf-8"?>
+<p:sld xmlns:a="http://schemas.openxmlformats.org/drawingml/2006/main" xmlns:r="http://schemas.openxmlformats.org/officeDocument/2006/relationships" xmlns:p="http://schemas.openxmlformats.org/presentationml/2006/main">
+  <p:cSld>
+    <p:spTree>
+      <p:nvGrpSpPr>
+        <p:cNvPr id="1" name=""/>
+        <p:cNvGrpSpPr/>
+        <p:nvPr/>
+      </p:nvGrpSpPr>
+      <p:grpSpPr>
+        <a:xfrm>
+          <a:off x="0" y="0"/>
+          <a:ext cx="0" cy="0"/>
+          <a:chOff x="0" y="0"/>
+          <a:chExt cx="0" cy="0"/>
+        </a:xfrm>
+      </p:grpSpPr>
+      <p:sp>
+        <p:nvSpPr>
           <p:cNvPr id="2" name="TextBox 1">
             <a:extLst>
               <a:ext uri="{FF2B5EF4-FFF2-40B4-BE49-F238E27FC236}">
@@ -8891,7 +8952,7 @@
 </p:sld>
 </file>
 
-<file path=ppt/slides/slide18.xml><?xml version="1.0" encoding="utf-8"?>
+<file path=ppt/slides/slide19.xml><?xml version="1.0" encoding="utf-8"?>
 <p:sld xmlns:a="http://schemas.openxmlformats.org/drawingml/2006/main" xmlns:r="http://schemas.openxmlformats.org/officeDocument/2006/relationships" xmlns:p="http://schemas.openxmlformats.org/presentationml/2006/main">
   <p:cSld>
     <p:spTree>

--- a/doc/ScnLibApp.pptx
+++ b/doc/ScnLibApp.pptx
@@ -18,20 +18,21 @@
     <p:sldId id="280" r:id="rId12"/>
     <p:sldId id="270" r:id="rId13"/>
     <p:sldId id="262" r:id="rId14"/>
-    <p:sldId id="269" r:id="rId15"/>
-    <p:sldId id="283" r:id="rId16"/>
-    <p:sldId id="260" r:id="rId17"/>
-    <p:sldId id="273" r:id="rId18"/>
-    <p:sldId id="275" r:id="rId19"/>
-    <p:sldId id="274" r:id="rId20"/>
-    <p:sldId id="266" r:id="rId21"/>
-    <p:sldId id="271" r:id="rId22"/>
-    <p:sldId id="281" r:id="rId23"/>
-    <p:sldId id="272" r:id="rId24"/>
-    <p:sldId id="282" r:id="rId25"/>
-    <p:sldId id="265" r:id="rId26"/>
-    <p:sldId id="257" r:id="rId27"/>
-    <p:sldId id="258" r:id="rId28"/>
+    <p:sldId id="284" r:id="rId15"/>
+    <p:sldId id="269" r:id="rId16"/>
+    <p:sldId id="283" r:id="rId17"/>
+    <p:sldId id="260" r:id="rId18"/>
+    <p:sldId id="273" r:id="rId19"/>
+    <p:sldId id="275" r:id="rId20"/>
+    <p:sldId id="274" r:id="rId21"/>
+    <p:sldId id="266" r:id="rId22"/>
+    <p:sldId id="271" r:id="rId23"/>
+    <p:sldId id="281" r:id="rId24"/>
+    <p:sldId id="272" r:id="rId25"/>
+    <p:sldId id="282" r:id="rId26"/>
+    <p:sldId id="265" r:id="rId27"/>
+    <p:sldId id="257" r:id="rId28"/>
+    <p:sldId id="258" r:id="rId29"/>
   </p:sldIdLst>
   <p:sldSz cx="12192000" cy="6858000"/>
   <p:notesSz cx="6858000" cy="9144000"/>
@@ -497,7 +498,7 @@
           <a:p>
             <a:fld id="{695A433A-98FD-4747-B80D-DDFF7158CD96}" type="datetimeFigureOut">
               <a:rPr lang="en-US" smtClean="0"/>
-              <a:t>10/15/2023</a:t>
+              <a:t>10/17/2023</a:t>
             </a:fld>
             <a:endParaRPr lang="en-US"/>
           </a:p>
@@ -695,7 +696,7 @@
           <a:p>
             <a:fld id="{695A433A-98FD-4747-B80D-DDFF7158CD96}" type="datetimeFigureOut">
               <a:rPr lang="en-US" smtClean="0"/>
-              <a:t>10/15/2023</a:t>
+              <a:t>10/17/2023</a:t>
             </a:fld>
             <a:endParaRPr lang="en-US"/>
           </a:p>
@@ -903,7 +904,7 @@
           <a:p>
             <a:fld id="{695A433A-98FD-4747-B80D-DDFF7158CD96}" type="datetimeFigureOut">
               <a:rPr lang="en-US" smtClean="0"/>
-              <a:t>10/15/2023</a:t>
+              <a:t>10/17/2023</a:t>
             </a:fld>
             <a:endParaRPr lang="en-US"/>
           </a:p>
@@ -1101,7 +1102,7 @@
           <a:p>
             <a:fld id="{695A433A-98FD-4747-B80D-DDFF7158CD96}" type="datetimeFigureOut">
               <a:rPr lang="en-US" smtClean="0"/>
-              <a:t>10/15/2023</a:t>
+              <a:t>10/17/2023</a:t>
             </a:fld>
             <a:endParaRPr lang="en-US"/>
           </a:p>
@@ -1376,7 +1377,7 @@
           <a:p>
             <a:fld id="{695A433A-98FD-4747-B80D-DDFF7158CD96}" type="datetimeFigureOut">
               <a:rPr lang="en-US" smtClean="0"/>
-              <a:t>10/15/2023</a:t>
+              <a:t>10/17/2023</a:t>
             </a:fld>
             <a:endParaRPr lang="en-US"/>
           </a:p>
@@ -1641,7 +1642,7 @@
           <a:p>
             <a:fld id="{695A433A-98FD-4747-B80D-DDFF7158CD96}" type="datetimeFigureOut">
               <a:rPr lang="en-US" smtClean="0"/>
-              <a:t>10/15/2023</a:t>
+              <a:t>10/17/2023</a:t>
             </a:fld>
             <a:endParaRPr lang="en-US"/>
           </a:p>
@@ -2053,7 +2054,7 @@
           <a:p>
             <a:fld id="{695A433A-98FD-4747-B80D-DDFF7158CD96}" type="datetimeFigureOut">
               <a:rPr lang="en-US" smtClean="0"/>
-              <a:t>10/15/2023</a:t>
+              <a:t>10/17/2023</a:t>
             </a:fld>
             <a:endParaRPr lang="en-US"/>
           </a:p>
@@ -2194,7 +2195,7 @@
           <a:p>
             <a:fld id="{695A433A-98FD-4747-B80D-DDFF7158CD96}" type="datetimeFigureOut">
               <a:rPr lang="en-US" smtClean="0"/>
-              <a:t>10/15/2023</a:t>
+              <a:t>10/17/2023</a:t>
             </a:fld>
             <a:endParaRPr lang="en-US"/>
           </a:p>
@@ -2307,7 +2308,7 @@
           <a:p>
             <a:fld id="{695A433A-98FD-4747-B80D-DDFF7158CD96}" type="datetimeFigureOut">
               <a:rPr lang="en-US" smtClean="0"/>
-              <a:t>10/15/2023</a:t>
+              <a:t>10/17/2023</a:t>
             </a:fld>
             <a:endParaRPr lang="en-US"/>
           </a:p>
@@ -2618,7 +2619,7 @@
           <a:p>
             <a:fld id="{695A433A-98FD-4747-B80D-DDFF7158CD96}" type="datetimeFigureOut">
               <a:rPr lang="en-US" smtClean="0"/>
-              <a:t>10/15/2023</a:t>
+              <a:t>10/17/2023</a:t>
             </a:fld>
             <a:endParaRPr lang="en-US"/>
           </a:p>
@@ -2906,7 +2907,7 @@
           <a:p>
             <a:fld id="{695A433A-98FD-4747-B80D-DDFF7158CD96}" type="datetimeFigureOut">
               <a:rPr lang="en-US" smtClean="0"/>
-              <a:t>10/15/2023</a:t>
+              <a:t>10/17/2023</a:t>
             </a:fld>
             <a:endParaRPr lang="en-US"/>
           </a:p>
@@ -3150,7 +3151,7 @@
             <a:fld id="{695A433A-98FD-4747-B80D-DDFF7158CD96}" type="datetimeFigureOut">
               <a:rPr lang="en-US" smtClean="0"/>
               <a:pPr/>
-              <a:t>10/15/2023</a:t>
+              <a:t>10/17/2023</a:t>
             </a:fld>
             <a:endParaRPr lang="en-US"/>
           </a:p>
@@ -8309,7 +8310,7 @@
           <p:cNvPr id="2" name="TextBox 1">
             <a:extLst>
               <a:ext uri="{FF2B5EF4-FFF2-40B4-BE49-F238E27FC236}">
-                <a16:creationId xmlns:a16="http://schemas.microsoft.com/office/drawing/2014/main" id="{1FB5AFE8-C5FE-2980-41CF-10AAE6078007}"/>
+                <a16:creationId xmlns:a16="http://schemas.microsoft.com/office/drawing/2014/main" id="{3D175549-CCE9-7FC3-5389-0DE776092C8A}"/>
               </a:ext>
             </a:extLst>
           </p:cNvPr>
@@ -8318,8 +8319,8 @@
         </p:nvSpPr>
         <p:spPr>
           <a:xfrm>
-            <a:off x="5220069" y="2454840"/>
-            <a:ext cx="1520096" cy="369332"/>
+            <a:off x="3440784" y="933253"/>
+            <a:ext cx="808235" cy="369332"/>
           </a:xfrm>
           <a:prstGeom prst="rect">
             <a:avLst/>
@@ -8333,117 +8334,28 @@
           <a:lstStyle/>
           <a:p>
             <a:r>
-              <a:rPr lang="en-US" dirty="0" err="1">
-                <a:highlight>
-                  <a:srgbClr val="FFFF00"/>
-                </a:highlight>
-              </a:rPr>
-              <a:t>Frcast</a:t>
-            </a:r>
-            <a:r>
-              <a:rPr lang="en-US" dirty="0">
-                <a:highlight>
-                  <a:srgbClr val="FFFF00"/>
-                </a:highlight>
-              </a:rPr>
-              <a:t> object()</a:t>
-            </a:r>
-          </a:p>
-        </p:txBody>
-      </p:sp>
-      <p:sp>
-        <p:nvSpPr>
-          <p:cNvPr id="3" name="TextBox 2">
-            <a:extLst>
-              <a:ext uri="{FF2B5EF4-FFF2-40B4-BE49-F238E27FC236}">
-                <a16:creationId xmlns:a16="http://schemas.microsoft.com/office/drawing/2014/main" id="{0BBFE6E7-E1D0-7A06-5420-61753E16D4AE}"/>
-              </a:ext>
-            </a:extLst>
-          </p:cNvPr>
-          <p:cNvSpPr txBox="1"/>
-          <p:nvPr/>
-        </p:nvSpPr>
-        <p:spPr>
-          <a:xfrm>
-            <a:off x="1936446" y="3786944"/>
-            <a:ext cx="859531" cy="369332"/>
-          </a:xfrm>
-          <a:prstGeom prst="rect">
-            <a:avLst/>
-          </a:prstGeom>
-          <a:noFill/>
-        </p:spPr>
-        <p:txBody>
-          <a:bodyPr wrap="none" rtlCol="0">
-            <a:spAutoFit/>
-          </a:bodyPr>
-          <a:lstStyle/>
-          <a:p>
-            <a:r>
-              <a:rPr lang="he-IL" dirty="0"/>
-              <a:t>עיבודים</a:t>
-            </a:r>
-            <a:endParaRPr lang="en-US" dirty="0"/>
-          </a:p>
-        </p:txBody>
-      </p:sp>
-      <p:sp>
-        <p:nvSpPr>
-          <p:cNvPr id="4" name="TextBox 3">
-            <a:extLst>
-              <a:ext uri="{FF2B5EF4-FFF2-40B4-BE49-F238E27FC236}">
-                <a16:creationId xmlns:a16="http://schemas.microsoft.com/office/drawing/2014/main" id="{466185A0-D2DE-585B-9DDC-0AE31CB66CF0}"/>
-              </a:ext>
-            </a:extLst>
-          </p:cNvPr>
-          <p:cNvSpPr txBox="1"/>
-          <p:nvPr/>
-        </p:nvSpPr>
-        <p:spPr>
-          <a:xfrm>
-            <a:off x="8456637" y="660822"/>
-            <a:ext cx="359394" cy="369332"/>
-          </a:xfrm>
-          <a:prstGeom prst="rect">
-            <a:avLst/>
-          </a:prstGeom>
-          <a:solidFill>
-            <a:srgbClr val="00FF00"/>
-          </a:solidFill>
-        </p:spPr>
-        <p:txBody>
-          <a:bodyPr wrap="none" rtlCol="0">
-            <a:spAutoFit/>
-          </a:bodyPr>
-          <a:lstStyle/>
-          <a:p>
-            <a:r>
-              <a:rPr lang="en-US" dirty="0" err="1"/>
-              <a:t>ui</a:t>
-            </a:r>
-            <a:endParaRPr lang="en-US" dirty="0"/>
+              <a:rPr lang="en-US" dirty="0"/>
+              <a:t>Main()</a:t>
+            </a:r>
           </a:p>
         </p:txBody>
       </p:sp>
       <p:cxnSp>
         <p:nvCxnSpPr>
-          <p:cNvPr id="6" name="Straight Arrow Connector 5">
-            <a:extLst>
-              <a:ext uri="{FF2B5EF4-FFF2-40B4-BE49-F238E27FC236}">
-                <a16:creationId xmlns:a16="http://schemas.microsoft.com/office/drawing/2014/main" id="{5CF8CF09-449B-4BC8-E9FA-4F37343CA84D}"/>
-              </a:ext>
-            </a:extLst>
-          </p:cNvPr>
-          <p:cNvCxnSpPr>
-            <a:cxnSpLocks/>
-            <a:stCxn id="4" idx="2"/>
-          </p:cNvCxnSpPr>
+          <p:cNvPr id="4" name="Straight Arrow Connector 3">
+            <a:extLst>
+              <a:ext uri="{FF2B5EF4-FFF2-40B4-BE49-F238E27FC236}">
+                <a16:creationId xmlns:a16="http://schemas.microsoft.com/office/drawing/2014/main" id="{27479F1A-B905-4C8A-8E93-EA126C06291F}"/>
+              </a:ext>
+            </a:extLst>
+          </p:cNvPr>
+          <p:cNvCxnSpPr/>
           <p:nvPr/>
         </p:nvCxnSpPr>
         <p:spPr>
           <a:xfrm>
-            <a:off x="8636334" y="1030154"/>
-            <a:ext cx="0" cy="582777"/>
+            <a:off x="4430599" y="1102936"/>
+            <a:ext cx="603315" cy="0"/>
           </a:xfrm>
           <a:prstGeom prst="straightConnector1">
             <a:avLst/>
@@ -8469,10 +8381,10 @@
       </p:cxnSp>
       <p:sp>
         <p:nvSpPr>
-          <p:cNvPr id="7" name="TextBox 6">
-            <a:extLst>
-              <a:ext uri="{FF2B5EF4-FFF2-40B4-BE49-F238E27FC236}">
-                <a16:creationId xmlns:a16="http://schemas.microsoft.com/office/drawing/2014/main" id="{2CE2286A-8738-4F7F-255D-0E314FF719CC}"/>
+          <p:cNvPr id="5" name="TextBox 4">
+            <a:extLst>
+              <a:ext uri="{FF2B5EF4-FFF2-40B4-BE49-F238E27FC236}">
+                <a16:creationId xmlns:a16="http://schemas.microsoft.com/office/drawing/2014/main" id="{8CE3CFCF-C609-9C80-4D43-0FD21EDD39AD}"/>
               </a:ext>
             </a:extLst>
           </p:cNvPr>
@@ -8481,8 +8393,8 @@
         </p:nvSpPr>
         <p:spPr>
           <a:xfrm>
-            <a:off x="8122122" y="1904215"/>
-            <a:ext cx="1350113" cy="2585323"/>
+            <a:off x="5215494" y="933253"/>
+            <a:ext cx="635110" cy="369332"/>
           </a:xfrm>
           <a:prstGeom prst="rect">
             <a:avLst/>
@@ -8495,69 +8407,19 @@
           </a:bodyPr>
           <a:lstStyle/>
           <a:p>
-            <a:pPr algn="r" rtl="1"/>
-            <a:r>
-              <a:rPr lang="he-IL" dirty="0"/>
-              <a:t>מה אני רוצה:</a:t>
-            </a:r>
-          </a:p>
-          <a:p>
-            <a:pPr algn="r" rtl="1"/>
-            <a:endParaRPr lang="he-IL" dirty="0"/>
-          </a:p>
-          <a:p>
-            <a:pPr algn="r" rtl="1"/>
-            <a:r>
-              <a:rPr lang="he-IL" dirty="0">
-                <a:highlight>
-                  <a:srgbClr val="FFFF00"/>
-                </a:highlight>
-              </a:rPr>
-              <a:t>איזה תחזית</a:t>
-            </a:r>
-          </a:p>
-          <a:p>
-            <a:pPr algn="r" rtl="1"/>
-            <a:endParaRPr lang="he-IL" dirty="0"/>
-          </a:p>
-          <a:p>
-            <a:pPr algn="r" rtl="1"/>
-            <a:endParaRPr lang="he-IL" dirty="0"/>
-          </a:p>
-          <a:p>
-            <a:pPr algn="r" rtl="1"/>
-            <a:endParaRPr lang="he-IL" dirty="0"/>
-          </a:p>
-          <a:p>
-            <a:pPr algn="r" rtl="1"/>
-            <a:r>
-              <a:rPr lang="he-IL" dirty="0"/>
-              <a:t>איזה תרחיש</a:t>
-            </a:r>
-          </a:p>
-          <a:p>
-            <a:pPr algn="r" rtl="1"/>
-            <a:r>
-              <a:rPr lang="he-IL" dirty="0"/>
-              <a:t>איזה שנה</a:t>
-            </a:r>
-          </a:p>
-          <a:p>
-            <a:pPr algn="r" rtl="1"/>
-            <a:r>
-              <a:rPr lang="he-IL" dirty="0"/>
-              <a:t>איזה משתנה</a:t>
-            </a:r>
-            <a:endParaRPr lang="en-US" dirty="0"/>
+            <a:r>
+              <a:rPr lang="en-US" dirty="0"/>
+              <a:t>Init()</a:t>
+            </a:r>
           </a:p>
         </p:txBody>
       </p:sp>
       <p:cxnSp>
         <p:nvCxnSpPr>
-          <p:cNvPr id="11" name="Straight Arrow Connector 10">
-            <a:extLst>
-              <a:ext uri="{FF2B5EF4-FFF2-40B4-BE49-F238E27FC236}">
-                <a16:creationId xmlns:a16="http://schemas.microsoft.com/office/drawing/2014/main" id="{DC214583-C982-F59E-88E6-3E75788AB806}"/>
+          <p:cNvPr id="6" name="Straight Arrow Connector 5">
+            <a:extLst>
+              <a:ext uri="{FF2B5EF4-FFF2-40B4-BE49-F238E27FC236}">
+                <a16:creationId xmlns:a16="http://schemas.microsoft.com/office/drawing/2014/main" id="{473243AD-9A7D-9558-F57A-CA0543C4256E}"/>
               </a:ext>
             </a:extLst>
           </p:cNvPr>
@@ -8565,9 +8427,9 @@
           <p:nvPr/>
         </p:nvCxnSpPr>
         <p:spPr>
-          <a:xfrm flipH="1">
-            <a:off x="6740165" y="2639506"/>
-            <a:ext cx="1381957" cy="0"/>
+          <a:xfrm>
+            <a:off x="6000389" y="1102936"/>
+            <a:ext cx="603315" cy="0"/>
           </a:xfrm>
           <a:prstGeom prst="straightConnector1">
             <a:avLst/>
@@ -8593,66 +8455,107 @@
       </p:cxnSp>
       <p:sp>
         <p:nvSpPr>
-          <p:cNvPr id="12" name="Left Brace 11">
-            <a:extLst>
-              <a:ext uri="{FF2B5EF4-FFF2-40B4-BE49-F238E27FC236}">
-                <a16:creationId xmlns:a16="http://schemas.microsoft.com/office/drawing/2014/main" id="{AFBBDB9B-4A30-C987-CD91-6056CC3D1102}"/>
-              </a:ext>
-            </a:extLst>
-          </p:cNvPr>
-          <p:cNvSpPr/>
-          <p:nvPr/>
-        </p:nvSpPr>
-        <p:spPr>
-          <a:xfrm>
-            <a:off x="7598004" y="3424856"/>
-            <a:ext cx="377072" cy="1093509"/>
-          </a:xfrm>
-          <a:prstGeom prst="leftBrace">
-            <a:avLst/>
-          </a:prstGeom>
-        </p:spPr>
-        <p:style>
-          <a:lnRef idx="1">
-            <a:schemeClr val="accent1"/>
-          </a:lnRef>
-          <a:fillRef idx="0">
-            <a:schemeClr val="accent1"/>
-          </a:fillRef>
-          <a:effectRef idx="0">
-            <a:schemeClr val="accent1"/>
-          </a:effectRef>
-          <a:fontRef idx="minor">
-            <a:schemeClr val="tx1"/>
-          </a:fontRef>
-        </p:style>
-        <p:txBody>
-          <a:bodyPr rtlCol="0" anchor="ctr"/>
-          <a:lstStyle/>
-          <a:p>
-            <a:pPr algn="ctr"/>
-            <a:endParaRPr lang="en-US"/>
+          <p:cNvPr id="7" name="TextBox 6">
+            <a:extLst>
+              <a:ext uri="{FF2B5EF4-FFF2-40B4-BE49-F238E27FC236}">
+                <a16:creationId xmlns:a16="http://schemas.microsoft.com/office/drawing/2014/main" id="{7C0FA3B5-44F8-CB5A-7D8D-1BB440ED3603}"/>
+              </a:ext>
+            </a:extLst>
+          </p:cNvPr>
+          <p:cNvSpPr txBox="1"/>
+          <p:nvPr/>
+        </p:nvSpPr>
+        <p:spPr>
+          <a:xfrm>
+            <a:off x="6785284" y="933253"/>
+            <a:ext cx="2256643" cy="369332"/>
+          </a:xfrm>
+          <a:prstGeom prst="rect">
+            <a:avLst/>
+          </a:prstGeom>
+          <a:noFill/>
+        </p:spPr>
+        <p:txBody>
+          <a:bodyPr wrap="none" rtlCol="0">
+            <a:spAutoFit/>
+          </a:bodyPr>
+          <a:lstStyle/>
+          <a:p>
+            <a:r>
+              <a:rPr lang="en-US" dirty="0" err="1"/>
+              <a:t>Basemap</a:t>
+            </a:r>
+            <a:r>
+              <a:rPr lang="en-US" dirty="0"/>
+              <a:t> = </a:t>
+            </a:r>
+            <a:r>
+              <a:rPr lang="en-US" dirty="0" err="1"/>
+              <a:t>mapview</a:t>
+            </a:r>
+            <a:r>
+              <a:rPr lang="en-US" dirty="0"/>
+              <a:t>()</a:t>
+            </a:r>
+          </a:p>
+        </p:txBody>
+      </p:sp>
+      <p:sp>
+        <p:nvSpPr>
+          <p:cNvPr id="8" name="TextBox 7">
+            <a:extLst>
+              <a:ext uri="{FF2B5EF4-FFF2-40B4-BE49-F238E27FC236}">
+                <a16:creationId xmlns:a16="http://schemas.microsoft.com/office/drawing/2014/main" id="{E4825D34-BE78-50AC-76BF-DE0BA6AA6614}"/>
+              </a:ext>
+            </a:extLst>
+          </p:cNvPr>
+          <p:cNvSpPr txBox="1"/>
+          <p:nvPr/>
+        </p:nvSpPr>
+        <p:spPr>
+          <a:xfrm>
+            <a:off x="2083324" y="3610466"/>
+            <a:ext cx="1269386" cy="369332"/>
+          </a:xfrm>
+          <a:prstGeom prst="rect">
+            <a:avLst/>
+          </a:prstGeom>
+          <a:noFill/>
+        </p:spPr>
+        <p:txBody>
+          <a:bodyPr wrap="none" rtlCol="0">
+            <a:spAutoFit/>
+          </a:bodyPr>
+          <a:lstStyle/>
+          <a:p>
+            <a:r>
+              <a:rPr lang="en-US" dirty="0"/>
+              <a:t>Proc-</a:t>
+            </a:r>
+            <a:r>
+              <a:rPr lang="en-US" dirty="0" err="1"/>
+              <a:t>map.R</a:t>
+            </a:r>
+            <a:endParaRPr lang="en-US" dirty="0"/>
           </a:p>
         </p:txBody>
       </p:sp>
       <p:cxnSp>
         <p:nvCxnSpPr>
-          <p:cNvPr id="14" name="Straight Arrow Connector 13">
-            <a:extLst>
-              <a:ext uri="{FF2B5EF4-FFF2-40B4-BE49-F238E27FC236}">
-                <a16:creationId xmlns:a16="http://schemas.microsoft.com/office/drawing/2014/main" id="{0D7964F0-EDD3-7A3A-0CF2-2A9D291F45F3}"/>
-              </a:ext>
-            </a:extLst>
-          </p:cNvPr>
-          <p:cNvCxnSpPr>
-            <a:cxnSpLocks/>
-          </p:cNvCxnSpPr>
+          <p:cNvPr id="9" name="Straight Arrow Connector 8">
+            <a:extLst>
+              <a:ext uri="{FF2B5EF4-FFF2-40B4-BE49-F238E27FC236}">
+                <a16:creationId xmlns:a16="http://schemas.microsoft.com/office/drawing/2014/main" id="{B2237C8A-3C2B-CA50-A477-5D3CA188D598}"/>
+              </a:ext>
+            </a:extLst>
+          </p:cNvPr>
+          <p:cNvCxnSpPr/>
           <p:nvPr/>
         </p:nvCxnSpPr>
         <p:spPr>
-          <a:xfrm flipH="1">
-            <a:off x="2960016" y="3971610"/>
-            <a:ext cx="4238279" cy="0"/>
+          <a:xfrm>
+            <a:off x="3440784" y="3795132"/>
+            <a:ext cx="603315" cy="0"/>
           </a:xfrm>
           <a:prstGeom prst="straightConnector1">
             <a:avLst/>
@@ -8676,27 +8579,97 @@
           </a:fontRef>
         </p:style>
       </p:cxnSp>
+      <p:sp>
+        <p:nvSpPr>
+          <p:cNvPr id="10" name="TextBox 9">
+            <a:extLst>
+              <a:ext uri="{FF2B5EF4-FFF2-40B4-BE49-F238E27FC236}">
+                <a16:creationId xmlns:a16="http://schemas.microsoft.com/office/drawing/2014/main" id="{B7ED4F55-90E0-2D50-2380-D404499BA8B3}"/>
+              </a:ext>
+            </a:extLst>
+          </p:cNvPr>
+          <p:cNvSpPr txBox="1"/>
+          <p:nvPr/>
+        </p:nvSpPr>
+        <p:spPr>
+          <a:xfrm>
+            <a:off x="4225679" y="3610466"/>
+            <a:ext cx="2142125" cy="1200329"/>
+          </a:xfrm>
+          <a:prstGeom prst="rect">
+            <a:avLst/>
+          </a:prstGeom>
+          <a:noFill/>
+        </p:spPr>
+        <p:txBody>
+          <a:bodyPr wrap="none" rtlCol="0">
+            <a:spAutoFit/>
+          </a:bodyPr>
+          <a:lstStyle/>
+          <a:p>
+            <a:r>
+              <a:rPr lang="en-US" dirty="0" err="1"/>
+              <a:t>Simplemap</a:t>
+            </a:r>
+            <a:r>
+              <a:rPr lang="en-US" dirty="0"/>
+              <a:t>(</a:t>
+            </a:r>
+            <a:r>
+              <a:rPr lang="en-US" dirty="0" err="1"/>
+              <a:t>usereq</a:t>
+            </a:r>
+            <a:r>
+              <a:rPr lang="en-US" dirty="0"/>
+              <a:t>) {</a:t>
+            </a:r>
+          </a:p>
+          <a:p>
+            <a:r>
+              <a:rPr lang="en-US" dirty="0"/>
+              <a:t>…</a:t>
+            </a:r>
+          </a:p>
+          <a:p>
+            <a:r>
+              <a:rPr lang="en-US" dirty="0"/>
+              <a:t>X = </a:t>
+            </a:r>
+            <a:r>
+              <a:rPr lang="en-US" dirty="0" err="1"/>
+              <a:t>mapview</a:t>
+            </a:r>
+            <a:r>
+              <a:rPr lang="en-US" dirty="0"/>
+              <a:t>(….)</a:t>
+            </a:r>
+          </a:p>
+          <a:p>
+            <a:r>
+              <a:rPr lang="en-US" dirty="0"/>
+              <a:t>Return(x)</a:t>
+            </a:r>
+          </a:p>
+        </p:txBody>
+      </p:sp>
       <p:cxnSp>
         <p:nvCxnSpPr>
-          <p:cNvPr id="17" name="Connector: Elbow 16">
-            <a:extLst>
-              <a:ext uri="{FF2B5EF4-FFF2-40B4-BE49-F238E27FC236}">
-                <a16:creationId xmlns:a16="http://schemas.microsoft.com/office/drawing/2014/main" id="{A18F8274-CE72-D9D3-4D6A-B4CAD506CDAC}"/>
-              </a:ext>
-            </a:extLst>
-          </p:cNvPr>
-          <p:cNvCxnSpPr>
-            <a:stCxn id="2" idx="1"/>
-            <a:endCxn id="3" idx="0"/>
-          </p:cNvCxnSpPr>
+          <p:cNvPr id="11" name="Straight Arrow Connector 10">
+            <a:extLst>
+              <a:ext uri="{FF2B5EF4-FFF2-40B4-BE49-F238E27FC236}">
+                <a16:creationId xmlns:a16="http://schemas.microsoft.com/office/drawing/2014/main" id="{F0D23082-3B1C-41AE-C3DE-31370FC9490F}"/>
+              </a:ext>
+            </a:extLst>
+          </p:cNvPr>
+          <p:cNvCxnSpPr/>
           <p:nvPr/>
         </p:nvCxnSpPr>
         <p:spPr>
-          <a:xfrm rot="10800000" flipV="1">
-            <a:off x="2366213" y="2639506"/>
-            <a:ext cx="2853857" cy="1147438"/>
-          </a:xfrm>
-          <a:prstGeom prst="bentConnector2">
+          <a:xfrm>
+            <a:off x="6622132" y="3795132"/>
+            <a:ext cx="603315" cy="0"/>
+          </a:xfrm>
+          <a:prstGeom prst="straightConnector1">
             <a:avLst/>
           </a:prstGeom>
           <a:ln>
@@ -8720,10 +8693,10 @@
       </p:cxnSp>
       <p:sp>
         <p:nvSpPr>
-          <p:cNvPr id="19" name="TextBox 18">
-            <a:extLst>
-              <a:ext uri="{FF2B5EF4-FFF2-40B4-BE49-F238E27FC236}">
-                <a16:creationId xmlns:a16="http://schemas.microsoft.com/office/drawing/2014/main" id="{80EFB18F-80DF-5DC1-D73D-2207CEBAF17F}"/>
+          <p:cNvPr id="12" name="TextBox 11">
+            <a:extLst>
+              <a:ext uri="{FF2B5EF4-FFF2-40B4-BE49-F238E27FC236}">
+                <a16:creationId xmlns:a16="http://schemas.microsoft.com/office/drawing/2014/main" id="{71848C6C-BB0E-3119-4B35-42CBD8DD1617}"/>
               </a:ext>
             </a:extLst>
           </p:cNvPr>
@@ -8732,18 +8705,13 @@
         </p:nvSpPr>
         <p:spPr>
           <a:xfrm>
-            <a:off x="153715" y="4749716"/>
-            <a:ext cx="5284524" cy="369332"/>
-          </a:xfrm>
-          <a:prstGeom prst="rect">
-            <a:avLst/>
-          </a:prstGeom>
-          <a:solidFill>
-            <a:schemeClr val="accent4">
-              <a:lumMod val="20000"/>
-              <a:lumOff val="80000"/>
-            </a:schemeClr>
-          </a:solidFill>
+            <a:off x="7369746" y="3610466"/>
+            <a:ext cx="2441694" cy="369332"/>
+          </a:xfrm>
+          <a:prstGeom prst="rect">
+            <a:avLst/>
+          </a:prstGeom>
+          <a:noFill/>
         </p:spPr>
         <p:txBody>
           <a:bodyPr wrap="none" rtlCol="0">
@@ -8752,70 +8720,75 @@
           <a:lstStyle/>
           <a:p>
             <a:r>
+              <a:rPr lang="en-US" dirty="0" err="1"/>
+              <a:t>Basemap</a:t>
+            </a:r>
+            <a:r>
               <a:rPr lang="en-US" dirty="0"/>
-              <a:t>Function </a:t>
+              <a:t> = </a:t>
             </a:r>
             <a:r>
               <a:rPr lang="en-US" dirty="0" err="1"/>
-              <a:t>simplemap</a:t>
+              <a:t>Basemap</a:t>
             </a:r>
             <a:r>
               <a:rPr lang="en-US" dirty="0"/>
-              <a:t>(</a:t>
-            </a:r>
-            <a:r>
-              <a:rPr lang="en-US" dirty="0" err="1"/>
-              <a:t>acfrsst</a:t>
-            </a:r>
+              <a:t> + x</a:t>
+            </a:r>
+          </a:p>
+        </p:txBody>
+      </p:sp>
+      <p:sp>
+        <p:nvSpPr>
+          <p:cNvPr id="13" name="TextBox 12">
+            <a:extLst>
+              <a:ext uri="{FF2B5EF4-FFF2-40B4-BE49-F238E27FC236}">
+                <a16:creationId xmlns:a16="http://schemas.microsoft.com/office/drawing/2014/main" id="{EC843297-E8B1-1A13-A256-75641BEBF598}"/>
+              </a:ext>
+            </a:extLst>
+          </p:cNvPr>
+          <p:cNvSpPr txBox="1"/>
+          <p:nvPr/>
+        </p:nvSpPr>
+        <p:spPr>
+          <a:xfrm>
+            <a:off x="3302277" y="2328171"/>
+            <a:ext cx="1645002" cy="369332"/>
+          </a:xfrm>
+          <a:prstGeom prst="rect">
+            <a:avLst/>
+          </a:prstGeom>
+          <a:noFill/>
+        </p:spPr>
+        <p:txBody>
+          <a:bodyPr wrap="none" rtlCol="0">
+            <a:spAutoFit/>
+          </a:bodyPr>
+          <a:lstStyle/>
+          <a:p>
             <a:r>
               <a:rPr lang="en-US" dirty="0"/>
-              <a:t>, </a:t>
-            </a:r>
-            <a:r>
-              <a:rPr lang="en-US" dirty="0" err="1"/>
-              <a:t>aScn</a:t>
-            </a:r>
-            <a:r>
-              <a:rPr lang="en-US" dirty="0"/>
-              <a:t>, </a:t>
-            </a:r>
-            <a:r>
-              <a:rPr lang="en-US" dirty="0" err="1"/>
-              <a:t>aYr</a:t>
-            </a:r>
-            <a:r>
-              <a:rPr lang="en-US" dirty="0"/>
-              <a:t>, </a:t>
-            </a:r>
-            <a:r>
-              <a:rPr lang="en-US" dirty="0" err="1"/>
-              <a:t>aVr</a:t>
-            </a:r>
-            <a:r>
-              <a:rPr lang="en-US" dirty="0"/>
-              <a:t>, options=….)</a:t>
+              <a:t>Select scenario </a:t>
             </a:r>
           </a:p>
         </p:txBody>
       </p:sp>
       <p:cxnSp>
         <p:nvCxnSpPr>
-          <p:cNvPr id="21" name="Straight Arrow Connector 20">
-            <a:extLst>
-              <a:ext uri="{FF2B5EF4-FFF2-40B4-BE49-F238E27FC236}">
-                <a16:creationId xmlns:a16="http://schemas.microsoft.com/office/drawing/2014/main" id="{82CC0F9A-DB80-0A2B-6DBE-773903990C42}"/>
-              </a:ext>
-            </a:extLst>
-          </p:cNvPr>
-          <p:cNvCxnSpPr>
-            <a:stCxn id="3" idx="2"/>
-          </p:cNvCxnSpPr>
+          <p:cNvPr id="14" name="Straight Arrow Connector 13">
+            <a:extLst>
+              <a:ext uri="{FF2B5EF4-FFF2-40B4-BE49-F238E27FC236}">
+                <a16:creationId xmlns:a16="http://schemas.microsoft.com/office/drawing/2014/main" id="{7D1C1906-BC9D-23CE-8867-1155D19F6157}"/>
+              </a:ext>
+            </a:extLst>
+          </p:cNvPr>
+          <p:cNvCxnSpPr/>
           <p:nvPr/>
         </p:nvCxnSpPr>
         <p:spPr>
-          <a:xfrm flipH="1">
-            <a:off x="2366211" y="4156276"/>
-            <a:ext cx="1" cy="362089"/>
+          <a:xfrm>
+            <a:off x="5198626" y="2512837"/>
+            <a:ext cx="603315" cy="0"/>
           </a:xfrm>
           <a:prstGeom prst="straightConnector1">
             <a:avLst/>
@@ -8841,10 +8814,10 @@
       </p:cxnSp>
       <p:sp>
         <p:nvSpPr>
-          <p:cNvPr id="24" name="TextBox 23">
-            <a:extLst>
-              <a:ext uri="{FF2B5EF4-FFF2-40B4-BE49-F238E27FC236}">
-                <a16:creationId xmlns:a16="http://schemas.microsoft.com/office/drawing/2014/main" id="{CD8E729F-60F3-D29E-F9B3-7B1185E39014}"/>
+          <p:cNvPr id="15" name="TextBox 14">
+            <a:extLst>
+              <a:ext uri="{FF2B5EF4-FFF2-40B4-BE49-F238E27FC236}">
+                <a16:creationId xmlns:a16="http://schemas.microsoft.com/office/drawing/2014/main" id="{B99021B7-CEB3-C562-B215-BB3C5FD7D49D}"/>
               </a:ext>
             </a:extLst>
           </p:cNvPr>
@@ -8853,15 +8826,13 @@
         </p:nvSpPr>
         <p:spPr>
           <a:xfrm>
-            <a:off x="10068621" y="3012210"/>
-            <a:ext cx="886781" cy="646331"/>
-          </a:xfrm>
-          <a:prstGeom prst="rect">
-            <a:avLst/>
-          </a:prstGeom>
-          <a:solidFill>
-            <a:srgbClr val="00FF00"/>
-          </a:solidFill>
+            <a:off x="6302046" y="2320679"/>
+            <a:ext cx="3928319" cy="369332"/>
+          </a:xfrm>
+          <a:prstGeom prst="rect">
+            <a:avLst/>
+          </a:prstGeom>
+          <a:noFill/>
         </p:spPr>
         <p:txBody>
           <a:bodyPr wrap="none" rtlCol="0">
@@ -8870,66 +8841,44 @@
           <a:lstStyle/>
           <a:p>
             <a:r>
-              <a:rPr lang="he-IL" dirty="0"/>
-              <a:t>או</a:t>
-            </a:r>
-          </a:p>
-          <a:p>
+              <a:rPr lang="en-US" dirty="0" err="1"/>
+              <a:t>Basemap</a:t>
+            </a:r>
             <a:r>
               <a:rPr lang="en-US" dirty="0"/>
-              <a:t>manual</a:t>
-            </a:r>
-          </a:p>
-        </p:txBody>
-      </p:sp>
-      <p:sp>
-        <p:nvSpPr>
-          <p:cNvPr id="26" name="Left Brace 25">
-            <a:extLst>
-              <a:ext uri="{FF2B5EF4-FFF2-40B4-BE49-F238E27FC236}">
-                <a16:creationId xmlns:a16="http://schemas.microsoft.com/office/drawing/2014/main" id="{FFC01746-AEC6-FA01-3490-BDF6EF6BE6F2}"/>
-              </a:ext>
-            </a:extLst>
-          </p:cNvPr>
-          <p:cNvSpPr/>
-          <p:nvPr/>
-        </p:nvSpPr>
-        <p:spPr>
-          <a:xfrm>
-            <a:off x="9841583" y="2526384"/>
-            <a:ext cx="105665" cy="2073897"/>
-          </a:xfrm>
-          <a:prstGeom prst="leftBrace">
-            <a:avLst/>
-          </a:prstGeom>
-        </p:spPr>
-        <p:style>
-          <a:lnRef idx="1">
-            <a:schemeClr val="accent1"/>
-          </a:lnRef>
-          <a:fillRef idx="0">
-            <a:schemeClr val="accent1"/>
-          </a:fillRef>
-          <a:effectRef idx="0">
-            <a:schemeClr val="accent1"/>
-          </a:effectRef>
-          <a:fontRef idx="minor">
-            <a:schemeClr val="tx1"/>
-          </a:fontRef>
-        </p:style>
-        <p:txBody>
-          <a:bodyPr rtlCol="0" anchor="ctr"/>
-          <a:lstStyle/>
-          <a:p>
-            <a:pPr algn="ctr"/>
-            <a:endParaRPr lang="en-US"/>
+              <a:t> = </a:t>
+            </a:r>
+            <a:r>
+              <a:rPr lang="en-US" dirty="0" err="1"/>
+              <a:t>Basemap</a:t>
+            </a:r>
+            <a:r>
+              <a:rPr lang="en-US" dirty="0"/>
+              <a:t>  + </a:t>
+            </a:r>
+            <a:r>
+              <a:rPr lang="en-US" dirty="0" err="1"/>
+              <a:t>mapview</a:t>
+            </a:r>
+            <a:r>
+              <a:rPr lang="en-US" dirty="0"/>
+              <a:t>(</a:t>
+            </a:r>
+            <a:r>
+              <a:rPr lang="en-US" dirty="0" err="1"/>
+              <a:t>tazlyr</a:t>
+            </a:r>
+            <a:r>
+              <a:rPr lang="en-US" dirty="0"/>
+              <a:t>)</a:t>
+            </a:r>
           </a:p>
         </p:txBody>
       </p:sp>
     </p:spTree>
     <p:extLst>
       <p:ext uri="{BB962C8B-B14F-4D97-AF65-F5344CB8AC3E}">
-        <p14:creationId xmlns:p14="http://schemas.microsoft.com/office/powerpoint/2010/main" val="4094921328"/>
+        <p14:creationId xmlns:p14="http://schemas.microsoft.com/office/powerpoint/2010/main" val="1516127633"/>
       </p:ext>
     </p:extLst>
   </p:cSld>
@@ -8958,10 +8907,10 @@
       </p:grpSpPr>
       <p:sp>
         <p:nvSpPr>
-          <p:cNvPr id="3" name="TextBox 2">
-            <a:extLst>
-              <a:ext uri="{FF2B5EF4-FFF2-40B4-BE49-F238E27FC236}">
-                <a16:creationId xmlns:a16="http://schemas.microsoft.com/office/drawing/2014/main" id="{57E54EB8-F5B7-282A-D6D2-F0A17546C271}"/>
+          <p:cNvPr id="2" name="TextBox 1">
+            <a:extLst>
+              <a:ext uri="{FF2B5EF4-FFF2-40B4-BE49-F238E27FC236}">
+                <a16:creationId xmlns:a16="http://schemas.microsoft.com/office/drawing/2014/main" id="{1FB5AFE8-C5FE-2980-41CF-10AAE6078007}"/>
               </a:ext>
             </a:extLst>
           </p:cNvPr>
@@ -8970,8 +8919,8 @@
         </p:nvSpPr>
         <p:spPr>
           <a:xfrm>
-            <a:off x="2333625" y="1167884"/>
-            <a:ext cx="6096000" cy="369332"/>
+            <a:off x="5220069" y="2454840"/>
+            <a:ext cx="1520096" cy="369332"/>
           </a:xfrm>
           <a:prstGeom prst="rect">
             <a:avLst/>
@@ -8979,24 +8928,36 @@
           <a:noFill/>
         </p:spPr>
         <p:txBody>
-          <a:bodyPr wrap="square">
+          <a:bodyPr wrap="none" rtlCol="0">
             <a:spAutoFit/>
           </a:bodyPr>
           <a:lstStyle/>
           <a:p>
             <a:r>
-              <a:rPr lang="en-US" dirty="0"/>
-              <a:t>https://bhaskarvk.github.io/leaflet.extras/</a:t>
-            </a:r>
-          </a:p>
-        </p:txBody>
-      </p:sp>
-      <p:sp>
-        <p:nvSpPr>
-          <p:cNvPr id="5" name="TextBox 4">
-            <a:extLst>
-              <a:ext uri="{FF2B5EF4-FFF2-40B4-BE49-F238E27FC236}">
-                <a16:creationId xmlns:a16="http://schemas.microsoft.com/office/drawing/2014/main" id="{57EC6282-1734-3A49-B3E4-CD71FD729C38}"/>
+              <a:rPr lang="en-US" dirty="0" err="1">
+                <a:highlight>
+                  <a:srgbClr val="FFFF00"/>
+                </a:highlight>
+              </a:rPr>
+              <a:t>Frcast</a:t>
+            </a:r>
+            <a:r>
+              <a:rPr lang="en-US" dirty="0">
+                <a:highlight>
+                  <a:srgbClr val="FFFF00"/>
+                </a:highlight>
+              </a:rPr>
+              <a:t> object()</a:t>
+            </a:r>
+          </a:p>
+        </p:txBody>
+      </p:sp>
+      <p:sp>
+        <p:nvSpPr>
+          <p:cNvPr id="3" name="TextBox 2">
+            <a:extLst>
+              <a:ext uri="{FF2B5EF4-FFF2-40B4-BE49-F238E27FC236}">
+                <a16:creationId xmlns:a16="http://schemas.microsoft.com/office/drawing/2014/main" id="{0BBFE6E7-E1D0-7A06-5420-61753E16D4AE}"/>
               </a:ext>
             </a:extLst>
           </p:cNvPr>
@@ -9005,8 +8966,8 @@
         </p:nvSpPr>
         <p:spPr>
           <a:xfrm>
-            <a:off x="1819275" y="3806309"/>
-            <a:ext cx="6096000" cy="369332"/>
+            <a:off x="1936446" y="3786944"/>
+            <a:ext cx="859531" cy="369332"/>
           </a:xfrm>
           <a:prstGeom prst="rect">
             <a:avLst/>
@@ -9014,24 +8975,25 @@
           <a:noFill/>
         </p:spPr>
         <p:txBody>
-          <a:bodyPr wrap="square">
+          <a:bodyPr wrap="none" rtlCol="0">
             <a:spAutoFit/>
           </a:bodyPr>
           <a:lstStyle/>
           <a:p>
             <a:r>
-              <a:rPr lang="en-US" dirty="0"/>
-              <a:t>https://github.com/trafficonese/leaflet.extras2</a:t>
-            </a:r>
-          </a:p>
-        </p:txBody>
-      </p:sp>
-      <p:sp>
-        <p:nvSpPr>
-          <p:cNvPr id="7" name="TextBox 6">
-            <a:extLst>
-              <a:ext uri="{FF2B5EF4-FFF2-40B4-BE49-F238E27FC236}">
-                <a16:creationId xmlns:a16="http://schemas.microsoft.com/office/drawing/2014/main" id="{25F70105-5C46-CD89-23B5-52474484AA45}"/>
+              <a:rPr lang="he-IL" dirty="0"/>
+              <a:t>עיבודים</a:t>
+            </a:r>
+            <a:endParaRPr lang="en-US" dirty="0"/>
+          </a:p>
+        </p:txBody>
+      </p:sp>
+      <p:sp>
+        <p:nvSpPr>
+          <p:cNvPr id="4" name="TextBox 3">
+            <a:extLst>
+              <a:ext uri="{FF2B5EF4-FFF2-40B4-BE49-F238E27FC236}">
+                <a16:creationId xmlns:a16="http://schemas.microsoft.com/office/drawing/2014/main" id="{466185A0-D2DE-585B-9DDC-0AE31CB66CF0}"/>
               </a:ext>
             </a:extLst>
           </p:cNvPr>
@@ -9040,31 +9002,535 @@
         </p:nvSpPr>
         <p:spPr>
           <a:xfrm>
-            <a:off x="1819275" y="3429000"/>
-            <a:ext cx="6096000" cy="369332"/>
-          </a:xfrm>
-          <a:prstGeom prst="rect">
-            <a:avLst/>
-          </a:prstGeom>
-          <a:noFill/>
-        </p:spPr>
-        <p:txBody>
-          <a:bodyPr wrap="square">
+            <a:off x="8456637" y="660822"/>
+            <a:ext cx="359394" cy="369332"/>
+          </a:xfrm>
+          <a:prstGeom prst="rect">
+            <a:avLst/>
+          </a:prstGeom>
+          <a:solidFill>
+            <a:srgbClr val="00FF00"/>
+          </a:solidFill>
+        </p:spPr>
+        <p:txBody>
+          <a:bodyPr wrap="none" rtlCol="0">
             <a:spAutoFit/>
           </a:bodyPr>
           <a:lstStyle/>
           <a:p>
             <a:r>
+              <a:rPr lang="en-US" dirty="0" err="1"/>
+              <a:t>ui</a:t>
+            </a:r>
+            <a:endParaRPr lang="en-US" dirty="0"/>
+          </a:p>
+        </p:txBody>
+      </p:sp>
+      <p:cxnSp>
+        <p:nvCxnSpPr>
+          <p:cNvPr id="6" name="Straight Arrow Connector 5">
+            <a:extLst>
+              <a:ext uri="{FF2B5EF4-FFF2-40B4-BE49-F238E27FC236}">
+                <a16:creationId xmlns:a16="http://schemas.microsoft.com/office/drawing/2014/main" id="{5CF8CF09-449B-4BC8-E9FA-4F37343CA84D}"/>
+              </a:ext>
+            </a:extLst>
+          </p:cNvPr>
+          <p:cNvCxnSpPr>
+            <a:cxnSpLocks/>
+            <a:stCxn id="4" idx="2"/>
+          </p:cNvCxnSpPr>
+          <p:nvPr/>
+        </p:nvCxnSpPr>
+        <p:spPr>
+          <a:xfrm>
+            <a:off x="8636334" y="1030154"/>
+            <a:ext cx="0" cy="582777"/>
+          </a:xfrm>
+          <a:prstGeom prst="straightConnector1">
+            <a:avLst/>
+          </a:prstGeom>
+          <a:ln>
+            <a:tailEnd type="triangle"/>
+          </a:ln>
+        </p:spPr>
+        <p:style>
+          <a:lnRef idx="1">
+            <a:schemeClr val="accent1"/>
+          </a:lnRef>
+          <a:fillRef idx="0">
+            <a:schemeClr val="accent1"/>
+          </a:fillRef>
+          <a:effectRef idx="0">
+            <a:schemeClr val="accent1"/>
+          </a:effectRef>
+          <a:fontRef idx="minor">
+            <a:schemeClr val="tx1"/>
+          </a:fontRef>
+        </p:style>
+      </p:cxnSp>
+      <p:sp>
+        <p:nvSpPr>
+          <p:cNvPr id="7" name="TextBox 6">
+            <a:extLst>
+              <a:ext uri="{FF2B5EF4-FFF2-40B4-BE49-F238E27FC236}">
+                <a16:creationId xmlns:a16="http://schemas.microsoft.com/office/drawing/2014/main" id="{2CE2286A-8738-4F7F-255D-0E314FF719CC}"/>
+              </a:ext>
+            </a:extLst>
+          </p:cNvPr>
+          <p:cNvSpPr txBox="1"/>
+          <p:nvPr/>
+        </p:nvSpPr>
+        <p:spPr>
+          <a:xfrm>
+            <a:off x="8122122" y="1904215"/>
+            <a:ext cx="1350113" cy="2585323"/>
+          </a:xfrm>
+          <a:prstGeom prst="rect">
+            <a:avLst/>
+          </a:prstGeom>
+          <a:noFill/>
+        </p:spPr>
+        <p:txBody>
+          <a:bodyPr wrap="none" rtlCol="0">
+            <a:spAutoFit/>
+          </a:bodyPr>
+          <a:lstStyle/>
+          <a:p>
+            <a:pPr algn="r" rtl="1"/>
+            <a:r>
+              <a:rPr lang="he-IL" dirty="0"/>
+              <a:t>מה אני רוצה:</a:t>
+            </a:r>
+          </a:p>
+          <a:p>
+            <a:pPr algn="r" rtl="1"/>
+            <a:endParaRPr lang="he-IL" dirty="0"/>
+          </a:p>
+          <a:p>
+            <a:pPr algn="r" rtl="1"/>
+            <a:r>
+              <a:rPr lang="he-IL" dirty="0">
+                <a:highlight>
+                  <a:srgbClr val="FFFF00"/>
+                </a:highlight>
+              </a:rPr>
+              <a:t>איזה תחזית</a:t>
+            </a:r>
+          </a:p>
+          <a:p>
+            <a:pPr algn="r" rtl="1"/>
+            <a:endParaRPr lang="he-IL" dirty="0"/>
+          </a:p>
+          <a:p>
+            <a:pPr algn="r" rtl="1"/>
+            <a:endParaRPr lang="he-IL" dirty="0"/>
+          </a:p>
+          <a:p>
+            <a:pPr algn="r" rtl="1"/>
+            <a:endParaRPr lang="he-IL" dirty="0"/>
+          </a:p>
+          <a:p>
+            <a:pPr algn="r" rtl="1"/>
+            <a:r>
+              <a:rPr lang="he-IL" dirty="0"/>
+              <a:t>איזה תרחיש</a:t>
+            </a:r>
+          </a:p>
+          <a:p>
+            <a:pPr algn="r" rtl="1"/>
+            <a:r>
+              <a:rPr lang="he-IL" dirty="0"/>
+              <a:t>איזה שנה</a:t>
+            </a:r>
+          </a:p>
+          <a:p>
+            <a:pPr algn="r" rtl="1"/>
+            <a:r>
+              <a:rPr lang="he-IL" dirty="0"/>
+              <a:t>איזה משתנה</a:t>
+            </a:r>
+            <a:endParaRPr lang="en-US" dirty="0"/>
+          </a:p>
+        </p:txBody>
+      </p:sp>
+      <p:cxnSp>
+        <p:nvCxnSpPr>
+          <p:cNvPr id="11" name="Straight Arrow Connector 10">
+            <a:extLst>
+              <a:ext uri="{FF2B5EF4-FFF2-40B4-BE49-F238E27FC236}">
+                <a16:creationId xmlns:a16="http://schemas.microsoft.com/office/drawing/2014/main" id="{DC214583-C982-F59E-88E6-3E75788AB806}"/>
+              </a:ext>
+            </a:extLst>
+          </p:cNvPr>
+          <p:cNvCxnSpPr/>
+          <p:nvPr/>
+        </p:nvCxnSpPr>
+        <p:spPr>
+          <a:xfrm flipH="1">
+            <a:off x="6740165" y="2639506"/>
+            <a:ext cx="1381957" cy="0"/>
+          </a:xfrm>
+          <a:prstGeom prst="straightConnector1">
+            <a:avLst/>
+          </a:prstGeom>
+          <a:ln>
+            <a:tailEnd type="triangle"/>
+          </a:ln>
+        </p:spPr>
+        <p:style>
+          <a:lnRef idx="1">
+            <a:schemeClr val="accent1"/>
+          </a:lnRef>
+          <a:fillRef idx="0">
+            <a:schemeClr val="accent1"/>
+          </a:fillRef>
+          <a:effectRef idx="0">
+            <a:schemeClr val="accent1"/>
+          </a:effectRef>
+          <a:fontRef idx="minor">
+            <a:schemeClr val="tx1"/>
+          </a:fontRef>
+        </p:style>
+      </p:cxnSp>
+      <p:sp>
+        <p:nvSpPr>
+          <p:cNvPr id="12" name="Left Brace 11">
+            <a:extLst>
+              <a:ext uri="{FF2B5EF4-FFF2-40B4-BE49-F238E27FC236}">
+                <a16:creationId xmlns:a16="http://schemas.microsoft.com/office/drawing/2014/main" id="{AFBBDB9B-4A30-C987-CD91-6056CC3D1102}"/>
+              </a:ext>
+            </a:extLst>
+          </p:cNvPr>
+          <p:cNvSpPr/>
+          <p:nvPr/>
+        </p:nvSpPr>
+        <p:spPr>
+          <a:xfrm>
+            <a:off x="7598004" y="3424856"/>
+            <a:ext cx="377072" cy="1093509"/>
+          </a:xfrm>
+          <a:prstGeom prst="leftBrace">
+            <a:avLst/>
+          </a:prstGeom>
+        </p:spPr>
+        <p:style>
+          <a:lnRef idx="1">
+            <a:schemeClr val="accent1"/>
+          </a:lnRef>
+          <a:fillRef idx="0">
+            <a:schemeClr val="accent1"/>
+          </a:fillRef>
+          <a:effectRef idx="0">
+            <a:schemeClr val="accent1"/>
+          </a:effectRef>
+          <a:fontRef idx="minor">
+            <a:schemeClr val="tx1"/>
+          </a:fontRef>
+        </p:style>
+        <p:txBody>
+          <a:bodyPr rtlCol="0" anchor="ctr"/>
+          <a:lstStyle/>
+          <a:p>
+            <a:pPr algn="ctr"/>
+            <a:endParaRPr lang="en-US"/>
+          </a:p>
+        </p:txBody>
+      </p:sp>
+      <p:cxnSp>
+        <p:nvCxnSpPr>
+          <p:cNvPr id="14" name="Straight Arrow Connector 13">
+            <a:extLst>
+              <a:ext uri="{FF2B5EF4-FFF2-40B4-BE49-F238E27FC236}">
+                <a16:creationId xmlns:a16="http://schemas.microsoft.com/office/drawing/2014/main" id="{0D7964F0-EDD3-7A3A-0CF2-2A9D291F45F3}"/>
+              </a:ext>
+            </a:extLst>
+          </p:cNvPr>
+          <p:cNvCxnSpPr>
+            <a:cxnSpLocks/>
+          </p:cNvCxnSpPr>
+          <p:nvPr/>
+        </p:nvCxnSpPr>
+        <p:spPr>
+          <a:xfrm flipH="1">
+            <a:off x="2960016" y="3971610"/>
+            <a:ext cx="4238279" cy="0"/>
+          </a:xfrm>
+          <a:prstGeom prst="straightConnector1">
+            <a:avLst/>
+          </a:prstGeom>
+          <a:ln>
+            <a:tailEnd type="triangle"/>
+          </a:ln>
+        </p:spPr>
+        <p:style>
+          <a:lnRef idx="1">
+            <a:schemeClr val="accent1"/>
+          </a:lnRef>
+          <a:fillRef idx="0">
+            <a:schemeClr val="accent1"/>
+          </a:fillRef>
+          <a:effectRef idx="0">
+            <a:schemeClr val="accent1"/>
+          </a:effectRef>
+          <a:fontRef idx="minor">
+            <a:schemeClr val="tx1"/>
+          </a:fontRef>
+        </p:style>
+      </p:cxnSp>
+      <p:cxnSp>
+        <p:nvCxnSpPr>
+          <p:cNvPr id="17" name="Connector: Elbow 16">
+            <a:extLst>
+              <a:ext uri="{FF2B5EF4-FFF2-40B4-BE49-F238E27FC236}">
+                <a16:creationId xmlns:a16="http://schemas.microsoft.com/office/drawing/2014/main" id="{A18F8274-CE72-D9D3-4D6A-B4CAD506CDAC}"/>
+              </a:ext>
+            </a:extLst>
+          </p:cNvPr>
+          <p:cNvCxnSpPr>
+            <a:stCxn id="2" idx="1"/>
+            <a:endCxn id="3" idx="0"/>
+          </p:cNvCxnSpPr>
+          <p:nvPr/>
+        </p:nvCxnSpPr>
+        <p:spPr>
+          <a:xfrm rot="10800000" flipV="1">
+            <a:off x="2366213" y="2639506"/>
+            <a:ext cx="2853857" cy="1147438"/>
+          </a:xfrm>
+          <a:prstGeom prst="bentConnector2">
+            <a:avLst/>
+          </a:prstGeom>
+          <a:ln>
+            <a:tailEnd type="triangle"/>
+          </a:ln>
+        </p:spPr>
+        <p:style>
+          <a:lnRef idx="1">
+            <a:schemeClr val="accent1"/>
+          </a:lnRef>
+          <a:fillRef idx="0">
+            <a:schemeClr val="accent1"/>
+          </a:fillRef>
+          <a:effectRef idx="0">
+            <a:schemeClr val="accent1"/>
+          </a:effectRef>
+          <a:fontRef idx="minor">
+            <a:schemeClr val="tx1"/>
+          </a:fontRef>
+        </p:style>
+      </p:cxnSp>
+      <p:sp>
+        <p:nvSpPr>
+          <p:cNvPr id="19" name="TextBox 18">
+            <a:extLst>
+              <a:ext uri="{FF2B5EF4-FFF2-40B4-BE49-F238E27FC236}">
+                <a16:creationId xmlns:a16="http://schemas.microsoft.com/office/drawing/2014/main" id="{80EFB18F-80DF-5DC1-D73D-2207CEBAF17F}"/>
+              </a:ext>
+            </a:extLst>
+          </p:cNvPr>
+          <p:cNvSpPr txBox="1"/>
+          <p:nvPr/>
+        </p:nvSpPr>
+        <p:spPr>
+          <a:xfrm>
+            <a:off x="153715" y="4749716"/>
+            <a:ext cx="5284524" cy="369332"/>
+          </a:xfrm>
+          <a:prstGeom prst="rect">
+            <a:avLst/>
+          </a:prstGeom>
+          <a:solidFill>
+            <a:schemeClr val="accent4">
+              <a:lumMod val="20000"/>
+              <a:lumOff val="80000"/>
+            </a:schemeClr>
+          </a:solidFill>
+        </p:spPr>
+        <p:txBody>
+          <a:bodyPr wrap="none" rtlCol="0">
+            <a:spAutoFit/>
+          </a:bodyPr>
+          <a:lstStyle/>
+          <a:p>
+            <a:r>
               <a:rPr lang="en-US" dirty="0"/>
-              <a:t>https://trafficonese.github.io/leaflet.extras2/</a:t>
-            </a:r>
+              <a:t>Function </a:t>
+            </a:r>
+            <a:r>
+              <a:rPr lang="en-US" dirty="0" err="1"/>
+              <a:t>simplemap</a:t>
+            </a:r>
+            <a:r>
+              <a:rPr lang="en-US" dirty="0"/>
+              <a:t>(</a:t>
+            </a:r>
+            <a:r>
+              <a:rPr lang="en-US" dirty="0" err="1"/>
+              <a:t>acfrsst</a:t>
+            </a:r>
+            <a:r>
+              <a:rPr lang="en-US" dirty="0"/>
+              <a:t>, </a:t>
+            </a:r>
+            <a:r>
+              <a:rPr lang="en-US" dirty="0" err="1"/>
+              <a:t>aScn</a:t>
+            </a:r>
+            <a:r>
+              <a:rPr lang="en-US" dirty="0"/>
+              <a:t>, </a:t>
+            </a:r>
+            <a:r>
+              <a:rPr lang="en-US" dirty="0" err="1"/>
+              <a:t>aYr</a:t>
+            </a:r>
+            <a:r>
+              <a:rPr lang="en-US" dirty="0"/>
+              <a:t>, </a:t>
+            </a:r>
+            <a:r>
+              <a:rPr lang="en-US" dirty="0" err="1"/>
+              <a:t>aVr</a:t>
+            </a:r>
+            <a:r>
+              <a:rPr lang="en-US" dirty="0"/>
+              <a:t>, options=….)</a:t>
+            </a:r>
+          </a:p>
+        </p:txBody>
+      </p:sp>
+      <p:cxnSp>
+        <p:nvCxnSpPr>
+          <p:cNvPr id="21" name="Straight Arrow Connector 20">
+            <a:extLst>
+              <a:ext uri="{FF2B5EF4-FFF2-40B4-BE49-F238E27FC236}">
+                <a16:creationId xmlns:a16="http://schemas.microsoft.com/office/drawing/2014/main" id="{82CC0F9A-DB80-0A2B-6DBE-773903990C42}"/>
+              </a:ext>
+            </a:extLst>
+          </p:cNvPr>
+          <p:cNvCxnSpPr>
+            <a:stCxn id="3" idx="2"/>
+          </p:cNvCxnSpPr>
+          <p:nvPr/>
+        </p:nvCxnSpPr>
+        <p:spPr>
+          <a:xfrm flipH="1">
+            <a:off x="2366211" y="4156276"/>
+            <a:ext cx="1" cy="362089"/>
+          </a:xfrm>
+          <a:prstGeom prst="straightConnector1">
+            <a:avLst/>
+          </a:prstGeom>
+          <a:ln>
+            <a:tailEnd type="triangle"/>
+          </a:ln>
+        </p:spPr>
+        <p:style>
+          <a:lnRef idx="1">
+            <a:schemeClr val="accent1"/>
+          </a:lnRef>
+          <a:fillRef idx="0">
+            <a:schemeClr val="accent1"/>
+          </a:fillRef>
+          <a:effectRef idx="0">
+            <a:schemeClr val="accent1"/>
+          </a:effectRef>
+          <a:fontRef idx="minor">
+            <a:schemeClr val="tx1"/>
+          </a:fontRef>
+        </p:style>
+      </p:cxnSp>
+      <p:sp>
+        <p:nvSpPr>
+          <p:cNvPr id="24" name="TextBox 23">
+            <a:extLst>
+              <a:ext uri="{FF2B5EF4-FFF2-40B4-BE49-F238E27FC236}">
+                <a16:creationId xmlns:a16="http://schemas.microsoft.com/office/drawing/2014/main" id="{CD8E729F-60F3-D29E-F9B3-7B1185E39014}"/>
+              </a:ext>
+            </a:extLst>
+          </p:cNvPr>
+          <p:cNvSpPr txBox="1"/>
+          <p:nvPr/>
+        </p:nvSpPr>
+        <p:spPr>
+          <a:xfrm>
+            <a:off x="10068621" y="3012210"/>
+            <a:ext cx="886781" cy="646331"/>
+          </a:xfrm>
+          <a:prstGeom prst="rect">
+            <a:avLst/>
+          </a:prstGeom>
+          <a:solidFill>
+            <a:srgbClr val="00FF00"/>
+          </a:solidFill>
+        </p:spPr>
+        <p:txBody>
+          <a:bodyPr wrap="none" rtlCol="0">
+            <a:spAutoFit/>
+          </a:bodyPr>
+          <a:lstStyle/>
+          <a:p>
+            <a:r>
+              <a:rPr lang="he-IL" dirty="0"/>
+              <a:t>או</a:t>
+            </a:r>
+          </a:p>
+          <a:p>
+            <a:r>
+              <a:rPr lang="en-US" dirty="0"/>
+              <a:t>manual</a:t>
+            </a:r>
+          </a:p>
+        </p:txBody>
+      </p:sp>
+      <p:sp>
+        <p:nvSpPr>
+          <p:cNvPr id="26" name="Left Brace 25">
+            <a:extLst>
+              <a:ext uri="{FF2B5EF4-FFF2-40B4-BE49-F238E27FC236}">
+                <a16:creationId xmlns:a16="http://schemas.microsoft.com/office/drawing/2014/main" id="{FFC01746-AEC6-FA01-3490-BDF6EF6BE6F2}"/>
+              </a:ext>
+            </a:extLst>
+          </p:cNvPr>
+          <p:cNvSpPr/>
+          <p:nvPr/>
+        </p:nvSpPr>
+        <p:spPr>
+          <a:xfrm>
+            <a:off x="9841583" y="2526384"/>
+            <a:ext cx="105665" cy="2073897"/>
+          </a:xfrm>
+          <a:prstGeom prst="leftBrace">
+            <a:avLst/>
+          </a:prstGeom>
+        </p:spPr>
+        <p:style>
+          <a:lnRef idx="1">
+            <a:schemeClr val="accent1"/>
+          </a:lnRef>
+          <a:fillRef idx="0">
+            <a:schemeClr val="accent1"/>
+          </a:fillRef>
+          <a:effectRef idx="0">
+            <a:schemeClr val="accent1"/>
+          </a:effectRef>
+          <a:fontRef idx="minor">
+            <a:schemeClr val="tx1"/>
+          </a:fontRef>
+        </p:style>
+        <p:txBody>
+          <a:bodyPr rtlCol="0" anchor="ctr"/>
+          <a:lstStyle/>
+          <a:p>
+            <a:pPr algn="ctr"/>
+            <a:endParaRPr lang="en-US"/>
           </a:p>
         </p:txBody>
       </p:sp>
     </p:spTree>
     <p:extLst>
       <p:ext uri="{BB962C8B-B14F-4D97-AF65-F5344CB8AC3E}">
-        <p14:creationId xmlns:p14="http://schemas.microsoft.com/office/powerpoint/2010/main" val="548679281"/>
+        <p14:creationId xmlns:p14="http://schemas.microsoft.com/office/powerpoint/2010/main" val="4094921328"/>
       </p:ext>
     </p:extLst>
   </p:cSld>
@@ -9093,62 +9559,113 @@
       </p:grpSpPr>
       <p:sp>
         <p:nvSpPr>
-          <p:cNvPr id="2" name="Title 1">
-            <a:extLst>
-              <a:ext uri="{FF2B5EF4-FFF2-40B4-BE49-F238E27FC236}">
-                <a16:creationId xmlns:a16="http://schemas.microsoft.com/office/drawing/2014/main" id="{CFFE712C-7E19-335B-A73B-9C1CD4DE821C}"/>
-              </a:ext>
-            </a:extLst>
-          </p:cNvPr>
-          <p:cNvSpPr>
-            <a:spLocks noGrp="1"/>
-          </p:cNvSpPr>
-          <p:nvPr>
-            <p:ph type="ctrTitle"/>
-          </p:nvPr>
-        </p:nvSpPr>
-        <p:spPr/>
-        <p:txBody>
-          <a:bodyPr/>
-          <a:lstStyle/>
-          <a:p>
-            <a:endParaRPr lang="en-US"/>
-          </a:p>
-        </p:txBody>
-      </p:sp>
-      <p:sp>
-        <p:nvSpPr>
-          <p:cNvPr id="3" name="Subtitle 2">
-            <a:extLst>
-              <a:ext uri="{FF2B5EF4-FFF2-40B4-BE49-F238E27FC236}">
-                <a16:creationId xmlns:a16="http://schemas.microsoft.com/office/drawing/2014/main" id="{539D2C7A-01FD-EA1F-928E-8E9C06E5337E}"/>
-              </a:ext>
-            </a:extLst>
-          </p:cNvPr>
-          <p:cNvSpPr>
-            <a:spLocks noGrp="1"/>
-          </p:cNvSpPr>
-          <p:nvPr>
-            <p:ph type="subTitle" idx="1"/>
-          </p:nvPr>
-        </p:nvSpPr>
-        <p:spPr/>
-        <p:txBody>
-          <a:bodyPr/>
-          <a:lstStyle/>
-          <a:p>
-            <a:r>
-              <a:rPr lang="he-IL" dirty="0"/>
-              <a:t>סיום</a:t>
-            </a:r>
-            <a:endParaRPr lang="en-US" dirty="0"/>
+          <p:cNvPr id="3" name="TextBox 2">
+            <a:extLst>
+              <a:ext uri="{FF2B5EF4-FFF2-40B4-BE49-F238E27FC236}">
+                <a16:creationId xmlns:a16="http://schemas.microsoft.com/office/drawing/2014/main" id="{57E54EB8-F5B7-282A-D6D2-F0A17546C271}"/>
+              </a:ext>
+            </a:extLst>
+          </p:cNvPr>
+          <p:cNvSpPr txBox="1"/>
+          <p:nvPr/>
+        </p:nvSpPr>
+        <p:spPr>
+          <a:xfrm>
+            <a:off x="2333625" y="1167884"/>
+            <a:ext cx="6096000" cy="369332"/>
+          </a:xfrm>
+          <a:prstGeom prst="rect">
+            <a:avLst/>
+          </a:prstGeom>
+          <a:noFill/>
+        </p:spPr>
+        <p:txBody>
+          <a:bodyPr wrap="square">
+            <a:spAutoFit/>
+          </a:bodyPr>
+          <a:lstStyle/>
+          <a:p>
+            <a:r>
+              <a:rPr lang="en-US" dirty="0"/>
+              <a:t>https://bhaskarvk.github.io/leaflet.extras/</a:t>
+            </a:r>
+          </a:p>
+        </p:txBody>
+      </p:sp>
+      <p:sp>
+        <p:nvSpPr>
+          <p:cNvPr id="5" name="TextBox 4">
+            <a:extLst>
+              <a:ext uri="{FF2B5EF4-FFF2-40B4-BE49-F238E27FC236}">
+                <a16:creationId xmlns:a16="http://schemas.microsoft.com/office/drawing/2014/main" id="{57EC6282-1734-3A49-B3E4-CD71FD729C38}"/>
+              </a:ext>
+            </a:extLst>
+          </p:cNvPr>
+          <p:cNvSpPr txBox="1"/>
+          <p:nvPr/>
+        </p:nvSpPr>
+        <p:spPr>
+          <a:xfrm>
+            <a:off x="1819275" y="3806309"/>
+            <a:ext cx="6096000" cy="369332"/>
+          </a:xfrm>
+          <a:prstGeom prst="rect">
+            <a:avLst/>
+          </a:prstGeom>
+          <a:noFill/>
+        </p:spPr>
+        <p:txBody>
+          <a:bodyPr wrap="square">
+            <a:spAutoFit/>
+          </a:bodyPr>
+          <a:lstStyle/>
+          <a:p>
+            <a:r>
+              <a:rPr lang="en-US" dirty="0"/>
+              <a:t>https://github.com/trafficonese/leaflet.extras2</a:t>
+            </a:r>
+          </a:p>
+        </p:txBody>
+      </p:sp>
+      <p:sp>
+        <p:nvSpPr>
+          <p:cNvPr id="7" name="TextBox 6">
+            <a:extLst>
+              <a:ext uri="{FF2B5EF4-FFF2-40B4-BE49-F238E27FC236}">
+                <a16:creationId xmlns:a16="http://schemas.microsoft.com/office/drawing/2014/main" id="{25F70105-5C46-CD89-23B5-52474484AA45}"/>
+              </a:ext>
+            </a:extLst>
+          </p:cNvPr>
+          <p:cNvSpPr txBox="1"/>
+          <p:nvPr/>
+        </p:nvSpPr>
+        <p:spPr>
+          <a:xfrm>
+            <a:off x="1819275" y="3429000"/>
+            <a:ext cx="6096000" cy="369332"/>
+          </a:xfrm>
+          <a:prstGeom prst="rect">
+            <a:avLst/>
+          </a:prstGeom>
+          <a:noFill/>
+        </p:spPr>
+        <p:txBody>
+          <a:bodyPr wrap="square">
+            <a:spAutoFit/>
+          </a:bodyPr>
+          <a:lstStyle/>
+          <a:p>
+            <a:r>
+              <a:rPr lang="en-US" dirty="0"/>
+              <a:t>https://trafficonese.github.io/leaflet.extras2/</a:t>
+            </a:r>
           </a:p>
         </p:txBody>
       </p:sp>
     </p:spTree>
     <p:extLst>
       <p:ext uri="{BB962C8B-B14F-4D97-AF65-F5344CB8AC3E}">
-        <p14:creationId xmlns:p14="http://schemas.microsoft.com/office/powerpoint/2010/main" val="3314121517"/>
+        <p14:creationId xmlns:p14="http://schemas.microsoft.com/office/powerpoint/2010/main" val="548679281"/>
       </p:ext>
     </p:extLst>
   </p:cSld>
@@ -9175,1389 +9692,64 @@
           <a:chExt cx="0" cy="0"/>
         </a:xfrm>
       </p:grpSpPr>
-      <p:pic>
-        <p:nvPicPr>
-          <p:cNvPr id="22" name="Picture 21">
-            <a:extLst>
-              <a:ext uri="{FF2B5EF4-FFF2-40B4-BE49-F238E27FC236}">
-                <a16:creationId xmlns:a16="http://schemas.microsoft.com/office/drawing/2014/main" id="{A1D1AA21-1B32-E767-FCF3-F05B63AD860C}"/>
-              </a:ext>
-            </a:extLst>
-          </p:cNvPr>
-          <p:cNvPicPr>
-            <a:picLocks noChangeAspect="1"/>
-          </p:cNvPicPr>
-          <p:nvPr/>
-        </p:nvPicPr>
-        <p:blipFill>
-          <a:blip r:embed="rId2"/>
-          <a:stretch>
-            <a:fillRect/>
-          </a:stretch>
-        </p:blipFill>
-        <p:spPr>
-          <a:xfrm>
-            <a:off x="2110600" y="0"/>
-            <a:ext cx="6953804" cy="6858000"/>
-          </a:xfrm>
-          <a:prstGeom prst="rect">
-            <a:avLst/>
-          </a:prstGeom>
-        </p:spPr>
-      </p:pic>
-      <p:sp>
-        <p:nvSpPr>
-          <p:cNvPr id="8" name="Rectangle: Rounded Corners 7">
-            <a:extLst>
-              <a:ext uri="{FF2B5EF4-FFF2-40B4-BE49-F238E27FC236}">
-                <a16:creationId xmlns:a16="http://schemas.microsoft.com/office/drawing/2014/main" id="{162091A9-9217-CF04-BDB1-8E007DEA8948}"/>
-              </a:ext>
-            </a:extLst>
-          </p:cNvPr>
-          <p:cNvSpPr/>
-          <p:nvPr/>
-        </p:nvSpPr>
-        <p:spPr>
-          <a:xfrm>
-            <a:off x="7047612" y="5929220"/>
-            <a:ext cx="1643137" cy="384866"/>
-          </a:xfrm>
-          <a:prstGeom prst="roundRect">
-            <a:avLst/>
-          </a:prstGeom>
-        </p:spPr>
-        <p:style>
-          <a:lnRef idx="2">
-            <a:schemeClr val="accent1">
-              <a:shade val="15000"/>
-            </a:schemeClr>
-          </a:lnRef>
-          <a:fillRef idx="1">
-            <a:schemeClr val="accent1"/>
-          </a:fillRef>
-          <a:effectRef idx="0">
-            <a:schemeClr val="accent1"/>
-          </a:effectRef>
-          <a:fontRef idx="minor">
-            <a:schemeClr val="lt1"/>
-          </a:fontRef>
-        </p:style>
-        <p:txBody>
-          <a:bodyPr rtlCol="0" anchor="ctr"/>
-          <a:lstStyle/>
-          <a:p>
-            <a:pPr algn="ctr"/>
+      <p:sp>
+        <p:nvSpPr>
+          <p:cNvPr id="2" name="Title 1">
+            <a:extLst>
+              <a:ext uri="{FF2B5EF4-FFF2-40B4-BE49-F238E27FC236}">
+                <a16:creationId xmlns:a16="http://schemas.microsoft.com/office/drawing/2014/main" id="{CFFE712C-7E19-335B-A73B-9C1CD4DE821C}"/>
+              </a:ext>
+            </a:extLst>
+          </p:cNvPr>
+          <p:cNvSpPr>
+            <a:spLocks noGrp="1"/>
+          </p:cNvSpPr>
+          <p:nvPr>
+            <p:ph type="ctrTitle"/>
+          </p:nvPr>
+        </p:nvSpPr>
+        <p:spPr/>
+        <p:txBody>
+          <a:bodyPr/>
+          <a:lstStyle/>
+          <a:p>
+            <a:endParaRPr lang="en-US"/>
+          </a:p>
+        </p:txBody>
+      </p:sp>
+      <p:sp>
+        <p:nvSpPr>
+          <p:cNvPr id="3" name="Subtitle 2">
+            <a:extLst>
+              <a:ext uri="{FF2B5EF4-FFF2-40B4-BE49-F238E27FC236}">
+                <a16:creationId xmlns:a16="http://schemas.microsoft.com/office/drawing/2014/main" id="{539D2C7A-01FD-EA1F-928E-8E9C06E5337E}"/>
+              </a:ext>
+            </a:extLst>
+          </p:cNvPr>
+          <p:cNvSpPr>
+            <a:spLocks noGrp="1"/>
+          </p:cNvSpPr>
+          <p:nvPr>
+            <p:ph type="subTitle" idx="1"/>
+          </p:nvPr>
+        </p:nvSpPr>
+        <p:spPr/>
+        <p:txBody>
+          <a:bodyPr/>
+          <a:lstStyle/>
+          <a:p>
             <a:r>
               <a:rPr lang="he-IL" dirty="0"/>
-              <a:t>בצע</a:t>
+              <a:t>סיום</a:t>
             </a:r>
             <a:endParaRPr lang="en-US" dirty="0"/>
-          </a:p>
-        </p:txBody>
-      </p:sp>
-      <p:sp>
-        <p:nvSpPr>
-          <p:cNvPr id="11" name="TextBox 10">
-            <a:extLst>
-              <a:ext uri="{FF2B5EF4-FFF2-40B4-BE49-F238E27FC236}">
-                <a16:creationId xmlns:a16="http://schemas.microsoft.com/office/drawing/2014/main" id="{1634D45D-E808-DC03-6345-59C5EFAD1D9D}"/>
-              </a:ext>
-            </a:extLst>
-          </p:cNvPr>
-          <p:cNvSpPr txBox="1"/>
-          <p:nvPr/>
-        </p:nvSpPr>
-        <p:spPr>
-          <a:xfrm>
-            <a:off x="4924537" y="922382"/>
-            <a:ext cx="1653017" cy="369332"/>
-          </a:xfrm>
-          <a:prstGeom prst="rect">
-            <a:avLst/>
-          </a:prstGeom>
-          <a:noFill/>
-        </p:spPr>
-        <p:txBody>
-          <a:bodyPr wrap="none" rtlCol="0">
-            <a:spAutoFit/>
-          </a:bodyPr>
-          <a:lstStyle/>
-          <a:p>
-            <a:pPr algn="r"/>
-            <a:r>
-              <a:rPr lang="he-IL" dirty="0">
-                <a:highlight>
-                  <a:srgbClr val="00FFFF"/>
-                </a:highlight>
-              </a:rPr>
-              <a:t>אפשרויות תצוגה</a:t>
-            </a:r>
-            <a:endParaRPr lang="en-US" dirty="0">
-              <a:highlight>
-                <a:srgbClr val="00FFFF"/>
-              </a:highlight>
-            </a:endParaRPr>
-          </a:p>
-        </p:txBody>
-      </p:sp>
-      <p:sp>
-        <p:nvSpPr>
-          <p:cNvPr id="12" name="TextBox 11">
-            <a:extLst>
-              <a:ext uri="{FF2B5EF4-FFF2-40B4-BE49-F238E27FC236}">
-                <a16:creationId xmlns:a16="http://schemas.microsoft.com/office/drawing/2014/main" id="{3CA610E4-7546-973B-2238-F00FB996EEC9}"/>
-              </a:ext>
-            </a:extLst>
-          </p:cNvPr>
-          <p:cNvSpPr txBox="1"/>
-          <p:nvPr/>
-        </p:nvSpPr>
-        <p:spPr>
-          <a:xfrm>
-            <a:off x="11303274" y="3757390"/>
-            <a:ext cx="745717" cy="230832"/>
-          </a:xfrm>
-          <a:prstGeom prst="rect">
-            <a:avLst/>
-          </a:prstGeom>
-          <a:solidFill>
-            <a:schemeClr val="accent1">
-              <a:lumMod val="20000"/>
-              <a:lumOff val="80000"/>
-            </a:schemeClr>
-          </a:solidFill>
-        </p:spPr>
-        <p:txBody>
-          <a:bodyPr wrap="none" rtlCol="0">
-            <a:spAutoFit/>
-          </a:bodyPr>
-          <a:lstStyle/>
-          <a:p>
-            <a:r>
-              <a:rPr lang="he-IL" sz="900" b="1" dirty="0"/>
-              <a:t>בחר שנה/ים</a:t>
-            </a:r>
-            <a:endParaRPr lang="en-US" sz="900" b="1" dirty="0"/>
-          </a:p>
-        </p:txBody>
-      </p:sp>
-      <p:sp>
-        <p:nvSpPr>
-          <p:cNvPr id="9" name="TextBox 8">
-            <a:extLst>
-              <a:ext uri="{FF2B5EF4-FFF2-40B4-BE49-F238E27FC236}">
-                <a16:creationId xmlns:a16="http://schemas.microsoft.com/office/drawing/2014/main" id="{F3CAD155-1C22-8E0A-790E-A74D87754246}"/>
-              </a:ext>
-            </a:extLst>
-          </p:cNvPr>
-          <p:cNvSpPr txBox="1"/>
-          <p:nvPr/>
-        </p:nvSpPr>
-        <p:spPr>
-          <a:xfrm>
-            <a:off x="7704620" y="1822918"/>
-            <a:ext cx="1242715" cy="257369"/>
-          </a:xfrm>
-          <a:prstGeom prst="rect">
-            <a:avLst/>
-          </a:prstGeom>
-          <a:noFill/>
-        </p:spPr>
-        <p:txBody>
-          <a:bodyPr wrap="square" lIns="36000" tIns="36000" rIns="36000" bIns="36000">
-            <a:spAutoFit/>
-          </a:bodyPr>
-          <a:lstStyle>
-            <a:defPPr>
-              <a:defRPr lang="en-US"/>
-            </a:defPPr>
-            <a:lvl1pPr algn="ctr">
-              <a:defRPr sz="1200">
-                <a:highlight>
-                  <a:srgbClr val="FFFF00"/>
-                </a:highlight>
-              </a:defRPr>
-            </a:lvl1pPr>
-          </a:lstStyle>
-          <a:p>
-            <a:r>
-              <a:rPr lang="en-US" dirty="0" err="1">
-                <a:highlight>
-                  <a:srgbClr val="00FFFF"/>
-                </a:highlight>
-              </a:rPr>
-              <a:t>cfg$scnsources</a:t>
-            </a:r>
-            <a:endParaRPr lang="en-US" dirty="0">
-              <a:highlight>
-                <a:srgbClr val="00FFFF"/>
-              </a:highlight>
-            </a:endParaRPr>
-          </a:p>
-        </p:txBody>
-      </p:sp>
-      <p:sp>
-        <p:nvSpPr>
-          <p:cNvPr id="13" name="TextBox 12">
-            <a:extLst>
-              <a:ext uri="{FF2B5EF4-FFF2-40B4-BE49-F238E27FC236}">
-                <a16:creationId xmlns:a16="http://schemas.microsoft.com/office/drawing/2014/main" id="{B8E64EA5-8B60-B3DC-9091-30003D6F7523}"/>
-              </a:ext>
-            </a:extLst>
-          </p:cNvPr>
-          <p:cNvSpPr txBox="1"/>
-          <p:nvPr/>
-        </p:nvSpPr>
-        <p:spPr>
-          <a:xfrm>
-            <a:off x="6694071" y="1822918"/>
-            <a:ext cx="1163361" cy="257369"/>
-          </a:xfrm>
-          <a:prstGeom prst="rect">
-            <a:avLst/>
-          </a:prstGeom>
-          <a:noFill/>
-        </p:spPr>
-        <p:txBody>
-          <a:bodyPr wrap="square" lIns="36000" tIns="36000" rIns="36000" bIns="36000">
-            <a:spAutoFit/>
-          </a:bodyPr>
-          <a:lstStyle/>
-          <a:p>
-            <a:pPr algn="ctr"/>
-            <a:r>
-              <a:rPr lang="en-US" sz="1200" dirty="0" err="1">
-                <a:highlight>
-                  <a:srgbClr val="FFFF00"/>
-                </a:highlight>
-              </a:rPr>
-              <a:t>input$selectSrc</a:t>
-            </a:r>
-            <a:endParaRPr lang="en-US" sz="1200" dirty="0">
-              <a:highlight>
-                <a:srgbClr val="FFFF00"/>
-              </a:highlight>
-            </a:endParaRPr>
-          </a:p>
-        </p:txBody>
-      </p:sp>
-      <p:sp>
-        <p:nvSpPr>
-          <p:cNvPr id="15" name="TextBox 14">
-            <a:extLst>
-              <a:ext uri="{FF2B5EF4-FFF2-40B4-BE49-F238E27FC236}">
-                <a16:creationId xmlns:a16="http://schemas.microsoft.com/office/drawing/2014/main" id="{C4EFCDEF-E161-CE19-434D-7E22ADF20697}"/>
-              </a:ext>
-            </a:extLst>
-          </p:cNvPr>
-          <p:cNvSpPr txBox="1"/>
-          <p:nvPr/>
-        </p:nvSpPr>
-        <p:spPr>
-          <a:xfrm>
-            <a:off x="9962852" y="1765264"/>
-            <a:ext cx="1140404" cy="369332"/>
-          </a:xfrm>
-          <a:prstGeom prst="rect">
-            <a:avLst/>
-          </a:prstGeom>
-          <a:noFill/>
-        </p:spPr>
-        <p:txBody>
-          <a:bodyPr wrap="square">
-            <a:spAutoFit/>
-          </a:bodyPr>
-          <a:lstStyle/>
-          <a:p>
-            <a:r>
-              <a:rPr lang="en-US" dirty="0" err="1"/>
-              <a:t>currentsrc</a:t>
-            </a:r>
-            <a:endParaRPr lang="en-US" dirty="0"/>
-          </a:p>
-        </p:txBody>
-      </p:sp>
-      <p:sp>
-        <p:nvSpPr>
-          <p:cNvPr id="16" name="TextBox 15">
-            <a:extLst>
-              <a:ext uri="{FF2B5EF4-FFF2-40B4-BE49-F238E27FC236}">
-                <a16:creationId xmlns:a16="http://schemas.microsoft.com/office/drawing/2014/main" id="{6961A606-EEDD-78A5-6660-C72ED8BF4790}"/>
-              </a:ext>
-            </a:extLst>
-          </p:cNvPr>
-          <p:cNvSpPr txBox="1"/>
-          <p:nvPr/>
-        </p:nvSpPr>
-        <p:spPr>
-          <a:xfrm>
-            <a:off x="7749427" y="2436469"/>
-            <a:ext cx="1242715" cy="257369"/>
-          </a:xfrm>
-          <a:prstGeom prst="rect">
-            <a:avLst/>
-          </a:prstGeom>
-          <a:noFill/>
-        </p:spPr>
-        <p:txBody>
-          <a:bodyPr wrap="square" lIns="36000" tIns="36000" rIns="36000" bIns="36000">
-            <a:spAutoFit/>
-          </a:bodyPr>
-          <a:lstStyle>
-            <a:defPPr>
-              <a:defRPr lang="en-US"/>
-            </a:defPPr>
-            <a:lvl1pPr algn="ctr">
-              <a:defRPr sz="1200">
-                <a:highlight>
-                  <a:srgbClr val="00FFFF"/>
-                </a:highlight>
-              </a:defRPr>
-            </a:lvl1pPr>
-          </a:lstStyle>
-          <a:p>
-            <a:r>
-              <a:rPr lang="en-US" dirty="0" err="1"/>
-              <a:t>cfg$scnchoices</a:t>
-            </a:r>
-            <a:endParaRPr lang="en-US" dirty="0"/>
-          </a:p>
-        </p:txBody>
-      </p:sp>
-      <p:sp>
-        <p:nvSpPr>
-          <p:cNvPr id="17" name="TextBox 16">
-            <a:extLst>
-              <a:ext uri="{FF2B5EF4-FFF2-40B4-BE49-F238E27FC236}">
-                <a16:creationId xmlns:a16="http://schemas.microsoft.com/office/drawing/2014/main" id="{4C12E2C2-C6B0-8197-F3FC-4D2027A7C7D4}"/>
-              </a:ext>
-            </a:extLst>
-          </p:cNvPr>
-          <p:cNvSpPr txBox="1"/>
-          <p:nvPr/>
-        </p:nvSpPr>
-        <p:spPr>
-          <a:xfrm>
-            <a:off x="6742300" y="2470933"/>
-            <a:ext cx="1163361" cy="257369"/>
-          </a:xfrm>
-          <a:prstGeom prst="rect">
-            <a:avLst/>
-          </a:prstGeom>
-          <a:noFill/>
-        </p:spPr>
-        <p:txBody>
-          <a:bodyPr wrap="square" lIns="36000" tIns="36000" rIns="36000" bIns="36000">
-            <a:spAutoFit/>
-          </a:bodyPr>
-          <a:lstStyle>
-            <a:defPPr>
-              <a:defRPr lang="en-US"/>
-            </a:defPPr>
-            <a:lvl1pPr algn="ctr">
-              <a:defRPr sz="1200">
-                <a:highlight>
-                  <a:srgbClr val="FFFF00"/>
-                </a:highlight>
-              </a:defRPr>
-            </a:lvl1pPr>
-          </a:lstStyle>
-          <a:p>
-            <a:r>
-              <a:rPr lang="en-US" dirty="0" err="1"/>
-              <a:t>input$selectFrcst</a:t>
-            </a:r>
-            <a:endParaRPr lang="en-US" dirty="0"/>
-          </a:p>
-        </p:txBody>
-      </p:sp>
-      <p:sp>
-        <p:nvSpPr>
-          <p:cNvPr id="18" name="TextBox 17">
-            <a:extLst>
-              <a:ext uri="{FF2B5EF4-FFF2-40B4-BE49-F238E27FC236}">
-                <a16:creationId xmlns:a16="http://schemas.microsoft.com/office/drawing/2014/main" id="{CA5BE5F1-66D5-3FA4-9D35-304F8A943487}"/>
-              </a:ext>
-            </a:extLst>
-          </p:cNvPr>
-          <p:cNvSpPr txBox="1"/>
-          <p:nvPr/>
-        </p:nvSpPr>
-        <p:spPr>
-          <a:xfrm>
-            <a:off x="10026724" y="2315620"/>
-            <a:ext cx="1355103" cy="369332"/>
-          </a:xfrm>
-          <a:prstGeom prst="rect">
-            <a:avLst/>
-          </a:prstGeom>
-          <a:noFill/>
-        </p:spPr>
-        <p:txBody>
-          <a:bodyPr wrap="square">
-            <a:spAutoFit/>
-          </a:bodyPr>
-          <a:lstStyle/>
-          <a:p>
-            <a:r>
-              <a:rPr lang="en-US" dirty="0" err="1"/>
-              <a:t>currentscn</a:t>
-            </a:r>
-            <a:endParaRPr lang="en-US" dirty="0"/>
-          </a:p>
-        </p:txBody>
-      </p:sp>
-      <p:cxnSp>
-        <p:nvCxnSpPr>
-          <p:cNvPr id="19" name="Straight Arrow Connector 18">
-            <a:extLst>
-              <a:ext uri="{FF2B5EF4-FFF2-40B4-BE49-F238E27FC236}">
-                <a16:creationId xmlns:a16="http://schemas.microsoft.com/office/drawing/2014/main" id="{EF07D2EB-99DC-B4EF-AE05-6D30093737F5}"/>
-              </a:ext>
-            </a:extLst>
-          </p:cNvPr>
-          <p:cNvCxnSpPr/>
-          <p:nvPr/>
-        </p:nvCxnSpPr>
-        <p:spPr>
-          <a:xfrm flipV="1">
-            <a:off x="9511571" y="1961418"/>
-            <a:ext cx="508540" cy="1"/>
-          </a:xfrm>
-          <a:prstGeom prst="straightConnector1">
-            <a:avLst/>
-          </a:prstGeom>
-          <a:ln>
-            <a:tailEnd type="triangle"/>
-          </a:ln>
-        </p:spPr>
-        <p:style>
-          <a:lnRef idx="1">
-            <a:schemeClr val="accent1"/>
-          </a:lnRef>
-          <a:fillRef idx="0">
-            <a:schemeClr val="accent1"/>
-          </a:fillRef>
-          <a:effectRef idx="0">
-            <a:schemeClr val="accent1"/>
-          </a:effectRef>
-          <a:fontRef idx="minor">
-            <a:schemeClr val="tx1"/>
-          </a:fontRef>
-        </p:style>
-      </p:cxnSp>
-      <p:cxnSp>
-        <p:nvCxnSpPr>
-          <p:cNvPr id="23" name="Straight Arrow Connector 22">
-            <a:extLst>
-              <a:ext uri="{FF2B5EF4-FFF2-40B4-BE49-F238E27FC236}">
-                <a16:creationId xmlns:a16="http://schemas.microsoft.com/office/drawing/2014/main" id="{E0366EB7-71D6-73EE-6091-C9F9B77108D2}"/>
-              </a:ext>
-            </a:extLst>
-          </p:cNvPr>
-          <p:cNvCxnSpPr>
-            <a:cxnSpLocks/>
-          </p:cNvCxnSpPr>
-          <p:nvPr/>
-        </p:nvCxnSpPr>
-        <p:spPr>
-          <a:xfrm>
-            <a:off x="1423321" y="608831"/>
-            <a:ext cx="357788" cy="0"/>
-          </a:xfrm>
-          <a:prstGeom prst="straightConnector1">
-            <a:avLst/>
-          </a:prstGeom>
-          <a:ln>
-            <a:tailEnd type="triangle"/>
-          </a:ln>
-        </p:spPr>
-        <p:style>
-          <a:lnRef idx="1">
-            <a:schemeClr val="dk1"/>
-          </a:lnRef>
-          <a:fillRef idx="0">
-            <a:schemeClr val="dk1"/>
-          </a:fillRef>
-          <a:effectRef idx="0">
-            <a:schemeClr val="dk1"/>
-          </a:effectRef>
-          <a:fontRef idx="minor">
-            <a:schemeClr val="tx1"/>
-          </a:fontRef>
-        </p:style>
-      </p:cxnSp>
-      <p:sp>
-        <p:nvSpPr>
-          <p:cNvPr id="24" name="TextBox 23">
-            <a:extLst>
-              <a:ext uri="{FF2B5EF4-FFF2-40B4-BE49-F238E27FC236}">
-                <a16:creationId xmlns:a16="http://schemas.microsoft.com/office/drawing/2014/main" id="{9D085C72-4809-E951-7E34-80DB898A83EA}"/>
-              </a:ext>
-            </a:extLst>
-          </p:cNvPr>
-          <p:cNvSpPr txBox="1"/>
-          <p:nvPr/>
-        </p:nvSpPr>
-        <p:spPr>
-          <a:xfrm>
-            <a:off x="143009" y="0"/>
-            <a:ext cx="1297796" cy="369332"/>
-          </a:xfrm>
-          <a:prstGeom prst="rect">
-            <a:avLst/>
-          </a:prstGeom>
-          <a:noFill/>
-        </p:spPr>
-        <p:txBody>
-          <a:bodyPr wrap="square">
-            <a:spAutoFit/>
-          </a:bodyPr>
-          <a:lstStyle/>
-          <a:p>
-            <a:pPr algn="r"/>
-            <a:r>
-              <a:rPr lang="en-US" dirty="0" err="1"/>
-              <a:t>navbarPage</a:t>
-            </a:r>
-            <a:endParaRPr lang="en-US" dirty="0"/>
-          </a:p>
-        </p:txBody>
-      </p:sp>
-      <p:sp>
-        <p:nvSpPr>
-          <p:cNvPr id="25" name="TextBox 24">
-            <a:extLst>
-              <a:ext uri="{FF2B5EF4-FFF2-40B4-BE49-F238E27FC236}">
-                <a16:creationId xmlns:a16="http://schemas.microsoft.com/office/drawing/2014/main" id="{5BDF9B28-917C-7518-DF29-0E9D5927A029}"/>
-              </a:ext>
-            </a:extLst>
-          </p:cNvPr>
-          <p:cNvSpPr txBox="1"/>
-          <p:nvPr/>
-        </p:nvSpPr>
-        <p:spPr>
-          <a:xfrm>
-            <a:off x="368506" y="424165"/>
-            <a:ext cx="1072299" cy="369332"/>
-          </a:xfrm>
-          <a:prstGeom prst="rect">
-            <a:avLst/>
-          </a:prstGeom>
-          <a:noFill/>
-        </p:spPr>
-        <p:txBody>
-          <a:bodyPr wrap="square">
-            <a:spAutoFit/>
-          </a:bodyPr>
-          <a:lstStyle/>
-          <a:p>
-            <a:pPr algn="r"/>
-            <a:r>
-              <a:rPr lang="en-US" dirty="0" err="1"/>
-              <a:t>tabpanel</a:t>
-            </a:r>
-            <a:endParaRPr lang="en-US" dirty="0"/>
-          </a:p>
-        </p:txBody>
-      </p:sp>
-      <p:sp>
-        <p:nvSpPr>
-          <p:cNvPr id="26" name="TextBox 25">
-            <a:extLst>
-              <a:ext uri="{FF2B5EF4-FFF2-40B4-BE49-F238E27FC236}">
-                <a16:creationId xmlns:a16="http://schemas.microsoft.com/office/drawing/2014/main" id="{E16F04D3-7972-5B17-9135-E0B1035D97B7}"/>
-              </a:ext>
-            </a:extLst>
-          </p:cNvPr>
-          <p:cNvSpPr txBox="1"/>
-          <p:nvPr/>
-        </p:nvSpPr>
-        <p:spPr>
-          <a:xfrm>
-            <a:off x="670164" y="961715"/>
-            <a:ext cx="770641" cy="369332"/>
-          </a:xfrm>
-          <a:prstGeom prst="rect">
-            <a:avLst/>
-          </a:prstGeom>
-          <a:noFill/>
-        </p:spPr>
-        <p:txBody>
-          <a:bodyPr wrap="square">
-            <a:spAutoFit/>
-          </a:bodyPr>
-          <a:lstStyle/>
-          <a:p>
-            <a:pPr algn="r"/>
-            <a:r>
-              <a:rPr lang="en-US" dirty="0"/>
-              <a:t>tabs</a:t>
-            </a:r>
-          </a:p>
-        </p:txBody>
-      </p:sp>
-      <p:cxnSp>
-        <p:nvCxnSpPr>
-          <p:cNvPr id="27" name="Straight Arrow Connector 26">
-            <a:extLst>
-              <a:ext uri="{FF2B5EF4-FFF2-40B4-BE49-F238E27FC236}">
-                <a16:creationId xmlns:a16="http://schemas.microsoft.com/office/drawing/2014/main" id="{A96523D3-9B2F-1494-88D6-D2D56BBCDE10}"/>
-              </a:ext>
-            </a:extLst>
-          </p:cNvPr>
-          <p:cNvCxnSpPr>
-            <a:cxnSpLocks/>
-          </p:cNvCxnSpPr>
-          <p:nvPr/>
-        </p:nvCxnSpPr>
-        <p:spPr>
-          <a:xfrm>
-            <a:off x="1560725" y="1146381"/>
-            <a:ext cx="357788" cy="0"/>
-          </a:xfrm>
-          <a:prstGeom prst="straightConnector1">
-            <a:avLst/>
-          </a:prstGeom>
-          <a:ln>
-            <a:tailEnd type="triangle"/>
-          </a:ln>
-        </p:spPr>
-        <p:style>
-          <a:lnRef idx="1">
-            <a:schemeClr val="dk1"/>
-          </a:lnRef>
-          <a:fillRef idx="0">
-            <a:schemeClr val="dk1"/>
-          </a:fillRef>
-          <a:effectRef idx="0">
-            <a:schemeClr val="dk1"/>
-          </a:effectRef>
-          <a:fontRef idx="minor">
-            <a:schemeClr val="tx1"/>
-          </a:fontRef>
-        </p:style>
-      </p:cxnSp>
-      <p:sp>
-        <p:nvSpPr>
-          <p:cNvPr id="28" name="Rectangle 27">
-            <a:extLst>
-              <a:ext uri="{FF2B5EF4-FFF2-40B4-BE49-F238E27FC236}">
-                <a16:creationId xmlns:a16="http://schemas.microsoft.com/office/drawing/2014/main" id="{8B809878-6E66-A485-6118-FEF32951DFD5}"/>
-              </a:ext>
-            </a:extLst>
-          </p:cNvPr>
-          <p:cNvSpPr/>
-          <p:nvPr/>
-        </p:nvSpPr>
-        <p:spPr>
-          <a:xfrm>
-            <a:off x="2223262" y="842290"/>
-            <a:ext cx="4391817" cy="5920460"/>
-          </a:xfrm>
-          <a:prstGeom prst="rect">
-            <a:avLst/>
-          </a:prstGeom>
-          <a:noFill/>
-        </p:spPr>
-        <p:style>
-          <a:lnRef idx="2">
-            <a:schemeClr val="accent1">
-              <a:shade val="15000"/>
-            </a:schemeClr>
-          </a:lnRef>
-          <a:fillRef idx="1">
-            <a:schemeClr val="accent1"/>
-          </a:fillRef>
-          <a:effectRef idx="0">
-            <a:schemeClr val="accent1"/>
-          </a:effectRef>
-          <a:fontRef idx="minor">
-            <a:schemeClr val="lt1"/>
-          </a:fontRef>
-        </p:style>
-        <p:txBody>
-          <a:bodyPr rtlCol="0" anchor="ctr"/>
-          <a:lstStyle/>
-          <a:p>
-            <a:pPr algn="ctr"/>
-            <a:endParaRPr lang="en-US"/>
-          </a:p>
-        </p:txBody>
-      </p:sp>
-      <p:sp>
-        <p:nvSpPr>
-          <p:cNvPr id="29" name="TextBox 28">
-            <a:extLst>
-              <a:ext uri="{FF2B5EF4-FFF2-40B4-BE49-F238E27FC236}">
-                <a16:creationId xmlns:a16="http://schemas.microsoft.com/office/drawing/2014/main" id="{A6654CDD-C6CE-17C2-73A5-53DD8797C53E}"/>
-              </a:ext>
-            </a:extLst>
-          </p:cNvPr>
-          <p:cNvSpPr txBox="1"/>
-          <p:nvPr/>
-        </p:nvSpPr>
-        <p:spPr>
-          <a:xfrm>
-            <a:off x="3939868" y="614605"/>
-            <a:ext cx="1127959" cy="307777"/>
-          </a:xfrm>
-          <a:prstGeom prst="rect">
-            <a:avLst/>
-          </a:prstGeom>
-          <a:solidFill>
-            <a:schemeClr val="bg1"/>
-          </a:solidFill>
-        </p:spPr>
-        <p:txBody>
-          <a:bodyPr wrap="square">
-            <a:spAutoFit/>
-          </a:bodyPr>
-          <a:lstStyle/>
-          <a:p>
-            <a:pPr algn="ctr"/>
-            <a:r>
-              <a:rPr lang="en-US" sz="1400" b="1" dirty="0" err="1"/>
-              <a:t>mainPanel</a:t>
-            </a:r>
-            <a:endParaRPr lang="en-US" sz="1400" b="1" dirty="0"/>
-          </a:p>
-        </p:txBody>
-      </p:sp>
-      <p:sp>
-        <p:nvSpPr>
-          <p:cNvPr id="30" name="Rectangle 29">
-            <a:extLst>
-              <a:ext uri="{FF2B5EF4-FFF2-40B4-BE49-F238E27FC236}">
-                <a16:creationId xmlns:a16="http://schemas.microsoft.com/office/drawing/2014/main" id="{830FA520-7F88-D343-795F-CADBF0CF5074}"/>
-              </a:ext>
-            </a:extLst>
-          </p:cNvPr>
-          <p:cNvSpPr/>
-          <p:nvPr/>
-        </p:nvSpPr>
-        <p:spPr>
-          <a:xfrm>
-            <a:off x="6742300" y="865469"/>
-            <a:ext cx="2172961" cy="5920461"/>
-          </a:xfrm>
-          <a:prstGeom prst="rect">
-            <a:avLst/>
-          </a:prstGeom>
-          <a:noFill/>
-        </p:spPr>
-        <p:style>
-          <a:lnRef idx="2">
-            <a:schemeClr val="accent1">
-              <a:shade val="15000"/>
-            </a:schemeClr>
-          </a:lnRef>
-          <a:fillRef idx="1">
-            <a:schemeClr val="accent1"/>
-          </a:fillRef>
-          <a:effectRef idx="0">
-            <a:schemeClr val="accent1"/>
-          </a:effectRef>
-          <a:fontRef idx="minor">
-            <a:schemeClr val="lt1"/>
-          </a:fontRef>
-        </p:style>
-        <p:txBody>
-          <a:bodyPr rtlCol="0" anchor="ctr"/>
-          <a:lstStyle/>
-          <a:p>
-            <a:pPr algn="ctr"/>
-            <a:endParaRPr lang="en-US"/>
-          </a:p>
-        </p:txBody>
-      </p:sp>
-      <p:sp>
-        <p:nvSpPr>
-          <p:cNvPr id="31" name="TextBox 30">
-            <a:extLst>
-              <a:ext uri="{FF2B5EF4-FFF2-40B4-BE49-F238E27FC236}">
-                <a16:creationId xmlns:a16="http://schemas.microsoft.com/office/drawing/2014/main" id="{0ED00487-9392-767A-7711-60F880132D9B}"/>
-              </a:ext>
-            </a:extLst>
-          </p:cNvPr>
-          <p:cNvSpPr txBox="1"/>
-          <p:nvPr/>
-        </p:nvSpPr>
-        <p:spPr>
-          <a:xfrm>
-            <a:off x="7006796" y="736347"/>
-            <a:ext cx="1127959" cy="307777"/>
-          </a:xfrm>
-          <a:prstGeom prst="rect">
-            <a:avLst/>
-          </a:prstGeom>
-          <a:solidFill>
-            <a:schemeClr val="bg1"/>
-          </a:solidFill>
-        </p:spPr>
-        <p:txBody>
-          <a:bodyPr wrap="square">
-            <a:spAutoFit/>
-          </a:bodyPr>
-          <a:lstStyle/>
-          <a:p>
-            <a:pPr algn="ctr"/>
-            <a:r>
-              <a:rPr lang="en-US" sz="1400" b="1" dirty="0"/>
-              <a:t>sidebar</a:t>
-            </a:r>
-          </a:p>
-        </p:txBody>
-      </p:sp>
-      <p:cxnSp>
-        <p:nvCxnSpPr>
-          <p:cNvPr id="33" name="Straight Arrow Connector 32">
-            <a:extLst>
-              <a:ext uri="{FF2B5EF4-FFF2-40B4-BE49-F238E27FC236}">
-                <a16:creationId xmlns:a16="http://schemas.microsoft.com/office/drawing/2014/main" id="{BB1432A9-7502-E26B-990F-458491A4804C}"/>
-              </a:ext>
-            </a:extLst>
-          </p:cNvPr>
-          <p:cNvCxnSpPr/>
-          <p:nvPr/>
-        </p:nvCxnSpPr>
-        <p:spPr>
-          <a:xfrm flipV="1">
-            <a:off x="9511571" y="2500286"/>
-            <a:ext cx="508540" cy="1"/>
-          </a:xfrm>
-          <a:prstGeom prst="straightConnector1">
-            <a:avLst/>
-          </a:prstGeom>
-          <a:ln>
-            <a:tailEnd type="triangle"/>
-          </a:ln>
-        </p:spPr>
-        <p:style>
-          <a:lnRef idx="1">
-            <a:schemeClr val="accent1"/>
-          </a:lnRef>
-          <a:fillRef idx="0">
-            <a:schemeClr val="accent1"/>
-          </a:fillRef>
-          <a:effectRef idx="0">
-            <a:schemeClr val="accent1"/>
-          </a:effectRef>
-          <a:fontRef idx="minor">
-            <a:schemeClr val="tx1"/>
-          </a:fontRef>
-        </p:style>
-      </p:cxnSp>
-      <p:sp>
-        <p:nvSpPr>
-          <p:cNvPr id="34" name="TextBox 33">
-            <a:extLst>
-              <a:ext uri="{FF2B5EF4-FFF2-40B4-BE49-F238E27FC236}">
-                <a16:creationId xmlns:a16="http://schemas.microsoft.com/office/drawing/2014/main" id="{B3F8B912-0471-0590-8ACC-0D75266D96A4}"/>
-              </a:ext>
-            </a:extLst>
-          </p:cNvPr>
-          <p:cNvSpPr txBox="1"/>
-          <p:nvPr/>
-        </p:nvSpPr>
-        <p:spPr>
-          <a:xfrm>
-            <a:off x="6727741" y="3106562"/>
-            <a:ext cx="1163361" cy="257369"/>
-          </a:xfrm>
-          <a:prstGeom prst="rect">
-            <a:avLst/>
-          </a:prstGeom>
-          <a:noFill/>
-        </p:spPr>
-        <p:txBody>
-          <a:bodyPr wrap="square" lIns="36000" tIns="36000" rIns="36000" bIns="36000">
-            <a:spAutoFit/>
-          </a:bodyPr>
-          <a:lstStyle>
-            <a:defPPr>
-              <a:defRPr lang="en-US"/>
-            </a:defPPr>
-            <a:lvl1pPr algn="ctr">
-              <a:defRPr sz="1200">
-                <a:highlight>
-                  <a:srgbClr val="FFFF00"/>
-                </a:highlight>
-              </a:defRPr>
-            </a:lvl1pPr>
-          </a:lstStyle>
-          <a:p>
-            <a:r>
-              <a:rPr lang="en-US" dirty="0" err="1"/>
-              <a:t>input$selectScn</a:t>
-            </a:r>
-            <a:endParaRPr lang="en-US" dirty="0"/>
-          </a:p>
-        </p:txBody>
-      </p:sp>
-      <p:sp>
-        <p:nvSpPr>
-          <p:cNvPr id="37" name="TextBox 36">
-            <a:extLst>
-              <a:ext uri="{FF2B5EF4-FFF2-40B4-BE49-F238E27FC236}">
-                <a16:creationId xmlns:a16="http://schemas.microsoft.com/office/drawing/2014/main" id="{276B1B2E-F41C-98C7-DA71-01B09C9A79BC}"/>
-              </a:ext>
-            </a:extLst>
-          </p:cNvPr>
-          <p:cNvSpPr txBox="1"/>
-          <p:nvPr/>
-        </p:nvSpPr>
-        <p:spPr>
-          <a:xfrm>
-            <a:off x="6678152" y="3723010"/>
-            <a:ext cx="1163361" cy="257369"/>
-          </a:xfrm>
-          <a:prstGeom prst="rect">
-            <a:avLst/>
-          </a:prstGeom>
-          <a:noFill/>
-        </p:spPr>
-        <p:txBody>
-          <a:bodyPr wrap="square" lIns="36000" tIns="36000" rIns="36000" bIns="36000">
-            <a:spAutoFit/>
-          </a:bodyPr>
-          <a:lstStyle>
-            <a:defPPr>
-              <a:defRPr lang="en-US"/>
-            </a:defPPr>
-            <a:lvl1pPr algn="ctr">
-              <a:defRPr sz="1200">
-                <a:highlight>
-                  <a:srgbClr val="FFFF00"/>
-                </a:highlight>
-              </a:defRPr>
-            </a:lvl1pPr>
-          </a:lstStyle>
-          <a:p>
-            <a:r>
-              <a:rPr lang="en-US" dirty="0" err="1"/>
-              <a:t>input$selectYr</a:t>
-            </a:r>
-            <a:endParaRPr lang="en-US" dirty="0"/>
-          </a:p>
-        </p:txBody>
-      </p:sp>
-      <p:sp>
-        <p:nvSpPr>
-          <p:cNvPr id="38" name="TextBox 37">
-            <a:extLst>
-              <a:ext uri="{FF2B5EF4-FFF2-40B4-BE49-F238E27FC236}">
-                <a16:creationId xmlns:a16="http://schemas.microsoft.com/office/drawing/2014/main" id="{3C2368F2-78CB-354D-9265-B814418C7538}"/>
-              </a:ext>
-            </a:extLst>
-          </p:cNvPr>
-          <p:cNvSpPr txBox="1"/>
-          <p:nvPr/>
-        </p:nvSpPr>
-        <p:spPr>
-          <a:xfrm>
-            <a:off x="6665419" y="4528451"/>
-            <a:ext cx="1163361" cy="257369"/>
-          </a:xfrm>
-          <a:prstGeom prst="rect">
-            <a:avLst/>
-          </a:prstGeom>
-          <a:noFill/>
-        </p:spPr>
-        <p:txBody>
-          <a:bodyPr wrap="square" lIns="36000" tIns="36000" rIns="36000" bIns="36000">
-            <a:spAutoFit/>
-          </a:bodyPr>
-          <a:lstStyle>
-            <a:defPPr>
-              <a:defRPr lang="en-US"/>
-            </a:defPPr>
-            <a:lvl1pPr algn="ctr">
-              <a:defRPr sz="1200">
-                <a:highlight>
-                  <a:srgbClr val="FFFF00"/>
-                </a:highlight>
-              </a:defRPr>
-            </a:lvl1pPr>
-          </a:lstStyle>
-          <a:p>
-            <a:r>
-              <a:rPr lang="en-US" dirty="0" err="1"/>
-              <a:t>input$selectVar</a:t>
-            </a:r>
-            <a:endParaRPr lang="en-US" dirty="0"/>
-          </a:p>
-        </p:txBody>
-      </p:sp>
-      <p:sp>
-        <p:nvSpPr>
-          <p:cNvPr id="39" name="TextBox 38">
-            <a:extLst>
-              <a:ext uri="{FF2B5EF4-FFF2-40B4-BE49-F238E27FC236}">
-                <a16:creationId xmlns:a16="http://schemas.microsoft.com/office/drawing/2014/main" id="{0FEEC573-B370-76AD-5F66-21CEDA106B75}"/>
-              </a:ext>
-            </a:extLst>
-          </p:cNvPr>
-          <p:cNvSpPr txBox="1"/>
-          <p:nvPr/>
-        </p:nvSpPr>
-        <p:spPr>
-          <a:xfrm>
-            <a:off x="6710226" y="5164906"/>
-            <a:ext cx="1424529" cy="257369"/>
-          </a:xfrm>
-          <a:prstGeom prst="rect">
-            <a:avLst/>
-          </a:prstGeom>
-          <a:noFill/>
-        </p:spPr>
-        <p:txBody>
-          <a:bodyPr wrap="square" lIns="36000" tIns="36000" rIns="36000" bIns="36000">
-            <a:spAutoFit/>
-          </a:bodyPr>
-          <a:lstStyle>
-            <a:defPPr>
-              <a:defRPr lang="en-US"/>
-            </a:defPPr>
-            <a:lvl1pPr algn="ctr">
-              <a:defRPr sz="1200">
-                <a:highlight>
-                  <a:srgbClr val="FFFF00"/>
-                </a:highlight>
-              </a:defRPr>
-            </a:lvl1pPr>
-          </a:lstStyle>
-          <a:p>
-            <a:r>
-              <a:rPr lang="en-US" dirty="0" err="1"/>
-              <a:t>input$selectAnalysis</a:t>
-            </a:r>
-            <a:endParaRPr lang="en-US" dirty="0"/>
-          </a:p>
-        </p:txBody>
-      </p:sp>
-      <p:sp>
-        <p:nvSpPr>
-          <p:cNvPr id="40" name="TextBox 39">
-            <a:extLst>
-              <a:ext uri="{FF2B5EF4-FFF2-40B4-BE49-F238E27FC236}">
-                <a16:creationId xmlns:a16="http://schemas.microsoft.com/office/drawing/2014/main" id="{B0A8F474-ED39-C551-C028-F386530E9D5F}"/>
-              </a:ext>
-            </a:extLst>
-          </p:cNvPr>
-          <p:cNvSpPr txBox="1"/>
-          <p:nvPr/>
-        </p:nvSpPr>
-        <p:spPr>
-          <a:xfrm>
-            <a:off x="11202863" y="4297619"/>
-            <a:ext cx="894797" cy="230832"/>
-          </a:xfrm>
-          <a:prstGeom prst="rect">
-            <a:avLst/>
-          </a:prstGeom>
-          <a:solidFill>
-            <a:schemeClr val="accent1">
-              <a:lumMod val="20000"/>
-              <a:lumOff val="80000"/>
-            </a:schemeClr>
-          </a:solidFill>
-        </p:spPr>
-        <p:txBody>
-          <a:bodyPr wrap="none" rtlCol="0">
-            <a:spAutoFit/>
-          </a:bodyPr>
-          <a:lstStyle>
-            <a:defPPr>
-              <a:defRPr lang="en-US"/>
-            </a:defPPr>
-            <a:lvl1pPr>
-              <a:defRPr sz="1050" b="1"/>
-            </a:lvl1pPr>
-          </a:lstStyle>
-          <a:p>
-            <a:r>
-              <a:rPr lang="he-IL" sz="900" dirty="0"/>
-              <a:t>בחר משתנה/ים</a:t>
-            </a:r>
-            <a:endParaRPr lang="en-US" sz="900" dirty="0"/>
-          </a:p>
-        </p:txBody>
-      </p:sp>
-      <p:sp>
-        <p:nvSpPr>
-          <p:cNvPr id="41" name="TextBox 40">
-            <a:extLst>
-              <a:ext uri="{FF2B5EF4-FFF2-40B4-BE49-F238E27FC236}">
-                <a16:creationId xmlns:a16="http://schemas.microsoft.com/office/drawing/2014/main" id="{1B8B1005-8FF9-B521-BB3D-0B9CD548808E}"/>
-              </a:ext>
-            </a:extLst>
-          </p:cNvPr>
-          <p:cNvSpPr txBox="1"/>
-          <p:nvPr/>
-        </p:nvSpPr>
-        <p:spPr>
-          <a:xfrm>
-            <a:off x="11228735" y="4560849"/>
-            <a:ext cx="782587" cy="276999"/>
-          </a:xfrm>
-          <a:prstGeom prst="rect">
-            <a:avLst/>
-          </a:prstGeom>
-          <a:solidFill>
-            <a:schemeClr val="accent4">
-              <a:lumMod val="20000"/>
-              <a:lumOff val="80000"/>
-            </a:schemeClr>
-          </a:solidFill>
-        </p:spPr>
-        <p:txBody>
-          <a:bodyPr wrap="none" rtlCol="0">
-            <a:spAutoFit/>
-          </a:bodyPr>
-          <a:lstStyle/>
-          <a:p>
-            <a:r>
-              <a:rPr lang="he-IL" sz="1200" b="1" dirty="0"/>
-              <a:t>אוכלוסייה</a:t>
-            </a:r>
-            <a:endParaRPr lang="en-US" sz="1200" dirty="0"/>
-          </a:p>
-        </p:txBody>
-      </p:sp>
-      <p:sp>
-        <p:nvSpPr>
-          <p:cNvPr id="42" name="TextBox 41">
-            <a:extLst>
-              <a:ext uri="{FF2B5EF4-FFF2-40B4-BE49-F238E27FC236}">
-                <a16:creationId xmlns:a16="http://schemas.microsoft.com/office/drawing/2014/main" id="{3B94C0DA-A02D-3432-5074-F43007F09685}"/>
-              </a:ext>
-            </a:extLst>
-          </p:cNvPr>
-          <p:cNvSpPr txBox="1"/>
-          <p:nvPr/>
-        </p:nvSpPr>
-        <p:spPr>
-          <a:xfrm>
-            <a:off x="11358708" y="5139224"/>
-            <a:ext cx="630301" cy="461665"/>
-          </a:xfrm>
-          <a:prstGeom prst="rect">
-            <a:avLst/>
-          </a:prstGeom>
-          <a:solidFill>
-            <a:schemeClr val="accent4">
-              <a:lumMod val="20000"/>
-              <a:lumOff val="80000"/>
-            </a:schemeClr>
-          </a:solidFill>
-        </p:spPr>
-        <p:txBody>
-          <a:bodyPr wrap="none" rtlCol="0">
-            <a:spAutoFit/>
-          </a:bodyPr>
-          <a:lstStyle/>
-          <a:p>
-            <a:r>
-              <a:rPr lang="he-IL" sz="1200" b="1" dirty="0"/>
-              <a:t>ערכים</a:t>
-            </a:r>
-          </a:p>
-          <a:p>
-            <a:r>
-              <a:rPr lang="he-IL" sz="1200" b="1" dirty="0"/>
-              <a:t>צפיפות</a:t>
-            </a:r>
-          </a:p>
-        </p:txBody>
-      </p:sp>
-      <p:cxnSp>
-        <p:nvCxnSpPr>
-          <p:cNvPr id="43" name="Straight Arrow Connector 42">
-            <a:extLst>
-              <a:ext uri="{FF2B5EF4-FFF2-40B4-BE49-F238E27FC236}">
-                <a16:creationId xmlns:a16="http://schemas.microsoft.com/office/drawing/2014/main" id="{2EA4679A-D184-CB6A-DC00-E1765F925A94}"/>
-              </a:ext>
-            </a:extLst>
-          </p:cNvPr>
-          <p:cNvCxnSpPr>
-            <a:cxnSpLocks/>
-          </p:cNvCxnSpPr>
-          <p:nvPr/>
-        </p:nvCxnSpPr>
-        <p:spPr>
-          <a:xfrm>
-            <a:off x="1423321" y="176569"/>
-            <a:ext cx="357788" cy="0"/>
-          </a:xfrm>
-          <a:prstGeom prst="straightConnector1">
-            <a:avLst/>
-          </a:prstGeom>
-          <a:ln>
-            <a:tailEnd type="triangle"/>
-          </a:ln>
-        </p:spPr>
-        <p:style>
-          <a:lnRef idx="1">
-            <a:schemeClr val="dk1"/>
-          </a:lnRef>
-          <a:fillRef idx="0">
-            <a:schemeClr val="dk1"/>
-          </a:fillRef>
-          <a:effectRef idx="0">
-            <a:schemeClr val="dk1"/>
-          </a:effectRef>
-          <a:fontRef idx="minor">
-            <a:schemeClr val="tx1"/>
-          </a:fontRef>
-        </p:style>
-      </p:cxnSp>
-      <p:sp>
-        <p:nvSpPr>
-          <p:cNvPr id="44" name="TextBox 43">
-            <a:extLst>
-              <a:ext uri="{FF2B5EF4-FFF2-40B4-BE49-F238E27FC236}">
-                <a16:creationId xmlns:a16="http://schemas.microsoft.com/office/drawing/2014/main" id="{AE80E211-2B71-949D-505E-BD4BBE70837D}"/>
-              </a:ext>
-            </a:extLst>
-          </p:cNvPr>
-          <p:cNvSpPr txBox="1"/>
-          <p:nvPr/>
-        </p:nvSpPr>
-        <p:spPr>
-          <a:xfrm>
-            <a:off x="6572609" y="5374998"/>
-            <a:ext cx="1424529" cy="257369"/>
-          </a:xfrm>
-          <a:prstGeom prst="rect">
-            <a:avLst/>
-          </a:prstGeom>
-          <a:noFill/>
-        </p:spPr>
-        <p:txBody>
-          <a:bodyPr wrap="square" lIns="36000" tIns="36000" rIns="36000" bIns="36000">
-            <a:spAutoFit/>
-          </a:bodyPr>
-          <a:lstStyle>
-            <a:defPPr>
-              <a:defRPr lang="en-US"/>
-            </a:defPPr>
-            <a:lvl1pPr algn="ctr">
-              <a:defRPr sz="1200">
-                <a:highlight>
-                  <a:srgbClr val="FFFF00"/>
-                </a:highlight>
-              </a:defRPr>
-            </a:lvl1pPr>
-          </a:lstStyle>
-          <a:p>
-            <a:r>
-              <a:rPr lang="en-US" dirty="0" err="1"/>
-              <a:t>input$selectproc</a:t>
-            </a:r>
-            <a:endParaRPr lang="en-US" dirty="0"/>
-          </a:p>
-        </p:txBody>
-      </p:sp>
-      <p:sp>
-        <p:nvSpPr>
-          <p:cNvPr id="46" name="TextBox 45">
-            <a:extLst>
-              <a:ext uri="{FF2B5EF4-FFF2-40B4-BE49-F238E27FC236}">
-                <a16:creationId xmlns:a16="http://schemas.microsoft.com/office/drawing/2014/main" id="{1685EBED-EC20-1C11-6EFD-0C854C905F4B}"/>
-              </a:ext>
-            </a:extLst>
-          </p:cNvPr>
-          <p:cNvSpPr txBox="1"/>
-          <p:nvPr/>
-        </p:nvSpPr>
-        <p:spPr>
-          <a:xfrm>
-            <a:off x="7828780" y="3104020"/>
-            <a:ext cx="1786750" cy="257369"/>
-          </a:xfrm>
-          <a:prstGeom prst="rect">
-            <a:avLst/>
-          </a:prstGeom>
-          <a:noFill/>
-        </p:spPr>
-        <p:txBody>
-          <a:bodyPr wrap="square" lIns="36000" tIns="36000" rIns="36000" bIns="36000">
-            <a:spAutoFit/>
-          </a:bodyPr>
-          <a:lstStyle>
-            <a:defPPr>
-              <a:defRPr lang="en-US"/>
-            </a:defPPr>
-            <a:lvl1pPr algn="ctr">
-              <a:defRPr sz="1200">
-                <a:highlight>
-                  <a:srgbClr val="00FFFF"/>
-                </a:highlight>
-              </a:defRPr>
-            </a:lvl1pPr>
-          </a:lstStyle>
-          <a:p>
-            <a:pPr algn="l"/>
-            <a:r>
-              <a:rPr lang="en-US" dirty="0" err="1"/>
-              <a:t>currentFrcst$Frcst$scnlist</a:t>
-            </a:r>
-            <a:endParaRPr lang="en-US" dirty="0"/>
-          </a:p>
-        </p:txBody>
-      </p:sp>
-      <p:sp>
-        <p:nvSpPr>
-          <p:cNvPr id="48" name="TextBox 47">
-            <a:extLst>
-              <a:ext uri="{FF2B5EF4-FFF2-40B4-BE49-F238E27FC236}">
-                <a16:creationId xmlns:a16="http://schemas.microsoft.com/office/drawing/2014/main" id="{F83B16F8-C3A3-E637-1610-8772DF3BB914}"/>
-              </a:ext>
-            </a:extLst>
-          </p:cNvPr>
-          <p:cNvSpPr txBox="1"/>
-          <p:nvPr/>
-        </p:nvSpPr>
-        <p:spPr>
-          <a:xfrm>
-            <a:off x="3048000" y="3230046"/>
-            <a:ext cx="6096000" cy="369332"/>
-          </a:xfrm>
-          <a:prstGeom prst="rect">
-            <a:avLst/>
-          </a:prstGeom>
-          <a:noFill/>
-        </p:spPr>
-        <p:txBody>
-          <a:bodyPr wrap="square">
-            <a:spAutoFit/>
-          </a:bodyPr>
-          <a:lstStyle/>
-          <a:p>
-            <a:r>
-              <a:rPr lang="en-US" dirty="0" err="1"/>
-              <a:t>currentFrcst$Frcst$scenarios</a:t>
-            </a:r>
-            <a:r>
-              <a:rPr lang="en-US" dirty="0"/>
-              <a:t>[[</a:t>
-            </a:r>
-            <a:r>
-              <a:rPr lang="en-US" dirty="0" err="1"/>
-              <a:t>input$selectScn</a:t>
-            </a:r>
-            <a:r>
-              <a:rPr lang="en-US" dirty="0"/>
-              <a:t>]]$years</a:t>
-            </a:r>
           </a:p>
         </p:txBody>
       </p:sp>
     </p:spTree>
     <p:extLst>
       <p:ext uri="{BB962C8B-B14F-4D97-AF65-F5344CB8AC3E}">
-        <p14:creationId xmlns:p14="http://schemas.microsoft.com/office/powerpoint/2010/main" val="816585038"/>
+        <p14:creationId xmlns:p14="http://schemas.microsoft.com/office/powerpoint/2010/main" val="3314121517"/>
       </p:ext>
     </p:extLst>
   </p:cSld>
@@ -10586,10 +9778,10 @@
       </p:grpSpPr>
       <p:pic>
         <p:nvPicPr>
-          <p:cNvPr id="3" name="Picture 2">
-            <a:extLst>
-              <a:ext uri="{FF2B5EF4-FFF2-40B4-BE49-F238E27FC236}">
-                <a16:creationId xmlns:a16="http://schemas.microsoft.com/office/drawing/2014/main" id="{40D8B4D1-A060-14B0-E7FA-A927D361E4CD}"/>
+          <p:cNvPr id="22" name="Picture 21">
+            <a:extLst>
+              <a:ext uri="{FF2B5EF4-FFF2-40B4-BE49-F238E27FC236}">
+                <a16:creationId xmlns:a16="http://schemas.microsoft.com/office/drawing/2014/main" id="{A1D1AA21-1B32-E767-FCF3-F05B63AD860C}"/>
               </a:ext>
             </a:extLst>
           </p:cNvPr>
@@ -10606,18 +9798,1367 @@
         </p:blipFill>
         <p:spPr>
           <a:xfrm>
-            <a:off x="74590" y="0"/>
-            <a:ext cx="6551904" cy="6858000"/>
+            <a:off x="2110600" y="0"/>
+            <a:ext cx="6953804" cy="6858000"/>
           </a:xfrm>
           <a:prstGeom prst="rect">
             <a:avLst/>
           </a:prstGeom>
         </p:spPr>
       </p:pic>
+      <p:sp>
+        <p:nvSpPr>
+          <p:cNvPr id="8" name="Rectangle: Rounded Corners 7">
+            <a:extLst>
+              <a:ext uri="{FF2B5EF4-FFF2-40B4-BE49-F238E27FC236}">
+                <a16:creationId xmlns:a16="http://schemas.microsoft.com/office/drawing/2014/main" id="{162091A9-9217-CF04-BDB1-8E007DEA8948}"/>
+              </a:ext>
+            </a:extLst>
+          </p:cNvPr>
+          <p:cNvSpPr/>
+          <p:nvPr/>
+        </p:nvSpPr>
+        <p:spPr>
+          <a:xfrm>
+            <a:off x="7047612" y="5929220"/>
+            <a:ext cx="1643137" cy="384866"/>
+          </a:xfrm>
+          <a:prstGeom prst="roundRect">
+            <a:avLst/>
+          </a:prstGeom>
+        </p:spPr>
+        <p:style>
+          <a:lnRef idx="2">
+            <a:schemeClr val="accent1">
+              <a:shade val="15000"/>
+            </a:schemeClr>
+          </a:lnRef>
+          <a:fillRef idx="1">
+            <a:schemeClr val="accent1"/>
+          </a:fillRef>
+          <a:effectRef idx="0">
+            <a:schemeClr val="accent1"/>
+          </a:effectRef>
+          <a:fontRef idx="minor">
+            <a:schemeClr val="lt1"/>
+          </a:fontRef>
+        </p:style>
+        <p:txBody>
+          <a:bodyPr rtlCol="0" anchor="ctr"/>
+          <a:lstStyle/>
+          <a:p>
+            <a:pPr algn="ctr"/>
+            <a:r>
+              <a:rPr lang="he-IL" dirty="0"/>
+              <a:t>בצע</a:t>
+            </a:r>
+            <a:endParaRPr lang="en-US" dirty="0"/>
+          </a:p>
+        </p:txBody>
+      </p:sp>
+      <p:sp>
+        <p:nvSpPr>
+          <p:cNvPr id="11" name="TextBox 10">
+            <a:extLst>
+              <a:ext uri="{FF2B5EF4-FFF2-40B4-BE49-F238E27FC236}">
+                <a16:creationId xmlns:a16="http://schemas.microsoft.com/office/drawing/2014/main" id="{1634D45D-E808-DC03-6345-59C5EFAD1D9D}"/>
+              </a:ext>
+            </a:extLst>
+          </p:cNvPr>
+          <p:cNvSpPr txBox="1"/>
+          <p:nvPr/>
+        </p:nvSpPr>
+        <p:spPr>
+          <a:xfrm>
+            <a:off x="4924537" y="922382"/>
+            <a:ext cx="1653017" cy="369332"/>
+          </a:xfrm>
+          <a:prstGeom prst="rect">
+            <a:avLst/>
+          </a:prstGeom>
+          <a:noFill/>
+        </p:spPr>
+        <p:txBody>
+          <a:bodyPr wrap="none" rtlCol="0">
+            <a:spAutoFit/>
+          </a:bodyPr>
+          <a:lstStyle/>
+          <a:p>
+            <a:pPr algn="r"/>
+            <a:r>
+              <a:rPr lang="he-IL" dirty="0">
+                <a:highlight>
+                  <a:srgbClr val="00FFFF"/>
+                </a:highlight>
+              </a:rPr>
+              <a:t>אפשרויות תצוגה</a:t>
+            </a:r>
+            <a:endParaRPr lang="en-US" dirty="0">
+              <a:highlight>
+                <a:srgbClr val="00FFFF"/>
+              </a:highlight>
+            </a:endParaRPr>
+          </a:p>
+        </p:txBody>
+      </p:sp>
+      <p:sp>
+        <p:nvSpPr>
+          <p:cNvPr id="12" name="TextBox 11">
+            <a:extLst>
+              <a:ext uri="{FF2B5EF4-FFF2-40B4-BE49-F238E27FC236}">
+                <a16:creationId xmlns:a16="http://schemas.microsoft.com/office/drawing/2014/main" id="{3CA610E4-7546-973B-2238-F00FB996EEC9}"/>
+              </a:ext>
+            </a:extLst>
+          </p:cNvPr>
+          <p:cNvSpPr txBox="1"/>
+          <p:nvPr/>
+        </p:nvSpPr>
+        <p:spPr>
+          <a:xfrm>
+            <a:off x="11303274" y="3757390"/>
+            <a:ext cx="745717" cy="230832"/>
+          </a:xfrm>
+          <a:prstGeom prst="rect">
+            <a:avLst/>
+          </a:prstGeom>
+          <a:solidFill>
+            <a:schemeClr val="accent1">
+              <a:lumMod val="20000"/>
+              <a:lumOff val="80000"/>
+            </a:schemeClr>
+          </a:solidFill>
+        </p:spPr>
+        <p:txBody>
+          <a:bodyPr wrap="none" rtlCol="0">
+            <a:spAutoFit/>
+          </a:bodyPr>
+          <a:lstStyle/>
+          <a:p>
+            <a:r>
+              <a:rPr lang="he-IL" sz="900" b="1" dirty="0"/>
+              <a:t>בחר שנה/ים</a:t>
+            </a:r>
+            <a:endParaRPr lang="en-US" sz="900" b="1" dirty="0"/>
+          </a:p>
+        </p:txBody>
+      </p:sp>
+      <p:sp>
+        <p:nvSpPr>
+          <p:cNvPr id="9" name="TextBox 8">
+            <a:extLst>
+              <a:ext uri="{FF2B5EF4-FFF2-40B4-BE49-F238E27FC236}">
+                <a16:creationId xmlns:a16="http://schemas.microsoft.com/office/drawing/2014/main" id="{F3CAD155-1C22-8E0A-790E-A74D87754246}"/>
+              </a:ext>
+            </a:extLst>
+          </p:cNvPr>
+          <p:cNvSpPr txBox="1"/>
+          <p:nvPr/>
+        </p:nvSpPr>
+        <p:spPr>
+          <a:xfrm>
+            <a:off x="7704620" y="1822918"/>
+            <a:ext cx="1242715" cy="257369"/>
+          </a:xfrm>
+          <a:prstGeom prst="rect">
+            <a:avLst/>
+          </a:prstGeom>
+          <a:noFill/>
+        </p:spPr>
+        <p:txBody>
+          <a:bodyPr wrap="square" lIns="36000" tIns="36000" rIns="36000" bIns="36000">
+            <a:spAutoFit/>
+          </a:bodyPr>
+          <a:lstStyle>
+            <a:defPPr>
+              <a:defRPr lang="en-US"/>
+            </a:defPPr>
+            <a:lvl1pPr algn="ctr">
+              <a:defRPr sz="1200">
+                <a:highlight>
+                  <a:srgbClr val="FFFF00"/>
+                </a:highlight>
+              </a:defRPr>
+            </a:lvl1pPr>
+          </a:lstStyle>
+          <a:p>
+            <a:r>
+              <a:rPr lang="en-US" dirty="0" err="1">
+                <a:highlight>
+                  <a:srgbClr val="00FFFF"/>
+                </a:highlight>
+              </a:rPr>
+              <a:t>cfg$scnsources</a:t>
+            </a:r>
+            <a:endParaRPr lang="en-US" dirty="0">
+              <a:highlight>
+                <a:srgbClr val="00FFFF"/>
+              </a:highlight>
+            </a:endParaRPr>
+          </a:p>
+        </p:txBody>
+      </p:sp>
+      <p:sp>
+        <p:nvSpPr>
+          <p:cNvPr id="13" name="TextBox 12">
+            <a:extLst>
+              <a:ext uri="{FF2B5EF4-FFF2-40B4-BE49-F238E27FC236}">
+                <a16:creationId xmlns:a16="http://schemas.microsoft.com/office/drawing/2014/main" id="{B8E64EA5-8B60-B3DC-9091-30003D6F7523}"/>
+              </a:ext>
+            </a:extLst>
+          </p:cNvPr>
+          <p:cNvSpPr txBox="1"/>
+          <p:nvPr/>
+        </p:nvSpPr>
+        <p:spPr>
+          <a:xfrm>
+            <a:off x="6694071" y="1822918"/>
+            <a:ext cx="1163361" cy="257369"/>
+          </a:xfrm>
+          <a:prstGeom prst="rect">
+            <a:avLst/>
+          </a:prstGeom>
+          <a:noFill/>
+        </p:spPr>
+        <p:txBody>
+          <a:bodyPr wrap="square" lIns="36000" tIns="36000" rIns="36000" bIns="36000">
+            <a:spAutoFit/>
+          </a:bodyPr>
+          <a:lstStyle/>
+          <a:p>
+            <a:pPr algn="ctr"/>
+            <a:r>
+              <a:rPr lang="en-US" sz="1200" dirty="0" err="1">
+                <a:highlight>
+                  <a:srgbClr val="FFFF00"/>
+                </a:highlight>
+              </a:rPr>
+              <a:t>input$selectSrc</a:t>
+            </a:r>
+            <a:endParaRPr lang="en-US" sz="1200" dirty="0">
+              <a:highlight>
+                <a:srgbClr val="FFFF00"/>
+              </a:highlight>
+            </a:endParaRPr>
+          </a:p>
+        </p:txBody>
+      </p:sp>
+      <p:sp>
+        <p:nvSpPr>
+          <p:cNvPr id="15" name="TextBox 14">
+            <a:extLst>
+              <a:ext uri="{FF2B5EF4-FFF2-40B4-BE49-F238E27FC236}">
+                <a16:creationId xmlns:a16="http://schemas.microsoft.com/office/drawing/2014/main" id="{C4EFCDEF-E161-CE19-434D-7E22ADF20697}"/>
+              </a:ext>
+            </a:extLst>
+          </p:cNvPr>
+          <p:cNvSpPr txBox="1"/>
+          <p:nvPr/>
+        </p:nvSpPr>
+        <p:spPr>
+          <a:xfrm>
+            <a:off x="9962852" y="1765264"/>
+            <a:ext cx="1140404" cy="369332"/>
+          </a:xfrm>
+          <a:prstGeom prst="rect">
+            <a:avLst/>
+          </a:prstGeom>
+          <a:noFill/>
+        </p:spPr>
+        <p:txBody>
+          <a:bodyPr wrap="square">
+            <a:spAutoFit/>
+          </a:bodyPr>
+          <a:lstStyle/>
+          <a:p>
+            <a:r>
+              <a:rPr lang="en-US" dirty="0" err="1"/>
+              <a:t>currentsrc</a:t>
+            </a:r>
+            <a:endParaRPr lang="en-US" dirty="0"/>
+          </a:p>
+        </p:txBody>
+      </p:sp>
+      <p:sp>
+        <p:nvSpPr>
+          <p:cNvPr id="16" name="TextBox 15">
+            <a:extLst>
+              <a:ext uri="{FF2B5EF4-FFF2-40B4-BE49-F238E27FC236}">
+                <a16:creationId xmlns:a16="http://schemas.microsoft.com/office/drawing/2014/main" id="{6961A606-EEDD-78A5-6660-C72ED8BF4790}"/>
+              </a:ext>
+            </a:extLst>
+          </p:cNvPr>
+          <p:cNvSpPr txBox="1"/>
+          <p:nvPr/>
+        </p:nvSpPr>
+        <p:spPr>
+          <a:xfrm>
+            <a:off x="7749427" y="2436469"/>
+            <a:ext cx="1242715" cy="257369"/>
+          </a:xfrm>
+          <a:prstGeom prst="rect">
+            <a:avLst/>
+          </a:prstGeom>
+          <a:noFill/>
+        </p:spPr>
+        <p:txBody>
+          <a:bodyPr wrap="square" lIns="36000" tIns="36000" rIns="36000" bIns="36000">
+            <a:spAutoFit/>
+          </a:bodyPr>
+          <a:lstStyle>
+            <a:defPPr>
+              <a:defRPr lang="en-US"/>
+            </a:defPPr>
+            <a:lvl1pPr algn="ctr">
+              <a:defRPr sz="1200">
+                <a:highlight>
+                  <a:srgbClr val="00FFFF"/>
+                </a:highlight>
+              </a:defRPr>
+            </a:lvl1pPr>
+          </a:lstStyle>
+          <a:p>
+            <a:r>
+              <a:rPr lang="en-US" dirty="0" err="1"/>
+              <a:t>cfg$scnchoices</a:t>
+            </a:r>
+            <a:endParaRPr lang="en-US" dirty="0"/>
+          </a:p>
+        </p:txBody>
+      </p:sp>
+      <p:sp>
+        <p:nvSpPr>
+          <p:cNvPr id="17" name="TextBox 16">
+            <a:extLst>
+              <a:ext uri="{FF2B5EF4-FFF2-40B4-BE49-F238E27FC236}">
+                <a16:creationId xmlns:a16="http://schemas.microsoft.com/office/drawing/2014/main" id="{4C12E2C2-C6B0-8197-F3FC-4D2027A7C7D4}"/>
+              </a:ext>
+            </a:extLst>
+          </p:cNvPr>
+          <p:cNvSpPr txBox="1"/>
+          <p:nvPr/>
+        </p:nvSpPr>
+        <p:spPr>
+          <a:xfrm>
+            <a:off x="6742300" y="2470933"/>
+            <a:ext cx="1163361" cy="257369"/>
+          </a:xfrm>
+          <a:prstGeom prst="rect">
+            <a:avLst/>
+          </a:prstGeom>
+          <a:noFill/>
+        </p:spPr>
+        <p:txBody>
+          <a:bodyPr wrap="square" lIns="36000" tIns="36000" rIns="36000" bIns="36000">
+            <a:spAutoFit/>
+          </a:bodyPr>
+          <a:lstStyle>
+            <a:defPPr>
+              <a:defRPr lang="en-US"/>
+            </a:defPPr>
+            <a:lvl1pPr algn="ctr">
+              <a:defRPr sz="1200">
+                <a:highlight>
+                  <a:srgbClr val="FFFF00"/>
+                </a:highlight>
+              </a:defRPr>
+            </a:lvl1pPr>
+          </a:lstStyle>
+          <a:p>
+            <a:r>
+              <a:rPr lang="en-US" dirty="0" err="1"/>
+              <a:t>input$selectFrcst</a:t>
+            </a:r>
+            <a:endParaRPr lang="en-US" dirty="0"/>
+          </a:p>
+        </p:txBody>
+      </p:sp>
+      <p:sp>
+        <p:nvSpPr>
+          <p:cNvPr id="18" name="TextBox 17">
+            <a:extLst>
+              <a:ext uri="{FF2B5EF4-FFF2-40B4-BE49-F238E27FC236}">
+                <a16:creationId xmlns:a16="http://schemas.microsoft.com/office/drawing/2014/main" id="{CA5BE5F1-66D5-3FA4-9D35-304F8A943487}"/>
+              </a:ext>
+            </a:extLst>
+          </p:cNvPr>
+          <p:cNvSpPr txBox="1"/>
+          <p:nvPr/>
+        </p:nvSpPr>
+        <p:spPr>
+          <a:xfrm>
+            <a:off x="10026724" y="2315620"/>
+            <a:ext cx="1355103" cy="369332"/>
+          </a:xfrm>
+          <a:prstGeom prst="rect">
+            <a:avLst/>
+          </a:prstGeom>
+          <a:noFill/>
+        </p:spPr>
+        <p:txBody>
+          <a:bodyPr wrap="square">
+            <a:spAutoFit/>
+          </a:bodyPr>
+          <a:lstStyle/>
+          <a:p>
+            <a:r>
+              <a:rPr lang="en-US" dirty="0" err="1"/>
+              <a:t>currentscn</a:t>
+            </a:r>
+            <a:endParaRPr lang="en-US" dirty="0"/>
+          </a:p>
+        </p:txBody>
+      </p:sp>
+      <p:cxnSp>
+        <p:nvCxnSpPr>
+          <p:cNvPr id="19" name="Straight Arrow Connector 18">
+            <a:extLst>
+              <a:ext uri="{FF2B5EF4-FFF2-40B4-BE49-F238E27FC236}">
+                <a16:creationId xmlns:a16="http://schemas.microsoft.com/office/drawing/2014/main" id="{EF07D2EB-99DC-B4EF-AE05-6D30093737F5}"/>
+              </a:ext>
+            </a:extLst>
+          </p:cNvPr>
+          <p:cNvCxnSpPr/>
+          <p:nvPr/>
+        </p:nvCxnSpPr>
+        <p:spPr>
+          <a:xfrm flipV="1">
+            <a:off x="9511571" y="1961418"/>
+            <a:ext cx="508540" cy="1"/>
+          </a:xfrm>
+          <a:prstGeom prst="straightConnector1">
+            <a:avLst/>
+          </a:prstGeom>
+          <a:ln>
+            <a:tailEnd type="triangle"/>
+          </a:ln>
+        </p:spPr>
+        <p:style>
+          <a:lnRef idx="1">
+            <a:schemeClr val="accent1"/>
+          </a:lnRef>
+          <a:fillRef idx="0">
+            <a:schemeClr val="accent1"/>
+          </a:fillRef>
+          <a:effectRef idx="0">
+            <a:schemeClr val="accent1"/>
+          </a:effectRef>
+          <a:fontRef idx="minor">
+            <a:schemeClr val="tx1"/>
+          </a:fontRef>
+        </p:style>
+      </p:cxnSp>
+      <p:cxnSp>
+        <p:nvCxnSpPr>
+          <p:cNvPr id="23" name="Straight Arrow Connector 22">
+            <a:extLst>
+              <a:ext uri="{FF2B5EF4-FFF2-40B4-BE49-F238E27FC236}">
+                <a16:creationId xmlns:a16="http://schemas.microsoft.com/office/drawing/2014/main" id="{E0366EB7-71D6-73EE-6091-C9F9B77108D2}"/>
+              </a:ext>
+            </a:extLst>
+          </p:cNvPr>
+          <p:cNvCxnSpPr>
+            <a:cxnSpLocks/>
+          </p:cNvCxnSpPr>
+          <p:nvPr/>
+        </p:nvCxnSpPr>
+        <p:spPr>
+          <a:xfrm>
+            <a:off x="1423321" y="608831"/>
+            <a:ext cx="357788" cy="0"/>
+          </a:xfrm>
+          <a:prstGeom prst="straightConnector1">
+            <a:avLst/>
+          </a:prstGeom>
+          <a:ln>
+            <a:tailEnd type="triangle"/>
+          </a:ln>
+        </p:spPr>
+        <p:style>
+          <a:lnRef idx="1">
+            <a:schemeClr val="dk1"/>
+          </a:lnRef>
+          <a:fillRef idx="0">
+            <a:schemeClr val="dk1"/>
+          </a:fillRef>
+          <a:effectRef idx="0">
+            <a:schemeClr val="dk1"/>
+          </a:effectRef>
+          <a:fontRef idx="minor">
+            <a:schemeClr val="tx1"/>
+          </a:fontRef>
+        </p:style>
+      </p:cxnSp>
+      <p:sp>
+        <p:nvSpPr>
+          <p:cNvPr id="24" name="TextBox 23">
+            <a:extLst>
+              <a:ext uri="{FF2B5EF4-FFF2-40B4-BE49-F238E27FC236}">
+                <a16:creationId xmlns:a16="http://schemas.microsoft.com/office/drawing/2014/main" id="{9D085C72-4809-E951-7E34-80DB898A83EA}"/>
+              </a:ext>
+            </a:extLst>
+          </p:cNvPr>
+          <p:cNvSpPr txBox="1"/>
+          <p:nvPr/>
+        </p:nvSpPr>
+        <p:spPr>
+          <a:xfrm>
+            <a:off x="143009" y="0"/>
+            <a:ext cx="1297796" cy="369332"/>
+          </a:xfrm>
+          <a:prstGeom prst="rect">
+            <a:avLst/>
+          </a:prstGeom>
+          <a:noFill/>
+        </p:spPr>
+        <p:txBody>
+          <a:bodyPr wrap="square">
+            <a:spAutoFit/>
+          </a:bodyPr>
+          <a:lstStyle/>
+          <a:p>
+            <a:pPr algn="r"/>
+            <a:r>
+              <a:rPr lang="en-US" dirty="0" err="1"/>
+              <a:t>navbarPage</a:t>
+            </a:r>
+            <a:endParaRPr lang="en-US" dirty="0"/>
+          </a:p>
+        </p:txBody>
+      </p:sp>
+      <p:sp>
+        <p:nvSpPr>
+          <p:cNvPr id="25" name="TextBox 24">
+            <a:extLst>
+              <a:ext uri="{FF2B5EF4-FFF2-40B4-BE49-F238E27FC236}">
+                <a16:creationId xmlns:a16="http://schemas.microsoft.com/office/drawing/2014/main" id="{5BDF9B28-917C-7518-DF29-0E9D5927A029}"/>
+              </a:ext>
+            </a:extLst>
+          </p:cNvPr>
+          <p:cNvSpPr txBox="1"/>
+          <p:nvPr/>
+        </p:nvSpPr>
+        <p:spPr>
+          <a:xfrm>
+            <a:off x="368506" y="424165"/>
+            <a:ext cx="1072299" cy="369332"/>
+          </a:xfrm>
+          <a:prstGeom prst="rect">
+            <a:avLst/>
+          </a:prstGeom>
+          <a:noFill/>
+        </p:spPr>
+        <p:txBody>
+          <a:bodyPr wrap="square">
+            <a:spAutoFit/>
+          </a:bodyPr>
+          <a:lstStyle/>
+          <a:p>
+            <a:pPr algn="r"/>
+            <a:r>
+              <a:rPr lang="en-US" dirty="0" err="1"/>
+              <a:t>tabpanel</a:t>
+            </a:r>
+            <a:endParaRPr lang="en-US" dirty="0"/>
+          </a:p>
+        </p:txBody>
+      </p:sp>
+      <p:sp>
+        <p:nvSpPr>
+          <p:cNvPr id="26" name="TextBox 25">
+            <a:extLst>
+              <a:ext uri="{FF2B5EF4-FFF2-40B4-BE49-F238E27FC236}">
+                <a16:creationId xmlns:a16="http://schemas.microsoft.com/office/drawing/2014/main" id="{E16F04D3-7972-5B17-9135-E0B1035D97B7}"/>
+              </a:ext>
+            </a:extLst>
+          </p:cNvPr>
+          <p:cNvSpPr txBox="1"/>
+          <p:nvPr/>
+        </p:nvSpPr>
+        <p:spPr>
+          <a:xfrm>
+            <a:off x="670164" y="961715"/>
+            <a:ext cx="770641" cy="369332"/>
+          </a:xfrm>
+          <a:prstGeom prst="rect">
+            <a:avLst/>
+          </a:prstGeom>
+          <a:noFill/>
+        </p:spPr>
+        <p:txBody>
+          <a:bodyPr wrap="square">
+            <a:spAutoFit/>
+          </a:bodyPr>
+          <a:lstStyle/>
+          <a:p>
+            <a:pPr algn="r"/>
+            <a:r>
+              <a:rPr lang="en-US" dirty="0"/>
+              <a:t>tabs</a:t>
+            </a:r>
+          </a:p>
+        </p:txBody>
+      </p:sp>
+      <p:cxnSp>
+        <p:nvCxnSpPr>
+          <p:cNvPr id="27" name="Straight Arrow Connector 26">
+            <a:extLst>
+              <a:ext uri="{FF2B5EF4-FFF2-40B4-BE49-F238E27FC236}">
+                <a16:creationId xmlns:a16="http://schemas.microsoft.com/office/drawing/2014/main" id="{A96523D3-9B2F-1494-88D6-D2D56BBCDE10}"/>
+              </a:ext>
+            </a:extLst>
+          </p:cNvPr>
+          <p:cNvCxnSpPr>
+            <a:cxnSpLocks/>
+          </p:cNvCxnSpPr>
+          <p:nvPr/>
+        </p:nvCxnSpPr>
+        <p:spPr>
+          <a:xfrm>
+            <a:off x="1560725" y="1146381"/>
+            <a:ext cx="357788" cy="0"/>
+          </a:xfrm>
+          <a:prstGeom prst="straightConnector1">
+            <a:avLst/>
+          </a:prstGeom>
+          <a:ln>
+            <a:tailEnd type="triangle"/>
+          </a:ln>
+        </p:spPr>
+        <p:style>
+          <a:lnRef idx="1">
+            <a:schemeClr val="dk1"/>
+          </a:lnRef>
+          <a:fillRef idx="0">
+            <a:schemeClr val="dk1"/>
+          </a:fillRef>
+          <a:effectRef idx="0">
+            <a:schemeClr val="dk1"/>
+          </a:effectRef>
+          <a:fontRef idx="minor">
+            <a:schemeClr val="tx1"/>
+          </a:fontRef>
+        </p:style>
+      </p:cxnSp>
+      <p:sp>
+        <p:nvSpPr>
+          <p:cNvPr id="28" name="Rectangle 27">
+            <a:extLst>
+              <a:ext uri="{FF2B5EF4-FFF2-40B4-BE49-F238E27FC236}">
+                <a16:creationId xmlns:a16="http://schemas.microsoft.com/office/drawing/2014/main" id="{8B809878-6E66-A485-6118-FEF32951DFD5}"/>
+              </a:ext>
+            </a:extLst>
+          </p:cNvPr>
+          <p:cNvSpPr/>
+          <p:nvPr/>
+        </p:nvSpPr>
+        <p:spPr>
+          <a:xfrm>
+            <a:off x="2223262" y="842290"/>
+            <a:ext cx="4391817" cy="5920460"/>
+          </a:xfrm>
+          <a:prstGeom prst="rect">
+            <a:avLst/>
+          </a:prstGeom>
+          <a:noFill/>
+        </p:spPr>
+        <p:style>
+          <a:lnRef idx="2">
+            <a:schemeClr val="accent1">
+              <a:shade val="15000"/>
+            </a:schemeClr>
+          </a:lnRef>
+          <a:fillRef idx="1">
+            <a:schemeClr val="accent1"/>
+          </a:fillRef>
+          <a:effectRef idx="0">
+            <a:schemeClr val="accent1"/>
+          </a:effectRef>
+          <a:fontRef idx="minor">
+            <a:schemeClr val="lt1"/>
+          </a:fontRef>
+        </p:style>
+        <p:txBody>
+          <a:bodyPr rtlCol="0" anchor="ctr"/>
+          <a:lstStyle/>
+          <a:p>
+            <a:pPr algn="ctr"/>
+            <a:endParaRPr lang="en-US"/>
+          </a:p>
+        </p:txBody>
+      </p:sp>
+      <p:sp>
+        <p:nvSpPr>
+          <p:cNvPr id="29" name="TextBox 28">
+            <a:extLst>
+              <a:ext uri="{FF2B5EF4-FFF2-40B4-BE49-F238E27FC236}">
+                <a16:creationId xmlns:a16="http://schemas.microsoft.com/office/drawing/2014/main" id="{A6654CDD-C6CE-17C2-73A5-53DD8797C53E}"/>
+              </a:ext>
+            </a:extLst>
+          </p:cNvPr>
+          <p:cNvSpPr txBox="1"/>
+          <p:nvPr/>
+        </p:nvSpPr>
+        <p:spPr>
+          <a:xfrm>
+            <a:off x="3939868" y="614605"/>
+            <a:ext cx="1127959" cy="307777"/>
+          </a:xfrm>
+          <a:prstGeom prst="rect">
+            <a:avLst/>
+          </a:prstGeom>
+          <a:solidFill>
+            <a:schemeClr val="bg1"/>
+          </a:solidFill>
+        </p:spPr>
+        <p:txBody>
+          <a:bodyPr wrap="square">
+            <a:spAutoFit/>
+          </a:bodyPr>
+          <a:lstStyle/>
+          <a:p>
+            <a:pPr algn="ctr"/>
+            <a:r>
+              <a:rPr lang="en-US" sz="1400" b="1" dirty="0" err="1"/>
+              <a:t>mainPanel</a:t>
+            </a:r>
+            <a:endParaRPr lang="en-US" sz="1400" b="1" dirty="0"/>
+          </a:p>
+        </p:txBody>
+      </p:sp>
+      <p:sp>
+        <p:nvSpPr>
+          <p:cNvPr id="30" name="Rectangle 29">
+            <a:extLst>
+              <a:ext uri="{FF2B5EF4-FFF2-40B4-BE49-F238E27FC236}">
+                <a16:creationId xmlns:a16="http://schemas.microsoft.com/office/drawing/2014/main" id="{830FA520-7F88-D343-795F-CADBF0CF5074}"/>
+              </a:ext>
+            </a:extLst>
+          </p:cNvPr>
+          <p:cNvSpPr/>
+          <p:nvPr/>
+        </p:nvSpPr>
+        <p:spPr>
+          <a:xfrm>
+            <a:off x="6742300" y="865469"/>
+            <a:ext cx="2172961" cy="5920461"/>
+          </a:xfrm>
+          <a:prstGeom prst="rect">
+            <a:avLst/>
+          </a:prstGeom>
+          <a:noFill/>
+        </p:spPr>
+        <p:style>
+          <a:lnRef idx="2">
+            <a:schemeClr val="accent1">
+              <a:shade val="15000"/>
+            </a:schemeClr>
+          </a:lnRef>
+          <a:fillRef idx="1">
+            <a:schemeClr val="accent1"/>
+          </a:fillRef>
+          <a:effectRef idx="0">
+            <a:schemeClr val="accent1"/>
+          </a:effectRef>
+          <a:fontRef idx="minor">
+            <a:schemeClr val="lt1"/>
+          </a:fontRef>
+        </p:style>
+        <p:txBody>
+          <a:bodyPr rtlCol="0" anchor="ctr"/>
+          <a:lstStyle/>
+          <a:p>
+            <a:pPr algn="ctr"/>
+            <a:endParaRPr lang="en-US"/>
+          </a:p>
+        </p:txBody>
+      </p:sp>
+      <p:sp>
+        <p:nvSpPr>
+          <p:cNvPr id="31" name="TextBox 30">
+            <a:extLst>
+              <a:ext uri="{FF2B5EF4-FFF2-40B4-BE49-F238E27FC236}">
+                <a16:creationId xmlns:a16="http://schemas.microsoft.com/office/drawing/2014/main" id="{0ED00487-9392-767A-7711-60F880132D9B}"/>
+              </a:ext>
+            </a:extLst>
+          </p:cNvPr>
+          <p:cNvSpPr txBox="1"/>
+          <p:nvPr/>
+        </p:nvSpPr>
+        <p:spPr>
+          <a:xfrm>
+            <a:off x="7006796" y="736347"/>
+            <a:ext cx="1127959" cy="307777"/>
+          </a:xfrm>
+          <a:prstGeom prst="rect">
+            <a:avLst/>
+          </a:prstGeom>
+          <a:solidFill>
+            <a:schemeClr val="bg1"/>
+          </a:solidFill>
+        </p:spPr>
+        <p:txBody>
+          <a:bodyPr wrap="square">
+            <a:spAutoFit/>
+          </a:bodyPr>
+          <a:lstStyle/>
+          <a:p>
+            <a:pPr algn="ctr"/>
+            <a:r>
+              <a:rPr lang="en-US" sz="1400" b="1" dirty="0"/>
+              <a:t>sidebar</a:t>
+            </a:r>
+          </a:p>
+        </p:txBody>
+      </p:sp>
+      <p:cxnSp>
+        <p:nvCxnSpPr>
+          <p:cNvPr id="33" name="Straight Arrow Connector 32">
+            <a:extLst>
+              <a:ext uri="{FF2B5EF4-FFF2-40B4-BE49-F238E27FC236}">
+                <a16:creationId xmlns:a16="http://schemas.microsoft.com/office/drawing/2014/main" id="{BB1432A9-7502-E26B-990F-458491A4804C}"/>
+              </a:ext>
+            </a:extLst>
+          </p:cNvPr>
+          <p:cNvCxnSpPr/>
+          <p:nvPr/>
+        </p:nvCxnSpPr>
+        <p:spPr>
+          <a:xfrm flipV="1">
+            <a:off x="9511571" y="2500286"/>
+            <a:ext cx="508540" cy="1"/>
+          </a:xfrm>
+          <a:prstGeom prst="straightConnector1">
+            <a:avLst/>
+          </a:prstGeom>
+          <a:ln>
+            <a:tailEnd type="triangle"/>
+          </a:ln>
+        </p:spPr>
+        <p:style>
+          <a:lnRef idx="1">
+            <a:schemeClr val="accent1"/>
+          </a:lnRef>
+          <a:fillRef idx="0">
+            <a:schemeClr val="accent1"/>
+          </a:fillRef>
+          <a:effectRef idx="0">
+            <a:schemeClr val="accent1"/>
+          </a:effectRef>
+          <a:fontRef idx="minor">
+            <a:schemeClr val="tx1"/>
+          </a:fontRef>
+        </p:style>
+      </p:cxnSp>
+      <p:sp>
+        <p:nvSpPr>
+          <p:cNvPr id="34" name="TextBox 33">
+            <a:extLst>
+              <a:ext uri="{FF2B5EF4-FFF2-40B4-BE49-F238E27FC236}">
+                <a16:creationId xmlns:a16="http://schemas.microsoft.com/office/drawing/2014/main" id="{B3F8B912-0471-0590-8ACC-0D75266D96A4}"/>
+              </a:ext>
+            </a:extLst>
+          </p:cNvPr>
+          <p:cNvSpPr txBox="1"/>
+          <p:nvPr/>
+        </p:nvSpPr>
+        <p:spPr>
+          <a:xfrm>
+            <a:off x="6727741" y="3106562"/>
+            <a:ext cx="1163361" cy="257369"/>
+          </a:xfrm>
+          <a:prstGeom prst="rect">
+            <a:avLst/>
+          </a:prstGeom>
+          <a:noFill/>
+        </p:spPr>
+        <p:txBody>
+          <a:bodyPr wrap="square" lIns="36000" tIns="36000" rIns="36000" bIns="36000">
+            <a:spAutoFit/>
+          </a:bodyPr>
+          <a:lstStyle>
+            <a:defPPr>
+              <a:defRPr lang="en-US"/>
+            </a:defPPr>
+            <a:lvl1pPr algn="ctr">
+              <a:defRPr sz="1200">
+                <a:highlight>
+                  <a:srgbClr val="FFFF00"/>
+                </a:highlight>
+              </a:defRPr>
+            </a:lvl1pPr>
+          </a:lstStyle>
+          <a:p>
+            <a:r>
+              <a:rPr lang="en-US" dirty="0" err="1"/>
+              <a:t>input$selectScn</a:t>
+            </a:r>
+            <a:endParaRPr lang="en-US" dirty="0"/>
+          </a:p>
+        </p:txBody>
+      </p:sp>
+      <p:sp>
+        <p:nvSpPr>
+          <p:cNvPr id="37" name="TextBox 36">
+            <a:extLst>
+              <a:ext uri="{FF2B5EF4-FFF2-40B4-BE49-F238E27FC236}">
+                <a16:creationId xmlns:a16="http://schemas.microsoft.com/office/drawing/2014/main" id="{276B1B2E-F41C-98C7-DA71-01B09C9A79BC}"/>
+              </a:ext>
+            </a:extLst>
+          </p:cNvPr>
+          <p:cNvSpPr txBox="1"/>
+          <p:nvPr/>
+        </p:nvSpPr>
+        <p:spPr>
+          <a:xfrm>
+            <a:off x="6678152" y="3723010"/>
+            <a:ext cx="1163361" cy="257369"/>
+          </a:xfrm>
+          <a:prstGeom prst="rect">
+            <a:avLst/>
+          </a:prstGeom>
+          <a:noFill/>
+        </p:spPr>
+        <p:txBody>
+          <a:bodyPr wrap="square" lIns="36000" tIns="36000" rIns="36000" bIns="36000">
+            <a:spAutoFit/>
+          </a:bodyPr>
+          <a:lstStyle>
+            <a:defPPr>
+              <a:defRPr lang="en-US"/>
+            </a:defPPr>
+            <a:lvl1pPr algn="ctr">
+              <a:defRPr sz="1200">
+                <a:highlight>
+                  <a:srgbClr val="FFFF00"/>
+                </a:highlight>
+              </a:defRPr>
+            </a:lvl1pPr>
+          </a:lstStyle>
+          <a:p>
+            <a:r>
+              <a:rPr lang="en-US" dirty="0" err="1"/>
+              <a:t>input$selectYr</a:t>
+            </a:r>
+            <a:endParaRPr lang="en-US" dirty="0"/>
+          </a:p>
+        </p:txBody>
+      </p:sp>
+      <p:sp>
+        <p:nvSpPr>
+          <p:cNvPr id="38" name="TextBox 37">
+            <a:extLst>
+              <a:ext uri="{FF2B5EF4-FFF2-40B4-BE49-F238E27FC236}">
+                <a16:creationId xmlns:a16="http://schemas.microsoft.com/office/drawing/2014/main" id="{3C2368F2-78CB-354D-9265-B814418C7538}"/>
+              </a:ext>
+            </a:extLst>
+          </p:cNvPr>
+          <p:cNvSpPr txBox="1"/>
+          <p:nvPr/>
+        </p:nvSpPr>
+        <p:spPr>
+          <a:xfrm>
+            <a:off x="6665419" y="4528451"/>
+            <a:ext cx="1163361" cy="257369"/>
+          </a:xfrm>
+          <a:prstGeom prst="rect">
+            <a:avLst/>
+          </a:prstGeom>
+          <a:noFill/>
+        </p:spPr>
+        <p:txBody>
+          <a:bodyPr wrap="square" lIns="36000" tIns="36000" rIns="36000" bIns="36000">
+            <a:spAutoFit/>
+          </a:bodyPr>
+          <a:lstStyle>
+            <a:defPPr>
+              <a:defRPr lang="en-US"/>
+            </a:defPPr>
+            <a:lvl1pPr algn="ctr">
+              <a:defRPr sz="1200">
+                <a:highlight>
+                  <a:srgbClr val="FFFF00"/>
+                </a:highlight>
+              </a:defRPr>
+            </a:lvl1pPr>
+          </a:lstStyle>
+          <a:p>
+            <a:r>
+              <a:rPr lang="en-US" dirty="0" err="1"/>
+              <a:t>input$selectVar</a:t>
+            </a:r>
+            <a:endParaRPr lang="en-US" dirty="0"/>
+          </a:p>
+        </p:txBody>
+      </p:sp>
+      <p:sp>
+        <p:nvSpPr>
+          <p:cNvPr id="39" name="TextBox 38">
+            <a:extLst>
+              <a:ext uri="{FF2B5EF4-FFF2-40B4-BE49-F238E27FC236}">
+                <a16:creationId xmlns:a16="http://schemas.microsoft.com/office/drawing/2014/main" id="{0FEEC573-B370-76AD-5F66-21CEDA106B75}"/>
+              </a:ext>
+            </a:extLst>
+          </p:cNvPr>
+          <p:cNvSpPr txBox="1"/>
+          <p:nvPr/>
+        </p:nvSpPr>
+        <p:spPr>
+          <a:xfrm>
+            <a:off x="6710226" y="5164906"/>
+            <a:ext cx="1424529" cy="257369"/>
+          </a:xfrm>
+          <a:prstGeom prst="rect">
+            <a:avLst/>
+          </a:prstGeom>
+          <a:noFill/>
+        </p:spPr>
+        <p:txBody>
+          <a:bodyPr wrap="square" lIns="36000" tIns="36000" rIns="36000" bIns="36000">
+            <a:spAutoFit/>
+          </a:bodyPr>
+          <a:lstStyle>
+            <a:defPPr>
+              <a:defRPr lang="en-US"/>
+            </a:defPPr>
+            <a:lvl1pPr algn="ctr">
+              <a:defRPr sz="1200">
+                <a:highlight>
+                  <a:srgbClr val="FFFF00"/>
+                </a:highlight>
+              </a:defRPr>
+            </a:lvl1pPr>
+          </a:lstStyle>
+          <a:p>
+            <a:r>
+              <a:rPr lang="en-US" dirty="0" err="1"/>
+              <a:t>input$selectAnalysis</a:t>
+            </a:r>
+            <a:endParaRPr lang="en-US" dirty="0"/>
+          </a:p>
+        </p:txBody>
+      </p:sp>
+      <p:sp>
+        <p:nvSpPr>
+          <p:cNvPr id="40" name="TextBox 39">
+            <a:extLst>
+              <a:ext uri="{FF2B5EF4-FFF2-40B4-BE49-F238E27FC236}">
+                <a16:creationId xmlns:a16="http://schemas.microsoft.com/office/drawing/2014/main" id="{B0A8F474-ED39-C551-C028-F386530E9D5F}"/>
+              </a:ext>
+            </a:extLst>
+          </p:cNvPr>
+          <p:cNvSpPr txBox="1"/>
+          <p:nvPr/>
+        </p:nvSpPr>
+        <p:spPr>
+          <a:xfrm>
+            <a:off x="11202863" y="4297619"/>
+            <a:ext cx="894797" cy="230832"/>
+          </a:xfrm>
+          <a:prstGeom prst="rect">
+            <a:avLst/>
+          </a:prstGeom>
+          <a:solidFill>
+            <a:schemeClr val="accent1">
+              <a:lumMod val="20000"/>
+              <a:lumOff val="80000"/>
+            </a:schemeClr>
+          </a:solidFill>
+        </p:spPr>
+        <p:txBody>
+          <a:bodyPr wrap="none" rtlCol="0">
+            <a:spAutoFit/>
+          </a:bodyPr>
+          <a:lstStyle>
+            <a:defPPr>
+              <a:defRPr lang="en-US"/>
+            </a:defPPr>
+            <a:lvl1pPr>
+              <a:defRPr sz="1050" b="1"/>
+            </a:lvl1pPr>
+          </a:lstStyle>
+          <a:p>
+            <a:r>
+              <a:rPr lang="he-IL" sz="900" dirty="0"/>
+              <a:t>בחר משתנה/ים</a:t>
+            </a:r>
+            <a:endParaRPr lang="en-US" sz="900" dirty="0"/>
+          </a:p>
+        </p:txBody>
+      </p:sp>
+      <p:sp>
+        <p:nvSpPr>
+          <p:cNvPr id="41" name="TextBox 40">
+            <a:extLst>
+              <a:ext uri="{FF2B5EF4-FFF2-40B4-BE49-F238E27FC236}">
+                <a16:creationId xmlns:a16="http://schemas.microsoft.com/office/drawing/2014/main" id="{1B8B1005-8FF9-B521-BB3D-0B9CD548808E}"/>
+              </a:ext>
+            </a:extLst>
+          </p:cNvPr>
+          <p:cNvSpPr txBox="1"/>
+          <p:nvPr/>
+        </p:nvSpPr>
+        <p:spPr>
+          <a:xfrm>
+            <a:off x="11228735" y="4560849"/>
+            <a:ext cx="782587" cy="276999"/>
+          </a:xfrm>
+          <a:prstGeom prst="rect">
+            <a:avLst/>
+          </a:prstGeom>
+          <a:solidFill>
+            <a:schemeClr val="accent4">
+              <a:lumMod val="20000"/>
+              <a:lumOff val="80000"/>
+            </a:schemeClr>
+          </a:solidFill>
+        </p:spPr>
+        <p:txBody>
+          <a:bodyPr wrap="none" rtlCol="0">
+            <a:spAutoFit/>
+          </a:bodyPr>
+          <a:lstStyle/>
+          <a:p>
+            <a:r>
+              <a:rPr lang="he-IL" sz="1200" b="1" dirty="0"/>
+              <a:t>אוכלוסייה</a:t>
+            </a:r>
+            <a:endParaRPr lang="en-US" sz="1200" dirty="0"/>
+          </a:p>
+        </p:txBody>
+      </p:sp>
+      <p:sp>
+        <p:nvSpPr>
+          <p:cNvPr id="42" name="TextBox 41">
+            <a:extLst>
+              <a:ext uri="{FF2B5EF4-FFF2-40B4-BE49-F238E27FC236}">
+                <a16:creationId xmlns:a16="http://schemas.microsoft.com/office/drawing/2014/main" id="{3B94C0DA-A02D-3432-5074-F43007F09685}"/>
+              </a:ext>
+            </a:extLst>
+          </p:cNvPr>
+          <p:cNvSpPr txBox="1"/>
+          <p:nvPr/>
+        </p:nvSpPr>
+        <p:spPr>
+          <a:xfrm>
+            <a:off x="11358708" y="5139224"/>
+            <a:ext cx="630301" cy="461665"/>
+          </a:xfrm>
+          <a:prstGeom prst="rect">
+            <a:avLst/>
+          </a:prstGeom>
+          <a:solidFill>
+            <a:schemeClr val="accent4">
+              <a:lumMod val="20000"/>
+              <a:lumOff val="80000"/>
+            </a:schemeClr>
+          </a:solidFill>
+        </p:spPr>
+        <p:txBody>
+          <a:bodyPr wrap="none" rtlCol="0">
+            <a:spAutoFit/>
+          </a:bodyPr>
+          <a:lstStyle/>
+          <a:p>
+            <a:r>
+              <a:rPr lang="he-IL" sz="1200" b="1" dirty="0"/>
+              <a:t>ערכים</a:t>
+            </a:r>
+          </a:p>
+          <a:p>
+            <a:r>
+              <a:rPr lang="he-IL" sz="1200" b="1" dirty="0"/>
+              <a:t>צפיפות</a:t>
+            </a:r>
+          </a:p>
+        </p:txBody>
+      </p:sp>
+      <p:cxnSp>
+        <p:nvCxnSpPr>
+          <p:cNvPr id="43" name="Straight Arrow Connector 42">
+            <a:extLst>
+              <a:ext uri="{FF2B5EF4-FFF2-40B4-BE49-F238E27FC236}">
+                <a16:creationId xmlns:a16="http://schemas.microsoft.com/office/drawing/2014/main" id="{2EA4679A-D184-CB6A-DC00-E1765F925A94}"/>
+              </a:ext>
+            </a:extLst>
+          </p:cNvPr>
+          <p:cNvCxnSpPr>
+            <a:cxnSpLocks/>
+          </p:cNvCxnSpPr>
+          <p:nvPr/>
+        </p:nvCxnSpPr>
+        <p:spPr>
+          <a:xfrm>
+            <a:off x="1423321" y="176569"/>
+            <a:ext cx="357788" cy="0"/>
+          </a:xfrm>
+          <a:prstGeom prst="straightConnector1">
+            <a:avLst/>
+          </a:prstGeom>
+          <a:ln>
+            <a:tailEnd type="triangle"/>
+          </a:ln>
+        </p:spPr>
+        <p:style>
+          <a:lnRef idx="1">
+            <a:schemeClr val="dk1"/>
+          </a:lnRef>
+          <a:fillRef idx="0">
+            <a:schemeClr val="dk1"/>
+          </a:fillRef>
+          <a:effectRef idx="0">
+            <a:schemeClr val="dk1"/>
+          </a:effectRef>
+          <a:fontRef idx="minor">
+            <a:schemeClr val="tx1"/>
+          </a:fontRef>
+        </p:style>
+      </p:cxnSp>
+      <p:sp>
+        <p:nvSpPr>
+          <p:cNvPr id="44" name="TextBox 43">
+            <a:extLst>
+              <a:ext uri="{FF2B5EF4-FFF2-40B4-BE49-F238E27FC236}">
+                <a16:creationId xmlns:a16="http://schemas.microsoft.com/office/drawing/2014/main" id="{AE80E211-2B71-949D-505E-BD4BBE70837D}"/>
+              </a:ext>
+            </a:extLst>
+          </p:cNvPr>
+          <p:cNvSpPr txBox="1"/>
+          <p:nvPr/>
+        </p:nvSpPr>
+        <p:spPr>
+          <a:xfrm>
+            <a:off x="6572609" y="5374998"/>
+            <a:ext cx="1424529" cy="257369"/>
+          </a:xfrm>
+          <a:prstGeom prst="rect">
+            <a:avLst/>
+          </a:prstGeom>
+          <a:noFill/>
+        </p:spPr>
+        <p:txBody>
+          <a:bodyPr wrap="square" lIns="36000" tIns="36000" rIns="36000" bIns="36000">
+            <a:spAutoFit/>
+          </a:bodyPr>
+          <a:lstStyle>
+            <a:defPPr>
+              <a:defRPr lang="en-US"/>
+            </a:defPPr>
+            <a:lvl1pPr algn="ctr">
+              <a:defRPr sz="1200">
+                <a:highlight>
+                  <a:srgbClr val="FFFF00"/>
+                </a:highlight>
+              </a:defRPr>
+            </a:lvl1pPr>
+          </a:lstStyle>
+          <a:p>
+            <a:r>
+              <a:rPr lang="en-US" dirty="0" err="1"/>
+              <a:t>input$selectproc</a:t>
+            </a:r>
+            <a:endParaRPr lang="en-US" dirty="0"/>
+          </a:p>
+        </p:txBody>
+      </p:sp>
+      <p:sp>
+        <p:nvSpPr>
+          <p:cNvPr id="46" name="TextBox 45">
+            <a:extLst>
+              <a:ext uri="{FF2B5EF4-FFF2-40B4-BE49-F238E27FC236}">
+                <a16:creationId xmlns:a16="http://schemas.microsoft.com/office/drawing/2014/main" id="{1685EBED-EC20-1C11-6EFD-0C854C905F4B}"/>
+              </a:ext>
+            </a:extLst>
+          </p:cNvPr>
+          <p:cNvSpPr txBox="1"/>
+          <p:nvPr/>
+        </p:nvSpPr>
+        <p:spPr>
+          <a:xfrm>
+            <a:off x="7828780" y="3104020"/>
+            <a:ext cx="1786750" cy="257369"/>
+          </a:xfrm>
+          <a:prstGeom prst="rect">
+            <a:avLst/>
+          </a:prstGeom>
+          <a:noFill/>
+        </p:spPr>
+        <p:txBody>
+          <a:bodyPr wrap="square" lIns="36000" tIns="36000" rIns="36000" bIns="36000">
+            <a:spAutoFit/>
+          </a:bodyPr>
+          <a:lstStyle>
+            <a:defPPr>
+              <a:defRPr lang="en-US"/>
+            </a:defPPr>
+            <a:lvl1pPr algn="ctr">
+              <a:defRPr sz="1200">
+                <a:highlight>
+                  <a:srgbClr val="00FFFF"/>
+                </a:highlight>
+              </a:defRPr>
+            </a:lvl1pPr>
+          </a:lstStyle>
+          <a:p>
+            <a:pPr algn="l"/>
+            <a:r>
+              <a:rPr lang="en-US" dirty="0" err="1"/>
+              <a:t>currentFrcst$Frcst$scnlist</a:t>
+            </a:r>
+            <a:endParaRPr lang="en-US" dirty="0"/>
+          </a:p>
+        </p:txBody>
+      </p:sp>
+      <p:sp>
+        <p:nvSpPr>
+          <p:cNvPr id="48" name="TextBox 47">
+            <a:extLst>
+              <a:ext uri="{FF2B5EF4-FFF2-40B4-BE49-F238E27FC236}">
+                <a16:creationId xmlns:a16="http://schemas.microsoft.com/office/drawing/2014/main" id="{F83B16F8-C3A3-E637-1610-8772DF3BB914}"/>
+              </a:ext>
+            </a:extLst>
+          </p:cNvPr>
+          <p:cNvSpPr txBox="1"/>
+          <p:nvPr/>
+        </p:nvSpPr>
+        <p:spPr>
+          <a:xfrm>
+            <a:off x="3048000" y="3230046"/>
+            <a:ext cx="6096000" cy="369332"/>
+          </a:xfrm>
+          <a:prstGeom prst="rect">
+            <a:avLst/>
+          </a:prstGeom>
+          <a:noFill/>
+        </p:spPr>
+        <p:txBody>
+          <a:bodyPr wrap="square">
+            <a:spAutoFit/>
+          </a:bodyPr>
+          <a:lstStyle/>
+          <a:p>
+            <a:r>
+              <a:rPr lang="en-US" dirty="0" err="1"/>
+              <a:t>currentFrcst$Frcst$scenarios</a:t>
+            </a:r>
+            <a:r>
+              <a:rPr lang="en-US" dirty="0"/>
+              <a:t>[[</a:t>
+            </a:r>
+            <a:r>
+              <a:rPr lang="en-US" dirty="0" err="1"/>
+              <a:t>input$selectScn</a:t>
+            </a:r>
+            <a:r>
+              <a:rPr lang="en-US" dirty="0"/>
+              <a:t>]]$years</a:t>
+            </a:r>
+          </a:p>
+        </p:txBody>
+      </p:sp>
     </p:spTree>
     <p:extLst>
       <p:ext uri="{BB962C8B-B14F-4D97-AF65-F5344CB8AC3E}">
-        <p14:creationId xmlns:p14="http://schemas.microsoft.com/office/powerpoint/2010/main" val="140887181"/>
+        <p14:creationId xmlns:p14="http://schemas.microsoft.com/office/powerpoint/2010/main" val="816585038"/>
       </p:ext>
     </p:extLst>
   </p:cSld>
@@ -10646,10 +11187,10 @@
       </p:grpSpPr>
       <p:pic>
         <p:nvPicPr>
-          <p:cNvPr id="4" name="Picture 3">
-            <a:extLst>
-              <a:ext uri="{FF2B5EF4-FFF2-40B4-BE49-F238E27FC236}">
-                <a16:creationId xmlns:a16="http://schemas.microsoft.com/office/drawing/2014/main" id="{DC4C8B7B-0C05-A096-E49A-A262E5209E92}"/>
+          <p:cNvPr id="3" name="Picture 2">
+            <a:extLst>
+              <a:ext uri="{FF2B5EF4-FFF2-40B4-BE49-F238E27FC236}">
+                <a16:creationId xmlns:a16="http://schemas.microsoft.com/office/drawing/2014/main" id="{40D8B4D1-A060-14B0-E7FA-A927D361E4CD}"/>
               </a:ext>
             </a:extLst>
           </p:cNvPr>
@@ -10666,53 +11207,18 @@
         </p:blipFill>
         <p:spPr>
           <a:xfrm>
-            <a:off x="0" y="498720"/>
-            <a:ext cx="12192000" cy="5860559"/>
+            <a:off x="74590" y="0"/>
+            <a:ext cx="6551904" cy="6858000"/>
           </a:xfrm>
           <a:prstGeom prst="rect">
             <a:avLst/>
           </a:prstGeom>
         </p:spPr>
       </p:pic>
-      <p:sp>
-        <p:nvSpPr>
-          <p:cNvPr id="5" name="TextBox 4">
-            <a:extLst>
-              <a:ext uri="{FF2B5EF4-FFF2-40B4-BE49-F238E27FC236}">
-                <a16:creationId xmlns:a16="http://schemas.microsoft.com/office/drawing/2014/main" id="{64961801-023C-BF60-BC86-6CC1D8E318C1}"/>
-              </a:ext>
-            </a:extLst>
-          </p:cNvPr>
-          <p:cNvSpPr txBox="1"/>
-          <p:nvPr/>
-        </p:nvSpPr>
-        <p:spPr>
-          <a:xfrm>
-            <a:off x="5260157" y="129388"/>
-            <a:ext cx="660758" cy="369332"/>
-          </a:xfrm>
-          <a:prstGeom prst="rect">
-            <a:avLst/>
-          </a:prstGeom>
-          <a:noFill/>
-        </p:spPr>
-        <p:txBody>
-          <a:bodyPr wrap="none" rtlCol="0">
-            <a:spAutoFit/>
-          </a:bodyPr>
-          <a:lstStyle/>
-          <a:p>
-            <a:r>
-              <a:rPr lang="en-US" dirty="0"/>
-              <a:t>V 0.3</a:t>
-            </a:r>
-          </a:p>
-        </p:txBody>
-      </p:sp>
     </p:spTree>
     <p:extLst>
       <p:ext uri="{BB962C8B-B14F-4D97-AF65-F5344CB8AC3E}">
-        <p14:creationId xmlns:p14="http://schemas.microsoft.com/office/powerpoint/2010/main" val="3417749768"/>
+        <p14:creationId xmlns:p14="http://schemas.microsoft.com/office/powerpoint/2010/main" val="140887181"/>
       </p:ext>
     </p:extLst>
   </p:cSld>
@@ -12111,10 +12617,10 @@
       </p:grpSpPr>
       <p:pic>
         <p:nvPicPr>
-          <p:cNvPr id="3" name="Picture 2">
-            <a:extLst>
-              <a:ext uri="{FF2B5EF4-FFF2-40B4-BE49-F238E27FC236}">
-                <a16:creationId xmlns:a16="http://schemas.microsoft.com/office/drawing/2014/main" id="{067DC50F-F545-6E11-D573-5841D30A32D3}"/>
+          <p:cNvPr id="4" name="Picture 3">
+            <a:extLst>
+              <a:ext uri="{FF2B5EF4-FFF2-40B4-BE49-F238E27FC236}">
+                <a16:creationId xmlns:a16="http://schemas.microsoft.com/office/drawing/2014/main" id="{DC4C8B7B-0C05-A096-E49A-A262E5209E92}"/>
               </a:ext>
             </a:extLst>
           </p:cNvPr>
@@ -12131,59 +12637,20 @@
         </p:blipFill>
         <p:spPr>
           <a:xfrm>
-            <a:off x="1410524" y="0"/>
-            <a:ext cx="8214750" cy="6858000"/>
+            <a:off x="0" y="498720"/>
+            <a:ext cx="12192000" cy="5860559"/>
           </a:xfrm>
           <a:prstGeom prst="rect">
             <a:avLst/>
           </a:prstGeom>
         </p:spPr>
       </p:pic>
-      <p:cxnSp>
-        <p:nvCxnSpPr>
-          <p:cNvPr id="5" name="Straight Arrow Connector 4">
-            <a:extLst>
-              <a:ext uri="{FF2B5EF4-FFF2-40B4-BE49-F238E27FC236}">
-                <a16:creationId xmlns:a16="http://schemas.microsoft.com/office/drawing/2014/main" id="{F56F276E-2FFA-DD11-6AF5-C9F44E153355}"/>
-              </a:ext>
-            </a:extLst>
-          </p:cNvPr>
-          <p:cNvCxnSpPr/>
-          <p:nvPr/>
-        </p:nvCxnSpPr>
-        <p:spPr>
-          <a:xfrm>
-            <a:off x="949041" y="1187777"/>
-            <a:ext cx="357788" cy="0"/>
-          </a:xfrm>
-          <a:prstGeom prst="straightConnector1">
-            <a:avLst/>
-          </a:prstGeom>
-          <a:ln>
-            <a:tailEnd type="triangle"/>
-          </a:ln>
-        </p:spPr>
-        <p:style>
-          <a:lnRef idx="1">
-            <a:schemeClr val="dk1"/>
-          </a:lnRef>
-          <a:fillRef idx="0">
-            <a:schemeClr val="dk1"/>
-          </a:fillRef>
-          <a:effectRef idx="0">
-            <a:schemeClr val="dk1"/>
-          </a:effectRef>
-          <a:fontRef idx="minor">
-            <a:schemeClr val="tx1"/>
-          </a:fontRef>
-        </p:style>
-      </p:cxnSp>
-      <p:sp>
-        <p:nvSpPr>
-          <p:cNvPr id="7" name="TextBox 6">
-            <a:extLst>
-              <a:ext uri="{FF2B5EF4-FFF2-40B4-BE49-F238E27FC236}">
-                <a16:creationId xmlns:a16="http://schemas.microsoft.com/office/drawing/2014/main" id="{026E458C-BA1A-ADD6-C196-0CB022289032}"/>
+      <p:sp>
+        <p:nvSpPr>
+          <p:cNvPr id="5" name="TextBox 4">
+            <a:extLst>
+              <a:ext uri="{FF2B5EF4-FFF2-40B4-BE49-F238E27FC236}">
+                <a16:creationId xmlns:a16="http://schemas.microsoft.com/office/drawing/2014/main" id="{64961801-023C-BF60-BC86-6CC1D8E318C1}"/>
               </a:ext>
             </a:extLst>
           </p:cNvPr>
@@ -12192,154 +12659,8 @@
         </p:nvSpPr>
         <p:spPr>
           <a:xfrm>
-            <a:off x="50237" y="333807"/>
-            <a:ext cx="1297796" cy="369332"/>
-          </a:xfrm>
-          <a:prstGeom prst="rect">
-            <a:avLst/>
-          </a:prstGeom>
-          <a:noFill/>
-        </p:spPr>
-        <p:txBody>
-          <a:bodyPr wrap="square">
-            <a:spAutoFit/>
-          </a:bodyPr>
-          <a:lstStyle/>
-          <a:p>
-            <a:r>
-              <a:rPr lang="en-US" dirty="0" err="1"/>
-              <a:t>navbarPage</a:t>
-            </a:r>
-            <a:endParaRPr lang="en-US" dirty="0"/>
-          </a:p>
-        </p:txBody>
-      </p:sp>
-      <p:sp>
-        <p:nvSpPr>
-          <p:cNvPr id="8" name="TextBox 7">
-            <a:extLst>
-              <a:ext uri="{FF2B5EF4-FFF2-40B4-BE49-F238E27FC236}">
-                <a16:creationId xmlns:a16="http://schemas.microsoft.com/office/drawing/2014/main" id="{0F7C6071-CB65-F3F2-DE73-EE1ACF0BE292}"/>
-              </a:ext>
-            </a:extLst>
-          </p:cNvPr>
-          <p:cNvSpPr txBox="1"/>
-          <p:nvPr/>
-        </p:nvSpPr>
-        <p:spPr>
-          <a:xfrm>
-            <a:off x="-15280" y="960092"/>
-            <a:ext cx="1072299" cy="369332"/>
-          </a:xfrm>
-          <a:prstGeom prst="rect">
-            <a:avLst/>
-          </a:prstGeom>
-          <a:noFill/>
-        </p:spPr>
-        <p:txBody>
-          <a:bodyPr wrap="square">
-            <a:spAutoFit/>
-          </a:bodyPr>
-          <a:lstStyle/>
-          <a:p>
-            <a:r>
-              <a:rPr lang="en-US" dirty="0" err="1"/>
-              <a:t>tabpanel</a:t>
-            </a:r>
-            <a:endParaRPr lang="en-US" dirty="0"/>
-          </a:p>
-        </p:txBody>
-      </p:sp>
-      <p:sp>
-        <p:nvSpPr>
-          <p:cNvPr id="9" name="TextBox 8">
-            <a:extLst>
-              <a:ext uri="{FF2B5EF4-FFF2-40B4-BE49-F238E27FC236}">
-                <a16:creationId xmlns:a16="http://schemas.microsoft.com/office/drawing/2014/main" id="{956429F6-5E4E-88B8-98E1-EF5089E144F5}"/>
-              </a:ext>
-            </a:extLst>
-          </p:cNvPr>
-          <p:cNvSpPr txBox="1"/>
-          <p:nvPr/>
-        </p:nvSpPr>
-        <p:spPr>
-          <a:xfrm>
-            <a:off x="50237" y="1559293"/>
-            <a:ext cx="770641" cy="369332"/>
-          </a:xfrm>
-          <a:prstGeom prst="rect">
-            <a:avLst/>
-          </a:prstGeom>
-          <a:noFill/>
-        </p:spPr>
-        <p:txBody>
-          <a:bodyPr wrap="square">
-            <a:spAutoFit/>
-          </a:bodyPr>
-          <a:lstStyle/>
-          <a:p>
-            <a:r>
-              <a:rPr lang="en-US" dirty="0"/>
-              <a:t>tabs</a:t>
-            </a:r>
-          </a:p>
-        </p:txBody>
-      </p:sp>
-      <p:cxnSp>
-        <p:nvCxnSpPr>
-          <p:cNvPr id="11" name="Straight Arrow Connector 10">
-            <a:extLst>
-              <a:ext uri="{FF2B5EF4-FFF2-40B4-BE49-F238E27FC236}">
-                <a16:creationId xmlns:a16="http://schemas.microsoft.com/office/drawing/2014/main" id="{30883794-BF04-2305-A86F-B0692B61B58C}"/>
-              </a:ext>
-            </a:extLst>
-          </p:cNvPr>
-          <p:cNvCxnSpPr/>
-          <p:nvPr/>
-        </p:nvCxnSpPr>
-        <p:spPr>
-          <a:xfrm>
-            <a:off x="949041" y="1725104"/>
-            <a:ext cx="357788" cy="0"/>
-          </a:xfrm>
-          <a:prstGeom prst="straightConnector1">
-            <a:avLst/>
-          </a:prstGeom>
-          <a:ln>
-            <a:tailEnd type="triangle"/>
-          </a:ln>
-        </p:spPr>
-        <p:style>
-          <a:lnRef idx="1">
-            <a:schemeClr val="dk1"/>
-          </a:lnRef>
-          <a:fillRef idx="0">
-            <a:schemeClr val="dk1"/>
-          </a:fillRef>
-          <a:effectRef idx="0">
-            <a:schemeClr val="dk1"/>
-          </a:effectRef>
-          <a:fontRef idx="minor">
-            <a:schemeClr val="tx1"/>
-          </a:fontRef>
-        </p:style>
-      </p:cxnSp>
-      <p:sp>
-        <p:nvSpPr>
-          <p:cNvPr id="12" name="TextBox 11">
-            <a:extLst>
-              <a:ext uri="{FF2B5EF4-FFF2-40B4-BE49-F238E27FC236}">
-                <a16:creationId xmlns:a16="http://schemas.microsoft.com/office/drawing/2014/main" id="{95AE04F9-CD3F-5E38-BF9A-3EC4EAF944C3}"/>
-              </a:ext>
-            </a:extLst>
-          </p:cNvPr>
-          <p:cNvSpPr txBox="1"/>
-          <p:nvPr/>
-        </p:nvSpPr>
-        <p:spPr>
-          <a:xfrm>
-            <a:off x="1994556" y="818445"/>
-            <a:ext cx="314510" cy="369332"/>
+            <a:off x="5260157" y="129388"/>
+            <a:ext cx="660758" cy="369332"/>
           </a:xfrm>
           <a:prstGeom prst="rect">
             <a:avLst/>
@@ -12353,1166 +12674,16 @@
           <a:lstStyle/>
           <a:p>
             <a:r>
-              <a:rPr lang="he-IL" dirty="0"/>
-              <a:t>א</a:t>
-            </a:r>
-            <a:endParaRPr lang="en-US" dirty="0"/>
-          </a:p>
-        </p:txBody>
-      </p:sp>
-      <p:sp>
-        <p:nvSpPr>
-          <p:cNvPr id="13" name="TextBox 12">
-            <a:extLst>
-              <a:ext uri="{FF2B5EF4-FFF2-40B4-BE49-F238E27FC236}">
-                <a16:creationId xmlns:a16="http://schemas.microsoft.com/office/drawing/2014/main" id="{6A69D6BE-EF62-CDBF-FFB2-3E1161009FE8}"/>
-              </a:ext>
-            </a:extLst>
-          </p:cNvPr>
-          <p:cNvSpPr txBox="1"/>
-          <p:nvPr/>
-        </p:nvSpPr>
-        <p:spPr>
-          <a:xfrm>
-            <a:off x="2578588" y="818445"/>
-            <a:ext cx="314510" cy="369332"/>
-          </a:xfrm>
-          <a:prstGeom prst="rect">
-            <a:avLst/>
-          </a:prstGeom>
-          <a:noFill/>
-        </p:spPr>
-        <p:txBody>
-          <a:bodyPr wrap="none" rtlCol="0">
-            <a:spAutoFit/>
-          </a:bodyPr>
-          <a:lstStyle/>
-          <a:p>
-            <a:r>
-              <a:rPr lang="he-IL" dirty="0"/>
-              <a:t>ב</a:t>
-            </a:r>
-            <a:endParaRPr lang="en-US" dirty="0"/>
-          </a:p>
-        </p:txBody>
-      </p:sp>
-      <p:sp>
-        <p:nvSpPr>
-          <p:cNvPr id="14" name="TextBox 13">
-            <a:extLst>
-              <a:ext uri="{FF2B5EF4-FFF2-40B4-BE49-F238E27FC236}">
-                <a16:creationId xmlns:a16="http://schemas.microsoft.com/office/drawing/2014/main" id="{84AA9F1E-B6BC-7072-3F8D-EA2096C03323}"/>
-              </a:ext>
-            </a:extLst>
-          </p:cNvPr>
-          <p:cNvSpPr txBox="1"/>
-          <p:nvPr/>
-        </p:nvSpPr>
-        <p:spPr>
-          <a:xfrm>
-            <a:off x="3162620" y="818445"/>
-            <a:ext cx="276038" cy="369332"/>
-          </a:xfrm>
-          <a:prstGeom prst="rect">
-            <a:avLst/>
-          </a:prstGeom>
-          <a:noFill/>
-        </p:spPr>
-        <p:txBody>
-          <a:bodyPr wrap="none" rtlCol="0">
-            <a:spAutoFit/>
-          </a:bodyPr>
-          <a:lstStyle/>
-          <a:p>
-            <a:r>
-              <a:rPr lang="he-IL" dirty="0"/>
-              <a:t>ג</a:t>
-            </a:r>
-            <a:endParaRPr lang="en-US" dirty="0"/>
-          </a:p>
-        </p:txBody>
-      </p:sp>
-      <p:cxnSp>
-        <p:nvCxnSpPr>
-          <p:cNvPr id="17" name="Straight Arrow Connector 16">
-            <a:extLst>
-              <a:ext uri="{FF2B5EF4-FFF2-40B4-BE49-F238E27FC236}">
-                <a16:creationId xmlns:a16="http://schemas.microsoft.com/office/drawing/2014/main" id="{F53F89AB-5F8E-1775-D2C8-E8BC85DA2880}"/>
-              </a:ext>
-            </a:extLst>
-          </p:cNvPr>
-          <p:cNvCxnSpPr/>
-          <p:nvPr/>
-        </p:nvCxnSpPr>
-        <p:spPr>
-          <a:xfrm flipH="1">
-            <a:off x="7849462" y="2130458"/>
-            <a:ext cx="348792" cy="150829"/>
-          </a:xfrm>
-          <a:prstGeom prst="straightConnector1">
-            <a:avLst/>
-          </a:prstGeom>
-          <a:ln>
-            <a:tailEnd type="triangle"/>
-          </a:ln>
-        </p:spPr>
-        <p:style>
-          <a:lnRef idx="1">
-            <a:schemeClr val="accent2"/>
-          </a:lnRef>
-          <a:fillRef idx="0">
-            <a:schemeClr val="accent2"/>
-          </a:fillRef>
-          <a:effectRef idx="0">
-            <a:schemeClr val="accent2"/>
-          </a:effectRef>
-          <a:fontRef idx="minor">
-            <a:schemeClr val="tx1"/>
-          </a:fontRef>
-        </p:style>
-      </p:cxnSp>
-      <p:cxnSp>
-        <p:nvCxnSpPr>
-          <p:cNvPr id="18" name="Straight Arrow Connector 17">
-            <a:extLst>
-              <a:ext uri="{FF2B5EF4-FFF2-40B4-BE49-F238E27FC236}">
-                <a16:creationId xmlns:a16="http://schemas.microsoft.com/office/drawing/2014/main" id="{AD56CC2B-2B2F-CFBA-80C3-61016C7D50BB}"/>
-              </a:ext>
-            </a:extLst>
-          </p:cNvPr>
-          <p:cNvCxnSpPr/>
-          <p:nvPr/>
-        </p:nvCxnSpPr>
-        <p:spPr>
-          <a:xfrm flipH="1">
-            <a:off x="7675066" y="2837468"/>
-            <a:ext cx="348792" cy="150829"/>
-          </a:xfrm>
-          <a:prstGeom prst="straightConnector1">
-            <a:avLst/>
-          </a:prstGeom>
-          <a:ln>
-            <a:tailEnd type="triangle"/>
-          </a:ln>
-        </p:spPr>
-        <p:style>
-          <a:lnRef idx="1">
-            <a:schemeClr val="accent2"/>
-          </a:lnRef>
-          <a:fillRef idx="0">
-            <a:schemeClr val="accent2"/>
-          </a:fillRef>
-          <a:effectRef idx="0">
-            <a:schemeClr val="accent2"/>
-          </a:effectRef>
-          <a:fontRef idx="minor">
-            <a:schemeClr val="tx1"/>
-          </a:fontRef>
-        </p:style>
-      </p:cxnSp>
-      <p:sp>
-        <p:nvSpPr>
-          <p:cNvPr id="19" name="TextBox 18">
-            <a:extLst>
-              <a:ext uri="{FF2B5EF4-FFF2-40B4-BE49-F238E27FC236}">
-                <a16:creationId xmlns:a16="http://schemas.microsoft.com/office/drawing/2014/main" id="{BF21C865-24BC-8FB9-16DE-CD1648A2AE85}"/>
-              </a:ext>
-            </a:extLst>
-          </p:cNvPr>
-          <p:cNvSpPr txBox="1"/>
-          <p:nvPr/>
-        </p:nvSpPr>
-        <p:spPr>
-          <a:xfrm>
-            <a:off x="10042491" y="267398"/>
-            <a:ext cx="1477969" cy="369332"/>
-          </a:xfrm>
-          <a:prstGeom prst="rect">
-            <a:avLst/>
-          </a:prstGeom>
-          <a:noFill/>
-        </p:spPr>
-        <p:txBody>
-          <a:bodyPr wrap="none" rtlCol="0">
-            <a:spAutoFit/>
-          </a:bodyPr>
-          <a:lstStyle/>
-          <a:p>
-            <a:r>
-              <a:rPr lang="en-US" dirty="0" err="1"/>
-              <a:t>cfg$scenarios</a:t>
-            </a:r>
-            <a:endParaRPr lang="en-US" dirty="0"/>
-          </a:p>
-        </p:txBody>
-      </p:sp>
-      <p:sp>
-        <p:nvSpPr>
-          <p:cNvPr id="21" name="TextBox 20">
-            <a:extLst>
-              <a:ext uri="{FF2B5EF4-FFF2-40B4-BE49-F238E27FC236}">
-                <a16:creationId xmlns:a16="http://schemas.microsoft.com/office/drawing/2014/main" id="{2E2F7325-AA87-9DD0-F324-164CD1BCCAC8}"/>
-              </a:ext>
-            </a:extLst>
-          </p:cNvPr>
-          <p:cNvSpPr txBox="1"/>
-          <p:nvPr/>
-        </p:nvSpPr>
-        <p:spPr>
-          <a:xfrm>
-            <a:off x="6722627" y="2446372"/>
-            <a:ext cx="1242715" cy="276999"/>
-          </a:xfrm>
-          <a:prstGeom prst="rect">
-            <a:avLst/>
-          </a:prstGeom>
-          <a:noFill/>
-        </p:spPr>
-        <p:txBody>
-          <a:bodyPr wrap="square">
-            <a:spAutoFit/>
-          </a:bodyPr>
-          <a:lstStyle>
-            <a:defPPr>
-              <a:defRPr lang="en-US"/>
-            </a:defPPr>
-            <a:lvl1pPr algn="ctr">
-              <a:defRPr sz="1200">
-                <a:highlight>
-                  <a:srgbClr val="FFFF00"/>
-                </a:highlight>
-              </a:defRPr>
-            </a:lvl1pPr>
-          </a:lstStyle>
-          <a:p>
-            <a:r>
-              <a:rPr lang="en-US" dirty="0" err="1">
-                <a:highlight>
-                  <a:srgbClr val="00FFFF"/>
-                </a:highlight>
-              </a:rPr>
-              <a:t>cfg$scnsources</a:t>
-            </a:r>
-            <a:endParaRPr lang="en-US" dirty="0">
-              <a:highlight>
-                <a:srgbClr val="00FFFF"/>
-              </a:highlight>
-            </a:endParaRPr>
-          </a:p>
-        </p:txBody>
-      </p:sp>
-      <p:sp>
-        <p:nvSpPr>
-          <p:cNvPr id="23" name="TextBox 22">
-            <a:extLst>
-              <a:ext uri="{FF2B5EF4-FFF2-40B4-BE49-F238E27FC236}">
-                <a16:creationId xmlns:a16="http://schemas.microsoft.com/office/drawing/2014/main" id="{956ADE46-6B66-B10D-63D1-86D6EF1523C0}"/>
-              </a:ext>
-            </a:extLst>
-          </p:cNvPr>
-          <p:cNvSpPr txBox="1"/>
-          <p:nvPr/>
-        </p:nvSpPr>
-        <p:spPr>
-          <a:xfrm>
-            <a:off x="8382559" y="2428006"/>
-            <a:ext cx="1242715" cy="276999"/>
-          </a:xfrm>
-          <a:prstGeom prst="rect">
-            <a:avLst/>
-          </a:prstGeom>
-          <a:noFill/>
-        </p:spPr>
-        <p:txBody>
-          <a:bodyPr wrap="square">
-            <a:spAutoFit/>
-          </a:bodyPr>
-          <a:lstStyle/>
-          <a:p>
-            <a:pPr algn="ctr"/>
-            <a:r>
-              <a:rPr lang="en-US" sz="1200" dirty="0" err="1">
-                <a:highlight>
-                  <a:srgbClr val="FFFF00"/>
-                </a:highlight>
-              </a:rPr>
-              <a:t>input$selectSrc</a:t>
-            </a:r>
-            <a:endParaRPr lang="en-US" sz="1200" dirty="0">
-              <a:highlight>
-                <a:srgbClr val="FFFF00"/>
-              </a:highlight>
-            </a:endParaRPr>
-          </a:p>
-        </p:txBody>
-      </p:sp>
-      <p:cxnSp>
-        <p:nvCxnSpPr>
-          <p:cNvPr id="27" name="Straight Arrow Connector 26">
-            <a:extLst>
-              <a:ext uri="{FF2B5EF4-FFF2-40B4-BE49-F238E27FC236}">
-                <a16:creationId xmlns:a16="http://schemas.microsoft.com/office/drawing/2014/main" id="{C3BC1A83-E5DA-5AEB-9C82-CB5F3FCFDE9B}"/>
-              </a:ext>
-            </a:extLst>
-          </p:cNvPr>
-          <p:cNvCxnSpPr>
-            <a:stCxn id="23" idx="3"/>
-          </p:cNvCxnSpPr>
-          <p:nvPr/>
-        </p:nvCxnSpPr>
-        <p:spPr>
-          <a:xfrm flipV="1">
-            <a:off x="9625274" y="2566505"/>
-            <a:ext cx="508540" cy="1"/>
-          </a:xfrm>
-          <a:prstGeom prst="straightConnector1">
-            <a:avLst/>
-          </a:prstGeom>
-          <a:ln>
-            <a:tailEnd type="triangle"/>
-          </a:ln>
-        </p:spPr>
-        <p:style>
-          <a:lnRef idx="1">
-            <a:schemeClr val="accent1"/>
-          </a:lnRef>
-          <a:fillRef idx="0">
-            <a:schemeClr val="accent1"/>
-          </a:fillRef>
-          <a:effectRef idx="0">
-            <a:schemeClr val="accent1"/>
-          </a:effectRef>
-          <a:fontRef idx="minor">
-            <a:schemeClr val="tx1"/>
-          </a:fontRef>
-        </p:style>
-      </p:cxnSp>
-      <p:sp>
-        <p:nvSpPr>
-          <p:cNvPr id="29" name="TextBox 28">
-            <a:extLst>
-              <a:ext uri="{FF2B5EF4-FFF2-40B4-BE49-F238E27FC236}">
-                <a16:creationId xmlns:a16="http://schemas.microsoft.com/office/drawing/2014/main" id="{26678043-B23B-82A4-2406-D77A39B2A0EB}"/>
-              </a:ext>
-            </a:extLst>
-          </p:cNvPr>
-          <p:cNvSpPr txBox="1"/>
-          <p:nvPr/>
-        </p:nvSpPr>
-        <p:spPr>
-          <a:xfrm>
-            <a:off x="10297787" y="2335673"/>
-            <a:ext cx="1140404" cy="369332"/>
-          </a:xfrm>
-          <a:prstGeom prst="rect">
-            <a:avLst/>
-          </a:prstGeom>
-          <a:noFill/>
-        </p:spPr>
-        <p:txBody>
-          <a:bodyPr wrap="square">
-            <a:spAutoFit/>
-          </a:bodyPr>
-          <a:lstStyle/>
-          <a:p>
-            <a:r>
-              <a:rPr lang="en-US" dirty="0" err="1"/>
-              <a:t>currentsrc</a:t>
-            </a:r>
-            <a:endParaRPr lang="en-US" dirty="0"/>
-          </a:p>
-        </p:txBody>
-      </p:sp>
-      <p:sp>
-        <p:nvSpPr>
-          <p:cNvPr id="31" name="TextBox 30">
-            <a:extLst>
-              <a:ext uri="{FF2B5EF4-FFF2-40B4-BE49-F238E27FC236}">
-                <a16:creationId xmlns:a16="http://schemas.microsoft.com/office/drawing/2014/main" id="{1623C78F-31CF-3ECC-E15F-51266B3C528A}"/>
-              </a:ext>
-            </a:extLst>
-          </p:cNvPr>
-          <p:cNvSpPr txBox="1"/>
-          <p:nvPr/>
-        </p:nvSpPr>
-        <p:spPr>
-          <a:xfrm>
-            <a:off x="6661243" y="3120759"/>
-            <a:ext cx="1242715" cy="276999"/>
-          </a:xfrm>
-          <a:prstGeom prst="rect">
-            <a:avLst/>
-          </a:prstGeom>
-          <a:noFill/>
-        </p:spPr>
-        <p:txBody>
-          <a:bodyPr wrap="square">
-            <a:spAutoFit/>
-          </a:bodyPr>
-          <a:lstStyle>
-            <a:defPPr>
-              <a:defRPr lang="en-US"/>
-            </a:defPPr>
-            <a:lvl1pPr algn="ctr">
-              <a:defRPr sz="1200">
-                <a:highlight>
-                  <a:srgbClr val="00FFFF"/>
-                </a:highlight>
-              </a:defRPr>
-            </a:lvl1pPr>
-          </a:lstStyle>
-          <a:p>
-            <a:r>
-              <a:rPr lang="en-US" dirty="0" err="1"/>
-              <a:t>cfg$scnchoices</a:t>
-            </a:r>
-            <a:endParaRPr lang="en-US" dirty="0"/>
-          </a:p>
-        </p:txBody>
-      </p:sp>
-      <p:sp>
-        <p:nvSpPr>
-          <p:cNvPr id="33" name="TextBox 32">
-            <a:extLst>
-              <a:ext uri="{FF2B5EF4-FFF2-40B4-BE49-F238E27FC236}">
-                <a16:creationId xmlns:a16="http://schemas.microsoft.com/office/drawing/2014/main" id="{7D72F484-F877-0F84-BBD8-8698156C55FF}"/>
-              </a:ext>
-            </a:extLst>
-          </p:cNvPr>
-          <p:cNvSpPr txBox="1"/>
-          <p:nvPr/>
-        </p:nvSpPr>
-        <p:spPr>
-          <a:xfrm>
-            <a:off x="8314391" y="3118823"/>
-            <a:ext cx="1562492" cy="276999"/>
-          </a:xfrm>
-          <a:prstGeom prst="rect">
-            <a:avLst/>
-          </a:prstGeom>
-          <a:noFill/>
-        </p:spPr>
-        <p:txBody>
-          <a:bodyPr wrap="square">
-            <a:spAutoFit/>
-          </a:bodyPr>
-          <a:lstStyle>
-            <a:defPPr>
-              <a:defRPr lang="en-US"/>
-            </a:defPPr>
-            <a:lvl1pPr algn="ctr">
-              <a:defRPr sz="1200">
-                <a:highlight>
-                  <a:srgbClr val="FFFF00"/>
-                </a:highlight>
-              </a:defRPr>
-            </a:lvl1pPr>
-          </a:lstStyle>
-          <a:p>
-            <a:r>
-              <a:rPr lang="en-US" dirty="0" err="1"/>
-              <a:t>input$selectScn</a:t>
-            </a:r>
-            <a:endParaRPr lang="en-US" dirty="0"/>
-          </a:p>
-        </p:txBody>
-      </p:sp>
-      <p:sp>
-        <p:nvSpPr>
-          <p:cNvPr id="35" name="TextBox 34">
-            <a:extLst>
-              <a:ext uri="{FF2B5EF4-FFF2-40B4-BE49-F238E27FC236}">
-                <a16:creationId xmlns:a16="http://schemas.microsoft.com/office/drawing/2014/main" id="{203B9F0C-EC95-7ACA-4D99-3C355B02896B}"/>
-              </a:ext>
-            </a:extLst>
-          </p:cNvPr>
-          <p:cNvSpPr txBox="1"/>
-          <p:nvPr/>
-        </p:nvSpPr>
-        <p:spPr>
-          <a:xfrm>
-            <a:off x="10297787" y="3026490"/>
-            <a:ext cx="1355103" cy="369332"/>
-          </a:xfrm>
-          <a:prstGeom prst="rect">
-            <a:avLst/>
-          </a:prstGeom>
-          <a:noFill/>
-        </p:spPr>
-        <p:txBody>
-          <a:bodyPr wrap="square">
-            <a:spAutoFit/>
-          </a:bodyPr>
-          <a:lstStyle/>
-          <a:p>
-            <a:r>
-              <a:rPr lang="en-US" dirty="0" err="1"/>
-              <a:t>currentscn</a:t>
-            </a:r>
-            <a:endParaRPr lang="en-US" dirty="0"/>
-          </a:p>
-        </p:txBody>
-      </p:sp>
-      <p:cxnSp>
-        <p:nvCxnSpPr>
-          <p:cNvPr id="36" name="Straight Arrow Connector 35">
-            <a:extLst>
-              <a:ext uri="{FF2B5EF4-FFF2-40B4-BE49-F238E27FC236}">
-                <a16:creationId xmlns:a16="http://schemas.microsoft.com/office/drawing/2014/main" id="{1ECFFC68-637D-4542-962C-55C5E32BBD0A}"/>
-              </a:ext>
-            </a:extLst>
-          </p:cNvPr>
-          <p:cNvCxnSpPr/>
-          <p:nvPr/>
-        </p:nvCxnSpPr>
-        <p:spPr>
-          <a:xfrm flipV="1">
-            <a:off x="9658992" y="3257321"/>
-            <a:ext cx="508540" cy="1"/>
-          </a:xfrm>
-          <a:prstGeom prst="straightConnector1">
-            <a:avLst/>
-          </a:prstGeom>
-          <a:ln>
-            <a:tailEnd type="triangle"/>
-          </a:ln>
-        </p:spPr>
-        <p:style>
-          <a:lnRef idx="1">
-            <a:schemeClr val="accent1"/>
-          </a:lnRef>
-          <a:fillRef idx="0">
-            <a:schemeClr val="accent1"/>
-          </a:fillRef>
-          <a:effectRef idx="0">
-            <a:schemeClr val="accent1"/>
-          </a:effectRef>
-          <a:fontRef idx="minor">
-            <a:schemeClr val="tx1"/>
-          </a:fontRef>
-        </p:style>
-      </p:cxnSp>
-      <p:sp>
-        <p:nvSpPr>
-          <p:cNvPr id="37" name="TextBox 36">
-            <a:extLst>
-              <a:ext uri="{FF2B5EF4-FFF2-40B4-BE49-F238E27FC236}">
-                <a16:creationId xmlns:a16="http://schemas.microsoft.com/office/drawing/2014/main" id="{28236D96-ED4C-B796-3477-651071014F74}"/>
-              </a:ext>
-            </a:extLst>
-          </p:cNvPr>
-          <p:cNvSpPr txBox="1"/>
-          <p:nvPr/>
-        </p:nvSpPr>
-        <p:spPr>
-          <a:xfrm>
-            <a:off x="10042491" y="683089"/>
-            <a:ext cx="874598" cy="369332"/>
-          </a:xfrm>
-          <a:prstGeom prst="rect">
-            <a:avLst/>
-          </a:prstGeom>
-          <a:noFill/>
-        </p:spPr>
-        <p:txBody>
-          <a:bodyPr wrap="none" rtlCol="0">
-            <a:spAutoFit/>
-          </a:bodyPr>
-          <a:lstStyle/>
-          <a:p>
-            <a:r>
               <a:rPr lang="en-US" dirty="0"/>
-              <a:t>List(12)</a:t>
-            </a:r>
-          </a:p>
-        </p:txBody>
-      </p:sp>
-      <p:cxnSp>
-        <p:nvCxnSpPr>
-          <p:cNvPr id="39" name="Straight Arrow Connector 38">
-            <a:extLst>
-              <a:ext uri="{FF2B5EF4-FFF2-40B4-BE49-F238E27FC236}">
-                <a16:creationId xmlns:a16="http://schemas.microsoft.com/office/drawing/2014/main" id="{79BF8896-98BB-E67A-3956-D2160CA5AB10}"/>
-              </a:ext>
-            </a:extLst>
-          </p:cNvPr>
-          <p:cNvCxnSpPr>
-            <a:endCxn id="37" idx="3"/>
-          </p:cNvCxnSpPr>
-          <p:nvPr/>
-        </p:nvCxnSpPr>
-        <p:spPr>
-          <a:xfrm flipH="1">
-            <a:off x="10917089" y="867755"/>
-            <a:ext cx="178259" cy="0"/>
-          </a:xfrm>
-          <a:prstGeom prst="straightConnector1">
-            <a:avLst/>
-          </a:prstGeom>
-          <a:ln>
-            <a:tailEnd type="triangle"/>
-          </a:ln>
-        </p:spPr>
-        <p:style>
-          <a:lnRef idx="1">
-            <a:schemeClr val="accent1"/>
-          </a:lnRef>
-          <a:fillRef idx="0">
-            <a:schemeClr val="accent1"/>
-          </a:fillRef>
-          <a:effectRef idx="0">
-            <a:schemeClr val="accent1"/>
-          </a:effectRef>
-          <a:fontRef idx="minor">
-            <a:schemeClr val="tx1"/>
-          </a:fontRef>
-        </p:style>
-      </p:cxnSp>
-      <p:cxnSp>
-        <p:nvCxnSpPr>
-          <p:cNvPr id="40" name="Straight Arrow Connector 39">
-            <a:extLst>
-              <a:ext uri="{FF2B5EF4-FFF2-40B4-BE49-F238E27FC236}">
-                <a16:creationId xmlns:a16="http://schemas.microsoft.com/office/drawing/2014/main" id="{5BC27A05-3844-C875-37FD-54A22BFBDD1A}"/>
-              </a:ext>
-            </a:extLst>
-          </p:cNvPr>
-          <p:cNvCxnSpPr/>
-          <p:nvPr/>
-        </p:nvCxnSpPr>
-        <p:spPr>
-          <a:xfrm flipH="1">
-            <a:off x="8293429" y="3257321"/>
-            <a:ext cx="178259" cy="0"/>
-          </a:xfrm>
-          <a:prstGeom prst="straightConnector1">
-            <a:avLst/>
-          </a:prstGeom>
-          <a:ln>
-            <a:tailEnd type="triangle"/>
-          </a:ln>
-        </p:spPr>
-        <p:style>
-          <a:lnRef idx="1">
-            <a:schemeClr val="accent1"/>
-          </a:lnRef>
-          <a:fillRef idx="0">
-            <a:schemeClr val="accent1"/>
-          </a:fillRef>
-          <a:effectRef idx="0">
-            <a:schemeClr val="accent1"/>
-          </a:effectRef>
-          <a:fontRef idx="minor">
-            <a:schemeClr val="tx1"/>
-          </a:fontRef>
-        </p:style>
-      </p:cxnSp>
-      <p:sp>
-        <p:nvSpPr>
-          <p:cNvPr id="44" name="Rectangle 43">
-            <a:extLst>
-              <a:ext uri="{FF2B5EF4-FFF2-40B4-BE49-F238E27FC236}">
-                <a16:creationId xmlns:a16="http://schemas.microsoft.com/office/drawing/2014/main" id="{B7AD2ED2-71DE-4F86-E4C0-E9F527458BBF}"/>
-              </a:ext>
-            </a:extLst>
-          </p:cNvPr>
-          <p:cNvSpPr/>
-          <p:nvPr/>
-        </p:nvSpPr>
-        <p:spPr>
-          <a:xfrm>
-            <a:off x="1587500" y="1372443"/>
-            <a:ext cx="5135127" cy="5485557"/>
-          </a:xfrm>
-          <a:prstGeom prst="rect">
-            <a:avLst/>
-          </a:prstGeom>
-          <a:noFill/>
-        </p:spPr>
-        <p:style>
-          <a:lnRef idx="2">
-            <a:schemeClr val="accent1">
-              <a:shade val="15000"/>
-            </a:schemeClr>
-          </a:lnRef>
-          <a:fillRef idx="1">
-            <a:schemeClr val="accent1"/>
-          </a:fillRef>
-          <a:effectRef idx="0">
-            <a:schemeClr val="accent1"/>
-          </a:effectRef>
-          <a:fontRef idx="minor">
-            <a:schemeClr val="lt1"/>
-          </a:fontRef>
-        </p:style>
-        <p:txBody>
-          <a:bodyPr rtlCol="0" anchor="ctr"/>
-          <a:lstStyle/>
-          <a:p>
-            <a:pPr algn="ctr"/>
-            <a:endParaRPr lang="en-US"/>
-          </a:p>
-        </p:txBody>
-      </p:sp>
-      <p:sp>
-        <p:nvSpPr>
-          <p:cNvPr id="43" name="TextBox 42">
-            <a:extLst>
-              <a:ext uri="{FF2B5EF4-FFF2-40B4-BE49-F238E27FC236}">
-                <a16:creationId xmlns:a16="http://schemas.microsoft.com/office/drawing/2014/main" id="{F33E6C60-AA17-EB5C-1A99-4808F5B695C8}"/>
-              </a:ext>
-            </a:extLst>
-          </p:cNvPr>
-          <p:cNvSpPr txBox="1"/>
-          <p:nvPr/>
-        </p:nvSpPr>
-        <p:spPr>
-          <a:xfrm>
-            <a:off x="3558340" y="1223797"/>
-            <a:ext cx="1127959" cy="307777"/>
-          </a:xfrm>
-          <a:prstGeom prst="rect">
-            <a:avLst/>
-          </a:prstGeom>
-          <a:solidFill>
-            <a:schemeClr val="bg1"/>
-          </a:solidFill>
-        </p:spPr>
-        <p:txBody>
-          <a:bodyPr wrap="square">
-            <a:spAutoFit/>
-          </a:bodyPr>
-          <a:lstStyle/>
-          <a:p>
-            <a:pPr algn="ctr"/>
-            <a:r>
-              <a:rPr lang="en-US" sz="1400" b="1" dirty="0" err="1"/>
-              <a:t>mainPanel</a:t>
-            </a:r>
-            <a:endParaRPr lang="en-US" sz="1400" b="1" dirty="0"/>
-          </a:p>
-        </p:txBody>
-      </p:sp>
-      <p:sp>
-        <p:nvSpPr>
-          <p:cNvPr id="46" name="Rectangle 45">
-            <a:extLst>
-              <a:ext uri="{FF2B5EF4-FFF2-40B4-BE49-F238E27FC236}">
-                <a16:creationId xmlns:a16="http://schemas.microsoft.com/office/drawing/2014/main" id="{810A9917-5895-E22D-42A8-C806AC0960E7}"/>
-              </a:ext>
-            </a:extLst>
-          </p:cNvPr>
-          <p:cNvSpPr/>
-          <p:nvPr/>
-        </p:nvSpPr>
-        <p:spPr>
-          <a:xfrm>
-            <a:off x="6725782" y="1395622"/>
-            <a:ext cx="2642561" cy="5485557"/>
-          </a:xfrm>
-          <a:prstGeom prst="rect">
-            <a:avLst/>
-          </a:prstGeom>
-          <a:noFill/>
-        </p:spPr>
-        <p:style>
-          <a:lnRef idx="2">
-            <a:schemeClr val="accent1">
-              <a:shade val="15000"/>
-            </a:schemeClr>
-          </a:lnRef>
-          <a:fillRef idx="1">
-            <a:schemeClr val="accent1"/>
-          </a:fillRef>
-          <a:effectRef idx="0">
-            <a:schemeClr val="accent1"/>
-          </a:effectRef>
-          <a:fontRef idx="minor">
-            <a:schemeClr val="lt1"/>
-          </a:fontRef>
-        </p:style>
-        <p:txBody>
-          <a:bodyPr rtlCol="0" anchor="ctr"/>
-          <a:lstStyle/>
-          <a:p>
-            <a:pPr algn="ctr"/>
-            <a:endParaRPr lang="en-US"/>
-          </a:p>
-        </p:txBody>
-      </p:sp>
-      <p:sp>
-        <p:nvSpPr>
-          <p:cNvPr id="45" name="TextBox 44">
-            <a:extLst>
-              <a:ext uri="{FF2B5EF4-FFF2-40B4-BE49-F238E27FC236}">
-                <a16:creationId xmlns:a16="http://schemas.microsoft.com/office/drawing/2014/main" id="{A7DC41DA-62C7-C598-5060-044F9B0AB895}"/>
-              </a:ext>
-            </a:extLst>
-          </p:cNvPr>
-          <p:cNvSpPr txBox="1"/>
-          <p:nvPr/>
-        </p:nvSpPr>
-        <p:spPr>
-          <a:xfrm>
-            <a:off x="7459878" y="1266500"/>
-            <a:ext cx="1127959" cy="307777"/>
-          </a:xfrm>
-          <a:prstGeom prst="rect">
-            <a:avLst/>
-          </a:prstGeom>
-          <a:solidFill>
-            <a:schemeClr val="bg1"/>
-          </a:solidFill>
-        </p:spPr>
-        <p:txBody>
-          <a:bodyPr wrap="square">
-            <a:spAutoFit/>
-          </a:bodyPr>
-          <a:lstStyle/>
-          <a:p>
-            <a:pPr algn="ctr"/>
-            <a:r>
-              <a:rPr lang="en-US" sz="1400" b="1" dirty="0"/>
-              <a:t>sidebar</a:t>
-            </a:r>
-          </a:p>
-        </p:txBody>
-      </p:sp>
-      <p:sp>
-        <p:nvSpPr>
-          <p:cNvPr id="47" name="TextBox 46">
-            <a:extLst>
-              <a:ext uri="{FF2B5EF4-FFF2-40B4-BE49-F238E27FC236}">
-                <a16:creationId xmlns:a16="http://schemas.microsoft.com/office/drawing/2014/main" id="{7690E482-EE93-9FE9-3188-C88718B8CE4A}"/>
-              </a:ext>
-            </a:extLst>
-          </p:cNvPr>
-          <p:cNvSpPr txBox="1"/>
-          <p:nvPr/>
-        </p:nvSpPr>
-        <p:spPr>
-          <a:xfrm>
-            <a:off x="8042951" y="3824759"/>
-            <a:ext cx="1178609" cy="646331"/>
-          </a:xfrm>
-          <a:prstGeom prst="rect">
-            <a:avLst/>
-          </a:prstGeom>
-          <a:noFill/>
-        </p:spPr>
-        <p:txBody>
-          <a:bodyPr wrap="square" rtlCol="0">
-            <a:spAutoFit/>
-          </a:bodyPr>
-          <a:lstStyle/>
-          <a:p>
-            <a:pPr algn="ctr"/>
-            <a:r>
-              <a:rPr lang="he-IL" dirty="0"/>
-              <a:t>רשימת תרחישים</a:t>
-            </a:r>
-            <a:endParaRPr lang="en-US" dirty="0"/>
-          </a:p>
-        </p:txBody>
-      </p:sp>
-      <p:sp>
-        <p:nvSpPr>
-          <p:cNvPr id="48" name="TextBox 47">
-            <a:extLst>
-              <a:ext uri="{FF2B5EF4-FFF2-40B4-BE49-F238E27FC236}">
-                <a16:creationId xmlns:a16="http://schemas.microsoft.com/office/drawing/2014/main" id="{D26B882A-7E19-A119-4B50-CB86277EDAEA}"/>
-              </a:ext>
-            </a:extLst>
-          </p:cNvPr>
-          <p:cNvSpPr txBox="1"/>
-          <p:nvPr/>
-        </p:nvSpPr>
-        <p:spPr>
-          <a:xfrm>
-            <a:off x="6825655" y="3824759"/>
-            <a:ext cx="1178609" cy="369332"/>
-          </a:xfrm>
-          <a:prstGeom prst="rect">
-            <a:avLst/>
-          </a:prstGeom>
-          <a:noFill/>
-        </p:spPr>
-        <p:txBody>
-          <a:bodyPr wrap="square" rtlCol="0">
-            <a:spAutoFit/>
-          </a:bodyPr>
-          <a:lstStyle/>
-          <a:p>
-            <a:pPr algn="ctr"/>
-            <a:r>
-              <a:rPr lang="he-IL" dirty="0"/>
-              <a:t>שנים</a:t>
-            </a:r>
-            <a:endParaRPr lang="en-US" dirty="0"/>
-          </a:p>
-        </p:txBody>
-      </p:sp>
-      <p:sp>
-        <p:nvSpPr>
-          <p:cNvPr id="49" name="TextBox 48">
-            <a:extLst>
-              <a:ext uri="{FF2B5EF4-FFF2-40B4-BE49-F238E27FC236}">
-                <a16:creationId xmlns:a16="http://schemas.microsoft.com/office/drawing/2014/main" id="{124D437B-669E-C7B1-0768-58A24641FB7A}"/>
-              </a:ext>
-            </a:extLst>
-          </p:cNvPr>
-          <p:cNvSpPr txBox="1"/>
-          <p:nvPr/>
-        </p:nvSpPr>
-        <p:spPr>
-          <a:xfrm>
-            <a:off x="8131156" y="4531769"/>
-            <a:ext cx="1018227" cy="461665"/>
-          </a:xfrm>
-          <a:prstGeom prst="rect">
-            <a:avLst/>
-          </a:prstGeom>
-          <a:solidFill>
-            <a:schemeClr val="accent4">
-              <a:lumMod val="20000"/>
-              <a:lumOff val="80000"/>
-            </a:schemeClr>
-          </a:solidFill>
-        </p:spPr>
-        <p:txBody>
-          <a:bodyPr wrap="none" rtlCol="0">
-            <a:spAutoFit/>
-          </a:bodyPr>
-          <a:lstStyle/>
-          <a:p>
-            <a:r>
-              <a:rPr lang="he-IL" sz="1200" b="1" dirty="0"/>
-              <a:t>המשך מגמות</a:t>
-            </a:r>
-          </a:p>
-          <a:p>
-            <a:r>
-              <a:rPr lang="he-IL" sz="1200" dirty="0" err="1"/>
-              <a:t>אטרטגיה</a:t>
-            </a:r>
-            <a:r>
-              <a:rPr lang="he-IL" sz="1200" dirty="0"/>
-              <a:t> דיור</a:t>
-            </a:r>
-            <a:endParaRPr lang="en-US" sz="1200" dirty="0"/>
-          </a:p>
-        </p:txBody>
-      </p:sp>
-      <p:sp>
-        <p:nvSpPr>
-          <p:cNvPr id="50" name="TextBox 49">
-            <a:extLst>
-              <a:ext uri="{FF2B5EF4-FFF2-40B4-BE49-F238E27FC236}">
-                <a16:creationId xmlns:a16="http://schemas.microsoft.com/office/drawing/2014/main" id="{9DF6B048-380A-2F72-6EBE-A91D1D72CD22}"/>
-              </a:ext>
-            </a:extLst>
-          </p:cNvPr>
-          <p:cNvSpPr txBox="1"/>
-          <p:nvPr/>
-        </p:nvSpPr>
-        <p:spPr>
-          <a:xfrm>
-            <a:off x="7122115" y="4448508"/>
-            <a:ext cx="524503" cy="646331"/>
-          </a:xfrm>
-          <a:prstGeom prst="rect">
-            <a:avLst/>
-          </a:prstGeom>
-          <a:solidFill>
-            <a:schemeClr val="accent4">
-              <a:lumMod val="20000"/>
-              <a:lumOff val="80000"/>
-            </a:schemeClr>
-          </a:solidFill>
-        </p:spPr>
-        <p:txBody>
-          <a:bodyPr wrap="none" rtlCol="0">
-            <a:spAutoFit/>
-          </a:bodyPr>
-          <a:lstStyle/>
-          <a:p>
-            <a:r>
-              <a:rPr lang="he-IL" sz="1200" dirty="0"/>
-              <a:t>2020</a:t>
-            </a:r>
-          </a:p>
-          <a:p>
-            <a:r>
-              <a:rPr lang="he-IL" sz="1200" b="1" dirty="0"/>
-              <a:t>2030</a:t>
-            </a:r>
-          </a:p>
-          <a:p>
-            <a:r>
-              <a:rPr lang="he-IL" sz="1200" dirty="0"/>
-              <a:t>2040</a:t>
-            </a:r>
-            <a:endParaRPr lang="en-US" sz="1200" dirty="0"/>
-          </a:p>
-        </p:txBody>
-      </p:sp>
-      <p:sp>
-        <p:nvSpPr>
-          <p:cNvPr id="51" name="TextBox 50">
-            <a:extLst>
-              <a:ext uri="{FF2B5EF4-FFF2-40B4-BE49-F238E27FC236}">
-                <a16:creationId xmlns:a16="http://schemas.microsoft.com/office/drawing/2014/main" id="{444D208C-AB2B-701E-E4B7-30261E432BB2}"/>
-              </a:ext>
-            </a:extLst>
-          </p:cNvPr>
-          <p:cNvSpPr txBox="1"/>
-          <p:nvPr/>
-        </p:nvSpPr>
-        <p:spPr>
-          <a:xfrm>
-            <a:off x="7076133" y="5156713"/>
-            <a:ext cx="2085642" cy="369332"/>
-          </a:xfrm>
-          <a:prstGeom prst="rect">
-            <a:avLst/>
-          </a:prstGeom>
-          <a:noFill/>
-        </p:spPr>
-        <p:txBody>
-          <a:bodyPr wrap="square" rtlCol="0">
-            <a:spAutoFit/>
-          </a:bodyPr>
-          <a:lstStyle/>
-          <a:p>
-            <a:pPr algn="ctr"/>
-            <a:r>
-              <a:rPr lang="he-IL" dirty="0"/>
-              <a:t>רשימת משתנים</a:t>
-            </a:r>
-            <a:endParaRPr lang="en-US" dirty="0"/>
-          </a:p>
-        </p:txBody>
-      </p:sp>
-      <p:sp>
-        <p:nvSpPr>
-          <p:cNvPr id="52" name="TextBox 51">
-            <a:extLst>
-              <a:ext uri="{FF2B5EF4-FFF2-40B4-BE49-F238E27FC236}">
-                <a16:creationId xmlns:a16="http://schemas.microsoft.com/office/drawing/2014/main" id="{4EE99801-D2A3-53A2-7145-83CA3A445804}"/>
-              </a:ext>
-            </a:extLst>
-          </p:cNvPr>
-          <p:cNvSpPr txBox="1"/>
-          <p:nvPr/>
-        </p:nvSpPr>
-        <p:spPr>
-          <a:xfrm>
-            <a:off x="7707220" y="5480668"/>
-            <a:ext cx="782587" cy="276999"/>
-          </a:xfrm>
-          <a:prstGeom prst="rect">
-            <a:avLst/>
-          </a:prstGeom>
-          <a:solidFill>
-            <a:schemeClr val="accent4">
-              <a:lumMod val="20000"/>
-              <a:lumOff val="80000"/>
-            </a:schemeClr>
-          </a:solidFill>
-        </p:spPr>
-        <p:txBody>
-          <a:bodyPr wrap="none" rtlCol="0">
-            <a:spAutoFit/>
-          </a:bodyPr>
-          <a:lstStyle/>
-          <a:p>
-            <a:r>
-              <a:rPr lang="he-IL" sz="1200" b="1" dirty="0"/>
-              <a:t>אוכלוסייה</a:t>
-            </a:r>
-            <a:endParaRPr lang="en-US" sz="1200" dirty="0"/>
-          </a:p>
-        </p:txBody>
-      </p:sp>
-      <p:cxnSp>
-        <p:nvCxnSpPr>
-          <p:cNvPr id="56" name="Straight Arrow Connector 55">
-            <a:extLst>
-              <a:ext uri="{FF2B5EF4-FFF2-40B4-BE49-F238E27FC236}">
-                <a16:creationId xmlns:a16="http://schemas.microsoft.com/office/drawing/2014/main" id="{71DEF7A1-9676-DA28-B205-9C06D48A2090}"/>
-              </a:ext>
-            </a:extLst>
-          </p:cNvPr>
-          <p:cNvCxnSpPr/>
-          <p:nvPr/>
-        </p:nvCxnSpPr>
-        <p:spPr>
-          <a:xfrm>
-            <a:off x="820878" y="4448508"/>
-            <a:ext cx="3301441" cy="0"/>
-          </a:xfrm>
-          <a:prstGeom prst="straightConnector1">
-            <a:avLst/>
-          </a:prstGeom>
-          <a:ln>
-            <a:tailEnd type="triangle"/>
-          </a:ln>
-        </p:spPr>
-        <p:style>
-          <a:lnRef idx="1">
-            <a:schemeClr val="accent1"/>
-          </a:lnRef>
-          <a:fillRef idx="0">
-            <a:schemeClr val="accent1"/>
-          </a:fillRef>
-          <a:effectRef idx="0">
-            <a:schemeClr val="accent1"/>
-          </a:effectRef>
-          <a:fontRef idx="minor">
-            <a:schemeClr val="tx1"/>
-          </a:fontRef>
-        </p:style>
-      </p:cxnSp>
-      <p:cxnSp>
-        <p:nvCxnSpPr>
-          <p:cNvPr id="4" name="Straight Connector 3">
-            <a:extLst>
-              <a:ext uri="{FF2B5EF4-FFF2-40B4-BE49-F238E27FC236}">
-                <a16:creationId xmlns:a16="http://schemas.microsoft.com/office/drawing/2014/main" id="{B3C81381-074E-5130-57EE-24EDF8BBA7AC}"/>
-              </a:ext>
-            </a:extLst>
-          </p:cNvPr>
-          <p:cNvCxnSpPr/>
-          <p:nvPr/>
-        </p:nvCxnSpPr>
-        <p:spPr>
-          <a:xfrm flipV="1">
-            <a:off x="580571" y="333807"/>
-            <a:ext cx="11190515" cy="6081507"/>
-          </a:xfrm>
-          <a:prstGeom prst="line">
-            <a:avLst/>
-          </a:prstGeom>
-        </p:spPr>
-        <p:style>
-          <a:lnRef idx="1">
-            <a:schemeClr val="accent1"/>
-          </a:lnRef>
-          <a:fillRef idx="0">
-            <a:schemeClr val="accent1"/>
-          </a:fillRef>
-          <a:effectRef idx="0">
-            <a:schemeClr val="accent1"/>
-          </a:effectRef>
-          <a:fontRef idx="minor">
-            <a:schemeClr val="tx1"/>
-          </a:fontRef>
-        </p:style>
-      </p:cxnSp>
+              <a:t>V 0.3</a:t>
+            </a:r>
+          </a:p>
+        </p:txBody>
+      </p:sp>
     </p:spTree>
     <p:extLst>
       <p:ext uri="{BB962C8B-B14F-4D97-AF65-F5344CB8AC3E}">
-        <p14:creationId xmlns:p14="http://schemas.microsoft.com/office/powerpoint/2010/main" val="3254842822"/>
+        <p14:creationId xmlns:p14="http://schemas.microsoft.com/office/powerpoint/2010/main" val="3417749768"/>
       </p:ext>
     </p:extLst>
   </p:cSld>
@@ -13544,7 +12715,7 @@
           <p:cNvPr id="3" name="Picture 2">
             <a:extLst>
               <a:ext uri="{FF2B5EF4-FFF2-40B4-BE49-F238E27FC236}">
-                <a16:creationId xmlns:a16="http://schemas.microsoft.com/office/drawing/2014/main" id="{70ED6760-A76F-4D59-165F-552720F6CD92}"/>
+                <a16:creationId xmlns:a16="http://schemas.microsoft.com/office/drawing/2014/main" id="{067DC50F-F545-6E11-D573-5841D30A32D3}"/>
               </a:ext>
             </a:extLst>
           </p:cNvPr>
@@ -13561,230 +12732,20 @@
         </p:blipFill>
         <p:spPr>
           <a:xfrm>
-            <a:off x="2582617" y="0"/>
-            <a:ext cx="7026765" cy="6858000"/>
+            <a:off x="1410524" y="0"/>
+            <a:ext cx="8214750" cy="6858000"/>
           </a:xfrm>
           <a:prstGeom prst="rect">
             <a:avLst/>
           </a:prstGeom>
         </p:spPr>
       </p:pic>
-      <p:sp>
-        <p:nvSpPr>
-          <p:cNvPr id="4" name="TextBox 3">
-            <a:extLst>
-              <a:ext uri="{FF2B5EF4-FFF2-40B4-BE49-F238E27FC236}">
-                <a16:creationId xmlns:a16="http://schemas.microsoft.com/office/drawing/2014/main" id="{4A1C8CAD-3E5B-7FE3-3730-0B924357C33C}"/>
-              </a:ext>
-            </a:extLst>
-          </p:cNvPr>
-          <p:cNvSpPr txBox="1"/>
-          <p:nvPr/>
-        </p:nvSpPr>
-        <p:spPr>
-          <a:xfrm>
-            <a:off x="7710478" y="4530483"/>
-            <a:ext cx="1586773" cy="307777"/>
-          </a:xfrm>
-          <a:prstGeom prst="rect">
-            <a:avLst/>
-          </a:prstGeom>
-          <a:noFill/>
-        </p:spPr>
-        <p:txBody>
-          <a:bodyPr wrap="square" rtlCol="0">
-            <a:spAutoFit/>
-          </a:bodyPr>
-          <a:lstStyle/>
-          <a:p>
-            <a:pPr algn="ctr"/>
-            <a:r>
-              <a:rPr lang="he-IL" sz="1400" b="1" dirty="0"/>
-              <a:t>בחר משתנה/ים</a:t>
-            </a:r>
-            <a:endParaRPr lang="en-US" sz="1400" b="1" dirty="0"/>
-          </a:p>
-        </p:txBody>
-      </p:sp>
-      <p:sp>
-        <p:nvSpPr>
-          <p:cNvPr id="5" name="TextBox 4">
-            <a:extLst>
-              <a:ext uri="{FF2B5EF4-FFF2-40B4-BE49-F238E27FC236}">
-                <a16:creationId xmlns:a16="http://schemas.microsoft.com/office/drawing/2014/main" id="{07E9D7C6-4FDF-C9CB-74AA-5A0B2C91DD4E}"/>
-              </a:ext>
-            </a:extLst>
-          </p:cNvPr>
-          <p:cNvSpPr txBox="1"/>
-          <p:nvPr/>
-        </p:nvSpPr>
-        <p:spPr>
-          <a:xfrm>
-            <a:off x="8110149" y="4915059"/>
-            <a:ext cx="782587" cy="276999"/>
-          </a:xfrm>
-          <a:prstGeom prst="rect">
-            <a:avLst/>
-          </a:prstGeom>
-          <a:solidFill>
-            <a:schemeClr val="accent4">
-              <a:lumMod val="20000"/>
-              <a:lumOff val="80000"/>
-            </a:schemeClr>
-          </a:solidFill>
-        </p:spPr>
-        <p:txBody>
-          <a:bodyPr wrap="none" rtlCol="0">
-            <a:spAutoFit/>
-          </a:bodyPr>
-          <a:lstStyle/>
-          <a:p>
-            <a:r>
-              <a:rPr lang="he-IL" sz="1200" b="1" dirty="0"/>
-              <a:t>אוכלוסייה</a:t>
-            </a:r>
-            <a:endParaRPr lang="en-US" sz="1200" dirty="0"/>
-          </a:p>
-        </p:txBody>
-      </p:sp>
-      <p:sp>
-        <p:nvSpPr>
-          <p:cNvPr id="6" name="TextBox 5">
-            <a:extLst>
-              <a:ext uri="{FF2B5EF4-FFF2-40B4-BE49-F238E27FC236}">
-                <a16:creationId xmlns:a16="http://schemas.microsoft.com/office/drawing/2014/main" id="{0D46FF72-AD74-00AE-6254-B9C368539940}"/>
-              </a:ext>
-            </a:extLst>
-          </p:cNvPr>
-          <p:cNvSpPr txBox="1"/>
-          <p:nvPr/>
-        </p:nvSpPr>
-        <p:spPr>
-          <a:xfrm>
-            <a:off x="7705634" y="5352183"/>
-            <a:ext cx="1591617" cy="307777"/>
-          </a:xfrm>
-          <a:prstGeom prst="rect">
-            <a:avLst/>
-          </a:prstGeom>
-          <a:noFill/>
-        </p:spPr>
-        <p:txBody>
-          <a:bodyPr wrap="square" rtlCol="0">
-            <a:spAutoFit/>
-          </a:bodyPr>
-          <a:lstStyle/>
-          <a:p>
-            <a:r>
-              <a:rPr lang="he-IL" sz="1400" b="1" dirty="0"/>
-              <a:t>בחר סוג עיבוד</a:t>
-            </a:r>
-            <a:endParaRPr lang="en-US" sz="1400" b="1" dirty="0"/>
-          </a:p>
-        </p:txBody>
-      </p:sp>
-      <p:sp>
-        <p:nvSpPr>
-          <p:cNvPr id="7" name="TextBox 6">
-            <a:extLst>
-              <a:ext uri="{FF2B5EF4-FFF2-40B4-BE49-F238E27FC236}">
-                <a16:creationId xmlns:a16="http://schemas.microsoft.com/office/drawing/2014/main" id="{250BEE6E-4456-99CE-7B7F-0C1EC983DDC1}"/>
-              </a:ext>
-            </a:extLst>
-          </p:cNvPr>
-          <p:cNvSpPr txBox="1"/>
-          <p:nvPr/>
-        </p:nvSpPr>
-        <p:spPr>
-          <a:xfrm>
-            <a:off x="8186292" y="5736759"/>
-            <a:ext cx="630301" cy="461665"/>
-          </a:xfrm>
-          <a:prstGeom prst="rect">
-            <a:avLst/>
-          </a:prstGeom>
-          <a:solidFill>
-            <a:schemeClr val="accent4">
-              <a:lumMod val="20000"/>
-              <a:lumOff val="80000"/>
-            </a:schemeClr>
-          </a:solidFill>
-        </p:spPr>
-        <p:txBody>
-          <a:bodyPr wrap="none" rtlCol="0">
-            <a:spAutoFit/>
-          </a:bodyPr>
-          <a:lstStyle/>
-          <a:p>
-            <a:r>
-              <a:rPr lang="he-IL" sz="1200" b="1" dirty="0"/>
-              <a:t>ערכים</a:t>
-            </a:r>
-          </a:p>
-          <a:p>
-            <a:r>
-              <a:rPr lang="he-IL" sz="1200" b="1" dirty="0"/>
-              <a:t>צפיפות</a:t>
-            </a:r>
-          </a:p>
-        </p:txBody>
-      </p:sp>
-      <p:sp>
-        <p:nvSpPr>
-          <p:cNvPr id="8" name="Rectangle: Rounded Corners 7">
-            <a:extLst>
-              <a:ext uri="{FF2B5EF4-FFF2-40B4-BE49-F238E27FC236}">
-                <a16:creationId xmlns:a16="http://schemas.microsoft.com/office/drawing/2014/main" id="{162091A9-9217-CF04-BDB1-8E007DEA8948}"/>
-              </a:ext>
-            </a:extLst>
-          </p:cNvPr>
-          <p:cNvSpPr/>
-          <p:nvPr/>
-        </p:nvSpPr>
-        <p:spPr>
-          <a:xfrm>
-            <a:off x="7481813" y="6275223"/>
-            <a:ext cx="2039259" cy="384866"/>
-          </a:xfrm>
-          <a:prstGeom prst="roundRect">
-            <a:avLst/>
-          </a:prstGeom>
-        </p:spPr>
-        <p:style>
-          <a:lnRef idx="2">
-            <a:schemeClr val="accent1">
-              <a:shade val="15000"/>
-            </a:schemeClr>
-          </a:lnRef>
-          <a:fillRef idx="1">
-            <a:schemeClr val="accent1"/>
-          </a:fillRef>
-          <a:effectRef idx="0">
-            <a:schemeClr val="accent1"/>
-          </a:effectRef>
-          <a:fontRef idx="minor">
-            <a:schemeClr val="lt1"/>
-          </a:fontRef>
-        </p:style>
-        <p:txBody>
-          <a:bodyPr rtlCol="0" anchor="ctr"/>
-          <a:lstStyle/>
-          <a:p>
-            <a:pPr algn="ctr"/>
-            <a:r>
-              <a:rPr lang="he-IL" dirty="0"/>
-              <a:t>בצע</a:t>
-            </a:r>
-            <a:endParaRPr lang="en-US" dirty="0"/>
-          </a:p>
-        </p:txBody>
-      </p:sp>
       <p:cxnSp>
         <p:nvCxnSpPr>
-          <p:cNvPr id="10" name="Straight Arrow Connector 9">
-            <a:extLst>
-              <a:ext uri="{FF2B5EF4-FFF2-40B4-BE49-F238E27FC236}">
-                <a16:creationId xmlns:a16="http://schemas.microsoft.com/office/drawing/2014/main" id="{DD86BC65-7942-627A-775B-1C4093395F54}"/>
+          <p:cNvPr id="5" name="Straight Arrow Connector 4">
+            <a:extLst>
+              <a:ext uri="{FF2B5EF4-FFF2-40B4-BE49-F238E27FC236}">
+                <a16:creationId xmlns:a16="http://schemas.microsoft.com/office/drawing/2014/main" id="{F56F276E-2FFA-DD11-6AF5-C9F44E153355}"/>
               </a:ext>
             </a:extLst>
           </p:cNvPr>
@@ -13793,8 +12754,8 @@
         </p:nvCxnSpPr>
         <p:spPr>
           <a:xfrm>
-            <a:off x="2582617" y="1244338"/>
-            <a:ext cx="226571" cy="0"/>
+            <a:off x="949041" y="1187777"/>
+            <a:ext cx="357788" cy="0"/>
           </a:xfrm>
           <a:prstGeom prst="straightConnector1">
             <a:avLst/>
@@ -13805,13 +12766,13 @@
         </p:spPr>
         <p:style>
           <a:lnRef idx="1">
-            <a:schemeClr val="accent1"/>
+            <a:schemeClr val="dk1"/>
           </a:lnRef>
           <a:fillRef idx="0">
-            <a:schemeClr val="accent1"/>
+            <a:schemeClr val="dk1"/>
           </a:fillRef>
           <a:effectRef idx="0">
-            <a:schemeClr val="accent1"/>
+            <a:schemeClr val="dk1"/>
           </a:effectRef>
           <a:fontRef idx="minor">
             <a:schemeClr val="tx1"/>
@@ -13820,10 +12781,10 @@
       </p:cxnSp>
       <p:sp>
         <p:nvSpPr>
-          <p:cNvPr id="11" name="TextBox 10">
-            <a:extLst>
-              <a:ext uri="{FF2B5EF4-FFF2-40B4-BE49-F238E27FC236}">
-                <a16:creationId xmlns:a16="http://schemas.microsoft.com/office/drawing/2014/main" id="{1634D45D-E808-DC03-6345-59C5EFAD1D9D}"/>
+          <p:cNvPr id="7" name="TextBox 6">
+            <a:extLst>
+              <a:ext uri="{FF2B5EF4-FFF2-40B4-BE49-F238E27FC236}">
+                <a16:creationId xmlns:a16="http://schemas.microsoft.com/office/drawing/2014/main" id="{026E458C-BA1A-ADD6-C196-0CB022289032}"/>
               </a:ext>
             </a:extLst>
           </p:cNvPr>
@@ -13832,8 +12793,154 @@
         </p:nvSpPr>
         <p:spPr>
           <a:xfrm>
-            <a:off x="5128181" y="865469"/>
-            <a:ext cx="1653017" cy="369332"/>
+            <a:off x="50237" y="333807"/>
+            <a:ext cx="1297796" cy="369332"/>
+          </a:xfrm>
+          <a:prstGeom prst="rect">
+            <a:avLst/>
+          </a:prstGeom>
+          <a:noFill/>
+        </p:spPr>
+        <p:txBody>
+          <a:bodyPr wrap="square">
+            <a:spAutoFit/>
+          </a:bodyPr>
+          <a:lstStyle/>
+          <a:p>
+            <a:r>
+              <a:rPr lang="en-US" dirty="0" err="1"/>
+              <a:t>navbarPage</a:t>
+            </a:r>
+            <a:endParaRPr lang="en-US" dirty="0"/>
+          </a:p>
+        </p:txBody>
+      </p:sp>
+      <p:sp>
+        <p:nvSpPr>
+          <p:cNvPr id="8" name="TextBox 7">
+            <a:extLst>
+              <a:ext uri="{FF2B5EF4-FFF2-40B4-BE49-F238E27FC236}">
+                <a16:creationId xmlns:a16="http://schemas.microsoft.com/office/drawing/2014/main" id="{0F7C6071-CB65-F3F2-DE73-EE1ACF0BE292}"/>
+              </a:ext>
+            </a:extLst>
+          </p:cNvPr>
+          <p:cNvSpPr txBox="1"/>
+          <p:nvPr/>
+        </p:nvSpPr>
+        <p:spPr>
+          <a:xfrm>
+            <a:off x="-15280" y="960092"/>
+            <a:ext cx="1072299" cy="369332"/>
+          </a:xfrm>
+          <a:prstGeom prst="rect">
+            <a:avLst/>
+          </a:prstGeom>
+          <a:noFill/>
+        </p:spPr>
+        <p:txBody>
+          <a:bodyPr wrap="square">
+            <a:spAutoFit/>
+          </a:bodyPr>
+          <a:lstStyle/>
+          <a:p>
+            <a:r>
+              <a:rPr lang="en-US" dirty="0" err="1"/>
+              <a:t>tabpanel</a:t>
+            </a:r>
+            <a:endParaRPr lang="en-US" dirty="0"/>
+          </a:p>
+        </p:txBody>
+      </p:sp>
+      <p:sp>
+        <p:nvSpPr>
+          <p:cNvPr id="9" name="TextBox 8">
+            <a:extLst>
+              <a:ext uri="{FF2B5EF4-FFF2-40B4-BE49-F238E27FC236}">
+                <a16:creationId xmlns:a16="http://schemas.microsoft.com/office/drawing/2014/main" id="{956429F6-5E4E-88B8-98E1-EF5089E144F5}"/>
+              </a:ext>
+            </a:extLst>
+          </p:cNvPr>
+          <p:cNvSpPr txBox="1"/>
+          <p:nvPr/>
+        </p:nvSpPr>
+        <p:spPr>
+          <a:xfrm>
+            <a:off x="50237" y="1559293"/>
+            <a:ext cx="770641" cy="369332"/>
+          </a:xfrm>
+          <a:prstGeom prst="rect">
+            <a:avLst/>
+          </a:prstGeom>
+          <a:noFill/>
+        </p:spPr>
+        <p:txBody>
+          <a:bodyPr wrap="square">
+            <a:spAutoFit/>
+          </a:bodyPr>
+          <a:lstStyle/>
+          <a:p>
+            <a:r>
+              <a:rPr lang="en-US" dirty="0"/>
+              <a:t>tabs</a:t>
+            </a:r>
+          </a:p>
+        </p:txBody>
+      </p:sp>
+      <p:cxnSp>
+        <p:nvCxnSpPr>
+          <p:cNvPr id="11" name="Straight Arrow Connector 10">
+            <a:extLst>
+              <a:ext uri="{FF2B5EF4-FFF2-40B4-BE49-F238E27FC236}">
+                <a16:creationId xmlns:a16="http://schemas.microsoft.com/office/drawing/2014/main" id="{30883794-BF04-2305-A86F-B0692B61B58C}"/>
+              </a:ext>
+            </a:extLst>
+          </p:cNvPr>
+          <p:cNvCxnSpPr/>
+          <p:nvPr/>
+        </p:nvCxnSpPr>
+        <p:spPr>
+          <a:xfrm>
+            <a:off x="949041" y="1725104"/>
+            <a:ext cx="357788" cy="0"/>
+          </a:xfrm>
+          <a:prstGeom prst="straightConnector1">
+            <a:avLst/>
+          </a:prstGeom>
+          <a:ln>
+            <a:tailEnd type="triangle"/>
+          </a:ln>
+        </p:spPr>
+        <p:style>
+          <a:lnRef idx="1">
+            <a:schemeClr val="dk1"/>
+          </a:lnRef>
+          <a:fillRef idx="0">
+            <a:schemeClr val="dk1"/>
+          </a:fillRef>
+          <a:effectRef idx="0">
+            <a:schemeClr val="dk1"/>
+          </a:effectRef>
+          <a:fontRef idx="minor">
+            <a:schemeClr val="tx1"/>
+          </a:fontRef>
+        </p:style>
+      </p:cxnSp>
+      <p:sp>
+        <p:nvSpPr>
+          <p:cNvPr id="12" name="TextBox 11">
+            <a:extLst>
+              <a:ext uri="{FF2B5EF4-FFF2-40B4-BE49-F238E27FC236}">
+                <a16:creationId xmlns:a16="http://schemas.microsoft.com/office/drawing/2014/main" id="{95AE04F9-CD3F-5E38-BF9A-3EC4EAF944C3}"/>
+              </a:ext>
+            </a:extLst>
+          </p:cNvPr>
+          <p:cNvSpPr txBox="1"/>
+          <p:nvPr/>
+        </p:nvSpPr>
+        <p:spPr>
+          <a:xfrm>
+            <a:off x="1994556" y="818445"/>
+            <a:ext cx="314510" cy="369332"/>
           </a:xfrm>
           <a:prstGeom prst="rect">
             <a:avLst/>
@@ -13847,27 +12954,19 @@
           <a:lstStyle/>
           <a:p>
             <a:r>
-              <a:rPr lang="he-IL" dirty="0">
-                <a:highlight>
-                  <a:srgbClr val="00FFFF"/>
-                </a:highlight>
-              </a:rPr>
-              <a:t>אפשרויות תצוגה</a:t>
-            </a:r>
-            <a:endParaRPr lang="en-US" dirty="0">
-              <a:highlight>
-                <a:srgbClr val="00FFFF"/>
-              </a:highlight>
-            </a:endParaRPr>
-          </a:p>
-        </p:txBody>
-      </p:sp>
-      <p:sp>
-        <p:nvSpPr>
-          <p:cNvPr id="12" name="TextBox 11">
-            <a:extLst>
-              <a:ext uri="{FF2B5EF4-FFF2-40B4-BE49-F238E27FC236}">
-                <a16:creationId xmlns:a16="http://schemas.microsoft.com/office/drawing/2014/main" id="{3CA610E4-7546-973B-2238-F00FB996EEC9}"/>
+              <a:rPr lang="he-IL" dirty="0"/>
+              <a:t>א</a:t>
+            </a:r>
+            <a:endParaRPr lang="en-US" dirty="0"/>
+          </a:p>
+        </p:txBody>
+      </p:sp>
+      <p:sp>
+        <p:nvSpPr>
+          <p:cNvPr id="13" name="TextBox 12">
+            <a:extLst>
+              <a:ext uri="{FF2B5EF4-FFF2-40B4-BE49-F238E27FC236}">
+                <a16:creationId xmlns:a16="http://schemas.microsoft.com/office/drawing/2014/main" id="{6A69D6BE-EF62-CDBF-FFB2-3E1161009FE8}"/>
               </a:ext>
             </a:extLst>
           </p:cNvPr>
@@ -13876,18 +12975,13 @@
         </p:nvSpPr>
         <p:spPr>
           <a:xfrm>
-            <a:off x="11228735" y="3835122"/>
-            <a:ext cx="848309" cy="261610"/>
-          </a:xfrm>
-          <a:prstGeom prst="rect">
-            <a:avLst/>
-          </a:prstGeom>
-          <a:solidFill>
-            <a:schemeClr val="accent1">
-              <a:lumMod val="20000"/>
-              <a:lumOff val="80000"/>
-            </a:schemeClr>
-          </a:solidFill>
+            <a:off x="2578588" y="818445"/>
+            <a:ext cx="314510" cy="369332"/>
+          </a:xfrm>
+          <a:prstGeom prst="rect">
+            <a:avLst/>
+          </a:prstGeom>
+          <a:noFill/>
         </p:spPr>
         <p:txBody>
           <a:bodyPr wrap="none" rtlCol="0">
@@ -13896,19 +12990,55 @@
           <a:lstStyle/>
           <a:p>
             <a:r>
-              <a:rPr lang="he-IL" sz="1050" b="1" dirty="0"/>
-              <a:t>בחר שנה/ים</a:t>
-            </a:r>
-            <a:endParaRPr lang="en-US" sz="1050" b="1" dirty="0"/>
+              <a:rPr lang="he-IL" dirty="0"/>
+              <a:t>ב</a:t>
+            </a:r>
+            <a:endParaRPr lang="en-US" dirty="0"/>
+          </a:p>
+        </p:txBody>
+      </p:sp>
+      <p:sp>
+        <p:nvSpPr>
+          <p:cNvPr id="14" name="TextBox 13">
+            <a:extLst>
+              <a:ext uri="{FF2B5EF4-FFF2-40B4-BE49-F238E27FC236}">
+                <a16:creationId xmlns:a16="http://schemas.microsoft.com/office/drawing/2014/main" id="{84AA9F1E-B6BC-7072-3F8D-EA2096C03323}"/>
+              </a:ext>
+            </a:extLst>
+          </p:cNvPr>
+          <p:cNvSpPr txBox="1"/>
+          <p:nvPr/>
+        </p:nvSpPr>
+        <p:spPr>
+          <a:xfrm>
+            <a:off x="3162620" y="818445"/>
+            <a:ext cx="276038" cy="369332"/>
+          </a:xfrm>
+          <a:prstGeom prst="rect">
+            <a:avLst/>
+          </a:prstGeom>
+          <a:noFill/>
+        </p:spPr>
+        <p:txBody>
+          <a:bodyPr wrap="none" rtlCol="0">
+            <a:spAutoFit/>
+          </a:bodyPr>
+          <a:lstStyle/>
+          <a:p>
+            <a:r>
+              <a:rPr lang="he-IL" dirty="0"/>
+              <a:t>ג</a:t>
+            </a:r>
+            <a:endParaRPr lang="en-US" dirty="0"/>
           </a:p>
         </p:txBody>
       </p:sp>
       <p:cxnSp>
         <p:nvCxnSpPr>
-          <p:cNvPr id="2" name="Straight Arrow Connector 1">
-            <a:extLst>
-              <a:ext uri="{FF2B5EF4-FFF2-40B4-BE49-F238E27FC236}">
-                <a16:creationId xmlns:a16="http://schemas.microsoft.com/office/drawing/2014/main" id="{C4D5C842-3CB8-00CC-D648-8E2519FDC478}"/>
+          <p:cNvPr id="17" name="Straight Arrow Connector 16">
+            <a:extLst>
+              <a:ext uri="{FF2B5EF4-FFF2-40B4-BE49-F238E27FC236}">
+                <a16:creationId xmlns:a16="http://schemas.microsoft.com/office/drawing/2014/main" id="{F53F89AB-5F8E-1775-D2C8-E8BC85DA2880}"/>
               </a:ext>
             </a:extLst>
           </p:cNvPr>
@@ -13917,7 +13047,7 @@
         </p:nvCxnSpPr>
         <p:spPr>
           <a:xfrm flipH="1">
-            <a:off x="7675066" y="2837468"/>
+            <a:off x="7849462" y="2130458"/>
             <a:ext cx="348792" cy="150829"/>
           </a:xfrm>
           <a:prstGeom prst="straightConnector1">
@@ -13942,12 +13072,51 @@
           </a:fontRef>
         </p:style>
       </p:cxnSp>
-      <p:sp>
-        <p:nvSpPr>
-          <p:cNvPr id="9" name="TextBox 8">
-            <a:extLst>
-              <a:ext uri="{FF2B5EF4-FFF2-40B4-BE49-F238E27FC236}">
-                <a16:creationId xmlns:a16="http://schemas.microsoft.com/office/drawing/2014/main" id="{F3CAD155-1C22-8E0A-790E-A74D87754246}"/>
+      <p:cxnSp>
+        <p:nvCxnSpPr>
+          <p:cNvPr id="18" name="Straight Arrow Connector 17">
+            <a:extLst>
+              <a:ext uri="{FF2B5EF4-FFF2-40B4-BE49-F238E27FC236}">
+                <a16:creationId xmlns:a16="http://schemas.microsoft.com/office/drawing/2014/main" id="{AD56CC2B-2B2F-CFBA-80C3-61016C7D50BB}"/>
+              </a:ext>
+            </a:extLst>
+          </p:cNvPr>
+          <p:cNvCxnSpPr/>
+          <p:nvPr/>
+        </p:nvCxnSpPr>
+        <p:spPr>
+          <a:xfrm flipH="1">
+            <a:off x="7675066" y="2837468"/>
+            <a:ext cx="348792" cy="150829"/>
+          </a:xfrm>
+          <a:prstGeom prst="straightConnector1">
+            <a:avLst/>
+          </a:prstGeom>
+          <a:ln>
+            <a:tailEnd type="triangle"/>
+          </a:ln>
+        </p:spPr>
+        <p:style>
+          <a:lnRef idx="1">
+            <a:schemeClr val="accent2"/>
+          </a:lnRef>
+          <a:fillRef idx="0">
+            <a:schemeClr val="accent2"/>
+          </a:fillRef>
+          <a:effectRef idx="0">
+            <a:schemeClr val="accent2"/>
+          </a:effectRef>
+          <a:fontRef idx="minor">
+            <a:schemeClr val="tx1"/>
+          </a:fontRef>
+        </p:style>
+      </p:cxnSp>
+      <p:sp>
+        <p:nvSpPr>
+          <p:cNvPr id="19" name="TextBox 18">
+            <a:extLst>
+              <a:ext uri="{FF2B5EF4-FFF2-40B4-BE49-F238E27FC236}">
+                <a16:creationId xmlns:a16="http://schemas.microsoft.com/office/drawing/2014/main" id="{BF21C865-24BC-8FB9-16DE-CD1648A2AE85}"/>
               </a:ext>
             </a:extLst>
           </p:cNvPr>
@@ -13956,7 +13125,43 @@
         </p:nvSpPr>
         <p:spPr>
           <a:xfrm>
-            <a:off x="6432351" y="2539872"/>
+            <a:off x="10042491" y="267398"/>
+            <a:ext cx="1477969" cy="369332"/>
+          </a:xfrm>
+          <a:prstGeom prst="rect">
+            <a:avLst/>
+          </a:prstGeom>
+          <a:noFill/>
+        </p:spPr>
+        <p:txBody>
+          <a:bodyPr wrap="none" rtlCol="0">
+            <a:spAutoFit/>
+          </a:bodyPr>
+          <a:lstStyle/>
+          <a:p>
+            <a:r>
+              <a:rPr lang="en-US" dirty="0" err="1"/>
+              <a:t>cfg$scenarios</a:t>
+            </a:r>
+            <a:endParaRPr lang="en-US" dirty="0"/>
+          </a:p>
+        </p:txBody>
+      </p:sp>
+      <p:sp>
+        <p:nvSpPr>
+          <p:cNvPr id="21" name="TextBox 20">
+            <a:extLst>
+              <a:ext uri="{FF2B5EF4-FFF2-40B4-BE49-F238E27FC236}">
+                <a16:creationId xmlns:a16="http://schemas.microsoft.com/office/drawing/2014/main" id="{2E2F7325-AA87-9DD0-F324-164CD1BCCAC8}"/>
+              </a:ext>
+            </a:extLst>
+          </p:cNvPr>
+          <p:cNvSpPr txBox="1"/>
+          <p:nvPr/>
+        </p:nvSpPr>
+        <p:spPr>
+          <a:xfrm>
+            <a:off x="6722627" y="2446372"/>
             <a:ext cx="1242715" cy="276999"/>
           </a:xfrm>
           <a:prstGeom prst="rect">
@@ -13999,10 +13204,10 @@
       </p:sp>
       <p:sp>
         <p:nvSpPr>
-          <p:cNvPr id="13" name="TextBox 12">
-            <a:extLst>
-              <a:ext uri="{FF2B5EF4-FFF2-40B4-BE49-F238E27FC236}">
-                <a16:creationId xmlns:a16="http://schemas.microsoft.com/office/drawing/2014/main" id="{B8E64EA5-8B60-B3DC-9091-30003D6F7523}"/>
+          <p:cNvPr id="23" name="TextBox 22">
+            <a:extLst>
+              <a:ext uri="{FF2B5EF4-FFF2-40B4-BE49-F238E27FC236}">
+                <a16:creationId xmlns:a16="http://schemas.microsoft.com/office/drawing/2014/main" id="{956ADE46-6B66-B10D-63D1-86D6EF1523C0}"/>
               </a:ext>
             </a:extLst>
           </p:cNvPr>
@@ -14044,15 +13249,15 @@
       </p:sp>
       <p:cxnSp>
         <p:nvCxnSpPr>
-          <p:cNvPr id="14" name="Straight Arrow Connector 13">
-            <a:extLst>
-              <a:ext uri="{FF2B5EF4-FFF2-40B4-BE49-F238E27FC236}">
-                <a16:creationId xmlns:a16="http://schemas.microsoft.com/office/drawing/2014/main" id="{9193AC16-A016-D898-049F-6D4D5E724958}"/>
+          <p:cNvPr id="27" name="Straight Arrow Connector 26">
+            <a:extLst>
+              <a:ext uri="{FF2B5EF4-FFF2-40B4-BE49-F238E27FC236}">
+                <a16:creationId xmlns:a16="http://schemas.microsoft.com/office/drawing/2014/main" id="{C3BC1A83-E5DA-5AEB-9C82-CB5F3FCFDE9B}"/>
               </a:ext>
             </a:extLst>
           </p:cNvPr>
           <p:cNvCxnSpPr>
-            <a:stCxn id="13" idx="3"/>
+            <a:stCxn id="23" idx="3"/>
           </p:cNvCxnSpPr>
           <p:nvPr/>
         </p:nvCxnSpPr>
@@ -14085,10 +13290,10 @@
       </p:cxnSp>
       <p:sp>
         <p:nvSpPr>
-          <p:cNvPr id="15" name="TextBox 14">
-            <a:extLst>
-              <a:ext uri="{FF2B5EF4-FFF2-40B4-BE49-F238E27FC236}">
-                <a16:creationId xmlns:a16="http://schemas.microsoft.com/office/drawing/2014/main" id="{C4EFCDEF-E161-CE19-434D-7E22ADF20697}"/>
+          <p:cNvPr id="29" name="TextBox 28">
+            <a:extLst>
+              <a:ext uri="{FF2B5EF4-FFF2-40B4-BE49-F238E27FC236}">
+                <a16:creationId xmlns:a16="http://schemas.microsoft.com/office/drawing/2014/main" id="{26678043-B23B-82A4-2406-D77A39B2A0EB}"/>
               </a:ext>
             </a:extLst>
           </p:cNvPr>
@@ -14097,7 +13302,7 @@
         </p:nvSpPr>
         <p:spPr>
           <a:xfrm>
-            <a:off x="10149706" y="2381839"/>
+            <a:off x="10297787" y="2335673"/>
             <a:ext cx="1140404" cy="369332"/>
           </a:xfrm>
           <a:prstGeom prst="rect">
@@ -14121,10 +13326,10 @@
       </p:sp>
       <p:sp>
         <p:nvSpPr>
-          <p:cNvPr id="16" name="TextBox 15">
-            <a:extLst>
-              <a:ext uri="{FF2B5EF4-FFF2-40B4-BE49-F238E27FC236}">
-                <a16:creationId xmlns:a16="http://schemas.microsoft.com/office/drawing/2014/main" id="{6961A606-EEDD-78A5-6660-C72ED8BF4790}"/>
+          <p:cNvPr id="31" name="TextBox 30">
+            <a:extLst>
+              <a:ext uri="{FF2B5EF4-FFF2-40B4-BE49-F238E27FC236}">
+                <a16:creationId xmlns:a16="http://schemas.microsoft.com/office/drawing/2014/main" id="{1623C78F-31CF-3ECC-E15F-51266B3C528A}"/>
               </a:ext>
             </a:extLst>
           </p:cNvPr>
@@ -14133,7 +13338,7 @@
         </p:nvSpPr>
         <p:spPr>
           <a:xfrm>
-            <a:off x="6318339" y="3251689"/>
+            <a:off x="6661243" y="3120759"/>
             <a:ext cx="1242715" cy="276999"/>
           </a:xfrm>
           <a:prstGeom prst="rect">
@@ -14168,10 +13373,10 @@
       </p:sp>
       <p:sp>
         <p:nvSpPr>
-          <p:cNvPr id="17" name="TextBox 16">
-            <a:extLst>
-              <a:ext uri="{FF2B5EF4-FFF2-40B4-BE49-F238E27FC236}">
-                <a16:creationId xmlns:a16="http://schemas.microsoft.com/office/drawing/2014/main" id="{4C12E2C2-C6B0-8197-F3FC-4D2027A7C7D4}"/>
+          <p:cNvPr id="33" name="TextBox 32">
+            <a:extLst>
+              <a:ext uri="{FF2B5EF4-FFF2-40B4-BE49-F238E27FC236}">
+                <a16:creationId xmlns:a16="http://schemas.microsoft.com/office/drawing/2014/main" id="{7D72F484-F877-0F84-BBD8-8698156C55FF}"/>
               </a:ext>
             </a:extLst>
           </p:cNvPr>
@@ -14180,8 +13385,8 @@
         </p:nvSpPr>
         <p:spPr>
           <a:xfrm>
-            <a:off x="8478680" y="3252200"/>
-            <a:ext cx="1288000" cy="276999"/>
+            <a:off x="8314391" y="3118823"/>
+            <a:ext cx="1562492" cy="276999"/>
           </a:xfrm>
           <a:prstGeom prst="rect">
             <a:avLst/>
@@ -14215,10 +13420,10 @@
       </p:sp>
       <p:sp>
         <p:nvSpPr>
-          <p:cNvPr id="18" name="TextBox 17">
-            <a:extLst>
-              <a:ext uri="{FF2B5EF4-FFF2-40B4-BE49-F238E27FC236}">
-                <a16:creationId xmlns:a16="http://schemas.microsoft.com/office/drawing/2014/main" id="{CA5BE5F1-66D5-3FA4-9D35-304F8A943487}"/>
+          <p:cNvPr id="35" name="TextBox 34">
+            <a:extLst>
+              <a:ext uri="{FF2B5EF4-FFF2-40B4-BE49-F238E27FC236}">
+                <a16:creationId xmlns:a16="http://schemas.microsoft.com/office/drawing/2014/main" id="{203B9F0C-EC95-7ACA-4D99-3C355B02896B}"/>
               </a:ext>
             </a:extLst>
           </p:cNvPr>
@@ -14227,7 +13432,7 @@
         </p:nvSpPr>
         <p:spPr>
           <a:xfrm>
-            <a:off x="10251458" y="3164994"/>
+            <a:off x="10297787" y="3026490"/>
             <a:ext cx="1355103" cy="369332"/>
           </a:xfrm>
           <a:prstGeom prst="rect">
@@ -14251,10 +13456,10 @@
       </p:sp>
       <p:cxnSp>
         <p:nvCxnSpPr>
-          <p:cNvPr id="19" name="Straight Arrow Connector 18">
-            <a:extLst>
-              <a:ext uri="{FF2B5EF4-FFF2-40B4-BE49-F238E27FC236}">
-                <a16:creationId xmlns:a16="http://schemas.microsoft.com/office/drawing/2014/main" id="{EF07D2EB-99DC-B4EF-AE05-6D30093737F5}"/>
+          <p:cNvPr id="36" name="Straight Arrow Connector 35">
+            <a:extLst>
+              <a:ext uri="{FF2B5EF4-FFF2-40B4-BE49-F238E27FC236}">
+                <a16:creationId xmlns:a16="http://schemas.microsoft.com/office/drawing/2014/main" id="{1ECFFC68-637D-4542-962C-55C5E32BBD0A}"/>
               </a:ext>
             </a:extLst>
           </p:cNvPr>
@@ -14263,8 +13468,84 @@
         </p:nvCxnSpPr>
         <p:spPr>
           <a:xfrm flipV="1">
-            <a:off x="9742918" y="3364558"/>
+            <a:off x="9658992" y="3257321"/>
             <a:ext cx="508540" cy="1"/>
+          </a:xfrm>
+          <a:prstGeom prst="straightConnector1">
+            <a:avLst/>
+          </a:prstGeom>
+          <a:ln>
+            <a:tailEnd type="triangle"/>
+          </a:ln>
+        </p:spPr>
+        <p:style>
+          <a:lnRef idx="1">
+            <a:schemeClr val="accent1"/>
+          </a:lnRef>
+          <a:fillRef idx="0">
+            <a:schemeClr val="accent1"/>
+          </a:fillRef>
+          <a:effectRef idx="0">
+            <a:schemeClr val="accent1"/>
+          </a:effectRef>
+          <a:fontRef idx="minor">
+            <a:schemeClr val="tx1"/>
+          </a:fontRef>
+        </p:style>
+      </p:cxnSp>
+      <p:sp>
+        <p:nvSpPr>
+          <p:cNvPr id="37" name="TextBox 36">
+            <a:extLst>
+              <a:ext uri="{FF2B5EF4-FFF2-40B4-BE49-F238E27FC236}">
+                <a16:creationId xmlns:a16="http://schemas.microsoft.com/office/drawing/2014/main" id="{28236D96-ED4C-B796-3477-651071014F74}"/>
+              </a:ext>
+            </a:extLst>
+          </p:cNvPr>
+          <p:cNvSpPr txBox="1"/>
+          <p:nvPr/>
+        </p:nvSpPr>
+        <p:spPr>
+          <a:xfrm>
+            <a:off x="10042491" y="683089"/>
+            <a:ext cx="874598" cy="369332"/>
+          </a:xfrm>
+          <a:prstGeom prst="rect">
+            <a:avLst/>
+          </a:prstGeom>
+          <a:noFill/>
+        </p:spPr>
+        <p:txBody>
+          <a:bodyPr wrap="none" rtlCol="0">
+            <a:spAutoFit/>
+          </a:bodyPr>
+          <a:lstStyle/>
+          <a:p>
+            <a:r>
+              <a:rPr lang="en-US" dirty="0"/>
+              <a:t>List(12)</a:t>
+            </a:r>
+          </a:p>
+        </p:txBody>
+      </p:sp>
+      <p:cxnSp>
+        <p:nvCxnSpPr>
+          <p:cNvPr id="39" name="Straight Arrow Connector 38">
+            <a:extLst>
+              <a:ext uri="{FF2B5EF4-FFF2-40B4-BE49-F238E27FC236}">
+                <a16:creationId xmlns:a16="http://schemas.microsoft.com/office/drawing/2014/main" id="{79BF8896-98BB-E67A-3956-D2160CA5AB10}"/>
+              </a:ext>
+            </a:extLst>
+          </p:cNvPr>
+          <p:cNvCxnSpPr>
+            <a:endCxn id="37" idx="3"/>
+          </p:cNvCxnSpPr>
+          <p:nvPr/>
+        </p:nvCxnSpPr>
+        <p:spPr>
+          <a:xfrm flipH="1">
+            <a:off x="10917089" y="867755"/>
+            <a:ext cx="178259" cy="0"/>
           </a:xfrm>
           <a:prstGeom prst="straightConnector1">
             <a:avLst/>
@@ -14290,10 +13571,10 @@
       </p:cxnSp>
       <p:cxnSp>
         <p:nvCxnSpPr>
-          <p:cNvPr id="20" name="Straight Arrow Connector 19">
-            <a:extLst>
-              <a:ext uri="{FF2B5EF4-FFF2-40B4-BE49-F238E27FC236}">
-                <a16:creationId xmlns:a16="http://schemas.microsoft.com/office/drawing/2014/main" id="{B99CDCA3-BF9D-EBE2-73A0-E173EDF65005}"/>
+          <p:cNvPr id="40" name="Straight Arrow Connector 39">
+            <a:extLst>
+              <a:ext uri="{FF2B5EF4-FFF2-40B4-BE49-F238E27FC236}">
+                <a16:creationId xmlns:a16="http://schemas.microsoft.com/office/drawing/2014/main" id="{5BC27A05-3844-C875-37FD-54A22BFBDD1A}"/>
               </a:ext>
             </a:extLst>
           </p:cNvPr>
@@ -14304,6 +13585,472 @@
           <a:xfrm flipH="1">
             <a:off x="8293429" y="3257321"/>
             <a:ext cx="178259" cy="0"/>
+          </a:xfrm>
+          <a:prstGeom prst="straightConnector1">
+            <a:avLst/>
+          </a:prstGeom>
+          <a:ln>
+            <a:tailEnd type="triangle"/>
+          </a:ln>
+        </p:spPr>
+        <p:style>
+          <a:lnRef idx="1">
+            <a:schemeClr val="accent1"/>
+          </a:lnRef>
+          <a:fillRef idx="0">
+            <a:schemeClr val="accent1"/>
+          </a:fillRef>
+          <a:effectRef idx="0">
+            <a:schemeClr val="accent1"/>
+          </a:effectRef>
+          <a:fontRef idx="minor">
+            <a:schemeClr val="tx1"/>
+          </a:fontRef>
+        </p:style>
+      </p:cxnSp>
+      <p:sp>
+        <p:nvSpPr>
+          <p:cNvPr id="44" name="Rectangle 43">
+            <a:extLst>
+              <a:ext uri="{FF2B5EF4-FFF2-40B4-BE49-F238E27FC236}">
+                <a16:creationId xmlns:a16="http://schemas.microsoft.com/office/drawing/2014/main" id="{B7AD2ED2-71DE-4F86-E4C0-E9F527458BBF}"/>
+              </a:ext>
+            </a:extLst>
+          </p:cNvPr>
+          <p:cNvSpPr/>
+          <p:nvPr/>
+        </p:nvSpPr>
+        <p:spPr>
+          <a:xfrm>
+            <a:off x="1587500" y="1372443"/>
+            <a:ext cx="5135127" cy="5485557"/>
+          </a:xfrm>
+          <a:prstGeom prst="rect">
+            <a:avLst/>
+          </a:prstGeom>
+          <a:noFill/>
+        </p:spPr>
+        <p:style>
+          <a:lnRef idx="2">
+            <a:schemeClr val="accent1">
+              <a:shade val="15000"/>
+            </a:schemeClr>
+          </a:lnRef>
+          <a:fillRef idx="1">
+            <a:schemeClr val="accent1"/>
+          </a:fillRef>
+          <a:effectRef idx="0">
+            <a:schemeClr val="accent1"/>
+          </a:effectRef>
+          <a:fontRef idx="minor">
+            <a:schemeClr val="lt1"/>
+          </a:fontRef>
+        </p:style>
+        <p:txBody>
+          <a:bodyPr rtlCol="0" anchor="ctr"/>
+          <a:lstStyle/>
+          <a:p>
+            <a:pPr algn="ctr"/>
+            <a:endParaRPr lang="en-US"/>
+          </a:p>
+        </p:txBody>
+      </p:sp>
+      <p:sp>
+        <p:nvSpPr>
+          <p:cNvPr id="43" name="TextBox 42">
+            <a:extLst>
+              <a:ext uri="{FF2B5EF4-FFF2-40B4-BE49-F238E27FC236}">
+                <a16:creationId xmlns:a16="http://schemas.microsoft.com/office/drawing/2014/main" id="{F33E6C60-AA17-EB5C-1A99-4808F5B695C8}"/>
+              </a:ext>
+            </a:extLst>
+          </p:cNvPr>
+          <p:cNvSpPr txBox="1"/>
+          <p:nvPr/>
+        </p:nvSpPr>
+        <p:spPr>
+          <a:xfrm>
+            <a:off x="3558340" y="1223797"/>
+            <a:ext cx="1127959" cy="307777"/>
+          </a:xfrm>
+          <a:prstGeom prst="rect">
+            <a:avLst/>
+          </a:prstGeom>
+          <a:solidFill>
+            <a:schemeClr val="bg1"/>
+          </a:solidFill>
+        </p:spPr>
+        <p:txBody>
+          <a:bodyPr wrap="square">
+            <a:spAutoFit/>
+          </a:bodyPr>
+          <a:lstStyle/>
+          <a:p>
+            <a:pPr algn="ctr"/>
+            <a:r>
+              <a:rPr lang="en-US" sz="1400" b="1" dirty="0" err="1"/>
+              <a:t>mainPanel</a:t>
+            </a:r>
+            <a:endParaRPr lang="en-US" sz="1400" b="1" dirty="0"/>
+          </a:p>
+        </p:txBody>
+      </p:sp>
+      <p:sp>
+        <p:nvSpPr>
+          <p:cNvPr id="46" name="Rectangle 45">
+            <a:extLst>
+              <a:ext uri="{FF2B5EF4-FFF2-40B4-BE49-F238E27FC236}">
+                <a16:creationId xmlns:a16="http://schemas.microsoft.com/office/drawing/2014/main" id="{810A9917-5895-E22D-42A8-C806AC0960E7}"/>
+              </a:ext>
+            </a:extLst>
+          </p:cNvPr>
+          <p:cNvSpPr/>
+          <p:nvPr/>
+        </p:nvSpPr>
+        <p:spPr>
+          <a:xfrm>
+            <a:off x="6725782" y="1395622"/>
+            <a:ext cx="2642561" cy="5485557"/>
+          </a:xfrm>
+          <a:prstGeom prst="rect">
+            <a:avLst/>
+          </a:prstGeom>
+          <a:noFill/>
+        </p:spPr>
+        <p:style>
+          <a:lnRef idx="2">
+            <a:schemeClr val="accent1">
+              <a:shade val="15000"/>
+            </a:schemeClr>
+          </a:lnRef>
+          <a:fillRef idx="1">
+            <a:schemeClr val="accent1"/>
+          </a:fillRef>
+          <a:effectRef idx="0">
+            <a:schemeClr val="accent1"/>
+          </a:effectRef>
+          <a:fontRef idx="minor">
+            <a:schemeClr val="lt1"/>
+          </a:fontRef>
+        </p:style>
+        <p:txBody>
+          <a:bodyPr rtlCol="0" anchor="ctr"/>
+          <a:lstStyle/>
+          <a:p>
+            <a:pPr algn="ctr"/>
+            <a:endParaRPr lang="en-US"/>
+          </a:p>
+        </p:txBody>
+      </p:sp>
+      <p:sp>
+        <p:nvSpPr>
+          <p:cNvPr id="45" name="TextBox 44">
+            <a:extLst>
+              <a:ext uri="{FF2B5EF4-FFF2-40B4-BE49-F238E27FC236}">
+                <a16:creationId xmlns:a16="http://schemas.microsoft.com/office/drawing/2014/main" id="{A7DC41DA-62C7-C598-5060-044F9B0AB895}"/>
+              </a:ext>
+            </a:extLst>
+          </p:cNvPr>
+          <p:cNvSpPr txBox="1"/>
+          <p:nvPr/>
+        </p:nvSpPr>
+        <p:spPr>
+          <a:xfrm>
+            <a:off x="7459878" y="1266500"/>
+            <a:ext cx="1127959" cy="307777"/>
+          </a:xfrm>
+          <a:prstGeom prst="rect">
+            <a:avLst/>
+          </a:prstGeom>
+          <a:solidFill>
+            <a:schemeClr val="bg1"/>
+          </a:solidFill>
+        </p:spPr>
+        <p:txBody>
+          <a:bodyPr wrap="square">
+            <a:spAutoFit/>
+          </a:bodyPr>
+          <a:lstStyle/>
+          <a:p>
+            <a:pPr algn="ctr"/>
+            <a:r>
+              <a:rPr lang="en-US" sz="1400" b="1" dirty="0"/>
+              <a:t>sidebar</a:t>
+            </a:r>
+          </a:p>
+        </p:txBody>
+      </p:sp>
+      <p:sp>
+        <p:nvSpPr>
+          <p:cNvPr id="47" name="TextBox 46">
+            <a:extLst>
+              <a:ext uri="{FF2B5EF4-FFF2-40B4-BE49-F238E27FC236}">
+                <a16:creationId xmlns:a16="http://schemas.microsoft.com/office/drawing/2014/main" id="{7690E482-EE93-9FE9-3188-C88718B8CE4A}"/>
+              </a:ext>
+            </a:extLst>
+          </p:cNvPr>
+          <p:cNvSpPr txBox="1"/>
+          <p:nvPr/>
+        </p:nvSpPr>
+        <p:spPr>
+          <a:xfrm>
+            <a:off x="8042951" y="3824759"/>
+            <a:ext cx="1178609" cy="646331"/>
+          </a:xfrm>
+          <a:prstGeom prst="rect">
+            <a:avLst/>
+          </a:prstGeom>
+          <a:noFill/>
+        </p:spPr>
+        <p:txBody>
+          <a:bodyPr wrap="square" rtlCol="0">
+            <a:spAutoFit/>
+          </a:bodyPr>
+          <a:lstStyle/>
+          <a:p>
+            <a:pPr algn="ctr"/>
+            <a:r>
+              <a:rPr lang="he-IL" dirty="0"/>
+              <a:t>רשימת תרחישים</a:t>
+            </a:r>
+            <a:endParaRPr lang="en-US" dirty="0"/>
+          </a:p>
+        </p:txBody>
+      </p:sp>
+      <p:sp>
+        <p:nvSpPr>
+          <p:cNvPr id="48" name="TextBox 47">
+            <a:extLst>
+              <a:ext uri="{FF2B5EF4-FFF2-40B4-BE49-F238E27FC236}">
+                <a16:creationId xmlns:a16="http://schemas.microsoft.com/office/drawing/2014/main" id="{D26B882A-7E19-A119-4B50-CB86277EDAEA}"/>
+              </a:ext>
+            </a:extLst>
+          </p:cNvPr>
+          <p:cNvSpPr txBox="1"/>
+          <p:nvPr/>
+        </p:nvSpPr>
+        <p:spPr>
+          <a:xfrm>
+            <a:off x="6825655" y="3824759"/>
+            <a:ext cx="1178609" cy="369332"/>
+          </a:xfrm>
+          <a:prstGeom prst="rect">
+            <a:avLst/>
+          </a:prstGeom>
+          <a:noFill/>
+        </p:spPr>
+        <p:txBody>
+          <a:bodyPr wrap="square" rtlCol="0">
+            <a:spAutoFit/>
+          </a:bodyPr>
+          <a:lstStyle/>
+          <a:p>
+            <a:pPr algn="ctr"/>
+            <a:r>
+              <a:rPr lang="he-IL" dirty="0"/>
+              <a:t>שנים</a:t>
+            </a:r>
+            <a:endParaRPr lang="en-US" dirty="0"/>
+          </a:p>
+        </p:txBody>
+      </p:sp>
+      <p:sp>
+        <p:nvSpPr>
+          <p:cNvPr id="49" name="TextBox 48">
+            <a:extLst>
+              <a:ext uri="{FF2B5EF4-FFF2-40B4-BE49-F238E27FC236}">
+                <a16:creationId xmlns:a16="http://schemas.microsoft.com/office/drawing/2014/main" id="{124D437B-669E-C7B1-0768-58A24641FB7A}"/>
+              </a:ext>
+            </a:extLst>
+          </p:cNvPr>
+          <p:cNvSpPr txBox="1"/>
+          <p:nvPr/>
+        </p:nvSpPr>
+        <p:spPr>
+          <a:xfrm>
+            <a:off x="8131156" y="4531769"/>
+            <a:ext cx="1018227" cy="461665"/>
+          </a:xfrm>
+          <a:prstGeom prst="rect">
+            <a:avLst/>
+          </a:prstGeom>
+          <a:solidFill>
+            <a:schemeClr val="accent4">
+              <a:lumMod val="20000"/>
+              <a:lumOff val="80000"/>
+            </a:schemeClr>
+          </a:solidFill>
+        </p:spPr>
+        <p:txBody>
+          <a:bodyPr wrap="none" rtlCol="0">
+            <a:spAutoFit/>
+          </a:bodyPr>
+          <a:lstStyle/>
+          <a:p>
+            <a:r>
+              <a:rPr lang="he-IL" sz="1200" b="1" dirty="0"/>
+              <a:t>המשך מגמות</a:t>
+            </a:r>
+          </a:p>
+          <a:p>
+            <a:r>
+              <a:rPr lang="he-IL" sz="1200" dirty="0" err="1"/>
+              <a:t>אטרטגיה</a:t>
+            </a:r>
+            <a:r>
+              <a:rPr lang="he-IL" sz="1200" dirty="0"/>
+              <a:t> דיור</a:t>
+            </a:r>
+            <a:endParaRPr lang="en-US" sz="1200" dirty="0"/>
+          </a:p>
+        </p:txBody>
+      </p:sp>
+      <p:sp>
+        <p:nvSpPr>
+          <p:cNvPr id="50" name="TextBox 49">
+            <a:extLst>
+              <a:ext uri="{FF2B5EF4-FFF2-40B4-BE49-F238E27FC236}">
+                <a16:creationId xmlns:a16="http://schemas.microsoft.com/office/drawing/2014/main" id="{9DF6B048-380A-2F72-6EBE-A91D1D72CD22}"/>
+              </a:ext>
+            </a:extLst>
+          </p:cNvPr>
+          <p:cNvSpPr txBox="1"/>
+          <p:nvPr/>
+        </p:nvSpPr>
+        <p:spPr>
+          <a:xfrm>
+            <a:off x="7122115" y="4448508"/>
+            <a:ext cx="524503" cy="646331"/>
+          </a:xfrm>
+          <a:prstGeom prst="rect">
+            <a:avLst/>
+          </a:prstGeom>
+          <a:solidFill>
+            <a:schemeClr val="accent4">
+              <a:lumMod val="20000"/>
+              <a:lumOff val="80000"/>
+            </a:schemeClr>
+          </a:solidFill>
+        </p:spPr>
+        <p:txBody>
+          <a:bodyPr wrap="none" rtlCol="0">
+            <a:spAutoFit/>
+          </a:bodyPr>
+          <a:lstStyle/>
+          <a:p>
+            <a:r>
+              <a:rPr lang="he-IL" sz="1200" dirty="0"/>
+              <a:t>2020</a:t>
+            </a:r>
+          </a:p>
+          <a:p>
+            <a:r>
+              <a:rPr lang="he-IL" sz="1200" b="1" dirty="0"/>
+              <a:t>2030</a:t>
+            </a:r>
+          </a:p>
+          <a:p>
+            <a:r>
+              <a:rPr lang="he-IL" sz="1200" dirty="0"/>
+              <a:t>2040</a:t>
+            </a:r>
+            <a:endParaRPr lang="en-US" sz="1200" dirty="0"/>
+          </a:p>
+        </p:txBody>
+      </p:sp>
+      <p:sp>
+        <p:nvSpPr>
+          <p:cNvPr id="51" name="TextBox 50">
+            <a:extLst>
+              <a:ext uri="{FF2B5EF4-FFF2-40B4-BE49-F238E27FC236}">
+                <a16:creationId xmlns:a16="http://schemas.microsoft.com/office/drawing/2014/main" id="{444D208C-AB2B-701E-E4B7-30261E432BB2}"/>
+              </a:ext>
+            </a:extLst>
+          </p:cNvPr>
+          <p:cNvSpPr txBox="1"/>
+          <p:nvPr/>
+        </p:nvSpPr>
+        <p:spPr>
+          <a:xfrm>
+            <a:off x="7076133" y="5156713"/>
+            <a:ext cx="2085642" cy="369332"/>
+          </a:xfrm>
+          <a:prstGeom prst="rect">
+            <a:avLst/>
+          </a:prstGeom>
+          <a:noFill/>
+        </p:spPr>
+        <p:txBody>
+          <a:bodyPr wrap="square" rtlCol="0">
+            <a:spAutoFit/>
+          </a:bodyPr>
+          <a:lstStyle/>
+          <a:p>
+            <a:pPr algn="ctr"/>
+            <a:r>
+              <a:rPr lang="he-IL" dirty="0"/>
+              <a:t>רשימת משתנים</a:t>
+            </a:r>
+            <a:endParaRPr lang="en-US" dirty="0"/>
+          </a:p>
+        </p:txBody>
+      </p:sp>
+      <p:sp>
+        <p:nvSpPr>
+          <p:cNvPr id="52" name="TextBox 51">
+            <a:extLst>
+              <a:ext uri="{FF2B5EF4-FFF2-40B4-BE49-F238E27FC236}">
+                <a16:creationId xmlns:a16="http://schemas.microsoft.com/office/drawing/2014/main" id="{4EE99801-D2A3-53A2-7145-83CA3A445804}"/>
+              </a:ext>
+            </a:extLst>
+          </p:cNvPr>
+          <p:cNvSpPr txBox="1"/>
+          <p:nvPr/>
+        </p:nvSpPr>
+        <p:spPr>
+          <a:xfrm>
+            <a:off x="7707220" y="5480668"/>
+            <a:ext cx="782587" cy="276999"/>
+          </a:xfrm>
+          <a:prstGeom prst="rect">
+            <a:avLst/>
+          </a:prstGeom>
+          <a:solidFill>
+            <a:schemeClr val="accent4">
+              <a:lumMod val="20000"/>
+              <a:lumOff val="80000"/>
+            </a:schemeClr>
+          </a:solidFill>
+        </p:spPr>
+        <p:txBody>
+          <a:bodyPr wrap="none" rtlCol="0">
+            <a:spAutoFit/>
+          </a:bodyPr>
+          <a:lstStyle/>
+          <a:p>
+            <a:r>
+              <a:rPr lang="he-IL" sz="1200" b="1" dirty="0"/>
+              <a:t>אוכלוסייה</a:t>
+            </a:r>
+            <a:endParaRPr lang="en-US" sz="1200" dirty="0"/>
+          </a:p>
+        </p:txBody>
+      </p:sp>
+      <p:cxnSp>
+        <p:nvCxnSpPr>
+          <p:cNvPr id="56" name="Straight Arrow Connector 55">
+            <a:extLst>
+              <a:ext uri="{FF2B5EF4-FFF2-40B4-BE49-F238E27FC236}">
+                <a16:creationId xmlns:a16="http://schemas.microsoft.com/office/drawing/2014/main" id="{71DEF7A1-9676-DA28-B205-9C06D48A2090}"/>
+              </a:ext>
+            </a:extLst>
+          </p:cNvPr>
+          <p:cNvCxnSpPr/>
+          <p:nvPr/>
+        </p:nvCxnSpPr>
+        <p:spPr>
+          <a:xfrm>
+            <a:off x="820878" y="4448508"/>
+            <a:ext cx="3301441" cy="0"/>
           </a:xfrm>
           <a:prstGeom prst="straightConnector1">
             <a:avLst/>
@@ -14329,10 +14076,10 @@
       </p:cxnSp>
       <p:cxnSp>
         <p:nvCxnSpPr>
-          <p:cNvPr id="21" name="Straight Connector 20">
-            <a:extLst>
-              <a:ext uri="{FF2B5EF4-FFF2-40B4-BE49-F238E27FC236}">
-                <a16:creationId xmlns:a16="http://schemas.microsoft.com/office/drawing/2014/main" id="{658A4432-51DA-C6B0-053A-3AB2CD3BB882}"/>
+          <p:cNvPr id="4" name="Straight Connector 3">
+            <a:extLst>
+              <a:ext uri="{FF2B5EF4-FFF2-40B4-BE49-F238E27FC236}">
+                <a16:creationId xmlns:a16="http://schemas.microsoft.com/office/drawing/2014/main" id="{B3C81381-074E-5130-57EE-24EDF8BBA7AC}"/>
               </a:ext>
             </a:extLst>
           </p:cNvPr>
@@ -14366,7 +14113,7 @@
     </p:spTree>
     <p:extLst>
       <p:ext uri="{BB962C8B-B14F-4D97-AF65-F5344CB8AC3E}">
-        <p14:creationId xmlns:p14="http://schemas.microsoft.com/office/powerpoint/2010/main" val="2037642269"/>
+        <p14:creationId xmlns:p14="http://schemas.microsoft.com/office/powerpoint/2010/main" val="3254842822"/>
       </p:ext>
     </p:extLst>
   </p:cSld>
@@ -14395,10 +14142,10 @@
       </p:grpSpPr>
       <p:pic>
         <p:nvPicPr>
-          <p:cNvPr id="5" name="Picture 4">
-            <a:extLst>
-              <a:ext uri="{FF2B5EF4-FFF2-40B4-BE49-F238E27FC236}">
-                <a16:creationId xmlns:a16="http://schemas.microsoft.com/office/drawing/2014/main" id="{E065112F-810E-B8B9-59B2-C1200806FFCB}"/>
+          <p:cNvPr id="3" name="Picture 2">
+            <a:extLst>
+              <a:ext uri="{FF2B5EF4-FFF2-40B4-BE49-F238E27FC236}">
+                <a16:creationId xmlns:a16="http://schemas.microsoft.com/office/drawing/2014/main" id="{70ED6760-A76F-4D59-165F-552720F6CD92}"/>
               </a:ext>
             </a:extLst>
           </p:cNvPr>
@@ -14415,8 +14162,8 @@
         </p:blipFill>
         <p:spPr>
           <a:xfrm>
-            <a:off x="398517" y="0"/>
-            <a:ext cx="8423166" cy="6858000"/>
+            <a:off x="2582617" y="0"/>
+            <a:ext cx="7026765" cy="6858000"/>
           </a:xfrm>
           <a:prstGeom prst="rect">
             <a:avLst/>
@@ -14425,10 +14172,10 @@
       </p:pic>
       <p:sp>
         <p:nvSpPr>
-          <p:cNvPr id="3" name="TextBox 2">
-            <a:extLst>
-              <a:ext uri="{FF2B5EF4-FFF2-40B4-BE49-F238E27FC236}">
-                <a16:creationId xmlns:a16="http://schemas.microsoft.com/office/drawing/2014/main" id="{3C7F42A4-8E11-AA76-AF0F-2BBB44C51558}"/>
+          <p:cNvPr id="4" name="TextBox 3">
+            <a:extLst>
+              <a:ext uri="{FF2B5EF4-FFF2-40B4-BE49-F238E27FC236}">
+                <a16:creationId xmlns:a16="http://schemas.microsoft.com/office/drawing/2014/main" id="{4A1C8CAD-3E5B-7FE3-3730-0B924357C33C}"/>
               </a:ext>
             </a:extLst>
           </p:cNvPr>
@@ -14437,8 +14184,381 @@
         </p:nvSpPr>
         <p:spPr>
           <a:xfrm>
-            <a:off x="6267450" y="5273159"/>
-            <a:ext cx="6096000" cy="369332"/>
+            <a:off x="7710478" y="4530483"/>
+            <a:ext cx="1586773" cy="307777"/>
+          </a:xfrm>
+          <a:prstGeom prst="rect">
+            <a:avLst/>
+          </a:prstGeom>
+          <a:noFill/>
+        </p:spPr>
+        <p:txBody>
+          <a:bodyPr wrap="square" rtlCol="0">
+            <a:spAutoFit/>
+          </a:bodyPr>
+          <a:lstStyle/>
+          <a:p>
+            <a:pPr algn="ctr"/>
+            <a:r>
+              <a:rPr lang="he-IL" sz="1400" b="1" dirty="0"/>
+              <a:t>בחר משתנה/ים</a:t>
+            </a:r>
+            <a:endParaRPr lang="en-US" sz="1400" b="1" dirty="0"/>
+          </a:p>
+        </p:txBody>
+      </p:sp>
+      <p:sp>
+        <p:nvSpPr>
+          <p:cNvPr id="5" name="TextBox 4">
+            <a:extLst>
+              <a:ext uri="{FF2B5EF4-FFF2-40B4-BE49-F238E27FC236}">
+                <a16:creationId xmlns:a16="http://schemas.microsoft.com/office/drawing/2014/main" id="{07E9D7C6-4FDF-C9CB-74AA-5A0B2C91DD4E}"/>
+              </a:ext>
+            </a:extLst>
+          </p:cNvPr>
+          <p:cNvSpPr txBox="1"/>
+          <p:nvPr/>
+        </p:nvSpPr>
+        <p:spPr>
+          <a:xfrm>
+            <a:off x="8110149" y="4915059"/>
+            <a:ext cx="782587" cy="276999"/>
+          </a:xfrm>
+          <a:prstGeom prst="rect">
+            <a:avLst/>
+          </a:prstGeom>
+          <a:solidFill>
+            <a:schemeClr val="accent4">
+              <a:lumMod val="20000"/>
+              <a:lumOff val="80000"/>
+            </a:schemeClr>
+          </a:solidFill>
+        </p:spPr>
+        <p:txBody>
+          <a:bodyPr wrap="none" rtlCol="0">
+            <a:spAutoFit/>
+          </a:bodyPr>
+          <a:lstStyle/>
+          <a:p>
+            <a:r>
+              <a:rPr lang="he-IL" sz="1200" b="1" dirty="0"/>
+              <a:t>אוכלוסייה</a:t>
+            </a:r>
+            <a:endParaRPr lang="en-US" sz="1200" dirty="0"/>
+          </a:p>
+        </p:txBody>
+      </p:sp>
+      <p:sp>
+        <p:nvSpPr>
+          <p:cNvPr id="6" name="TextBox 5">
+            <a:extLst>
+              <a:ext uri="{FF2B5EF4-FFF2-40B4-BE49-F238E27FC236}">
+                <a16:creationId xmlns:a16="http://schemas.microsoft.com/office/drawing/2014/main" id="{0D46FF72-AD74-00AE-6254-B9C368539940}"/>
+              </a:ext>
+            </a:extLst>
+          </p:cNvPr>
+          <p:cNvSpPr txBox="1"/>
+          <p:nvPr/>
+        </p:nvSpPr>
+        <p:spPr>
+          <a:xfrm>
+            <a:off x="7705634" y="5352183"/>
+            <a:ext cx="1591617" cy="307777"/>
+          </a:xfrm>
+          <a:prstGeom prst="rect">
+            <a:avLst/>
+          </a:prstGeom>
+          <a:noFill/>
+        </p:spPr>
+        <p:txBody>
+          <a:bodyPr wrap="square" rtlCol="0">
+            <a:spAutoFit/>
+          </a:bodyPr>
+          <a:lstStyle/>
+          <a:p>
+            <a:r>
+              <a:rPr lang="he-IL" sz="1400" b="1" dirty="0"/>
+              <a:t>בחר סוג עיבוד</a:t>
+            </a:r>
+            <a:endParaRPr lang="en-US" sz="1400" b="1" dirty="0"/>
+          </a:p>
+        </p:txBody>
+      </p:sp>
+      <p:sp>
+        <p:nvSpPr>
+          <p:cNvPr id="7" name="TextBox 6">
+            <a:extLst>
+              <a:ext uri="{FF2B5EF4-FFF2-40B4-BE49-F238E27FC236}">
+                <a16:creationId xmlns:a16="http://schemas.microsoft.com/office/drawing/2014/main" id="{250BEE6E-4456-99CE-7B7F-0C1EC983DDC1}"/>
+              </a:ext>
+            </a:extLst>
+          </p:cNvPr>
+          <p:cNvSpPr txBox="1"/>
+          <p:nvPr/>
+        </p:nvSpPr>
+        <p:spPr>
+          <a:xfrm>
+            <a:off x="8186292" y="5736759"/>
+            <a:ext cx="630301" cy="461665"/>
+          </a:xfrm>
+          <a:prstGeom prst="rect">
+            <a:avLst/>
+          </a:prstGeom>
+          <a:solidFill>
+            <a:schemeClr val="accent4">
+              <a:lumMod val="20000"/>
+              <a:lumOff val="80000"/>
+            </a:schemeClr>
+          </a:solidFill>
+        </p:spPr>
+        <p:txBody>
+          <a:bodyPr wrap="none" rtlCol="0">
+            <a:spAutoFit/>
+          </a:bodyPr>
+          <a:lstStyle/>
+          <a:p>
+            <a:r>
+              <a:rPr lang="he-IL" sz="1200" b="1" dirty="0"/>
+              <a:t>ערכים</a:t>
+            </a:r>
+          </a:p>
+          <a:p>
+            <a:r>
+              <a:rPr lang="he-IL" sz="1200" b="1" dirty="0"/>
+              <a:t>צפיפות</a:t>
+            </a:r>
+          </a:p>
+        </p:txBody>
+      </p:sp>
+      <p:sp>
+        <p:nvSpPr>
+          <p:cNvPr id="8" name="Rectangle: Rounded Corners 7">
+            <a:extLst>
+              <a:ext uri="{FF2B5EF4-FFF2-40B4-BE49-F238E27FC236}">
+                <a16:creationId xmlns:a16="http://schemas.microsoft.com/office/drawing/2014/main" id="{162091A9-9217-CF04-BDB1-8E007DEA8948}"/>
+              </a:ext>
+            </a:extLst>
+          </p:cNvPr>
+          <p:cNvSpPr/>
+          <p:nvPr/>
+        </p:nvSpPr>
+        <p:spPr>
+          <a:xfrm>
+            <a:off x="7481813" y="6275223"/>
+            <a:ext cx="2039259" cy="384866"/>
+          </a:xfrm>
+          <a:prstGeom prst="roundRect">
+            <a:avLst/>
+          </a:prstGeom>
+        </p:spPr>
+        <p:style>
+          <a:lnRef idx="2">
+            <a:schemeClr val="accent1">
+              <a:shade val="15000"/>
+            </a:schemeClr>
+          </a:lnRef>
+          <a:fillRef idx="1">
+            <a:schemeClr val="accent1"/>
+          </a:fillRef>
+          <a:effectRef idx="0">
+            <a:schemeClr val="accent1"/>
+          </a:effectRef>
+          <a:fontRef idx="minor">
+            <a:schemeClr val="lt1"/>
+          </a:fontRef>
+        </p:style>
+        <p:txBody>
+          <a:bodyPr rtlCol="0" anchor="ctr"/>
+          <a:lstStyle/>
+          <a:p>
+            <a:pPr algn="ctr"/>
+            <a:r>
+              <a:rPr lang="he-IL" dirty="0"/>
+              <a:t>בצע</a:t>
+            </a:r>
+            <a:endParaRPr lang="en-US" dirty="0"/>
+          </a:p>
+        </p:txBody>
+      </p:sp>
+      <p:cxnSp>
+        <p:nvCxnSpPr>
+          <p:cNvPr id="10" name="Straight Arrow Connector 9">
+            <a:extLst>
+              <a:ext uri="{FF2B5EF4-FFF2-40B4-BE49-F238E27FC236}">
+                <a16:creationId xmlns:a16="http://schemas.microsoft.com/office/drawing/2014/main" id="{DD86BC65-7942-627A-775B-1C4093395F54}"/>
+              </a:ext>
+            </a:extLst>
+          </p:cNvPr>
+          <p:cNvCxnSpPr/>
+          <p:nvPr/>
+        </p:nvCxnSpPr>
+        <p:spPr>
+          <a:xfrm>
+            <a:off x="2582617" y="1244338"/>
+            <a:ext cx="226571" cy="0"/>
+          </a:xfrm>
+          <a:prstGeom prst="straightConnector1">
+            <a:avLst/>
+          </a:prstGeom>
+          <a:ln>
+            <a:tailEnd type="triangle"/>
+          </a:ln>
+        </p:spPr>
+        <p:style>
+          <a:lnRef idx="1">
+            <a:schemeClr val="accent1"/>
+          </a:lnRef>
+          <a:fillRef idx="0">
+            <a:schemeClr val="accent1"/>
+          </a:fillRef>
+          <a:effectRef idx="0">
+            <a:schemeClr val="accent1"/>
+          </a:effectRef>
+          <a:fontRef idx="minor">
+            <a:schemeClr val="tx1"/>
+          </a:fontRef>
+        </p:style>
+      </p:cxnSp>
+      <p:sp>
+        <p:nvSpPr>
+          <p:cNvPr id="11" name="TextBox 10">
+            <a:extLst>
+              <a:ext uri="{FF2B5EF4-FFF2-40B4-BE49-F238E27FC236}">
+                <a16:creationId xmlns:a16="http://schemas.microsoft.com/office/drawing/2014/main" id="{1634D45D-E808-DC03-6345-59C5EFAD1D9D}"/>
+              </a:ext>
+            </a:extLst>
+          </p:cNvPr>
+          <p:cNvSpPr txBox="1"/>
+          <p:nvPr/>
+        </p:nvSpPr>
+        <p:spPr>
+          <a:xfrm>
+            <a:off x="5128181" y="865469"/>
+            <a:ext cx="1653017" cy="369332"/>
+          </a:xfrm>
+          <a:prstGeom prst="rect">
+            <a:avLst/>
+          </a:prstGeom>
+          <a:noFill/>
+        </p:spPr>
+        <p:txBody>
+          <a:bodyPr wrap="none" rtlCol="0">
+            <a:spAutoFit/>
+          </a:bodyPr>
+          <a:lstStyle/>
+          <a:p>
+            <a:r>
+              <a:rPr lang="he-IL" dirty="0">
+                <a:highlight>
+                  <a:srgbClr val="00FFFF"/>
+                </a:highlight>
+              </a:rPr>
+              <a:t>אפשרויות תצוגה</a:t>
+            </a:r>
+            <a:endParaRPr lang="en-US" dirty="0">
+              <a:highlight>
+                <a:srgbClr val="00FFFF"/>
+              </a:highlight>
+            </a:endParaRPr>
+          </a:p>
+        </p:txBody>
+      </p:sp>
+      <p:sp>
+        <p:nvSpPr>
+          <p:cNvPr id="12" name="TextBox 11">
+            <a:extLst>
+              <a:ext uri="{FF2B5EF4-FFF2-40B4-BE49-F238E27FC236}">
+                <a16:creationId xmlns:a16="http://schemas.microsoft.com/office/drawing/2014/main" id="{3CA610E4-7546-973B-2238-F00FB996EEC9}"/>
+              </a:ext>
+            </a:extLst>
+          </p:cNvPr>
+          <p:cNvSpPr txBox="1"/>
+          <p:nvPr/>
+        </p:nvSpPr>
+        <p:spPr>
+          <a:xfrm>
+            <a:off x="11228735" y="3835122"/>
+            <a:ext cx="848309" cy="261610"/>
+          </a:xfrm>
+          <a:prstGeom prst="rect">
+            <a:avLst/>
+          </a:prstGeom>
+          <a:solidFill>
+            <a:schemeClr val="accent1">
+              <a:lumMod val="20000"/>
+              <a:lumOff val="80000"/>
+            </a:schemeClr>
+          </a:solidFill>
+        </p:spPr>
+        <p:txBody>
+          <a:bodyPr wrap="none" rtlCol="0">
+            <a:spAutoFit/>
+          </a:bodyPr>
+          <a:lstStyle/>
+          <a:p>
+            <a:r>
+              <a:rPr lang="he-IL" sz="1050" b="1" dirty="0"/>
+              <a:t>בחר שנה/ים</a:t>
+            </a:r>
+            <a:endParaRPr lang="en-US" sz="1050" b="1" dirty="0"/>
+          </a:p>
+        </p:txBody>
+      </p:sp>
+      <p:cxnSp>
+        <p:nvCxnSpPr>
+          <p:cNvPr id="2" name="Straight Arrow Connector 1">
+            <a:extLst>
+              <a:ext uri="{FF2B5EF4-FFF2-40B4-BE49-F238E27FC236}">
+                <a16:creationId xmlns:a16="http://schemas.microsoft.com/office/drawing/2014/main" id="{C4D5C842-3CB8-00CC-D648-8E2519FDC478}"/>
+              </a:ext>
+            </a:extLst>
+          </p:cNvPr>
+          <p:cNvCxnSpPr/>
+          <p:nvPr/>
+        </p:nvCxnSpPr>
+        <p:spPr>
+          <a:xfrm flipH="1">
+            <a:off x="7675066" y="2837468"/>
+            <a:ext cx="348792" cy="150829"/>
+          </a:xfrm>
+          <a:prstGeom prst="straightConnector1">
+            <a:avLst/>
+          </a:prstGeom>
+          <a:ln>
+            <a:tailEnd type="triangle"/>
+          </a:ln>
+        </p:spPr>
+        <p:style>
+          <a:lnRef idx="1">
+            <a:schemeClr val="accent2"/>
+          </a:lnRef>
+          <a:fillRef idx="0">
+            <a:schemeClr val="accent2"/>
+          </a:fillRef>
+          <a:effectRef idx="0">
+            <a:schemeClr val="accent2"/>
+          </a:effectRef>
+          <a:fontRef idx="minor">
+            <a:schemeClr val="tx1"/>
+          </a:fontRef>
+        </p:style>
+      </p:cxnSp>
+      <p:sp>
+        <p:nvSpPr>
+          <p:cNvPr id="9" name="TextBox 8">
+            <a:extLst>
+              <a:ext uri="{FF2B5EF4-FFF2-40B4-BE49-F238E27FC236}">
+                <a16:creationId xmlns:a16="http://schemas.microsoft.com/office/drawing/2014/main" id="{F3CAD155-1C22-8E0A-790E-A74D87754246}"/>
+              </a:ext>
+            </a:extLst>
+          </p:cNvPr>
+          <p:cNvSpPr txBox="1"/>
+          <p:nvPr/>
+        </p:nvSpPr>
+        <p:spPr>
+          <a:xfrm>
+            <a:off x="6432351" y="2539872"/>
+            <a:ext cx="1242715" cy="276999"/>
           </a:xfrm>
           <a:prstGeom prst="rect">
             <a:avLst/>
@@ -14449,19 +14569,405 @@
           <a:bodyPr wrap="square">
             <a:spAutoFit/>
           </a:bodyPr>
-          <a:lstStyle/>
-          <a:p>
-            <a:r>
-              <a:rPr lang="en-US" dirty="0"/>
-              <a:t>https://ourworldindata.org/population-growth</a:t>
-            </a:r>
-          </a:p>
-        </p:txBody>
-      </p:sp>
+          <a:lstStyle>
+            <a:defPPr>
+              <a:defRPr lang="en-US"/>
+            </a:defPPr>
+            <a:lvl1pPr algn="ctr">
+              <a:defRPr sz="1200">
+                <a:highlight>
+                  <a:srgbClr val="FFFF00"/>
+                </a:highlight>
+              </a:defRPr>
+            </a:lvl1pPr>
+          </a:lstStyle>
+          <a:p>
+            <a:r>
+              <a:rPr lang="en-US" dirty="0" err="1">
+                <a:highlight>
+                  <a:srgbClr val="00FFFF"/>
+                </a:highlight>
+              </a:rPr>
+              <a:t>cfg$scnsources</a:t>
+            </a:r>
+            <a:endParaRPr lang="en-US" dirty="0">
+              <a:highlight>
+                <a:srgbClr val="00FFFF"/>
+              </a:highlight>
+            </a:endParaRPr>
+          </a:p>
+        </p:txBody>
+      </p:sp>
+      <p:sp>
+        <p:nvSpPr>
+          <p:cNvPr id="13" name="TextBox 12">
+            <a:extLst>
+              <a:ext uri="{FF2B5EF4-FFF2-40B4-BE49-F238E27FC236}">
+                <a16:creationId xmlns:a16="http://schemas.microsoft.com/office/drawing/2014/main" id="{B8E64EA5-8B60-B3DC-9091-30003D6F7523}"/>
+              </a:ext>
+            </a:extLst>
+          </p:cNvPr>
+          <p:cNvSpPr txBox="1"/>
+          <p:nvPr/>
+        </p:nvSpPr>
+        <p:spPr>
+          <a:xfrm>
+            <a:off x="8382559" y="2428006"/>
+            <a:ext cx="1242715" cy="276999"/>
+          </a:xfrm>
+          <a:prstGeom prst="rect">
+            <a:avLst/>
+          </a:prstGeom>
+          <a:noFill/>
+        </p:spPr>
+        <p:txBody>
+          <a:bodyPr wrap="square">
+            <a:spAutoFit/>
+          </a:bodyPr>
+          <a:lstStyle/>
+          <a:p>
+            <a:pPr algn="ctr"/>
+            <a:r>
+              <a:rPr lang="en-US" sz="1200" dirty="0" err="1">
+                <a:highlight>
+                  <a:srgbClr val="FFFF00"/>
+                </a:highlight>
+              </a:rPr>
+              <a:t>input$selectSrc</a:t>
+            </a:r>
+            <a:endParaRPr lang="en-US" sz="1200" dirty="0">
+              <a:highlight>
+                <a:srgbClr val="FFFF00"/>
+              </a:highlight>
+            </a:endParaRPr>
+          </a:p>
+        </p:txBody>
+      </p:sp>
+      <p:cxnSp>
+        <p:nvCxnSpPr>
+          <p:cNvPr id="14" name="Straight Arrow Connector 13">
+            <a:extLst>
+              <a:ext uri="{FF2B5EF4-FFF2-40B4-BE49-F238E27FC236}">
+                <a16:creationId xmlns:a16="http://schemas.microsoft.com/office/drawing/2014/main" id="{9193AC16-A016-D898-049F-6D4D5E724958}"/>
+              </a:ext>
+            </a:extLst>
+          </p:cNvPr>
+          <p:cNvCxnSpPr>
+            <a:stCxn id="13" idx="3"/>
+          </p:cNvCxnSpPr>
+          <p:nvPr/>
+        </p:nvCxnSpPr>
+        <p:spPr>
+          <a:xfrm flipV="1">
+            <a:off x="9625274" y="2566505"/>
+            <a:ext cx="508540" cy="1"/>
+          </a:xfrm>
+          <a:prstGeom prst="straightConnector1">
+            <a:avLst/>
+          </a:prstGeom>
+          <a:ln>
+            <a:tailEnd type="triangle"/>
+          </a:ln>
+        </p:spPr>
+        <p:style>
+          <a:lnRef idx="1">
+            <a:schemeClr val="accent1"/>
+          </a:lnRef>
+          <a:fillRef idx="0">
+            <a:schemeClr val="accent1"/>
+          </a:fillRef>
+          <a:effectRef idx="0">
+            <a:schemeClr val="accent1"/>
+          </a:effectRef>
+          <a:fontRef idx="minor">
+            <a:schemeClr val="tx1"/>
+          </a:fontRef>
+        </p:style>
+      </p:cxnSp>
+      <p:sp>
+        <p:nvSpPr>
+          <p:cNvPr id="15" name="TextBox 14">
+            <a:extLst>
+              <a:ext uri="{FF2B5EF4-FFF2-40B4-BE49-F238E27FC236}">
+                <a16:creationId xmlns:a16="http://schemas.microsoft.com/office/drawing/2014/main" id="{C4EFCDEF-E161-CE19-434D-7E22ADF20697}"/>
+              </a:ext>
+            </a:extLst>
+          </p:cNvPr>
+          <p:cNvSpPr txBox="1"/>
+          <p:nvPr/>
+        </p:nvSpPr>
+        <p:spPr>
+          <a:xfrm>
+            <a:off x="10149706" y="2381839"/>
+            <a:ext cx="1140404" cy="369332"/>
+          </a:xfrm>
+          <a:prstGeom prst="rect">
+            <a:avLst/>
+          </a:prstGeom>
+          <a:noFill/>
+        </p:spPr>
+        <p:txBody>
+          <a:bodyPr wrap="square">
+            <a:spAutoFit/>
+          </a:bodyPr>
+          <a:lstStyle/>
+          <a:p>
+            <a:r>
+              <a:rPr lang="en-US" dirty="0" err="1"/>
+              <a:t>currentsrc</a:t>
+            </a:r>
+            <a:endParaRPr lang="en-US" dirty="0"/>
+          </a:p>
+        </p:txBody>
+      </p:sp>
+      <p:sp>
+        <p:nvSpPr>
+          <p:cNvPr id="16" name="TextBox 15">
+            <a:extLst>
+              <a:ext uri="{FF2B5EF4-FFF2-40B4-BE49-F238E27FC236}">
+                <a16:creationId xmlns:a16="http://schemas.microsoft.com/office/drawing/2014/main" id="{6961A606-EEDD-78A5-6660-C72ED8BF4790}"/>
+              </a:ext>
+            </a:extLst>
+          </p:cNvPr>
+          <p:cNvSpPr txBox="1"/>
+          <p:nvPr/>
+        </p:nvSpPr>
+        <p:spPr>
+          <a:xfrm>
+            <a:off x="6318339" y="3251689"/>
+            <a:ext cx="1242715" cy="276999"/>
+          </a:xfrm>
+          <a:prstGeom prst="rect">
+            <a:avLst/>
+          </a:prstGeom>
+          <a:noFill/>
+        </p:spPr>
+        <p:txBody>
+          <a:bodyPr wrap="square">
+            <a:spAutoFit/>
+          </a:bodyPr>
+          <a:lstStyle>
+            <a:defPPr>
+              <a:defRPr lang="en-US"/>
+            </a:defPPr>
+            <a:lvl1pPr algn="ctr">
+              <a:defRPr sz="1200">
+                <a:highlight>
+                  <a:srgbClr val="00FFFF"/>
+                </a:highlight>
+              </a:defRPr>
+            </a:lvl1pPr>
+          </a:lstStyle>
+          <a:p>
+            <a:r>
+              <a:rPr lang="en-US" dirty="0" err="1"/>
+              <a:t>cfg$scnchoices</a:t>
+            </a:r>
+            <a:endParaRPr lang="en-US" dirty="0"/>
+          </a:p>
+        </p:txBody>
+      </p:sp>
+      <p:sp>
+        <p:nvSpPr>
+          <p:cNvPr id="17" name="TextBox 16">
+            <a:extLst>
+              <a:ext uri="{FF2B5EF4-FFF2-40B4-BE49-F238E27FC236}">
+                <a16:creationId xmlns:a16="http://schemas.microsoft.com/office/drawing/2014/main" id="{4C12E2C2-C6B0-8197-F3FC-4D2027A7C7D4}"/>
+              </a:ext>
+            </a:extLst>
+          </p:cNvPr>
+          <p:cNvSpPr txBox="1"/>
+          <p:nvPr/>
+        </p:nvSpPr>
+        <p:spPr>
+          <a:xfrm>
+            <a:off x="8478680" y="3252200"/>
+            <a:ext cx="1288000" cy="276999"/>
+          </a:xfrm>
+          <a:prstGeom prst="rect">
+            <a:avLst/>
+          </a:prstGeom>
+          <a:noFill/>
+        </p:spPr>
+        <p:txBody>
+          <a:bodyPr wrap="square">
+            <a:spAutoFit/>
+          </a:bodyPr>
+          <a:lstStyle>
+            <a:defPPr>
+              <a:defRPr lang="en-US"/>
+            </a:defPPr>
+            <a:lvl1pPr algn="ctr">
+              <a:defRPr sz="1200">
+                <a:highlight>
+                  <a:srgbClr val="FFFF00"/>
+                </a:highlight>
+              </a:defRPr>
+            </a:lvl1pPr>
+          </a:lstStyle>
+          <a:p>
+            <a:r>
+              <a:rPr lang="en-US" dirty="0" err="1"/>
+              <a:t>input$selectScn</a:t>
+            </a:r>
+            <a:endParaRPr lang="en-US" dirty="0"/>
+          </a:p>
+        </p:txBody>
+      </p:sp>
+      <p:sp>
+        <p:nvSpPr>
+          <p:cNvPr id="18" name="TextBox 17">
+            <a:extLst>
+              <a:ext uri="{FF2B5EF4-FFF2-40B4-BE49-F238E27FC236}">
+                <a16:creationId xmlns:a16="http://schemas.microsoft.com/office/drawing/2014/main" id="{CA5BE5F1-66D5-3FA4-9D35-304F8A943487}"/>
+              </a:ext>
+            </a:extLst>
+          </p:cNvPr>
+          <p:cNvSpPr txBox="1"/>
+          <p:nvPr/>
+        </p:nvSpPr>
+        <p:spPr>
+          <a:xfrm>
+            <a:off x="10251458" y="3164994"/>
+            <a:ext cx="1355103" cy="369332"/>
+          </a:xfrm>
+          <a:prstGeom prst="rect">
+            <a:avLst/>
+          </a:prstGeom>
+          <a:noFill/>
+        </p:spPr>
+        <p:txBody>
+          <a:bodyPr wrap="square">
+            <a:spAutoFit/>
+          </a:bodyPr>
+          <a:lstStyle/>
+          <a:p>
+            <a:r>
+              <a:rPr lang="en-US" dirty="0" err="1"/>
+              <a:t>currentscn</a:t>
+            </a:r>
+            <a:endParaRPr lang="en-US" dirty="0"/>
+          </a:p>
+        </p:txBody>
+      </p:sp>
+      <p:cxnSp>
+        <p:nvCxnSpPr>
+          <p:cNvPr id="19" name="Straight Arrow Connector 18">
+            <a:extLst>
+              <a:ext uri="{FF2B5EF4-FFF2-40B4-BE49-F238E27FC236}">
+                <a16:creationId xmlns:a16="http://schemas.microsoft.com/office/drawing/2014/main" id="{EF07D2EB-99DC-B4EF-AE05-6D30093737F5}"/>
+              </a:ext>
+            </a:extLst>
+          </p:cNvPr>
+          <p:cNvCxnSpPr/>
+          <p:nvPr/>
+        </p:nvCxnSpPr>
+        <p:spPr>
+          <a:xfrm flipV="1">
+            <a:off x="9742918" y="3364558"/>
+            <a:ext cx="508540" cy="1"/>
+          </a:xfrm>
+          <a:prstGeom prst="straightConnector1">
+            <a:avLst/>
+          </a:prstGeom>
+          <a:ln>
+            <a:tailEnd type="triangle"/>
+          </a:ln>
+        </p:spPr>
+        <p:style>
+          <a:lnRef idx="1">
+            <a:schemeClr val="accent1"/>
+          </a:lnRef>
+          <a:fillRef idx="0">
+            <a:schemeClr val="accent1"/>
+          </a:fillRef>
+          <a:effectRef idx="0">
+            <a:schemeClr val="accent1"/>
+          </a:effectRef>
+          <a:fontRef idx="minor">
+            <a:schemeClr val="tx1"/>
+          </a:fontRef>
+        </p:style>
+      </p:cxnSp>
+      <p:cxnSp>
+        <p:nvCxnSpPr>
+          <p:cNvPr id="20" name="Straight Arrow Connector 19">
+            <a:extLst>
+              <a:ext uri="{FF2B5EF4-FFF2-40B4-BE49-F238E27FC236}">
+                <a16:creationId xmlns:a16="http://schemas.microsoft.com/office/drawing/2014/main" id="{B99CDCA3-BF9D-EBE2-73A0-E173EDF65005}"/>
+              </a:ext>
+            </a:extLst>
+          </p:cNvPr>
+          <p:cNvCxnSpPr/>
+          <p:nvPr/>
+        </p:nvCxnSpPr>
+        <p:spPr>
+          <a:xfrm flipH="1">
+            <a:off x="8293429" y="3257321"/>
+            <a:ext cx="178259" cy="0"/>
+          </a:xfrm>
+          <a:prstGeom prst="straightConnector1">
+            <a:avLst/>
+          </a:prstGeom>
+          <a:ln>
+            <a:tailEnd type="triangle"/>
+          </a:ln>
+        </p:spPr>
+        <p:style>
+          <a:lnRef idx="1">
+            <a:schemeClr val="accent1"/>
+          </a:lnRef>
+          <a:fillRef idx="0">
+            <a:schemeClr val="accent1"/>
+          </a:fillRef>
+          <a:effectRef idx="0">
+            <a:schemeClr val="accent1"/>
+          </a:effectRef>
+          <a:fontRef idx="minor">
+            <a:schemeClr val="tx1"/>
+          </a:fontRef>
+        </p:style>
+      </p:cxnSp>
+      <p:cxnSp>
+        <p:nvCxnSpPr>
+          <p:cNvPr id="21" name="Straight Connector 20">
+            <a:extLst>
+              <a:ext uri="{FF2B5EF4-FFF2-40B4-BE49-F238E27FC236}">
+                <a16:creationId xmlns:a16="http://schemas.microsoft.com/office/drawing/2014/main" id="{658A4432-51DA-C6B0-053A-3AB2CD3BB882}"/>
+              </a:ext>
+            </a:extLst>
+          </p:cNvPr>
+          <p:cNvCxnSpPr/>
+          <p:nvPr/>
+        </p:nvCxnSpPr>
+        <p:spPr>
+          <a:xfrm flipV="1">
+            <a:off x="580571" y="333807"/>
+            <a:ext cx="11190515" cy="6081507"/>
+          </a:xfrm>
+          <a:prstGeom prst="line">
+            <a:avLst/>
+          </a:prstGeom>
+        </p:spPr>
+        <p:style>
+          <a:lnRef idx="1">
+            <a:schemeClr val="accent1"/>
+          </a:lnRef>
+          <a:fillRef idx="0">
+            <a:schemeClr val="accent1"/>
+          </a:fillRef>
+          <a:effectRef idx="0">
+            <a:schemeClr val="accent1"/>
+          </a:effectRef>
+          <a:fontRef idx="minor">
+            <a:schemeClr val="tx1"/>
+          </a:fontRef>
+        </p:style>
+      </p:cxnSp>
     </p:spTree>
     <p:extLst>
       <p:ext uri="{BB962C8B-B14F-4D97-AF65-F5344CB8AC3E}">
-        <p14:creationId xmlns:p14="http://schemas.microsoft.com/office/powerpoint/2010/main" val="1313863578"/>
+        <p14:creationId xmlns:p14="http://schemas.microsoft.com/office/powerpoint/2010/main" val="2037642269"/>
       </p:ext>
     </p:extLst>
   </p:cSld>
@@ -14490,10 +14996,10 @@
       </p:grpSpPr>
       <p:pic>
         <p:nvPicPr>
-          <p:cNvPr id="3" name="Picture 2">
-            <a:extLst>
-              <a:ext uri="{FF2B5EF4-FFF2-40B4-BE49-F238E27FC236}">
-                <a16:creationId xmlns:a16="http://schemas.microsoft.com/office/drawing/2014/main" id="{731A6696-FACF-D837-1D47-8C099485FE7F}"/>
+          <p:cNvPr id="5" name="Picture 4">
+            <a:extLst>
+              <a:ext uri="{FF2B5EF4-FFF2-40B4-BE49-F238E27FC236}">
+                <a16:creationId xmlns:a16="http://schemas.microsoft.com/office/drawing/2014/main" id="{E065112F-810E-B8B9-59B2-C1200806FFCB}"/>
               </a:ext>
             </a:extLst>
           </p:cNvPr>
@@ -14510,61 +15016,20 @@
         </p:blipFill>
         <p:spPr>
           <a:xfrm>
-            <a:off x="964011" y="895350"/>
-            <a:ext cx="10263978" cy="5067300"/>
+            <a:off x="398517" y="0"/>
+            <a:ext cx="8423166" cy="6858000"/>
           </a:xfrm>
           <a:prstGeom prst="rect">
             <a:avLst/>
           </a:prstGeom>
         </p:spPr>
       </p:pic>
-      <p:cxnSp>
-        <p:nvCxnSpPr>
-          <p:cNvPr id="5" name="Straight Arrow Connector 4">
-            <a:extLst>
-              <a:ext uri="{FF2B5EF4-FFF2-40B4-BE49-F238E27FC236}">
-                <a16:creationId xmlns:a16="http://schemas.microsoft.com/office/drawing/2014/main" id="{B96913FF-84C7-7B7B-3AEA-0CCC3EF69784}"/>
-              </a:ext>
-            </a:extLst>
-          </p:cNvPr>
-          <p:cNvCxnSpPr>
-            <a:cxnSpLocks/>
-          </p:cNvCxnSpPr>
-          <p:nvPr/>
-        </p:nvCxnSpPr>
-        <p:spPr>
-          <a:xfrm flipV="1">
-            <a:off x="301658" y="2028825"/>
-            <a:ext cx="1050892" cy="2750564"/>
-          </a:xfrm>
-          <a:prstGeom prst="straightConnector1">
-            <a:avLst/>
-          </a:prstGeom>
-          <a:ln>
-            <a:tailEnd type="triangle"/>
-          </a:ln>
-        </p:spPr>
-        <p:style>
-          <a:lnRef idx="1">
-            <a:schemeClr val="accent1"/>
-          </a:lnRef>
-          <a:fillRef idx="0">
-            <a:schemeClr val="accent1"/>
-          </a:fillRef>
-          <a:effectRef idx="0">
-            <a:schemeClr val="accent1"/>
-          </a:effectRef>
-          <a:fontRef idx="minor">
-            <a:schemeClr val="tx1"/>
-          </a:fontRef>
-        </p:style>
-      </p:cxnSp>
-      <p:sp>
-        <p:nvSpPr>
-          <p:cNvPr id="6" name="TextBox 5">
-            <a:extLst>
-              <a:ext uri="{FF2B5EF4-FFF2-40B4-BE49-F238E27FC236}">
-                <a16:creationId xmlns:a16="http://schemas.microsoft.com/office/drawing/2014/main" id="{F91AA5EA-23C5-2DA4-9654-ECD9F66C3977}"/>
+      <p:sp>
+        <p:nvSpPr>
+          <p:cNvPr id="3" name="TextBox 2">
+            <a:extLst>
+              <a:ext uri="{FF2B5EF4-FFF2-40B4-BE49-F238E27FC236}">
+                <a16:creationId xmlns:a16="http://schemas.microsoft.com/office/drawing/2014/main" id="{3C7F42A4-8E11-AA76-AF0F-2BBB44C51558}"/>
               </a:ext>
             </a:extLst>
           </p:cNvPr>
@@ -14573,52 +15038,8 @@
         </p:nvSpPr>
         <p:spPr>
           <a:xfrm>
-            <a:off x="84841" y="4466617"/>
-            <a:ext cx="1653017" cy="369332"/>
-          </a:xfrm>
-          <a:prstGeom prst="rect">
-            <a:avLst/>
-          </a:prstGeom>
-          <a:noFill/>
-        </p:spPr>
-        <p:txBody>
-          <a:bodyPr wrap="none" rtlCol="0">
-            <a:spAutoFit/>
-          </a:bodyPr>
-          <a:lstStyle/>
-          <a:p>
-            <a:r>
-              <a:rPr lang="he-IL" dirty="0">
-                <a:highlight>
-                  <a:srgbClr val="00FFFF"/>
-                </a:highlight>
-              </a:rPr>
-              <a:t>אפשרויות תצוגה</a:t>
-            </a:r>
-            <a:endParaRPr lang="en-US" dirty="0">
-              <a:highlight>
-                <a:srgbClr val="00FFFF"/>
-              </a:highlight>
-            </a:endParaRPr>
-          </a:p>
-        </p:txBody>
-      </p:sp>
-      <p:sp>
-        <p:nvSpPr>
-          <p:cNvPr id="4" name="TextBox 3">
-            <a:extLst>
-              <a:ext uri="{FF2B5EF4-FFF2-40B4-BE49-F238E27FC236}">
-                <a16:creationId xmlns:a16="http://schemas.microsoft.com/office/drawing/2014/main" id="{DCC1E152-EC93-BD29-D313-8D12202CB406}"/>
-              </a:ext>
-            </a:extLst>
-          </p:cNvPr>
-          <p:cNvSpPr txBox="1"/>
-          <p:nvPr/>
-        </p:nvSpPr>
-        <p:spPr>
-          <a:xfrm>
-            <a:off x="1076325" y="50088"/>
-            <a:ext cx="9334500" cy="369332"/>
+            <a:off x="6267450" y="5273159"/>
+            <a:ext cx="6096000" cy="369332"/>
           </a:xfrm>
           <a:prstGeom prst="rect">
             <a:avLst/>
@@ -14633,7 +15054,7 @@
           <a:p>
             <a:r>
               <a:rPr lang="en-US" dirty="0"/>
-              <a:t>https://www.gapminder.org/tools/#$chart-type=linechart&amp;url=v1</a:t>
+              <a:t>https://ourworldindata.org/population-growth</a:t>
             </a:r>
           </a:p>
         </p:txBody>
@@ -14641,7 +15062,7 @@
     </p:spTree>
     <p:extLst>
       <p:ext uri="{BB962C8B-B14F-4D97-AF65-F5344CB8AC3E}">
-        <p14:creationId xmlns:p14="http://schemas.microsoft.com/office/powerpoint/2010/main" val="2128382205"/>
+        <p14:creationId xmlns:p14="http://schemas.microsoft.com/office/powerpoint/2010/main" val="1313863578"/>
       </p:ext>
     </p:extLst>
   </p:cSld>
@@ -14673,7 +15094,7 @@
           <p:cNvPr id="3" name="Picture 2">
             <a:extLst>
               <a:ext uri="{FF2B5EF4-FFF2-40B4-BE49-F238E27FC236}">
-                <a16:creationId xmlns:a16="http://schemas.microsoft.com/office/drawing/2014/main" id="{E90BF0CD-DF68-7240-0C8A-B72866852981}"/>
+                <a16:creationId xmlns:a16="http://schemas.microsoft.com/office/drawing/2014/main" id="{731A6696-FACF-D837-1D47-8C099485FE7F}"/>
               </a:ext>
             </a:extLst>
           </p:cNvPr>
@@ -14690,20 +15111,61 @@
         </p:blipFill>
         <p:spPr>
           <a:xfrm>
-            <a:off x="0" y="480546"/>
-            <a:ext cx="12192000" cy="5896908"/>
+            <a:off x="964011" y="895350"/>
+            <a:ext cx="10263978" cy="5067300"/>
           </a:xfrm>
           <a:prstGeom prst="rect">
             <a:avLst/>
           </a:prstGeom>
         </p:spPr>
       </p:pic>
-      <p:sp>
-        <p:nvSpPr>
-          <p:cNvPr id="5" name="TextBox 4">
-            <a:extLst>
-              <a:ext uri="{FF2B5EF4-FFF2-40B4-BE49-F238E27FC236}">
-                <a16:creationId xmlns:a16="http://schemas.microsoft.com/office/drawing/2014/main" id="{D38AF834-685E-5E55-99D0-82948134EFED}"/>
+      <p:cxnSp>
+        <p:nvCxnSpPr>
+          <p:cNvPr id="5" name="Straight Arrow Connector 4">
+            <a:extLst>
+              <a:ext uri="{FF2B5EF4-FFF2-40B4-BE49-F238E27FC236}">
+                <a16:creationId xmlns:a16="http://schemas.microsoft.com/office/drawing/2014/main" id="{B96913FF-84C7-7B7B-3AEA-0CCC3EF69784}"/>
+              </a:ext>
+            </a:extLst>
+          </p:cNvPr>
+          <p:cNvCxnSpPr>
+            <a:cxnSpLocks/>
+          </p:cNvCxnSpPr>
+          <p:nvPr/>
+        </p:nvCxnSpPr>
+        <p:spPr>
+          <a:xfrm flipV="1">
+            <a:off x="301658" y="2028825"/>
+            <a:ext cx="1050892" cy="2750564"/>
+          </a:xfrm>
+          <a:prstGeom prst="straightConnector1">
+            <a:avLst/>
+          </a:prstGeom>
+          <a:ln>
+            <a:tailEnd type="triangle"/>
+          </a:ln>
+        </p:spPr>
+        <p:style>
+          <a:lnRef idx="1">
+            <a:schemeClr val="accent1"/>
+          </a:lnRef>
+          <a:fillRef idx="0">
+            <a:schemeClr val="accent1"/>
+          </a:fillRef>
+          <a:effectRef idx="0">
+            <a:schemeClr val="accent1"/>
+          </a:effectRef>
+          <a:fontRef idx="minor">
+            <a:schemeClr val="tx1"/>
+          </a:fontRef>
+        </p:style>
+      </p:cxnSp>
+      <p:sp>
+        <p:nvSpPr>
+          <p:cNvPr id="6" name="TextBox 5">
+            <a:extLst>
+              <a:ext uri="{FF2B5EF4-FFF2-40B4-BE49-F238E27FC236}">
+                <a16:creationId xmlns:a16="http://schemas.microsoft.com/office/drawing/2014/main" id="{F91AA5EA-23C5-2DA4-9654-ECD9F66C3977}"/>
               </a:ext>
             </a:extLst>
           </p:cNvPr>
@@ -14712,8 +15174,52 @@
         </p:nvSpPr>
         <p:spPr>
           <a:xfrm>
-            <a:off x="852488" y="248335"/>
-            <a:ext cx="6162674" cy="646331"/>
+            <a:off x="84841" y="4466617"/>
+            <a:ext cx="1653017" cy="369332"/>
+          </a:xfrm>
+          <a:prstGeom prst="rect">
+            <a:avLst/>
+          </a:prstGeom>
+          <a:noFill/>
+        </p:spPr>
+        <p:txBody>
+          <a:bodyPr wrap="none" rtlCol="0">
+            <a:spAutoFit/>
+          </a:bodyPr>
+          <a:lstStyle/>
+          <a:p>
+            <a:r>
+              <a:rPr lang="he-IL" dirty="0">
+                <a:highlight>
+                  <a:srgbClr val="00FFFF"/>
+                </a:highlight>
+              </a:rPr>
+              <a:t>אפשרויות תצוגה</a:t>
+            </a:r>
+            <a:endParaRPr lang="en-US" dirty="0">
+              <a:highlight>
+                <a:srgbClr val="00FFFF"/>
+              </a:highlight>
+            </a:endParaRPr>
+          </a:p>
+        </p:txBody>
+      </p:sp>
+      <p:sp>
+        <p:nvSpPr>
+          <p:cNvPr id="4" name="TextBox 3">
+            <a:extLst>
+              <a:ext uri="{FF2B5EF4-FFF2-40B4-BE49-F238E27FC236}">
+                <a16:creationId xmlns:a16="http://schemas.microsoft.com/office/drawing/2014/main" id="{DCC1E152-EC93-BD29-D313-8D12202CB406}"/>
+              </a:ext>
+            </a:extLst>
+          </p:cNvPr>
+          <p:cNvSpPr txBox="1"/>
+          <p:nvPr/>
+        </p:nvSpPr>
+        <p:spPr>
+          <a:xfrm>
+            <a:off x="1076325" y="50088"/>
+            <a:ext cx="9334500" cy="369332"/>
           </a:xfrm>
           <a:prstGeom prst="rect">
             <a:avLst/>
@@ -14728,7 +15234,7 @@
           <a:p>
             <a:r>
               <a:rPr lang="en-US" dirty="0"/>
-              <a:t>https://databank.worldbank.org/indicator/NY.GDP.MKTP.KD.ZG/1ff4a498/Popular-Indicators</a:t>
+              <a:t>https://www.gapminder.org/tools/#$chart-type=linechart&amp;url=v1</a:t>
             </a:r>
           </a:p>
         </p:txBody>
@@ -14736,7 +15242,7 @@
     </p:spTree>
     <p:extLst>
       <p:ext uri="{BB962C8B-B14F-4D97-AF65-F5344CB8AC3E}">
-        <p14:creationId xmlns:p14="http://schemas.microsoft.com/office/powerpoint/2010/main" val="3648934114"/>
+        <p14:creationId xmlns:p14="http://schemas.microsoft.com/office/powerpoint/2010/main" val="2128382205"/>
       </p:ext>
     </p:extLst>
   </p:cSld>
@@ -14763,153 +15269,12 @@
           <a:chExt cx="0" cy="0"/>
         </a:xfrm>
       </p:grpSpPr>
-      <p:sp>
-        <p:nvSpPr>
-          <p:cNvPr id="2" name="Rectangle 1">
-            <a:extLst>
-              <a:ext uri="{FF2B5EF4-FFF2-40B4-BE49-F238E27FC236}">
-                <a16:creationId xmlns:a16="http://schemas.microsoft.com/office/drawing/2014/main" id="{5C600E18-4F23-97B9-58E9-1DA5D2F22051}"/>
-              </a:ext>
-            </a:extLst>
-          </p:cNvPr>
-          <p:cNvSpPr/>
-          <p:nvPr/>
-        </p:nvSpPr>
-        <p:spPr>
-          <a:xfrm>
-            <a:off x="5104794" y="1800520"/>
-            <a:ext cx="1348033" cy="961534"/>
-          </a:xfrm>
-          <a:prstGeom prst="rect">
-            <a:avLst/>
-          </a:prstGeom>
-        </p:spPr>
-        <p:style>
-          <a:lnRef idx="2">
-            <a:schemeClr val="accent1">
-              <a:shade val="15000"/>
-            </a:schemeClr>
-          </a:lnRef>
-          <a:fillRef idx="1">
-            <a:schemeClr val="accent1"/>
-          </a:fillRef>
-          <a:effectRef idx="0">
-            <a:schemeClr val="accent1"/>
-          </a:effectRef>
-          <a:fontRef idx="minor">
-            <a:schemeClr val="lt1"/>
-          </a:fontRef>
-        </p:style>
-        <p:txBody>
-          <a:bodyPr rtlCol="0" anchor="ctr"/>
-          <a:lstStyle/>
-          <a:p>
-            <a:pPr algn="ctr"/>
-            <a:r>
-              <a:rPr lang="en-US" dirty="0"/>
-              <a:t>main</a:t>
-            </a:r>
-          </a:p>
-        </p:txBody>
-      </p:sp>
-      <p:sp>
-        <p:nvSpPr>
-          <p:cNvPr id="3" name="Rectangle 2">
-            <a:extLst>
-              <a:ext uri="{FF2B5EF4-FFF2-40B4-BE49-F238E27FC236}">
-                <a16:creationId xmlns:a16="http://schemas.microsoft.com/office/drawing/2014/main" id="{3992DD80-8E77-42DA-63D7-6A8FA50ECD50}"/>
-              </a:ext>
-            </a:extLst>
-          </p:cNvPr>
-          <p:cNvSpPr/>
-          <p:nvPr/>
-        </p:nvSpPr>
-        <p:spPr>
-          <a:xfrm>
-            <a:off x="2375852" y="4255359"/>
-            <a:ext cx="1348033" cy="961534"/>
-          </a:xfrm>
-          <a:prstGeom prst="rect">
-            <a:avLst/>
-          </a:prstGeom>
-        </p:spPr>
-        <p:style>
-          <a:lnRef idx="2">
-            <a:schemeClr val="accent1">
-              <a:shade val="15000"/>
-            </a:schemeClr>
-          </a:lnRef>
-          <a:fillRef idx="1">
-            <a:schemeClr val="accent1"/>
-          </a:fillRef>
-          <a:effectRef idx="0">
-            <a:schemeClr val="accent1"/>
-          </a:effectRef>
-          <a:fontRef idx="minor">
-            <a:schemeClr val="lt1"/>
-          </a:fontRef>
-        </p:style>
-        <p:txBody>
-          <a:bodyPr rtlCol="0" anchor="ctr"/>
-          <a:lstStyle/>
-          <a:p>
-            <a:pPr algn="ctr"/>
-            <a:r>
-              <a:rPr lang="en-US" dirty="0" err="1"/>
-              <a:t>ido</a:t>
-            </a:r>
-            <a:endParaRPr lang="en-US" dirty="0"/>
-          </a:p>
-        </p:txBody>
-      </p:sp>
-      <p:cxnSp>
-        <p:nvCxnSpPr>
-          <p:cNvPr id="5" name="Connector: Elbow 4">
-            <a:extLst>
-              <a:ext uri="{FF2B5EF4-FFF2-40B4-BE49-F238E27FC236}">
-                <a16:creationId xmlns:a16="http://schemas.microsoft.com/office/drawing/2014/main" id="{E8C2C93D-A96A-8EFB-5B92-399895A7C1F1}"/>
-              </a:ext>
-            </a:extLst>
-          </p:cNvPr>
-          <p:cNvCxnSpPr>
-            <a:stCxn id="2" idx="2"/>
-            <a:endCxn id="3" idx="0"/>
-          </p:cNvCxnSpPr>
-          <p:nvPr/>
-        </p:nvCxnSpPr>
-        <p:spPr>
-          <a:xfrm rot="5400000">
-            <a:off x="3667688" y="2144235"/>
-            <a:ext cx="1493305" cy="2728942"/>
-          </a:xfrm>
-          <a:prstGeom prst="bentConnector3">
-            <a:avLst/>
-          </a:prstGeom>
-          <a:ln>
-            <a:tailEnd type="triangle"/>
-          </a:ln>
-        </p:spPr>
-        <p:style>
-          <a:lnRef idx="1">
-            <a:schemeClr val="accent1"/>
-          </a:lnRef>
-          <a:fillRef idx="0">
-            <a:schemeClr val="accent1"/>
-          </a:fillRef>
-          <a:effectRef idx="0">
-            <a:schemeClr val="accent1"/>
-          </a:effectRef>
-          <a:fontRef idx="minor">
-            <a:schemeClr val="tx1"/>
-          </a:fontRef>
-        </p:style>
-      </p:cxnSp>
       <p:pic>
         <p:nvPicPr>
-          <p:cNvPr id="9" name="Picture 8">
-            <a:extLst>
-              <a:ext uri="{FF2B5EF4-FFF2-40B4-BE49-F238E27FC236}">
-                <a16:creationId xmlns:a16="http://schemas.microsoft.com/office/drawing/2014/main" id="{5A228ABB-7DC1-2AAD-EA10-2F0AD7B6E84D}"/>
+          <p:cNvPr id="3" name="Picture 2">
+            <a:extLst>
+              <a:ext uri="{FF2B5EF4-FFF2-40B4-BE49-F238E27FC236}">
+                <a16:creationId xmlns:a16="http://schemas.microsoft.com/office/drawing/2014/main" id="{E90BF0CD-DF68-7240-0C8A-B72866852981}"/>
               </a:ext>
             </a:extLst>
           </p:cNvPr>
@@ -14926,62 +15291,20 @@
         </p:blipFill>
         <p:spPr>
           <a:xfrm>
-            <a:off x="4430834" y="891068"/>
-            <a:ext cx="2695951" cy="428685"/>
+            <a:off x="0" y="480546"/>
+            <a:ext cx="12192000" cy="5896908"/>
           </a:xfrm>
           <a:prstGeom prst="rect">
             <a:avLst/>
           </a:prstGeom>
         </p:spPr>
       </p:pic>
-      <p:cxnSp>
-        <p:nvCxnSpPr>
-          <p:cNvPr id="11" name="Straight Arrow Connector 10">
-            <a:extLst>
-              <a:ext uri="{FF2B5EF4-FFF2-40B4-BE49-F238E27FC236}">
-                <a16:creationId xmlns:a16="http://schemas.microsoft.com/office/drawing/2014/main" id="{AD236B2D-C888-C3AA-D6F9-9A7ED5DDC76D}"/>
-              </a:ext>
-            </a:extLst>
-          </p:cNvPr>
-          <p:cNvCxnSpPr>
-            <a:stCxn id="9" idx="2"/>
-            <a:endCxn id="2" idx="0"/>
-          </p:cNvCxnSpPr>
-          <p:nvPr/>
-        </p:nvCxnSpPr>
-        <p:spPr>
-          <a:xfrm>
-            <a:off x="5778810" y="1319753"/>
-            <a:ext cx="1" cy="480767"/>
-          </a:xfrm>
-          <a:prstGeom prst="straightConnector1">
-            <a:avLst/>
-          </a:prstGeom>
-          <a:ln>
-            <a:tailEnd type="triangle"/>
-          </a:ln>
-        </p:spPr>
-        <p:style>
-          <a:lnRef idx="1">
-            <a:schemeClr val="accent1"/>
-          </a:lnRef>
-          <a:fillRef idx="0">
-            <a:schemeClr val="accent1"/>
-          </a:fillRef>
-          <a:effectRef idx="0">
-            <a:schemeClr val="accent1"/>
-          </a:effectRef>
-          <a:fontRef idx="minor">
-            <a:schemeClr val="tx1"/>
-          </a:fontRef>
-        </p:style>
-      </p:cxnSp>
-      <p:sp>
-        <p:nvSpPr>
-          <p:cNvPr id="13" name="TextBox 12">
-            <a:extLst>
-              <a:ext uri="{FF2B5EF4-FFF2-40B4-BE49-F238E27FC236}">
-                <a16:creationId xmlns:a16="http://schemas.microsoft.com/office/drawing/2014/main" id="{4056BE52-BFB0-ADB3-5044-CCFEFA14F0C3}"/>
+      <p:sp>
+        <p:nvSpPr>
+          <p:cNvPr id="5" name="TextBox 4">
+            <a:extLst>
+              <a:ext uri="{FF2B5EF4-FFF2-40B4-BE49-F238E27FC236}">
+                <a16:creationId xmlns:a16="http://schemas.microsoft.com/office/drawing/2014/main" id="{D38AF834-685E-5E55-99D0-82948134EFED}"/>
               </a:ext>
             </a:extLst>
           </p:cNvPr>
@@ -14990,8 +15313,8 @@
         </p:nvSpPr>
         <p:spPr>
           <a:xfrm>
-            <a:off x="6825006" y="2083324"/>
-            <a:ext cx="1091966" cy="369332"/>
+            <a:off x="852488" y="248335"/>
+            <a:ext cx="6162674" cy="646331"/>
           </a:xfrm>
           <a:prstGeom prst="rect">
             <a:avLst/>
@@ -14999,140 +15322,22 @@
           <a:noFill/>
         </p:spPr>
         <p:txBody>
-          <a:bodyPr wrap="none" rtlCol="0">
+          <a:bodyPr wrap="square">
             <a:spAutoFit/>
           </a:bodyPr>
           <a:lstStyle/>
           <a:p>
             <a:r>
-              <a:rPr lang="en-US" dirty="0" err="1"/>
-              <a:t>Dvlp</a:t>
-            </a:r>
-            <a:r>
               <a:rPr lang="en-US" dirty="0"/>
-              <a:t>\v0.3</a:t>
-            </a:r>
-          </a:p>
-        </p:txBody>
-      </p:sp>
-      <p:sp>
-        <p:nvSpPr>
-          <p:cNvPr id="14" name="TextBox 13">
-            <a:extLst>
-              <a:ext uri="{FF2B5EF4-FFF2-40B4-BE49-F238E27FC236}">
-                <a16:creationId xmlns:a16="http://schemas.microsoft.com/office/drawing/2014/main" id="{27CCB543-845A-6808-B056-599C5DF3918D}"/>
-              </a:ext>
-            </a:extLst>
-          </p:cNvPr>
-          <p:cNvSpPr txBox="1"/>
-          <p:nvPr/>
-        </p:nvSpPr>
-        <p:spPr>
-          <a:xfrm>
-            <a:off x="3868357" y="4551459"/>
-            <a:ext cx="1091966" cy="369332"/>
-          </a:xfrm>
-          <a:prstGeom prst="rect">
-            <a:avLst/>
-          </a:prstGeom>
-          <a:noFill/>
-        </p:spPr>
-        <p:txBody>
-          <a:bodyPr wrap="none" rtlCol="0">
-            <a:spAutoFit/>
-          </a:bodyPr>
-          <a:lstStyle/>
-          <a:p>
-            <a:r>
-              <a:rPr lang="en-US" dirty="0" err="1"/>
-              <a:t>Dvlp</a:t>
-            </a:r>
-            <a:r>
-              <a:rPr lang="en-US" dirty="0"/>
-              <a:t>\v0.3</a:t>
-            </a:r>
-          </a:p>
-        </p:txBody>
-      </p:sp>
-      <p:cxnSp>
-        <p:nvCxnSpPr>
-          <p:cNvPr id="16" name="Straight Arrow Connector 15">
-            <a:extLst>
-              <a:ext uri="{FF2B5EF4-FFF2-40B4-BE49-F238E27FC236}">
-                <a16:creationId xmlns:a16="http://schemas.microsoft.com/office/drawing/2014/main" id="{A56BB33B-BA19-AD19-9814-0481C09C7549}"/>
-              </a:ext>
-            </a:extLst>
-          </p:cNvPr>
-          <p:cNvCxnSpPr/>
-          <p:nvPr/>
-        </p:nvCxnSpPr>
-        <p:spPr>
-          <a:xfrm flipH="1">
-            <a:off x="3723885" y="2153182"/>
-            <a:ext cx="1112599" cy="1140643"/>
-          </a:xfrm>
-          <a:prstGeom prst="straightConnector1">
-            <a:avLst/>
-          </a:prstGeom>
-          <a:ln>
-            <a:tailEnd type="triangle"/>
-          </a:ln>
-        </p:spPr>
-        <p:style>
-          <a:lnRef idx="1">
-            <a:schemeClr val="accent1"/>
-          </a:lnRef>
-          <a:fillRef idx="0">
-            <a:schemeClr val="accent1"/>
-          </a:fillRef>
-          <a:effectRef idx="0">
-            <a:schemeClr val="accent1"/>
-          </a:effectRef>
-          <a:fontRef idx="minor">
-            <a:schemeClr val="tx1"/>
-          </a:fontRef>
-        </p:style>
-      </p:cxnSp>
-      <p:sp>
-        <p:nvSpPr>
-          <p:cNvPr id="4" name="TextBox 3">
-            <a:extLst>
-              <a:ext uri="{FF2B5EF4-FFF2-40B4-BE49-F238E27FC236}">
-                <a16:creationId xmlns:a16="http://schemas.microsoft.com/office/drawing/2014/main" id="{B1A1C8AA-C5DD-7B7C-ECF4-E30EF903C987}"/>
-              </a:ext>
-            </a:extLst>
-          </p:cNvPr>
-          <p:cNvSpPr txBox="1"/>
-          <p:nvPr/>
-        </p:nvSpPr>
-        <p:spPr>
-          <a:xfrm>
-            <a:off x="5495827" y="4494898"/>
-            <a:ext cx="795411" cy="369332"/>
-          </a:xfrm>
-          <a:prstGeom prst="rect">
-            <a:avLst/>
-          </a:prstGeom>
-          <a:noFill/>
-        </p:spPr>
-        <p:txBody>
-          <a:bodyPr wrap="none" rtlCol="0">
-            <a:spAutoFit/>
-          </a:bodyPr>
-          <a:lstStyle/>
-          <a:p>
-            <a:r>
-              <a:rPr lang="he-IL" dirty="0"/>
-              <a:t>שינויים</a:t>
-            </a:r>
-            <a:endParaRPr lang="en-US" dirty="0"/>
+              <a:t>https://databank.worldbank.org/indicator/NY.GDP.MKTP.KD.ZG/1ff4a498/Popular-Indicators</a:t>
+            </a:r>
           </a:p>
         </p:txBody>
       </p:sp>
     </p:spTree>
     <p:extLst>
       <p:ext uri="{BB962C8B-B14F-4D97-AF65-F5344CB8AC3E}">
-        <p14:creationId xmlns:p14="http://schemas.microsoft.com/office/powerpoint/2010/main" val="4109065590"/>
+        <p14:creationId xmlns:p14="http://schemas.microsoft.com/office/powerpoint/2010/main" val="3648934114"/>
       </p:ext>
     </p:extLst>
   </p:cSld>
@@ -15161,6 +15366,402 @@
       </p:grpSpPr>
       <p:sp>
         <p:nvSpPr>
+          <p:cNvPr id="2" name="Rectangle 1">
+            <a:extLst>
+              <a:ext uri="{FF2B5EF4-FFF2-40B4-BE49-F238E27FC236}">
+                <a16:creationId xmlns:a16="http://schemas.microsoft.com/office/drawing/2014/main" id="{5C600E18-4F23-97B9-58E9-1DA5D2F22051}"/>
+              </a:ext>
+            </a:extLst>
+          </p:cNvPr>
+          <p:cNvSpPr/>
+          <p:nvPr/>
+        </p:nvSpPr>
+        <p:spPr>
+          <a:xfrm>
+            <a:off x="5104794" y="1800520"/>
+            <a:ext cx="1348033" cy="961534"/>
+          </a:xfrm>
+          <a:prstGeom prst="rect">
+            <a:avLst/>
+          </a:prstGeom>
+        </p:spPr>
+        <p:style>
+          <a:lnRef idx="2">
+            <a:schemeClr val="accent1">
+              <a:shade val="15000"/>
+            </a:schemeClr>
+          </a:lnRef>
+          <a:fillRef idx="1">
+            <a:schemeClr val="accent1"/>
+          </a:fillRef>
+          <a:effectRef idx="0">
+            <a:schemeClr val="accent1"/>
+          </a:effectRef>
+          <a:fontRef idx="minor">
+            <a:schemeClr val="lt1"/>
+          </a:fontRef>
+        </p:style>
+        <p:txBody>
+          <a:bodyPr rtlCol="0" anchor="ctr"/>
+          <a:lstStyle/>
+          <a:p>
+            <a:pPr algn="ctr"/>
+            <a:r>
+              <a:rPr lang="en-US" dirty="0"/>
+              <a:t>main</a:t>
+            </a:r>
+          </a:p>
+        </p:txBody>
+      </p:sp>
+      <p:sp>
+        <p:nvSpPr>
+          <p:cNvPr id="3" name="Rectangle 2">
+            <a:extLst>
+              <a:ext uri="{FF2B5EF4-FFF2-40B4-BE49-F238E27FC236}">
+                <a16:creationId xmlns:a16="http://schemas.microsoft.com/office/drawing/2014/main" id="{3992DD80-8E77-42DA-63D7-6A8FA50ECD50}"/>
+              </a:ext>
+            </a:extLst>
+          </p:cNvPr>
+          <p:cNvSpPr/>
+          <p:nvPr/>
+        </p:nvSpPr>
+        <p:spPr>
+          <a:xfrm>
+            <a:off x="2375852" y="4255359"/>
+            <a:ext cx="1348033" cy="961534"/>
+          </a:xfrm>
+          <a:prstGeom prst="rect">
+            <a:avLst/>
+          </a:prstGeom>
+        </p:spPr>
+        <p:style>
+          <a:lnRef idx="2">
+            <a:schemeClr val="accent1">
+              <a:shade val="15000"/>
+            </a:schemeClr>
+          </a:lnRef>
+          <a:fillRef idx="1">
+            <a:schemeClr val="accent1"/>
+          </a:fillRef>
+          <a:effectRef idx="0">
+            <a:schemeClr val="accent1"/>
+          </a:effectRef>
+          <a:fontRef idx="minor">
+            <a:schemeClr val="lt1"/>
+          </a:fontRef>
+        </p:style>
+        <p:txBody>
+          <a:bodyPr rtlCol="0" anchor="ctr"/>
+          <a:lstStyle/>
+          <a:p>
+            <a:pPr algn="ctr"/>
+            <a:r>
+              <a:rPr lang="en-US" dirty="0" err="1"/>
+              <a:t>ido</a:t>
+            </a:r>
+            <a:endParaRPr lang="en-US" dirty="0"/>
+          </a:p>
+        </p:txBody>
+      </p:sp>
+      <p:cxnSp>
+        <p:nvCxnSpPr>
+          <p:cNvPr id="5" name="Connector: Elbow 4">
+            <a:extLst>
+              <a:ext uri="{FF2B5EF4-FFF2-40B4-BE49-F238E27FC236}">
+                <a16:creationId xmlns:a16="http://schemas.microsoft.com/office/drawing/2014/main" id="{E8C2C93D-A96A-8EFB-5B92-399895A7C1F1}"/>
+              </a:ext>
+            </a:extLst>
+          </p:cNvPr>
+          <p:cNvCxnSpPr>
+            <a:stCxn id="2" idx="2"/>
+            <a:endCxn id="3" idx="0"/>
+          </p:cNvCxnSpPr>
+          <p:nvPr/>
+        </p:nvCxnSpPr>
+        <p:spPr>
+          <a:xfrm rot="5400000">
+            <a:off x="3667688" y="2144235"/>
+            <a:ext cx="1493305" cy="2728942"/>
+          </a:xfrm>
+          <a:prstGeom prst="bentConnector3">
+            <a:avLst/>
+          </a:prstGeom>
+          <a:ln>
+            <a:tailEnd type="triangle"/>
+          </a:ln>
+        </p:spPr>
+        <p:style>
+          <a:lnRef idx="1">
+            <a:schemeClr val="accent1"/>
+          </a:lnRef>
+          <a:fillRef idx="0">
+            <a:schemeClr val="accent1"/>
+          </a:fillRef>
+          <a:effectRef idx="0">
+            <a:schemeClr val="accent1"/>
+          </a:effectRef>
+          <a:fontRef idx="minor">
+            <a:schemeClr val="tx1"/>
+          </a:fontRef>
+        </p:style>
+      </p:cxnSp>
+      <p:pic>
+        <p:nvPicPr>
+          <p:cNvPr id="9" name="Picture 8">
+            <a:extLst>
+              <a:ext uri="{FF2B5EF4-FFF2-40B4-BE49-F238E27FC236}">
+                <a16:creationId xmlns:a16="http://schemas.microsoft.com/office/drawing/2014/main" id="{5A228ABB-7DC1-2AAD-EA10-2F0AD7B6E84D}"/>
+              </a:ext>
+            </a:extLst>
+          </p:cNvPr>
+          <p:cNvPicPr>
+            <a:picLocks noChangeAspect="1"/>
+          </p:cNvPicPr>
+          <p:nvPr/>
+        </p:nvPicPr>
+        <p:blipFill>
+          <a:blip r:embed="rId2"/>
+          <a:stretch>
+            <a:fillRect/>
+          </a:stretch>
+        </p:blipFill>
+        <p:spPr>
+          <a:xfrm>
+            <a:off x="4430834" y="891068"/>
+            <a:ext cx="2695951" cy="428685"/>
+          </a:xfrm>
+          <a:prstGeom prst="rect">
+            <a:avLst/>
+          </a:prstGeom>
+        </p:spPr>
+      </p:pic>
+      <p:cxnSp>
+        <p:nvCxnSpPr>
+          <p:cNvPr id="11" name="Straight Arrow Connector 10">
+            <a:extLst>
+              <a:ext uri="{FF2B5EF4-FFF2-40B4-BE49-F238E27FC236}">
+                <a16:creationId xmlns:a16="http://schemas.microsoft.com/office/drawing/2014/main" id="{AD236B2D-C888-C3AA-D6F9-9A7ED5DDC76D}"/>
+              </a:ext>
+            </a:extLst>
+          </p:cNvPr>
+          <p:cNvCxnSpPr>
+            <a:stCxn id="9" idx="2"/>
+            <a:endCxn id="2" idx="0"/>
+          </p:cNvCxnSpPr>
+          <p:nvPr/>
+        </p:nvCxnSpPr>
+        <p:spPr>
+          <a:xfrm>
+            <a:off x="5778810" y="1319753"/>
+            <a:ext cx="1" cy="480767"/>
+          </a:xfrm>
+          <a:prstGeom prst="straightConnector1">
+            <a:avLst/>
+          </a:prstGeom>
+          <a:ln>
+            <a:tailEnd type="triangle"/>
+          </a:ln>
+        </p:spPr>
+        <p:style>
+          <a:lnRef idx="1">
+            <a:schemeClr val="accent1"/>
+          </a:lnRef>
+          <a:fillRef idx="0">
+            <a:schemeClr val="accent1"/>
+          </a:fillRef>
+          <a:effectRef idx="0">
+            <a:schemeClr val="accent1"/>
+          </a:effectRef>
+          <a:fontRef idx="minor">
+            <a:schemeClr val="tx1"/>
+          </a:fontRef>
+        </p:style>
+      </p:cxnSp>
+      <p:sp>
+        <p:nvSpPr>
+          <p:cNvPr id="13" name="TextBox 12">
+            <a:extLst>
+              <a:ext uri="{FF2B5EF4-FFF2-40B4-BE49-F238E27FC236}">
+                <a16:creationId xmlns:a16="http://schemas.microsoft.com/office/drawing/2014/main" id="{4056BE52-BFB0-ADB3-5044-CCFEFA14F0C3}"/>
+              </a:ext>
+            </a:extLst>
+          </p:cNvPr>
+          <p:cNvSpPr txBox="1"/>
+          <p:nvPr/>
+        </p:nvSpPr>
+        <p:spPr>
+          <a:xfrm>
+            <a:off x="6825006" y="2083324"/>
+            <a:ext cx="1091966" cy="369332"/>
+          </a:xfrm>
+          <a:prstGeom prst="rect">
+            <a:avLst/>
+          </a:prstGeom>
+          <a:noFill/>
+        </p:spPr>
+        <p:txBody>
+          <a:bodyPr wrap="none" rtlCol="0">
+            <a:spAutoFit/>
+          </a:bodyPr>
+          <a:lstStyle/>
+          <a:p>
+            <a:r>
+              <a:rPr lang="en-US" dirty="0" err="1"/>
+              <a:t>Dvlp</a:t>
+            </a:r>
+            <a:r>
+              <a:rPr lang="en-US" dirty="0"/>
+              <a:t>\v0.3</a:t>
+            </a:r>
+          </a:p>
+        </p:txBody>
+      </p:sp>
+      <p:sp>
+        <p:nvSpPr>
+          <p:cNvPr id="14" name="TextBox 13">
+            <a:extLst>
+              <a:ext uri="{FF2B5EF4-FFF2-40B4-BE49-F238E27FC236}">
+                <a16:creationId xmlns:a16="http://schemas.microsoft.com/office/drawing/2014/main" id="{27CCB543-845A-6808-B056-599C5DF3918D}"/>
+              </a:ext>
+            </a:extLst>
+          </p:cNvPr>
+          <p:cNvSpPr txBox="1"/>
+          <p:nvPr/>
+        </p:nvSpPr>
+        <p:spPr>
+          <a:xfrm>
+            <a:off x="3868357" y="4551459"/>
+            <a:ext cx="1091966" cy="369332"/>
+          </a:xfrm>
+          <a:prstGeom prst="rect">
+            <a:avLst/>
+          </a:prstGeom>
+          <a:noFill/>
+        </p:spPr>
+        <p:txBody>
+          <a:bodyPr wrap="none" rtlCol="0">
+            <a:spAutoFit/>
+          </a:bodyPr>
+          <a:lstStyle/>
+          <a:p>
+            <a:r>
+              <a:rPr lang="en-US" dirty="0" err="1"/>
+              <a:t>Dvlp</a:t>
+            </a:r>
+            <a:r>
+              <a:rPr lang="en-US" dirty="0"/>
+              <a:t>\v0.3</a:t>
+            </a:r>
+          </a:p>
+        </p:txBody>
+      </p:sp>
+      <p:cxnSp>
+        <p:nvCxnSpPr>
+          <p:cNvPr id="16" name="Straight Arrow Connector 15">
+            <a:extLst>
+              <a:ext uri="{FF2B5EF4-FFF2-40B4-BE49-F238E27FC236}">
+                <a16:creationId xmlns:a16="http://schemas.microsoft.com/office/drawing/2014/main" id="{A56BB33B-BA19-AD19-9814-0481C09C7549}"/>
+              </a:ext>
+            </a:extLst>
+          </p:cNvPr>
+          <p:cNvCxnSpPr/>
+          <p:nvPr/>
+        </p:nvCxnSpPr>
+        <p:spPr>
+          <a:xfrm flipH="1">
+            <a:off x="3723885" y="2153182"/>
+            <a:ext cx="1112599" cy="1140643"/>
+          </a:xfrm>
+          <a:prstGeom prst="straightConnector1">
+            <a:avLst/>
+          </a:prstGeom>
+          <a:ln>
+            <a:tailEnd type="triangle"/>
+          </a:ln>
+        </p:spPr>
+        <p:style>
+          <a:lnRef idx="1">
+            <a:schemeClr val="accent1"/>
+          </a:lnRef>
+          <a:fillRef idx="0">
+            <a:schemeClr val="accent1"/>
+          </a:fillRef>
+          <a:effectRef idx="0">
+            <a:schemeClr val="accent1"/>
+          </a:effectRef>
+          <a:fontRef idx="minor">
+            <a:schemeClr val="tx1"/>
+          </a:fontRef>
+        </p:style>
+      </p:cxnSp>
+      <p:sp>
+        <p:nvSpPr>
+          <p:cNvPr id="4" name="TextBox 3">
+            <a:extLst>
+              <a:ext uri="{FF2B5EF4-FFF2-40B4-BE49-F238E27FC236}">
+                <a16:creationId xmlns:a16="http://schemas.microsoft.com/office/drawing/2014/main" id="{B1A1C8AA-C5DD-7B7C-ECF4-E30EF903C987}"/>
+              </a:ext>
+            </a:extLst>
+          </p:cNvPr>
+          <p:cNvSpPr txBox="1"/>
+          <p:nvPr/>
+        </p:nvSpPr>
+        <p:spPr>
+          <a:xfrm>
+            <a:off x="5495827" y="4494898"/>
+            <a:ext cx="795411" cy="369332"/>
+          </a:xfrm>
+          <a:prstGeom prst="rect">
+            <a:avLst/>
+          </a:prstGeom>
+          <a:noFill/>
+        </p:spPr>
+        <p:txBody>
+          <a:bodyPr wrap="none" rtlCol="0">
+            <a:spAutoFit/>
+          </a:bodyPr>
+          <a:lstStyle/>
+          <a:p>
+            <a:r>
+              <a:rPr lang="he-IL" dirty="0"/>
+              <a:t>שינויים</a:t>
+            </a:r>
+            <a:endParaRPr lang="en-US" dirty="0"/>
+          </a:p>
+        </p:txBody>
+      </p:sp>
+    </p:spTree>
+    <p:extLst>
+      <p:ext uri="{BB962C8B-B14F-4D97-AF65-F5344CB8AC3E}">
+        <p14:creationId xmlns:p14="http://schemas.microsoft.com/office/powerpoint/2010/main" val="4109065590"/>
+      </p:ext>
+    </p:extLst>
+  </p:cSld>
+  <p:clrMapOvr>
+    <a:masterClrMapping/>
+  </p:clrMapOvr>
+</p:sld>
+</file>
+
+<file path=ppt/slides/slide27.xml><?xml version="1.0" encoding="utf-8"?>
+<p:sld xmlns:a="http://schemas.openxmlformats.org/drawingml/2006/main" xmlns:r="http://schemas.openxmlformats.org/officeDocument/2006/relationships" xmlns:p="http://schemas.openxmlformats.org/presentationml/2006/main">
+  <p:cSld>
+    <p:spTree>
+      <p:nvGrpSpPr>
+        <p:cNvPr id="1" name=""/>
+        <p:cNvGrpSpPr/>
+        <p:nvPr/>
+      </p:nvGrpSpPr>
+      <p:grpSpPr>
+        <a:xfrm>
+          <a:off x="0" y="0"/>
+          <a:ext cx="0" cy="0"/>
+          <a:chOff x="0" y="0"/>
+          <a:chExt cx="0" cy="0"/>
+        </a:xfrm>
+      </p:grpSpPr>
+      <p:sp>
+        <p:nvSpPr>
           <p:cNvPr id="2" name="TextBox 1">
             <a:extLst>
               <a:ext uri="{FF2B5EF4-FFF2-40B4-BE49-F238E27FC236}">
@@ -15318,7 +15919,7 @@
 </p:sld>
 </file>
 
-<file path=ppt/slides/slide27.xml><?xml version="1.0" encoding="utf-8"?>
+<file path=ppt/slides/slide28.xml><?xml version="1.0" encoding="utf-8"?>
 <p:sld xmlns:a="http://schemas.openxmlformats.org/drawingml/2006/main" xmlns:r="http://schemas.openxmlformats.org/officeDocument/2006/relationships" xmlns:p="http://schemas.openxmlformats.org/presentationml/2006/main">
   <p:cSld>
     <p:spTree>
